--- a/doc/TBFG 모바일 프로젝트.pptx
+++ b/doc/TBFG 모바일 프로젝트.pptx
@@ -5,18 +5,20 @@
     <p:sldMasterId id="2147483648" r:id="rId1"/>
   </p:sldMasterIdLst>
   <p:notesMasterIdLst>
-    <p:notesMasterId r:id="rId11"/>
+    <p:notesMasterId r:id="rId13"/>
   </p:notesMasterIdLst>
   <p:sldIdLst>
     <p:sldId id="256" r:id="rId2"/>
-    <p:sldId id="257" r:id="rId3"/>
-    <p:sldId id="259" r:id="rId4"/>
-    <p:sldId id="260" r:id="rId5"/>
-    <p:sldId id="261" r:id="rId6"/>
-    <p:sldId id="262" r:id="rId7"/>
-    <p:sldId id="263" r:id="rId8"/>
-    <p:sldId id="264" r:id="rId9"/>
-    <p:sldId id="265" r:id="rId10"/>
+    <p:sldId id="270" r:id="rId3"/>
+    <p:sldId id="257" r:id="rId4"/>
+    <p:sldId id="262" r:id="rId5"/>
+    <p:sldId id="263" r:id="rId6"/>
+    <p:sldId id="264" r:id="rId7"/>
+    <p:sldId id="265" r:id="rId8"/>
+    <p:sldId id="269" r:id="rId9"/>
+    <p:sldId id="267" r:id="rId10"/>
+    <p:sldId id="268" r:id="rId11"/>
+    <p:sldId id="271" r:id="rId12"/>
   </p:sldIdLst>
   <p:sldSz cx="12192000" cy="6858000"/>
   <p:notesSz cx="6858000" cy="9144000"/>
@@ -985,6 +987,14 @@
         </dgm:presLayoutVars>
       </dgm:prSet>
       <dgm:spPr/>
+      <dgm:t>
+        <a:bodyPr/>
+        <a:lstStyle/>
+        <a:p>
+          <a:pPr latinLnBrk="1"/>
+          <a:endParaRPr lang="ko-KR" altLang="en-US"/>
+        </a:p>
+      </dgm:t>
     </dgm:pt>
     <dgm:pt modelId="{B5155DFF-3F11-49B5-B048-DF426ACCA0D7}" type="pres">
       <dgm:prSet presAssocID="{ACDEB3E2-97C6-449D-BC99-625E3677C541}" presName="hierRoot1" presStyleCnt="0"/>
@@ -1005,6 +1015,14 @@
         </dgm:presLayoutVars>
       </dgm:prSet>
       <dgm:spPr/>
+      <dgm:t>
+        <a:bodyPr/>
+        <a:lstStyle/>
+        <a:p>
+          <a:pPr latinLnBrk="1"/>
+          <a:endParaRPr lang="ko-KR" altLang="en-US"/>
+        </a:p>
+      </dgm:t>
     </dgm:pt>
     <dgm:pt modelId="{F6DBDF20-4EA8-4EBB-82C5-F31D29C93EE7}" type="pres">
       <dgm:prSet presAssocID="{ACDEB3E2-97C6-449D-BC99-625E3677C541}" presName="hierChild2" presStyleCnt="0"/>
@@ -1029,6 +1047,14 @@
         </dgm:presLayoutVars>
       </dgm:prSet>
       <dgm:spPr/>
+      <dgm:t>
+        <a:bodyPr/>
+        <a:lstStyle/>
+        <a:p>
+          <a:pPr latinLnBrk="1"/>
+          <a:endParaRPr lang="ko-KR" altLang="en-US"/>
+        </a:p>
+      </dgm:t>
     </dgm:pt>
     <dgm:pt modelId="{674C6D72-F42E-4D7F-9FB3-13ED6D07616E}" type="pres">
       <dgm:prSet presAssocID="{7D74B4A1-0D08-468F-8AA3-7A9655EE1500}" presName="hierChild2" presStyleCnt="0"/>
@@ -1037,10 +1063,10 @@
   </dgm:ptLst>
   <dgm:cxnLst>
     <dgm:cxn modelId="{2D93151A-3C5B-459D-8681-37BD979326BF}" type="presOf" srcId="{5E9AA483-F68E-40B8-9280-4BDD509DEB97}" destId="{A6CBDF42-0ABF-46DB-ABD5-57CEF482EF90}" srcOrd="0" destOrd="0" presId="urn:microsoft.com/office/officeart/2005/8/layout/hierarchy1"/>
+    <dgm:cxn modelId="{23D5BE5E-2670-4D98-8A8E-17478B132DC5}" type="presOf" srcId="{ACDEB3E2-97C6-449D-BC99-625E3677C541}" destId="{F9B2F84B-7703-4D1A-BBFC-BAB80DA8FF86}" srcOrd="0" destOrd="0" presId="urn:microsoft.com/office/officeart/2005/8/layout/hierarchy1"/>
+    <dgm:cxn modelId="{82A24AC2-A013-4490-AFDE-F3F3C463176C}" srcId="{5E9AA483-F68E-40B8-9280-4BDD509DEB97}" destId="{7D74B4A1-0D08-468F-8AA3-7A9655EE1500}" srcOrd="1" destOrd="0" parTransId="{FBEC3C64-7DA2-458A-9401-8DBB8F26490F}" sibTransId="{384D87E9-B0F3-4E1F-853D-B0F5CDD65D18}"/>
+    <dgm:cxn modelId="{F1CAF64C-994A-43D3-B197-A1C1244357CA}" srcId="{5E9AA483-F68E-40B8-9280-4BDD509DEB97}" destId="{ACDEB3E2-97C6-449D-BC99-625E3677C541}" srcOrd="0" destOrd="0" parTransId="{64520C44-3F38-41DF-AF46-D97D6AEA8BC2}" sibTransId="{AACD806F-1D0D-4078-8FF6-F37FAD7D6AB1}"/>
     <dgm:cxn modelId="{E56EE81F-025A-4E6D-9B1B-F8F542987A87}" type="presOf" srcId="{7D74B4A1-0D08-468F-8AA3-7A9655EE1500}" destId="{DB0861DB-973B-4778-8A9F-880AFACD4AF2}" srcOrd="0" destOrd="0" presId="urn:microsoft.com/office/officeart/2005/8/layout/hierarchy1"/>
-    <dgm:cxn modelId="{23D5BE5E-2670-4D98-8A8E-17478B132DC5}" type="presOf" srcId="{ACDEB3E2-97C6-449D-BC99-625E3677C541}" destId="{F9B2F84B-7703-4D1A-BBFC-BAB80DA8FF86}" srcOrd="0" destOrd="0" presId="urn:microsoft.com/office/officeart/2005/8/layout/hierarchy1"/>
-    <dgm:cxn modelId="{F1CAF64C-994A-43D3-B197-A1C1244357CA}" srcId="{5E9AA483-F68E-40B8-9280-4BDD509DEB97}" destId="{ACDEB3E2-97C6-449D-BC99-625E3677C541}" srcOrd="0" destOrd="0" parTransId="{64520C44-3F38-41DF-AF46-D97D6AEA8BC2}" sibTransId="{AACD806F-1D0D-4078-8FF6-F37FAD7D6AB1}"/>
-    <dgm:cxn modelId="{82A24AC2-A013-4490-AFDE-F3F3C463176C}" srcId="{5E9AA483-F68E-40B8-9280-4BDD509DEB97}" destId="{7D74B4A1-0D08-468F-8AA3-7A9655EE1500}" srcOrd="1" destOrd="0" parTransId="{FBEC3C64-7DA2-458A-9401-8DBB8F26490F}" sibTransId="{384D87E9-B0F3-4E1F-853D-B0F5CDD65D18}"/>
     <dgm:cxn modelId="{DC90F452-BEFB-4D1B-A44F-6FF11F00497B}" type="presParOf" srcId="{A6CBDF42-0ABF-46DB-ABD5-57CEF482EF90}" destId="{B5155DFF-3F11-49B5-B048-DF426ACCA0D7}" srcOrd="0" destOrd="0" presId="urn:microsoft.com/office/officeart/2005/8/layout/hierarchy1"/>
     <dgm:cxn modelId="{27F4ED7D-12C6-4B44-BB10-BB2858A206E7}" type="presParOf" srcId="{B5155DFF-3F11-49B5-B048-DF426ACCA0D7}" destId="{35998272-D23F-43E6-A948-677D78109FC9}" srcOrd="0" destOrd="0" presId="urn:microsoft.com/office/officeart/2005/8/layout/hierarchy1"/>
     <dgm:cxn modelId="{34CD9068-8A1C-4900-90D5-55AE470D7566}" type="presParOf" srcId="{35998272-D23F-43E6-A948-677D78109FC9}" destId="{915EC1DB-BC46-4F7A-A6AD-E65F9177E6F5}" srcOrd="0" destOrd="0" presId="urn:microsoft.com/office/officeart/2005/8/layout/hierarchy1"/>
@@ -1178,7 +1204,7 @@
         </a:bodyPr>
         <a:lstStyle/>
         <a:p>
-          <a:pPr marL="0" lvl="0" indent="0" algn="ctr" defTabSz="755650">
+          <a:pPr lvl="0" algn="ctr" defTabSz="755650">
             <a:lnSpc>
               <a:spcPct val="90000"/>
             </a:lnSpc>
@@ -1188,7 +1214,6 @@
             <a:spcAft>
               <a:spcPct val="35000"/>
             </a:spcAft>
-            <a:buNone/>
           </a:pPr>
           <a:r>
             <a:rPr lang="ko-KR" sz="1700" b="0" i="0" kern="1200"/>
@@ -1310,7 +1335,7 @@
         </a:bodyPr>
         <a:lstStyle/>
         <a:p>
-          <a:pPr marL="0" lvl="0" indent="0" algn="ctr" defTabSz="755650">
+          <a:pPr lvl="0" algn="ctr" defTabSz="755650">
             <a:lnSpc>
               <a:spcPct val="90000"/>
             </a:lnSpc>
@@ -1320,7 +1345,6 @@
             <a:spcAft>
               <a:spcPct val="35000"/>
             </a:spcAft>
-            <a:buNone/>
           </a:pPr>
           <a:r>
             <a:rPr lang="ko-KR" sz="1700" kern="1200"/>
@@ -3365,7 +3389,7 @@
           <a:p>
             <a:fld id="{C4C78B06-1F31-448F-8A2C-F303A3145EBD}" type="slidenum">
               <a:rPr lang="ko-KR" altLang="en-US" smtClean="0"/>
-              <a:t>2</a:t>
+              <a:t>3</a:t>
             </a:fld>
             <a:endParaRPr lang="ko-KR" altLang="en-US"/>
           </a:p>
@@ -3375,6 +3399,90 @@
     <p:extLst>
       <p:ext uri="{BB962C8B-B14F-4D97-AF65-F5344CB8AC3E}">
         <p14:creationId xmlns:p14="http://schemas.microsoft.com/office/powerpoint/2010/main" val="2561704456"/>
+      </p:ext>
+    </p:extLst>
+  </p:cSld>
+  <p:clrMapOvr>
+    <a:masterClrMapping/>
+  </p:clrMapOvr>
+</p:notes>
+</file>
+
+<file path=ppt/notesSlides/notesSlide2.xml><?xml version="1.0" encoding="utf-8"?>
+<p:notes xmlns:a="http://schemas.openxmlformats.org/drawingml/2006/main" xmlns:r="http://schemas.openxmlformats.org/officeDocument/2006/relationships" xmlns:p="http://schemas.openxmlformats.org/presentationml/2006/main">
+  <p:cSld>
+    <p:spTree>
+      <p:nvGrpSpPr>
+        <p:cNvPr id="1" name=""/>
+        <p:cNvGrpSpPr/>
+        <p:nvPr/>
+      </p:nvGrpSpPr>
+      <p:grpSpPr>
+        <a:xfrm>
+          <a:off x="0" y="0"/>
+          <a:ext cx="0" cy="0"/>
+          <a:chOff x="0" y="0"/>
+          <a:chExt cx="0" cy="0"/>
+        </a:xfrm>
+      </p:grpSpPr>
+      <p:sp>
+        <p:nvSpPr>
+          <p:cNvPr id="2" name="슬라이드 이미지 개체 틀 1"/>
+          <p:cNvSpPr>
+            <a:spLocks noGrp="1" noRot="1" noChangeAspect="1"/>
+          </p:cNvSpPr>
+          <p:nvPr>
+            <p:ph type="sldImg"/>
+          </p:nvPr>
+        </p:nvSpPr>
+        <p:spPr/>
+      </p:sp>
+      <p:sp>
+        <p:nvSpPr>
+          <p:cNvPr id="3" name="슬라이드 노트 개체 틀 2"/>
+          <p:cNvSpPr>
+            <a:spLocks noGrp="1"/>
+          </p:cNvSpPr>
+          <p:nvPr>
+            <p:ph type="body" idx="1"/>
+          </p:nvPr>
+        </p:nvSpPr>
+        <p:spPr/>
+        <p:txBody>
+          <a:bodyPr/>
+          <a:lstStyle/>
+          <a:p>
+            <a:endParaRPr lang="ko-KR" altLang="en-US" dirty="0"/>
+          </a:p>
+        </p:txBody>
+      </p:sp>
+      <p:sp>
+        <p:nvSpPr>
+          <p:cNvPr id="4" name="슬라이드 번호 개체 틀 3"/>
+          <p:cNvSpPr>
+            <a:spLocks noGrp="1"/>
+          </p:cNvSpPr>
+          <p:nvPr>
+            <p:ph type="sldNum" sz="quarter" idx="10"/>
+          </p:nvPr>
+        </p:nvSpPr>
+        <p:spPr/>
+        <p:txBody>
+          <a:bodyPr/>
+          <a:lstStyle/>
+          <a:p>
+            <a:fld id="{C4C78B06-1F31-448F-8A2C-F303A3145EBD}" type="slidenum">
+              <a:rPr lang="ko-KR" altLang="en-US" smtClean="0"/>
+              <a:t>5</a:t>
+            </a:fld>
+            <a:endParaRPr lang="ko-KR" altLang="en-US"/>
+          </a:p>
+        </p:txBody>
+      </p:sp>
+    </p:spTree>
+    <p:extLst>
+      <p:ext uri="{BB962C8B-B14F-4D97-AF65-F5344CB8AC3E}">
+        <p14:creationId xmlns:p14="http://schemas.microsoft.com/office/powerpoint/2010/main" val="464280129"/>
       </p:ext>
     </p:extLst>
   </p:cSld>
@@ -3406,7 +3514,7 @@
           <p:cNvPr id="2" name="제목 1">
             <a:extLst>
               <a:ext uri="{FF2B5EF4-FFF2-40B4-BE49-F238E27FC236}">
-                <a16:creationId xmlns:a16="http://schemas.microsoft.com/office/drawing/2014/main" id="{124A51D6-DBA9-BE8F-8D24-A679BEC07BB6}"/>
+                <a16:creationId xmlns="" xmlns:a16="http://schemas.microsoft.com/office/drawing/2014/main" id="{124A51D6-DBA9-BE8F-8D24-A679BEC07BB6}"/>
               </a:ext>
             </a:extLst>
           </p:cNvPr>
@@ -3443,7 +3551,7 @@
           <p:cNvPr id="3" name="부제목 2">
             <a:extLst>
               <a:ext uri="{FF2B5EF4-FFF2-40B4-BE49-F238E27FC236}">
-                <a16:creationId xmlns:a16="http://schemas.microsoft.com/office/drawing/2014/main" id="{0A8C71ED-F94B-F28E-6883-F23620BCACF9}"/>
+                <a16:creationId xmlns="" xmlns:a16="http://schemas.microsoft.com/office/drawing/2014/main" id="{0A8C71ED-F94B-F28E-6883-F23620BCACF9}"/>
               </a:ext>
             </a:extLst>
           </p:cNvPr>
@@ -3513,7 +3621,7 @@
           <p:cNvPr id="4" name="날짜 개체 틀 3">
             <a:extLst>
               <a:ext uri="{FF2B5EF4-FFF2-40B4-BE49-F238E27FC236}">
-                <a16:creationId xmlns:a16="http://schemas.microsoft.com/office/drawing/2014/main" id="{C99F6AC2-87FC-DBFE-B006-E814B68EF01E}"/>
+                <a16:creationId xmlns="" xmlns:a16="http://schemas.microsoft.com/office/drawing/2014/main" id="{C99F6AC2-87FC-DBFE-B006-E814B68EF01E}"/>
               </a:ext>
             </a:extLst>
           </p:cNvPr>
@@ -3542,7 +3650,7 @@
           <p:cNvPr id="5" name="바닥글 개체 틀 4">
             <a:extLst>
               <a:ext uri="{FF2B5EF4-FFF2-40B4-BE49-F238E27FC236}">
-                <a16:creationId xmlns:a16="http://schemas.microsoft.com/office/drawing/2014/main" id="{873A8C28-E376-42DF-E684-08172FF76185}"/>
+                <a16:creationId xmlns="" xmlns:a16="http://schemas.microsoft.com/office/drawing/2014/main" id="{873A8C28-E376-42DF-E684-08172FF76185}"/>
               </a:ext>
             </a:extLst>
           </p:cNvPr>
@@ -3567,7 +3675,7 @@
           <p:cNvPr id="6" name="슬라이드 번호 개체 틀 5">
             <a:extLst>
               <a:ext uri="{FF2B5EF4-FFF2-40B4-BE49-F238E27FC236}">
-                <a16:creationId xmlns:a16="http://schemas.microsoft.com/office/drawing/2014/main" id="{C39D65F8-A723-6DA7-C817-1C933D25BDF1}"/>
+                <a16:creationId xmlns="" xmlns:a16="http://schemas.microsoft.com/office/drawing/2014/main" id="{C39D65F8-A723-6DA7-C817-1C933D25BDF1}"/>
               </a:ext>
             </a:extLst>
           </p:cNvPr>
@@ -3626,7 +3734,7 @@
           <p:cNvPr id="2" name="제목 1">
             <a:extLst>
               <a:ext uri="{FF2B5EF4-FFF2-40B4-BE49-F238E27FC236}">
-                <a16:creationId xmlns:a16="http://schemas.microsoft.com/office/drawing/2014/main" id="{7B3D8512-A985-E2F9-052F-0D5D5D792A32}"/>
+                <a16:creationId xmlns="" xmlns:a16="http://schemas.microsoft.com/office/drawing/2014/main" id="{7B3D8512-A985-E2F9-052F-0D5D5D792A32}"/>
               </a:ext>
             </a:extLst>
           </p:cNvPr>
@@ -3654,7 +3762,7 @@
           <p:cNvPr id="3" name="세로 텍스트 개체 틀 2">
             <a:extLst>
               <a:ext uri="{FF2B5EF4-FFF2-40B4-BE49-F238E27FC236}">
-                <a16:creationId xmlns:a16="http://schemas.microsoft.com/office/drawing/2014/main" id="{564E68EA-3BC6-5CE9-2666-69DD649BBF83}"/>
+                <a16:creationId xmlns="" xmlns:a16="http://schemas.microsoft.com/office/drawing/2014/main" id="{564E68EA-3BC6-5CE9-2666-69DD649BBF83}"/>
               </a:ext>
             </a:extLst>
           </p:cNvPr>
@@ -3711,7 +3819,7 @@
           <p:cNvPr id="4" name="날짜 개체 틀 3">
             <a:extLst>
               <a:ext uri="{FF2B5EF4-FFF2-40B4-BE49-F238E27FC236}">
-                <a16:creationId xmlns:a16="http://schemas.microsoft.com/office/drawing/2014/main" id="{150E0970-5134-657E-EDC9-D97DBBF9CD65}"/>
+                <a16:creationId xmlns="" xmlns:a16="http://schemas.microsoft.com/office/drawing/2014/main" id="{150E0970-5134-657E-EDC9-D97DBBF9CD65}"/>
               </a:ext>
             </a:extLst>
           </p:cNvPr>
@@ -3740,7 +3848,7 @@
           <p:cNvPr id="5" name="바닥글 개체 틀 4">
             <a:extLst>
               <a:ext uri="{FF2B5EF4-FFF2-40B4-BE49-F238E27FC236}">
-                <a16:creationId xmlns:a16="http://schemas.microsoft.com/office/drawing/2014/main" id="{A6746D8E-43B9-5841-81E1-0B05635B6E77}"/>
+                <a16:creationId xmlns="" xmlns:a16="http://schemas.microsoft.com/office/drawing/2014/main" id="{A6746D8E-43B9-5841-81E1-0B05635B6E77}"/>
               </a:ext>
             </a:extLst>
           </p:cNvPr>
@@ -3765,7 +3873,7 @@
           <p:cNvPr id="6" name="슬라이드 번호 개체 틀 5">
             <a:extLst>
               <a:ext uri="{FF2B5EF4-FFF2-40B4-BE49-F238E27FC236}">
-                <a16:creationId xmlns:a16="http://schemas.microsoft.com/office/drawing/2014/main" id="{FB62CF8F-0F7F-D77C-A82B-58685D6B456F}"/>
+                <a16:creationId xmlns="" xmlns:a16="http://schemas.microsoft.com/office/drawing/2014/main" id="{FB62CF8F-0F7F-D77C-A82B-58685D6B456F}"/>
               </a:ext>
             </a:extLst>
           </p:cNvPr>
@@ -3824,7 +3932,7 @@
           <p:cNvPr id="2" name="세로 제목 1">
             <a:extLst>
               <a:ext uri="{FF2B5EF4-FFF2-40B4-BE49-F238E27FC236}">
-                <a16:creationId xmlns:a16="http://schemas.microsoft.com/office/drawing/2014/main" id="{E0F71C47-1703-8BDA-2C79-993C0BC0BD30}"/>
+                <a16:creationId xmlns="" xmlns:a16="http://schemas.microsoft.com/office/drawing/2014/main" id="{E0F71C47-1703-8BDA-2C79-993C0BC0BD30}"/>
               </a:ext>
             </a:extLst>
           </p:cNvPr>
@@ -3857,7 +3965,7 @@
           <p:cNvPr id="3" name="세로 텍스트 개체 틀 2">
             <a:extLst>
               <a:ext uri="{FF2B5EF4-FFF2-40B4-BE49-F238E27FC236}">
-                <a16:creationId xmlns:a16="http://schemas.microsoft.com/office/drawing/2014/main" id="{E24A9338-BFE0-6B78-B576-6A4CA6A59AD5}"/>
+                <a16:creationId xmlns="" xmlns:a16="http://schemas.microsoft.com/office/drawing/2014/main" id="{E24A9338-BFE0-6B78-B576-6A4CA6A59AD5}"/>
               </a:ext>
             </a:extLst>
           </p:cNvPr>
@@ -3919,7 +4027,7 @@
           <p:cNvPr id="4" name="날짜 개체 틀 3">
             <a:extLst>
               <a:ext uri="{FF2B5EF4-FFF2-40B4-BE49-F238E27FC236}">
-                <a16:creationId xmlns:a16="http://schemas.microsoft.com/office/drawing/2014/main" id="{E1F2D0EA-F145-7299-BF79-B3A1EFF2C9E5}"/>
+                <a16:creationId xmlns="" xmlns:a16="http://schemas.microsoft.com/office/drawing/2014/main" id="{E1F2D0EA-F145-7299-BF79-B3A1EFF2C9E5}"/>
               </a:ext>
             </a:extLst>
           </p:cNvPr>
@@ -3948,7 +4056,7 @@
           <p:cNvPr id="5" name="바닥글 개체 틀 4">
             <a:extLst>
               <a:ext uri="{FF2B5EF4-FFF2-40B4-BE49-F238E27FC236}">
-                <a16:creationId xmlns:a16="http://schemas.microsoft.com/office/drawing/2014/main" id="{34995B71-7374-84D7-73B8-7FD7384244B7}"/>
+                <a16:creationId xmlns="" xmlns:a16="http://schemas.microsoft.com/office/drawing/2014/main" id="{34995B71-7374-84D7-73B8-7FD7384244B7}"/>
               </a:ext>
             </a:extLst>
           </p:cNvPr>
@@ -3973,7 +4081,7 @@
           <p:cNvPr id="6" name="슬라이드 번호 개체 틀 5">
             <a:extLst>
               <a:ext uri="{FF2B5EF4-FFF2-40B4-BE49-F238E27FC236}">
-                <a16:creationId xmlns:a16="http://schemas.microsoft.com/office/drawing/2014/main" id="{D8CA3FE0-470B-B334-D1AA-3C204479962E}"/>
+                <a16:creationId xmlns="" xmlns:a16="http://schemas.microsoft.com/office/drawing/2014/main" id="{D8CA3FE0-470B-B334-D1AA-3C204479962E}"/>
               </a:ext>
             </a:extLst>
           </p:cNvPr>
@@ -4032,7 +4140,7 @@
           <p:cNvPr id="2" name="제목 1">
             <a:extLst>
               <a:ext uri="{FF2B5EF4-FFF2-40B4-BE49-F238E27FC236}">
-                <a16:creationId xmlns:a16="http://schemas.microsoft.com/office/drawing/2014/main" id="{6DC57BCD-81C2-E91A-CC30-83FF49CBC9B2}"/>
+                <a16:creationId xmlns="" xmlns:a16="http://schemas.microsoft.com/office/drawing/2014/main" id="{6DC57BCD-81C2-E91A-CC30-83FF49CBC9B2}"/>
               </a:ext>
             </a:extLst>
           </p:cNvPr>
@@ -4060,7 +4168,7 @@
           <p:cNvPr id="3" name="내용 개체 틀 2">
             <a:extLst>
               <a:ext uri="{FF2B5EF4-FFF2-40B4-BE49-F238E27FC236}">
-                <a16:creationId xmlns:a16="http://schemas.microsoft.com/office/drawing/2014/main" id="{C915A9E6-DAE5-0140-7F3A-F201A49AF12C}"/>
+                <a16:creationId xmlns="" xmlns:a16="http://schemas.microsoft.com/office/drawing/2014/main" id="{C915A9E6-DAE5-0140-7F3A-F201A49AF12C}"/>
               </a:ext>
             </a:extLst>
           </p:cNvPr>
@@ -4117,7 +4225,7 @@
           <p:cNvPr id="4" name="날짜 개체 틀 3">
             <a:extLst>
               <a:ext uri="{FF2B5EF4-FFF2-40B4-BE49-F238E27FC236}">
-                <a16:creationId xmlns:a16="http://schemas.microsoft.com/office/drawing/2014/main" id="{380D67BD-1DE5-DE59-239C-EF1CED07112B}"/>
+                <a16:creationId xmlns="" xmlns:a16="http://schemas.microsoft.com/office/drawing/2014/main" id="{380D67BD-1DE5-DE59-239C-EF1CED07112B}"/>
               </a:ext>
             </a:extLst>
           </p:cNvPr>
@@ -4146,7 +4254,7 @@
           <p:cNvPr id="5" name="바닥글 개체 틀 4">
             <a:extLst>
               <a:ext uri="{FF2B5EF4-FFF2-40B4-BE49-F238E27FC236}">
-                <a16:creationId xmlns:a16="http://schemas.microsoft.com/office/drawing/2014/main" id="{5918BD9F-8B27-16EB-5230-DDC88AB9A62C}"/>
+                <a16:creationId xmlns="" xmlns:a16="http://schemas.microsoft.com/office/drawing/2014/main" id="{5918BD9F-8B27-16EB-5230-DDC88AB9A62C}"/>
               </a:ext>
             </a:extLst>
           </p:cNvPr>
@@ -4171,7 +4279,7 @@
           <p:cNvPr id="6" name="슬라이드 번호 개체 틀 5">
             <a:extLst>
               <a:ext uri="{FF2B5EF4-FFF2-40B4-BE49-F238E27FC236}">
-                <a16:creationId xmlns:a16="http://schemas.microsoft.com/office/drawing/2014/main" id="{B097C29F-9748-2B3B-86D2-84D741BA3F11}"/>
+                <a16:creationId xmlns="" xmlns:a16="http://schemas.microsoft.com/office/drawing/2014/main" id="{B097C29F-9748-2B3B-86D2-84D741BA3F11}"/>
               </a:ext>
             </a:extLst>
           </p:cNvPr>
@@ -4230,7 +4338,7 @@
           <p:cNvPr id="2" name="제목 1">
             <a:extLst>
               <a:ext uri="{FF2B5EF4-FFF2-40B4-BE49-F238E27FC236}">
-                <a16:creationId xmlns:a16="http://schemas.microsoft.com/office/drawing/2014/main" id="{E0C45445-1ED5-3302-66CC-D5747247074F}"/>
+                <a16:creationId xmlns="" xmlns:a16="http://schemas.microsoft.com/office/drawing/2014/main" id="{E0C45445-1ED5-3302-66CC-D5747247074F}"/>
               </a:ext>
             </a:extLst>
           </p:cNvPr>
@@ -4267,7 +4375,7 @@
           <p:cNvPr id="3" name="텍스트 개체 틀 2">
             <a:extLst>
               <a:ext uri="{FF2B5EF4-FFF2-40B4-BE49-F238E27FC236}">
-                <a16:creationId xmlns:a16="http://schemas.microsoft.com/office/drawing/2014/main" id="{8B58CF69-D24B-13BE-F2F5-D96AF16D6978}"/>
+                <a16:creationId xmlns="" xmlns:a16="http://schemas.microsoft.com/office/drawing/2014/main" id="{8B58CF69-D24B-13BE-F2F5-D96AF16D6978}"/>
               </a:ext>
             </a:extLst>
           </p:cNvPr>
@@ -4392,7 +4500,7 @@
           <p:cNvPr id="4" name="날짜 개체 틀 3">
             <a:extLst>
               <a:ext uri="{FF2B5EF4-FFF2-40B4-BE49-F238E27FC236}">
-                <a16:creationId xmlns:a16="http://schemas.microsoft.com/office/drawing/2014/main" id="{A7FEC433-B582-8EEE-1E5A-492FF5F93AAD}"/>
+                <a16:creationId xmlns="" xmlns:a16="http://schemas.microsoft.com/office/drawing/2014/main" id="{A7FEC433-B582-8EEE-1E5A-492FF5F93AAD}"/>
               </a:ext>
             </a:extLst>
           </p:cNvPr>
@@ -4421,7 +4529,7 @@
           <p:cNvPr id="5" name="바닥글 개체 틀 4">
             <a:extLst>
               <a:ext uri="{FF2B5EF4-FFF2-40B4-BE49-F238E27FC236}">
-                <a16:creationId xmlns:a16="http://schemas.microsoft.com/office/drawing/2014/main" id="{CA153658-14E0-881D-DBC4-89611031A529}"/>
+                <a16:creationId xmlns="" xmlns:a16="http://schemas.microsoft.com/office/drawing/2014/main" id="{CA153658-14E0-881D-DBC4-89611031A529}"/>
               </a:ext>
             </a:extLst>
           </p:cNvPr>
@@ -4446,7 +4554,7 @@
           <p:cNvPr id="6" name="슬라이드 번호 개체 틀 5">
             <a:extLst>
               <a:ext uri="{FF2B5EF4-FFF2-40B4-BE49-F238E27FC236}">
-                <a16:creationId xmlns:a16="http://schemas.microsoft.com/office/drawing/2014/main" id="{3DEBDD6E-6997-ED93-AC9D-D8EA42E8D2DA}"/>
+                <a16:creationId xmlns="" xmlns:a16="http://schemas.microsoft.com/office/drawing/2014/main" id="{3DEBDD6E-6997-ED93-AC9D-D8EA42E8D2DA}"/>
               </a:ext>
             </a:extLst>
           </p:cNvPr>
@@ -4505,7 +4613,7 @@
           <p:cNvPr id="2" name="제목 1">
             <a:extLst>
               <a:ext uri="{FF2B5EF4-FFF2-40B4-BE49-F238E27FC236}">
-                <a16:creationId xmlns:a16="http://schemas.microsoft.com/office/drawing/2014/main" id="{1452B3B3-E647-5032-BC1A-E0118A585C42}"/>
+                <a16:creationId xmlns="" xmlns:a16="http://schemas.microsoft.com/office/drawing/2014/main" id="{1452B3B3-E647-5032-BC1A-E0118A585C42}"/>
               </a:ext>
             </a:extLst>
           </p:cNvPr>
@@ -4533,7 +4641,7 @@
           <p:cNvPr id="3" name="내용 개체 틀 2">
             <a:extLst>
               <a:ext uri="{FF2B5EF4-FFF2-40B4-BE49-F238E27FC236}">
-                <a16:creationId xmlns:a16="http://schemas.microsoft.com/office/drawing/2014/main" id="{81FA7C8C-A10A-A698-18B7-2E09F27823F6}"/>
+                <a16:creationId xmlns="" xmlns:a16="http://schemas.microsoft.com/office/drawing/2014/main" id="{81FA7C8C-A10A-A698-18B7-2E09F27823F6}"/>
               </a:ext>
             </a:extLst>
           </p:cNvPr>
@@ -4595,7 +4703,7 @@
           <p:cNvPr id="4" name="내용 개체 틀 3">
             <a:extLst>
               <a:ext uri="{FF2B5EF4-FFF2-40B4-BE49-F238E27FC236}">
-                <a16:creationId xmlns:a16="http://schemas.microsoft.com/office/drawing/2014/main" id="{15F17A48-4DE5-A939-1482-D709BBD802CC}"/>
+                <a16:creationId xmlns="" xmlns:a16="http://schemas.microsoft.com/office/drawing/2014/main" id="{15F17A48-4DE5-A939-1482-D709BBD802CC}"/>
               </a:ext>
             </a:extLst>
           </p:cNvPr>
@@ -4657,7 +4765,7 @@
           <p:cNvPr id="5" name="날짜 개체 틀 4">
             <a:extLst>
               <a:ext uri="{FF2B5EF4-FFF2-40B4-BE49-F238E27FC236}">
-                <a16:creationId xmlns:a16="http://schemas.microsoft.com/office/drawing/2014/main" id="{C8BA6D82-52E1-5485-F3FC-F3B27E59C7CF}"/>
+                <a16:creationId xmlns="" xmlns:a16="http://schemas.microsoft.com/office/drawing/2014/main" id="{C8BA6D82-52E1-5485-F3FC-F3B27E59C7CF}"/>
               </a:ext>
             </a:extLst>
           </p:cNvPr>
@@ -4686,7 +4794,7 @@
           <p:cNvPr id="6" name="바닥글 개체 틀 5">
             <a:extLst>
               <a:ext uri="{FF2B5EF4-FFF2-40B4-BE49-F238E27FC236}">
-                <a16:creationId xmlns:a16="http://schemas.microsoft.com/office/drawing/2014/main" id="{FADC1DB4-24A6-E57F-404B-0551C7A49F70}"/>
+                <a16:creationId xmlns="" xmlns:a16="http://schemas.microsoft.com/office/drawing/2014/main" id="{FADC1DB4-24A6-E57F-404B-0551C7A49F70}"/>
               </a:ext>
             </a:extLst>
           </p:cNvPr>
@@ -4711,7 +4819,7 @@
           <p:cNvPr id="7" name="슬라이드 번호 개체 틀 6">
             <a:extLst>
               <a:ext uri="{FF2B5EF4-FFF2-40B4-BE49-F238E27FC236}">
-                <a16:creationId xmlns:a16="http://schemas.microsoft.com/office/drawing/2014/main" id="{34EFFD92-6502-59D5-2B17-C155FC982522}"/>
+                <a16:creationId xmlns="" xmlns:a16="http://schemas.microsoft.com/office/drawing/2014/main" id="{34EFFD92-6502-59D5-2B17-C155FC982522}"/>
               </a:ext>
             </a:extLst>
           </p:cNvPr>
@@ -4770,7 +4878,7 @@
           <p:cNvPr id="2" name="제목 1">
             <a:extLst>
               <a:ext uri="{FF2B5EF4-FFF2-40B4-BE49-F238E27FC236}">
-                <a16:creationId xmlns:a16="http://schemas.microsoft.com/office/drawing/2014/main" id="{34C63465-4B5C-9137-E375-F224EE52F3B3}"/>
+                <a16:creationId xmlns="" xmlns:a16="http://schemas.microsoft.com/office/drawing/2014/main" id="{34C63465-4B5C-9137-E375-F224EE52F3B3}"/>
               </a:ext>
             </a:extLst>
           </p:cNvPr>
@@ -4803,7 +4911,7 @@
           <p:cNvPr id="3" name="텍스트 개체 틀 2">
             <a:extLst>
               <a:ext uri="{FF2B5EF4-FFF2-40B4-BE49-F238E27FC236}">
-                <a16:creationId xmlns:a16="http://schemas.microsoft.com/office/drawing/2014/main" id="{754A5CCF-FAFB-6D42-9AF8-040ACB3D9BA0}"/>
+                <a16:creationId xmlns="" xmlns:a16="http://schemas.microsoft.com/office/drawing/2014/main" id="{754A5CCF-FAFB-6D42-9AF8-040ACB3D9BA0}"/>
               </a:ext>
             </a:extLst>
           </p:cNvPr>
@@ -4874,7 +4982,7 @@
           <p:cNvPr id="4" name="내용 개체 틀 3">
             <a:extLst>
               <a:ext uri="{FF2B5EF4-FFF2-40B4-BE49-F238E27FC236}">
-                <a16:creationId xmlns:a16="http://schemas.microsoft.com/office/drawing/2014/main" id="{7CE5EF13-47EC-1488-2F05-6CDDA46A909F}"/>
+                <a16:creationId xmlns="" xmlns:a16="http://schemas.microsoft.com/office/drawing/2014/main" id="{7CE5EF13-47EC-1488-2F05-6CDDA46A909F}"/>
               </a:ext>
             </a:extLst>
           </p:cNvPr>
@@ -4936,7 +5044,7 @@
           <p:cNvPr id="5" name="텍스트 개체 틀 4">
             <a:extLst>
               <a:ext uri="{FF2B5EF4-FFF2-40B4-BE49-F238E27FC236}">
-                <a16:creationId xmlns:a16="http://schemas.microsoft.com/office/drawing/2014/main" id="{5506209C-75FB-900D-BF97-AD887BA0C51C}"/>
+                <a16:creationId xmlns="" xmlns:a16="http://schemas.microsoft.com/office/drawing/2014/main" id="{5506209C-75FB-900D-BF97-AD887BA0C51C}"/>
               </a:ext>
             </a:extLst>
           </p:cNvPr>
@@ -5007,7 +5115,7 @@
           <p:cNvPr id="6" name="내용 개체 틀 5">
             <a:extLst>
               <a:ext uri="{FF2B5EF4-FFF2-40B4-BE49-F238E27FC236}">
-                <a16:creationId xmlns:a16="http://schemas.microsoft.com/office/drawing/2014/main" id="{9D245B16-B29B-86BA-EC3A-7CB3B9DE4E01}"/>
+                <a16:creationId xmlns="" xmlns:a16="http://schemas.microsoft.com/office/drawing/2014/main" id="{9D245B16-B29B-86BA-EC3A-7CB3B9DE4E01}"/>
               </a:ext>
             </a:extLst>
           </p:cNvPr>
@@ -5069,7 +5177,7 @@
           <p:cNvPr id="7" name="날짜 개체 틀 6">
             <a:extLst>
               <a:ext uri="{FF2B5EF4-FFF2-40B4-BE49-F238E27FC236}">
-                <a16:creationId xmlns:a16="http://schemas.microsoft.com/office/drawing/2014/main" id="{51E27BC9-8C6B-5DDC-BD48-8E3D1878931D}"/>
+                <a16:creationId xmlns="" xmlns:a16="http://schemas.microsoft.com/office/drawing/2014/main" id="{51E27BC9-8C6B-5DDC-BD48-8E3D1878931D}"/>
               </a:ext>
             </a:extLst>
           </p:cNvPr>
@@ -5098,7 +5206,7 @@
           <p:cNvPr id="8" name="바닥글 개체 틀 7">
             <a:extLst>
               <a:ext uri="{FF2B5EF4-FFF2-40B4-BE49-F238E27FC236}">
-                <a16:creationId xmlns:a16="http://schemas.microsoft.com/office/drawing/2014/main" id="{A352355D-6777-8050-90D1-D3D2C009A7DC}"/>
+                <a16:creationId xmlns="" xmlns:a16="http://schemas.microsoft.com/office/drawing/2014/main" id="{A352355D-6777-8050-90D1-D3D2C009A7DC}"/>
               </a:ext>
             </a:extLst>
           </p:cNvPr>
@@ -5123,7 +5231,7 @@
           <p:cNvPr id="9" name="슬라이드 번호 개체 틀 8">
             <a:extLst>
               <a:ext uri="{FF2B5EF4-FFF2-40B4-BE49-F238E27FC236}">
-                <a16:creationId xmlns:a16="http://schemas.microsoft.com/office/drawing/2014/main" id="{3F5F1BC2-B1FE-43CB-606C-2341D362BAD5}"/>
+                <a16:creationId xmlns="" xmlns:a16="http://schemas.microsoft.com/office/drawing/2014/main" id="{3F5F1BC2-B1FE-43CB-606C-2341D362BAD5}"/>
               </a:ext>
             </a:extLst>
           </p:cNvPr>
@@ -5182,7 +5290,7 @@
           <p:cNvPr id="2" name="제목 1">
             <a:extLst>
               <a:ext uri="{FF2B5EF4-FFF2-40B4-BE49-F238E27FC236}">
-                <a16:creationId xmlns:a16="http://schemas.microsoft.com/office/drawing/2014/main" id="{AA206F37-4936-F473-5F06-4051D5804860}"/>
+                <a16:creationId xmlns="" xmlns:a16="http://schemas.microsoft.com/office/drawing/2014/main" id="{AA206F37-4936-F473-5F06-4051D5804860}"/>
               </a:ext>
             </a:extLst>
           </p:cNvPr>
@@ -5210,7 +5318,7 @@
           <p:cNvPr id="3" name="날짜 개체 틀 2">
             <a:extLst>
               <a:ext uri="{FF2B5EF4-FFF2-40B4-BE49-F238E27FC236}">
-                <a16:creationId xmlns:a16="http://schemas.microsoft.com/office/drawing/2014/main" id="{95C2BE1E-A2DC-AD18-668A-9160B8D8E4C1}"/>
+                <a16:creationId xmlns="" xmlns:a16="http://schemas.microsoft.com/office/drawing/2014/main" id="{95C2BE1E-A2DC-AD18-668A-9160B8D8E4C1}"/>
               </a:ext>
             </a:extLst>
           </p:cNvPr>
@@ -5239,7 +5347,7 @@
           <p:cNvPr id="4" name="바닥글 개체 틀 3">
             <a:extLst>
               <a:ext uri="{FF2B5EF4-FFF2-40B4-BE49-F238E27FC236}">
-                <a16:creationId xmlns:a16="http://schemas.microsoft.com/office/drawing/2014/main" id="{7020642A-A89C-7FF7-2764-3491433AB111}"/>
+                <a16:creationId xmlns="" xmlns:a16="http://schemas.microsoft.com/office/drawing/2014/main" id="{7020642A-A89C-7FF7-2764-3491433AB111}"/>
               </a:ext>
             </a:extLst>
           </p:cNvPr>
@@ -5264,7 +5372,7 @@
           <p:cNvPr id="5" name="슬라이드 번호 개체 틀 4">
             <a:extLst>
               <a:ext uri="{FF2B5EF4-FFF2-40B4-BE49-F238E27FC236}">
-                <a16:creationId xmlns:a16="http://schemas.microsoft.com/office/drawing/2014/main" id="{1BD84956-4010-7DC3-470D-8DD2AA635929}"/>
+                <a16:creationId xmlns="" xmlns:a16="http://schemas.microsoft.com/office/drawing/2014/main" id="{1BD84956-4010-7DC3-470D-8DD2AA635929}"/>
               </a:ext>
             </a:extLst>
           </p:cNvPr>
@@ -5323,7 +5431,7 @@
           <p:cNvPr id="2" name="날짜 개체 틀 1">
             <a:extLst>
               <a:ext uri="{FF2B5EF4-FFF2-40B4-BE49-F238E27FC236}">
-                <a16:creationId xmlns:a16="http://schemas.microsoft.com/office/drawing/2014/main" id="{BCEB933B-1E16-EE04-80B3-45B5F19C3504}"/>
+                <a16:creationId xmlns="" xmlns:a16="http://schemas.microsoft.com/office/drawing/2014/main" id="{BCEB933B-1E16-EE04-80B3-45B5F19C3504}"/>
               </a:ext>
             </a:extLst>
           </p:cNvPr>
@@ -5352,7 +5460,7 @@
           <p:cNvPr id="3" name="바닥글 개체 틀 2">
             <a:extLst>
               <a:ext uri="{FF2B5EF4-FFF2-40B4-BE49-F238E27FC236}">
-                <a16:creationId xmlns:a16="http://schemas.microsoft.com/office/drawing/2014/main" id="{BB23717C-B0B6-91D3-35EB-A0FCEBEB8931}"/>
+                <a16:creationId xmlns="" xmlns:a16="http://schemas.microsoft.com/office/drawing/2014/main" id="{BB23717C-B0B6-91D3-35EB-A0FCEBEB8931}"/>
               </a:ext>
             </a:extLst>
           </p:cNvPr>
@@ -5377,7 +5485,7 @@
           <p:cNvPr id="4" name="슬라이드 번호 개체 틀 3">
             <a:extLst>
               <a:ext uri="{FF2B5EF4-FFF2-40B4-BE49-F238E27FC236}">
-                <a16:creationId xmlns:a16="http://schemas.microsoft.com/office/drawing/2014/main" id="{96FBA90C-45BC-3AFD-3AB7-9B1F8EE053A4}"/>
+                <a16:creationId xmlns="" xmlns:a16="http://schemas.microsoft.com/office/drawing/2014/main" id="{96FBA90C-45BC-3AFD-3AB7-9B1F8EE053A4}"/>
               </a:ext>
             </a:extLst>
           </p:cNvPr>
@@ -5436,7 +5544,7 @@
           <p:cNvPr id="2" name="제목 1">
             <a:extLst>
               <a:ext uri="{FF2B5EF4-FFF2-40B4-BE49-F238E27FC236}">
-                <a16:creationId xmlns:a16="http://schemas.microsoft.com/office/drawing/2014/main" id="{B0976675-A2B5-CEC6-2547-3DE7B233C975}"/>
+                <a16:creationId xmlns="" xmlns:a16="http://schemas.microsoft.com/office/drawing/2014/main" id="{B0976675-A2B5-CEC6-2547-3DE7B233C975}"/>
               </a:ext>
             </a:extLst>
           </p:cNvPr>
@@ -5473,7 +5581,7 @@
           <p:cNvPr id="3" name="내용 개체 틀 2">
             <a:extLst>
               <a:ext uri="{FF2B5EF4-FFF2-40B4-BE49-F238E27FC236}">
-                <a16:creationId xmlns:a16="http://schemas.microsoft.com/office/drawing/2014/main" id="{C2F10736-36B3-D0A3-8621-E362A76E9493}"/>
+                <a16:creationId xmlns="" xmlns:a16="http://schemas.microsoft.com/office/drawing/2014/main" id="{C2F10736-36B3-D0A3-8621-E362A76E9493}"/>
               </a:ext>
             </a:extLst>
           </p:cNvPr>
@@ -5563,7 +5671,7 @@
           <p:cNvPr id="4" name="텍스트 개체 틀 3">
             <a:extLst>
               <a:ext uri="{FF2B5EF4-FFF2-40B4-BE49-F238E27FC236}">
-                <a16:creationId xmlns:a16="http://schemas.microsoft.com/office/drawing/2014/main" id="{2E1F606C-8BBA-01D5-BB57-CC1D63A04667}"/>
+                <a16:creationId xmlns="" xmlns:a16="http://schemas.microsoft.com/office/drawing/2014/main" id="{2E1F606C-8BBA-01D5-BB57-CC1D63A04667}"/>
               </a:ext>
             </a:extLst>
           </p:cNvPr>
@@ -5634,7 +5742,7 @@
           <p:cNvPr id="5" name="날짜 개체 틀 4">
             <a:extLst>
               <a:ext uri="{FF2B5EF4-FFF2-40B4-BE49-F238E27FC236}">
-                <a16:creationId xmlns:a16="http://schemas.microsoft.com/office/drawing/2014/main" id="{321A894A-8126-5FB6-CFD2-116295E9A497}"/>
+                <a16:creationId xmlns="" xmlns:a16="http://schemas.microsoft.com/office/drawing/2014/main" id="{321A894A-8126-5FB6-CFD2-116295E9A497}"/>
               </a:ext>
             </a:extLst>
           </p:cNvPr>
@@ -5663,7 +5771,7 @@
           <p:cNvPr id="6" name="바닥글 개체 틀 5">
             <a:extLst>
               <a:ext uri="{FF2B5EF4-FFF2-40B4-BE49-F238E27FC236}">
-                <a16:creationId xmlns:a16="http://schemas.microsoft.com/office/drawing/2014/main" id="{80A94236-373C-67FF-B260-A971F68D9990}"/>
+                <a16:creationId xmlns="" xmlns:a16="http://schemas.microsoft.com/office/drawing/2014/main" id="{80A94236-373C-67FF-B260-A971F68D9990}"/>
               </a:ext>
             </a:extLst>
           </p:cNvPr>
@@ -5688,7 +5796,7 @@
           <p:cNvPr id="7" name="슬라이드 번호 개체 틀 6">
             <a:extLst>
               <a:ext uri="{FF2B5EF4-FFF2-40B4-BE49-F238E27FC236}">
-                <a16:creationId xmlns:a16="http://schemas.microsoft.com/office/drawing/2014/main" id="{28883EF8-20A2-47DE-870F-90669510E4FC}"/>
+                <a16:creationId xmlns="" xmlns:a16="http://schemas.microsoft.com/office/drawing/2014/main" id="{28883EF8-20A2-47DE-870F-90669510E4FC}"/>
               </a:ext>
             </a:extLst>
           </p:cNvPr>
@@ -5747,7 +5855,7 @@
           <p:cNvPr id="2" name="제목 1">
             <a:extLst>
               <a:ext uri="{FF2B5EF4-FFF2-40B4-BE49-F238E27FC236}">
-                <a16:creationId xmlns:a16="http://schemas.microsoft.com/office/drawing/2014/main" id="{AF8471FC-E8CB-A47F-22AC-1996AC3A0DE0}"/>
+                <a16:creationId xmlns="" xmlns:a16="http://schemas.microsoft.com/office/drawing/2014/main" id="{AF8471FC-E8CB-A47F-22AC-1996AC3A0DE0}"/>
               </a:ext>
             </a:extLst>
           </p:cNvPr>
@@ -5784,7 +5892,7 @@
           <p:cNvPr id="3" name="그림 개체 틀 2">
             <a:extLst>
               <a:ext uri="{FF2B5EF4-FFF2-40B4-BE49-F238E27FC236}">
-                <a16:creationId xmlns:a16="http://schemas.microsoft.com/office/drawing/2014/main" id="{1F11711D-7FDE-3A3D-3559-4450632B30A4}"/>
+                <a16:creationId xmlns="" xmlns:a16="http://schemas.microsoft.com/office/drawing/2014/main" id="{1F11711D-7FDE-3A3D-3559-4450632B30A4}"/>
               </a:ext>
             </a:extLst>
           </p:cNvPr>
@@ -5851,7 +5959,7 @@
           <p:cNvPr id="4" name="텍스트 개체 틀 3">
             <a:extLst>
               <a:ext uri="{FF2B5EF4-FFF2-40B4-BE49-F238E27FC236}">
-                <a16:creationId xmlns:a16="http://schemas.microsoft.com/office/drawing/2014/main" id="{8808C143-BC52-3350-2B22-DB298DBC44F2}"/>
+                <a16:creationId xmlns="" xmlns:a16="http://schemas.microsoft.com/office/drawing/2014/main" id="{8808C143-BC52-3350-2B22-DB298DBC44F2}"/>
               </a:ext>
             </a:extLst>
           </p:cNvPr>
@@ -5922,7 +6030,7 @@
           <p:cNvPr id="5" name="날짜 개체 틀 4">
             <a:extLst>
               <a:ext uri="{FF2B5EF4-FFF2-40B4-BE49-F238E27FC236}">
-                <a16:creationId xmlns:a16="http://schemas.microsoft.com/office/drawing/2014/main" id="{DA5D1225-6A66-DAB7-2050-1B2F47D48FAA}"/>
+                <a16:creationId xmlns="" xmlns:a16="http://schemas.microsoft.com/office/drawing/2014/main" id="{DA5D1225-6A66-DAB7-2050-1B2F47D48FAA}"/>
               </a:ext>
             </a:extLst>
           </p:cNvPr>
@@ -5951,7 +6059,7 @@
           <p:cNvPr id="6" name="바닥글 개체 틀 5">
             <a:extLst>
               <a:ext uri="{FF2B5EF4-FFF2-40B4-BE49-F238E27FC236}">
-                <a16:creationId xmlns:a16="http://schemas.microsoft.com/office/drawing/2014/main" id="{6DF98D5F-F90C-88FB-2BE2-81FBB0FA6893}"/>
+                <a16:creationId xmlns="" xmlns:a16="http://schemas.microsoft.com/office/drawing/2014/main" id="{6DF98D5F-F90C-88FB-2BE2-81FBB0FA6893}"/>
               </a:ext>
             </a:extLst>
           </p:cNvPr>
@@ -5976,7 +6084,7 @@
           <p:cNvPr id="7" name="슬라이드 번호 개체 틀 6">
             <a:extLst>
               <a:ext uri="{FF2B5EF4-FFF2-40B4-BE49-F238E27FC236}">
-                <a16:creationId xmlns:a16="http://schemas.microsoft.com/office/drawing/2014/main" id="{8AC4579A-5429-4DC8-F62A-F83764EC136E}"/>
+                <a16:creationId xmlns="" xmlns:a16="http://schemas.microsoft.com/office/drawing/2014/main" id="{8AC4579A-5429-4DC8-F62A-F83764EC136E}"/>
               </a:ext>
             </a:extLst>
           </p:cNvPr>
@@ -6040,7 +6148,7 @@
           <p:cNvPr id="2" name="제목 개체 틀 1">
             <a:extLst>
               <a:ext uri="{FF2B5EF4-FFF2-40B4-BE49-F238E27FC236}">
-                <a16:creationId xmlns:a16="http://schemas.microsoft.com/office/drawing/2014/main" id="{90C184B7-0D1C-43EC-6963-79761C9051F1}"/>
+                <a16:creationId xmlns="" xmlns:a16="http://schemas.microsoft.com/office/drawing/2014/main" id="{90C184B7-0D1C-43EC-6963-79761C9051F1}"/>
               </a:ext>
             </a:extLst>
           </p:cNvPr>
@@ -6078,7 +6186,7 @@
           <p:cNvPr id="3" name="텍스트 개체 틀 2">
             <a:extLst>
               <a:ext uri="{FF2B5EF4-FFF2-40B4-BE49-F238E27FC236}">
-                <a16:creationId xmlns:a16="http://schemas.microsoft.com/office/drawing/2014/main" id="{42D039B6-42BF-3481-D5EE-A396FB4E6CDE}"/>
+                <a16:creationId xmlns="" xmlns:a16="http://schemas.microsoft.com/office/drawing/2014/main" id="{42D039B6-42BF-3481-D5EE-A396FB4E6CDE}"/>
               </a:ext>
             </a:extLst>
           </p:cNvPr>
@@ -6145,7 +6253,7 @@
           <p:cNvPr id="4" name="날짜 개체 틀 3">
             <a:extLst>
               <a:ext uri="{FF2B5EF4-FFF2-40B4-BE49-F238E27FC236}">
-                <a16:creationId xmlns:a16="http://schemas.microsoft.com/office/drawing/2014/main" id="{3931C644-BB14-BE8B-05C2-5E0D08E84807}"/>
+                <a16:creationId xmlns="" xmlns:a16="http://schemas.microsoft.com/office/drawing/2014/main" id="{3931C644-BB14-BE8B-05C2-5E0D08E84807}"/>
               </a:ext>
             </a:extLst>
           </p:cNvPr>
@@ -6192,7 +6300,7 @@
           <p:cNvPr id="5" name="바닥글 개체 틀 4">
             <a:extLst>
               <a:ext uri="{FF2B5EF4-FFF2-40B4-BE49-F238E27FC236}">
-                <a16:creationId xmlns:a16="http://schemas.microsoft.com/office/drawing/2014/main" id="{7E5314E0-B91D-5368-495A-E838F9054104}"/>
+                <a16:creationId xmlns="" xmlns:a16="http://schemas.microsoft.com/office/drawing/2014/main" id="{7E5314E0-B91D-5368-495A-E838F9054104}"/>
               </a:ext>
             </a:extLst>
           </p:cNvPr>
@@ -6235,7 +6343,7 @@
           <p:cNvPr id="6" name="슬라이드 번호 개체 틀 5">
             <a:extLst>
               <a:ext uri="{FF2B5EF4-FFF2-40B4-BE49-F238E27FC236}">
-                <a16:creationId xmlns:a16="http://schemas.microsoft.com/office/drawing/2014/main" id="{DAFA9AA8-049A-1D09-FB04-1E424451167C}"/>
+                <a16:creationId xmlns="" xmlns:a16="http://schemas.microsoft.com/office/drawing/2014/main" id="{DAFA9AA8-049A-1D09-FB04-1E424451167C}"/>
               </a:ext>
             </a:extLst>
           </p:cNvPr>
@@ -6611,10 +6719,10 @@
           <p:cNvPr id="8" name="Rectangle 7">
             <a:extLst>
               <a:ext uri="{FF2B5EF4-FFF2-40B4-BE49-F238E27FC236}">
-                <a16:creationId xmlns:a16="http://schemas.microsoft.com/office/drawing/2014/main" id="{6F5A5072-7B47-4D32-B52A-4EBBF590B8A5}"/>
+                <a16:creationId xmlns="" xmlns:a16="http://schemas.microsoft.com/office/drawing/2014/main" id="{6F5A5072-7B47-4D32-B52A-4EBBF590B8A5}"/>
               </a:ext>
               <a:ext uri="{C183D7F6-B498-43B3-948B-1728B52AA6E4}">
-                <adec:decorative xmlns:adec="http://schemas.microsoft.com/office/drawing/2017/decorative" val="1"/>
+                <adec:decorative xmlns="" xmlns:adec="http://schemas.microsoft.com/office/drawing/2017/decorative" val="1"/>
               </a:ext>
             </a:extLst>
           </p:cNvPr>
@@ -6624,7 +6732,7 @@
           <p:nvPr>
             <p:extLst>
               <p:ext uri="{386F3935-93C4-4BCD-93E2-E3B085C9AB24}">
-                <p16:designElem xmlns:p16="http://schemas.microsoft.com/office/powerpoint/2015/main" val="1"/>
+                <p16:designElem xmlns="" xmlns:p16="http://schemas.microsoft.com/office/powerpoint/2015/main" val="1"/>
               </p:ext>
             </p:extLst>
           </p:nvPr>
@@ -6687,10 +6795,10 @@
           <p:cNvPr id="10" name="Rectangle 9">
             <a:extLst>
               <a:ext uri="{FF2B5EF4-FFF2-40B4-BE49-F238E27FC236}">
-                <a16:creationId xmlns:a16="http://schemas.microsoft.com/office/drawing/2014/main" id="{9715DAF0-AE1B-46C9-8A6B-DB2AA05AB91D}"/>
+                <a16:creationId xmlns="" xmlns:a16="http://schemas.microsoft.com/office/drawing/2014/main" id="{9715DAF0-AE1B-46C9-8A6B-DB2AA05AB91D}"/>
               </a:ext>
               <a:ext uri="{C183D7F6-B498-43B3-948B-1728B52AA6E4}">
-                <adec:decorative xmlns:adec="http://schemas.microsoft.com/office/drawing/2017/decorative" val="1"/>
+                <adec:decorative xmlns="" xmlns:adec="http://schemas.microsoft.com/office/drawing/2017/decorative" val="1"/>
               </a:ext>
             </a:extLst>
           </p:cNvPr>
@@ -6700,7 +6808,7 @@
           <p:nvPr>
             <p:extLst>
               <p:ext uri="{386F3935-93C4-4BCD-93E2-E3B085C9AB24}">
-                <p16:designElem xmlns:p16="http://schemas.microsoft.com/office/powerpoint/2015/main" val="1"/>
+                <p16:designElem xmlns="" xmlns:p16="http://schemas.microsoft.com/office/powerpoint/2015/main" val="1"/>
               </p:ext>
             </p:extLst>
           </p:nvPr>
@@ -6760,10 +6868,10 @@
           <p:cNvPr id="12" name="Rectangle 11">
             <a:extLst>
               <a:ext uri="{FF2B5EF4-FFF2-40B4-BE49-F238E27FC236}">
-                <a16:creationId xmlns:a16="http://schemas.microsoft.com/office/drawing/2014/main" id="{6016219D-510E-4184-9090-6D5578A87BD1}"/>
+                <a16:creationId xmlns="" xmlns:a16="http://schemas.microsoft.com/office/drawing/2014/main" id="{6016219D-510E-4184-9090-6D5578A87BD1}"/>
               </a:ext>
               <a:ext uri="{C183D7F6-B498-43B3-948B-1728B52AA6E4}">
-                <adec:decorative xmlns:adec="http://schemas.microsoft.com/office/drawing/2017/decorative" val="1"/>
+                <adec:decorative xmlns="" xmlns:adec="http://schemas.microsoft.com/office/drawing/2017/decorative" val="1"/>
               </a:ext>
             </a:extLst>
           </p:cNvPr>
@@ -6773,7 +6881,7 @@
           <p:nvPr>
             <p:extLst>
               <p:ext uri="{386F3935-93C4-4BCD-93E2-E3B085C9AB24}">
-                <p16:designElem xmlns:p16="http://schemas.microsoft.com/office/powerpoint/2015/main" val="1"/>
+                <p16:designElem xmlns="" xmlns:p16="http://schemas.microsoft.com/office/powerpoint/2015/main" val="1"/>
               </p:ext>
             </p:extLst>
           </p:nvPr>
@@ -6836,10 +6944,10 @@
           <p:cNvPr id="14" name="Rectangle 13">
             <a:extLst>
               <a:ext uri="{FF2B5EF4-FFF2-40B4-BE49-F238E27FC236}">
-                <a16:creationId xmlns:a16="http://schemas.microsoft.com/office/drawing/2014/main" id="{AFF4A713-7B75-4B21-90D7-5AB19547C728}"/>
+                <a16:creationId xmlns="" xmlns:a16="http://schemas.microsoft.com/office/drawing/2014/main" id="{AFF4A713-7B75-4B21-90D7-5AB19547C728}"/>
               </a:ext>
               <a:ext uri="{C183D7F6-B498-43B3-948B-1728B52AA6E4}">
-                <adec:decorative xmlns:adec="http://schemas.microsoft.com/office/drawing/2017/decorative" val="1"/>
+                <adec:decorative xmlns="" xmlns:adec="http://schemas.microsoft.com/office/drawing/2017/decorative" val="1"/>
               </a:ext>
             </a:extLst>
           </p:cNvPr>
@@ -6849,7 +6957,7 @@
           <p:nvPr>
             <p:extLst>
               <p:ext uri="{386F3935-93C4-4BCD-93E2-E3B085C9AB24}">
-                <p16:designElem xmlns:p16="http://schemas.microsoft.com/office/powerpoint/2015/main" val="1"/>
+                <p16:designElem xmlns="" xmlns:p16="http://schemas.microsoft.com/office/powerpoint/2015/main" val="1"/>
               </p:ext>
             </p:extLst>
           </p:nvPr>
@@ -6911,10 +7019,10 @@
           <p:cNvPr id="16" name="Rectangle 15">
             <a:extLst>
               <a:ext uri="{FF2B5EF4-FFF2-40B4-BE49-F238E27FC236}">
-                <a16:creationId xmlns:a16="http://schemas.microsoft.com/office/drawing/2014/main" id="{DC631C0B-6DA6-4E57-8231-CE32B3434A7E}"/>
+                <a16:creationId xmlns="" xmlns:a16="http://schemas.microsoft.com/office/drawing/2014/main" id="{DC631C0B-6DA6-4E57-8231-CE32B3434A7E}"/>
               </a:ext>
               <a:ext uri="{C183D7F6-B498-43B3-948B-1728B52AA6E4}">
-                <adec:decorative xmlns:adec="http://schemas.microsoft.com/office/drawing/2017/decorative" val="1"/>
+                <adec:decorative xmlns="" xmlns:adec="http://schemas.microsoft.com/office/drawing/2017/decorative" val="1"/>
               </a:ext>
             </a:extLst>
           </p:cNvPr>
@@ -6924,7 +7032,7 @@
           <p:nvPr>
             <p:extLst>
               <p:ext uri="{386F3935-93C4-4BCD-93E2-E3B085C9AB24}">
-                <p16:designElem xmlns:p16="http://schemas.microsoft.com/office/powerpoint/2015/main" val="1"/>
+                <p16:designElem xmlns="" xmlns:p16="http://schemas.microsoft.com/office/powerpoint/2015/main" val="1"/>
               </p:ext>
             </p:extLst>
           </p:nvPr>
@@ -6987,10 +7095,10 @@
           <p:cNvPr id="18" name="Freeform: Shape 17">
             <a:extLst>
               <a:ext uri="{FF2B5EF4-FFF2-40B4-BE49-F238E27FC236}">
-                <a16:creationId xmlns:a16="http://schemas.microsoft.com/office/drawing/2014/main" id="{C29501E6-A978-4A61-9689-9085AF97A53A}"/>
+                <a16:creationId xmlns="" xmlns:a16="http://schemas.microsoft.com/office/drawing/2014/main" id="{C29501E6-A978-4A61-9689-9085AF97A53A}"/>
               </a:ext>
               <a:ext uri="{C183D7F6-B498-43B3-948B-1728B52AA6E4}">
-                <adec:decorative xmlns:adec="http://schemas.microsoft.com/office/drawing/2017/decorative" val="1"/>
+                <adec:decorative xmlns="" xmlns:adec="http://schemas.microsoft.com/office/drawing/2017/decorative" val="1"/>
               </a:ext>
             </a:extLst>
           </p:cNvPr>
@@ -7000,7 +7108,7 @@
           <p:nvPr>
             <p:extLst>
               <p:ext uri="{386F3935-93C4-4BCD-93E2-E3B085C9AB24}">
-                <p16:designElem xmlns:p16="http://schemas.microsoft.com/office/powerpoint/2015/main" val="1"/>
+                <p16:designElem xmlns="" xmlns:p16="http://schemas.microsoft.com/office/powerpoint/2015/main" val="1"/>
               </p:ext>
             </p:extLst>
           </p:nvPr>
@@ -7131,7 +7239,7 @@
           <p:cNvPr id="2" name="제목 1">
             <a:extLst>
               <a:ext uri="{FF2B5EF4-FFF2-40B4-BE49-F238E27FC236}">
-                <a16:creationId xmlns:a16="http://schemas.microsoft.com/office/drawing/2014/main" id="{9F75B556-FA07-A7F7-8E5D-736CD761C3E6}"/>
+                <a16:creationId xmlns="" xmlns:a16="http://schemas.microsoft.com/office/drawing/2014/main" id="{9F75B556-FA07-A7F7-8E5D-736CD761C3E6}"/>
               </a:ext>
             </a:extLst>
           </p:cNvPr>
@@ -7187,7 +7295,7 @@
           <p:cNvPr id="3" name="부제목 2">
             <a:extLst>
               <a:ext uri="{FF2B5EF4-FFF2-40B4-BE49-F238E27FC236}">
-                <a16:creationId xmlns:a16="http://schemas.microsoft.com/office/drawing/2014/main" id="{538809FE-B1A2-171C-B69C-1C929B0C402D}"/>
+                <a16:creationId xmlns="" xmlns:a16="http://schemas.microsoft.com/office/drawing/2014/main" id="{538809FE-B1A2-171C-B69C-1C929B0C402D}"/>
               </a:ext>
             </a:extLst>
           </p:cNvPr>
@@ -7279,7 +7387,7 @@
           <p:cNvPr id="11" name="부제목 2">
             <a:extLst>
               <a:ext uri="{FF2B5EF4-FFF2-40B4-BE49-F238E27FC236}">
-                <a16:creationId xmlns:a16="http://schemas.microsoft.com/office/drawing/2014/main" id="{538809FE-B1A2-171C-B69C-1C929B0C402D}"/>
+                <a16:creationId xmlns="" xmlns:a16="http://schemas.microsoft.com/office/drawing/2014/main" id="{538809FE-B1A2-171C-B69C-1C929B0C402D}"/>
               </a:ext>
             </a:extLst>
           </p:cNvPr>
@@ -7585,7 +7693,7 @@
 </p:sld>
 </file>
 
-<file path=ppt/slides/slide2.xml><?xml version="1.0" encoding="utf-8"?>
+<file path=ppt/slides/slide10.xml><?xml version="1.0" encoding="utf-8"?>
 <p:sld xmlns:a="http://schemas.openxmlformats.org/drawingml/2006/main" xmlns:r="http://schemas.openxmlformats.org/officeDocument/2006/relationships" xmlns:p="http://schemas.openxmlformats.org/presentationml/2006/main">
   <p:cSld>
     <p:spTree>
@@ -7602,879 +7710,15 @@
           <a:chExt cx="0" cy="0"/>
         </a:xfrm>
       </p:grpSpPr>
-      <p:sp>
-        <p:nvSpPr>
-          <p:cNvPr id="2" name="제목 1">
-            <a:extLst>
-              <a:ext uri="{FF2B5EF4-FFF2-40B4-BE49-F238E27FC236}">
-                <a16:creationId xmlns:a16="http://schemas.microsoft.com/office/drawing/2014/main" id="{46FA7903-5BB2-2165-7251-19FF2BD56A70}"/>
-              </a:ext>
-            </a:extLst>
-          </p:cNvPr>
-          <p:cNvSpPr>
-            <a:spLocks noGrp="1"/>
-          </p:cNvSpPr>
-          <p:nvPr>
-            <p:ph type="title"/>
-          </p:nvPr>
-        </p:nvSpPr>
-        <p:spPr/>
-        <p:txBody>
-          <a:bodyPr/>
-          <a:lstStyle/>
-          <a:p>
-            <a:r>
-              <a:rPr lang="ko-KR" altLang="en-US" dirty="0"/>
-              <a:t>기획내용</a:t>
-            </a:r>
-          </a:p>
-        </p:txBody>
-      </p:sp>
-      <p:sp>
-        <p:nvSpPr>
-          <p:cNvPr id="7" name="텍스트 개체 틀 6">
-            <a:extLst>
-              <a:ext uri="{FF2B5EF4-FFF2-40B4-BE49-F238E27FC236}">
-                <a16:creationId xmlns:a16="http://schemas.microsoft.com/office/drawing/2014/main" id="{B774C544-A3A3-BEE3-403E-8A80308DEEAB}"/>
-              </a:ext>
-            </a:extLst>
-          </p:cNvPr>
-          <p:cNvSpPr>
-            <a:spLocks noGrp="1"/>
-          </p:cNvSpPr>
-          <p:nvPr>
-            <p:ph type="body" sz="quarter" idx="3"/>
-          </p:nvPr>
-        </p:nvSpPr>
-        <p:spPr/>
-        <p:txBody>
-          <a:bodyPr/>
-          <a:lstStyle/>
-          <a:p>
-            <a:r>
-              <a:rPr lang="ko-KR" altLang="en-US" dirty="0"/>
-              <a:t>주요기능</a:t>
-            </a:r>
-          </a:p>
-        </p:txBody>
-      </p:sp>
-      <p:sp>
-        <p:nvSpPr>
-          <p:cNvPr id="6" name="텍스트 개체 틀 5">
-            <a:extLst>
-              <a:ext uri="{FF2B5EF4-FFF2-40B4-BE49-F238E27FC236}">
-                <a16:creationId xmlns:a16="http://schemas.microsoft.com/office/drawing/2014/main" id="{0331DFA3-F4CC-F590-D661-785D52EF2DCB}"/>
-              </a:ext>
-            </a:extLst>
-          </p:cNvPr>
-          <p:cNvSpPr>
-            <a:spLocks noGrp="1"/>
-          </p:cNvSpPr>
-          <p:nvPr>
-            <p:ph type="body" idx="1"/>
-          </p:nvPr>
-        </p:nvSpPr>
-        <p:spPr/>
-        <p:txBody>
-          <a:bodyPr/>
-          <a:lstStyle/>
-          <a:p>
-            <a:r>
-              <a:rPr lang="ko-KR" altLang="en-US" dirty="0"/>
-              <a:t>목표</a:t>
-            </a:r>
-          </a:p>
-        </p:txBody>
-      </p:sp>
-      <p:graphicFrame>
-        <p:nvGraphicFramePr>
-          <p:cNvPr id="12" name="내용 개체 틀 3">
-            <a:extLst>
-              <a:ext uri="{FF2B5EF4-FFF2-40B4-BE49-F238E27FC236}">
-                <a16:creationId xmlns:a16="http://schemas.microsoft.com/office/drawing/2014/main" id="{EF9E181A-E191-4C91-7087-8E058362BCA7}"/>
-              </a:ext>
-            </a:extLst>
-          </p:cNvPr>
-          <p:cNvGraphicFramePr>
-            <a:graphicFrameLocks noGrp="1"/>
-          </p:cNvGraphicFramePr>
-          <p:nvPr>
-            <p:ph sz="half" idx="2"/>
-            <p:extLst>
-              <p:ext uri="{D42A27DB-BD31-4B8C-83A1-F6EECF244321}">
-                <p14:modId xmlns:p14="http://schemas.microsoft.com/office/powerpoint/2010/main" val="2422257739"/>
-              </p:ext>
-            </p:extLst>
-          </p:nvPr>
-        </p:nvGraphicFramePr>
-        <p:xfrm>
-          <a:off x="839788" y="2830749"/>
-          <a:ext cx="5157787" cy="3358914"/>
-        </p:xfrm>
-        <a:graphic>
-          <a:graphicData uri="http://schemas.openxmlformats.org/drawingml/2006/diagram">
-            <dgm:relIds xmlns:dgm="http://schemas.openxmlformats.org/drawingml/2006/diagram" xmlns:r="http://schemas.openxmlformats.org/officeDocument/2006/relationships" r:dm="rId3" r:lo="rId4" r:qs="rId5" r:cs="rId6"/>
-          </a:graphicData>
-        </a:graphic>
-      </p:graphicFrame>
-      <p:sp>
-        <p:nvSpPr>
-          <p:cNvPr id="8" name="내용 개체 틀 7">
-            <a:extLst>
-              <a:ext uri="{FF2B5EF4-FFF2-40B4-BE49-F238E27FC236}">
-                <a16:creationId xmlns:a16="http://schemas.microsoft.com/office/drawing/2014/main" id="{5C5D925B-4CCC-6D96-6E36-F9336812EE85}"/>
-              </a:ext>
-            </a:extLst>
-          </p:cNvPr>
-          <p:cNvSpPr>
-            <a:spLocks noGrp="1"/>
-          </p:cNvSpPr>
-          <p:nvPr>
-            <p:ph sz="quarter" idx="4"/>
-          </p:nvPr>
-        </p:nvSpPr>
-        <p:spPr>
-          <a:xfrm>
-            <a:off x="6095999" y="2830747"/>
-            <a:ext cx="5752289" cy="3662127"/>
-          </a:xfrm>
-        </p:spPr>
-        <p:txBody>
-          <a:bodyPr>
-            <a:normAutofit fontScale="92500" lnSpcReduction="10000"/>
-          </a:bodyPr>
-          <a:lstStyle/>
-          <a:p>
-            <a:r>
-              <a:rPr lang="ko-KR" altLang="en-US" sz="2000" b="1" i="0" dirty="0">
-                <a:solidFill>
-                  <a:srgbClr val="0D0D0D"/>
-                </a:solidFill>
-                <a:effectLst/>
-                <a:highlight>
-                  <a:srgbClr val="FFFFFF"/>
-                </a:highlight>
-                <a:latin typeface="ui-sans-serif"/>
-              </a:rPr>
-              <a:t>로그인</a:t>
-            </a:r>
-            <a:endParaRPr lang="en-US" altLang="ko-KR" sz="2000" b="1" i="0" dirty="0">
-              <a:solidFill>
-                <a:srgbClr val="0D0D0D"/>
-              </a:solidFill>
-              <a:effectLst/>
-              <a:highlight>
-                <a:srgbClr val="FFFFFF"/>
-              </a:highlight>
-              <a:latin typeface="ui-sans-serif"/>
-            </a:endParaRPr>
-          </a:p>
-          <a:p>
-            <a:pPr marL="0" indent="0">
-              <a:buNone/>
-            </a:pPr>
-            <a:r>
-              <a:rPr lang="en-US" altLang="ko-KR" sz="1500" dirty="0">
-                <a:solidFill>
-                  <a:srgbClr val="0D0D0D"/>
-                </a:solidFill>
-                <a:highlight>
-                  <a:srgbClr val="FFFFFF"/>
-                </a:highlight>
-                <a:latin typeface="ui-sans-serif"/>
-              </a:rPr>
-              <a:t>-</a:t>
-            </a:r>
-            <a:r>
-              <a:rPr lang="ko-KR" altLang="en-US" sz="1500" dirty="0">
-                <a:solidFill>
-                  <a:srgbClr val="0D0D0D"/>
-                </a:solidFill>
-                <a:highlight>
-                  <a:srgbClr val="FFFFFF"/>
-                </a:highlight>
-                <a:latin typeface="ui-sans-serif"/>
-              </a:rPr>
-              <a:t>로그인</a:t>
-            </a:r>
-            <a:r>
-              <a:rPr lang="en-US" altLang="ko-KR" sz="1500" dirty="0">
-                <a:solidFill>
-                  <a:srgbClr val="0D0D0D"/>
-                </a:solidFill>
-                <a:highlight>
-                  <a:srgbClr val="FFFFFF"/>
-                </a:highlight>
-                <a:latin typeface="ui-sans-serif"/>
-              </a:rPr>
-              <a:t>: </a:t>
-            </a:r>
-            <a:r>
-              <a:rPr lang="ko-KR" altLang="en-US" sz="1500" dirty="0">
-                <a:solidFill>
-                  <a:srgbClr val="0D0D0D"/>
-                </a:solidFill>
-                <a:highlight>
-                  <a:srgbClr val="FFFFFF"/>
-                </a:highlight>
-                <a:latin typeface="ui-sans-serif"/>
-              </a:rPr>
-              <a:t>로그인을 통해 회원 인증</a:t>
-            </a:r>
-            <a:endParaRPr lang="en-US" altLang="ko-KR" sz="1500" dirty="0">
-              <a:solidFill>
-                <a:srgbClr val="0D0D0D"/>
-              </a:solidFill>
-              <a:highlight>
-                <a:srgbClr val="FFFFFF"/>
-              </a:highlight>
-              <a:latin typeface="ui-sans-serif"/>
-            </a:endParaRPr>
-          </a:p>
-          <a:p>
-            <a:pPr marL="0" indent="0">
-              <a:buNone/>
-            </a:pPr>
-            <a:r>
-              <a:rPr lang="en-US" altLang="ko-KR" sz="1500" i="0" dirty="0">
-                <a:solidFill>
-                  <a:srgbClr val="0D0D0D"/>
-                </a:solidFill>
-                <a:effectLst/>
-                <a:highlight>
-                  <a:srgbClr val="FFFFFF"/>
-                </a:highlight>
-                <a:latin typeface="ui-sans-serif"/>
-              </a:rPr>
-              <a:t>-</a:t>
-            </a:r>
-            <a:r>
-              <a:rPr lang="ko-KR" altLang="en-US" sz="1500" i="0" dirty="0">
-                <a:solidFill>
-                  <a:srgbClr val="0D0D0D"/>
-                </a:solidFill>
-                <a:effectLst/>
-                <a:highlight>
-                  <a:srgbClr val="FFFFFF"/>
-                </a:highlight>
-                <a:latin typeface="ui-sans-serif"/>
-              </a:rPr>
-              <a:t>회원가입</a:t>
-            </a:r>
-            <a:r>
-              <a:rPr lang="en-US" altLang="ko-KR" sz="1500" i="0" dirty="0">
-                <a:solidFill>
-                  <a:srgbClr val="0D0D0D"/>
-                </a:solidFill>
-                <a:effectLst/>
-                <a:highlight>
-                  <a:srgbClr val="FFFFFF"/>
-                </a:highlight>
-                <a:latin typeface="ui-sans-serif"/>
-              </a:rPr>
-              <a:t>: </a:t>
-            </a:r>
-            <a:r>
-              <a:rPr lang="ko-KR" altLang="en-US" sz="1500" i="0" dirty="0">
-                <a:solidFill>
-                  <a:srgbClr val="0D0D0D"/>
-                </a:solidFill>
-                <a:effectLst/>
-                <a:highlight>
-                  <a:srgbClr val="FFFFFF"/>
-                </a:highlight>
-                <a:latin typeface="ui-sans-serif"/>
-              </a:rPr>
-              <a:t>비회원인 경우</a:t>
-            </a:r>
-            <a:r>
-              <a:rPr lang="en-US" altLang="ko-KR" sz="1500" i="0" dirty="0">
-                <a:solidFill>
-                  <a:srgbClr val="0D0D0D"/>
-                </a:solidFill>
-                <a:effectLst/>
-                <a:highlight>
-                  <a:srgbClr val="FFFFFF"/>
-                </a:highlight>
-                <a:latin typeface="ui-sans-serif"/>
-              </a:rPr>
-              <a:t>, </a:t>
-            </a:r>
-            <a:r>
-              <a:rPr lang="ko-KR" altLang="en-US" sz="1500" i="0" dirty="0">
-                <a:solidFill>
-                  <a:srgbClr val="0D0D0D"/>
-                </a:solidFill>
-                <a:effectLst/>
-                <a:highlight>
-                  <a:srgbClr val="FFFFFF"/>
-                </a:highlight>
-                <a:latin typeface="ui-sans-serif"/>
-              </a:rPr>
-              <a:t>회원가입을 통해 서비스 이용</a:t>
-            </a:r>
-            <a:endParaRPr lang="en-US" altLang="ko-KR" sz="1500" i="0" dirty="0">
-              <a:solidFill>
-                <a:srgbClr val="0D0D0D"/>
-              </a:solidFill>
-              <a:effectLst/>
-              <a:highlight>
-                <a:srgbClr val="FFFFFF"/>
-              </a:highlight>
-              <a:latin typeface="ui-sans-serif"/>
-            </a:endParaRPr>
-          </a:p>
-          <a:p>
-            <a:pPr marL="0" indent="0">
-              <a:buNone/>
-            </a:pPr>
-            <a:r>
-              <a:rPr lang="en-US" altLang="ko-KR" sz="1500" dirty="0">
-                <a:solidFill>
-                  <a:srgbClr val="0D0D0D"/>
-                </a:solidFill>
-                <a:highlight>
-                  <a:srgbClr val="FFFFFF"/>
-                </a:highlight>
-                <a:latin typeface="ui-sans-serif"/>
-              </a:rPr>
-              <a:t>-</a:t>
-            </a:r>
-            <a:r>
-              <a:rPr lang="ko-KR" altLang="en-US" sz="1500" dirty="0">
-                <a:solidFill>
-                  <a:srgbClr val="0D0D0D"/>
-                </a:solidFill>
-                <a:highlight>
-                  <a:srgbClr val="FFFFFF"/>
-                </a:highlight>
-                <a:latin typeface="ui-sans-serif"/>
-              </a:rPr>
-              <a:t>마이페이지</a:t>
-            </a:r>
-            <a:r>
-              <a:rPr lang="en-US" altLang="ko-KR" sz="1500" dirty="0">
-                <a:solidFill>
-                  <a:srgbClr val="0D0D0D"/>
-                </a:solidFill>
-                <a:highlight>
-                  <a:srgbClr val="FFFFFF"/>
-                </a:highlight>
-                <a:latin typeface="ui-sans-serif"/>
-              </a:rPr>
-              <a:t>: </a:t>
-            </a:r>
-            <a:r>
-              <a:rPr lang="ko-KR" altLang="en-US" sz="1500" dirty="0">
-                <a:solidFill>
-                  <a:srgbClr val="0D0D0D"/>
-                </a:solidFill>
-                <a:highlight>
-                  <a:srgbClr val="FFFFFF"/>
-                </a:highlight>
-                <a:latin typeface="ui-sans-serif"/>
-              </a:rPr>
-              <a:t>회원이 본인 정보 확인 가능</a:t>
-            </a:r>
-            <a:endParaRPr lang="en-US" altLang="ko-KR" sz="1500" dirty="0">
-              <a:solidFill>
-                <a:srgbClr val="0D0D0D"/>
-              </a:solidFill>
-              <a:highlight>
-                <a:srgbClr val="FFFFFF"/>
-              </a:highlight>
-              <a:latin typeface="ui-sans-serif"/>
-            </a:endParaRPr>
-          </a:p>
-          <a:p>
-            <a:pPr marL="0" indent="0">
-              <a:buNone/>
-            </a:pPr>
-            <a:endParaRPr lang="en-US" altLang="ko-KR" sz="1500" dirty="0">
-              <a:solidFill>
-                <a:srgbClr val="0D0D0D"/>
-              </a:solidFill>
-              <a:highlight>
-                <a:srgbClr val="FFFFFF"/>
-              </a:highlight>
-              <a:latin typeface="ui-sans-serif"/>
-            </a:endParaRPr>
-          </a:p>
-          <a:p>
-            <a:r>
-              <a:rPr lang="ko-KR" altLang="en-US" sz="2000" b="1" i="0" dirty="0">
-                <a:solidFill>
-                  <a:srgbClr val="0D0D0D"/>
-                </a:solidFill>
-                <a:effectLst/>
-                <a:highlight>
-                  <a:srgbClr val="FFFFFF"/>
-                </a:highlight>
-                <a:latin typeface="ui-sans-serif"/>
-              </a:rPr>
-              <a:t>자리 예약 시스템</a:t>
-            </a:r>
-            <a:endParaRPr lang="en-US" altLang="ko-KR" sz="2000" b="1" i="0" dirty="0">
-              <a:solidFill>
-                <a:srgbClr val="0D0D0D"/>
-              </a:solidFill>
-              <a:effectLst/>
-              <a:highlight>
-                <a:srgbClr val="FFFFFF"/>
-              </a:highlight>
-              <a:latin typeface="ui-sans-serif"/>
-            </a:endParaRPr>
-          </a:p>
-          <a:p>
-            <a:pPr marL="0" indent="0" algn="l">
-              <a:buNone/>
-            </a:pPr>
-            <a:r>
-              <a:rPr lang="en-US" altLang="ko-KR" sz="1400" dirty="0">
-                <a:solidFill>
-                  <a:srgbClr val="0D0D0D"/>
-                </a:solidFill>
-                <a:highlight>
-                  <a:srgbClr val="FFFFFF"/>
-                </a:highlight>
-                <a:latin typeface="ui-sans-serif"/>
-              </a:rPr>
-              <a:t>- </a:t>
-            </a:r>
-            <a:r>
-              <a:rPr lang="ko-KR" altLang="en-US" sz="1400" b="0" i="0" dirty="0">
-                <a:solidFill>
-                  <a:srgbClr val="0D0D0D"/>
-                </a:solidFill>
-                <a:effectLst/>
-                <a:highlight>
-                  <a:srgbClr val="FFFFFF"/>
-                </a:highlight>
-                <a:latin typeface="ui-sans-serif"/>
-              </a:rPr>
-              <a:t>좌석 선택</a:t>
-            </a:r>
-            <a:r>
-              <a:rPr lang="en-US" altLang="ko-KR" sz="1400" b="0" i="0" dirty="0">
-                <a:solidFill>
-                  <a:srgbClr val="0D0D0D"/>
-                </a:solidFill>
-                <a:effectLst/>
-                <a:highlight>
-                  <a:srgbClr val="FFFFFF"/>
-                </a:highlight>
-                <a:latin typeface="ui-sans-serif"/>
-              </a:rPr>
-              <a:t>: </a:t>
-            </a:r>
-            <a:r>
-              <a:rPr lang="ko-KR" altLang="en-US" sz="1400" b="0" i="0" dirty="0">
-                <a:solidFill>
-                  <a:srgbClr val="0D0D0D"/>
-                </a:solidFill>
-                <a:effectLst/>
-                <a:highlight>
-                  <a:srgbClr val="FFFFFF"/>
-                </a:highlight>
-                <a:latin typeface="ui-sans-serif"/>
-              </a:rPr>
-              <a:t>사용자가 강의실 내 원하는 자리를 선택하여 예약</a:t>
-            </a:r>
-            <a:endParaRPr lang="en-US" altLang="ko-KR" sz="1400" b="0" i="0" dirty="0">
-              <a:solidFill>
-                <a:srgbClr val="0D0D0D"/>
-              </a:solidFill>
-              <a:effectLst/>
-              <a:highlight>
-                <a:srgbClr val="FFFFFF"/>
-              </a:highlight>
-              <a:latin typeface="ui-sans-serif"/>
-            </a:endParaRPr>
-          </a:p>
-          <a:p>
-            <a:pPr marL="0" indent="0">
-              <a:buNone/>
-            </a:pPr>
-            <a:r>
-              <a:rPr lang="en-US" altLang="ko-KR" sz="1400" b="0" i="0" dirty="0">
-                <a:solidFill>
-                  <a:srgbClr val="0D0D0D"/>
-                </a:solidFill>
-                <a:effectLst/>
-                <a:highlight>
-                  <a:srgbClr val="FFFFFF"/>
-                </a:highlight>
-                <a:latin typeface="ui-sans-serif"/>
-              </a:rPr>
-              <a:t>-OTP </a:t>
-            </a:r>
-            <a:r>
-              <a:rPr lang="ko-KR" altLang="en-US" sz="1400" b="0" i="0" dirty="0">
-                <a:solidFill>
-                  <a:srgbClr val="0D0D0D"/>
-                </a:solidFill>
-                <a:effectLst/>
-                <a:highlight>
-                  <a:srgbClr val="FFFFFF"/>
-                </a:highlight>
-                <a:latin typeface="ui-sans-serif"/>
-              </a:rPr>
-              <a:t>발급</a:t>
-            </a:r>
-            <a:r>
-              <a:rPr lang="en-US" altLang="ko-KR" sz="1400" b="0" i="0" dirty="0">
-                <a:solidFill>
-                  <a:srgbClr val="0D0D0D"/>
-                </a:solidFill>
-                <a:effectLst/>
-                <a:highlight>
-                  <a:srgbClr val="FFFFFF"/>
-                </a:highlight>
-                <a:latin typeface="ui-sans-serif"/>
-              </a:rPr>
-              <a:t>: </a:t>
-            </a:r>
-            <a:r>
-              <a:rPr lang="ko-KR" altLang="en-US" sz="1400" b="0" i="0" dirty="0">
-                <a:solidFill>
-                  <a:srgbClr val="0D0D0D"/>
-                </a:solidFill>
-                <a:effectLst/>
-                <a:highlight>
-                  <a:srgbClr val="FFFFFF"/>
-                </a:highlight>
-                <a:latin typeface="ui-sans-serif"/>
-              </a:rPr>
-              <a:t>자리 예약 완료 후 사용자에게 일회용 비밀번호</a:t>
-            </a:r>
-            <a:r>
-              <a:rPr lang="en-US" altLang="ko-KR" sz="1400" b="0" i="0" dirty="0">
-                <a:solidFill>
-                  <a:srgbClr val="0D0D0D"/>
-                </a:solidFill>
-                <a:effectLst/>
-                <a:highlight>
-                  <a:srgbClr val="FFFFFF"/>
-                </a:highlight>
-                <a:latin typeface="ui-sans-serif"/>
-              </a:rPr>
-              <a:t>(OTP) </a:t>
-            </a:r>
-            <a:r>
-              <a:rPr lang="ko-KR" altLang="en-US" sz="1400" b="0" i="0" dirty="0">
-                <a:solidFill>
-                  <a:srgbClr val="0D0D0D"/>
-                </a:solidFill>
-                <a:effectLst/>
-                <a:highlight>
-                  <a:srgbClr val="FFFFFF"/>
-                </a:highlight>
-                <a:latin typeface="ui-sans-serif"/>
-              </a:rPr>
-              <a:t>발급</a:t>
-            </a:r>
-            <a:endParaRPr lang="en-US" altLang="ko-KR" sz="1400" b="0" i="0" dirty="0">
-              <a:solidFill>
-                <a:srgbClr val="0D0D0D"/>
-              </a:solidFill>
-              <a:effectLst/>
-              <a:highlight>
-                <a:srgbClr val="FFFFFF"/>
-              </a:highlight>
-              <a:latin typeface="ui-sans-serif"/>
-            </a:endParaRPr>
-          </a:p>
-          <a:p>
-            <a:pPr marL="0" indent="0">
-              <a:buNone/>
-            </a:pPr>
-            <a:endParaRPr lang="en-US" altLang="ko-KR" sz="1400" dirty="0">
-              <a:solidFill>
-                <a:srgbClr val="0D0D0D"/>
-              </a:solidFill>
-              <a:highlight>
-                <a:srgbClr val="FFFFFF"/>
-              </a:highlight>
-              <a:latin typeface="ui-sans-serif"/>
-            </a:endParaRPr>
-          </a:p>
-          <a:p>
-            <a:r>
-              <a:rPr lang="ko-KR" altLang="en-US" sz="2000" b="1" i="0" dirty="0">
-                <a:solidFill>
-                  <a:srgbClr val="0D0D0D"/>
-                </a:solidFill>
-                <a:effectLst/>
-                <a:highlight>
-                  <a:srgbClr val="FFFFFF"/>
-                </a:highlight>
-                <a:latin typeface="ui-sans-serif"/>
-              </a:rPr>
-              <a:t>즐겨찾기 </a:t>
-            </a:r>
-            <a:endParaRPr lang="en-US" altLang="ko-KR" sz="2000" b="1" i="0" dirty="0">
-              <a:solidFill>
-                <a:srgbClr val="0D0D0D"/>
-              </a:solidFill>
-              <a:effectLst/>
-              <a:highlight>
-                <a:srgbClr val="FFFFFF"/>
-              </a:highlight>
-              <a:latin typeface="ui-sans-serif"/>
-            </a:endParaRPr>
-          </a:p>
-          <a:p>
-            <a:pPr marL="0" indent="0">
-              <a:buNone/>
-            </a:pPr>
-            <a:r>
-              <a:rPr lang="en-US" altLang="ko-KR" sz="1400" dirty="0">
-                <a:solidFill>
-                  <a:srgbClr val="0D0D0D"/>
-                </a:solidFill>
-                <a:highlight>
-                  <a:srgbClr val="FFFFFF"/>
-                </a:highlight>
-                <a:latin typeface="ui-sans-serif"/>
-              </a:rPr>
-              <a:t>-</a:t>
-            </a:r>
-            <a:r>
-              <a:rPr lang="ko-KR" altLang="en-US" sz="1400" dirty="0">
-                <a:solidFill>
-                  <a:srgbClr val="0D0D0D"/>
-                </a:solidFill>
-                <a:highlight>
-                  <a:srgbClr val="FFFFFF"/>
-                </a:highlight>
-                <a:latin typeface="ui-sans-serif"/>
-              </a:rPr>
-              <a:t>강의실 추가</a:t>
-            </a:r>
-            <a:r>
-              <a:rPr lang="en-US" altLang="ko-KR" sz="1400" dirty="0">
-                <a:solidFill>
-                  <a:srgbClr val="0D0D0D"/>
-                </a:solidFill>
-                <a:highlight>
-                  <a:srgbClr val="FFFFFF"/>
-                </a:highlight>
-                <a:latin typeface="ui-sans-serif"/>
-              </a:rPr>
-              <a:t>: </a:t>
-            </a:r>
-            <a:r>
-              <a:rPr lang="ko-KR" altLang="en-US" sz="1400" dirty="0">
-                <a:solidFill>
-                  <a:srgbClr val="0D0D0D"/>
-                </a:solidFill>
-                <a:highlight>
-                  <a:srgbClr val="FFFFFF"/>
-                </a:highlight>
-                <a:latin typeface="ui-sans-serif"/>
-              </a:rPr>
-              <a:t>자주 이용하는 강의실을 </a:t>
-            </a:r>
-            <a:r>
-              <a:rPr lang="ko-KR" altLang="en-US" sz="1400" dirty="0" err="1">
-                <a:solidFill>
-                  <a:srgbClr val="0D0D0D"/>
-                </a:solidFill>
-                <a:highlight>
-                  <a:srgbClr val="FFFFFF"/>
-                </a:highlight>
-                <a:latin typeface="ui-sans-serif"/>
-              </a:rPr>
-              <a:t>즐겨찾기에</a:t>
-            </a:r>
-            <a:r>
-              <a:rPr lang="ko-KR" altLang="en-US" sz="1400" dirty="0">
-                <a:solidFill>
-                  <a:srgbClr val="0D0D0D"/>
-                </a:solidFill>
-                <a:highlight>
-                  <a:srgbClr val="FFFFFF"/>
-                </a:highlight>
-                <a:latin typeface="ui-sans-serif"/>
-              </a:rPr>
-              <a:t> 추가하여 사용가능</a:t>
-            </a:r>
-            <a:r>
-              <a:rPr lang="en-US" altLang="ko-KR" sz="1400" dirty="0">
-                <a:solidFill>
-                  <a:srgbClr val="0D0D0D"/>
-                </a:solidFill>
-                <a:highlight>
-                  <a:srgbClr val="FFFFFF"/>
-                </a:highlight>
-                <a:latin typeface="ui-sans-serif"/>
-              </a:rPr>
-              <a:t>.</a:t>
-            </a:r>
-          </a:p>
-          <a:p>
-            <a:pPr marL="0" indent="0">
-              <a:buNone/>
-            </a:pPr>
-            <a:r>
-              <a:rPr lang="en-US" altLang="ko-KR" sz="1400" i="0" dirty="0">
-                <a:solidFill>
-                  <a:srgbClr val="0D0D0D"/>
-                </a:solidFill>
-                <a:effectLst/>
-                <a:highlight>
-                  <a:srgbClr val="FFFFFF"/>
-                </a:highlight>
-                <a:latin typeface="ui-sans-serif"/>
-              </a:rPr>
-              <a:t>-</a:t>
-            </a:r>
-            <a:r>
-              <a:rPr lang="ko-KR" altLang="en-US" sz="1400" i="0" dirty="0">
-                <a:solidFill>
-                  <a:srgbClr val="0D0D0D"/>
-                </a:solidFill>
-                <a:effectLst/>
-                <a:highlight>
-                  <a:srgbClr val="FFFFFF"/>
-                </a:highlight>
-                <a:latin typeface="ui-sans-serif"/>
-              </a:rPr>
-              <a:t>강의실 삭제</a:t>
-            </a:r>
-            <a:r>
-              <a:rPr lang="en-US" altLang="ko-KR" sz="1400" i="0" dirty="0">
-                <a:solidFill>
-                  <a:srgbClr val="0D0D0D"/>
-                </a:solidFill>
-                <a:effectLst/>
-                <a:highlight>
-                  <a:srgbClr val="FFFFFF"/>
-                </a:highlight>
-                <a:latin typeface="ui-sans-serif"/>
-              </a:rPr>
-              <a:t>: </a:t>
-            </a:r>
-            <a:r>
-              <a:rPr lang="ko-KR" altLang="en-US" sz="1400" i="0" dirty="0" err="1">
-                <a:solidFill>
-                  <a:srgbClr val="0D0D0D"/>
-                </a:solidFill>
-                <a:effectLst/>
-                <a:highlight>
-                  <a:srgbClr val="FFFFFF"/>
-                </a:highlight>
-                <a:latin typeface="ui-sans-serif"/>
-              </a:rPr>
-              <a:t>즐겨찾기에</a:t>
-            </a:r>
-            <a:r>
-              <a:rPr lang="ko-KR" altLang="en-US" sz="1400" i="0" dirty="0">
-                <a:solidFill>
-                  <a:srgbClr val="0D0D0D"/>
-                </a:solidFill>
-                <a:effectLst/>
-                <a:highlight>
-                  <a:srgbClr val="FFFFFF"/>
-                </a:highlight>
-                <a:latin typeface="ui-sans-serif"/>
-              </a:rPr>
-              <a:t> 추가 한 강의실을 목록에서 삭제 가능</a:t>
-            </a:r>
-            <a:r>
-              <a:rPr lang="en-US" altLang="ko-KR" sz="1400" i="0" dirty="0">
-                <a:solidFill>
-                  <a:srgbClr val="0D0D0D"/>
-                </a:solidFill>
-                <a:effectLst/>
-                <a:highlight>
-                  <a:srgbClr val="FFFFFF"/>
-                </a:highlight>
-                <a:latin typeface="ui-sans-serif"/>
-              </a:rPr>
-              <a:t>.</a:t>
-            </a:r>
-          </a:p>
-          <a:p>
-            <a:pPr marL="0" indent="0">
-              <a:buNone/>
-            </a:pPr>
-            <a:endParaRPr lang="ko-KR" altLang="en-US" sz="1400" b="0" i="0" dirty="0">
-              <a:solidFill>
-                <a:srgbClr val="0D0D0D"/>
-              </a:solidFill>
-              <a:effectLst/>
-              <a:highlight>
-                <a:srgbClr val="FFFFFF"/>
-              </a:highlight>
-              <a:latin typeface="ui-sans-serif"/>
-            </a:endParaRPr>
-          </a:p>
-          <a:p>
-            <a:pPr algn="l">
-              <a:buFont typeface="Wingdings" panose="05000000000000000000" pitchFamily="2" charset="2"/>
-              <a:buChar char="Ø"/>
-            </a:pPr>
-            <a:endParaRPr lang="ko-KR" altLang="en-US" sz="1400" b="0" i="0" dirty="0">
-              <a:solidFill>
-                <a:srgbClr val="0D0D0D"/>
-              </a:solidFill>
-              <a:effectLst/>
-              <a:highlight>
-                <a:srgbClr val="FFFFFF"/>
-              </a:highlight>
-              <a:latin typeface="ui-sans-serif"/>
-            </a:endParaRPr>
-          </a:p>
-        </p:txBody>
-      </p:sp>
-    </p:spTree>
-    <p:extLst>
-      <p:ext uri="{BB962C8B-B14F-4D97-AF65-F5344CB8AC3E}">
-        <p14:creationId xmlns:p14="http://schemas.microsoft.com/office/powerpoint/2010/main" val="3413074832"/>
-      </p:ext>
-    </p:extLst>
-  </p:cSld>
-  <p:clrMapOvr>
-    <a:masterClrMapping/>
-  </p:clrMapOvr>
-</p:sld>
-</file>
-
-<file path=ppt/slides/slide3.xml><?xml version="1.0" encoding="utf-8"?>
-<p:sld xmlns:a="http://schemas.openxmlformats.org/drawingml/2006/main" xmlns:r="http://schemas.openxmlformats.org/officeDocument/2006/relationships" xmlns:p="http://schemas.openxmlformats.org/presentationml/2006/main">
-  <p:cSld>
-    <p:bg>
-      <p:bgPr>
-        <a:solidFill>
-          <a:schemeClr val="bg1"/>
-        </a:solidFill>
-        <a:effectLst/>
-      </p:bgPr>
-    </p:bg>
-    <p:spTree>
-      <p:nvGrpSpPr>
-        <p:cNvPr id="1" name=""/>
-        <p:cNvGrpSpPr/>
-        <p:nvPr/>
-      </p:nvGrpSpPr>
-      <p:grpSpPr>
-        <a:xfrm>
-          <a:off x="0" y="0"/>
-          <a:ext cx="0" cy="0"/>
-          <a:chOff x="0" y="0"/>
-          <a:chExt cx="0" cy="0"/>
-        </a:xfrm>
-      </p:grpSpPr>
       <p:sp useBgFill="1">
         <p:nvSpPr>
           <p:cNvPr id="8" name="Rectangle 7">
             <a:extLst>
               <a:ext uri="{FF2B5EF4-FFF2-40B4-BE49-F238E27FC236}">
-                <a16:creationId xmlns:a16="http://schemas.microsoft.com/office/drawing/2014/main" id="{1B15ED52-F352-441B-82BF-E0EA34836D08}"/>
+                <a16:creationId xmlns="" xmlns:a16="http://schemas.microsoft.com/office/drawing/2014/main" id="{1B15ED52-F352-441B-82BF-E0EA34836D08}"/>
               </a:ext>
               <a:ext uri="{C183D7F6-B498-43B3-948B-1728B52AA6E4}">
-                <adec:decorative xmlns:adec="http://schemas.microsoft.com/office/drawing/2017/decorative" val="1"/>
+                <adec:decorative xmlns="" xmlns:adec="http://schemas.microsoft.com/office/drawing/2017/decorative" val="1"/>
               </a:ext>
             </a:extLst>
           </p:cNvPr>
@@ -8484,7 +7728,7 @@
           <p:nvPr>
             <p:extLst>
               <p:ext uri="{386F3935-93C4-4BCD-93E2-E3B085C9AB24}">
-                <p16:designElem xmlns:p16="http://schemas.microsoft.com/office/powerpoint/2015/main" val="1"/>
+                <p16:designElem xmlns="" xmlns:p16="http://schemas.microsoft.com/office/powerpoint/2015/main" val="1"/>
               </p:ext>
             </p:extLst>
           </p:nvPr>
@@ -8547,10 +7791,10 @@
           <p:cNvPr id="10" name="Rectangle 9">
             <a:extLst>
               <a:ext uri="{FF2B5EF4-FFF2-40B4-BE49-F238E27FC236}">
-                <a16:creationId xmlns:a16="http://schemas.microsoft.com/office/drawing/2014/main" id="{3B2E3793-BFE6-45A2-9B7B-E18844431C99}"/>
+                <a16:creationId xmlns="" xmlns:a16="http://schemas.microsoft.com/office/drawing/2014/main" id="{3B2E3793-BFE6-45A2-9B7B-E18844431C99}"/>
               </a:ext>
               <a:ext uri="{C183D7F6-B498-43B3-948B-1728B52AA6E4}">
-                <adec:decorative xmlns:adec="http://schemas.microsoft.com/office/drawing/2017/decorative" val="1"/>
+                <adec:decorative xmlns="" xmlns:adec="http://schemas.microsoft.com/office/drawing/2017/decorative" val="1"/>
               </a:ext>
             </a:extLst>
           </p:cNvPr>
@@ -8560,7 +7804,7 @@
           <p:nvPr>
             <p:extLst>
               <p:ext uri="{386F3935-93C4-4BCD-93E2-E3B085C9AB24}">
-                <p16:designElem xmlns:p16="http://schemas.microsoft.com/office/powerpoint/2015/main" val="1"/>
+                <p16:designElem xmlns="" xmlns:p16="http://schemas.microsoft.com/office/powerpoint/2015/main" val="1"/>
               </p:ext>
             </p:extLst>
           </p:nvPr>
@@ -8620,10 +7864,10 @@
           <p:cNvPr id="12" name="Rectangle 11">
             <a:extLst>
               <a:ext uri="{FF2B5EF4-FFF2-40B4-BE49-F238E27FC236}">
-                <a16:creationId xmlns:a16="http://schemas.microsoft.com/office/drawing/2014/main" id="{BC4C4868-CB8F-4AF9-9CDB-8108F2C19B67}"/>
+                <a16:creationId xmlns="" xmlns:a16="http://schemas.microsoft.com/office/drawing/2014/main" id="{BC4C4868-CB8F-4AF9-9CDB-8108F2C19B67}"/>
               </a:ext>
               <a:ext uri="{C183D7F6-B498-43B3-948B-1728B52AA6E4}">
-                <adec:decorative xmlns:adec="http://schemas.microsoft.com/office/drawing/2017/decorative" val="1"/>
+                <adec:decorative xmlns="" xmlns:adec="http://schemas.microsoft.com/office/drawing/2017/decorative" val="1"/>
               </a:ext>
             </a:extLst>
           </p:cNvPr>
@@ -8633,7 +7877,7 @@
           <p:nvPr>
             <p:extLst>
               <p:ext uri="{386F3935-93C4-4BCD-93E2-E3B085C9AB24}">
-                <p16:designElem xmlns:p16="http://schemas.microsoft.com/office/powerpoint/2015/main" val="1"/>
+                <p16:designElem xmlns="" xmlns:p16="http://schemas.microsoft.com/office/powerpoint/2015/main" val="1"/>
               </p:ext>
             </p:extLst>
           </p:nvPr>
@@ -8696,10 +7940,10 @@
           <p:cNvPr id="14" name="Rectangle 13">
             <a:extLst>
               <a:ext uri="{FF2B5EF4-FFF2-40B4-BE49-F238E27FC236}">
-                <a16:creationId xmlns:a16="http://schemas.microsoft.com/office/drawing/2014/main" id="{375E0459-6403-40CD-989D-56A4407CA12E}"/>
+                <a16:creationId xmlns="" xmlns:a16="http://schemas.microsoft.com/office/drawing/2014/main" id="{375E0459-6403-40CD-989D-56A4407CA12E}"/>
               </a:ext>
               <a:ext uri="{C183D7F6-B498-43B3-948B-1728B52AA6E4}">
-                <adec:decorative xmlns:adec="http://schemas.microsoft.com/office/drawing/2017/decorative" val="1"/>
+                <adec:decorative xmlns="" xmlns:adec="http://schemas.microsoft.com/office/drawing/2017/decorative" val="1"/>
               </a:ext>
             </a:extLst>
           </p:cNvPr>
@@ -8709,7 +7953,7 @@
           <p:nvPr>
             <p:extLst>
               <p:ext uri="{386F3935-93C4-4BCD-93E2-E3B085C9AB24}">
-                <p16:designElem xmlns:p16="http://schemas.microsoft.com/office/powerpoint/2015/main" val="1"/>
+                <p16:designElem xmlns="" xmlns:p16="http://schemas.microsoft.com/office/powerpoint/2015/main" val="1"/>
               </p:ext>
             </p:extLst>
           </p:nvPr>
@@ -8771,10 +8015,10 @@
           <p:cNvPr id="16" name="Rectangle 15">
             <a:extLst>
               <a:ext uri="{FF2B5EF4-FFF2-40B4-BE49-F238E27FC236}">
-                <a16:creationId xmlns:a16="http://schemas.microsoft.com/office/drawing/2014/main" id="{53E5B1A8-3AC9-4BD1-9BBC-78CA94F2D1BA}"/>
+                <a16:creationId xmlns="" xmlns:a16="http://schemas.microsoft.com/office/drawing/2014/main" id="{53E5B1A8-3AC9-4BD1-9BBC-78CA94F2D1BA}"/>
               </a:ext>
               <a:ext uri="{C183D7F6-B498-43B3-948B-1728B52AA6E4}">
-                <adec:decorative xmlns:adec="http://schemas.microsoft.com/office/drawing/2017/decorative" val="1"/>
+                <adec:decorative xmlns="" xmlns:adec="http://schemas.microsoft.com/office/drawing/2017/decorative" val="1"/>
               </a:ext>
             </a:extLst>
           </p:cNvPr>
@@ -8784,7 +8028,7 @@
           <p:nvPr>
             <p:extLst>
               <p:ext uri="{386F3935-93C4-4BCD-93E2-E3B085C9AB24}">
-                <p16:designElem xmlns:p16="http://schemas.microsoft.com/office/powerpoint/2015/main" val="1"/>
+                <p16:designElem xmlns="" xmlns:p16="http://schemas.microsoft.com/office/powerpoint/2015/main" val="1"/>
               </p:ext>
             </p:extLst>
           </p:nvPr>
@@ -8847,7 +8091,7 @@
           <p:cNvPr id="2" name="제목 1">
             <a:extLst>
               <a:ext uri="{FF2B5EF4-FFF2-40B4-BE49-F238E27FC236}">
-                <a16:creationId xmlns:a16="http://schemas.microsoft.com/office/drawing/2014/main" id="{D7235457-A6C6-F577-0AE8-2492AED11FDF}"/>
+                <a16:creationId xmlns="" xmlns:a16="http://schemas.microsoft.com/office/drawing/2014/main" id="{C51C5024-D28B-51C9-3E0D-6C73030EF822}"/>
               </a:ext>
             </a:extLst>
           </p:cNvPr>
@@ -8876,7 +8120,7 @@
                   <a:srgbClr val="FFFFFF"/>
                 </a:solidFill>
               </a:rPr>
-              <a:t>어려움</a:t>
+              <a:t>극복과정</a:t>
             </a:r>
           </a:p>
         </p:txBody>
@@ -8886,7 +8130,7 @@
           <p:cNvPr id="3" name="내용 개체 틀 2">
             <a:extLst>
               <a:ext uri="{FF2B5EF4-FFF2-40B4-BE49-F238E27FC236}">
-                <a16:creationId xmlns:a16="http://schemas.microsoft.com/office/drawing/2014/main" id="{A20C815D-EDE1-56C7-1746-3EB7001DB7A4}"/>
+                <a16:creationId xmlns="" xmlns:a16="http://schemas.microsoft.com/office/drawing/2014/main" id="{FD0581FF-0E86-AC63-C7BB-7B2374504D9D}"/>
               </a:ext>
             </a:extLst>
           </p:cNvPr>
@@ -8900,7 +8144,7 @@
         <p:spPr>
           <a:xfrm>
             <a:off x="459351" y="2318197"/>
-            <a:ext cx="11174930" cy="3683358"/>
+            <a:ext cx="10636280" cy="3683358"/>
           </a:xfrm>
         </p:spPr>
         <p:txBody>
@@ -8909,31 +8153,117 @@
           </a:bodyPr>
           <a:lstStyle/>
           <a:p>
-            <a:endParaRPr lang="en-US" altLang="ko-KR" sz="2000" dirty="0"/>
-          </a:p>
-          <a:p>
-            <a:r>
-              <a:rPr lang="en-US" altLang="ko-KR" sz="2000" dirty="0"/>
+            <a:r>
+              <a:rPr lang="en-US" altLang="ko-KR" sz="2000" dirty="0" smtClean="0"/>
+              <a:t>MySQL</a:t>
+            </a:r>
+            <a:r>
+              <a:rPr lang="ko-KR" altLang="en-US" sz="2000" dirty="0" smtClean="0"/>
+              <a:t>과 같은 여러 </a:t>
+            </a:r>
+            <a:r>
+              <a:rPr lang="ko-KR" altLang="en-US" sz="2000" dirty="0" smtClean="0"/>
+              <a:t>가지 </a:t>
+            </a:r>
+            <a:r>
+              <a:rPr lang="en-US" altLang="ko-KR" sz="2000" dirty="0" smtClean="0"/>
               <a:t>DB</a:t>
             </a:r>
             <a:r>
+              <a:rPr lang="ko-KR" altLang="en-US" sz="2000" dirty="0" smtClean="0"/>
+              <a:t>연결 방법을 찾다가 결국 </a:t>
+            </a:r>
+            <a:r>
+              <a:rPr lang="en-US" altLang="ko-KR" sz="2000" dirty="0" smtClean="0"/>
+              <a:t>PHP</a:t>
+            </a:r>
+            <a:r>
               <a:rPr lang="ko-KR" altLang="en-US" sz="2000" dirty="0"/>
-              <a:t>연결</a:t>
-            </a:r>
-            <a:r>
-              <a:rPr lang="en-US" altLang="ko-KR" sz="2000" dirty="0"/>
-              <a:t>: </a:t>
-            </a:r>
-            <a:r>
-              <a:rPr lang="ko-KR" altLang="en-US" sz="2000" dirty="0"/>
-              <a:t>안드로이드 스튜디오와 데이터베이스 연결</a:t>
-            </a:r>
-            <a:endParaRPr lang="en-US" altLang="ko-KR" sz="2000" dirty="0"/>
+              <a:t>를 </a:t>
+            </a:r>
+            <a:r>
+              <a:rPr lang="ko-KR" altLang="en-US" sz="2000" dirty="0" smtClean="0"/>
+              <a:t>이용하여</a:t>
+            </a:r>
+            <a:endParaRPr lang="en-US" altLang="ko-KR" sz="2000" dirty="0" smtClean="0"/>
           </a:p>
           <a:p>
             <a:pPr marL="0" indent="0">
               <a:buNone/>
             </a:pPr>
+            <a:r>
+              <a:rPr lang="ko-KR" altLang="en-US" sz="2000" dirty="0" smtClean="0"/>
+              <a:t>  </a:t>
+            </a:r>
+            <a:r>
+              <a:rPr lang="ko-KR" altLang="en-US" sz="2000" dirty="0" err="1" smtClean="0"/>
+              <a:t>안드로이드</a:t>
+            </a:r>
+            <a:r>
+              <a:rPr lang="ko-KR" altLang="en-US" sz="2000" dirty="0" smtClean="0"/>
+              <a:t> </a:t>
+            </a:r>
+            <a:r>
+              <a:rPr lang="ko-KR" altLang="en-US" sz="2000" dirty="0"/>
+              <a:t>스튜디오와 데이터베이스를 </a:t>
+            </a:r>
+            <a:r>
+              <a:rPr lang="ko-KR" altLang="en-US" sz="2000" dirty="0" smtClean="0"/>
+              <a:t>연결하여 </a:t>
+            </a:r>
+            <a:r>
+              <a:rPr lang="ko-KR" altLang="en-US" sz="2000" dirty="0" smtClean="0"/>
+              <a:t>개발함</a:t>
+            </a:r>
+            <a:endParaRPr lang="en-US" altLang="ko-KR" sz="2000" dirty="0" smtClean="0"/>
+          </a:p>
+          <a:p>
+            <a:pPr marL="0" indent="0">
+              <a:buNone/>
+            </a:pPr>
+            <a:endParaRPr lang="en-US" altLang="ko-KR" sz="2000" dirty="0"/>
+          </a:p>
+          <a:p>
+            <a:r>
+              <a:rPr lang="ko-KR" altLang="en-US" sz="2000" dirty="0" smtClean="0"/>
+              <a:t>충분한 시간을 투자해서 의견을 조율해서 원하는 프로젝트의 방향을 잡았으며</a:t>
+            </a:r>
+            <a:endParaRPr lang="en-US" altLang="ko-KR" sz="2000" dirty="0" smtClean="0"/>
+          </a:p>
+          <a:p>
+            <a:pPr marL="0" indent="0">
+              <a:buNone/>
+            </a:pPr>
+            <a:r>
+              <a:rPr lang="en-US" altLang="ko-KR" sz="2000" dirty="0"/>
+              <a:t> </a:t>
+            </a:r>
+            <a:r>
+              <a:rPr lang="en-US" altLang="ko-KR" sz="2000" dirty="0" smtClean="0"/>
+              <a:t>  </a:t>
+            </a:r>
+            <a:r>
+              <a:rPr lang="ko-KR" altLang="en-US" sz="2000" dirty="0" smtClean="0"/>
+              <a:t>코드를 합치는 것을 염두에 두고 개발 시작 전에 의견을 미리 맞추고 개발을 시작하여 </a:t>
+            </a:r>
+            <a:endParaRPr lang="en-US" altLang="ko-KR" sz="2000" dirty="0" smtClean="0"/>
+          </a:p>
+          <a:p>
+            <a:pPr marL="0" indent="0">
+              <a:buNone/>
+            </a:pPr>
+            <a:r>
+              <a:rPr lang="en-US" altLang="ko-KR" sz="2000" dirty="0"/>
+              <a:t> </a:t>
+            </a:r>
+            <a:r>
+              <a:rPr lang="en-US" altLang="ko-KR" sz="2000" dirty="0" smtClean="0"/>
+              <a:t>  </a:t>
+            </a:r>
+            <a:r>
+              <a:rPr lang="ko-KR" altLang="en-US" sz="2000" dirty="0" smtClean="0"/>
+              <a:t>조금이나마 번거로움을 줄임</a:t>
+            </a:r>
             <a:endParaRPr lang="ko-KR" altLang="en-US" sz="2000" dirty="0"/>
           </a:p>
         </p:txBody>
@@ -8941,7 +8271,1045 @@
     </p:spTree>
     <p:extLst>
       <p:ext uri="{BB962C8B-B14F-4D97-AF65-F5344CB8AC3E}">
-        <p14:creationId xmlns:p14="http://schemas.microsoft.com/office/powerpoint/2010/main" val="4033717269"/>
+        <p14:creationId xmlns:p14="http://schemas.microsoft.com/office/powerpoint/2010/main" val="1620127263"/>
+      </p:ext>
+    </p:extLst>
+  </p:cSld>
+  <p:clrMapOvr>
+    <a:masterClrMapping/>
+  </p:clrMapOvr>
+</p:sld>
+</file>
+
+<file path=ppt/slides/slide11.xml><?xml version="1.0" encoding="utf-8"?>
+<p:sld xmlns:a="http://schemas.openxmlformats.org/drawingml/2006/main" xmlns:r="http://schemas.openxmlformats.org/officeDocument/2006/relationships" xmlns:p="http://schemas.openxmlformats.org/presentationml/2006/main">
+  <p:cSld>
+    <p:spTree>
+      <p:nvGrpSpPr>
+        <p:cNvPr id="1" name=""/>
+        <p:cNvGrpSpPr/>
+        <p:nvPr/>
+      </p:nvGrpSpPr>
+      <p:grpSpPr>
+        <a:xfrm>
+          <a:off x="0" y="0"/>
+          <a:ext cx="0" cy="0"/>
+          <a:chOff x="0" y="0"/>
+          <a:chExt cx="0" cy="0"/>
+        </a:xfrm>
+      </p:grpSpPr>
+      <p:sp>
+        <p:nvSpPr>
+          <p:cNvPr id="2" name="제목 1"/>
+          <p:cNvSpPr>
+            <a:spLocks noGrp="1"/>
+          </p:cNvSpPr>
+          <p:nvPr>
+            <p:ph type="title"/>
+          </p:nvPr>
+        </p:nvSpPr>
+        <p:spPr>
+          <a:xfrm>
+            <a:off x="1071402" y="4832797"/>
+            <a:ext cx="10515600" cy="1325563"/>
+          </a:xfrm>
+        </p:spPr>
+        <p:txBody>
+          <a:bodyPr/>
+          <a:lstStyle/>
+          <a:p>
+            <a:r>
+              <a:rPr lang="ko-KR" altLang="en-US" dirty="0" smtClean="0"/>
+              <a:t> 경청해주셔서 감사합니다</a:t>
+            </a:r>
+            <a:r>
+              <a:rPr lang="en-US" altLang="ko-KR" dirty="0" smtClean="0"/>
+              <a:t>.</a:t>
+            </a:r>
+            <a:endParaRPr lang="ko-KR" altLang="en-US" dirty="0"/>
+          </a:p>
+        </p:txBody>
+      </p:sp>
+    </p:spTree>
+    <p:extLst>
+      <p:ext uri="{BB962C8B-B14F-4D97-AF65-F5344CB8AC3E}">
+        <p14:creationId xmlns:p14="http://schemas.microsoft.com/office/powerpoint/2010/main" val="2499483666"/>
+      </p:ext>
+    </p:extLst>
+  </p:cSld>
+  <p:clrMapOvr>
+    <a:masterClrMapping/>
+  </p:clrMapOvr>
+</p:sld>
+</file>
+
+<file path=ppt/slides/slide2.xml><?xml version="1.0" encoding="utf-8"?>
+<p:sld xmlns:a="http://schemas.openxmlformats.org/drawingml/2006/main" xmlns:r="http://schemas.openxmlformats.org/officeDocument/2006/relationships" xmlns:p="http://schemas.openxmlformats.org/presentationml/2006/main">
+  <p:cSld>
+    <p:spTree>
+      <p:nvGrpSpPr>
+        <p:cNvPr id="1" name=""/>
+        <p:cNvGrpSpPr/>
+        <p:nvPr/>
+      </p:nvGrpSpPr>
+      <p:grpSpPr>
+        <a:xfrm>
+          <a:off x="0" y="0"/>
+          <a:ext cx="0" cy="0"/>
+          <a:chOff x="0" y="0"/>
+          <a:chExt cx="0" cy="0"/>
+        </a:xfrm>
+      </p:grpSpPr>
+      <p:sp>
+        <p:nvSpPr>
+          <p:cNvPr id="2" name="제목 1"/>
+          <p:cNvSpPr>
+            <a:spLocks noGrp="1"/>
+          </p:cNvSpPr>
+          <p:nvPr>
+            <p:ph type="title"/>
+          </p:nvPr>
+        </p:nvSpPr>
+        <p:spPr/>
+        <p:txBody>
+          <a:bodyPr/>
+          <a:lstStyle/>
+          <a:p>
+            <a:r>
+              <a:rPr lang="ko-KR" altLang="en-US" dirty="0" smtClean="0"/>
+              <a:t>목차</a:t>
+            </a:r>
+            <a:endParaRPr lang="ko-KR" altLang="en-US" dirty="0"/>
+          </a:p>
+        </p:txBody>
+      </p:sp>
+      <p:sp>
+        <p:nvSpPr>
+          <p:cNvPr id="3" name="내용 개체 틀 2"/>
+          <p:cNvSpPr>
+            <a:spLocks noGrp="1"/>
+          </p:cNvSpPr>
+          <p:nvPr>
+            <p:ph idx="1"/>
+          </p:nvPr>
+        </p:nvSpPr>
+        <p:spPr/>
+        <p:txBody>
+          <a:bodyPr/>
+          <a:lstStyle/>
+          <a:p>
+            <a:r>
+              <a:rPr lang="ko-KR" altLang="en-US" dirty="0" smtClean="0"/>
+              <a:t>기획 내용</a:t>
+            </a:r>
+            <a:endParaRPr lang="en-US" altLang="ko-KR" dirty="0" smtClean="0"/>
+          </a:p>
+          <a:p>
+            <a:r>
+              <a:rPr lang="ko-KR" altLang="en-US" dirty="0" smtClean="0"/>
+              <a:t>실행 화면</a:t>
+            </a:r>
+            <a:endParaRPr lang="en-US" altLang="ko-KR" dirty="0" smtClean="0"/>
+          </a:p>
+          <a:p>
+            <a:r>
+              <a:rPr lang="ko-KR" altLang="en-US" dirty="0" smtClean="0"/>
+              <a:t>프로그램의 장점</a:t>
+            </a:r>
+            <a:endParaRPr lang="en-US" altLang="ko-KR" dirty="0" smtClean="0"/>
+          </a:p>
+          <a:p>
+            <a:r>
+              <a:rPr lang="ko-KR" altLang="en-US" dirty="0" smtClean="0"/>
+              <a:t>어려웠던 점</a:t>
+            </a:r>
+            <a:endParaRPr lang="en-US" altLang="ko-KR" dirty="0" smtClean="0"/>
+          </a:p>
+          <a:p>
+            <a:r>
+              <a:rPr lang="ko-KR" altLang="en-US" dirty="0" smtClean="0"/>
+              <a:t>극복 과정</a:t>
+            </a:r>
+            <a:endParaRPr lang="en-US" altLang="ko-KR" dirty="0" smtClean="0"/>
+          </a:p>
+          <a:p>
+            <a:endParaRPr lang="ko-KR" altLang="en-US" dirty="0"/>
+          </a:p>
+        </p:txBody>
+      </p:sp>
+    </p:spTree>
+    <p:extLst>
+      <p:ext uri="{BB962C8B-B14F-4D97-AF65-F5344CB8AC3E}">
+        <p14:creationId xmlns:p14="http://schemas.microsoft.com/office/powerpoint/2010/main" val="886629057"/>
+      </p:ext>
+    </p:extLst>
+  </p:cSld>
+  <p:clrMapOvr>
+    <a:masterClrMapping/>
+  </p:clrMapOvr>
+</p:sld>
+</file>
+
+<file path=ppt/slides/slide3.xml><?xml version="1.0" encoding="utf-8"?>
+<p:sld xmlns:a="http://schemas.openxmlformats.org/drawingml/2006/main" xmlns:r="http://schemas.openxmlformats.org/officeDocument/2006/relationships" xmlns:p="http://schemas.openxmlformats.org/presentationml/2006/main">
+  <p:cSld>
+    <p:spTree>
+      <p:nvGrpSpPr>
+        <p:cNvPr id="1" name=""/>
+        <p:cNvGrpSpPr/>
+        <p:nvPr/>
+      </p:nvGrpSpPr>
+      <p:grpSpPr>
+        <a:xfrm>
+          <a:off x="0" y="0"/>
+          <a:ext cx="0" cy="0"/>
+          <a:chOff x="0" y="0"/>
+          <a:chExt cx="0" cy="0"/>
+        </a:xfrm>
+      </p:grpSpPr>
+      <p:sp>
+        <p:nvSpPr>
+          <p:cNvPr id="2" name="제목 1">
+            <a:extLst>
+              <a:ext uri="{FF2B5EF4-FFF2-40B4-BE49-F238E27FC236}">
+                <a16:creationId xmlns="" xmlns:a16="http://schemas.microsoft.com/office/drawing/2014/main" id="{46FA7903-5BB2-2165-7251-19FF2BD56A70}"/>
+              </a:ext>
+            </a:extLst>
+          </p:cNvPr>
+          <p:cNvSpPr>
+            <a:spLocks noGrp="1"/>
+          </p:cNvSpPr>
+          <p:nvPr>
+            <p:ph type="title"/>
+          </p:nvPr>
+        </p:nvSpPr>
+        <p:spPr/>
+        <p:txBody>
+          <a:bodyPr/>
+          <a:lstStyle/>
+          <a:p>
+            <a:r>
+              <a:rPr lang="ko-KR" altLang="en-US" dirty="0"/>
+              <a:t>기획내용</a:t>
+            </a:r>
+          </a:p>
+        </p:txBody>
+      </p:sp>
+      <p:sp>
+        <p:nvSpPr>
+          <p:cNvPr id="7" name="텍스트 개체 틀 6">
+            <a:extLst>
+              <a:ext uri="{FF2B5EF4-FFF2-40B4-BE49-F238E27FC236}">
+                <a16:creationId xmlns="" xmlns:a16="http://schemas.microsoft.com/office/drawing/2014/main" id="{B774C544-A3A3-BEE3-403E-8A80308DEEAB}"/>
+              </a:ext>
+            </a:extLst>
+          </p:cNvPr>
+          <p:cNvSpPr>
+            <a:spLocks noGrp="1"/>
+          </p:cNvSpPr>
+          <p:nvPr>
+            <p:ph type="body" sz="quarter" idx="3"/>
+          </p:nvPr>
+        </p:nvSpPr>
+        <p:spPr/>
+        <p:txBody>
+          <a:bodyPr/>
+          <a:lstStyle/>
+          <a:p>
+            <a:r>
+              <a:rPr lang="ko-KR" altLang="en-US" dirty="0"/>
+              <a:t>주요기능</a:t>
+            </a:r>
+          </a:p>
+        </p:txBody>
+      </p:sp>
+      <p:sp>
+        <p:nvSpPr>
+          <p:cNvPr id="6" name="텍스트 개체 틀 5">
+            <a:extLst>
+              <a:ext uri="{FF2B5EF4-FFF2-40B4-BE49-F238E27FC236}">
+                <a16:creationId xmlns="" xmlns:a16="http://schemas.microsoft.com/office/drawing/2014/main" id="{0331DFA3-F4CC-F590-D661-785D52EF2DCB}"/>
+              </a:ext>
+            </a:extLst>
+          </p:cNvPr>
+          <p:cNvSpPr>
+            <a:spLocks noGrp="1"/>
+          </p:cNvSpPr>
+          <p:nvPr>
+            <p:ph type="body" idx="1"/>
+          </p:nvPr>
+        </p:nvSpPr>
+        <p:spPr/>
+        <p:txBody>
+          <a:bodyPr/>
+          <a:lstStyle/>
+          <a:p>
+            <a:r>
+              <a:rPr lang="ko-KR" altLang="en-US" dirty="0"/>
+              <a:t>목표</a:t>
+            </a:r>
+          </a:p>
+        </p:txBody>
+      </p:sp>
+      <p:graphicFrame>
+        <p:nvGraphicFramePr>
+          <p:cNvPr id="12" name="내용 개체 틀 3">
+            <a:extLst>
+              <a:ext uri="{FF2B5EF4-FFF2-40B4-BE49-F238E27FC236}">
+                <a16:creationId xmlns="" xmlns:a16="http://schemas.microsoft.com/office/drawing/2014/main" id="{EF9E181A-E191-4C91-7087-8E058362BCA7}"/>
+              </a:ext>
+            </a:extLst>
+          </p:cNvPr>
+          <p:cNvGraphicFramePr>
+            <a:graphicFrameLocks noGrp="1"/>
+          </p:cNvGraphicFramePr>
+          <p:nvPr>
+            <p:ph sz="half" idx="2"/>
+            <p:extLst>
+              <p:ext uri="{D42A27DB-BD31-4B8C-83A1-F6EECF244321}">
+                <p14:modId xmlns:p14="http://schemas.microsoft.com/office/powerpoint/2010/main" val="2422257739"/>
+              </p:ext>
+            </p:extLst>
+          </p:nvPr>
+        </p:nvGraphicFramePr>
+        <p:xfrm>
+          <a:off x="839788" y="2830749"/>
+          <a:ext cx="5157787" cy="3358914"/>
+        </p:xfrm>
+        <a:graphic>
+          <a:graphicData uri="http://schemas.openxmlformats.org/drawingml/2006/diagram">
+            <dgm:relIds xmlns:dgm="http://schemas.openxmlformats.org/drawingml/2006/diagram" xmlns:r="http://schemas.openxmlformats.org/officeDocument/2006/relationships" r:dm="rId3" r:lo="rId4" r:qs="rId5" r:cs="rId6"/>
+          </a:graphicData>
+        </a:graphic>
+      </p:graphicFrame>
+      <p:sp>
+        <p:nvSpPr>
+          <p:cNvPr id="8" name="내용 개체 틀 7">
+            <a:extLst>
+              <a:ext uri="{FF2B5EF4-FFF2-40B4-BE49-F238E27FC236}">
+                <a16:creationId xmlns="" xmlns:a16="http://schemas.microsoft.com/office/drawing/2014/main" id="{5C5D925B-4CCC-6D96-6E36-F9336812EE85}"/>
+              </a:ext>
+            </a:extLst>
+          </p:cNvPr>
+          <p:cNvSpPr>
+            <a:spLocks noGrp="1"/>
+          </p:cNvSpPr>
+          <p:nvPr>
+            <p:ph sz="quarter" idx="4"/>
+          </p:nvPr>
+        </p:nvSpPr>
+        <p:spPr>
+          <a:xfrm>
+            <a:off x="6095999" y="2830747"/>
+            <a:ext cx="5752289" cy="3662127"/>
+          </a:xfrm>
+        </p:spPr>
+        <p:txBody>
+          <a:bodyPr>
+            <a:normAutofit fontScale="92500" lnSpcReduction="10000"/>
+          </a:bodyPr>
+          <a:lstStyle/>
+          <a:p>
+            <a:r>
+              <a:rPr lang="ko-KR" altLang="en-US" sz="2000" b="1" i="0" dirty="0" smtClean="0">
+                <a:solidFill>
+                  <a:srgbClr val="0D0D0D"/>
+                </a:solidFill>
+                <a:effectLst/>
+                <a:highlight>
+                  <a:srgbClr val="FFFFFF"/>
+                </a:highlight>
+                <a:latin typeface="ui-sans-serif"/>
+              </a:rPr>
+              <a:t>회원 가입 및 로그인</a:t>
+            </a:r>
+            <a:endParaRPr lang="en-US" altLang="ko-KR" sz="2000" b="1" i="0" dirty="0">
+              <a:solidFill>
+                <a:srgbClr val="0D0D0D"/>
+              </a:solidFill>
+              <a:effectLst/>
+              <a:highlight>
+                <a:srgbClr val="FFFFFF"/>
+              </a:highlight>
+              <a:latin typeface="ui-sans-serif"/>
+            </a:endParaRPr>
+          </a:p>
+          <a:p>
+            <a:pPr marL="0" indent="0">
+              <a:buNone/>
+            </a:pPr>
+            <a:r>
+              <a:rPr lang="en-US" altLang="ko-KR" sz="1500" dirty="0">
+                <a:solidFill>
+                  <a:srgbClr val="0D0D0D"/>
+                </a:solidFill>
+                <a:highlight>
+                  <a:srgbClr val="FFFFFF"/>
+                </a:highlight>
+                <a:latin typeface="ui-sans-serif"/>
+              </a:rPr>
+              <a:t>-</a:t>
+            </a:r>
+            <a:r>
+              <a:rPr lang="ko-KR" altLang="en-US" sz="1500" dirty="0">
+                <a:solidFill>
+                  <a:srgbClr val="0D0D0D"/>
+                </a:solidFill>
+                <a:highlight>
+                  <a:srgbClr val="FFFFFF"/>
+                </a:highlight>
+                <a:latin typeface="ui-sans-serif"/>
+              </a:rPr>
+              <a:t>로그인</a:t>
+            </a:r>
+            <a:r>
+              <a:rPr lang="en-US" altLang="ko-KR" sz="1500" dirty="0">
+                <a:solidFill>
+                  <a:srgbClr val="0D0D0D"/>
+                </a:solidFill>
+                <a:highlight>
+                  <a:srgbClr val="FFFFFF"/>
+                </a:highlight>
+                <a:latin typeface="ui-sans-serif"/>
+              </a:rPr>
+              <a:t>: </a:t>
+            </a:r>
+            <a:r>
+              <a:rPr lang="ko-KR" altLang="en-US" sz="1500" dirty="0">
+                <a:solidFill>
+                  <a:srgbClr val="0D0D0D"/>
+                </a:solidFill>
+                <a:highlight>
+                  <a:srgbClr val="FFFFFF"/>
+                </a:highlight>
+                <a:latin typeface="ui-sans-serif"/>
+              </a:rPr>
+              <a:t>로그인을 통해 회원 인증</a:t>
+            </a:r>
+            <a:endParaRPr lang="en-US" altLang="ko-KR" sz="1500" dirty="0">
+              <a:solidFill>
+                <a:srgbClr val="0D0D0D"/>
+              </a:solidFill>
+              <a:highlight>
+                <a:srgbClr val="FFFFFF"/>
+              </a:highlight>
+              <a:latin typeface="ui-sans-serif"/>
+            </a:endParaRPr>
+          </a:p>
+          <a:p>
+            <a:pPr marL="0" indent="0">
+              <a:buNone/>
+            </a:pPr>
+            <a:r>
+              <a:rPr lang="en-US" altLang="ko-KR" sz="1500" i="0" dirty="0">
+                <a:solidFill>
+                  <a:srgbClr val="0D0D0D"/>
+                </a:solidFill>
+                <a:effectLst/>
+                <a:highlight>
+                  <a:srgbClr val="FFFFFF"/>
+                </a:highlight>
+                <a:latin typeface="ui-sans-serif"/>
+              </a:rPr>
+              <a:t>-</a:t>
+            </a:r>
+            <a:r>
+              <a:rPr lang="ko-KR" altLang="en-US" sz="1500" i="0" dirty="0">
+                <a:solidFill>
+                  <a:srgbClr val="0D0D0D"/>
+                </a:solidFill>
+                <a:effectLst/>
+                <a:highlight>
+                  <a:srgbClr val="FFFFFF"/>
+                </a:highlight>
+                <a:latin typeface="ui-sans-serif"/>
+              </a:rPr>
+              <a:t>회원가입</a:t>
+            </a:r>
+            <a:r>
+              <a:rPr lang="en-US" altLang="ko-KR" sz="1500" i="0" dirty="0">
+                <a:solidFill>
+                  <a:srgbClr val="0D0D0D"/>
+                </a:solidFill>
+                <a:effectLst/>
+                <a:highlight>
+                  <a:srgbClr val="FFFFFF"/>
+                </a:highlight>
+                <a:latin typeface="ui-sans-serif"/>
+              </a:rPr>
+              <a:t>: </a:t>
+            </a:r>
+            <a:r>
+              <a:rPr lang="ko-KR" altLang="en-US" sz="1500" i="0" dirty="0">
+                <a:solidFill>
+                  <a:srgbClr val="0D0D0D"/>
+                </a:solidFill>
+                <a:effectLst/>
+                <a:highlight>
+                  <a:srgbClr val="FFFFFF"/>
+                </a:highlight>
+                <a:latin typeface="ui-sans-serif"/>
+              </a:rPr>
+              <a:t>비회원인 경우</a:t>
+            </a:r>
+            <a:r>
+              <a:rPr lang="en-US" altLang="ko-KR" sz="1500" i="0" dirty="0">
+                <a:solidFill>
+                  <a:srgbClr val="0D0D0D"/>
+                </a:solidFill>
+                <a:effectLst/>
+                <a:highlight>
+                  <a:srgbClr val="FFFFFF"/>
+                </a:highlight>
+                <a:latin typeface="ui-sans-serif"/>
+              </a:rPr>
+              <a:t>, </a:t>
+            </a:r>
+            <a:r>
+              <a:rPr lang="ko-KR" altLang="en-US" sz="1500" i="0" dirty="0">
+                <a:solidFill>
+                  <a:srgbClr val="0D0D0D"/>
+                </a:solidFill>
+                <a:effectLst/>
+                <a:highlight>
+                  <a:srgbClr val="FFFFFF"/>
+                </a:highlight>
+                <a:latin typeface="ui-sans-serif"/>
+              </a:rPr>
+              <a:t>회원가입을 통해 서비스 이용</a:t>
+            </a:r>
+            <a:endParaRPr lang="en-US" altLang="ko-KR" sz="1500" i="0" dirty="0">
+              <a:solidFill>
+                <a:srgbClr val="0D0D0D"/>
+              </a:solidFill>
+              <a:effectLst/>
+              <a:highlight>
+                <a:srgbClr val="FFFFFF"/>
+              </a:highlight>
+              <a:latin typeface="ui-sans-serif"/>
+            </a:endParaRPr>
+          </a:p>
+          <a:p>
+            <a:pPr marL="0" indent="0">
+              <a:buNone/>
+            </a:pPr>
+            <a:r>
+              <a:rPr lang="en-US" altLang="ko-KR" sz="1500" dirty="0">
+                <a:solidFill>
+                  <a:srgbClr val="0D0D0D"/>
+                </a:solidFill>
+                <a:highlight>
+                  <a:srgbClr val="FFFFFF"/>
+                </a:highlight>
+                <a:latin typeface="ui-sans-serif"/>
+              </a:rPr>
+              <a:t>-</a:t>
+            </a:r>
+            <a:r>
+              <a:rPr lang="ko-KR" altLang="en-US" sz="1500" dirty="0">
+                <a:solidFill>
+                  <a:srgbClr val="0D0D0D"/>
+                </a:solidFill>
+                <a:highlight>
+                  <a:srgbClr val="FFFFFF"/>
+                </a:highlight>
+                <a:latin typeface="ui-sans-serif"/>
+              </a:rPr>
+              <a:t>마이페이지</a:t>
+            </a:r>
+            <a:r>
+              <a:rPr lang="en-US" altLang="ko-KR" sz="1500" dirty="0">
+                <a:solidFill>
+                  <a:srgbClr val="0D0D0D"/>
+                </a:solidFill>
+                <a:highlight>
+                  <a:srgbClr val="FFFFFF"/>
+                </a:highlight>
+                <a:latin typeface="ui-sans-serif"/>
+              </a:rPr>
+              <a:t>: </a:t>
+            </a:r>
+            <a:r>
+              <a:rPr lang="ko-KR" altLang="en-US" sz="1500" dirty="0">
+                <a:solidFill>
+                  <a:srgbClr val="0D0D0D"/>
+                </a:solidFill>
+                <a:highlight>
+                  <a:srgbClr val="FFFFFF"/>
+                </a:highlight>
+                <a:latin typeface="ui-sans-serif"/>
+              </a:rPr>
+              <a:t>회원이 본인 정보 확인 가능</a:t>
+            </a:r>
+            <a:endParaRPr lang="en-US" altLang="ko-KR" sz="1500" dirty="0">
+              <a:solidFill>
+                <a:srgbClr val="0D0D0D"/>
+              </a:solidFill>
+              <a:highlight>
+                <a:srgbClr val="FFFFFF"/>
+              </a:highlight>
+              <a:latin typeface="ui-sans-serif"/>
+            </a:endParaRPr>
+          </a:p>
+          <a:p>
+            <a:pPr marL="0" indent="0">
+              <a:buNone/>
+            </a:pPr>
+            <a:endParaRPr lang="en-US" altLang="ko-KR" sz="1500" dirty="0">
+              <a:solidFill>
+                <a:srgbClr val="0D0D0D"/>
+              </a:solidFill>
+              <a:highlight>
+                <a:srgbClr val="FFFFFF"/>
+              </a:highlight>
+              <a:latin typeface="ui-sans-serif"/>
+            </a:endParaRPr>
+          </a:p>
+          <a:p>
+            <a:r>
+              <a:rPr lang="ko-KR" altLang="en-US" sz="2000" b="1" i="0" dirty="0" smtClean="0">
+                <a:solidFill>
+                  <a:srgbClr val="0D0D0D"/>
+                </a:solidFill>
+                <a:effectLst/>
+                <a:highlight>
+                  <a:srgbClr val="FFFFFF"/>
+                </a:highlight>
+                <a:latin typeface="ui-sans-serif"/>
+              </a:rPr>
+              <a:t>강의실 자리 </a:t>
+            </a:r>
+            <a:r>
+              <a:rPr lang="ko-KR" altLang="en-US" sz="2000" b="1" i="0" dirty="0">
+                <a:solidFill>
+                  <a:srgbClr val="0D0D0D"/>
+                </a:solidFill>
+                <a:effectLst/>
+                <a:highlight>
+                  <a:srgbClr val="FFFFFF"/>
+                </a:highlight>
+                <a:latin typeface="ui-sans-serif"/>
+              </a:rPr>
+              <a:t>예약 시스템</a:t>
+            </a:r>
+            <a:endParaRPr lang="en-US" altLang="ko-KR" sz="2000" b="1" i="0" dirty="0">
+              <a:solidFill>
+                <a:srgbClr val="0D0D0D"/>
+              </a:solidFill>
+              <a:effectLst/>
+              <a:highlight>
+                <a:srgbClr val="FFFFFF"/>
+              </a:highlight>
+              <a:latin typeface="ui-sans-serif"/>
+            </a:endParaRPr>
+          </a:p>
+          <a:p>
+            <a:pPr marL="0" indent="0" algn="l">
+              <a:buNone/>
+            </a:pPr>
+            <a:r>
+              <a:rPr lang="en-US" altLang="ko-KR" sz="1400" dirty="0">
+                <a:solidFill>
+                  <a:srgbClr val="0D0D0D"/>
+                </a:solidFill>
+                <a:highlight>
+                  <a:srgbClr val="FFFFFF"/>
+                </a:highlight>
+                <a:latin typeface="ui-sans-serif"/>
+              </a:rPr>
+              <a:t>- </a:t>
+            </a:r>
+            <a:r>
+              <a:rPr lang="ko-KR" altLang="en-US" sz="1400" b="0" i="0" dirty="0">
+                <a:solidFill>
+                  <a:srgbClr val="0D0D0D"/>
+                </a:solidFill>
+                <a:effectLst/>
+                <a:highlight>
+                  <a:srgbClr val="FFFFFF"/>
+                </a:highlight>
+                <a:latin typeface="ui-sans-serif"/>
+              </a:rPr>
+              <a:t>좌석 선택</a:t>
+            </a:r>
+            <a:r>
+              <a:rPr lang="en-US" altLang="ko-KR" sz="1400" b="0" i="0" dirty="0">
+                <a:solidFill>
+                  <a:srgbClr val="0D0D0D"/>
+                </a:solidFill>
+                <a:effectLst/>
+                <a:highlight>
+                  <a:srgbClr val="FFFFFF"/>
+                </a:highlight>
+                <a:latin typeface="ui-sans-serif"/>
+              </a:rPr>
+              <a:t>: </a:t>
+            </a:r>
+            <a:r>
+              <a:rPr lang="ko-KR" altLang="en-US" sz="1400" b="0" i="0" dirty="0">
+                <a:solidFill>
+                  <a:srgbClr val="0D0D0D"/>
+                </a:solidFill>
+                <a:effectLst/>
+                <a:highlight>
+                  <a:srgbClr val="FFFFFF"/>
+                </a:highlight>
+                <a:latin typeface="ui-sans-serif"/>
+              </a:rPr>
+              <a:t>사용자가 강의실 내 원하는 자리를 선택하여 예약</a:t>
+            </a:r>
+            <a:endParaRPr lang="en-US" altLang="ko-KR" sz="1400" b="0" i="0" dirty="0">
+              <a:solidFill>
+                <a:srgbClr val="0D0D0D"/>
+              </a:solidFill>
+              <a:effectLst/>
+              <a:highlight>
+                <a:srgbClr val="FFFFFF"/>
+              </a:highlight>
+              <a:latin typeface="ui-sans-serif"/>
+            </a:endParaRPr>
+          </a:p>
+          <a:p>
+            <a:pPr marL="0" indent="0">
+              <a:buNone/>
+            </a:pPr>
+            <a:r>
+              <a:rPr lang="en-US" altLang="ko-KR" sz="1400" b="0" i="0" dirty="0">
+                <a:solidFill>
+                  <a:srgbClr val="0D0D0D"/>
+                </a:solidFill>
+                <a:effectLst/>
+                <a:highlight>
+                  <a:srgbClr val="FFFFFF"/>
+                </a:highlight>
+                <a:latin typeface="ui-sans-serif"/>
+              </a:rPr>
+              <a:t>-OTP </a:t>
+            </a:r>
+            <a:r>
+              <a:rPr lang="ko-KR" altLang="en-US" sz="1400" b="0" i="0" dirty="0">
+                <a:solidFill>
+                  <a:srgbClr val="0D0D0D"/>
+                </a:solidFill>
+                <a:effectLst/>
+                <a:highlight>
+                  <a:srgbClr val="FFFFFF"/>
+                </a:highlight>
+                <a:latin typeface="ui-sans-serif"/>
+              </a:rPr>
+              <a:t>발급</a:t>
+            </a:r>
+            <a:r>
+              <a:rPr lang="en-US" altLang="ko-KR" sz="1400" b="0" i="0" dirty="0">
+                <a:solidFill>
+                  <a:srgbClr val="0D0D0D"/>
+                </a:solidFill>
+                <a:effectLst/>
+                <a:highlight>
+                  <a:srgbClr val="FFFFFF"/>
+                </a:highlight>
+                <a:latin typeface="ui-sans-serif"/>
+              </a:rPr>
+              <a:t>: </a:t>
+            </a:r>
+            <a:r>
+              <a:rPr lang="ko-KR" altLang="en-US" sz="1400" b="0" i="0" dirty="0">
+                <a:solidFill>
+                  <a:srgbClr val="0D0D0D"/>
+                </a:solidFill>
+                <a:effectLst/>
+                <a:highlight>
+                  <a:srgbClr val="FFFFFF"/>
+                </a:highlight>
+                <a:latin typeface="ui-sans-serif"/>
+              </a:rPr>
+              <a:t>자리 예약 완료 후 사용자에게 일회용 비밀번호</a:t>
+            </a:r>
+            <a:r>
+              <a:rPr lang="en-US" altLang="ko-KR" sz="1400" b="0" i="0" dirty="0">
+                <a:solidFill>
+                  <a:srgbClr val="0D0D0D"/>
+                </a:solidFill>
+                <a:effectLst/>
+                <a:highlight>
+                  <a:srgbClr val="FFFFFF"/>
+                </a:highlight>
+                <a:latin typeface="ui-sans-serif"/>
+              </a:rPr>
+              <a:t>(OTP) </a:t>
+            </a:r>
+            <a:r>
+              <a:rPr lang="ko-KR" altLang="en-US" sz="1400" b="0" i="0" dirty="0">
+                <a:solidFill>
+                  <a:srgbClr val="0D0D0D"/>
+                </a:solidFill>
+                <a:effectLst/>
+                <a:highlight>
+                  <a:srgbClr val="FFFFFF"/>
+                </a:highlight>
+                <a:latin typeface="ui-sans-serif"/>
+              </a:rPr>
+              <a:t>발급</a:t>
+            </a:r>
+            <a:endParaRPr lang="en-US" altLang="ko-KR" sz="1400" b="0" i="0" dirty="0">
+              <a:solidFill>
+                <a:srgbClr val="0D0D0D"/>
+              </a:solidFill>
+              <a:effectLst/>
+              <a:highlight>
+                <a:srgbClr val="FFFFFF"/>
+              </a:highlight>
+              <a:latin typeface="ui-sans-serif"/>
+            </a:endParaRPr>
+          </a:p>
+          <a:p>
+            <a:pPr marL="0" indent="0">
+              <a:buNone/>
+            </a:pPr>
+            <a:endParaRPr lang="en-US" altLang="ko-KR" sz="1400" dirty="0">
+              <a:solidFill>
+                <a:srgbClr val="0D0D0D"/>
+              </a:solidFill>
+              <a:highlight>
+                <a:srgbClr val="FFFFFF"/>
+              </a:highlight>
+              <a:latin typeface="ui-sans-serif"/>
+            </a:endParaRPr>
+          </a:p>
+          <a:p>
+            <a:r>
+              <a:rPr lang="ko-KR" altLang="en-US" sz="2000" b="1" i="0" dirty="0">
+                <a:solidFill>
+                  <a:srgbClr val="0D0D0D"/>
+                </a:solidFill>
+                <a:effectLst/>
+                <a:highlight>
+                  <a:srgbClr val="FFFFFF"/>
+                </a:highlight>
+                <a:latin typeface="ui-sans-serif"/>
+              </a:rPr>
+              <a:t>즐겨찾기 </a:t>
+            </a:r>
+            <a:endParaRPr lang="en-US" altLang="ko-KR" sz="2000" b="1" i="0" dirty="0">
+              <a:solidFill>
+                <a:srgbClr val="0D0D0D"/>
+              </a:solidFill>
+              <a:effectLst/>
+              <a:highlight>
+                <a:srgbClr val="FFFFFF"/>
+              </a:highlight>
+              <a:latin typeface="ui-sans-serif"/>
+            </a:endParaRPr>
+          </a:p>
+          <a:p>
+            <a:pPr marL="0" indent="0">
+              <a:buNone/>
+            </a:pPr>
+            <a:r>
+              <a:rPr lang="en-US" altLang="ko-KR" sz="1400" dirty="0">
+                <a:solidFill>
+                  <a:srgbClr val="0D0D0D"/>
+                </a:solidFill>
+                <a:highlight>
+                  <a:srgbClr val="FFFFFF"/>
+                </a:highlight>
+                <a:latin typeface="ui-sans-serif"/>
+              </a:rPr>
+              <a:t>-</a:t>
+            </a:r>
+            <a:r>
+              <a:rPr lang="ko-KR" altLang="en-US" sz="1400" dirty="0">
+                <a:solidFill>
+                  <a:srgbClr val="0D0D0D"/>
+                </a:solidFill>
+                <a:highlight>
+                  <a:srgbClr val="FFFFFF"/>
+                </a:highlight>
+                <a:latin typeface="ui-sans-serif"/>
+              </a:rPr>
+              <a:t>강의실 추가</a:t>
+            </a:r>
+            <a:r>
+              <a:rPr lang="en-US" altLang="ko-KR" sz="1400" dirty="0">
+                <a:solidFill>
+                  <a:srgbClr val="0D0D0D"/>
+                </a:solidFill>
+                <a:highlight>
+                  <a:srgbClr val="FFFFFF"/>
+                </a:highlight>
+                <a:latin typeface="ui-sans-serif"/>
+              </a:rPr>
+              <a:t>: </a:t>
+            </a:r>
+            <a:r>
+              <a:rPr lang="ko-KR" altLang="en-US" sz="1400" dirty="0">
+                <a:solidFill>
+                  <a:srgbClr val="0D0D0D"/>
+                </a:solidFill>
+                <a:highlight>
+                  <a:srgbClr val="FFFFFF"/>
+                </a:highlight>
+                <a:latin typeface="ui-sans-serif"/>
+              </a:rPr>
+              <a:t>자주 이용하는 강의실을 </a:t>
+            </a:r>
+            <a:r>
+              <a:rPr lang="ko-KR" altLang="en-US" sz="1400" dirty="0" err="1">
+                <a:solidFill>
+                  <a:srgbClr val="0D0D0D"/>
+                </a:solidFill>
+                <a:highlight>
+                  <a:srgbClr val="FFFFFF"/>
+                </a:highlight>
+                <a:latin typeface="ui-sans-serif"/>
+              </a:rPr>
+              <a:t>즐겨찾기에</a:t>
+            </a:r>
+            <a:r>
+              <a:rPr lang="ko-KR" altLang="en-US" sz="1400" dirty="0">
+                <a:solidFill>
+                  <a:srgbClr val="0D0D0D"/>
+                </a:solidFill>
+                <a:highlight>
+                  <a:srgbClr val="FFFFFF"/>
+                </a:highlight>
+                <a:latin typeface="ui-sans-serif"/>
+              </a:rPr>
+              <a:t> 추가하여 사용가능</a:t>
+            </a:r>
+            <a:r>
+              <a:rPr lang="en-US" altLang="ko-KR" sz="1400" dirty="0">
+                <a:solidFill>
+                  <a:srgbClr val="0D0D0D"/>
+                </a:solidFill>
+                <a:highlight>
+                  <a:srgbClr val="FFFFFF"/>
+                </a:highlight>
+                <a:latin typeface="ui-sans-serif"/>
+              </a:rPr>
+              <a:t>.</a:t>
+            </a:r>
+          </a:p>
+          <a:p>
+            <a:pPr marL="0" indent="0">
+              <a:buNone/>
+            </a:pPr>
+            <a:r>
+              <a:rPr lang="en-US" altLang="ko-KR" sz="1400" i="0" dirty="0">
+                <a:solidFill>
+                  <a:srgbClr val="0D0D0D"/>
+                </a:solidFill>
+                <a:effectLst/>
+                <a:highlight>
+                  <a:srgbClr val="FFFFFF"/>
+                </a:highlight>
+                <a:latin typeface="ui-sans-serif"/>
+              </a:rPr>
+              <a:t>-</a:t>
+            </a:r>
+            <a:r>
+              <a:rPr lang="ko-KR" altLang="en-US" sz="1400" i="0" dirty="0">
+                <a:solidFill>
+                  <a:srgbClr val="0D0D0D"/>
+                </a:solidFill>
+                <a:effectLst/>
+                <a:highlight>
+                  <a:srgbClr val="FFFFFF"/>
+                </a:highlight>
+                <a:latin typeface="ui-sans-serif"/>
+              </a:rPr>
+              <a:t>강의실 삭제</a:t>
+            </a:r>
+            <a:r>
+              <a:rPr lang="en-US" altLang="ko-KR" sz="1400" i="0" dirty="0">
+                <a:solidFill>
+                  <a:srgbClr val="0D0D0D"/>
+                </a:solidFill>
+                <a:effectLst/>
+                <a:highlight>
+                  <a:srgbClr val="FFFFFF"/>
+                </a:highlight>
+                <a:latin typeface="ui-sans-serif"/>
+              </a:rPr>
+              <a:t>: </a:t>
+            </a:r>
+            <a:r>
+              <a:rPr lang="ko-KR" altLang="en-US" sz="1400" i="0" dirty="0" err="1">
+                <a:solidFill>
+                  <a:srgbClr val="0D0D0D"/>
+                </a:solidFill>
+                <a:effectLst/>
+                <a:highlight>
+                  <a:srgbClr val="FFFFFF"/>
+                </a:highlight>
+                <a:latin typeface="ui-sans-serif"/>
+              </a:rPr>
+              <a:t>즐겨찾기에</a:t>
+            </a:r>
+            <a:r>
+              <a:rPr lang="ko-KR" altLang="en-US" sz="1400" i="0" dirty="0">
+                <a:solidFill>
+                  <a:srgbClr val="0D0D0D"/>
+                </a:solidFill>
+                <a:effectLst/>
+                <a:highlight>
+                  <a:srgbClr val="FFFFFF"/>
+                </a:highlight>
+                <a:latin typeface="ui-sans-serif"/>
+              </a:rPr>
+              <a:t> 추가 한 강의실을 목록에서 삭제 가능</a:t>
+            </a:r>
+            <a:r>
+              <a:rPr lang="en-US" altLang="ko-KR" sz="1400" i="0" dirty="0">
+                <a:solidFill>
+                  <a:srgbClr val="0D0D0D"/>
+                </a:solidFill>
+                <a:effectLst/>
+                <a:highlight>
+                  <a:srgbClr val="FFFFFF"/>
+                </a:highlight>
+                <a:latin typeface="ui-sans-serif"/>
+              </a:rPr>
+              <a:t>.</a:t>
+            </a:r>
+          </a:p>
+          <a:p>
+            <a:pPr marL="0" indent="0">
+              <a:buNone/>
+            </a:pPr>
+            <a:endParaRPr lang="ko-KR" altLang="en-US" sz="1400" b="0" i="0" dirty="0">
+              <a:solidFill>
+                <a:srgbClr val="0D0D0D"/>
+              </a:solidFill>
+              <a:effectLst/>
+              <a:highlight>
+                <a:srgbClr val="FFFFFF"/>
+              </a:highlight>
+              <a:latin typeface="ui-sans-serif"/>
+            </a:endParaRPr>
+          </a:p>
+          <a:p>
+            <a:pPr algn="l">
+              <a:buFont typeface="Wingdings" panose="05000000000000000000" pitchFamily="2" charset="2"/>
+              <a:buChar char="Ø"/>
+            </a:pPr>
+            <a:endParaRPr lang="ko-KR" altLang="en-US" sz="1400" b="0" i="0" dirty="0">
+              <a:solidFill>
+                <a:srgbClr val="0D0D0D"/>
+              </a:solidFill>
+              <a:effectLst/>
+              <a:highlight>
+                <a:srgbClr val="FFFFFF"/>
+              </a:highlight>
+              <a:latin typeface="ui-sans-serif"/>
+            </a:endParaRPr>
+          </a:p>
+        </p:txBody>
+      </p:sp>
+    </p:spTree>
+    <p:extLst>
+      <p:ext uri="{BB962C8B-B14F-4D97-AF65-F5344CB8AC3E}">
+        <p14:creationId xmlns:p14="http://schemas.microsoft.com/office/powerpoint/2010/main" val="3413074832"/>
       </p:ext>
     </p:extLst>
   </p:cSld>
@@ -8978,13 +9346,13 @@
       </p:grpSpPr>
       <p:sp useBgFill="1">
         <p:nvSpPr>
-          <p:cNvPr id="8" name="Rectangle 7">
+          <p:cNvPr id="14" name="Rectangle 13">
             <a:extLst>
               <a:ext uri="{FF2B5EF4-FFF2-40B4-BE49-F238E27FC236}">
-                <a16:creationId xmlns:a16="http://schemas.microsoft.com/office/drawing/2014/main" id="{1B15ED52-F352-441B-82BF-E0EA34836D08}"/>
+                <a16:creationId xmlns="" xmlns:a16="http://schemas.microsoft.com/office/drawing/2014/main" id="{A8384FB5-9ADC-4DDC-881B-597D56F5B15D}"/>
               </a:ext>
               <a:ext uri="{C183D7F6-B498-43B3-948B-1728B52AA6E4}">
-                <adec:decorative xmlns:adec="http://schemas.microsoft.com/office/drawing/2017/decorative" val="1"/>
+                <adec:decorative xmlns="" xmlns:adec="http://schemas.microsoft.com/office/drawing/2017/decorative" val="1"/>
               </a:ext>
             </a:extLst>
           </p:cNvPr>
@@ -8994,7 +9362,7 @@
           <p:nvPr>
             <p:extLst>
               <p:ext uri="{386F3935-93C4-4BCD-93E2-E3B085C9AB24}">
-                <p16:designElem xmlns:p16="http://schemas.microsoft.com/office/powerpoint/2015/main" val="1"/>
+                <p16:designElem xmlns="" xmlns:p16="http://schemas.microsoft.com/office/powerpoint/2015/main" val="1"/>
               </p:ext>
             </p:extLst>
           </p:nvPr>
@@ -9054,13 +9422,13 @@
       </p:sp>
       <p:sp>
         <p:nvSpPr>
-          <p:cNvPr id="10" name="Rectangle 9">
+          <p:cNvPr id="16" name="Rectangle 15">
             <a:extLst>
               <a:ext uri="{FF2B5EF4-FFF2-40B4-BE49-F238E27FC236}">
-                <a16:creationId xmlns:a16="http://schemas.microsoft.com/office/drawing/2014/main" id="{3B2E3793-BFE6-45A2-9B7B-E18844431C99}"/>
+                <a16:creationId xmlns="" xmlns:a16="http://schemas.microsoft.com/office/drawing/2014/main" id="{1199E1B1-A8C0-4FE8-A5A8-1CB41D69F857}"/>
               </a:ext>
               <a:ext uri="{C183D7F6-B498-43B3-948B-1728B52AA6E4}">
-                <adec:decorative xmlns:adec="http://schemas.microsoft.com/office/drawing/2017/decorative" val="1"/>
+                <adec:decorative xmlns="" xmlns:adec="http://schemas.microsoft.com/office/drawing/2017/decorative" val="1"/>
               </a:ext>
             </a:extLst>
           </p:cNvPr>
@@ -9070,1004 +9438,7 @@
           <p:nvPr>
             <p:extLst>
               <p:ext uri="{386F3935-93C4-4BCD-93E2-E3B085C9AB24}">
-                <p16:designElem xmlns:p16="http://schemas.microsoft.com/office/powerpoint/2015/main" val="1"/>
-              </p:ext>
-            </p:extLst>
-          </p:nvPr>
-        </p:nvSpPr>
-        <p:spPr>
-          <a:xfrm flipH="1">
-            <a:off x="-1" y="-1"/>
-            <a:ext cx="12191998" cy="1590742"/>
-          </a:xfrm>
-          <a:prstGeom prst="rect">
-            <a:avLst/>
-          </a:prstGeom>
-          <a:gradFill>
-            <a:gsLst>
-              <a:gs pos="0">
-                <a:srgbClr val="000000"/>
-              </a:gs>
-              <a:gs pos="100000">
-                <a:schemeClr val="accent1">
-                  <a:lumMod val="75000"/>
-                </a:schemeClr>
-              </a:gs>
-            </a:gsLst>
-            <a:lin ang="8400000" scaled="0"/>
-          </a:gradFill>
-          <a:ln>
-            <a:noFill/>
-          </a:ln>
-        </p:spPr>
-        <p:style>
-          <a:lnRef idx="2">
-            <a:schemeClr val="accent1">
-              <a:shade val="50000"/>
-            </a:schemeClr>
-          </a:lnRef>
-          <a:fillRef idx="1">
-            <a:schemeClr val="accent1"/>
-          </a:fillRef>
-          <a:effectRef idx="0">
-            <a:schemeClr val="accent1"/>
-          </a:effectRef>
-          <a:fontRef idx="minor">
-            <a:schemeClr val="lt1"/>
-          </a:fontRef>
-        </p:style>
-        <p:txBody>
-          <a:bodyPr rtlCol="0" anchor="ctr"/>
-          <a:lstStyle/>
-          <a:p>
-            <a:pPr algn="ctr"/>
-            <a:endParaRPr lang="en-US"/>
-          </a:p>
-        </p:txBody>
-      </p:sp>
-      <p:sp>
-        <p:nvSpPr>
-          <p:cNvPr id="12" name="Rectangle 11">
-            <a:extLst>
-              <a:ext uri="{FF2B5EF4-FFF2-40B4-BE49-F238E27FC236}">
-                <a16:creationId xmlns:a16="http://schemas.microsoft.com/office/drawing/2014/main" id="{BC4C4868-CB8F-4AF9-9CDB-8108F2C19B67}"/>
-              </a:ext>
-              <a:ext uri="{C183D7F6-B498-43B3-948B-1728B52AA6E4}">
-                <adec:decorative xmlns:adec="http://schemas.microsoft.com/office/drawing/2017/decorative" val="1"/>
-              </a:ext>
-            </a:extLst>
-          </p:cNvPr>
-          <p:cNvSpPr>
-            <a:spLocks noGrp="1" noRot="1" noChangeAspect="1" noMove="1" noResize="1" noEditPoints="1" noAdjustHandles="1" noChangeArrowheads="1" noChangeShapeType="1" noTextEdit="1"/>
-          </p:cNvSpPr>
-          <p:nvPr>
-            <p:extLst>
-              <p:ext uri="{386F3935-93C4-4BCD-93E2-E3B085C9AB24}">
-                <p16:designElem xmlns:p16="http://schemas.microsoft.com/office/powerpoint/2015/main" val="1"/>
-              </p:ext>
-            </p:extLst>
-          </p:nvPr>
-        </p:nvSpPr>
-        <p:spPr>
-          <a:xfrm rot="10800000" flipH="1">
-            <a:off x="-3" y="0"/>
-            <a:ext cx="8115306" cy="1590742"/>
-          </a:xfrm>
-          <a:prstGeom prst="rect">
-            <a:avLst/>
-          </a:prstGeom>
-          <a:gradFill>
-            <a:gsLst>
-              <a:gs pos="20000">
-                <a:schemeClr val="accent1">
-                  <a:alpha val="0"/>
-                </a:schemeClr>
-              </a:gs>
-              <a:gs pos="100000">
-                <a:schemeClr val="accent1">
-                  <a:lumMod val="50000"/>
-                  <a:alpha val="55000"/>
-                </a:schemeClr>
-              </a:gs>
-            </a:gsLst>
-            <a:lin ang="13800000" scaled="0"/>
-          </a:gradFill>
-          <a:ln>
-            <a:noFill/>
-          </a:ln>
-        </p:spPr>
-        <p:style>
-          <a:lnRef idx="2">
-            <a:schemeClr val="accent1">
-              <a:shade val="50000"/>
-            </a:schemeClr>
-          </a:lnRef>
-          <a:fillRef idx="1">
-            <a:schemeClr val="accent1"/>
-          </a:fillRef>
-          <a:effectRef idx="0">
-            <a:schemeClr val="accent1"/>
-          </a:effectRef>
-          <a:fontRef idx="minor">
-            <a:schemeClr val="lt1"/>
-          </a:fontRef>
-        </p:style>
-        <p:txBody>
-          <a:bodyPr rtlCol="0" anchor="ctr"/>
-          <a:lstStyle/>
-          <a:p>
-            <a:pPr algn="ctr"/>
-            <a:endParaRPr lang="en-US"/>
-          </a:p>
-        </p:txBody>
-      </p:sp>
-      <p:sp>
-        <p:nvSpPr>
-          <p:cNvPr id="14" name="Rectangle 13">
-            <a:extLst>
-              <a:ext uri="{FF2B5EF4-FFF2-40B4-BE49-F238E27FC236}">
-                <a16:creationId xmlns:a16="http://schemas.microsoft.com/office/drawing/2014/main" id="{375E0459-6403-40CD-989D-56A4407CA12E}"/>
-              </a:ext>
-              <a:ext uri="{C183D7F6-B498-43B3-948B-1728B52AA6E4}">
-                <adec:decorative xmlns:adec="http://schemas.microsoft.com/office/drawing/2017/decorative" val="1"/>
-              </a:ext>
-            </a:extLst>
-          </p:cNvPr>
-          <p:cNvSpPr>
-            <a:spLocks noGrp="1" noRot="1" noChangeAspect="1" noMove="1" noResize="1" noEditPoints="1" noAdjustHandles="1" noChangeArrowheads="1" noChangeShapeType="1" noTextEdit="1"/>
-          </p:cNvSpPr>
-          <p:nvPr>
-            <p:extLst>
-              <p:ext uri="{386F3935-93C4-4BCD-93E2-E3B085C9AB24}">
-                <p16:designElem xmlns:p16="http://schemas.microsoft.com/office/powerpoint/2015/main" val="1"/>
-              </p:ext>
-            </p:extLst>
-          </p:nvPr>
-        </p:nvSpPr>
-        <p:spPr>
-          <a:xfrm flipH="1">
-            <a:off x="8115299" y="-1"/>
-            <a:ext cx="4076698" cy="1590742"/>
-          </a:xfrm>
-          <a:prstGeom prst="rect">
-            <a:avLst/>
-          </a:prstGeom>
-          <a:gradFill>
-            <a:gsLst>
-              <a:gs pos="0">
-                <a:schemeClr val="accent1">
-                  <a:alpha val="66000"/>
-                </a:schemeClr>
-              </a:gs>
-              <a:gs pos="100000">
-                <a:srgbClr val="000000">
-                  <a:alpha val="30000"/>
-                </a:srgbClr>
-              </a:gs>
-            </a:gsLst>
-            <a:lin ang="13200000" scaled="0"/>
-          </a:gradFill>
-          <a:ln>
-            <a:noFill/>
-          </a:ln>
-        </p:spPr>
-        <p:style>
-          <a:lnRef idx="2">
-            <a:schemeClr val="accent1">
-              <a:shade val="50000"/>
-            </a:schemeClr>
-          </a:lnRef>
-          <a:fillRef idx="1">
-            <a:schemeClr val="accent1"/>
-          </a:fillRef>
-          <a:effectRef idx="0">
-            <a:schemeClr val="accent1"/>
-          </a:effectRef>
-          <a:fontRef idx="minor">
-            <a:schemeClr val="lt1"/>
-          </a:fontRef>
-        </p:style>
-        <p:txBody>
-          <a:bodyPr rtlCol="0" anchor="ctr"/>
-          <a:lstStyle/>
-          <a:p>
-            <a:pPr algn="ctr"/>
-            <a:endParaRPr lang="en-US"/>
-          </a:p>
-        </p:txBody>
-      </p:sp>
-      <p:sp>
-        <p:nvSpPr>
-          <p:cNvPr id="16" name="Rectangle 15">
-            <a:extLst>
-              <a:ext uri="{FF2B5EF4-FFF2-40B4-BE49-F238E27FC236}">
-                <a16:creationId xmlns:a16="http://schemas.microsoft.com/office/drawing/2014/main" id="{53E5B1A8-3AC9-4BD1-9BBC-78CA94F2D1BA}"/>
-              </a:ext>
-              <a:ext uri="{C183D7F6-B498-43B3-948B-1728B52AA6E4}">
-                <adec:decorative xmlns:adec="http://schemas.microsoft.com/office/drawing/2017/decorative" val="1"/>
-              </a:ext>
-            </a:extLst>
-          </p:cNvPr>
-          <p:cNvSpPr>
-            <a:spLocks noGrp="1" noRot="1" noChangeAspect="1" noMove="1" noResize="1" noEditPoints="1" noAdjustHandles="1" noChangeArrowheads="1" noChangeShapeType="1" noTextEdit="1"/>
-          </p:cNvSpPr>
-          <p:nvPr>
-            <p:extLst>
-              <p:ext uri="{386F3935-93C4-4BCD-93E2-E3B085C9AB24}">
-                <p16:designElem xmlns:p16="http://schemas.microsoft.com/office/powerpoint/2015/main" val="1"/>
-              </p:ext>
-            </p:extLst>
-          </p:nvPr>
-        </p:nvSpPr>
-        <p:spPr>
-          <a:xfrm>
-            <a:off x="459350" y="-1"/>
-            <a:ext cx="11732646" cy="1597433"/>
-          </a:xfrm>
-          <a:prstGeom prst="rect">
-            <a:avLst/>
-          </a:prstGeom>
-          <a:gradFill>
-            <a:gsLst>
-              <a:gs pos="50000">
-                <a:srgbClr val="000000">
-                  <a:alpha val="0"/>
-                </a:srgbClr>
-              </a:gs>
-              <a:gs pos="99000">
-                <a:schemeClr val="accent1">
-                  <a:lumMod val="50000"/>
-                  <a:alpha val="52000"/>
-                </a:schemeClr>
-              </a:gs>
-            </a:gsLst>
-            <a:lin ang="16800000" scaled="0"/>
-          </a:gradFill>
-          <a:ln>
-            <a:noFill/>
-          </a:ln>
-        </p:spPr>
-        <p:style>
-          <a:lnRef idx="2">
-            <a:schemeClr val="accent1">
-              <a:shade val="50000"/>
-            </a:schemeClr>
-          </a:lnRef>
-          <a:fillRef idx="1">
-            <a:schemeClr val="accent1"/>
-          </a:fillRef>
-          <a:effectRef idx="0">
-            <a:schemeClr val="accent1"/>
-          </a:effectRef>
-          <a:fontRef idx="minor">
-            <a:schemeClr val="lt1"/>
-          </a:fontRef>
-        </p:style>
-        <p:txBody>
-          <a:bodyPr rtlCol="0" anchor="ctr"/>
-          <a:lstStyle/>
-          <a:p>
-            <a:pPr algn="ctr"/>
-            <a:endParaRPr lang="en-US"/>
-          </a:p>
-        </p:txBody>
-      </p:sp>
-      <p:sp>
-        <p:nvSpPr>
-          <p:cNvPr id="2" name="제목 1">
-            <a:extLst>
-              <a:ext uri="{FF2B5EF4-FFF2-40B4-BE49-F238E27FC236}">
-                <a16:creationId xmlns:a16="http://schemas.microsoft.com/office/drawing/2014/main" id="{C51C5024-D28B-51C9-3E0D-6C73030EF822}"/>
-              </a:ext>
-            </a:extLst>
-          </p:cNvPr>
-          <p:cNvSpPr>
-            <a:spLocks noGrp="1"/>
-          </p:cNvSpPr>
-          <p:nvPr>
-            <p:ph type="title"/>
-          </p:nvPr>
-        </p:nvSpPr>
-        <p:spPr>
-          <a:xfrm>
-            <a:off x="1371599" y="294538"/>
-            <a:ext cx="9895951" cy="1033669"/>
-          </a:xfrm>
-        </p:spPr>
-        <p:txBody>
-          <a:bodyPr>
-            <a:normAutofit/>
-          </a:bodyPr>
-          <a:lstStyle/>
-          <a:p>
-            <a:r>
-              <a:rPr lang="ko-KR" altLang="en-US" sz="4000">
-                <a:solidFill>
-                  <a:srgbClr val="FFFFFF"/>
-                </a:solidFill>
-              </a:rPr>
-              <a:t>극복과정</a:t>
-            </a:r>
-          </a:p>
-        </p:txBody>
-      </p:sp>
-      <p:sp>
-        <p:nvSpPr>
-          <p:cNvPr id="3" name="내용 개체 틀 2">
-            <a:extLst>
-              <a:ext uri="{FF2B5EF4-FFF2-40B4-BE49-F238E27FC236}">
-                <a16:creationId xmlns:a16="http://schemas.microsoft.com/office/drawing/2014/main" id="{FD0581FF-0E86-AC63-C7BB-7B2374504D9D}"/>
-              </a:ext>
-            </a:extLst>
-          </p:cNvPr>
-          <p:cNvSpPr>
-            <a:spLocks noGrp="1"/>
-          </p:cNvSpPr>
-          <p:nvPr>
-            <p:ph idx="1"/>
-          </p:nvPr>
-        </p:nvSpPr>
-        <p:spPr>
-          <a:xfrm>
-            <a:off x="459351" y="2318197"/>
-            <a:ext cx="10636280" cy="3683358"/>
-          </a:xfrm>
-        </p:spPr>
-        <p:txBody>
-          <a:bodyPr anchor="ctr">
-            <a:normAutofit/>
-          </a:bodyPr>
-          <a:lstStyle/>
-          <a:p>
-            <a:r>
-              <a:rPr lang="en-US" altLang="ko-KR" sz="2000" dirty="0"/>
-              <a:t>PHP</a:t>
-            </a:r>
-            <a:r>
-              <a:rPr lang="ko-KR" altLang="en-US" sz="2000" dirty="0"/>
-              <a:t>를 이용하여 안드로이드 스튜디오와 데이터베이스를 연결함</a:t>
-            </a:r>
-          </a:p>
-        </p:txBody>
-      </p:sp>
-    </p:spTree>
-    <p:extLst>
-      <p:ext uri="{BB962C8B-B14F-4D97-AF65-F5344CB8AC3E}">
-        <p14:creationId xmlns:p14="http://schemas.microsoft.com/office/powerpoint/2010/main" val="3450900622"/>
-      </p:ext>
-    </p:extLst>
-  </p:cSld>
-  <p:clrMapOvr>
-    <a:masterClrMapping/>
-  </p:clrMapOvr>
-</p:sld>
-</file>
-
-<file path=ppt/slides/slide5.xml><?xml version="1.0" encoding="utf-8"?>
-<p:sld xmlns:a="http://schemas.openxmlformats.org/drawingml/2006/main" xmlns:r="http://schemas.openxmlformats.org/officeDocument/2006/relationships" xmlns:p="http://schemas.openxmlformats.org/presentationml/2006/main">
-  <p:cSld>
-    <p:bg>
-      <p:bgPr>
-        <a:solidFill>
-          <a:schemeClr val="bg1"/>
-        </a:solidFill>
-        <a:effectLst/>
-      </p:bgPr>
-    </p:bg>
-    <p:spTree>
-      <p:nvGrpSpPr>
-        <p:cNvPr id="1" name=""/>
-        <p:cNvGrpSpPr/>
-        <p:nvPr/>
-      </p:nvGrpSpPr>
-      <p:grpSpPr>
-        <a:xfrm>
-          <a:off x="0" y="0"/>
-          <a:ext cx="0" cy="0"/>
-          <a:chOff x="0" y="0"/>
-          <a:chExt cx="0" cy="0"/>
-        </a:xfrm>
-      </p:grpSpPr>
-      <p:sp useBgFill="1">
-        <p:nvSpPr>
-          <p:cNvPr id="8" name="Rectangle 7">
-            <a:extLst>
-              <a:ext uri="{FF2B5EF4-FFF2-40B4-BE49-F238E27FC236}">
-                <a16:creationId xmlns:a16="http://schemas.microsoft.com/office/drawing/2014/main" id="{1B15ED52-F352-441B-82BF-E0EA34836D08}"/>
-              </a:ext>
-              <a:ext uri="{C183D7F6-B498-43B3-948B-1728B52AA6E4}">
-                <adec:decorative xmlns:adec="http://schemas.microsoft.com/office/drawing/2017/decorative" val="1"/>
-              </a:ext>
-            </a:extLst>
-          </p:cNvPr>
-          <p:cNvSpPr>
-            <a:spLocks noGrp="1" noRot="1" noChangeAspect="1" noMove="1" noResize="1" noEditPoints="1" noAdjustHandles="1" noChangeArrowheads="1" noChangeShapeType="1" noTextEdit="1"/>
-          </p:cNvSpPr>
-          <p:nvPr>
-            <p:extLst>
-              <p:ext uri="{386F3935-93C4-4BCD-93E2-E3B085C9AB24}">
-                <p16:designElem xmlns:p16="http://schemas.microsoft.com/office/powerpoint/2015/main" val="1"/>
-              </p:ext>
-            </p:extLst>
-          </p:nvPr>
-        </p:nvSpPr>
-        <p:spPr>
-          <a:xfrm>
-            <a:off x="0" y="0"/>
-            <a:ext cx="12192000" cy="6858000"/>
-          </a:xfrm>
-          <a:prstGeom prst="rect">
-            <a:avLst/>
-          </a:prstGeom>
-          <a:ln w="12700" cap="flat" cmpd="sng" algn="ctr">
-            <a:noFill/>
-            <a:prstDash val="solid"/>
-            <a:miter lim="800000"/>
-          </a:ln>
-          <a:effectLst/>
-          <a:extLst>
-            <a:ext uri="{91240B29-F687-4F45-9708-019B960494DF}">
-              <a14:hiddenLine xmlns:a14="http://schemas.microsoft.com/office/drawing/2010/main" w="12700" cap="flat" cmpd="sng" algn="ctr">
-                <a:solidFill>
-                  <a:schemeClr val="accent1">
-                    <a:shade val="50000"/>
-                  </a:schemeClr>
-                </a:solidFill>
-                <a:prstDash val="solid"/>
-                <a:miter lim="800000"/>
-              </a14:hiddenLine>
-            </a:ext>
-          </a:extLst>
-        </p:spPr>
-        <p:style>
-          <a:lnRef idx="2">
-            <a:schemeClr val="accent1">
-              <a:shade val="50000"/>
-            </a:schemeClr>
-          </a:lnRef>
-          <a:fillRef idx="1">
-            <a:schemeClr val="accent1"/>
-          </a:fillRef>
-          <a:effectRef idx="0">
-            <a:schemeClr val="accent1"/>
-          </a:effectRef>
-          <a:fontRef idx="minor">
-            <a:schemeClr val="lt1"/>
-          </a:fontRef>
-        </p:style>
-        <p:txBody>
-          <a:bodyPr rtlCol="0" anchor="ctr"/>
-          <a:lstStyle/>
-          <a:p>
-            <a:pPr algn="ctr"/>
-            <a:endParaRPr lang="en-US"/>
-          </a:p>
-        </p:txBody>
-      </p:sp>
-      <p:sp>
-        <p:nvSpPr>
-          <p:cNvPr id="10" name="Rectangle 9">
-            <a:extLst>
-              <a:ext uri="{FF2B5EF4-FFF2-40B4-BE49-F238E27FC236}">
-                <a16:creationId xmlns:a16="http://schemas.microsoft.com/office/drawing/2014/main" id="{3B2E3793-BFE6-45A2-9B7B-E18844431C99}"/>
-              </a:ext>
-              <a:ext uri="{C183D7F6-B498-43B3-948B-1728B52AA6E4}">
-                <adec:decorative xmlns:adec="http://schemas.microsoft.com/office/drawing/2017/decorative" val="1"/>
-              </a:ext>
-            </a:extLst>
-          </p:cNvPr>
-          <p:cNvSpPr>
-            <a:spLocks noGrp="1" noRot="1" noChangeAspect="1" noMove="1" noResize="1" noEditPoints="1" noAdjustHandles="1" noChangeArrowheads="1" noChangeShapeType="1" noTextEdit="1"/>
-          </p:cNvSpPr>
-          <p:nvPr>
-            <p:extLst>
-              <p:ext uri="{386F3935-93C4-4BCD-93E2-E3B085C9AB24}">
-                <p16:designElem xmlns:p16="http://schemas.microsoft.com/office/powerpoint/2015/main" val="1"/>
-              </p:ext>
-            </p:extLst>
-          </p:nvPr>
-        </p:nvSpPr>
-        <p:spPr>
-          <a:xfrm flipH="1">
-            <a:off x="-1" y="-1"/>
-            <a:ext cx="12191998" cy="1590742"/>
-          </a:xfrm>
-          <a:prstGeom prst="rect">
-            <a:avLst/>
-          </a:prstGeom>
-          <a:gradFill>
-            <a:gsLst>
-              <a:gs pos="0">
-                <a:srgbClr val="000000"/>
-              </a:gs>
-              <a:gs pos="100000">
-                <a:schemeClr val="accent1">
-                  <a:lumMod val="75000"/>
-                </a:schemeClr>
-              </a:gs>
-            </a:gsLst>
-            <a:lin ang="8400000" scaled="0"/>
-          </a:gradFill>
-          <a:ln>
-            <a:noFill/>
-          </a:ln>
-        </p:spPr>
-        <p:style>
-          <a:lnRef idx="2">
-            <a:schemeClr val="accent1">
-              <a:shade val="50000"/>
-            </a:schemeClr>
-          </a:lnRef>
-          <a:fillRef idx="1">
-            <a:schemeClr val="accent1"/>
-          </a:fillRef>
-          <a:effectRef idx="0">
-            <a:schemeClr val="accent1"/>
-          </a:effectRef>
-          <a:fontRef idx="minor">
-            <a:schemeClr val="lt1"/>
-          </a:fontRef>
-        </p:style>
-        <p:txBody>
-          <a:bodyPr rtlCol="0" anchor="ctr"/>
-          <a:lstStyle/>
-          <a:p>
-            <a:pPr algn="ctr"/>
-            <a:endParaRPr lang="en-US"/>
-          </a:p>
-        </p:txBody>
-      </p:sp>
-      <p:sp>
-        <p:nvSpPr>
-          <p:cNvPr id="12" name="Rectangle 11">
-            <a:extLst>
-              <a:ext uri="{FF2B5EF4-FFF2-40B4-BE49-F238E27FC236}">
-                <a16:creationId xmlns:a16="http://schemas.microsoft.com/office/drawing/2014/main" id="{BC4C4868-CB8F-4AF9-9CDB-8108F2C19B67}"/>
-              </a:ext>
-              <a:ext uri="{C183D7F6-B498-43B3-948B-1728B52AA6E4}">
-                <adec:decorative xmlns:adec="http://schemas.microsoft.com/office/drawing/2017/decorative" val="1"/>
-              </a:ext>
-            </a:extLst>
-          </p:cNvPr>
-          <p:cNvSpPr>
-            <a:spLocks noGrp="1" noRot="1" noChangeAspect="1" noMove="1" noResize="1" noEditPoints="1" noAdjustHandles="1" noChangeArrowheads="1" noChangeShapeType="1" noTextEdit="1"/>
-          </p:cNvSpPr>
-          <p:nvPr>
-            <p:extLst>
-              <p:ext uri="{386F3935-93C4-4BCD-93E2-E3B085C9AB24}">
-                <p16:designElem xmlns:p16="http://schemas.microsoft.com/office/powerpoint/2015/main" val="1"/>
-              </p:ext>
-            </p:extLst>
-          </p:nvPr>
-        </p:nvSpPr>
-        <p:spPr>
-          <a:xfrm rot="10800000" flipH="1">
-            <a:off x="-3" y="0"/>
-            <a:ext cx="8115306" cy="1590742"/>
-          </a:xfrm>
-          <a:prstGeom prst="rect">
-            <a:avLst/>
-          </a:prstGeom>
-          <a:gradFill>
-            <a:gsLst>
-              <a:gs pos="20000">
-                <a:schemeClr val="accent1">
-                  <a:alpha val="0"/>
-                </a:schemeClr>
-              </a:gs>
-              <a:gs pos="100000">
-                <a:schemeClr val="accent1">
-                  <a:lumMod val="50000"/>
-                  <a:alpha val="55000"/>
-                </a:schemeClr>
-              </a:gs>
-            </a:gsLst>
-            <a:lin ang="13800000" scaled="0"/>
-          </a:gradFill>
-          <a:ln>
-            <a:noFill/>
-          </a:ln>
-        </p:spPr>
-        <p:style>
-          <a:lnRef idx="2">
-            <a:schemeClr val="accent1">
-              <a:shade val="50000"/>
-            </a:schemeClr>
-          </a:lnRef>
-          <a:fillRef idx="1">
-            <a:schemeClr val="accent1"/>
-          </a:fillRef>
-          <a:effectRef idx="0">
-            <a:schemeClr val="accent1"/>
-          </a:effectRef>
-          <a:fontRef idx="minor">
-            <a:schemeClr val="lt1"/>
-          </a:fontRef>
-        </p:style>
-        <p:txBody>
-          <a:bodyPr rtlCol="0" anchor="ctr"/>
-          <a:lstStyle/>
-          <a:p>
-            <a:pPr algn="ctr"/>
-            <a:endParaRPr lang="en-US"/>
-          </a:p>
-        </p:txBody>
-      </p:sp>
-      <p:sp>
-        <p:nvSpPr>
-          <p:cNvPr id="14" name="Rectangle 13">
-            <a:extLst>
-              <a:ext uri="{FF2B5EF4-FFF2-40B4-BE49-F238E27FC236}">
-                <a16:creationId xmlns:a16="http://schemas.microsoft.com/office/drawing/2014/main" id="{375E0459-6403-40CD-989D-56A4407CA12E}"/>
-              </a:ext>
-              <a:ext uri="{C183D7F6-B498-43B3-948B-1728B52AA6E4}">
-                <adec:decorative xmlns:adec="http://schemas.microsoft.com/office/drawing/2017/decorative" val="1"/>
-              </a:ext>
-            </a:extLst>
-          </p:cNvPr>
-          <p:cNvSpPr>
-            <a:spLocks noGrp="1" noRot="1" noChangeAspect="1" noMove="1" noResize="1" noEditPoints="1" noAdjustHandles="1" noChangeArrowheads="1" noChangeShapeType="1" noTextEdit="1"/>
-          </p:cNvSpPr>
-          <p:nvPr>
-            <p:extLst>
-              <p:ext uri="{386F3935-93C4-4BCD-93E2-E3B085C9AB24}">
-                <p16:designElem xmlns:p16="http://schemas.microsoft.com/office/powerpoint/2015/main" val="1"/>
-              </p:ext>
-            </p:extLst>
-          </p:nvPr>
-        </p:nvSpPr>
-        <p:spPr>
-          <a:xfrm flipH="1">
-            <a:off x="8115299" y="-1"/>
-            <a:ext cx="4076698" cy="1590742"/>
-          </a:xfrm>
-          <a:prstGeom prst="rect">
-            <a:avLst/>
-          </a:prstGeom>
-          <a:gradFill>
-            <a:gsLst>
-              <a:gs pos="0">
-                <a:schemeClr val="accent1">
-                  <a:alpha val="66000"/>
-                </a:schemeClr>
-              </a:gs>
-              <a:gs pos="100000">
-                <a:srgbClr val="000000">
-                  <a:alpha val="30000"/>
-                </a:srgbClr>
-              </a:gs>
-            </a:gsLst>
-            <a:lin ang="13200000" scaled="0"/>
-          </a:gradFill>
-          <a:ln>
-            <a:noFill/>
-          </a:ln>
-        </p:spPr>
-        <p:style>
-          <a:lnRef idx="2">
-            <a:schemeClr val="accent1">
-              <a:shade val="50000"/>
-            </a:schemeClr>
-          </a:lnRef>
-          <a:fillRef idx="1">
-            <a:schemeClr val="accent1"/>
-          </a:fillRef>
-          <a:effectRef idx="0">
-            <a:schemeClr val="accent1"/>
-          </a:effectRef>
-          <a:fontRef idx="minor">
-            <a:schemeClr val="lt1"/>
-          </a:fontRef>
-        </p:style>
-        <p:txBody>
-          <a:bodyPr rtlCol="0" anchor="ctr"/>
-          <a:lstStyle/>
-          <a:p>
-            <a:pPr algn="ctr"/>
-            <a:endParaRPr lang="en-US"/>
-          </a:p>
-        </p:txBody>
-      </p:sp>
-      <p:sp>
-        <p:nvSpPr>
-          <p:cNvPr id="16" name="Rectangle 15">
-            <a:extLst>
-              <a:ext uri="{FF2B5EF4-FFF2-40B4-BE49-F238E27FC236}">
-                <a16:creationId xmlns:a16="http://schemas.microsoft.com/office/drawing/2014/main" id="{53E5B1A8-3AC9-4BD1-9BBC-78CA94F2D1BA}"/>
-              </a:ext>
-              <a:ext uri="{C183D7F6-B498-43B3-948B-1728B52AA6E4}">
-                <adec:decorative xmlns:adec="http://schemas.microsoft.com/office/drawing/2017/decorative" val="1"/>
-              </a:ext>
-            </a:extLst>
-          </p:cNvPr>
-          <p:cNvSpPr>
-            <a:spLocks noGrp="1" noRot="1" noChangeAspect="1" noMove="1" noResize="1" noEditPoints="1" noAdjustHandles="1" noChangeArrowheads="1" noChangeShapeType="1" noTextEdit="1"/>
-          </p:cNvSpPr>
-          <p:nvPr>
-            <p:extLst>
-              <p:ext uri="{386F3935-93C4-4BCD-93E2-E3B085C9AB24}">
-                <p16:designElem xmlns:p16="http://schemas.microsoft.com/office/powerpoint/2015/main" val="1"/>
-              </p:ext>
-            </p:extLst>
-          </p:nvPr>
-        </p:nvSpPr>
-        <p:spPr>
-          <a:xfrm>
-            <a:off x="459350" y="-1"/>
-            <a:ext cx="11732646" cy="1597433"/>
-          </a:xfrm>
-          <a:prstGeom prst="rect">
-            <a:avLst/>
-          </a:prstGeom>
-          <a:gradFill>
-            <a:gsLst>
-              <a:gs pos="50000">
-                <a:srgbClr val="000000">
-                  <a:alpha val="0"/>
-                </a:srgbClr>
-              </a:gs>
-              <a:gs pos="99000">
-                <a:schemeClr val="accent1">
-                  <a:lumMod val="50000"/>
-                  <a:alpha val="52000"/>
-                </a:schemeClr>
-              </a:gs>
-            </a:gsLst>
-            <a:lin ang="16800000" scaled="0"/>
-          </a:gradFill>
-          <a:ln>
-            <a:noFill/>
-          </a:ln>
-        </p:spPr>
-        <p:style>
-          <a:lnRef idx="2">
-            <a:schemeClr val="accent1">
-              <a:shade val="50000"/>
-            </a:schemeClr>
-          </a:lnRef>
-          <a:fillRef idx="1">
-            <a:schemeClr val="accent1"/>
-          </a:fillRef>
-          <a:effectRef idx="0">
-            <a:schemeClr val="accent1"/>
-          </a:effectRef>
-          <a:fontRef idx="minor">
-            <a:schemeClr val="lt1"/>
-          </a:fontRef>
-        </p:style>
-        <p:txBody>
-          <a:bodyPr rtlCol="0" anchor="ctr"/>
-          <a:lstStyle/>
-          <a:p>
-            <a:pPr algn="ctr"/>
-            <a:endParaRPr lang="en-US"/>
-          </a:p>
-        </p:txBody>
-      </p:sp>
-      <p:sp>
-        <p:nvSpPr>
-          <p:cNvPr id="2" name="제목 1">
-            <a:extLst>
-              <a:ext uri="{FF2B5EF4-FFF2-40B4-BE49-F238E27FC236}">
-                <a16:creationId xmlns:a16="http://schemas.microsoft.com/office/drawing/2014/main" id="{1E22F2AF-C56D-6CEA-8BEA-37CE752EA65A}"/>
-              </a:ext>
-            </a:extLst>
-          </p:cNvPr>
-          <p:cNvSpPr>
-            <a:spLocks noGrp="1"/>
-          </p:cNvSpPr>
-          <p:nvPr>
-            <p:ph type="title"/>
-          </p:nvPr>
-        </p:nvSpPr>
-        <p:spPr>
-          <a:xfrm>
-            <a:off x="1371599" y="294538"/>
-            <a:ext cx="9895951" cy="1033669"/>
-          </a:xfrm>
-        </p:spPr>
-        <p:txBody>
-          <a:bodyPr>
-            <a:normAutofit/>
-          </a:bodyPr>
-          <a:lstStyle/>
-          <a:p>
-            <a:r>
-              <a:rPr lang="ko-KR" altLang="en-US" sz="4000">
-                <a:solidFill>
-                  <a:srgbClr val="FFFFFF"/>
-                </a:solidFill>
-              </a:rPr>
-              <a:t>프로그램 장점</a:t>
-            </a:r>
-          </a:p>
-        </p:txBody>
-      </p:sp>
-      <p:sp>
-        <p:nvSpPr>
-          <p:cNvPr id="3" name="내용 개체 틀 2">
-            <a:extLst>
-              <a:ext uri="{FF2B5EF4-FFF2-40B4-BE49-F238E27FC236}">
-                <a16:creationId xmlns:a16="http://schemas.microsoft.com/office/drawing/2014/main" id="{2A7D2632-3F9C-4E2E-A88F-68CC75703511}"/>
-              </a:ext>
-            </a:extLst>
-          </p:cNvPr>
-          <p:cNvSpPr>
-            <a:spLocks noGrp="1"/>
-          </p:cNvSpPr>
-          <p:nvPr>
-            <p:ph idx="1"/>
-          </p:nvPr>
-        </p:nvSpPr>
-        <p:spPr>
-          <a:xfrm>
-            <a:off x="459351" y="2318197"/>
-            <a:ext cx="10636280" cy="3683358"/>
-          </a:xfrm>
-        </p:spPr>
-        <p:txBody>
-          <a:bodyPr anchor="ctr">
-            <a:normAutofit/>
-          </a:bodyPr>
-          <a:lstStyle/>
-          <a:p>
-            <a:r>
-              <a:rPr lang="ko-KR" altLang="en-US" sz="2000" dirty="0"/>
-              <a:t>본인이 집중할 수 있는 자리를 예약하여 학습 효과 증진</a:t>
-            </a:r>
-            <a:r>
-              <a:rPr lang="en-US" altLang="ko-KR" sz="2000" dirty="0"/>
-              <a:t>.</a:t>
-            </a:r>
-          </a:p>
-          <a:p>
-            <a:r>
-              <a:rPr lang="ko-KR" altLang="en-US" sz="2000" dirty="0"/>
-              <a:t>관리자는 강의실 이용 현황을 실시간으로 확인할 수 있음</a:t>
-            </a:r>
-            <a:r>
-              <a:rPr lang="en-US" altLang="ko-KR" sz="2000" dirty="0"/>
-              <a:t>.</a:t>
-            </a:r>
-          </a:p>
-          <a:p>
-            <a:endParaRPr lang="ko-KR" altLang="en-US" sz="2000" dirty="0"/>
-          </a:p>
-        </p:txBody>
-      </p:sp>
-    </p:spTree>
-    <p:extLst>
-      <p:ext uri="{BB962C8B-B14F-4D97-AF65-F5344CB8AC3E}">
-        <p14:creationId xmlns:p14="http://schemas.microsoft.com/office/powerpoint/2010/main" val="3945183292"/>
-      </p:ext>
-    </p:extLst>
-  </p:cSld>
-  <p:clrMapOvr>
-    <a:masterClrMapping/>
-  </p:clrMapOvr>
-</p:sld>
-</file>
-
-<file path=ppt/slides/slide6.xml><?xml version="1.0" encoding="utf-8"?>
-<p:sld xmlns:a="http://schemas.openxmlformats.org/drawingml/2006/main" xmlns:r="http://schemas.openxmlformats.org/officeDocument/2006/relationships" xmlns:p="http://schemas.openxmlformats.org/presentationml/2006/main">
-  <p:cSld>
-    <p:bg>
-      <p:bgPr>
-        <a:solidFill>
-          <a:schemeClr val="bg1"/>
-        </a:solidFill>
-        <a:effectLst/>
-      </p:bgPr>
-    </p:bg>
-    <p:spTree>
-      <p:nvGrpSpPr>
-        <p:cNvPr id="1" name=""/>
-        <p:cNvGrpSpPr/>
-        <p:nvPr/>
-      </p:nvGrpSpPr>
-      <p:grpSpPr>
-        <a:xfrm>
-          <a:off x="0" y="0"/>
-          <a:ext cx="0" cy="0"/>
-          <a:chOff x="0" y="0"/>
-          <a:chExt cx="0" cy="0"/>
-        </a:xfrm>
-      </p:grpSpPr>
-      <p:sp useBgFill="1">
-        <p:nvSpPr>
-          <p:cNvPr id="14" name="Rectangle 13">
-            <a:extLst>
-              <a:ext uri="{FF2B5EF4-FFF2-40B4-BE49-F238E27FC236}">
-                <a16:creationId xmlns:a16="http://schemas.microsoft.com/office/drawing/2014/main" id="{A8384FB5-9ADC-4DDC-881B-597D56F5B15D}"/>
-              </a:ext>
-              <a:ext uri="{C183D7F6-B498-43B3-948B-1728B52AA6E4}">
-                <adec:decorative xmlns:adec="http://schemas.microsoft.com/office/drawing/2017/decorative" val="1"/>
-              </a:ext>
-            </a:extLst>
-          </p:cNvPr>
-          <p:cNvSpPr>
-            <a:spLocks noGrp="1" noRot="1" noChangeAspect="1" noMove="1" noResize="1" noEditPoints="1" noAdjustHandles="1" noChangeArrowheads="1" noChangeShapeType="1" noTextEdit="1"/>
-          </p:cNvSpPr>
-          <p:nvPr>
-            <p:extLst>
-              <p:ext uri="{386F3935-93C4-4BCD-93E2-E3B085C9AB24}">
-                <p16:designElem xmlns:p16="http://schemas.microsoft.com/office/powerpoint/2015/main" val="1"/>
-              </p:ext>
-            </p:extLst>
-          </p:nvPr>
-        </p:nvSpPr>
-        <p:spPr>
-          <a:xfrm>
-            <a:off x="0" y="0"/>
-            <a:ext cx="12192000" cy="6858000"/>
-          </a:xfrm>
-          <a:prstGeom prst="rect">
-            <a:avLst/>
-          </a:prstGeom>
-          <a:ln w="12700" cap="flat" cmpd="sng" algn="ctr">
-            <a:noFill/>
-            <a:prstDash val="solid"/>
-            <a:miter lim="800000"/>
-          </a:ln>
-          <a:effectLst/>
-          <a:extLst>
-            <a:ext uri="{91240B29-F687-4F45-9708-019B960494DF}">
-              <a14:hiddenLine xmlns:a14="http://schemas.microsoft.com/office/drawing/2010/main" w="12700" cap="flat" cmpd="sng" algn="ctr">
-                <a:solidFill>
-                  <a:schemeClr val="accent1">
-                    <a:shade val="50000"/>
-                  </a:schemeClr>
-                </a:solidFill>
-                <a:prstDash val="solid"/>
-                <a:miter lim="800000"/>
-              </a14:hiddenLine>
-            </a:ext>
-          </a:extLst>
-        </p:spPr>
-        <p:style>
-          <a:lnRef idx="2">
-            <a:schemeClr val="accent1">
-              <a:shade val="50000"/>
-            </a:schemeClr>
-          </a:lnRef>
-          <a:fillRef idx="1">
-            <a:schemeClr val="accent1"/>
-          </a:fillRef>
-          <a:effectRef idx="0">
-            <a:schemeClr val="accent1"/>
-          </a:effectRef>
-          <a:fontRef idx="minor">
-            <a:schemeClr val="lt1"/>
-          </a:fontRef>
-        </p:style>
-        <p:txBody>
-          <a:bodyPr rtlCol="0" anchor="ctr"/>
-          <a:lstStyle/>
-          <a:p>
-            <a:pPr algn="ctr"/>
-            <a:endParaRPr lang="en-US"/>
-          </a:p>
-        </p:txBody>
-      </p:sp>
-      <p:sp>
-        <p:nvSpPr>
-          <p:cNvPr id="16" name="Rectangle 15">
-            <a:extLst>
-              <a:ext uri="{FF2B5EF4-FFF2-40B4-BE49-F238E27FC236}">
-                <a16:creationId xmlns:a16="http://schemas.microsoft.com/office/drawing/2014/main" id="{1199E1B1-A8C0-4FE8-A5A8-1CB41D69F857}"/>
-              </a:ext>
-              <a:ext uri="{C183D7F6-B498-43B3-948B-1728B52AA6E4}">
-                <adec:decorative xmlns:adec="http://schemas.microsoft.com/office/drawing/2017/decorative" val="1"/>
-              </a:ext>
-            </a:extLst>
-          </p:cNvPr>
-          <p:cNvSpPr>
-            <a:spLocks noGrp="1" noRot="1" noChangeAspect="1" noMove="1" noResize="1" noEditPoints="1" noAdjustHandles="1" noChangeArrowheads="1" noChangeShapeType="1" noTextEdit="1"/>
-          </p:cNvSpPr>
-          <p:nvPr>
-            <p:extLst>
-              <p:ext uri="{386F3935-93C4-4BCD-93E2-E3B085C9AB24}">
-                <p16:designElem xmlns:p16="http://schemas.microsoft.com/office/powerpoint/2015/main" val="1"/>
+                <p16:designElem xmlns="" xmlns:p16="http://schemas.microsoft.com/office/powerpoint/2015/main" val="1"/>
               </p:ext>
             </p:extLst>
           </p:nvPr>
@@ -10129,10 +9500,10 @@
           <p:cNvPr id="18" name="Rectangle 17">
             <a:extLst>
               <a:ext uri="{FF2B5EF4-FFF2-40B4-BE49-F238E27FC236}">
-                <a16:creationId xmlns:a16="http://schemas.microsoft.com/office/drawing/2014/main" id="{84A8DE83-DE75-4B41-9DB4-A7EC0B0DEC0B}"/>
+                <a16:creationId xmlns="" xmlns:a16="http://schemas.microsoft.com/office/drawing/2014/main" id="{84A8DE83-DE75-4B41-9DB4-A7EC0B0DEC0B}"/>
               </a:ext>
               <a:ext uri="{C183D7F6-B498-43B3-948B-1728B52AA6E4}">
-                <adec:decorative xmlns:adec="http://schemas.microsoft.com/office/drawing/2017/decorative" val="1"/>
+                <adec:decorative xmlns="" xmlns:adec="http://schemas.microsoft.com/office/drawing/2017/decorative" val="1"/>
               </a:ext>
             </a:extLst>
           </p:cNvPr>
@@ -10142,7 +9513,7 @@
           <p:nvPr>
             <p:extLst>
               <p:ext uri="{386F3935-93C4-4BCD-93E2-E3B085C9AB24}">
-                <p16:designElem xmlns:p16="http://schemas.microsoft.com/office/powerpoint/2015/main" val="1"/>
+                <p16:designElem xmlns="" xmlns:p16="http://schemas.microsoft.com/office/powerpoint/2015/main" val="1"/>
               </p:ext>
             </p:extLst>
           </p:nvPr>
@@ -10206,10 +9577,10 @@
           <p:cNvPr id="20" name="Rectangle 19">
             <a:extLst>
               <a:ext uri="{FF2B5EF4-FFF2-40B4-BE49-F238E27FC236}">
-                <a16:creationId xmlns:a16="http://schemas.microsoft.com/office/drawing/2014/main" id="{A7009A0A-BEF5-4EAC-AF15-E4F9F002E239}"/>
+                <a16:creationId xmlns="" xmlns:a16="http://schemas.microsoft.com/office/drawing/2014/main" id="{A7009A0A-BEF5-4EAC-AF15-E4F9F002E239}"/>
               </a:ext>
               <a:ext uri="{C183D7F6-B498-43B3-948B-1728B52AA6E4}">
-                <adec:decorative xmlns:adec="http://schemas.microsoft.com/office/drawing/2017/decorative" val="1"/>
+                <adec:decorative xmlns="" xmlns:adec="http://schemas.microsoft.com/office/drawing/2017/decorative" val="1"/>
               </a:ext>
             </a:extLst>
           </p:cNvPr>
@@ -10219,7 +9590,7 @@
           <p:nvPr>
             <p:extLst>
               <p:ext uri="{386F3935-93C4-4BCD-93E2-E3B085C9AB24}">
-                <p16:designElem xmlns:p16="http://schemas.microsoft.com/office/powerpoint/2015/main" val="1"/>
+                <p16:designElem xmlns="" xmlns:p16="http://schemas.microsoft.com/office/powerpoint/2015/main" val="1"/>
               </p:ext>
             </p:extLst>
           </p:nvPr>
@@ -10281,7 +9652,7 @@
           <p:cNvPr id="7" name="제목 6">
             <a:extLst>
               <a:ext uri="{FF2B5EF4-FFF2-40B4-BE49-F238E27FC236}">
-                <a16:creationId xmlns:a16="http://schemas.microsoft.com/office/drawing/2014/main" id="{5F531F78-392E-57C8-182F-B85AA4777858}"/>
+                <a16:creationId xmlns="" xmlns:a16="http://schemas.microsoft.com/office/drawing/2014/main" id="{5F531F78-392E-57C8-182F-B85AA4777858}"/>
               </a:ext>
             </a:extLst>
           </p:cNvPr>
@@ -10329,7 +9700,7 @@
           <p:cNvPr id="6" name="그림 5">
             <a:extLst>
               <a:ext uri="{FF2B5EF4-FFF2-40B4-BE49-F238E27FC236}">
-                <a16:creationId xmlns:a16="http://schemas.microsoft.com/office/drawing/2014/main" id="{8A0B4F43-4A85-657C-9E46-44BBD71803FF}"/>
+                <a16:creationId xmlns="" xmlns:a16="http://schemas.microsoft.com/office/drawing/2014/main" id="{8A0B4F43-4A85-657C-9E46-44BBD71803FF}"/>
               </a:ext>
             </a:extLst>
           </p:cNvPr>
@@ -10359,7 +9730,7 @@
           <p:cNvPr id="10" name="그림 9">
             <a:extLst>
               <a:ext uri="{FF2B5EF4-FFF2-40B4-BE49-F238E27FC236}">
-                <a16:creationId xmlns:a16="http://schemas.microsoft.com/office/drawing/2014/main" id="{75879257-5455-7E52-503B-501E34E2684A}"/>
+                <a16:creationId xmlns="" xmlns:a16="http://schemas.microsoft.com/office/drawing/2014/main" id="{75879257-5455-7E52-503B-501E34E2684A}"/>
               </a:ext>
             </a:extLst>
           </p:cNvPr>
@@ -10389,7 +9760,7 @@
           <p:cNvPr id="12" name="그림 11">
             <a:extLst>
               <a:ext uri="{FF2B5EF4-FFF2-40B4-BE49-F238E27FC236}">
-                <a16:creationId xmlns:a16="http://schemas.microsoft.com/office/drawing/2014/main" id="{A257EA6B-EB90-8C55-CC2E-BD27D14B856E}"/>
+                <a16:creationId xmlns="" xmlns:a16="http://schemas.microsoft.com/office/drawing/2014/main" id="{A257EA6B-EB90-8C55-CC2E-BD27D14B856E}"/>
               </a:ext>
             </a:extLst>
           </p:cNvPr>
@@ -10419,7 +9790,7 @@
           <p:cNvPr id="15" name="그림 14">
             <a:extLst>
               <a:ext uri="{FF2B5EF4-FFF2-40B4-BE49-F238E27FC236}">
-                <a16:creationId xmlns:a16="http://schemas.microsoft.com/office/drawing/2014/main" id="{1A69F582-FC5C-D8C2-B3E8-23BBE3463C1C}"/>
+                <a16:creationId xmlns="" xmlns:a16="http://schemas.microsoft.com/office/drawing/2014/main" id="{1A69F582-FC5C-D8C2-B3E8-23BBE3463C1C}"/>
               </a:ext>
             </a:extLst>
           </p:cNvPr>
@@ -10444,6 +9815,222 @@
           </a:prstGeom>
         </p:spPr>
       </p:pic>
+      <p:sp>
+        <p:nvSpPr>
+          <p:cNvPr id="2" name="TextBox 1"/>
+          <p:cNvSpPr txBox="1"/>
+          <p:nvPr/>
+        </p:nvSpPr>
+        <p:spPr>
+          <a:xfrm>
+            <a:off x="864525" y="6093954"/>
+            <a:ext cx="1420582" cy="369332"/>
+          </a:xfrm>
+          <a:prstGeom prst="rect">
+            <a:avLst/>
+          </a:prstGeom>
+          <a:noFill/>
+        </p:spPr>
+        <p:txBody>
+          <a:bodyPr wrap="none" rtlCol="0">
+            <a:spAutoFit/>
+          </a:bodyPr>
+          <a:lstStyle/>
+          <a:p>
+            <a:r>
+              <a:rPr lang="ko-KR" altLang="en-US" dirty="0" smtClean="0">
+                <a:solidFill>
+                  <a:schemeClr val="bg1"/>
+                </a:solidFill>
+              </a:rPr>
+              <a:t>로그인 화면</a:t>
+            </a:r>
+            <a:endParaRPr lang="ko-KR" altLang="en-US" dirty="0">
+              <a:solidFill>
+                <a:schemeClr val="bg1"/>
+              </a:solidFill>
+            </a:endParaRPr>
+          </a:p>
+        </p:txBody>
+      </p:sp>
+      <p:sp>
+        <p:nvSpPr>
+          <p:cNvPr id="13" name="TextBox 12"/>
+          <p:cNvSpPr txBox="1"/>
+          <p:nvPr/>
+        </p:nvSpPr>
+        <p:spPr>
+          <a:xfrm>
+            <a:off x="3451325" y="6086171"/>
+            <a:ext cx="2395207" cy="369332"/>
+          </a:xfrm>
+          <a:prstGeom prst="rect">
+            <a:avLst/>
+          </a:prstGeom>
+          <a:noFill/>
+        </p:spPr>
+        <p:txBody>
+          <a:bodyPr wrap="none" rtlCol="0">
+            <a:spAutoFit/>
+          </a:bodyPr>
+          <a:lstStyle/>
+          <a:p>
+            <a:r>
+              <a:rPr lang="ko-KR" altLang="en-US" dirty="0" smtClean="0">
+                <a:solidFill>
+                  <a:schemeClr val="bg1"/>
+                </a:solidFill>
+              </a:rPr>
+              <a:t>회원가입 </a:t>
+            </a:r>
+            <a:r>
+              <a:rPr lang="en-US" altLang="ko-KR" dirty="0" smtClean="0">
+                <a:solidFill>
+                  <a:schemeClr val="bg1"/>
+                </a:solidFill>
+              </a:rPr>
+              <a:t>– </a:t>
+            </a:r>
+            <a:r>
+              <a:rPr lang="ko-KR" altLang="en-US" dirty="0" smtClean="0">
+                <a:solidFill>
+                  <a:schemeClr val="bg1"/>
+                </a:solidFill>
+              </a:rPr>
+              <a:t>직책 선택</a:t>
+            </a:r>
+            <a:endParaRPr lang="ko-KR" altLang="en-US" dirty="0">
+              <a:solidFill>
+                <a:schemeClr val="bg1"/>
+              </a:solidFill>
+            </a:endParaRPr>
+          </a:p>
+        </p:txBody>
+      </p:sp>
+      <p:sp>
+        <p:nvSpPr>
+          <p:cNvPr id="17" name="TextBox 16"/>
+          <p:cNvSpPr txBox="1"/>
+          <p:nvPr/>
+        </p:nvSpPr>
+        <p:spPr>
+          <a:xfrm>
+            <a:off x="6402384" y="6086171"/>
+            <a:ext cx="2635658" cy="369332"/>
+          </a:xfrm>
+          <a:prstGeom prst="rect">
+            <a:avLst/>
+          </a:prstGeom>
+          <a:noFill/>
+        </p:spPr>
+        <p:txBody>
+          <a:bodyPr wrap="none" rtlCol="0">
+            <a:spAutoFit/>
+          </a:bodyPr>
+          <a:lstStyle/>
+          <a:p>
+            <a:r>
+              <a:rPr lang="ko-KR" altLang="en-US" dirty="0" smtClean="0">
+                <a:solidFill>
+                  <a:schemeClr val="bg1"/>
+                </a:solidFill>
+              </a:rPr>
+              <a:t>회원가입 </a:t>
+            </a:r>
+            <a:r>
+              <a:rPr lang="en-US" altLang="ko-KR" dirty="0" smtClean="0">
+                <a:solidFill>
+                  <a:schemeClr val="bg1"/>
+                </a:solidFill>
+              </a:rPr>
+              <a:t>– </a:t>
+            </a:r>
+            <a:r>
+              <a:rPr lang="ko-KR" altLang="en-US" dirty="0" smtClean="0">
+                <a:solidFill>
+                  <a:schemeClr val="bg1"/>
+                </a:solidFill>
+              </a:rPr>
+              <a:t>교수</a:t>
+            </a:r>
+            <a:r>
+              <a:rPr lang="en-US" altLang="ko-KR" dirty="0" smtClean="0">
+                <a:solidFill>
+                  <a:schemeClr val="bg1"/>
+                </a:solidFill>
+              </a:rPr>
+              <a:t>/</a:t>
+            </a:r>
+            <a:r>
+              <a:rPr lang="ko-KR" altLang="en-US" dirty="0" smtClean="0">
+                <a:solidFill>
+                  <a:schemeClr val="bg1"/>
+                </a:solidFill>
+              </a:rPr>
+              <a:t>조교수</a:t>
+            </a:r>
+            <a:endParaRPr lang="ko-KR" altLang="en-US" dirty="0">
+              <a:solidFill>
+                <a:schemeClr val="bg1"/>
+              </a:solidFill>
+            </a:endParaRPr>
+          </a:p>
+        </p:txBody>
+      </p:sp>
+      <p:sp>
+        <p:nvSpPr>
+          <p:cNvPr id="19" name="TextBox 18"/>
+          <p:cNvSpPr txBox="1"/>
+          <p:nvPr/>
+        </p:nvSpPr>
+        <p:spPr>
+          <a:xfrm>
+            <a:off x="9792958" y="6086171"/>
+            <a:ext cx="1851789" cy="369332"/>
+          </a:xfrm>
+          <a:prstGeom prst="rect">
+            <a:avLst/>
+          </a:prstGeom>
+          <a:noFill/>
+        </p:spPr>
+        <p:txBody>
+          <a:bodyPr wrap="none" rtlCol="0">
+            <a:spAutoFit/>
+          </a:bodyPr>
+          <a:lstStyle/>
+          <a:p>
+            <a:r>
+              <a:rPr lang="ko-KR" altLang="en-US" dirty="0" smtClean="0">
+                <a:solidFill>
+                  <a:schemeClr val="bg1"/>
+                </a:solidFill>
+              </a:rPr>
+              <a:t>회원가입 </a:t>
+            </a:r>
+            <a:r>
+              <a:rPr lang="en-US" altLang="ko-KR" dirty="0" smtClean="0">
+                <a:solidFill>
+                  <a:schemeClr val="bg1"/>
+                </a:solidFill>
+              </a:rPr>
+              <a:t>– </a:t>
+            </a:r>
+            <a:r>
+              <a:rPr lang="ko-KR" altLang="en-US" dirty="0" smtClean="0">
+                <a:solidFill>
+                  <a:schemeClr val="bg1"/>
+                </a:solidFill>
+              </a:rPr>
+              <a:t>학생</a:t>
+            </a:r>
+            <a:endParaRPr lang="ko-KR" altLang="en-US" dirty="0">
+              <a:solidFill>
+                <a:schemeClr val="bg1"/>
+              </a:solidFill>
+            </a:endParaRPr>
+          </a:p>
+        </p:txBody>
+      </p:sp>
     </p:spTree>
     <p:extLst>
       <p:ext uri="{BB962C8B-B14F-4D97-AF65-F5344CB8AC3E}">
@@ -10457,7 +10044,7 @@
 </p:sld>
 </file>
 
-<file path=ppt/slides/slide7.xml><?xml version="1.0" encoding="utf-8"?>
+<file path=ppt/slides/slide5.xml><?xml version="1.0" encoding="utf-8"?>
 <p:sld xmlns:a="http://schemas.openxmlformats.org/drawingml/2006/main" xmlns:r="http://schemas.openxmlformats.org/officeDocument/2006/relationships" xmlns:p="http://schemas.openxmlformats.org/presentationml/2006/main">
   <p:cSld>
     <p:bg>
@@ -10487,10 +10074,10 @@
           <p:cNvPr id="9" name="Rectangle 8">
             <a:extLst>
               <a:ext uri="{FF2B5EF4-FFF2-40B4-BE49-F238E27FC236}">
-                <a16:creationId xmlns:a16="http://schemas.microsoft.com/office/drawing/2014/main" id="{A8384FB5-9ADC-4DDC-881B-597D56F5B15D}"/>
+                <a16:creationId xmlns="" xmlns:a16="http://schemas.microsoft.com/office/drawing/2014/main" id="{A8384FB5-9ADC-4DDC-881B-597D56F5B15D}"/>
               </a:ext>
               <a:ext uri="{C183D7F6-B498-43B3-948B-1728B52AA6E4}">
-                <adec:decorative xmlns:adec="http://schemas.microsoft.com/office/drawing/2017/decorative" val="1"/>
+                <adec:decorative xmlns="" xmlns:adec="http://schemas.microsoft.com/office/drawing/2017/decorative" val="1"/>
               </a:ext>
             </a:extLst>
           </p:cNvPr>
@@ -10500,7 +10087,7 @@
           <p:nvPr>
             <p:extLst>
               <p:ext uri="{386F3935-93C4-4BCD-93E2-E3B085C9AB24}">
-                <p16:designElem xmlns:p16="http://schemas.microsoft.com/office/powerpoint/2015/main" val="1"/>
+                <p16:designElem xmlns="" xmlns:p16="http://schemas.microsoft.com/office/powerpoint/2015/main" val="1"/>
               </p:ext>
             </p:extLst>
           </p:nvPr>
@@ -10563,10 +10150,10 @@
           <p:cNvPr id="11" name="Rectangle 10">
             <a:extLst>
               <a:ext uri="{FF2B5EF4-FFF2-40B4-BE49-F238E27FC236}">
-                <a16:creationId xmlns:a16="http://schemas.microsoft.com/office/drawing/2014/main" id="{1199E1B1-A8C0-4FE8-A5A8-1CB41D69F857}"/>
+                <a16:creationId xmlns="" xmlns:a16="http://schemas.microsoft.com/office/drawing/2014/main" id="{1199E1B1-A8C0-4FE8-A5A8-1CB41D69F857}"/>
               </a:ext>
               <a:ext uri="{C183D7F6-B498-43B3-948B-1728B52AA6E4}">
-                <adec:decorative xmlns:adec="http://schemas.microsoft.com/office/drawing/2017/decorative" val="1"/>
+                <adec:decorative xmlns="" xmlns:adec="http://schemas.microsoft.com/office/drawing/2017/decorative" val="1"/>
               </a:ext>
             </a:extLst>
           </p:cNvPr>
@@ -10576,7 +10163,7 @@
           <p:nvPr>
             <p:extLst>
               <p:ext uri="{386F3935-93C4-4BCD-93E2-E3B085C9AB24}">
-                <p16:designElem xmlns:p16="http://schemas.microsoft.com/office/powerpoint/2015/main" val="1"/>
+                <p16:designElem xmlns="" xmlns:p16="http://schemas.microsoft.com/office/powerpoint/2015/main" val="1"/>
               </p:ext>
             </p:extLst>
           </p:nvPr>
@@ -10638,10 +10225,10 @@
           <p:cNvPr id="13" name="Rectangle 12">
             <a:extLst>
               <a:ext uri="{FF2B5EF4-FFF2-40B4-BE49-F238E27FC236}">
-                <a16:creationId xmlns:a16="http://schemas.microsoft.com/office/drawing/2014/main" id="{84A8DE83-DE75-4B41-9DB4-A7EC0B0DEC0B}"/>
+                <a16:creationId xmlns="" xmlns:a16="http://schemas.microsoft.com/office/drawing/2014/main" id="{84A8DE83-DE75-4B41-9DB4-A7EC0B0DEC0B}"/>
               </a:ext>
               <a:ext uri="{C183D7F6-B498-43B3-948B-1728B52AA6E4}">
-                <adec:decorative xmlns:adec="http://schemas.microsoft.com/office/drawing/2017/decorative" val="1"/>
+                <adec:decorative xmlns="" xmlns:adec="http://schemas.microsoft.com/office/drawing/2017/decorative" val="1"/>
               </a:ext>
             </a:extLst>
           </p:cNvPr>
@@ -10651,7 +10238,7 @@
           <p:nvPr>
             <p:extLst>
               <p:ext uri="{386F3935-93C4-4BCD-93E2-E3B085C9AB24}">
-                <p16:designElem xmlns:p16="http://schemas.microsoft.com/office/powerpoint/2015/main" val="1"/>
+                <p16:designElem xmlns="" xmlns:p16="http://schemas.microsoft.com/office/powerpoint/2015/main" val="1"/>
               </p:ext>
             </p:extLst>
           </p:nvPr>
@@ -10715,10 +10302,10 @@
           <p:cNvPr id="15" name="Rectangle 14">
             <a:extLst>
               <a:ext uri="{FF2B5EF4-FFF2-40B4-BE49-F238E27FC236}">
-                <a16:creationId xmlns:a16="http://schemas.microsoft.com/office/drawing/2014/main" id="{A7009A0A-BEF5-4EAC-AF15-E4F9F002E239}"/>
+                <a16:creationId xmlns="" xmlns:a16="http://schemas.microsoft.com/office/drawing/2014/main" id="{A7009A0A-BEF5-4EAC-AF15-E4F9F002E239}"/>
               </a:ext>
               <a:ext uri="{C183D7F6-B498-43B3-948B-1728B52AA6E4}">
-                <adec:decorative xmlns:adec="http://schemas.microsoft.com/office/drawing/2017/decorative" val="1"/>
+                <adec:decorative xmlns="" xmlns:adec="http://schemas.microsoft.com/office/drawing/2017/decorative" val="1"/>
               </a:ext>
             </a:extLst>
           </p:cNvPr>
@@ -10728,7 +10315,7 @@
           <p:nvPr>
             <p:extLst>
               <p:ext uri="{386F3935-93C4-4BCD-93E2-E3B085C9AB24}">
-                <p16:designElem xmlns:p16="http://schemas.microsoft.com/office/powerpoint/2015/main" val="1"/>
+                <p16:designElem xmlns="" xmlns:p16="http://schemas.microsoft.com/office/powerpoint/2015/main" val="1"/>
               </p:ext>
             </p:extLst>
           </p:nvPr>
@@ -10790,7 +10377,7 @@
           <p:cNvPr id="2" name="제목 1">
             <a:extLst>
               <a:ext uri="{FF2B5EF4-FFF2-40B4-BE49-F238E27FC236}">
-                <a16:creationId xmlns:a16="http://schemas.microsoft.com/office/drawing/2014/main" id="{74CEED57-28C4-CBB0-4922-19DE4094B06A}"/>
+                <a16:creationId xmlns="" xmlns:a16="http://schemas.microsoft.com/office/drawing/2014/main" id="{74CEED57-28C4-CBB0-4922-19DE4094B06A}"/>
               </a:ext>
             </a:extLst>
           </p:cNvPr>
@@ -10838,7 +10425,7 @@
           <p:cNvPr id="5" name="그림 4">
             <a:extLst>
               <a:ext uri="{FF2B5EF4-FFF2-40B4-BE49-F238E27FC236}">
-                <a16:creationId xmlns:a16="http://schemas.microsoft.com/office/drawing/2014/main" id="{A5C63217-9351-8906-1F19-3E8F5D1F3287}"/>
+                <a16:creationId xmlns="" xmlns:a16="http://schemas.microsoft.com/office/drawing/2014/main" id="{A5C63217-9351-8906-1F19-3E8F5D1F3287}"/>
               </a:ext>
             </a:extLst>
           </p:cNvPr>
@@ -10848,7 +10435,7 @@
           <p:nvPr/>
         </p:nvPicPr>
         <p:blipFill>
-          <a:blip r:embed="rId2"/>
+          <a:blip r:embed="rId3"/>
           <a:stretch>
             <a:fillRect/>
           </a:stretch>
@@ -10868,7 +10455,7 @@
           <p:cNvPr id="7" name="그림 6">
             <a:extLst>
               <a:ext uri="{FF2B5EF4-FFF2-40B4-BE49-F238E27FC236}">
-                <a16:creationId xmlns:a16="http://schemas.microsoft.com/office/drawing/2014/main" id="{97055305-C50F-CE15-916A-F3B8016FB423}"/>
+                <a16:creationId xmlns="" xmlns:a16="http://schemas.microsoft.com/office/drawing/2014/main" id="{97055305-C50F-CE15-916A-F3B8016FB423}"/>
               </a:ext>
             </a:extLst>
           </p:cNvPr>
@@ -10878,7 +10465,7 @@
           <p:nvPr/>
         </p:nvPicPr>
         <p:blipFill>
-          <a:blip r:embed="rId3"/>
+          <a:blip r:embed="rId4"/>
           <a:stretch>
             <a:fillRect/>
           </a:stretch>
@@ -10898,7 +10485,7 @@
           <p:cNvPr id="10" name="그림 9">
             <a:extLst>
               <a:ext uri="{FF2B5EF4-FFF2-40B4-BE49-F238E27FC236}">
-                <a16:creationId xmlns:a16="http://schemas.microsoft.com/office/drawing/2014/main" id="{43EB3956-0FE8-8AE9-67AB-ED5C190AFB55}"/>
+                <a16:creationId xmlns="" xmlns:a16="http://schemas.microsoft.com/office/drawing/2014/main" id="{43EB3956-0FE8-8AE9-67AB-ED5C190AFB55}"/>
               </a:ext>
             </a:extLst>
           </p:cNvPr>
@@ -10908,7 +10495,7 @@
           <p:nvPr/>
         </p:nvPicPr>
         <p:blipFill>
-          <a:blip r:embed="rId4"/>
+          <a:blip r:embed="rId5"/>
           <a:stretch>
             <a:fillRect/>
           </a:stretch>
@@ -10928,7 +10515,7 @@
           <p:cNvPr id="14" name="그림 13">
             <a:extLst>
               <a:ext uri="{FF2B5EF4-FFF2-40B4-BE49-F238E27FC236}">
-                <a16:creationId xmlns:a16="http://schemas.microsoft.com/office/drawing/2014/main" id="{27611359-6DB0-43EB-B22A-F8495EDE6163}"/>
+                <a16:creationId xmlns="" xmlns:a16="http://schemas.microsoft.com/office/drawing/2014/main" id="{27611359-6DB0-43EB-B22A-F8495EDE6163}"/>
               </a:ext>
             </a:extLst>
           </p:cNvPr>
@@ -10938,7 +10525,7 @@
           <p:nvPr/>
         </p:nvPicPr>
         <p:blipFill>
-          <a:blip r:embed="rId5"/>
+          <a:blip r:embed="rId6"/>
           <a:stretch>
             <a:fillRect/>
           </a:stretch>
@@ -10953,6 +10540,206 @@
           </a:prstGeom>
         </p:spPr>
       </p:pic>
+      <p:sp>
+        <p:nvSpPr>
+          <p:cNvPr id="12" name="TextBox 11"/>
+          <p:cNvSpPr txBox="1"/>
+          <p:nvPr/>
+        </p:nvSpPr>
+        <p:spPr>
+          <a:xfrm>
+            <a:off x="864525" y="6093954"/>
+            <a:ext cx="1338828" cy="369332"/>
+          </a:xfrm>
+          <a:prstGeom prst="rect">
+            <a:avLst/>
+          </a:prstGeom>
+          <a:noFill/>
+        </p:spPr>
+        <p:txBody>
+          <a:bodyPr wrap="none" rtlCol="0">
+            <a:spAutoFit/>
+          </a:bodyPr>
+          <a:lstStyle/>
+          <a:p>
+            <a:r>
+              <a:rPr lang="ko-KR" altLang="en-US" smtClean="0">
+                <a:solidFill>
+                  <a:schemeClr val="bg1"/>
+                </a:solidFill>
+              </a:rPr>
+              <a:t>마이페이지</a:t>
+            </a:r>
+            <a:endParaRPr lang="ko-KR" altLang="en-US" dirty="0">
+              <a:solidFill>
+                <a:schemeClr val="bg1"/>
+              </a:solidFill>
+            </a:endParaRPr>
+          </a:p>
+        </p:txBody>
+      </p:sp>
+      <p:sp>
+        <p:nvSpPr>
+          <p:cNvPr id="16" name="TextBox 15"/>
+          <p:cNvSpPr txBox="1"/>
+          <p:nvPr/>
+        </p:nvSpPr>
+        <p:spPr>
+          <a:xfrm>
+            <a:off x="3878070" y="6093954"/>
+            <a:ext cx="1338828" cy="369332"/>
+          </a:xfrm>
+          <a:prstGeom prst="rect">
+            <a:avLst/>
+          </a:prstGeom>
+          <a:noFill/>
+        </p:spPr>
+        <p:txBody>
+          <a:bodyPr wrap="none" rtlCol="0">
+            <a:spAutoFit/>
+          </a:bodyPr>
+          <a:lstStyle/>
+          <a:p>
+            <a:r>
+              <a:rPr lang="ko-KR" altLang="en-US" dirty="0" err="1" smtClean="0">
+                <a:solidFill>
+                  <a:schemeClr val="bg1"/>
+                </a:solidFill>
+              </a:rPr>
+              <a:t>메인페이지</a:t>
+            </a:r>
+            <a:endParaRPr lang="ko-KR" altLang="en-US" dirty="0">
+              <a:solidFill>
+                <a:schemeClr val="bg1"/>
+              </a:solidFill>
+            </a:endParaRPr>
+          </a:p>
+        </p:txBody>
+      </p:sp>
+      <p:sp>
+        <p:nvSpPr>
+          <p:cNvPr id="17" name="TextBox 16"/>
+          <p:cNvSpPr txBox="1"/>
+          <p:nvPr/>
+        </p:nvSpPr>
+        <p:spPr>
+          <a:xfrm>
+            <a:off x="6367895" y="6093954"/>
+            <a:ext cx="2395207" cy="369332"/>
+          </a:xfrm>
+          <a:prstGeom prst="rect">
+            <a:avLst/>
+          </a:prstGeom>
+          <a:noFill/>
+        </p:spPr>
+        <p:txBody>
+          <a:bodyPr wrap="none" rtlCol="0">
+            <a:spAutoFit/>
+          </a:bodyPr>
+          <a:lstStyle/>
+          <a:p>
+            <a:r>
+              <a:rPr lang="ko-KR" altLang="en-US" err="1" smtClean="0">
+                <a:solidFill>
+                  <a:schemeClr val="bg1"/>
+                </a:solidFill>
+              </a:rPr>
+              <a:t>즐겨찾기</a:t>
+            </a:r>
+            <a:r>
+              <a:rPr lang="ko-KR" altLang="en-US" dirty="0" smtClean="0">
+                <a:solidFill>
+                  <a:schemeClr val="bg1"/>
+                </a:solidFill>
+              </a:rPr>
+              <a:t> </a:t>
+            </a:r>
+            <a:r>
+              <a:rPr lang="en-US" altLang="ko-KR" dirty="0" smtClean="0">
+                <a:solidFill>
+                  <a:schemeClr val="bg1"/>
+                </a:solidFill>
+              </a:rPr>
+              <a:t>– </a:t>
+            </a:r>
+            <a:r>
+              <a:rPr lang="ko-KR" altLang="en-US" dirty="0" smtClean="0">
+                <a:solidFill>
+                  <a:schemeClr val="bg1"/>
+                </a:solidFill>
+              </a:rPr>
+              <a:t>호관 선택</a:t>
+            </a:r>
+            <a:endParaRPr lang="ko-KR" altLang="en-US" dirty="0">
+              <a:solidFill>
+                <a:schemeClr val="bg1"/>
+              </a:solidFill>
+            </a:endParaRPr>
+          </a:p>
+        </p:txBody>
+      </p:sp>
+      <p:sp>
+        <p:nvSpPr>
+          <p:cNvPr id="18" name="TextBox 17"/>
+          <p:cNvSpPr txBox="1"/>
+          <p:nvPr/>
+        </p:nvSpPr>
+        <p:spPr>
+          <a:xfrm>
+            <a:off x="9335251" y="6093954"/>
+            <a:ext cx="2626040" cy="369332"/>
+          </a:xfrm>
+          <a:prstGeom prst="rect">
+            <a:avLst/>
+          </a:prstGeom>
+          <a:noFill/>
+        </p:spPr>
+        <p:txBody>
+          <a:bodyPr wrap="none" rtlCol="0">
+            <a:spAutoFit/>
+          </a:bodyPr>
+          <a:lstStyle/>
+          <a:p>
+            <a:r>
+              <a:rPr lang="ko-KR" altLang="en-US" dirty="0" err="1" smtClean="0">
+                <a:solidFill>
+                  <a:schemeClr val="bg1"/>
+                </a:solidFill>
+              </a:rPr>
+              <a:t>즐겨찾기</a:t>
+            </a:r>
+            <a:r>
+              <a:rPr lang="ko-KR" altLang="en-US" dirty="0" smtClean="0">
+                <a:solidFill>
+                  <a:schemeClr val="bg1"/>
+                </a:solidFill>
+              </a:rPr>
+              <a:t> </a:t>
+            </a:r>
+            <a:r>
+              <a:rPr lang="en-US" altLang="ko-KR" dirty="0" smtClean="0">
+                <a:solidFill>
+                  <a:schemeClr val="bg1"/>
+                </a:solidFill>
+              </a:rPr>
+              <a:t>– </a:t>
+            </a:r>
+            <a:r>
+              <a:rPr lang="ko-KR" altLang="en-US" dirty="0" smtClean="0">
+                <a:solidFill>
+                  <a:schemeClr val="bg1"/>
+                </a:solidFill>
+              </a:rPr>
+              <a:t>강의실 선택</a:t>
+            </a:r>
+            <a:endParaRPr lang="ko-KR" altLang="en-US" dirty="0">
+              <a:solidFill>
+                <a:schemeClr val="bg1"/>
+              </a:solidFill>
+            </a:endParaRPr>
+          </a:p>
+        </p:txBody>
+      </p:sp>
     </p:spTree>
     <p:extLst>
       <p:ext uri="{BB962C8B-B14F-4D97-AF65-F5344CB8AC3E}">
@@ -10966,7 +10753,7 @@
 </p:sld>
 </file>
 
-<file path=ppt/slides/slide8.xml><?xml version="1.0" encoding="utf-8"?>
+<file path=ppt/slides/slide6.xml><?xml version="1.0" encoding="utf-8"?>
 <p:sld xmlns:a="http://schemas.openxmlformats.org/drawingml/2006/main" xmlns:r="http://schemas.openxmlformats.org/officeDocument/2006/relationships" xmlns:p="http://schemas.openxmlformats.org/presentationml/2006/main">
   <p:cSld>
     <p:bg>
@@ -10996,10 +10783,10 @@
           <p:cNvPr id="9" name="Rectangle 8">
             <a:extLst>
               <a:ext uri="{FF2B5EF4-FFF2-40B4-BE49-F238E27FC236}">
-                <a16:creationId xmlns:a16="http://schemas.microsoft.com/office/drawing/2014/main" id="{A8384FB5-9ADC-4DDC-881B-597D56F5B15D}"/>
+                <a16:creationId xmlns="" xmlns:a16="http://schemas.microsoft.com/office/drawing/2014/main" id="{A8384FB5-9ADC-4DDC-881B-597D56F5B15D}"/>
               </a:ext>
               <a:ext uri="{C183D7F6-B498-43B3-948B-1728B52AA6E4}">
-                <adec:decorative xmlns:adec="http://schemas.microsoft.com/office/drawing/2017/decorative" val="1"/>
+                <adec:decorative xmlns="" xmlns:adec="http://schemas.microsoft.com/office/drawing/2017/decorative" val="1"/>
               </a:ext>
             </a:extLst>
           </p:cNvPr>
@@ -11009,7 +10796,7 @@
           <p:nvPr>
             <p:extLst>
               <p:ext uri="{386F3935-93C4-4BCD-93E2-E3B085C9AB24}">
-                <p16:designElem xmlns:p16="http://schemas.microsoft.com/office/powerpoint/2015/main" val="1"/>
+                <p16:designElem xmlns="" xmlns:p16="http://schemas.microsoft.com/office/powerpoint/2015/main" val="1"/>
               </p:ext>
             </p:extLst>
           </p:nvPr>
@@ -11072,10 +10859,10 @@
           <p:cNvPr id="11" name="Rectangle 10">
             <a:extLst>
               <a:ext uri="{FF2B5EF4-FFF2-40B4-BE49-F238E27FC236}">
-                <a16:creationId xmlns:a16="http://schemas.microsoft.com/office/drawing/2014/main" id="{1199E1B1-A8C0-4FE8-A5A8-1CB41D69F857}"/>
+                <a16:creationId xmlns="" xmlns:a16="http://schemas.microsoft.com/office/drawing/2014/main" id="{1199E1B1-A8C0-4FE8-A5A8-1CB41D69F857}"/>
               </a:ext>
               <a:ext uri="{C183D7F6-B498-43B3-948B-1728B52AA6E4}">
-                <adec:decorative xmlns:adec="http://schemas.microsoft.com/office/drawing/2017/decorative" val="1"/>
+                <adec:decorative xmlns="" xmlns:adec="http://schemas.microsoft.com/office/drawing/2017/decorative" val="1"/>
               </a:ext>
             </a:extLst>
           </p:cNvPr>
@@ -11085,7 +10872,7 @@
           <p:nvPr>
             <p:extLst>
               <p:ext uri="{386F3935-93C4-4BCD-93E2-E3B085C9AB24}">
-                <p16:designElem xmlns:p16="http://schemas.microsoft.com/office/powerpoint/2015/main" val="1"/>
+                <p16:designElem xmlns="" xmlns:p16="http://schemas.microsoft.com/office/powerpoint/2015/main" val="1"/>
               </p:ext>
             </p:extLst>
           </p:nvPr>
@@ -11147,10 +10934,10 @@
           <p:cNvPr id="13" name="Rectangle 12">
             <a:extLst>
               <a:ext uri="{FF2B5EF4-FFF2-40B4-BE49-F238E27FC236}">
-                <a16:creationId xmlns:a16="http://schemas.microsoft.com/office/drawing/2014/main" id="{84A8DE83-DE75-4B41-9DB4-A7EC0B0DEC0B}"/>
+                <a16:creationId xmlns="" xmlns:a16="http://schemas.microsoft.com/office/drawing/2014/main" id="{84A8DE83-DE75-4B41-9DB4-A7EC0B0DEC0B}"/>
               </a:ext>
               <a:ext uri="{C183D7F6-B498-43B3-948B-1728B52AA6E4}">
-                <adec:decorative xmlns:adec="http://schemas.microsoft.com/office/drawing/2017/decorative" val="1"/>
+                <adec:decorative xmlns="" xmlns:adec="http://schemas.microsoft.com/office/drawing/2017/decorative" val="1"/>
               </a:ext>
             </a:extLst>
           </p:cNvPr>
@@ -11160,7 +10947,7 @@
           <p:nvPr>
             <p:extLst>
               <p:ext uri="{386F3935-93C4-4BCD-93E2-E3B085C9AB24}">
-                <p16:designElem xmlns:p16="http://schemas.microsoft.com/office/powerpoint/2015/main" val="1"/>
+                <p16:designElem xmlns="" xmlns:p16="http://schemas.microsoft.com/office/powerpoint/2015/main" val="1"/>
               </p:ext>
             </p:extLst>
           </p:nvPr>
@@ -11224,10 +11011,10 @@
           <p:cNvPr id="15" name="Rectangle 14">
             <a:extLst>
               <a:ext uri="{FF2B5EF4-FFF2-40B4-BE49-F238E27FC236}">
-                <a16:creationId xmlns:a16="http://schemas.microsoft.com/office/drawing/2014/main" id="{A7009A0A-BEF5-4EAC-AF15-E4F9F002E239}"/>
+                <a16:creationId xmlns="" xmlns:a16="http://schemas.microsoft.com/office/drawing/2014/main" id="{A7009A0A-BEF5-4EAC-AF15-E4F9F002E239}"/>
               </a:ext>
               <a:ext uri="{C183D7F6-B498-43B3-948B-1728B52AA6E4}">
-                <adec:decorative xmlns:adec="http://schemas.microsoft.com/office/drawing/2017/decorative" val="1"/>
+                <adec:decorative xmlns="" xmlns:adec="http://schemas.microsoft.com/office/drawing/2017/decorative" val="1"/>
               </a:ext>
             </a:extLst>
           </p:cNvPr>
@@ -11237,7 +11024,7 @@
           <p:nvPr>
             <p:extLst>
               <p:ext uri="{386F3935-93C4-4BCD-93E2-E3B085C9AB24}">
-                <p16:designElem xmlns:p16="http://schemas.microsoft.com/office/powerpoint/2015/main" val="1"/>
+                <p16:designElem xmlns="" xmlns:p16="http://schemas.microsoft.com/office/powerpoint/2015/main" val="1"/>
               </p:ext>
             </p:extLst>
           </p:nvPr>
@@ -11299,7 +11086,7 @@
           <p:cNvPr id="2" name="제목 1">
             <a:extLst>
               <a:ext uri="{FF2B5EF4-FFF2-40B4-BE49-F238E27FC236}">
-                <a16:creationId xmlns:a16="http://schemas.microsoft.com/office/drawing/2014/main" id="{78057627-5515-E771-0576-60BBA3464C68}"/>
+                <a16:creationId xmlns="" xmlns:a16="http://schemas.microsoft.com/office/drawing/2014/main" id="{78057627-5515-E771-0576-60BBA3464C68}"/>
               </a:ext>
             </a:extLst>
           </p:cNvPr>
@@ -11350,7 +11137,7 @@
           <p:cNvPr id="7" name="그림 6">
             <a:extLst>
               <a:ext uri="{FF2B5EF4-FFF2-40B4-BE49-F238E27FC236}">
-                <a16:creationId xmlns:a16="http://schemas.microsoft.com/office/drawing/2014/main" id="{9047E48B-8626-BBC0-9E9B-128EB93C6097}"/>
+                <a16:creationId xmlns="" xmlns:a16="http://schemas.microsoft.com/office/drawing/2014/main" id="{9047E48B-8626-BBC0-9E9B-128EB93C6097}"/>
               </a:ext>
             </a:extLst>
           </p:cNvPr>
@@ -11380,7 +11167,7 @@
           <p:cNvPr id="10" name="그림 9">
             <a:extLst>
               <a:ext uri="{FF2B5EF4-FFF2-40B4-BE49-F238E27FC236}">
-                <a16:creationId xmlns:a16="http://schemas.microsoft.com/office/drawing/2014/main" id="{762575BD-3F37-36B1-6703-301E83CB37C2}"/>
+                <a16:creationId xmlns="" xmlns:a16="http://schemas.microsoft.com/office/drawing/2014/main" id="{762575BD-3F37-36B1-6703-301E83CB37C2}"/>
               </a:ext>
             </a:extLst>
           </p:cNvPr>
@@ -11410,7 +11197,7 @@
           <p:cNvPr id="19" name="그림 18">
             <a:extLst>
               <a:ext uri="{FF2B5EF4-FFF2-40B4-BE49-F238E27FC236}">
-                <a16:creationId xmlns:a16="http://schemas.microsoft.com/office/drawing/2014/main" id="{86498DC2-C10E-2E3D-7CE8-4A6A82372162}"/>
+                <a16:creationId xmlns="" xmlns:a16="http://schemas.microsoft.com/office/drawing/2014/main" id="{86498DC2-C10E-2E3D-7CE8-4A6A82372162}"/>
               </a:ext>
             </a:extLst>
           </p:cNvPr>
@@ -11440,7 +11227,7 @@
           <p:cNvPr id="21" name="그림 20">
             <a:extLst>
               <a:ext uri="{FF2B5EF4-FFF2-40B4-BE49-F238E27FC236}">
-                <a16:creationId xmlns:a16="http://schemas.microsoft.com/office/drawing/2014/main" id="{2325967D-E9C7-A10E-55B0-8D39366C6477}"/>
+                <a16:creationId xmlns="" xmlns:a16="http://schemas.microsoft.com/office/drawing/2014/main" id="{2325967D-E9C7-A10E-55B0-8D39366C6477}"/>
               </a:ext>
             </a:extLst>
           </p:cNvPr>
@@ -11465,6 +11252,238 @@
           </a:prstGeom>
         </p:spPr>
       </p:pic>
+      <p:sp>
+        <p:nvSpPr>
+          <p:cNvPr id="12" name="TextBox 11"/>
+          <p:cNvSpPr txBox="1"/>
+          <p:nvPr/>
+        </p:nvSpPr>
+        <p:spPr>
+          <a:xfrm>
+            <a:off x="259493" y="6093954"/>
+            <a:ext cx="2694969" cy="323165"/>
+          </a:xfrm>
+          <a:prstGeom prst="rect">
+            <a:avLst/>
+          </a:prstGeom>
+          <a:noFill/>
+        </p:spPr>
+        <p:txBody>
+          <a:bodyPr wrap="none" rtlCol="0">
+            <a:spAutoFit/>
+          </a:bodyPr>
+          <a:lstStyle/>
+          <a:p>
+            <a:r>
+              <a:rPr lang="ko-KR" altLang="en-US" sz="1500" dirty="0" err="1" smtClean="0">
+                <a:solidFill>
+                  <a:schemeClr val="bg1"/>
+                </a:solidFill>
+              </a:rPr>
+              <a:t>즐겨찾기</a:t>
+            </a:r>
+            <a:r>
+              <a:rPr lang="ko-KR" altLang="en-US" sz="1500" dirty="0" smtClean="0">
+                <a:solidFill>
+                  <a:schemeClr val="bg1"/>
+                </a:solidFill>
+              </a:rPr>
+              <a:t> 등록 후 </a:t>
+            </a:r>
+            <a:r>
+              <a:rPr lang="ko-KR" altLang="en-US" sz="1500" dirty="0" err="1" smtClean="0">
+                <a:solidFill>
+                  <a:schemeClr val="bg1"/>
+                </a:solidFill>
+              </a:rPr>
+              <a:t>메인페이지</a:t>
+            </a:r>
+            <a:endParaRPr lang="ko-KR" altLang="en-US" sz="1500" dirty="0">
+              <a:solidFill>
+                <a:schemeClr val="bg1"/>
+              </a:solidFill>
+            </a:endParaRPr>
+          </a:p>
+        </p:txBody>
+      </p:sp>
+      <p:sp>
+        <p:nvSpPr>
+          <p:cNvPr id="16" name="TextBox 15"/>
+          <p:cNvSpPr txBox="1"/>
+          <p:nvPr/>
+        </p:nvSpPr>
+        <p:spPr>
+          <a:xfrm>
+            <a:off x="3300023" y="6093954"/>
+            <a:ext cx="2643672" cy="307777"/>
+          </a:xfrm>
+          <a:prstGeom prst="rect">
+            <a:avLst/>
+          </a:prstGeom>
+          <a:noFill/>
+        </p:spPr>
+        <p:txBody>
+          <a:bodyPr wrap="none" rtlCol="0">
+            <a:spAutoFit/>
+          </a:bodyPr>
+          <a:lstStyle/>
+          <a:p>
+            <a:r>
+              <a:rPr lang="ko-KR" altLang="en-US" sz="1400" dirty="0" err="1" smtClean="0">
+                <a:solidFill>
+                  <a:schemeClr val="bg1"/>
+                </a:solidFill>
+              </a:rPr>
+              <a:t>메인페이지에서</a:t>
+            </a:r>
+            <a:r>
+              <a:rPr lang="ko-KR" altLang="en-US" sz="1400" dirty="0" smtClean="0">
+                <a:solidFill>
+                  <a:schemeClr val="bg1"/>
+                </a:solidFill>
+              </a:rPr>
+              <a:t> </a:t>
+            </a:r>
+            <a:r>
+              <a:rPr lang="ko-KR" altLang="en-US" sz="1400" dirty="0" err="1" smtClean="0">
+                <a:solidFill>
+                  <a:schemeClr val="bg1"/>
+                </a:solidFill>
+              </a:rPr>
+              <a:t>즐겨찾기</a:t>
+            </a:r>
+            <a:r>
+              <a:rPr lang="ko-KR" altLang="en-US" sz="1400" dirty="0" smtClean="0">
+                <a:solidFill>
+                  <a:schemeClr val="bg1"/>
+                </a:solidFill>
+              </a:rPr>
+              <a:t> 제거</a:t>
+            </a:r>
+            <a:endParaRPr lang="ko-KR" altLang="en-US" sz="1400" dirty="0">
+              <a:solidFill>
+                <a:schemeClr val="bg1"/>
+              </a:solidFill>
+            </a:endParaRPr>
+          </a:p>
+        </p:txBody>
+      </p:sp>
+      <p:sp>
+        <p:nvSpPr>
+          <p:cNvPr id="17" name="TextBox 16"/>
+          <p:cNvSpPr txBox="1"/>
+          <p:nvPr/>
+        </p:nvSpPr>
+        <p:spPr>
+          <a:xfrm>
+            <a:off x="6515796" y="6093953"/>
+            <a:ext cx="2141933" cy="307777"/>
+          </a:xfrm>
+          <a:prstGeom prst="rect">
+            <a:avLst/>
+          </a:prstGeom>
+          <a:noFill/>
+        </p:spPr>
+        <p:txBody>
+          <a:bodyPr wrap="none" rtlCol="0">
+            <a:spAutoFit/>
+          </a:bodyPr>
+          <a:lstStyle/>
+          <a:p>
+            <a:r>
+              <a:rPr lang="ko-KR" altLang="en-US" sz="1400" dirty="0" smtClean="0">
+                <a:solidFill>
+                  <a:schemeClr val="bg1"/>
+                </a:solidFill>
+              </a:rPr>
+              <a:t>강의실 </a:t>
+            </a:r>
+            <a:r>
+              <a:rPr lang="ko-KR" altLang="en-US" sz="1400" smtClean="0">
+                <a:solidFill>
+                  <a:schemeClr val="bg1"/>
+                </a:solidFill>
+              </a:rPr>
+              <a:t>예약 </a:t>
+            </a:r>
+            <a:r>
+              <a:rPr lang="en-US" altLang="ko-KR" sz="1400" dirty="0" smtClean="0">
+                <a:solidFill>
+                  <a:schemeClr val="bg1"/>
+                </a:solidFill>
+              </a:rPr>
+              <a:t>– </a:t>
+            </a:r>
+            <a:r>
+              <a:rPr lang="ko-KR" altLang="en-US" sz="1400" dirty="0" smtClean="0">
+                <a:solidFill>
+                  <a:schemeClr val="bg1"/>
+                </a:solidFill>
+              </a:rPr>
+              <a:t>시간 선택</a:t>
+            </a:r>
+            <a:endParaRPr lang="ko-KR" altLang="en-US" sz="1400" dirty="0">
+              <a:solidFill>
+                <a:schemeClr val="bg1"/>
+              </a:solidFill>
+            </a:endParaRPr>
+          </a:p>
+        </p:txBody>
+      </p:sp>
+      <p:sp>
+        <p:nvSpPr>
+          <p:cNvPr id="18" name="TextBox 17"/>
+          <p:cNvSpPr txBox="1"/>
+          <p:nvPr/>
+        </p:nvSpPr>
+        <p:spPr>
+          <a:xfrm>
+            <a:off x="9547431" y="6093953"/>
+            <a:ext cx="2141933" cy="307777"/>
+          </a:xfrm>
+          <a:prstGeom prst="rect">
+            <a:avLst/>
+          </a:prstGeom>
+          <a:noFill/>
+        </p:spPr>
+        <p:txBody>
+          <a:bodyPr wrap="none" rtlCol="0">
+            <a:spAutoFit/>
+          </a:bodyPr>
+          <a:lstStyle/>
+          <a:p>
+            <a:r>
+              <a:rPr lang="ko-KR" altLang="en-US" sz="1400" dirty="0" smtClean="0">
+                <a:solidFill>
+                  <a:schemeClr val="bg1"/>
+                </a:solidFill>
+              </a:rPr>
+              <a:t>강의실 예약 </a:t>
+            </a:r>
+            <a:r>
+              <a:rPr lang="en-US" altLang="ko-KR" sz="1400" dirty="0" smtClean="0">
+                <a:solidFill>
+                  <a:schemeClr val="bg1"/>
+                </a:solidFill>
+              </a:rPr>
+              <a:t>– </a:t>
+            </a:r>
+            <a:r>
+              <a:rPr lang="ko-KR" altLang="en-US" sz="1400" dirty="0" smtClean="0">
+                <a:solidFill>
+                  <a:schemeClr val="bg1"/>
+                </a:solidFill>
+              </a:rPr>
+              <a:t>자리 선택</a:t>
+            </a:r>
+            <a:endParaRPr lang="ko-KR" altLang="en-US" sz="1400" dirty="0">
+              <a:solidFill>
+                <a:schemeClr val="bg1"/>
+              </a:solidFill>
+            </a:endParaRPr>
+          </a:p>
+        </p:txBody>
+      </p:sp>
     </p:spTree>
     <p:extLst>
       <p:ext uri="{BB962C8B-B14F-4D97-AF65-F5344CB8AC3E}">
@@ -11478,7 +11497,7 @@
 </p:sld>
 </file>
 
-<file path=ppt/slides/slide9.xml><?xml version="1.0" encoding="utf-8"?>
+<file path=ppt/slides/slide7.xml><?xml version="1.0" encoding="utf-8"?>
 <p:sld xmlns:a="http://schemas.openxmlformats.org/drawingml/2006/main" xmlns:r="http://schemas.openxmlformats.org/officeDocument/2006/relationships" xmlns:p="http://schemas.openxmlformats.org/presentationml/2006/main">
   <p:cSld>
     <p:bg>
@@ -11508,10 +11527,10 @@
           <p:cNvPr id="9" name="Rectangle 8">
             <a:extLst>
               <a:ext uri="{FF2B5EF4-FFF2-40B4-BE49-F238E27FC236}">
-                <a16:creationId xmlns:a16="http://schemas.microsoft.com/office/drawing/2014/main" id="{A8384FB5-9ADC-4DDC-881B-597D56F5B15D}"/>
+                <a16:creationId xmlns="" xmlns:a16="http://schemas.microsoft.com/office/drawing/2014/main" id="{A8384FB5-9ADC-4DDC-881B-597D56F5B15D}"/>
               </a:ext>
               <a:ext uri="{C183D7F6-B498-43B3-948B-1728B52AA6E4}">
-                <adec:decorative xmlns:adec="http://schemas.microsoft.com/office/drawing/2017/decorative" val="1"/>
+                <adec:decorative xmlns="" xmlns:adec="http://schemas.microsoft.com/office/drawing/2017/decorative" val="1"/>
               </a:ext>
             </a:extLst>
           </p:cNvPr>
@@ -11521,7 +11540,7 @@
           <p:nvPr>
             <p:extLst>
               <p:ext uri="{386F3935-93C4-4BCD-93E2-E3B085C9AB24}">
-                <p16:designElem xmlns:p16="http://schemas.microsoft.com/office/powerpoint/2015/main" val="1"/>
+                <p16:designElem xmlns="" xmlns:p16="http://schemas.microsoft.com/office/powerpoint/2015/main" val="1"/>
               </p:ext>
             </p:extLst>
           </p:nvPr>
@@ -11584,10 +11603,10 @@
           <p:cNvPr id="11" name="Rectangle 10">
             <a:extLst>
               <a:ext uri="{FF2B5EF4-FFF2-40B4-BE49-F238E27FC236}">
-                <a16:creationId xmlns:a16="http://schemas.microsoft.com/office/drawing/2014/main" id="{1199E1B1-A8C0-4FE8-A5A8-1CB41D69F857}"/>
+                <a16:creationId xmlns="" xmlns:a16="http://schemas.microsoft.com/office/drawing/2014/main" id="{1199E1B1-A8C0-4FE8-A5A8-1CB41D69F857}"/>
               </a:ext>
               <a:ext uri="{C183D7F6-B498-43B3-948B-1728B52AA6E4}">
-                <adec:decorative xmlns:adec="http://schemas.microsoft.com/office/drawing/2017/decorative" val="1"/>
+                <adec:decorative xmlns="" xmlns:adec="http://schemas.microsoft.com/office/drawing/2017/decorative" val="1"/>
               </a:ext>
             </a:extLst>
           </p:cNvPr>
@@ -11597,7 +11616,7 @@
           <p:nvPr>
             <p:extLst>
               <p:ext uri="{386F3935-93C4-4BCD-93E2-E3B085C9AB24}">
-                <p16:designElem xmlns:p16="http://schemas.microsoft.com/office/powerpoint/2015/main" val="1"/>
+                <p16:designElem xmlns="" xmlns:p16="http://schemas.microsoft.com/office/powerpoint/2015/main" val="1"/>
               </p:ext>
             </p:extLst>
           </p:nvPr>
@@ -11659,10 +11678,10 @@
           <p:cNvPr id="13" name="Rectangle 12">
             <a:extLst>
               <a:ext uri="{FF2B5EF4-FFF2-40B4-BE49-F238E27FC236}">
-                <a16:creationId xmlns:a16="http://schemas.microsoft.com/office/drawing/2014/main" id="{84A8DE83-DE75-4B41-9DB4-A7EC0B0DEC0B}"/>
+                <a16:creationId xmlns="" xmlns:a16="http://schemas.microsoft.com/office/drawing/2014/main" id="{84A8DE83-DE75-4B41-9DB4-A7EC0B0DEC0B}"/>
               </a:ext>
               <a:ext uri="{C183D7F6-B498-43B3-948B-1728B52AA6E4}">
-                <adec:decorative xmlns:adec="http://schemas.microsoft.com/office/drawing/2017/decorative" val="1"/>
+                <adec:decorative xmlns="" xmlns:adec="http://schemas.microsoft.com/office/drawing/2017/decorative" val="1"/>
               </a:ext>
             </a:extLst>
           </p:cNvPr>
@@ -11672,7 +11691,7 @@
           <p:nvPr>
             <p:extLst>
               <p:ext uri="{386F3935-93C4-4BCD-93E2-E3B085C9AB24}">
-                <p16:designElem xmlns:p16="http://schemas.microsoft.com/office/powerpoint/2015/main" val="1"/>
+                <p16:designElem xmlns="" xmlns:p16="http://schemas.microsoft.com/office/powerpoint/2015/main" val="1"/>
               </p:ext>
             </p:extLst>
           </p:nvPr>
@@ -11736,10 +11755,10 @@
           <p:cNvPr id="15" name="Rectangle 14">
             <a:extLst>
               <a:ext uri="{FF2B5EF4-FFF2-40B4-BE49-F238E27FC236}">
-                <a16:creationId xmlns:a16="http://schemas.microsoft.com/office/drawing/2014/main" id="{A7009A0A-BEF5-4EAC-AF15-E4F9F002E239}"/>
+                <a16:creationId xmlns="" xmlns:a16="http://schemas.microsoft.com/office/drawing/2014/main" id="{A7009A0A-BEF5-4EAC-AF15-E4F9F002E239}"/>
               </a:ext>
               <a:ext uri="{C183D7F6-B498-43B3-948B-1728B52AA6E4}">
-                <adec:decorative xmlns:adec="http://schemas.microsoft.com/office/drawing/2017/decorative" val="1"/>
+                <adec:decorative xmlns="" xmlns:adec="http://schemas.microsoft.com/office/drawing/2017/decorative" val="1"/>
               </a:ext>
             </a:extLst>
           </p:cNvPr>
@@ -11749,7 +11768,7 @@
           <p:nvPr>
             <p:extLst>
               <p:ext uri="{386F3935-93C4-4BCD-93E2-E3B085C9AB24}">
-                <p16:designElem xmlns:p16="http://schemas.microsoft.com/office/powerpoint/2015/main" val="1"/>
+                <p16:designElem xmlns="" xmlns:p16="http://schemas.microsoft.com/office/powerpoint/2015/main" val="1"/>
               </p:ext>
             </p:extLst>
           </p:nvPr>
@@ -11811,7 +11830,7 @@
           <p:cNvPr id="2" name="제목 1">
             <a:extLst>
               <a:ext uri="{FF2B5EF4-FFF2-40B4-BE49-F238E27FC236}">
-                <a16:creationId xmlns:a16="http://schemas.microsoft.com/office/drawing/2014/main" id="{78057627-5515-E771-0576-60BBA3464C68}"/>
+                <a16:creationId xmlns="" xmlns:a16="http://schemas.microsoft.com/office/drawing/2014/main" id="{78057627-5515-E771-0576-60BBA3464C68}"/>
               </a:ext>
             </a:extLst>
           </p:cNvPr>
@@ -11862,7 +11881,7 @@
           <p:cNvPr id="3" name="그림 2">
             <a:extLst>
               <a:ext uri="{FF2B5EF4-FFF2-40B4-BE49-F238E27FC236}">
-                <a16:creationId xmlns:a16="http://schemas.microsoft.com/office/drawing/2014/main" id="{CCE106EB-3040-F025-93A8-18959578251A}"/>
+                <a16:creationId xmlns="" xmlns:a16="http://schemas.microsoft.com/office/drawing/2014/main" id="{CCE106EB-3040-F025-93A8-18959578251A}"/>
               </a:ext>
             </a:extLst>
           </p:cNvPr>
@@ -11887,10 +11906,1291 @@
           </a:prstGeom>
         </p:spPr>
       </p:pic>
+      <p:pic>
+        <p:nvPicPr>
+          <p:cNvPr id="5" name="그림 4"/>
+          <p:cNvPicPr>
+            <a:picLocks noChangeAspect="1"/>
+          </p:cNvPicPr>
+          <p:nvPr/>
+        </p:nvPicPr>
+        <p:blipFill>
+          <a:blip r:embed="rId3"/>
+          <a:stretch>
+            <a:fillRect/>
+          </a:stretch>
+        </p:blipFill>
+        <p:spPr>
+          <a:xfrm>
+            <a:off x="3372402" y="1655276"/>
+            <a:ext cx="2389246" cy="5065200"/>
+          </a:xfrm>
+          <a:prstGeom prst="rect">
+            <a:avLst/>
+          </a:prstGeom>
+        </p:spPr>
+      </p:pic>
+      <p:pic>
+        <p:nvPicPr>
+          <p:cNvPr id="6" name="그림 5"/>
+          <p:cNvPicPr>
+            <a:picLocks noChangeAspect="1"/>
+          </p:cNvPicPr>
+          <p:nvPr/>
+        </p:nvPicPr>
+        <p:blipFill>
+          <a:blip r:embed="rId4"/>
+          <a:stretch>
+            <a:fillRect/>
+          </a:stretch>
+        </p:blipFill>
+        <p:spPr>
+          <a:xfrm>
+            <a:off x="6330741" y="1655276"/>
+            <a:ext cx="2369376" cy="5065200"/>
+          </a:xfrm>
+          <a:prstGeom prst="rect">
+            <a:avLst/>
+          </a:prstGeom>
+        </p:spPr>
+      </p:pic>
+      <p:sp>
+        <p:nvSpPr>
+          <p:cNvPr id="12" name="TextBox 11"/>
+          <p:cNvSpPr txBox="1"/>
+          <p:nvPr/>
+        </p:nvSpPr>
+        <p:spPr>
+          <a:xfrm>
+            <a:off x="391033" y="6087818"/>
+            <a:ext cx="2351862" cy="276999"/>
+          </a:xfrm>
+          <a:prstGeom prst="rect">
+            <a:avLst/>
+          </a:prstGeom>
+          <a:noFill/>
+        </p:spPr>
+        <p:txBody>
+          <a:bodyPr wrap="none" rtlCol="0">
+            <a:spAutoFit/>
+          </a:bodyPr>
+          <a:lstStyle/>
+          <a:p>
+            <a:r>
+              <a:rPr lang="ko-KR" altLang="en-US" sz="1200" dirty="0" smtClean="0">
+                <a:solidFill>
+                  <a:schemeClr val="bg1"/>
+                </a:solidFill>
+              </a:rPr>
+              <a:t>예약 완료 후 </a:t>
+            </a:r>
+            <a:r>
+              <a:rPr lang="en-US" altLang="ko-KR" sz="1200" dirty="0" smtClean="0">
+                <a:solidFill>
+                  <a:schemeClr val="bg1"/>
+                </a:solidFill>
+              </a:rPr>
+              <a:t>Toast </a:t>
+            </a:r>
+            <a:r>
+              <a:rPr lang="ko-KR" altLang="en-US" sz="1200" dirty="0" smtClean="0">
+                <a:solidFill>
+                  <a:schemeClr val="bg1"/>
+                </a:solidFill>
+              </a:rPr>
+              <a:t>메시지 출력</a:t>
+            </a:r>
+            <a:endParaRPr lang="ko-KR" altLang="en-US" sz="1200" dirty="0">
+              <a:solidFill>
+                <a:schemeClr val="bg1"/>
+              </a:solidFill>
+            </a:endParaRPr>
+          </a:p>
+        </p:txBody>
+      </p:sp>
+      <p:sp>
+        <p:nvSpPr>
+          <p:cNvPr id="14" name="TextBox 13"/>
+          <p:cNvSpPr txBox="1"/>
+          <p:nvPr/>
+        </p:nvSpPr>
+        <p:spPr>
+          <a:xfrm>
+            <a:off x="3519302" y="6310387"/>
+            <a:ext cx="2095445" cy="276999"/>
+          </a:xfrm>
+          <a:prstGeom prst="rect">
+            <a:avLst/>
+          </a:prstGeom>
+          <a:noFill/>
+        </p:spPr>
+        <p:txBody>
+          <a:bodyPr wrap="none" rtlCol="0">
+            <a:spAutoFit/>
+          </a:bodyPr>
+          <a:lstStyle/>
+          <a:p>
+            <a:r>
+              <a:rPr lang="ko-KR" altLang="en-US" sz="1200" dirty="0" smtClean="0">
+                <a:solidFill>
+                  <a:schemeClr val="bg1"/>
+                </a:solidFill>
+              </a:rPr>
+              <a:t>학생 개인 시간표 등록 화면</a:t>
+            </a:r>
+            <a:endParaRPr lang="ko-KR" altLang="en-US" sz="1200" dirty="0">
+              <a:solidFill>
+                <a:schemeClr val="bg1"/>
+              </a:solidFill>
+            </a:endParaRPr>
+          </a:p>
+        </p:txBody>
+      </p:sp>
+      <p:sp>
+        <p:nvSpPr>
+          <p:cNvPr id="17" name="TextBox 16"/>
+          <p:cNvSpPr txBox="1"/>
+          <p:nvPr/>
+        </p:nvSpPr>
+        <p:spPr>
+          <a:xfrm>
+            <a:off x="6387925" y="6310387"/>
+            <a:ext cx="2348720" cy="276999"/>
+          </a:xfrm>
+          <a:prstGeom prst="rect">
+            <a:avLst/>
+          </a:prstGeom>
+          <a:noFill/>
+        </p:spPr>
+        <p:txBody>
+          <a:bodyPr wrap="none" rtlCol="0">
+            <a:spAutoFit/>
+          </a:bodyPr>
+          <a:lstStyle/>
+          <a:p>
+            <a:r>
+              <a:rPr lang="ko-KR" altLang="en-US" sz="1200" dirty="0" smtClean="0">
+                <a:solidFill>
+                  <a:schemeClr val="bg1"/>
+                </a:solidFill>
+              </a:rPr>
+              <a:t>정보들을 입력해 시간표에 적용</a:t>
+            </a:r>
+            <a:endParaRPr lang="ko-KR" altLang="en-US" sz="1200" dirty="0">
+              <a:solidFill>
+                <a:schemeClr val="bg1"/>
+              </a:solidFill>
+            </a:endParaRPr>
+          </a:p>
+        </p:txBody>
+      </p:sp>
     </p:spTree>
     <p:extLst>
       <p:ext uri="{BB962C8B-B14F-4D97-AF65-F5344CB8AC3E}">
         <p14:creationId xmlns:p14="http://schemas.microsoft.com/office/powerpoint/2010/main" val="591693990"/>
+      </p:ext>
+    </p:extLst>
+  </p:cSld>
+  <p:clrMapOvr>
+    <a:masterClrMapping/>
+  </p:clrMapOvr>
+</p:sld>
+</file>
+
+<file path=ppt/slides/slide8.xml><?xml version="1.0" encoding="utf-8"?>
+<p:sld xmlns:a="http://schemas.openxmlformats.org/drawingml/2006/main" xmlns:r="http://schemas.openxmlformats.org/officeDocument/2006/relationships" xmlns:p="http://schemas.openxmlformats.org/presentationml/2006/main">
+  <p:cSld>
+    <p:spTree>
+      <p:nvGrpSpPr>
+        <p:cNvPr id="1" name=""/>
+        <p:cNvGrpSpPr/>
+        <p:nvPr/>
+      </p:nvGrpSpPr>
+      <p:grpSpPr>
+        <a:xfrm>
+          <a:off x="0" y="0"/>
+          <a:ext cx="0" cy="0"/>
+          <a:chOff x="0" y="0"/>
+          <a:chExt cx="0" cy="0"/>
+        </a:xfrm>
+      </p:grpSpPr>
+      <p:sp useBgFill="1">
+        <p:nvSpPr>
+          <p:cNvPr id="8" name="Rectangle 7">
+            <a:extLst>
+              <a:ext uri="{FF2B5EF4-FFF2-40B4-BE49-F238E27FC236}">
+                <a16:creationId xmlns="" xmlns:a16="http://schemas.microsoft.com/office/drawing/2014/main" id="{1B15ED52-F352-441B-82BF-E0EA34836D08}"/>
+              </a:ext>
+              <a:ext uri="{C183D7F6-B498-43B3-948B-1728B52AA6E4}">
+                <adec:decorative xmlns="" xmlns:adec="http://schemas.microsoft.com/office/drawing/2017/decorative" val="1"/>
+              </a:ext>
+            </a:extLst>
+          </p:cNvPr>
+          <p:cNvSpPr>
+            <a:spLocks noGrp="1" noRot="1" noChangeAspect="1" noMove="1" noResize="1" noEditPoints="1" noAdjustHandles="1" noChangeArrowheads="1" noChangeShapeType="1" noTextEdit="1"/>
+          </p:cNvSpPr>
+          <p:nvPr>
+            <p:extLst>
+              <p:ext uri="{386F3935-93C4-4BCD-93E2-E3B085C9AB24}">
+                <p16:designElem xmlns="" xmlns:p16="http://schemas.microsoft.com/office/powerpoint/2015/main" val="1"/>
+              </p:ext>
+            </p:extLst>
+          </p:nvPr>
+        </p:nvSpPr>
+        <p:spPr>
+          <a:xfrm>
+            <a:off x="0" y="0"/>
+            <a:ext cx="12192000" cy="6858000"/>
+          </a:xfrm>
+          <a:prstGeom prst="rect">
+            <a:avLst/>
+          </a:prstGeom>
+          <a:ln w="12700" cap="flat" cmpd="sng" algn="ctr">
+            <a:noFill/>
+            <a:prstDash val="solid"/>
+            <a:miter lim="800000"/>
+          </a:ln>
+          <a:effectLst/>
+          <a:extLst>
+            <a:ext uri="{91240B29-F687-4F45-9708-019B960494DF}">
+              <a14:hiddenLine xmlns:a14="http://schemas.microsoft.com/office/drawing/2010/main" w="12700" cap="flat" cmpd="sng" algn="ctr">
+                <a:solidFill>
+                  <a:schemeClr val="accent1">
+                    <a:shade val="50000"/>
+                  </a:schemeClr>
+                </a:solidFill>
+                <a:prstDash val="solid"/>
+                <a:miter lim="800000"/>
+              </a14:hiddenLine>
+            </a:ext>
+          </a:extLst>
+        </p:spPr>
+        <p:style>
+          <a:lnRef idx="2">
+            <a:schemeClr val="accent1">
+              <a:shade val="50000"/>
+            </a:schemeClr>
+          </a:lnRef>
+          <a:fillRef idx="1">
+            <a:schemeClr val="accent1"/>
+          </a:fillRef>
+          <a:effectRef idx="0">
+            <a:schemeClr val="accent1"/>
+          </a:effectRef>
+          <a:fontRef idx="minor">
+            <a:schemeClr val="lt1"/>
+          </a:fontRef>
+        </p:style>
+        <p:txBody>
+          <a:bodyPr rtlCol="0" anchor="ctr"/>
+          <a:lstStyle/>
+          <a:p>
+            <a:pPr algn="ctr"/>
+            <a:endParaRPr lang="en-US"/>
+          </a:p>
+        </p:txBody>
+      </p:sp>
+      <p:sp>
+        <p:nvSpPr>
+          <p:cNvPr id="10" name="Rectangle 9">
+            <a:extLst>
+              <a:ext uri="{FF2B5EF4-FFF2-40B4-BE49-F238E27FC236}">
+                <a16:creationId xmlns="" xmlns:a16="http://schemas.microsoft.com/office/drawing/2014/main" id="{3B2E3793-BFE6-45A2-9B7B-E18844431C99}"/>
+              </a:ext>
+              <a:ext uri="{C183D7F6-B498-43B3-948B-1728B52AA6E4}">
+                <adec:decorative xmlns="" xmlns:adec="http://schemas.microsoft.com/office/drawing/2017/decorative" val="1"/>
+              </a:ext>
+            </a:extLst>
+          </p:cNvPr>
+          <p:cNvSpPr>
+            <a:spLocks noGrp="1" noRot="1" noChangeAspect="1" noMove="1" noResize="1" noEditPoints="1" noAdjustHandles="1" noChangeArrowheads="1" noChangeShapeType="1" noTextEdit="1"/>
+          </p:cNvSpPr>
+          <p:nvPr>
+            <p:extLst>
+              <p:ext uri="{386F3935-93C4-4BCD-93E2-E3B085C9AB24}">
+                <p16:designElem xmlns="" xmlns:p16="http://schemas.microsoft.com/office/powerpoint/2015/main" val="1"/>
+              </p:ext>
+            </p:extLst>
+          </p:nvPr>
+        </p:nvSpPr>
+        <p:spPr>
+          <a:xfrm flipH="1">
+            <a:off x="-1" y="-1"/>
+            <a:ext cx="12191998" cy="1590742"/>
+          </a:xfrm>
+          <a:prstGeom prst="rect">
+            <a:avLst/>
+          </a:prstGeom>
+          <a:gradFill>
+            <a:gsLst>
+              <a:gs pos="0">
+                <a:srgbClr val="000000"/>
+              </a:gs>
+              <a:gs pos="100000">
+                <a:schemeClr val="accent1">
+                  <a:lumMod val="75000"/>
+                </a:schemeClr>
+              </a:gs>
+            </a:gsLst>
+            <a:lin ang="8400000" scaled="0"/>
+          </a:gradFill>
+          <a:ln>
+            <a:noFill/>
+          </a:ln>
+        </p:spPr>
+        <p:style>
+          <a:lnRef idx="2">
+            <a:schemeClr val="accent1">
+              <a:shade val="50000"/>
+            </a:schemeClr>
+          </a:lnRef>
+          <a:fillRef idx="1">
+            <a:schemeClr val="accent1"/>
+          </a:fillRef>
+          <a:effectRef idx="0">
+            <a:schemeClr val="accent1"/>
+          </a:effectRef>
+          <a:fontRef idx="minor">
+            <a:schemeClr val="lt1"/>
+          </a:fontRef>
+        </p:style>
+        <p:txBody>
+          <a:bodyPr rtlCol="0" anchor="ctr"/>
+          <a:lstStyle/>
+          <a:p>
+            <a:pPr algn="ctr"/>
+            <a:endParaRPr lang="en-US"/>
+          </a:p>
+        </p:txBody>
+      </p:sp>
+      <p:sp>
+        <p:nvSpPr>
+          <p:cNvPr id="12" name="Rectangle 11">
+            <a:extLst>
+              <a:ext uri="{FF2B5EF4-FFF2-40B4-BE49-F238E27FC236}">
+                <a16:creationId xmlns="" xmlns:a16="http://schemas.microsoft.com/office/drawing/2014/main" id="{BC4C4868-CB8F-4AF9-9CDB-8108F2C19B67}"/>
+              </a:ext>
+              <a:ext uri="{C183D7F6-B498-43B3-948B-1728B52AA6E4}">
+                <adec:decorative xmlns="" xmlns:adec="http://schemas.microsoft.com/office/drawing/2017/decorative" val="1"/>
+              </a:ext>
+            </a:extLst>
+          </p:cNvPr>
+          <p:cNvSpPr>
+            <a:spLocks noGrp="1" noRot="1" noChangeAspect="1" noMove="1" noResize="1" noEditPoints="1" noAdjustHandles="1" noChangeArrowheads="1" noChangeShapeType="1" noTextEdit="1"/>
+          </p:cNvSpPr>
+          <p:nvPr>
+            <p:extLst>
+              <p:ext uri="{386F3935-93C4-4BCD-93E2-E3B085C9AB24}">
+                <p16:designElem xmlns="" xmlns:p16="http://schemas.microsoft.com/office/powerpoint/2015/main" val="1"/>
+              </p:ext>
+            </p:extLst>
+          </p:nvPr>
+        </p:nvSpPr>
+        <p:spPr>
+          <a:xfrm rot="10800000" flipH="1">
+            <a:off x="-3" y="0"/>
+            <a:ext cx="8115306" cy="1590742"/>
+          </a:xfrm>
+          <a:prstGeom prst="rect">
+            <a:avLst/>
+          </a:prstGeom>
+          <a:gradFill>
+            <a:gsLst>
+              <a:gs pos="20000">
+                <a:schemeClr val="accent1">
+                  <a:alpha val="0"/>
+                </a:schemeClr>
+              </a:gs>
+              <a:gs pos="100000">
+                <a:schemeClr val="accent1">
+                  <a:lumMod val="50000"/>
+                  <a:alpha val="55000"/>
+                </a:schemeClr>
+              </a:gs>
+            </a:gsLst>
+            <a:lin ang="13800000" scaled="0"/>
+          </a:gradFill>
+          <a:ln>
+            <a:noFill/>
+          </a:ln>
+        </p:spPr>
+        <p:style>
+          <a:lnRef idx="2">
+            <a:schemeClr val="accent1">
+              <a:shade val="50000"/>
+            </a:schemeClr>
+          </a:lnRef>
+          <a:fillRef idx="1">
+            <a:schemeClr val="accent1"/>
+          </a:fillRef>
+          <a:effectRef idx="0">
+            <a:schemeClr val="accent1"/>
+          </a:effectRef>
+          <a:fontRef idx="minor">
+            <a:schemeClr val="lt1"/>
+          </a:fontRef>
+        </p:style>
+        <p:txBody>
+          <a:bodyPr rtlCol="0" anchor="ctr"/>
+          <a:lstStyle/>
+          <a:p>
+            <a:pPr algn="ctr"/>
+            <a:endParaRPr lang="en-US"/>
+          </a:p>
+        </p:txBody>
+      </p:sp>
+      <p:sp>
+        <p:nvSpPr>
+          <p:cNvPr id="14" name="Rectangle 13">
+            <a:extLst>
+              <a:ext uri="{FF2B5EF4-FFF2-40B4-BE49-F238E27FC236}">
+                <a16:creationId xmlns="" xmlns:a16="http://schemas.microsoft.com/office/drawing/2014/main" id="{375E0459-6403-40CD-989D-56A4407CA12E}"/>
+              </a:ext>
+              <a:ext uri="{C183D7F6-B498-43B3-948B-1728B52AA6E4}">
+                <adec:decorative xmlns="" xmlns:adec="http://schemas.microsoft.com/office/drawing/2017/decorative" val="1"/>
+              </a:ext>
+            </a:extLst>
+          </p:cNvPr>
+          <p:cNvSpPr>
+            <a:spLocks noGrp="1" noRot="1" noChangeAspect="1" noMove="1" noResize="1" noEditPoints="1" noAdjustHandles="1" noChangeArrowheads="1" noChangeShapeType="1" noTextEdit="1"/>
+          </p:cNvSpPr>
+          <p:nvPr>
+            <p:extLst>
+              <p:ext uri="{386F3935-93C4-4BCD-93E2-E3B085C9AB24}">
+                <p16:designElem xmlns="" xmlns:p16="http://schemas.microsoft.com/office/powerpoint/2015/main" val="1"/>
+              </p:ext>
+            </p:extLst>
+          </p:nvPr>
+        </p:nvSpPr>
+        <p:spPr>
+          <a:xfrm flipH="1">
+            <a:off x="8115299" y="-1"/>
+            <a:ext cx="4076698" cy="1590742"/>
+          </a:xfrm>
+          <a:prstGeom prst="rect">
+            <a:avLst/>
+          </a:prstGeom>
+          <a:gradFill>
+            <a:gsLst>
+              <a:gs pos="0">
+                <a:schemeClr val="accent1">
+                  <a:alpha val="66000"/>
+                </a:schemeClr>
+              </a:gs>
+              <a:gs pos="100000">
+                <a:srgbClr val="000000">
+                  <a:alpha val="30000"/>
+                </a:srgbClr>
+              </a:gs>
+            </a:gsLst>
+            <a:lin ang="13200000" scaled="0"/>
+          </a:gradFill>
+          <a:ln>
+            <a:noFill/>
+          </a:ln>
+        </p:spPr>
+        <p:style>
+          <a:lnRef idx="2">
+            <a:schemeClr val="accent1">
+              <a:shade val="50000"/>
+            </a:schemeClr>
+          </a:lnRef>
+          <a:fillRef idx="1">
+            <a:schemeClr val="accent1"/>
+          </a:fillRef>
+          <a:effectRef idx="0">
+            <a:schemeClr val="accent1"/>
+          </a:effectRef>
+          <a:fontRef idx="minor">
+            <a:schemeClr val="lt1"/>
+          </a:fontRef>
+        </p:style>
+        <p:txBody>
+          <a:bodyPr rtlCol="0" anchor="ctr"/>
+          <a:lstStyle/>
+          <a:p>
+            <a:pPr algn="ctr"/>
+            <a:endParaRPr lang="en-US"/>
+          </a:p>
+        </p:txBody>
+      </p:sp>
+      <p:sp>
+        <p:nvSpPr>
+          <p:cNvPr id="16" name="Rectangle 15">
+            <a:extLst>
+              <a:ext uri="{FF2B5EF4-FFF2-40B4-BE49-F238E27FC236}">
+                <a16:creationId xmlns="" xmlns:a16="http://schemas.microsoft.com/office/drawing/2014/main" id="{53E5B1A8-3AC9-4BD1-9BBC-78CA94F2D1BA}"/>
+              </a:ext>
+              <a:ext uri="{C183D7F6-B498-43B3-948B-1728B52AA6E4}">
+                <adec:decorative xmlns="" xmlns:adec="http://schemas.microsoft.com/office/drawing/2017/decorative" val="1"/>
+              </a:ext>
+            </a:extLst>
+          </p:cNvPr>
+          <p:cNvSpPr>
+            <a:spLocks noGrp="1" noRot="1" noChangeAspect="1" noMove="1" noResize="1" noEditPoints="1" noAdjustHandles="1" noChangeArrowheads="1" noChangeShapeType="1" noTextEdit="1"/>
+          </p:cNvSpPr>
+          <p:nvPr>
+            <p:extLst>
+              <p:ext uri="{386F3935-93C4-4BCD-93E2-E3B085C9AB24}">
+                <p16:designElem xmlns="" xmlns:p16="http://schemas.microsoft.com/office/powerpoint/2015/main" val="1"/>
+              </p:ext>
+            </p:extLst>
+          </p:nvPr>
+        </p:nvSpPr>
+        <p:spPr>
+          <a:xfrm>
+            <a:off x="459350" y="-1"/>
+            <a:ext cx="11732646" cy="1597433"/>
+          </a:xfrm>
+          <a:prstGeom prst="rect">
+            <a:avLst/>
+          </a:prstGeom>
+          <a:gradFill>
+            <a:gsLst>
+              <a:gs pos="50000">
+                <a:srgbClr val="000000">
+                  <a:alpha val="0"/>
+                </a:srgbClr>
+              </a:gs>
+              <a:gs pos="99000">
+                <a:schemeClr val="accent1">
+                  <a:lumMod val="50000"/>
+                  <a:alpha val="52000"/>
+                </a:schemeClr>
+              </a:gs>
+            </a:gsLst>
+            <a:lin ang="16800000" scaled="0"/>
+          </a:gradFill>
+          <a:ln>
+            <a:noFill/>
+          </a:ln>
+        </p:spPr>
+        <p:style>
+          <a:lnRef idx="2">
+            <a:schemeClr val="accent1">
+              <a:shade val="50000"/>
+            </a:schemeClr>
+          </a:lnRef>
+          <a:fillRef idx="1">
+            <a:schemeClr val="accent1"/>
+          </a:fillRef>
+          <a:effectRef idx="0">
+            <a:schemeClr val="accent1"/>
+          </a:effectRef>
+          <a:fontRef idx="minor">
+            <a:schemeClr val="lt1"/>
+          </a:fontRef>
+        </p:style>
+        <p:txBody>
+          <a:bodyPr rtlCol="0" anchor="ctr"/>
+          <a:lstStyle/>
+          <a:p>
+            <a:pPr algn="ctr"/>
+            <a:endParaRPr lang="en-US"/>
+          </a:p>
+        </p:txBody>
+      </p:sp>
+      <p:sp>
+        <p:nvSpPr>
+          <p:cNvPr id="2" name="제목 1">
+            <a:extLst>
+              <a:ext uri="{FF2B5EF4-FFF2-40B4-BE49-F238E27FC236}">
+                <a16:creationId xmlns="" xmlns:a16="http://schemas.microsoft.com/office/drawing/2014/main" id="{1E22F2AF-C56D-6CEA-8BEA-37CE752EA65A}"/>
+              </a:ext>
+            </a:extLst>
+          </p:cNvPr>
+          <p:cNvSpPr>
+            <a:spLocks noGrp="1"/>
+          </p:cNvSpPr>
+          <p:nvPr>
+            <p:ph type="title"/>
+          </p:nvPr>
+        </p:nvSpPr>
+        <p:spPr>
+          <a:xfrm>
+            <a:off x="1371599" y="294538"/>
+            <a:ext cx="9895951" cy="1033669"/>
+          </a:xfrm>
+        </p:spPr>
+        <p:txBody>
+          <a:bodyPr>
+            <a:normAutofit/>
+          </a:bodyPr>
+          <a:lstStyle/>
+          <a:p>
+            <a:r>
+              <a:rPr lang="ko-KR" altLang="en-US" sz="4000">
+                <a:solidFill>
+                  <a:srgbClr val="FFFFFF"/>
+                </a:solidFill>
+              </a:rPr>
+              <a:t>프로그램 장점</a:t>
+            </a:r>
+          </a:p>
+        </p:txBody>
+      </p:sp>
+      <p:sp>
+        <p:nvSpPr>
+          <p:cNvPr id="3" name="내용 개체 틀 2">
+            <a:extLst>
+              <a:ext uri="{FF2B5EF4-FFF2-40B4-BE49-F238E27FC236}">
+                <a16:creationId xmlns="" xmlns:a16="http://schemas.microsoft.com/office/drawing/2014/main" id="{2A7D2632-3F9C-4E2E-A88F-68CC75703511}"/>
+              </a:ext>
+            </a:extLst>
+          </p:cNvPr>
+          <p:cNvSpPr>
+            <a:spLocks noGrp="1"/>
+          </p:cNvSpPr>
+          <p:nvPr>
+            <p:ph idx="1"/>
+          </p:nvPr>
+        </p:nvSpPr>
+        <p:spPr>
+          <a:xfrm>
+            <a:off x="459351" y="2318197"/>
+            <a:ext cx="10636280" cy="3683358"/>
+          </a:xfrm>
+        </p:spPr>
+        <p:txBody>
+          <a:bodyPr anchor="ctr">
+            <a:normAutofit/>
+          </a:bodyPr>
+          <a:lstStyle/>
+          <a:p>
+            <a:r>
+              <a:rPr lang="ko-KR" altLang="en-US" sz="2000" dirty="0"/>
+              <a:t>본인이 집중할 수 있는 </a:t>
+            </a:r>
+            <a:r>
+              <a:rPr lang="ko-KR" altLang="en-US" sz="2000" dirty="0" smtClean="0"/>
+              <a:t>자리 혹은 이전에 작업하던 자리를 </a:t>
+            </a:r>
+            <a:r>
+              <a:rPr lang="ko-KR" altLang="en-US" sz="2000" dirty="0"/>
+              <a:t>예약하여 학습 효과 </a:t>
+            </a:r>
+            <a:r>
+              <a:rPr lang="ko-KR" altLang="en-US" sz="2000" dirty="0" smtClean="0"/>
+              <a:t>증진</a:t>
+            </a:r>
+            <a:endParaRPr lang="en-US" altLang="ko-KR" sz="2000" dirty="0"/>
+          </a:p>
+          <a:p>
+            <a:endParaRPr lang="en-US" altLang="ko-KR" sz="2000" dirty="0"/>
+          </a:p>
+          <a:p>
+            <a:r>
+              <a:rPr lang="ko-KR" altLang="en-US" sz="2000" dirty="0"/>
+              <a:t>관리자는 강의실 이용 현황을 실시간으로 확인할 수 </a:t>
+            </a:r>
+            <a:r>
+              <a:rPr lang="ko-KR" altLang="en-US" sz="2000" dirty="0" smtClean="0"/>
+              <a:t>있으며</a:t>
+            </a:r>
+            <a:endParaRPr lang="en-US" altLang="ko-KR" sz="2000" dirty="0" smtClean="0"/>
+          </a:p>
+          <a:p>
+            <a:pPr marL="0" indent="0">
+              <a:buNone/>
+            </a:pPr>
+            <a:r>
+              <a:rPr lang="en-US" altLang="ko-KR" sz="2000" dirty="0"/>
+              <a:t> </a:t>
+            </a:r>
+            <a:r>
+              <a:rPr lang="en-US" altLang="ko-KR" sz="2000" dirty="0" smtClean="0"/>
+              <a:t>  </a:t>
+            </a:r>
+            <a:r>
+              <a:rPr lang="ko-KR" altLang="en-US" sz="2000" dirty="0" smtClean="0"/>
+              <a:t>사용 불가한 </a:t>
+            </a:r>
+            <a:r>
+              <a:rPr lang="ko-KR" altLang="en-US" sz="2000" dirty="0" smtClean="0"/>
+              <a:t>자리를 막아놓는다던가 임의적으로 뒷자리를 막는다거나 하여 </a:t>
+            </a:r>
+            <a:endParaRPr lang="en-US" altLang="ko-KR" sz="2000" dirty="0"/>
+          </a:p>
+          <a:p>
+            <a:pPr marL="0" indent="0">
+              <a:buNone/>
+            </a:pPr>
+            <a:r>
+              <a:rPr lang="en-US" altLang="ko-KR" sz="2000" dirty="0" smtClean="0"/>
+              <a:t>   </a:t>
+            </a:r>
+            <a:r>
+              <a:rPr lang="ko-KR" altLang="en-US" sz="2000" dirty="0" smtClean="0"/>
+              <a:t>수업 참여도를 </a:t>
+            </a:r>
+            <a:r>
+              <a:rPr lang="ko-KR" altLang="en-US" sz="2000" dirty="0" smtClean="0"/>
+              <a:t>올리는 방향으로 활용할 수 있음</a:t>
+            </a:r>
+            <a:endParaRPr lang="en-US" altLang="ko-KR" sz="2000" dirty="0" smtClean="0"/>
+          </a:p>
+          <a:p>
+            <a:pPr marL="0" indent="0">
+              <a:buNone/>
+            </a:pPr>
+            <a:endParaRPr lang="en-US" altLang="ko-KR" sz="2000" dirty="0"/>
+          </a:p>
+          <a:p>
+            <a:endParaRPr lang="en-US" altLang="ko-KR" sz="2000" dirty="0" smtClean="0"/>
+          </a:p>
+          <a:p>
+            <a:endParaRPr lang="ko-KR" altLang="en-US" sz="2000" dirty="0"/>
+          </a:p>
+        </p:txBody>
+      </p:sp>
+    </p:spTree>
+    <p:extLst>
+      <p:ext uri="{BB962C8B-B14F-4D97-AF65-F5344CB8AC3E}">
+        <p14:creationId xmlns:p14="http://schemas.microsoft.com/office/powerpoint/2010/main" val="1257363564"/>
+      </p:ext>
+    </p:extLst>
+  </p:cSld>
+  <p:clrMapOvr>
+    <a:masterClrMapping/>
+  </p:clrMapOvr>
+</p:sld>
+</file>
+
+<file path=ppt/slides/slide9.xml><?xml version="1.0" encoding="utf-8"?>
+<p:sld xmlns:a="http://schemas.openxmlformats.org/drawingml/2006/main" xmlns:r="http://schemas.openxmlformats.org/officeDocument/2006/relationships" xmlns:p="http://schemas.openxmlformats.org/presentationml/2006/main">
+  <p:cSld>
+    <p:spTree>
+      <p:nvGrpSpPr>
+        <p:cNvPr id="1" name=""/>
+        <p:cNvGrpSpPr/>
+        <p:nvPr/>
+      </p:nvGrpSpPr>
+      <p:grpSpPr>
+        <a:xfrm>
+          <a:off x="0" y="0"/>
+          <a:ext cx="0" cy="0"/>
+          <a:chOff x="0" y="0"/>
+          <a:chExt cx="0" cy="0"/>
+        </a:xfrm>
+      </p:grpSpPr>
+      <p:sp useBgFill="1">
+        <p:nvSpPr>
+          <p:cNvPr id="8" name="Rectangle 7">
+            <a:extLst>
+              <a:ext uri="{FF2B5EF4-FFF2-40B4-BE49-F238E27FC236}">
+                <a16:creationId xmlns="" xmlns:a16="http://schemas.microsoft.com/office/drawing/2014/main" id="{1B15ED52-F352-441B-82BF-E0EA34836D08}"/>
+              </a:ext>
+              <a:ext uri="{C183D7F6-B498-43B3-948B-1728B52AA6E4}">
+                <adec:decorative xmlns="" xmlns:adec="http://schemas.microsoft.com/office/drawing/2017/decorative" val="1"/>
+              </a:ext>
+            </a:extLst>
+          </p:cNvPr>
+          <p:cNvSpPr>
+            <a:spLocks noGrp="1" noRot="1" noChangeAspect="1" noMove="1" noResize="1" noEditPoints="1" noAdjustHandles="1" noChangeArrowheads="1" noChangeShapeType="1" noTextEdit="1"/>
+          </p:cNvSpPr>
+          <p:nvPr>
+            <p:extLst>
+              <p:ext uri="{386F3935-93C4-4BCD-93E2-E3B085C9AB24}">
+                <p16:designElem xmlns="" xmlns:p16="http://schemas.microsoft.com/office/powerpoint/2015/main" val="1"/>
+              </p:ext>
+            </p:extLst>
+          </p:nvPr>
+        </p:nvSpPr>
+        <p:spPr>
+          <a:xfrm>
+            <a:off x="0" y="0"/>
+            <a:ext cx="12192000" cy="6858000"/>
+          </a:xfrm>
+          <a:prstGeom prst="rect">
+            <a:avLst/>
+          </a:prstGeom>
+          <a:ln w="12700" cap="flat" cmpd="sng" algn="ctr">
+            <a:noFill/>
+            <a:prstDash val="solid"/>
+            <a:miter lim="800000"/>
+          </a:ln>
+          <a:effectLst/>
+          <a:extLst>
+            <a:ext uri="{91240B29-F687-4F45-9708-019B960494DF}">
+              <a14:hiddenLine xmlns:a14="http://schemas.microsoft.com/office/drawing/2010/main" w="12700" cap="flat" cmpd="sng" algn="ctr">
+                <a:solidFill>
+                  <a:schemeClr val="accent1">
+                    <a:shade val="50000"/>
+                  </a:schemeClr>
+                </a:solidFill>
+                <a:prstDash val="solid"/>
+                <a:miter lim="800000"/>
+              </a14:hiddenLine>
+            </a:ext>
+          </a:extLst>
+        </p:spPr>
+        <p:style>
+          <a:lnRef idx="2">
+            <a:schemeClr val="accent1">
+              <a:shade val="50000"/>
+            </a:schemeClr>
+          </a:lnRef>
+          <a:fillRef idx="1">
+            <a:schemeClr val="accent1"/>
+          </a:fillRef>
+          <a:effectRef idx="0">
+            <a:schemeClr val="accent1"/>
+          </a:effectRef>
+          <a:fontRef idx="minor">
+            <a:schemeClr val="lt1"/>
+          </a:fontRef>
+        </p:style>
+        <p:txBody>
+          <a:bodyPr rtlCol="0" anchor="ctr"/>
+          <a:lstStyle/>
+          <a:p>
+            <a:pPr algn="ctr"/>
+            <a:endParaRPr lang="en-US"/>
+          </a:p>
+        </p:txBody>
+      </p:sp>
+      <p:sp>
+        <p:nvSpPr>
+          <p:cNvPr id="10" name="Rectangle 9">
+            <a:extLst>
+              <a:ext uri="{FF2B5EF4-FFF2-40B4-BE49-F238E27FC236}">
+                <a16:creationId xmlns="" xmlns:a16="http://schemas.microsoft.com/office/drawing/2014/main" id="{3B2E3793-BFE6-45A2-9B7B-E18844431C99}"/>
+              </a:ext>
+              <a:ext uri="{C183D7F6-B498-43B3-948B-1728B52AA6E4}">
+                <adec:decorative xmlns="" xmlns:adec="http://schemas.microsoft.com/office/drawing/2017/decorative" val="1"/>
+              </a:ext>
+            </a:extLst>
+          </p:cNvPr>
+          <p:cNvSpPr>
+            <a:spLocks noGrp="1" noRot="1" noChangeAspect="1" noMove="1" noResize="1" noEditPoints="1" noAdjustHandles="1" noChangeArrowheads="1" noChangeShapeType="1" noTextEdit="1"/>
+          </p:cNvSpPr>
+          <p:nvPr>
+            <p:extLst>
+              <p:ext uri="{386F3935-93C4-4BCD-93E2-E3B085C9AB24}">
+                <p16:designElem xmlns="" xmlns:p16="http://schemas.microsoft.com/office/powerpoint/2015/main" val="1"/>
+              </p:ext>
+            </p:extLst>
+          </p:nvPr>
+        </p:nvSpPr>
+        <p:spPr>
+          <a:xfrm flipH="1">
+            <a:off x="-1" y="-1"/>
+            <a:ext cx="12191998" cy="1590742"/>
+          </a:xfrm>
+          <a:prstGeom prst="rect">
+            <a:avLst/>
+          </a:prstGeom>
+          <a:gradFill>
+            <a:gsLst>
+              <a:gs pos="0">
+                <a:srgbClr val="000000"/>
+              </a:gs>
+              <a:gs pos="100000">
+                <a:schemeClr val="accent1">
+                  <a:lumMod val="75000"/>
+                </a:schemeClr>
+              </a:gs>
+            </a:gsLst>
+            <a:lin ang="8400000" scaled="0"/>
+          </a:gradFill>
+          <a:ln>
+            <a:noFill/>
+          </a:ln>
+        </p:spPr>
+        <p:style>
+          <a:lnRef idx="2">
+            <a:schemeClr val="accent1">
+              <a:shade val="50000"/>
+            </a:schemeClr>
+          </a:lnRef>
+          <a:fillRef idx="1">
+            <a:schemeClr val="accent1"/>
+          </a:fillRef>
+          <a:effectRef idx="0">
+            <a:schemeClr val="accent1"/>
+          </a:effectRef>
+          <a:fontRef idx="minor">
+            <a:schemeClr val="lt1"/>
+          </a:fontRef>
+        </p:style>
+        <p:txBody>
+          <a:bodyPr rtlCol="0" anchor="ctr"/>
+          <a:lstStyle/>
+          <a:p>
+            <a:pPr algn="ctr"/>
+            <a:endParaRPr lang="en-US"/>
+          </a:p>
+        </p:txBody>
+      </p:sp>
+      <p:sp>
+        <p:nvSpPr>
+          <p:cNvPr id="12" name="Rectangle 11">
+            <a:extLst>
+              <a:ext uri="{FF2B5EF4-FFF2-40B4-BE49-F238E27FC236}">
+                <a16:creationId xmlns="" xmlns:a16="http://schemas.microsoft.com/office/drawing/2014/main" id="{BC4C4868-CB8F-4AF9-9CDB-8108F2C19B67}"/>
+              </a:ext>
+              <a:ext uri="{C183D7F6-B498-43B3-948B-1728B52AA6E4}">
+                <adec:decorative xmlns="" xmlns:adec="http://schemas.microsoft.com/office/drawing/2017/decorative" val="1"/>
+              </a:ext>
+            </a:extLst>
+          </p:cNvPr>
+          <p:cNvSpPr>
+            <a:spLocks noGrp="1" noRot="1" noChangeAspect="1" noMove="1" noResize="1" noEditPoints="1" noAdjustHandles="1" noChangeArrowheads="1" noChangeShapeType="1" noTextEdit="1"/>
+          </p:cNvSpPr>
+          <p:nvPr>
+            <p:extLst>
+              <p:ext uri="{386F3935-93C4-4BCD-93E2-E3B085C9AB24}">
+                <p16:designElem xmlns="" xmlns:p16="http://schemas.microsoft.com/office/powerpoint/2015/main" val="1"/>
+              </p:ext>
+            </p:extLst>
+          </p:nvPr>
+        </p:nvSpPr>
+        <p:spPr>
+          <a:xfrm rot="10800000" flipH="1">
+            <a:off x="-3" y="0"/>
+            <a:ext cx="8115306" cy="1590742"/>
+          </a:xfrm>
+          <a:prstGeom prst="rect">
+            <a:avLst/>
+          </a:prstGeom>
+          <a:gradFill>
+            <a:gsLst>
+              <a:gs pos="20000">
+                <a:schemeClr val="accent1">
+                  <a:alpha val="0"/>
+                </a:schemeClr>
+              </a:gs>
+              <a:gs pos="100000">
+                <a:schemeClr val="accent1">
+                  <a:lumMod val="50000"/>
+                  <a:alpha val="55000"/>
+                </a:schemeClr>
+              </a:gs>
+            </a:gsLst>
+            <a:lin ang="13800000" scaled="0"/>
+          </a:gradFill>
+          <a:ln>
+            <a:noFill/>
+          </a:ln>
+        </p:spPr>
+        <p:style>
+          <a:lnRef idx="2">
+            <a:schemeClr val="accent1">
+              <a:shade val="50000"/>
+            </a:schemeClr>
+          </a:lnRef>
+          <a:fillRef idx="1">
+            <a:schemeClr val="accent1"/>
+          </a:fillRef>
+          <a:effectRef idx="0">
+            <a:schemeClr val="accent1"/>
+          </a:effectRef>
+          <a:fontRef idx="minor">
+            <a:schemeClr val="lt1"/>
+          </a:fontRef>
+        </p:style>
+        <p:txBody>
+          <a:bodyPr rtlCol="0" anchor="ctr"/>
+          <a:lstStyle/>
+          <a:p>
+            <a:pPr algn="ctr"/>
+            <a:endParaRPr lang="en-US"/>
+          </a:p>
+        </p:txBody>
+      </p:sp>
+      <p:sp>
+        <p:nvSpPr>
+          <p:cNvPr id="14" name="Rectangle 13">
+            <a:extLst>
+              <a:ext uri="{FF2B5EF4-FFF2-40B4-BE49-F238E27FC236}">
+                <a16:creationId xmlns="" xmlns:a16="http://schemas.microsoft.com/office/drawing/2014/main" id="{375E0459-6403-40CD-989D-56A4407CA12E}"/>
+              </a:ext>
+              <a:ext uri="{C183D7F6-B498-43B3-948B-1728B52AA6E4}">
+                <adec:decorative xmlns="" xmlns:adec="http://schemas.microsoft.com/office/drawing/2017/decorative" val="1"/>
+              </a:ext>
+            </a:extLst>
+          </p:cNvPr>
+          <p:cNvSpPr>
+            <a:spLocks noGrp="1" noRot="1" noChangeAspect="1" noMove="1" noResize="1" noEditPoints="1" noAdjustHandles="1" noChangeArrowheads="1" noChangeShapeType="1" noTextEdit="1"/>
+          </p:cNvSpPr>
+          <p:nvPr>
+            <p:extLst>
+              <p:ext uri="{386F3935-93C4-4BCD-93E2-E3B085C9AB24}">
+                <p16:designElem xmlns="" xmlns:p16="http://schemas.microsoft.com/office/powerpoint/2015/main" val="1"/>
+              </p:ext>
+            </p:extLst>
+          </p:nvPr>
+        </p:nvSpPr>
+        <p:spPr>
+          <a:xfrm flipH="1">
+            <a:off x="8115299" y="-1"/>
+            <a:ext cx="4076698" cy="1590742"/>
+          </a:xfrm>
+          <a:prstGeom prst="rect">
+            <a:avLst/>
+          </a:prstGeom>
+          <a:gradFill>
+            <a:gsLst>
+              <a:gs pos="0">
+                <a:schemeClr val="accent1">
+                  <a:alpha val="66000"/>
+                </a:schemeClr>
+              </a:gs>
+              <a:gs pos="100000">
+                <a:srgbClr val="000000">
+                  <a:alpha val="30000"/>
+                </a:srgbClr>
+              </a:gs>
+            </a:gsLst>
+            <a:lin ang="13200000" scaled="0"/>
+          </a:gradFill>
+          <a:ln>
+            <a:noFill/>
+          </a:ln>
+        </p:spPr>
+        <p:style>
+          <a:lnRef idx="2">
+            <a:schemeClr val="accent1">
+              <a:shade val="50000"/>
+            </a:schemeClr>
+          </a:lnRef>
+          <a:fillRef idx="1">
+            <a:schemeClr val="accent1"/>
+          </a:fillRef>
+          <a:effectRef idx="0">
+            <a:schemeClr val="accent1"/>
+          </a:effectRef>
+          <a:fontRef idx="minor">
+            <a:schemeClr val="lt1"/>
+          </a:fontRef>
+        </p:style>
+        <p:txBody>
+          <a:bodyPr rtlCol="0" anchor="ctr"/>
+          <a:lstStyle/>
+          <a:p>
+            <a:pPr algn="ctr"/>
+            <a:endParaRPr lang="en-US"/>
+          </a:p>
+        </p:txBody>
+      </p:sp>
+      <p:sp>
+        <p:nvSpPr>
+          <p:cNvPr id="16" name="Rectangle 15">
+            <a:extLst>
+              <a:ext uri="{FF2B5EF4-FFF2-40B4-BE49-F238E27FC236}">
+                <a16:creationId xmlns="" xmlns:a16="http://schemas.microsoft.com/office/drawing/2014/main" id="{53E5B1A8-3AC9-4BD1-9BBC-78CA94F2D1BA}"/>
+              </a:ext>
+              <a:ext uri="{C183D7F6-B498-43B3-948B-1728B52AA6E4}">
+                <adec:decorative xmlns="" xmlns:adec="http://schemas.microsoft.com/office/drawing/2017/decorative" val="1"/>
+              </a:ext>
+            </a:extLst>
+          </p:cNvPr>
+          <p:cNvSpPr>
+            <a:spLocks noGrp="1" noRot="1" noChangeAspect="1" noMove="1" noResize="1" noEditPoints="1" noAdjustHandles="1" noChangeArrowheads="1" noChangeShapeType="1" noTextEdit="1"/>
+          </p:cNvSpPr>
+          <p:nvPr>
+            <p:extLst>
+              <p:ext uri="{386F3935-93C4-4BCD-93E2-E3B085C9AB24}">
+                <p16:designElem xmlns="" xmlns:p16="http://schemas.microsoft.com/office/powerpoint/2015/main" val="1"/>
+              </p:ext>
+            </p:extLst>
+          </p:nvPr>
+        </p:nvSpPr>
+        <p:spPr>
+          <a:xfrm>
+            <a:off x="459350" y="-1"/>
+            <a:ext cx="11732646" cy="1597433"/>
+          </a:xfrm>
+          <a:prstGeom prst="rect">
+            <a:avLst/>
+          </a:prstGeom>
+          <a:gradFill>
+            <a:gsLst>
+              <a:gs pos="50000">
+                <a:srgbClr val="000000">
+                  <a:alpha val="0"/>
+                </a:srgbClr>
+              </a:gs>
+              <a:gs pos="99000">
+                <a:schemeClr val="accent1">
+                  <a:lumMod val="50000"/>
+                  <a:alpha val="52000"/>
+                </a:schemeClr>
+              </a:gs>
+            </a:gsLst>
+            <a:lin ang="16800000" scaled="0"/>
+          </a:gradFill>
+          <a:ln>
+            <a:noFill/>
+          </a:ln>
+        </p:spPr>
+        <p:style>
+          <a:lnRef idx="2">
+            <a:schemeClr val="accent1">
+              <a:shade val="50000"/>
+            </a:schemeClr>
+          </a:lnRef>
+          <a:fillRef idx="1">
+            <a:schemeClr val="accent1"/>
+          </a:fillRef>
+          <a:effectRef idx="0">
+            <a:schemeClr val="accent1"/>
+          </a:effectRef>
+          <a:fontRef idx="minor">
+            <a:schemeClr val="lt1"/>
+          </a:fontRef>
+        </p:style>
+        <p:txBody>
+          <a:bodyPr rtlCol="0" anchor="ctr"/>
+          <a:lstStyle/>
+          <a:p>
+            <a:pPr algn="ctr"/>
+            <a:endParaRPr lang="en-US"/>
+          </a:p>
+        </p:txBody>
+      </p:sp>
+      <p:sp>
+        <p:nvSpPr>
+          <p:cNvPr id="2" name="제목 1">
+            <a:extLst>
+              <a:ext uri="{FF2B5EF4-FFF2-40B4-BE49-F238E27FC236}">
+                <a16:creationId xmlns="" xmlns:a16="http://schemas.microsoft.com/office/drawing/2014/main" id="{D7235457-A6C6-F577-0AE8-2492AED11FDF}"/>
+              </a:ext>
+            </a:extLst>
+          </p:cNvPr>
+          <p:cNvSpPr>
+            <a:spLocks noGrp="1"/>
+          </p:cNvSpPr>
+          <p:nvPr>
+            <p:ph type="title"/>
+          </p:nvPr>
+        </p:nvSpPr>
+        <p:spPr>
+          <a:xfrm>
+            <a:off x="1371599" y="294538"/>
+            <a:ext cx="9895951" cy="1033669"/>
+          </a:xfrm>
+        </p:spPr>
+        <p:txBody>
+          <a:bodyPr>
+            <a:normAutofit/>
+          </a:bodyPr>
+          <a:lstStyle/>
+          <a:p>
+            <a:r>
+              <a:rPr lang="ko-KR" altLang="en-US" sz="4000">
+                <a:solidFill>
+                  <a:srgbClr val="FFFFFF"/>
+                </a:solidFill>
+              </a:rPr>
+              <a:t>어려움</a:t>
+            </a:r>
+          </a:p>
+        </p:txBody>
+      </p:sp>
+      <p:sp>
+        <p:nvSpPr>
+          <p:cNvPr id="3" name="내용 개체 틀 2">
+            <a:extLst>
+              <a:ext uri="{FF2B5EF4-FFF2-40B4-BE49-F238E27FC236}">
+                <a16:creationId xmlns="" xmlns:a16="http://schemas.microsoft.com/office/drawing/2014/main" id="{A20C815D-EDE1-56C7-1746-3EB7001DB7A4}"/>
+              </a:ext>
+            </a:extLst>
+          </p:cNvPr>
+          <p:cNvSpPr>
+            <a:spLocks noGrp="1"/>
+          </p:cNvSpPr>
+          <p:nvPr>
+            <p:ph idx="1"/>
+          </p:nvPr>
+        </p:nvSpPr>
+        <p:spPr>
+          <a:xfrm>
+            <a:off x="459351" y="2318197"/>
+            <a:ext cx="11174930" cy="3683358"/>
+          </a:xfrm>
+        </p:spPr>
+        <p:txBody>
+          <a:bodyPr anchor="ctr">
+            <a:normAutofit/>
+          </a:bodyPr>
+          <a:lstStyle/>
+          <a:p>
+            <a:endParaRPr lang="en-US" altLang="ko-KR" sz="2000" dirty="0"/>
+          </a:p>
+          <a:p>
+            <a:r>
+              <a:rPr lang="en-US" altLang="ko-KR" sz="2000" dirty="0"/>
+              <a:t>DB</a:t>
+            </a:r>
+            <a:r>
+              <a:rPr lang="ko-KR" altLang="en-US" sz="2000" dirty="0"/>
+              <a:t>연결</a:t>
+            </a:r>
+            <a:r>
+              <a:rPr lang="en-US" altLang="ko-KR" sz="2000" dirty="0"/>
+              <a:t>: </a:t>
+            </a:r>
+            <a:r>
+              <a:rPr lang="ko-KR" altLang="en-US" sz="2000" dirty="0"/>
+              <a:t>안드로이드 스튜디오와 데이터베이스 </a:t>
+            </a:r>
+            <a:r>
+              <a:rPr lang="ko-KR" altLang="en-US" sz="2000" dirty="0" smtClean="0"/>
+              <a:t>연결</a:t>
+            </a:r>
+            <a:endParaRPr lang="en-US" altLang="ko-KR" sz="2000" dirty="0" smtClean="0"/>
+          </a:p>
+          <a:p>
+            <a:endParaRPr lang="en-US" altLang="ko-KR" sz="2000" dirty="0"/>
+          </a:p>
+          <a:p>
+            <a:r>
+              <a:rPr lang="ko-KR" altLang="en-US" sz="2000" dirty="0" smtClean="0"/>
+              <a:t>여러 명이 개발하는 프로젝트는 처음이다 보니 구성원들 간 시간을 맞춘다거나</a:t>
+            </a:r>
+            <a:endParaRPr lang="en-US" altLang="ko-KR" sz="2000" dirty="0" smtClean="0"/>
+          </a:p>
+          <a:p>
+            <a:pPr marL="0" indent="0">
+              <a:buNone/>
+            </a:pPr>
+            <a:r>
+              <a:rPr lang="en-US" altLang="ko-KR" sz="2000" dirty="0" smtClean="0"/>
+              <a:t>   </a:t>
+            </a:r>
+            <a:r>
+              <a:rPr lang="ko-KR" altLang="en-US" sz="2000" dirty="0" smtClean="0"/>
+              <a:t>각자가 추구하는 프로그램의 방식이 달라 의견을 조율하거나</a:t>
+            </a:r>
+            <a:endParaRPr lang="en-US" altLang="ko-KR" sz="2000" dirty="0" smtClean="0"/>
+          </a:p>
+          <a:p>
+            <a:pPr marL="0" indent="0">
+              <a:buNone/>
+            </a:pPr>
+            <a:r>
+              <a:rPr lang="en-US" altLang="ko-KR" sz="2000" dirty="0" smtClean="0"/>
+              <a:t>   </a:t>
+            </a:r>
+            <a:r>
+              <a:rPr lang="ko-KR" altLang="en-US" sz="2000" dirty="0" smtClean="0"/>
+              <a:t>개발한 코드들을 합치는 데에 있어 쉽지 않았음</a:t>
+            </a:r>
+            <a:endParaRPr lang="en-US" altLang="ko-KR" sz="2000" dirty="0"/>
+          </a:p>
+          <a:p>
+            <a:pPr marL="0" indent="0">
+              <a:buNone/>
+            </a:pPr>
+            <a:endParaRPr lang="ko-KR" altLang="en-US" sz="2000" dirty="0"/>
+          </a:p>
+        </p:txBody>
+      </p:sp>
+    </p:spTree>
+    <p:extLst>
+      <p:ext uri="{BB962C8B-B14F-4D97-AF65-F5344CB8AC3E}">
+        <p14:creationId xmlns:p14="http://schemas.microsoft.com/office/powerpoint/2010/main" val="26341656"/>
       </p:ext>
     </p:extLst>
   </p:cSld>

--- a/doc/TBFG 모바일 프로젝트.pptx
+++ b/doc/TBFG 모바일 프로젝트.pptx
@@ -3057,7 +3057,7 @@
           <a:p>
             <a:fld id="{004A430E-4F11-4499-B734-F5B8B434B6D9}" type="datetimeFigureOut">
               <a:rPr lang="ko-KR" altLang="en-US" smtClean="0"/>
-              <a:t>2024-06-01</a:t>
+              <a:t>2024-06-02</a:t>
             </a:fld>
             <a:endParaRPr lang="ko-KR" altLang="en-US"/>
           </a:p>
@@ -3514,7 +3514,7 @@
           <p:cNvPr id="2" name="제목 1">
             <a:extLst>
               <a:ext uri="{FF2B5EF4-FFF2-40B4-BE49-F238E27FC236}">
-                <a16:creationId xmlns="" xmlns:a16="http://schemas.microsoft.com/office/drawing/2014/main" id="{124A51D6-DBA9-BE8F-8D24-A679BEC07BB6}"/>
+                <a16:creationId xmlns:a16="http://schemas.microsoft.com/office/drawing/2014/main" xmlns="" id="{124A51D6-DBA9-BE8F-8D24-A679BEC07BB6}"/>
               </a:ext>
             </a:extLst>
           </p:cNvPr>
@@ -3551,7 +3551,7 @@
           <p:cNvPr id="3" name="부제목 2">
             <a:extLst>
               <a:ext uri="{FF2B5EF4-FFF2-40B4-BE49-F238E27FC236}">
-                <a16:creationId xmlns="" xmlns:a16="http://schemas.microsoft.com/office/drawing/2014/main" id="{0A8C71ED-F94B-F28E-6883-F23620BCACF9}"/>
+                <a16:creationId xmlns:a16="http://schemas.microsoft.com/office/drawing/2014/main" xmlns="" id="{0A8C71ED-F94B-F28E-6883-F23620BCACF9}"/>
               </a:ext>
             </a:extLst>
           </p:cNvPr>
@@ -3621,7 +3621,7 @@
           <p:cNvPr id="4" name="날짜 개체 틀 3">
             <a:extLst>
               <a:ext uri="{FF2B5EF4-FFF2-40B4-BE49-F238E27FC236}">
-                <a16:creationId xmlns="" xmlns:a16="http://schemas.microsoft.com/office/drawing/2014/main" id="{C99F6AC2-87FC-DBFE-B006-E814B68EF01E}"/>
+                <a16:creationId xmlns:a16="http://schemas.microsoft.com/office/drawing/2014/main" xmlns="" id="{C99F6AC2-87FC-DBFE-B006-E814B68EF01E}"/>
               </a:ext>
             </a:extLst>
           </p:cNvPr>
@@ -3639,7 +3639,7 @@
           <a:p>
             <a:fld id="{FEB435AB-BD11-44F8-9C28-386A4E2DFD7A}" type="datetimeFigureOut">
               <a:rPr lang="ko-KR" altLang="en-US" smtClean="0"/>
-              <a:t>2024-06-01</a:t>
+              <a:t>2024-06-02</a:t>
             </a:fld>
             <a:endParaRPr lang="ko-KR" altLang="en-US"/>
           </a:p>
@@ -3650,7 +3650,7 @@
           <p:cNvPr id="5" name="바닥글 개체 틀 4">
             <a:extLst>
               <a:ext uri="{FF2B5EF4-FFF2-40B4-BE49-F238E27FC236}">
-                <a16:creationId xmlns="" xmlns:a16="http://schemas.microsoft.com/office/drawing/2014/main" id="{873A8C28-E376-42DF-E684-08172FF76185}"/>
+                <a16:creationId xmlns:a16="http://schemas.microsoft.com/office/drawing/2014/main" xmlns="" id="{873A8C28-E376-42DF-E684-08172FF76185}"/>
               </a:ext>
             </a:extLst>
           </p:cNvPr>
@@ -3675,7 +3675,7 @@
           <p:cNvPr id="6" name="슬라이드 번호 개체 틀 5">
             <a:extLst>
               <a:ext uri="{FF2B5EF4-FFF2-40B4-BE49-F238E27FC236}">
-                <a16:creationId xmlns="" xmlns:a16="http://schemas.microsoft.com/office/drawing/2014/main" id="{C39D65F8-A723-6DA7-C817-1C933D25BDF1}"/>
+                <a16:creationId xmlns:a16="http://schemas.microsoft.com/office/drawing/2014/main" xmlns="" id="{C39D65F8-A723-6DA7-C817-1C933D25BDF1}"/>
               </a:ext>
             </a:extLst>
           </p:cNvPr>
@@ -3734,7 +3734,7 @@
           <p:cNvPr id="2" name="제목 1">
             <a:extLst>
               <a:ext uri="{FF2B5EF4-FFF2-40B4-BE49-F238E27FC236}">
-                <a16:creationId xmlns="" xmlns:a16="http://schemas.microsoft.com/office/drawing/2014/main" id="{7B3D8512-A985-E2F9-052F-0D5D5D792A32}"/>
+                <a16:creationId xmlns:a16="http://schemas.microsoft.com/office/drawing/2014/main" xmlns="" id="{7B3D8512-A985-E2F9-052F-0D5D5D792A32}"/>
               </a:ext>
             </a:extLst>
           </p:cNvPr>
@@ -3762,7 +3762,7 @@
           <p:cNvPr id="3" name="세로 텍스트 개체 틀 2">
             <a:extLst>
               <a:ext uri="{FF2B5EF4-FFF2-40B4-BE49-F238E27FC236}">
-                <a16:creationId xmlns="" xmlns:a16="http://schemas.microsoft.com/office/drawing/2014/main" id="{564E68EA-3BC6-5CE9-2666-69DD649BBF83}"/>
+                <a16:creationId xmlns:a16="http://schemas.microsoft.com/office/drawing/2014/main" xmlns="" id="{564E68EA-3BC6-5CE9-2666-69DD649BBF83}"/>
               </a:ext>
             </a:extLst>
           </p:cNvPr>
@@ -3819,7 +3819,7 @@
           <p:cNvPr id="4" name="날짜 개체 틀 3">
             <a:extLst>
               <a:ext uri="{FF2B5EF4-FFF2-40B4-BE49-F238E27FC236}">
-                <a16:creationId xmlns="" xmlns:a16="http://schemas.microsoft.com/office/drawing/2014/main" id="{150E0970-5134-657E-EDC9-D97DBBF9CD65}"/>
+                <a16:creationId xmlns:a16="http://schemas.microsoft.com/office/drawing/2014/main" xmlns="" id="{150E0970-5134-657E-EDC9-D97DBBF9CD65}"/>
               </a:ext>
             </a:extLst>
           </p:cNvPr>
@@ -3837,7 +3837,7 @@
           <a:p>
             <a:fld id="{FEB435AB-BD11-44F8-9C28-386A4E2DFD7A}" type="datetimeFigureOut">
               <a:rPr lang="ko-KR" altLang="en-US" smtClean="0"/>
-              <a:t>2024-06-01</a:t>
+              <a:t>2024-06-02</a:t>
             </a:fld>
             <a:endParaRPr lang="ko-KR" altLang="en-US"/>
           </a:p>
@@ -3848,7 +3848,7 @@
           <p:cNvPr id="5" name="바닥글 개체 틀 4">
             <a:extLst>
               <a:ext uri="{FF2B5EF4-FFF2-40B4-BE49-F238E27FC236}">
-                <a16:creationId xmlns="" xmlns:a16="http://schemas.microsoft.com/office/drawing/2014/main" id="{A6746D8E-43B9-5841-81E1-0B05635B6E77}"/>
+                <a16:creationId xmlns:a16="http://schemas.microsoft.com/office/drawing/2014/main" xmlns="" id="{A6746D8E-43B9-5841-81E1-0B05635B6E77}"/>
               </a:ext>
             </a:extLst>
           </p:cNvPr>
@@ -3873,7 +3873,7 @@
           <p:cNvPr id="6" name="슬라이드 번호 개체 틀 5">
             <a:extLst>
               <a:ext uri="{FF2B5EF4-FFF2-40B4-BE49-F238E27FC236}">
-                <a16:creationId xmlns="" xmlns:a16="http://schemas.microsoft.com/office/drawing/2014/main" id="{FB62CF8F-0F7F-D77C-A82B-58685D6B456F}"/>
+                <a16:creationId xmlns:a16="http://schemas.microsoft.com/office/drawing/2014/main" xmlns="" id="{FB62CF8F-0F7F-D77C-A82B-58685D6B456F}"/>
               </a:ext>
             </a:extLst>
           </p:cNvPr>
@@ -3932,7 +3932,7 @@
           <p:cNvPr id="2" name="세로 제목 1">
             <a:extLst>
               <a:ext uri="{FF2B5EF4-FFF2-40B4-BE49-F238E27FC236}">
-                <a16:creationId xmlns="" xmlns:a16="http://schemas.microsoft.com/office/drawing/2014/main" id="{E0F71C47-1703-8BDA-2C79-993C0BC0BD30}"/>
+                <a16:creationId xmlns:a16="http://schemas.microsoft.com/office/drawing/2014/main" xmlns="" id="{E0F71C47-1703-8BDA-2C79-993C0BC0BD30}"/>
               </a:ext>
             </a:extLst>
           </p:cNvPr>
@@ -3965,7 +3965,7 @@
           <p:cNvPr id="3" name="세로 텍스트 개체 틀 2">
             <a:extLst>
               <a:ext uri="{FF2B5EF4-FFF2-40B4-BE49-F238E27FC236}">
-                <a16:creationId xmlns="" xmlns:a16="http://schemas.microsoft.com/office/drawing/2014/main" id="{E24A9338-BFE0-6B78-B576-6A4CA6A59AD5}"/>
+                <a16:creationId xmlns:a16="http://schemas.microsoft.com/office/drawing/2014/main" xmlns="" id="{E24A9338-BFE0-6B78-B576-6A4CA6A59AD5}"/>
               </a:ext>
             </a:extLst>
           </p:cNvPr>
@@ -4027,7 +4027,7 @@
           <p:cNvPr id="4" name="날짜 개체 틀 3">
             <a:extLst>
               <a:ext uri="{FF2B5EF4-FFF2-40B4-BE49-F238E27FC236}">
-                <a16:creationId xmlns="" xmlns:a16="http://schemas.microsoft.com/office/drawing/2014/main" id="{E1F2D0EA-F145-7299-BF79-B3A1EFF2C9E5}"/>
+                <a16:creationId xmlns:a16="http://schemas.microsoft.com/office/drawing/2014/main" xmlns="" id="{E1F2D0EA-F145-7299-BF79-B3A1EFF2C9E5}"/>
               </a:ext>
             </a:extLst>
           </p:cNvPr>
@@ -4045,7 +4045,7 @@
           <a:p>
             <a:fld id="{FEB435AB-BD11-44F8-9C28-386A4E2DFD7A}" type="datetimeFigureOut">
               <a:rPr lang="ko-KR" altLang="en-US" smtClean="0"/>
-              <a:t>2024-06-01</a:t>
+              <a:t>2024-06-02</a:t>
             </a:fld>
             <a:endParaRPr lang="ko-KR" altLang="en-US"/>
           </a:p>
@@ -4056,7 +4056,7 @@
           <p:cNvPr id="5" name="바닥글 개체 틀 4">
             <a:extLst>
               <a:ext uri="{FF2B5EF4-FFF2-40B4-BE49-F238E27FC236}">
-                <a16:creationId xmlns="" xmlns:a16="http://schemas.microsoft.com/office/drawing/2014/main" id="{34995B71-7374-84D7-73B8-7FD7384244B7}"/>
+                <a16:creationId xmlns:a16="http://schemas.microsoft.com/office/drawing/2014/main" xmlns="" id="{34995B71-7374-84D7-73B8-7FD7384244B7}"/>
               </a:ext>
             </a:extLst>
           </p:cNvPr>
@@ -4081,7 +4081,7 @@
           <p:cNvPr id="6" name="슬라이드 번호 개체 틀 5">
             <a:extLst>
               <a:ext uri="{FF2B5EF4-FFF2-40B4-BE49-F238E27FC236}">
-                <a16:creationId xmlns="" xmlns:a16="http://schemas.microsoft.com/office/drawing/2014/main" id="{D8CA3FE0-470B-B334-D1AA-3C204479962E}"/>
+                <a16:creationId xmlns:a16="http://schemas.microsoft.com/office/drawing/2014/main" xmlns="" id="{D8CA3FE0-470B-B334-D1AA-3C204479962E}"/>
               </a:ext>
             </a:extLst>
           </p:cNvPr>
@@ -4140,7 +4140,7 @@
           <p:cNvPr id="2" name="제목 1">
             <a:extLst>
               <a:ext uri="{FF2B5EF4-FFF2-40B4-BE49-F238E27FC236}">
-                <a16:creationId xmlns="" xmlns:a16="http://schemas.microsoft.com/office/drawing/2014/main" id="{6DC57BCD-81C2-E91A-CC30-83FF49CBC9B2}"/>
+                <a16:creationId xmlns:a16="http://schemas.microsoft.com/office/drawing/2014/main" xmlns="" id="{6DC57BCD-81C2-E91A-CC30-83FF49CBC9B2}"/>
               </a:ext>
             </a:extLst>
           </p:cNvPr>
@@ -4168,7 +4168,7 @@
           <p:cNvPr id="3" name="내용 개체 틀 2">
             <a:extLst>
               <a:ext uri="{FF2B5EF4-FFF2-40B4-BE49-F238E27FC236}">
-                <a16:creationId xmlns="" xmlns:a16="http://schemas.microsoft.com/office/drawing/2014/main" id="{C915A9E6-DAE5-0140-7F3A-F201A49AF12C}"/>
+                <a16:creationId xmlns:a16="http://schemas.microsoft.com/office/drawing/2014/main" xmlns="" id="{C915A9E6-DAE5-0140-7F3A-F201A49AF12C}"/>
               </a:ext>
             </a:extLst>
           </p:cNvPr>
@@ -4225,7 +4225,7 @@
           <p:cNvPr id="4" name="날짜 개체 틀 3">
             <a:extLst>
               <a:ext uri="{FF2B5EF4-FFF2-40B4-BE49-F238E27FC236}">
-                <a16:creationId xmlns="" xmlns:a16="http://schemas.microsoft.com/office/drawing/2014/main" id="{380D67BD-1DE5-DE59-239C-EF1CED07112B}"/>
+                <a16:creationId xmlns:a16="http://schemas.microsoft.com/office/drawing/2014/main" xmlns="" id="{380D67BD-1DE5-DE59-239C-EF1CED07112B}"/>
               </a:ext>
             </a:extLst>
           </p:cNvPr>
@@ -4243,7 +4243,7 @@
           <a:p>
             <a:fld id="{FEB435AB-BD11-44F8-9C28-386A4E2DFD7A}" type="datetimeFigureOut">
               <a:rPr lang="ko-KR" altLang="en-US" smtClean="0"/>
-              <a:t>2024-06-01</a:t>
+              <a:t>2024-06-02</a:t>
             </a:fld>
             <a:endParaRPr lang="ko-KR" altLang="en-US"/>
           </a:p>
@@ -4254,7 +4254,7 @@
           <p:cNvPr id="5" name="바닥글 개체 틀 4">
             <a:extLst>
               <a:ext uri="{FF2B5EF4-FFF2-40B4-BE49-F238E27FC236}">
-                <a16:creationId xmlns="" xmlns:a16="http://schemas.microsoft.com/office/drawing/2014/main" id="{5918BD9F-8B27-16EB-5230-DDC88AB9A62C}"/>
+                <a16:creationId xmlns:a16="http://schemas.microsoft.com/office/drawing/2014/main" xmlns="" id="{5918BD9F-8B27-16EB-5230-DDC88AB9A62C}"/>
               </a:ext>
             </a:extLst>
           </p:cNvPr>
@@ -4279,7 +4279,7 @@
           <p:cNvPr id="6" name="슬라이드 번호 개체 틀 5">
             <a:extLst>
               <a:ext uri="{FF2B5EF4-FFF2-40B4-BE49-F238E27FC236}">
-                <a16:creationId xmlns="" xmlns:a16="http://schemas.microsoft.com/office/drawing/2014/main" id="{B097C29F-9748-2B3B-86D2-84D741BA3F11}"/>
+                <a16:creationId xmlns:a16="http://schemas.microsoft.com/office/drawing/2014/main" xmlns="" id="{B097C29F-9748-2B3B-86D2-84D741BA3F11}"/>
               </a:ext>
             </a:extLst>
           </p:cNvPr>
@@ -4338,7 +4338,7 @@
           <p:cNvPr id="2" name="제목 1">
             <a:extLst>
               <a:ext uri="{FF2B5EF4-FFF2-40B4-BE49-F238E27FC236}">
-                <a16:creationId xmlns="" xmlns:a16="http://schemas.microsoft.com/office/drawing/2014/main" id="{E0C45445-1ED5-3302-66CC-D5747247074F}"/>
+                <a16:creationId xmlns:a16="http://schemas.microsoft.com/office/drawing/2014/main" xmlns="" id="{E0C45445-1ED5-3302-66CC-D5747247074F}"/>
               </a:ext>
             </a:extLst>
           </p:cNvPr>
@@ -4375,7 +4375,7 @@
           <p:cNvPr id="3" name="텍스트 개체 틀 2">
             <a:extLst>
               <a:ext uri="{FF2B5EF4-FFF2-40B4-BE49-F238E27FC236}">
-                <a16:creationId xmlns="" xmlns:a16="http://schemas.microsoft.com/office/drawing/2014/main" id="{8B58CF69-D24B-13BE-F2F5-D96AF16D6978}"/>
+                <a16:creationId xmlns:a16="http://schemas.microsoft.com/office/drawing/2014/main" xmlns="" id="{8B58CF69-D24B-13BE-F2F5-D96AF16D6978}"/>
               </a:ext>
             </a:extLst>
           </p:cNvPr>
@@ -4500,7 +4500,7 @@
           <p:cNvPr id="4" name="날짜 개체 틀 3">
             <a:extLst>
               <a:ext uri="{FF2B5EF4-FFF2-40B4-BE49-F238E27FC236}">
-                <a16:creationId xmlns="" xmlns:a16="http://schemas.microsoft.com/office/drawing/2014/main" id="{A7FEC433-B582-8EEE-1E5A-492FF5F93AAD}"/>
+                <a16:creationId xmlns:a16="http://schemas.microsoft.com/office/drawing/2014/main" xmlns="" id="{A7FEC433-B582-8EEE-1E5A-492FF5F93AAD}"/>
               </a:ext>
             </a:extLst>
           </p:cNvPr>
@@ -4518,7 +4518,7 @@
           <a:p>
             <a:fld id="{FEB435AB-BD11-44F8-9C28-386A4E2DFD7A}" type="datetimeFigureOut">
               <a:rPr lang="ko-KR" altLang="en-US" smtClean="0"/>
-              <a:t>2024-06-01</a:t>
+              <a:t>2024-06-02</a:t>
             </a:fld>
             <a:endParaRPr lang="ko-KR" altLang="en-US"/>
           </a:p>
@@ -4529,7 +4529,7 @@
           <p:cNvPr id="5" name="바닥글 개체 틀 4">
             <a:extLst>
               <a:ext uri="{FF2B5EF4-FFF2-40B4-BE49-F238E27FC236}">
-                <a16:creationId xmlns="" xmlns:a16="http://schemas.microsoft.com/office/drawing/2014/main" id="{CA153658-14E0-881D-DBC4-89611031A529}"/>
+                <a16:creationId xmlns:a16="http://schemas.microsoft.com/office/drawing/2014/main" xmlns="" id="{CA153658-14E0-881D-DBC4-89611031A529}"/>
               </a:ext>
             </a:extLst>
           </p:cNvPr>
@@ -4554,7 +4554,7 @@
           <p:cNvPr id="6" name="슬라이드 번호 개체 틀 5">
             <a:extLst>
               <a:ext uri="{FF2B5EF4-FFF2-40B4-BE49-F238E27FC236}">
-                <a16:creationId xmlns="" xmlns:a16="http://schemas.microsoft.com/office/drawing/2014/main" id="{3DEBDD6E-6997-ED93-AC9D-D8EA42E8D2DA}"/>
+                <a16:creationId xmlns:a16="http://schemas.microsoft.com/office/drawing/2014/main" xmlns="" id="{3DEBDD6E-6997-ED93-AC9D-D8EA42E8D2DA}"/>
               </a:ext>
             </a:extLst>
           </p:cNvPr>
@@ -4613,7 +4613,7 @@
           <p:cNvPr id="2" name="제목 1">
             <a:extLst>
               <a:ext uri="{FF2B5EF4-FFF2-40B4-BE49-F238E27FC236}">
-                <a16:creationId xmlns="" xmlns:a16="http://schemas.microsoft.com/office/drawing/2014/main" id="{1452B3B3-E647-5032-BC1A-E0118A585C42}"/>
+                <a16:creationId xmlns:a16="http://schemas.microsoft.com/office/drawing/2014/main" xmlns="" id="{1452B3B3-E647-5032-BC1A-E0118A585C42}"/>
               </a:ext>
             </a:extLst>
           </p:cNvPr>
@@ -4641,7 +4641,7 @@
           <p:cNvPr id="3" name="내용 개체 틀 2">
             <a:extLst>
               <a:ext uri="{FF2B5EF4-FFF2-40B4-BE49-F238E27FC236}">
-                <a16:creationId xmlns="" xmlns:a16="http://schemas.microsoft.com/office/drawing/2014/main" id="{81FA7C8C-A10A-A698-18B7-2E09F27823F6}"/>
+                <a16:creationId xmlns:a16="http://schemas.microsoft.com/office/drawing/2014/main" xmlns="" id="{81FA7C8C-A10A-A698-18B7-2E09F27823F6}"/>
               </a:ext>
             </a:extLst>
           </p:cNvPr>
@@ -4703,7 +4703,7 @@
           <p:cNvPr id="4" name="내용 개체 틀 3">
             <a:extLst>
               <a:ext uri="{FF2B5EF4-FFF2-40B4-BE49-F238E27FC236}">
-                <a16:creationId xmlns="" xmlns:a16="http://schemas.microsoft.com/office/drawing/2014/main" id="{15F17A48-4DE5-A939-1482-D709BBD802CC}"/>
+                <a16:creationId xmlns:a16="http://schemas.microsoft.com/office/drawing/2014/main" xmlns="" id="{15F17A48-4DE5-A939-1482-D709BBD802CC}"/>
               </a:ext>
             </a:extLst>
           </p:cNvPr>
@@ -4765,7 +4765,7 @@
           <p:cNvPr id="5" name="날짜 개체 틀 4">
             <a:extLst>
               <a:ext uri="{FF2B5EF4-FFF2-40B4-BE49-F238E27FC236}">
-                <a16:creationId xmlns="" xmlns:a16="http://schemas.microsoft.com/office/drawing/2014/main" id="{C8BA6D82-52E1-5485-F3FC-F3B27E59C7CF}"/>
+                <a16:creationId xmlns:a16="http://schemas.microsoft.com/office/drawing/2014/main" xmlns="" id="{C8BA6D82-52E1-5485-F3FC-F3B27E59C7CF}"/>
               </a:ext>
             </a:extLst>
           </p:cNvPr>
@@ -4783,7 +4783,7 @@
           <a:p>
             <a:fld id="{FEB435AB-BD11-44F8-9C28-386A4E2DFD7A}" type="datetimeFigureOut">
               <a:rPr lang="ko-KR" altLang="en-US" smtClean="0"/>
-              <a:t>2024-06-01</a:t>
+              <a:t>2024-06-02</a:t>
             </a:fld>
             <a:endParaRPr lang="ko-KR" altLang="en-US"/>
           </a:p>
@@ -4794,7 +4794,7 @@
           <p:cNvPr id="6" name="바닥글 개체 틀 5">
             <a:extLst>
               <a:ext uri="{FF2B5EF4-FFF2-40B4-BE49-F238E27FC236}">
-                <a16:creationId xmlns="" xmlns:a16="http://schemas.microsoft.com/office/drawing/2014/main" id="{FADC1DB4-24A6-E57F-404B-0551C7A49F70}"/>
+                <a16:creationId xmlns:a16="http://schemas.microsoft.com/office/drawing/2014/main" xmlns="" id="{FADC1DB4-24A6-E57F-404B-0551C7A49F70}"/>
               </a:ext>
             </a:extLst>
           </p:cNvPr>
@@ -4819,7 +4819,7 @@
           <p:cNvPr id="7" name="슬라이드 번호 개체 틀 6">
             <a:extLst>
               <a:ext uri="{FF2B5EF4-FFF2-40B4-BE49-F238E27FC236}">
-                <a16:creationId xmlns="" xmlns:a16="http://schemas.microsoft.com/office/drawing/2014/main" id="{34EFFD92-6502-59D5-2B17-C155FC982522}"/>
+                <a16:creationId xmlns:a16="http://schemas.microsoft.com/office/drawing/2014/main" xmlns="" id="{34EFFD92-6502-59D5-2B17-C155FC982522}"/>
               </a:ext>
             </a:extLst>
           </p:cNvPr>
@@ -4878,7 +4878,7 @@
           <p:cNvPr id="2" name="제목 1">
             <a:extLst>
               <a:ext uri="{FF2B5EF4-FFF2-40B4-BE49-F238E27FC236}">
-                <a16:creationId xmlns="" xmlns:a16="http://schemas.microsoft.com/office/drawing/2014/main" id="{34C63465-4B5C-9137-E375-F224EE52F3B3}"/>
+                <a16:creationId xmlns:a16="http://schemas.microsoft.com/office/drawing/2014/main" xmlns="" id="{34C63465-4B5C-9137-E375-F224EE52F3B3}"/>
               </a:ext>
             </a:extLst>
           </p:cNvPr>
@@ -4911,7 +4911,7 @@
           <p:cNvPr id="3" name="텍스트 개체 틀 2">
             <a:extLst>
               <a:ext uri="{FF2B5EF4-FFF2-40B4-BE49-F238E27FC236}">
-                <a16:creationId xmlns="" xmlns:a16="http://schemas.microsoft.com/office/drawing/2014/main" id="{754A5CCF-FAFB-6D42-9AF8-040ACB3D9BA0}"/>
+                <a16:creationId xmlns:a16="http://schemas.microsoft.com/office/drawing/2014/main" xmlns="" id="{754A5CCF-FAFB-6D42-9AF8-040ACB3D9BA0}"/>
               </a:ext>
             </a:extLst>
           </p:cNvPr>
@@ -4982,7 +4982,7 @@
           <p:cNvPr id="4" name="내용 개체 틀 3">
             <a:extLst>
               <a:ext uri="{FF2B5EF4-FFF2-40B4-BE49-F238E27FC236}">
-                <a16:creationId xmlns="" xmlns:a16="http://schemas.microsoft.com/office/drawing/2014/main" id="{7CE5EF13-47EC-1488-2F05-6CDDA46A909F}"/>
+                <a16:creationId xmlns:a16="http://schemas.microsoft.com/office/drawing/2014/main" xmlns="" id="{7CE5EF13-47EC-1488-2F05-6CDDA46A909F}"/>
               </a:ext>
             </a:extLst>
           </p:cNvPr>
@@ -5044,7 +5044,7 @@
           <p:cNvPr id="5" name="텍스트 개체 틀 4">
             <a:extLst>
               <a:ext uri="{FF2B5EF4-FFF2-40B4-BE49-F238E27FC236}">
-                <a16:creationId xmlns="" xmlns:a16="http://schemas.microsoft.com/office/drawing/2014/main" id="{5506209C-75FB-900D-BF97-AD887BA0C51C}"/>
+                <a16:creationId xmlns:a16="http://schemas.microsoft.com/office/drawing/2014/main" xmlns="" id="{5506209C-75FB-900D-BF97-AD887BA0C51C}"/>
               </a:ext>
             </a:extLst>
           </p:cNvPr>
@@ -5115,7 +5115,7 @@
           <p:cNvPr id="6" name="내용 개체 틀 5">
             <a:extLst>
               <a:ext uri="{FF2B5EF4-FFF2-40B4-BE49-F238E27FC236}">
-                <a16:creationId xmlns="" xmlns:a16="http://schemas.microsoft.com/office/drawing/2014/main" id="{9D245B16-B29B-86BA-EC3A-7CB3B9DE4E01}"/>
+                <a16:creationId xmlns:a16="http://schemas.microsoft.com/office/drawing/2014/main" xmlns="" id="{9D245B16-B29B-86BA-EC3A-7CB3B9DE4E01}"/>
               </a:ext>
             </a:extLst>
           </p:cNvPr>
@@ -5177,7 +5177,7 @@
           <p:cNvPr id="7" name="날짜 개체 틀 6">
             <a:extLst>
               <a:ext uri="{FF2B5EF4-FFF2-40B4-BE49-F238E27FC236}">
-                <a16:creationId xmlns="" xmlns:a16="http://schemas.microsoft.com/office/drawing/2014/main" id="{51E27BC9-8C6B-5DDC-BD48-8E3D1878931D}"/>
+                <a16:creationId xmlns:a16="http://schemas.microsoft.com/office/drawing/2014/main" xmlns="" id="{51E27BC9-8C6B-5DDC-BD48-8E3D1878931D}"/>
               </a:ext>
             </a:extLst>
           </p:cNvPr>
@@ -5195,7 +5195,7 @@
           <a:p>
             <a:fld id="{FEB435AB-BD11-44F8-9C28-386A4E2DFD7A}" type="datetimeFigureOut">
               <a:rPr lang="ko-KR" altLang="en-US" smtClean="0"/>
-              <a:t>2024-06-01</a:t>
+              <a:t>2024-06-02</a:t>
             </a:fld>
             <a:endParaRPr lang="ko-KR" altLang="en-US"/>
           </a:p>
@@ -5206,7 +5206,7 @@
           <p:cNvPr id="8" name="바닥글 개체 틀 7">
             <a:extLst>
               <a:ext uri="{FF2B5EF4-FFF2-40B4-BE49-F238E27FC236}">
-                <a16:creationId xmlns="" xmlns:a16="http://schemas.microsoft.com/office/drawing/2014/main" id="{A352355D-6777-8050-90D1-D3D2C009A7DC}"/>
+                <a16:creationId xmlns:a16="http://schemas.microsoft.com/office/drawing/2014/main" xmlns="" id="{A352355D-6777-8050-90D1-D3D2C009A7DC}"/>
               </a:ext>
             </a:extLst>
           </p:cNvPr>
@@ -5231,7 +5231,7 @@
           <p:cNvPr id="9" name="슬라이드 번호 개체 틀 8">
             <a:extLst>
               <a:ext uri="{FF2B5EF4-FFF2-40B4-BE49-F238E27FC236}">
-                <a16:creationId xmlns="" xmlns:a16="http://schemas.microsoft.com/office/drawing/2014/main" id="{3F5F1BC2-B1FE-43CB-606C-2341D362BAD5}"/>
+                <a16:creationId xmlns:a16="http://schemas.microsoft.com/office/drawing/2014/main" xmlns="" id="{3F5F1BC2-B1FE-43CB-606C-2341D362BAD5}"/>
               </a:ext>
             </a:extLst>
           </p:cNvPr>
@@ -5290,7 +5290,7 @@
           <p:cNvPr id="2" name="제목 1">
             <a:extLst>
               <a:ext uri="{FF2B5EF4-FFF2-40B4-BE49-F238E27FC236}">
-                <a16:creationId xmlns="" xmlns:a16="http://schemas.microsoft.com/office/drawing/2014/main" id="{AA206F37-4936-F473-5F06-4051D5804860}"/>
+                <a16:creationId xmlns:a16="http://schemas.microsoft.com/office/drawing/2014/main" xmlns="" id="{AA206F37-4936-F473-5F06-4051D5804860}"/>
               </a:ext>
             </a:extLst>
           </p:cNvPr>
@@ -5318,7 +5318,7 @@
           <p:cNvPr id="3" name="날짜 개체 틀 2">
             <a:extLst>
               <a:ext uri="{FF2B5EF4-FFF2-40B4-BE49-F238E27FC236}">
-                <a16:creationId xmlns="" xmlns:a16="http://schemas.microsoft.com/office/drawing/2014/main" id="{95C2BE1E-A2DC-AD18-668A-9160B8D8E4C1}"/>
+                <a16:creationId xmlns:a16="http://schemas.microsoft.com/office/drawing/2014/main" xmlns="" id="{95C2BE1E-A2DC-AD18-668A-9160B8D8E4C1}"/>
               </a:ext>
             </a:extLst>
           </p:cNvPr>
@@ -5336,7 +5336,7 @@
           <a:p>
             <a:fld id="{FEB435AB-BD11-44F8-9C28-386A4E2DFD7A}" type="datetimeFigureOut">
               <a:rPr lang="ko-KR" altLang="en-US" smtClean="0"/>
-              <a:t>2024-06-01</a:t>
+              <a:t>2024-06-02</a:t>
             </a:fld>
             <a:endParaRPr lang="ko-KR" altLang="en-US"/>
           </a:p>
@@ -5347,7 +5347,7 @@
           <p:cNvPr id="4" name="바닥글 개체 틀 3">
             <a:extLst>
               <a:ext uri="{FF2B5EF4-FFF2-40B4-BE49-F238E27FC236}">
-                <a16:creationId xmlns="" xmlns:a16="http://schemas.microsoft.com/office/drawing/2014/main" id="{7020642A-A89C-7FF7-2764-3491433AB111}"/>
+                <a16:creationId xmlns:a16="http://schemas.microsoft.com/office/drawing/2014/main" xmlns="" id="{7020642A-A89C-7FF7-2764-3491433AB111}"/>
               </a:ext>
             </a:extLst>
           </p:cNvPr>
@@ -5372,7 +5372,7 @@
           <p:cNvPr id="5" name="슬라이드 번호 개체 틀 4">
             <a:extLst>
               <a:ext uri="{FF2B5EF4-FFF2-40B4-BE49-F238E27FC236}">
-                <a16:creationId xmlns="" xmlns:a16="http://schemas.microsoft.com/office/drawing/2014/main" id="{1BD84956-4010-7DC3-470D-8DD2AA635929}"/>
+                <a16:creationId xmlns:a16="http://schemas.microsoft.com/office/drawing/2014/main" xmlns="" id="{1BD84956-4010-7DC3-470D-8DD2AA635929}"/>
               </a:ext>
             </a:extLst>
           </p:cNvPr>
@@ -5431,7 +5431,7 @@
           <p:cNvPr id="2" name="날짜 개체 틀 1">
             <a:extLst>
               <a:ext uri="{FF2B5EF4-FFF2-40B4-BE49-F238E27FC236}">
-                <a16:creationId xmlns="" xmlns:a16="http://schemas.microsoft.com/office/drawing/2014/main" id="{BCEB933B-1E16-EE04-80B3-45B5F19C3504}"/>
+                <a16:creationId xmlns:a16="http://schemas.microsoft.com/office/drawing/2014/main" xmlns="" id="{BCEB933B-1E16-EE04-80B3-45B5F19C3504}"/>
               </a:ext>
             </a:extLst>
           </p:cNvPr>
@@ -5449,7 +5449,7 @@
           <a:p>
             <a:fld id="{FEB435AB-BD11-44F8-9C28-386A4E2DFD7A}" type="datetimeFigureOut">
               <a:rPr lang="ko-KR" altLang="en-US" smtClean="0"/>
-              <a:t>2024-06-01</a:t>
+              <a:t>2024-06-02</a:t>
             </a:fld>
             <a:endParaRPr lang="ko-KR" altLang="en-US"/>
           </a:p>
@@ -5460,7 +5460,7 @@
           <p:cNvPr id="3" name="바닥글 개체 틀 2">
             <a:extLst>
               <a:ext uri="{FF2B5EF4-FFF2-40B4-BE49-F238E27FC236}">
-                <a16:creationId xmlns="" xmlns:a16="http://schemas.microsoft.com/office/drawing/2014/main" id="{BB23717C-B0B6-91D3-35EB-A0FCEBEB8931}"/>
+                <a16:creationId xmlns:a16="http://schemas.microsoft.com/office/drawing/2014/main" xmlns="" id="{BB23717C-B0B6-91D3-35EB-A0FCEBEB8931}"/>
               </a:ext>
             </a:extLst>
           </p:cNvPr>
@@ -5485,7 +5485,7 @@
           <p:cNvPr id="4" name="슬라이드 번호 개체 틀 3">
             <a:extLst>
               <a:ext uri="{FF2B5EF4-FFF2-40B4-BE49-F238E27FC236}">
-                <a16:creationId xmlns="" xmlns:a16="http://schemas.microsoft.com/office/drawing/2014/main" id="{96FBA90C-45BC-3AFD-3AB7-9B1F8EE053A4}"/>
+                <a16:creationId xmlns:a16="http://schemas.microsoft.com/office/drawing/2014/main" xmlns="" id="{96FBA90C-45BC-3AFD-3AB7-9B1F8EE053A4}"/>
               </a:ext>
             </a:extLst>
           </p:cNvPr>
@@ -5544,7 +5544,7 @@
           <p:cNvPr id="2" name="제목 1">
             <a:extLst>
               <a:ext uri="{FF2B5EF4-FFF2-40B4-BE49-F238E27FC236}">
-                <a16:creationId xmlns="" xmlns:a16="http://schemas.microsoft.com/office/drawing/2014/main" id="{B0976675-A2B5-CEC6-2547-3DE7B233C975}"/>
+                <a16:creationId xmlns:a16="http://schemas.microsoft.com/office/drawing/2014/main" xmlns="" id="{B0976675-A2B5-CEC6-2547-3DE7B233C975}"/>
               </a:ext>
             </a:extLst>
           </p:cNvPr>
@@ -5581,7 +5581,7 @@
           <p:cNvPr id="3" name="내용 개체 틀 2">
             <a:extLst>
               <a:ext uri="{FF2B5EF4-FFF2-40B4-BE49-F238E27FC236}">
-                <a16:creationId xmlns="" xmlns:a16="http://schemas.microsoft.com/office/drawing/2014/main" id="{C2F10736-36B3-D0A3-8621-E362A76E9493}"/>
+                <a16:creationId xmlns:a16="http://schemas.microsoft.com/office/drawing/2014/main" xmlns="" id="{C2F10736-36B3-D0A3-8621-E362A76E9493}"/>
               </a:ext>
             </a:extLst>
           </p:cNvPr>
@@ -5671,7 +5671,7 @@
           <p:cNvPr id="4" name="텍스트 개체 틀 3">
             <a:extLst>
               <a:ext uri="{FF2B5EF4-FFF2-40B4-BE49-F238E27FC236}">
-                <a16:creationId xmlns="" xmlns:a16="http://schemas.microsoft.com/office/drawing/2014/main" id="{2E1F606C-8BBA-01D5-BB57-CC1D63A04667}"/>
+                <a16:creationId xmlns:a16="http://schemas.microsoft.com/office/drawing/2014/main" xmlns="" id="{2E1F606C-8BBA-01D5-BB57-CC1D63A04667}"/>
               </a:ext>
             </a:extLst>
           </p:cNvPr>
@@ -5742,7 +5742,7 @@
           <p:cNvPr id="5" name="날짜 개체 틀 4">
             <a:extLst>
               <a:ext uri="{FF2B5EF4-FFF2-40B4-BE49-F238E27FC236}">
-                <a16:creationId xmlns="" xmlns:a16="http://schemas.microsoft.com/office/drawing/2014/main" id="{321A894A-8126-5FB6-CFD2-116295E9A497}"/>
+                <a16:creationId xmlns:a16="http://schemas.microsoft.com/office/drawing/2014/main" xmlns="" id="{321A894A-8126-5FB6-CFD2-116295E9A497}"/>
               </a:ext>
             </a:extLst>
           </p:cNvPr>
@@ -5760,7 +5760,7 @@
           <a:p>
             <a:fld id="{FEB435AB-BD11-44F8-9C28-386A4E2DFD7A}" type="datetimeFigureOut">
               <a:rPr lang="ko-KR" altLang="en-US" smtClean="0"/>
-              <a:t>2024-06-01</a:t>
+              <a:t>2024-06-02</a:t>
             </a:fld>
             <a:endParaRPr lang="ko-KR" altLang="en-US"/>
           </a:p>
@@ -5771,7 +5771,7 @@
           <p:cNvPr id="6" name="바닥글 개체 틀 5">
             <a:extLst>
               <a:ext uri="{FF2B5EF4-FFF2-40B4-BE49-F238E27FC236}">
-                <a16:creationId xmlns="" xmlns:a16="http://schemas.microsoft.com/office/drawing/2014/main" id="{80A94236-373C-67FF-B260-A971F68D9990}"/>
+                <a16:creationId xmlns:a16="http://schemas.microsoft.com/office/drawing/2014/main" xmlns="" id="{80A94236-373C-67FF-B260-A971F68D9990}"/>
               </a:ext>
             </a:extLst>
           </p:cNvPr>
@@ -5796,7 +5796,7 @@
           <p:cNvPr id="7" name="슬라이드 번호 개체 틀 6">
             <a:extLst>
               <a:ext uri="{FF2B5EF4-FFF2-40B4-BE49-F238E27FC236}">
-                <a16:creationId xmlns="" xmlns:a16="http://schemas.microsoft.com/office/drawing/2014/main" id="{28883EF8-20A2-47DE-870F-90669510E4FC}"/>
+                <a16:creationId xmlns:a16="http://schemas.microsoft.com/office/drawing/2014/main" xmlns="" id="{28883EF8-20A2-47DE-870F-90669510E4FC}"/>
               </a:ext>
             </a:extLst>
           </p:cNvPr>
@@ -5855,7 +5855,7 @@
           <p:cNvPr id="2" name="제목 1">
             <a:extLst>
               <a:ext uri="{FF2B5EF4-FFF2-40B4-BE49-F238E27FC236}">
-                <a16:creationId xmlns="" xmlns:a16="http://schemas.microsoft.com/office/drawing/2014/main" id="{AF8471FC-E8CB-A47F-22AC-1996AC3A0DE0}"/>
+                <a16:creationId xmlns:a16="http://schemas.microsoft.com/office/drawing/2014/main" xmlns="" id="{AF8471FC-E8CB-A47F-22AC-1996AC3A0DE0}"/>
               </a:ext>
             </a:extLst>
           </p:cNvPr>
@@ -5892,7 +5892,7 @@
           <p:cNvPr id="3" name="그림 개체 틀 2">
             <a:extLst>
               <a:ext uri="{FF2B5EF4-FFF2-40B4-BE49-F238E27FC236}">
-                <a16:creationId xmlns="" xmlns:a16="http://schemas.microsoft.com/office/drawing/2014/main" id="{1F11711D-7FDE-3A3D-3559-4450632B30A4}"/>
+                <a16:creationId xmlns:a16="http://schemas.microsoft.com/office/drawing/2014/main" xmlns="" id="{1F11711D-7FDE-3A3D-3559-4450632B30A4}"/>
               </a:ext>
             </a:extLst>
           </p:cNvPr>
@@ -5959,7 +5959,7 @@
           <p:cNvPr id="4" name="텍스트 개체 틀 3">
             <a:extLst>
               <a:ext uri="{FF2B5EF4-FFF2-40B4-BE49-F238E27FC236}">
-                <a16:creationId xmlns="" xmlns:a16="http://schemas.microsoft.com/office/drawing/2014/main" id="{8808C143-BC52-3350-2B22-DB298DBC44F2}"/>
+                <a16:creationId xmlns:a16="http://schemas.microsoft.com/office/drawing/2014/main" xmlns="" id="{8808C143-BC52-3350-2B22-DB298DBC44F2}"/>
               </a:ext>
             </a:extLst>
           </p:cNvPr>
@@ -6030,7 +6030,7 @@
           <p:cNvPr id="5" name="날짜 개체 틀 4">
             <a:extLst>
               <a:ext uri="{FF2B5EF4-FFF2-40B4-BE49-F238E27FC236}">
-                <a16:creationId xmlns="" xmlns:a16="http://schemas.microsoft.com/office/drawing/2014/main" id="{DA5D1225-6A66-DAB7-2050-1B2F47D48FAA}"/>
+                <a16:creationId xmlns:a16="http://schemas.microsoft.com/office/drawing/2014/main" xmlns="" id="{DA5D1225-6A66-DAB7-2050-1B2F47D48FAA}"/>
               </a:ext>
             </a:extLst>
           </p:cNvPr>
@@ -6048,7 +6048,7 @@
           <a:p>
             <a:fld id="{FEB435AB-BD11-44F8-9C28-386A4E2DFD7A}" type="datetimeFigureOut">
               <a:rPr lang="ko-KR" altLang="en-US" smtClean="0"/>
-              <a:t>2024-06-01</a:t>
+              <a:t>2024-06-02</a:t>
             </a:fld>
             <a:endParaRPr lang="ko-KR" altLang="en-US"/>
           </a:p>
@@ -6059,7 +6059,7 @@
           <p:cNvPr id="6" name="바닥글 개체 틀 5">
             <a:extLst>
               <a:ext uri="{FF2B5EF4-FFF2-40B4-BE49-F238E27FC236}">
-                <a16:creationId xmlns="" xmlns:a16="http://schemas.microsoft.com/office/drawing/2014/main" id="{6DF98D5F-F90C-88FB-2BE2-81FBB0FA6893}"/>
+                <a16:creationId xmlns:a16="http://schemas.microsoft.com/office/drawing/2014/main" xmlns="" id="{6DF98D5F-F90C-88FB-2BE2-81FBB0FA6893}"/>
               </a:ext>
             </a:extLst>
           </p:cNvPr>
@@ -6084,7 +6084,7 @@
           <p:cNvPr id="7" name="슬라이드 번호 개체 틀 6">
             <a:extLst>
               <a:ext uri="{FF2B5EF4-FFF2-40B4-BE49-F238E27FC236}">
-                <a16:creationId xmlns="" xmlns:a16="http://schemas.microsoft.com/office/drawing/2014/main" id="{8AC4579A-5429-4DC8-F62A-F83764EC136E}"/>
+                <a16:creationId xmlns:a16="http://schemas.microsoft.com/office/drawing/2014/main" xmlns="" id="{8AC4579A-5429-4DC8-F62A-F83764EC136E}"/>
               </a:ext>
             </a:extLst>
           </p:cNvPr>
@@ -6148,7 +6148,7 @@
           <p:cNvPr id="2" name="제목 개체 틀 1">
             <a:extLst>
               <a:ext uri="{FF2B5EF4-FFF2-40B4-BE49-F238E27FC236}">
-                <a16:creationId xmlns="" xmlns:a16="http://schemas.microsoft.com/office/drawing/2014/main" id="{90C184B7-0D1C-43EC-6963-79761C9051F1}"/>
+                <a16:creationId xmlns:a16="http://schemas.microsoft.com/office/drawing/2014/main" xmlns="" id="{90C184B7-0D1C-43EC-6963-79761C9051F1}"/>
               </a:ext>
             </a:extLst>
           </p:cNvPr>
@@ -6186,7 +6186,7 @@
           <p:cNvPr id="3" name="텍스트 개체 틀 2">
             <a:extLst>
               <a:ext uri="{FF2B5EF4-FFF2-40B4-BE49-F238E27FC236}">
-                <a16:creationId xmlns="" xmlns:a16="http://schemas.microsoft.com/office/drawing/2014/main" id="{42D039B6-42BF-3481-D5EE-A396FB4E6CDE}"/>
+                <a16:creationId xmlns:a16="http://schemas.microsoft.com/office/drawing/2014/main" xmlns="" id="{42D039B6-42BF-3481-D5EE-A396FB4E6CDE}"/>
               </a:ext>
             </a:extLst>
           </p:cNvPr>
@@ -6253,7 +6253,7 @@
           <p:cNvPr id="4" name="날짜 개체 틀 3">
             <a:extLst>
               <a:ext uri="{FF2B5EF4-FFF2-40B4-BE49-F238E27FC236}">
-                <a16:creationId xmlns="" xmlns:a16="http://schemas.microsoft.com/office/drawing/2014/main" id="{3931C644-BB14-BE8B-05C2-5E0D08E84807}"/>
+                <a16:creationId xmlns:a16="http://schemas.microsoft.com/office/drawing/2014/main" xmlns="" id="{3931C644-BB14-BE8B-05C2-5E0D08E84807}"/>
               </a:ext>
             </a:extLst>
           </p:cNvPr>
@@ -6289,7 +6289,7 @@
           <a:p>
             <a:fld id="{FEB435AB-BD11-44F8-9C28-386A4E2DFD7A}" type="datetimeFigureOut">
               <a:rPr lang="ko-KR" altLang="en-US" smtClean="0"/>
-              <a:t>2024-06-01</a:t>
+              <a:t>2024-06-02</a:t>
             </a:fld>
             <a:endParaRPr lang="ko-KR" altLang="en-US"/>
           </a:p>
@@ -6300,7 +6300,7 @@
           <p:cNvPr id="5" name="바닥글 개체 틀 4">
             <a:extLst>
               <a:ext uri="{FF2B5EF4-FFF2-40B4-BE49-F238E27FC236}">
-                <a16:creationId xmlns="" xmlns:a16="http://schemas.microsoft.com/office/drawing/2014/main" id="{7E5314E0-B91D-5368-495A-E838F9054104}"/>
+                <a16:creationId xmlns:a16="http://schemas.microsoft.com/office/drawing/2014/main" xmlns="" id="{7E5314E0-B91D-5368-495A-E838F9054104}"/>
               </a:ext>
             </a:extLst>
           </p:cNvPr>
@@ -6343,7 +6343,7 @@
           <p:cNvPr id="6" name="슬라이드 번호 개체 틀 5">
             <a:extLst>
               <a:ext uri="{FF2B5EF4-FFF2-40B4-BE49-F238E27FC236}">
-                <a16:creationId xmlns="" xmlns:a16="http://schemas.microsoft.com/office/drawing/2014/main" id="{DAFA9AA8-049A-1D09-FB04-1E424451167C}"/>
+                <a16:creationId xmlns:a16="http://schemas.microsoft.com/office/drawing/2014/main" xmlns="" id="{DAFA9AA8-049A-1D09-FB04-1E424451167C}"/>
               </a:ext>
             </a:extLst>
           </p:cNvPr>
@@ -6719,10 +6719,10 @@
           <p:cNvPr id="8" name="Rectangle 7">
             <a:extLst>
               <a:ext uri="{FF2B5EF4-FFF2-40B4-BE49-F238E27FC236}">
-                <a16:creationId xmlns="" xmlns:a16="http://schemas.microsoft.com/office/drawing/2014/main" id="{6F5A5072-7B47-4D32-B52A-4EBBF590B8A5}"/>
+                <a16:creationId xmlns:a16="http://schemas.microsoft.com/office/drawing/2014/main" xmlns="" id="{6F5A5072-7B47-4D32-B52A-4EBBF590B8A5}"/>
               </a:ext>
               <a:ext uri="{C183D7F6-B498-43B3-948B-1728B52AA6E4}">
-                <adec:decorative xmlns="" xmlns:adec="http://schemas.microsoft.com/office/drawing/2017/decorative" val="1"/>
+                <adec:decorative xmlns:adec="http://schemas.microsoft.com/office/drawing/2017/decorative" xmlns="" val="1"/>
               </a:ext>
             </a:extLst>
           </p:cNvPr>
@@ -6732,7 +6732,7 @@
           <p:nvPr>
             <p:extLst>
               <p:ext uri="{386F3935-93C4-4BCD-93E2-E3B085C9AB24}">
-                <p16:designElem xmlns="" xmlns:p16="http://schemas.microsoft.com/office/powerpoint/2015/main" val="1"/>
+                <p16:designElem xmlns:p16="http://schemas.microsoft.com/office/powerpoint/2015/main" xmlns="" val="1"/>
               </p:ext>
             </p:extLst>
           </p:nvPr>
@@ -6795,10 +6795,10 @@
           <p:cNvPr id="10" name="Rectangle 9">
             <a:extLst>
               <a:ext uri="{FF2B5EF4-FFF2-40B4-BE49-F238E27FC236}">
-                <a16:creationId xmlns="" xmlns:a16="http://schemas.microsoft.com/office/drawing/2014/main" id="{9715DAF0-AE1B-46C9-8A6B-DB2AA05AB91D}"/>
+                <a16:creationId xmlns:a16="http://schemas.microsoft.com/office/drawing/2014/main" xmlns="" id="{9715DAF0-AE1B-46C9-8A6B-DB2AA05AB91D}"/>
               </a:ext>
               <a:ext uri="{C183D7F6-B498-43B3-948B-1728B52AA6E4}">
-                <adec:decorative xmlns="" xmlns:adec="http://schemas.microsoft.com/office/drawing/2017/decorative" val="1"/>
+                <adec:decorative xmlns:adec="http://schemas.microsoft.com/office/drawing/2017/decorative" xmlns="" val="1"/>
               </a:ext>
             </a:extLst>
           </p:cNvPr>
@@ -6808,7 +6808,7 @@
           <p:nvPr>
             <p:extLst>
               <p:ext uri="{386F3935-93C4-4BCD-93E2-E3B085C9AB24}">
-                <p16:designElem xmlns="" xmlns:p16="http://schemas.microsoft.com/office/powerpoint/2015/main" val="1"/>
+                <p16:designElem xmlns:p16="http://schemas.microsoft.com/office/powerpoint/2015/main" xmlns="" val="1"/>
               </p:ext>
             </p:extLst>
           </p:nvPr>
@@ -6868,10 +6868,10 @@
           <p:cNvPr id="12" name="Rectangle 11">
             <a:extLst>
               <a:ext uri="{FF2B5EF4-FFF2-40B4-BE49-F238E27FC236}">
-                <a16:creationId xmlns="" xmlns:a16="http://schemas.microsoft.com/office/drawing/2014/main" id="{6016219D-510E-4184-9090-6D5578A87BD1}"/>
+                <a16:creationId xmlns:a16="http://schemas.microsoft.com/office/drawing/2014/main" xmlns="" id="{6016219D-510E-4184-9090-6D5578A87BD1}"/>
               </a:ext>
               <a:ext uri="{C183D7F6-B498-43B3-948B-1728B52AA6E4}">
-                <adec:decorative xmlns="" xmlns:adec="http://schemas.microsoft.com/office/drawing/2017/decorative" val="1"/>
+                <adec:decorative xmlns:adec="http://schemas.microsoft.com/office/drawing/2017/decorative" xmlns="" val="1"/>
               </a:ext>
             </a:extLst>
           </p:cNvPr>
@@ -6881,7 +6881,7 @@
           <p:nvPr>
             <p:extLst>
               <p:ext uri="{386F3935-93C4-4BCD-93E2-E3B085C9AB24}">
-                <p16:designElem xmlns="" xmlns:p16="http://schemas.microsoft.com/office/powerpoint/2015/main" val="1"/>
+                <p16:designElem xmlns:p16="http://schemas.microsoft.com/office/powerpoint/2015/main" xmlns="" val="1"/>
               </p:ext>
             </p:extLst>
           </p:nvPr>
@@ -6944,10 +6944,10 @@
           <p:cNvPr id="14" name="Rectangle 13">
             <a:extLst>
               <a:ext uri="{FF2B5EF4-FFF2-40B4-BE49-F238E27FC236}">
-                <a16:creationId xmlns="" xmlns:a16="http://schemas.microsoft.com/office/drawing/2014/main" id="{AFF4A713-7B75-4B21-90D7-5AB19547C728}"/>
+                <a16:creationId xmlns:a16="http://schemas.microsoft.com/office/drawing/2014/main" xmlns="" id="{AFF4A713-7B75-4B21-90D7-5AB19547C728}"/>
               </a:ext>
               <a:ext uri="{C183D7F6-B498-43B3-948B-1728B52AA6E4}">
-                <adec:decorative xmlns="" xmlns:adec="http://schemas.microsoft.com/office/drawing/2017/decorative" val="1"/>
+                <adec:decorative xmlns:adec="http://schemas.microsoft.com/office/drawing/2017/decorative" xmlns="" val="1"/>
               </a:ext>
             </a:extLst>
           </p:cNvPr>
@@ -6957,7 +6957,7 @@
           <p:nvPr>
             <p:extLst>
               <p:ext uri="{386F3935-93C4-4BCD-93E2-E3B085C9AB24}">
-                <p16:designElem xmlns="" xmlns:p16="http://schemas.microsoft.com/office/powerpoint/2015/main" val="1"/>
+                <p16:designElem xmlns:p16="http://schemas.microsoft.com/office/powerpoint/2015/main" xmlns="" val="1"/>
               </p:ext>
             </p:extLst>
           </p:nvPr>
@@ -7019,10 +7019,10 @@
           <p:cNvPr id="16" name="Rectangle 15">
             <a:extLst>
               <a:ext uri="{FF2B5EF4-FFF2-40B4-BE49-F238E27FC236}">
-                <a16:creationId xmlns="" xmlns:a16="http://schemas.microsoft.com/office/drawing/2014/main" id="{DC631C0B-6DA6-4E57-8231-CE32B3434A7E}"/>
+                <a16:creationId xmlns:a16="http://schemas.microsoft.com/office/drawing/2014/main" xmlns="" id="{DC631C0B-6DA6-4E57-8231-CE32B3434A7E}"/>
               </a:ext>
               <a:ext uri="{C183D7F6-B498-43B3-948B-1728B52AA6E4}">
-                <adec:decorative xmlns="" xmlns:adec="http://schemas.microsoft.com/office/drawing/2017/decorative" val="1"/>
+                <adec:decorative xmlns:adec="http://schemas.microsoft.com/office/drawing/2017/decorative" xmlns="" val="1"/>
               </a:ext>
             </a:extLst>
           </p:cNvPr>
@@ -7032,7 +7032,7 @@
           <p:nvPr>
             <p:extLst>
               <p:ext uri="{386F3935-93C4-4BCD-93E2-E3B085C9AB24}">
-                <p16:designElem xmlns="" xmlns:p16="http://schemas.microsoft.com/office/powerpoint/2015/main" val="1"/>
+                <p16:designElem xmlns:p16="http://schemas.microsoft.com/office/powerpoint/2015/main" xmlns="" val="1"/>
               </p:ext>
             </p:extLst>
           </p:nvPr>
@@ -7095,10 +7095,10 @@
           <p:cNvPr id="18" name="Freeform: Shape 17">
             <a:extLst>
               <a:ext uri="{FF2B5EF4-FFF2-40B4-BE49-F238E27FC236}">
-                <a16:creationId xmlns="" xmlns:a16="http://schemas.microsoft.com/office/drawing/2014/main" id="{C29501E6-A978-4A61-9689-9085AF97A53A}"/>
+                <a16:creationId xmlns:a16="http://schemas.microsoft.com/office/drawing/2014/main" xmlns="" id="{C29501E6-A978-4A61-9689-9085AF97A53A}"/>
               </a:ext>
               <a:ext uri="{C183D7F6-B498-43B3-948B-1728B52AA6E4}">
-                <adec:decorative xmlns="" xmlns:adec="http://schemas.microsoft.com/office/drawing/2017/decorative" val="1"/>
+                <adec:decorative xmlns:adec="http://schemas.microsoft.com/office/drawing/2017/decorative" xmlns="" val="1"/>
               </a:ext>
             </a:extLst>
           </p:cNvPr>
@@ -7108,7 +7108,7 @@
           <p:nvPr>
             <p:extLst>
               <p:ext uri="{386F3935-93C4-4BCD-93E2-E3B085C9AB24}">
-                <p16:designElem xmlns="" xmlns:p16="http://schemas.microsoft.com/office/powerpoint/2015/main" val="1"/>
+                <p16:designElem xmlns:p16="http://schemas.microsoft.com/office/powerpoint/2015/main" xmlns="" val="1"/>
               </p:ext>
             </p:extLst>
           </p:nvPr>
@@ -7239,7 +7239,7 @@
           <p:cNvPr id="2" name="제목 1">
             <a:extLst>
               <a:ext uri="{FF2B5EF4-FFF2-40B4-BE49-F238E27FC236}">
-                <a16:creationId xmlns="" xmlns:a16="http://schemas.microsoft.com/office/drawing/2014/main" id="{9F75B556-FA07-A7F7-8E5D-736CD761C3E6}"/>
+                <a16:creationId xmlns:a16="http://schemas.microsoft.com/office/drawing/2014/main" xmlns="" id="{9F75B556-FA07-A7F7-8E5D-736CD761C3E6}"/>
               </a:ext>
             </a:extLst>
           </p:cNvPr>
@@ -7295,7 +7295,7 @@
           <p:cNvPr id="3" name="부제목 2">
             <a:extLst>
               <a:ext uri="{FF2B5EF4-FFF2-40B4-BE49-F238E27FC236}">
-                <a16:creationId xmlns="" xmlns:a16="http://schemas.microsoft.com/office/drawing/2014/main" id="{538809FE-B1A2-171C-B69C-1C929B0C402D}"/>
+                <a16:creationId xmlns:a16="http://schemas.microsoft.com/office/drawing/2014/main" xmlns="" id="{538809FE-B1A2-171C-B69C-1C929B0C402D}"/>
               </a:ext>
             </a:extLst>
           </p:cNvPr>
@@ -7387,7 +7387,7 @@
           <p:cNvPr id="11" name="부제목 2">
             <a:extLst>
               <a:ext uri="{FF2B5EF4-FFF2-40B4-BE49-F238E27FC236}">
-                <a16:creationId xmlns="" xmlns:a16="http://schemas.microsoft.com/office/drawing/2014/main" id="{538809FE-B1A2-171C-B69C-1C929B0C402D}"/>
+                <a16:creationId xmlns:a16="http://schemas.microsoft.com/office/drawing/2014/main" xmlns="" id="{538809FE-B1A2-171C-B69C-1C929B0C402D}"/>
               </a:ext>
             </a:extLst>
           </p:cNvPr>
@@ -7715,10 +7715,10 @@
           <p:cNvPr id="8" name="Rectangle 7">
             <a:extLst>
               <a:ext uri="{FF2B5EF4-FFF2-40B4-BE49-F238E27FC236}">
-                <a16:creationId xmlns="" xmlns:a16="http://schemas.microsoft.com/office/drawing/2014/main" id="{1B15ED52-F352-441B-82BF-E0EA34836D08}"/>
+                <a16:creationId xmlns:a16="http://schemas.microsoft.com/office/drawing/2014/main" xmlns="" id="{1B15ED52-F352-441B-82BF-E0EA34836D08}"/>
               </a:ext>
               <a:ext uri="{C183D7F6-B498-43B3-948B-1728B52AA6E4}">
-                <adec:decorative xmlns="" xmlns:adec="http://schemas.microsoft.com/office/drawing/2017/decorative" val="1"/>
+                <adec:decorative xmlns:adec="http://schemas.microsoft.com/office/drawing/2017/decorative" xmlns="" val="1"/>
               </a:ext>
             </a:extLst>
           </p:cNvPr>
@@ -7728,7 +7728,7 @@
           <p:nvPr>
             <p:extLst>
               <p:ext uri="{386F3935-93C4-4BCD-93E2-E3B085C9AB24}">
-                <p16:designElem xmlns="" xmlns:p16="http://schemas.microsoft.com/office/powerpoint/2015/main" val="1"/>
+                <p16:designElem xmlns:p16="http://schemas.microsoft.com/office/powerpoint/2015/main" xmlns="" val="1"/>
               </p:ext>
             </p:extLst>
           </p:nvPr>
@@ -7791,10 +7791,10 @@
           <p:cNvPr id="10" name="Rectangle 9">
             <a:extLst>
               <a:ext uri="{FF2B5EF4-FFF2-40B4-BE49-F238E27FC236}">
-                <a16:creationId xmlns="" xmlns:a16="http://schemas.microsoft.com/office/drawing/2014/main" id="{3B2E3793-BFE6-45A2-9B7B-E18844431C99}"/>
+                <a16:creationId xmlns:a16="http://schemas.microsoft.com/office/drawing/2014/main" xmlns="" id="{3B2E3793-BFE6-45A2-9B7B-E18844431C99}"/>
               </a:ext>
               <a:ext uri="{C183D7F6-B498-43B3-948B-1728B52AA6E4}">
-                <adec:decorative xmlns="" xmlns:adec="http://schemas.microsoft.com/office/drawing/2017/decorative" val="1"/>
+                <adec:decorative xmlns:adec="http://schemas.microsoft.com/office/drawing/2017/decorative" xmlns="" val="1"/>
               </a:ext>
             </a:extLst>
           </p:cNvPr>
@@ -7804,7 +7804,7 @@
           <p:nvPr>
             <p:extLst>
               <p:ext uri="{386F3935-93C4-4BCD-93E2-E3B085C9AB24}">
-                <p16:designElem xmlns="" xmlns:p16="http://schemas.microsoft.com/office/powerpoint/2015/main" val="1"/>
+                <p16:designElem xmlns:p16="http://schemas.microsoft.com/office/powerpoint/2015/main" xmlns="" val="1"/>
               </p:ext>
             </p:extLst>
           </p:nvPr>
@@ -7864,10 +7864,10 @@
           <p:cNvPr id="12" name="Rectangle 11">
             <a:extLst>
               <a:ext uri="{FF2B5EF4-FFF2-40B4-BE49-F238E27FC236}">
-                <a16:creationId xmlns="" xmlns:a16="http://schemas.microsoft.com/office/drawing/2014/main" id="{BC4C4868-CB8F-4AF9-9CDB-8108F2C19B67}"/>
+                <a16:creationId xmlns:a16="http://schemas.microsoft.com/office/drawing/2014/main" xmlns="" id="{BC4C4868-CB8F-4AF9-9CDB-8108F2C19B67}"/>
               </a:ext>
               <a:ext uri="{C183D7F6-B498-43B3-948B-1728B52AA6E4}">
-                <adec:decorative xmlns="" xmlns:adec="http://schemas.microsoft.com/office/drawing/2017/decorative" val="1"/>
+                <adec:decorative xmlns:adec="http://schemas.microsoft.com/office/drawing/2017/decorative" xmlns="" val="1"/>
               </a:ext>
             </a:extLst>
           </p:cNvPr>
@@ -7877,7 +7877,7 @@
           <p:nvPr>
             <p:extLst>
               <p:ext uri="{386F3935-93C4-4BCD-93E2-E3B085C9AB24}">
-                <p16:designElem xmlns="" xmlns:p16="http://schemas.microsoft.com/office/powerpoint/2015/main" val="1"/>
+                <p16:designElem xmlns:p16="http://schemas.microsoft.com/office/powerpoint/2015/main" xmlns="" val="1"/>
               </p:ext>
             </p:extLst>
           </p:nvPr>
@@ -7940,10 +7940,10 @@
           <p:cNvPr id="14" name="Rectangle 13">
             <a:extLst>
               <a:ext uri="{FF2B5EF4-FFF2-40B4-BE49-F238E27FC236}">
-                <a16:creationId xmlns="" xmlns:a16="http://schemas.microsoft.com/office/drawing/2014/main" id="{375E0459-6403-40CD-989D-56A4407CA12E}"/>
+                <a16:creationId xmlns:a16="http://schemas.microsoft.com/office/drawing/2014/main" xmlns="" id="{375E0459-6403-40CD-989D-56A4407CA12E}"/>
               </a:ext>
               <a:ext uri="{C183D7F6-B498-43B3-948B-1728B52AA6E4}">
-                <adec:decorative xmlns="" xmlns:adec="http://schemas.microsoft.com/office/drawing/2017/decorative" val="1"/>
+                <adec:decorative xmlns:adec="http://schemas.microsoft.com/office/drawing/2017/decorative" xmlns="" val="1"/>
               </a:ext>
             </a:extLst>
           </p:cNvPr>
@@ -7953,7 +7953,7 @@
           <p:nvPr>
             <p:extLst>
               <p:ext uri="{386F3935-93C4-4BCD-93E2-E3B085C9AB24}">
-                <p16:designElem xmlns="" xmlns:p16="http://schemas.microsoft.com/office/powerpoint/2015/main" val="1"/>
+                <p16:designElem xmlns:p16="http://schemas.microsoft.com/office/powerpoint/2015/main" xmlns="" val="1"/>
               </p:ext>
             </p:extLst>
           </p:nvPr>
@@ -8015,10 +8015,10 @@
           <p:cNvPr id="16" name="Rectangle 15">
             <a:extLst>
               <a:ext uri="{FF2B5EF4-FFF2-40B4-BE49-F238E27FC236}">
-                <a16:creationId xmlns="" xmlns:a16="http://schemas.microsoft.com/office/drawing/2014/main" id="{53E5B1A8-3AC9-4BD1-9BBC-78CA94F2D1BA}"/>
+                <a16:creationId xmlns:a16="http://schemas.microsoft.com/office/drawing/2014/main" xmlns="" id="{53E5B1A8-3AC9-4BD1-9BBC-78CA94F2D1BA}"/>
               </a:ext>
               <a:ext uri="{C183D7F6-B498-43B3-948B-1728B52AA6E4}">
-                <adec:decorative xmlns="" xmlns:adec="http://schemas.microsoft.com/office/drawing/2017/decorative" val="1"/>
+                <adec:decorative xmlns:adec="http://schemas.microsoft.com/office/drawing/2017/decorative" xmlns="" val="1"/>
               </a:ext>
             </a:extLst>
           </p:cNvPr>
@@ -8028,7 +8028,7 @@
           <p:nvPr>
             <p:extLst>
               <p:ext uri="{386F3935-93C4-4BCD-93E2-E3B085C9AB24}">
-                <p16:designElem xmlns="" xmlns:p16="http://schemas.microsoft.com/office/powerpoint/2015/main" val="1"/>
+                <p16:designElem xmlns:p16="http://schemas.microsoft.com/office/powerpoint/2015/main" xmlns="" val="1"/>
               </p:ext>
             </p:extLst>
           </p:nvPr>
@@ -8091,7 +8091,7 @@
           <p:cNvPr id="2" name="제목 1">
             <a:extLst>
               <a:ext uri="{FF2B5EF4-FFF2-40B4-BE49-F238E27FC236}">
-                <a16:creationId xmlns="" xmlns:a16="http://schemas.microsoft.com/office/drawing/2014/main" id="{C51C5024-D28B-51C9-3E0D-6C73030EF822}"/>
+                <a16:creationId xmlns:a16="http://schemas.microsoft.com/office/drawing/2014/main" xmlns="" id="{C51C5024-D28B-51C9-3E0D-6C73030EF822}"/>
               </a:ext>
             </a:extLst>
           </p:cNvPr>
@@ -8130,7 +8130,7 @@
           <p:cNvPr id="3" name="내용 개체 틀 2">
             <a:extLst>
               <a:ext uri="{FF2B5EF4-FFF2-40B4-BE49-F238E27FC236}">
-                <a16:creationId xmlns="" xmlns:a16="http://schemas.microsoft.com/office/drawing/2014/main" id="{FD0581FF-0E86-AC63-C7BB-7B2374504D9D}"/>
+                <a16:creationId xmlns:a16="http://schemas.microsoft.com/office/drawing/2014/main" xmlns="" id="{FD0581FF-0E86-AC63-C7BB-7B2374504D9D}"/>
               </a:ext>
             </a:extLst>
           </p:cNvPr>
@@ -8159,11 +8159,7 @@
             </a:r>
             <a:r>
               <a:rPr lang="ko-KR" altLang="en-US" sz="2000" dirty="0" smtClean="0"/>
-              <a:t>과 같은 여러 </a:t>
-            </a:r>
-            <a:r>
-              <a:rPr lang="ko-KR" altLang="en-US" sz="2000" dirty="0" smtClean="0"/>
-              <a:t>가지 </a:t>
+              <a:t>과 같은 여러 가지 </a:t>
             </a:r>
             <a:r>
               <a:rPr lang="en-US" altLang="ko-KR" sz="2000" dirty="0" smtClean="0"/>
@@ -8209,11 +8205,7 @@
             </a:r>
             <a:r>
               <a:rPr lang="ko-KR" altLang="en-US" sz="2000" dirty="0" smtClean="0"/>
-              <a:t>연결하여 </a:t>
-            </a:r>
-            <a:r>
-              <a:rPr lang="ko-KR" altLang="en-US" sz="2000" dirty="0" smtClean="0"/>
-              <a:t>개발함</a:t>
+              <a:t>연결하여 개발함</a:t>
             </a:r>
             <a:endParaRPr lang="en-US" altLang="ko-KR" sz="2000" dirty="0" smtClean="0"/>
           </a:p>
@@ -8472,7 +8464,7 @@
           <p:cNvPr id="2" name="제목 1">
             <a:extLst>
               <a:ext uri="{FF2B5EF4-FFF2-40B4-BE49-F238E27FC236}">
-                <a16:creationId xmlns="" xmlns:a16="http://schemas.microsoft.com/office/drawing/2014/main" id="{46FA7903-5BB2-2165-7251-19FF2BD56A70}"/>
+                <a16:creationId xmlns:a16="http://schemas.microsoft.com/office/drawing/2014/main" xmlns="" id="{46FA7903-5BB2-2165-7251-19FF2BD56A70}"/>
               </a:ext>
             </a:extLst>
           </p:cNvPr>
@@ -8500,7 +8492,7 @@
           <p:cNvPr id="7" name="텍스트 개체 틀 6">
             <a:extLst>
               <a:ext uri="{FF2B5EF4-FFF2-40B4-BE49-F238E27FC236}">
-                <a16:creationId xmlns="" xmlns:a16="http://schemas.microsoft.com/office/drawing/2014/main" id="{B774C544-A3A3-BEE3-403E-8A80308DEEAB}"/>
+                <a16:creationId xmlns:a16="http://schemas.microsoft.com/office/drawing/2014/main" xmlns="" id="{B774C544-A3A3-BEE3-403E-8A80308DEEAB}"/>
               </a:ext>
             </a:extLst>
           </p:cNvPr>
@@ -8528,7 +8520,7 @@
           <p:cNvPr id="6" name="텍스트 개체 틀 5">
             <a:extLst>
               <a:ext uri="{FF2B5EF4-FFF2-40B4-BE49-F238E27FC236}">
-                <a16:creationId xmlns="" xmlns:a16="http://schemas.microsoft.com/office/drawing/2014/main" id="{0331DFA3-F4CC-F590-D661-785D52EF2DCB}"/>
+                <a16:creationId xmlns:a16="http://schemas.microsoft.com/office/drawing/2014/main" xmlns="" id="{0331DFA3-F4CC-F590-D661-785D52EF2DCB}"/>
               </a:ext>
             </a:extLst>
           </p:cNvPr>
@@ -8556,7 +8548,7 @@
           <p:cNvPr id="12" name="내용 개체 틀 3">
             <a:extLst>
               <a:ext uri="{FF2B5EF4-FFF2-40B4-BE49-F238E27FC236}">
-                <a16:creationId xmlns="" xmlns:a16="http://schemas.microsoft.com/office/drawing/2014/main" id="{EF9E181A-E191-4C91-7087-8E058362BCA7}"/>
+                <a16:creationId xmlns:a16="http://schemas.microsoft.com/office/drawing/2014/main" xmlns="" id="{EF9E181A-E191-4C91-7087-8E058362BCA7}"/>
               </a:ext>
             </a:extLst>
           </p:cNvPr>
@@ -8587,7 +8579,7 @@
           <p:cNvPr id="8" name="내용 개체 틀 7">
             <a:extLst>
               <a:ext uri="{FF2B5EF4-FFF2-40B4-BE49-F238E27FC236}">
-                <a16:creationId xmlns="" xmlns:a16="http://schemas.microsoft.com/office/drawing/2014/main" id="{5C5D925B-4CCC-6D96-6E36-F9336812EE85}"/>
+                <a16:creationId xmlns:a16="http://schemas.microsoft.com/office/drawing/2014/main" xmlns="" id="{5C5D925B-4CCC-6D96-6E36-F9336812EE85}"/>
               </a:ext>
             </a:extLst>
           </p:cNvPr>
@@ -9349,10 +9341,10 @@
           <p:cNvPr id="14" name="Rectangle 13">
             <a:extLst>
               <a:ext uri="{FF2B5EF4-FFF2-40B4-BE49-F238E27FC236}">
-                <a16:creationId xmlns="" xmlns:a16="http://schemas.microsoft.com/office/drawing/2014/main" id="{A8384FB5-9ADC-4DDC-881B-597D56F5B15D}"/>
+                <a16:creationId xmlns:a16="http://schemas.microsoft.com/office/drawing/2014/main" xmlns="" id="{A8384FB5-9ADC-4DDC-881B-597D56F5B15D}"/>
               </a:ext>
               <a:ext uri="{C183D7F6-B498-43B3-948B-1728B52AA6E4}">
-                <adec:decorative xmlns="" xmlns:adec="http://schemas.microsoft.com/office/drawing/2017/decorative" val="1"/>
+                <adec:decorative xmlns:adec="http://schemas.microsoft.com/office/drawing/2017/decorative" xmlns="" val="1"/>
               </a:ext>
             </a:extLst>
           </p:cNvPr>
@@ -9362,7 +9354,7 @@
           <p:nvPr>
             <p:extLst>
               <p:ext uri="{386F3935-93C4-4BCD-93E2-E3B085C9AB24}">
-                <p16:designElem xmlns="" xmlns:p16="http://schemas.microsoft.com/office/powerpoint/2015/main" val="1"/>
+                <p16:designElem xmlns:p16="http://schemas.microsoft.com/office/powerpoint/2015/main" xmlns="" val="1"/>
               </p:ext>
             </p:extLst>
           </p:nvPr>
@@ -9425,10 +9417,10 @@
           <p:cNvPr id="16" name="Rectangle 15">
             <a:extLst>
               <a:ext uri="{FF2B5EF4-FFF2-40B4-BE49-F238E27FC236}">
-                <a16:creationId xmlns="" xmlns:a16="http://schemas.microsoft.com/office/drawing/2014/main" id="{1199E1B1-A8C0-4FE8-A5A8-1CB41D69F857}"/>
+                <a16:creationId xmlns:a16="http://schemas.microsoft.com/office/drawing/2014/main" xmlns="" id="{1199E1B1-A8C0-4FE8-A5A8-1CB41D69F857}"/>
               </a:ext>
               <a:ext uri="{C183D7F6-B498-43B3-948B-1728B52AA6E4}">
-                <adec:decorative xmlns="" xmlns:adec="http://schemas.microsoft.com/office/drawing/2017/decorative" val="1"/>
+                <adec:decorative xmlns:adec="http://schemas.microsoft.com/office/drawing/2017/decorative" xmlns="" val="1"/>
               </a:ext>
             </a:extLst>
           </p:cNvPr>
@@ -9438,7 +9430,7 @@
           <p:nvPr>
             <p:extLst>
               <p:ext uri="{386F3935-93C4-4BCD-93E2-E3B085C9AB24}">
-                <p16:designElem xmlns="" xmlns:p16="http://schemas.microsoft.com/office/powerpoint/2015/main" val="1"/>
+                <p16:designElem xmlns:p16="http://schemas.microsoft.com/office/powerpoint/2015/main" xmlns="" val="1"/>
               </p:ext>
             </p:extLst>
           </p:nvPr>
@@ -9500,10 +9492,10 @@
           <p:cNvPr id="18" name="Rectangle 17">
             <a:extLst>
               <a:ext uri="{FF2B5EF4-FFF2-40B4-BE49-F238E27FC236}">
-                <a16:creationId xmlns="" xmlns:a16="http://schemas.microsoft.com/office/drawing/2014/main" id="{84A8DE83-DE75-4B41-9DB4-A7EC0B0DEC0B}"/>
+                <a16:creationId xmlns:a16="http://schemas.microsoft.com/office/drawing/2014/main" xmlns="" id="{84A8DE83-DE75-4B41-9DB4-A7EC0B0DEC0B}"/>
               </a:ext>
               <a:ext uri="{C183D7F6-B498-43B3-948B-1728B52AA6E4}">
-                <adec:decorative xmlns="" xmlns:adec="http://schemas.microsoft.com/office/drawing/2017/decorative" val="1"/>
+                <adec:decorative xmlns:adec="http://schemas.microsoft.com/office/drawing/2017/decorative" xmlns="" val="1"/>
               </a:ext>
             </a:extLst>
           </p:cNvPr>
@@ -9513,7 +9505,7 @@
           <p:nvPr>
             <p:extLst>
               <p:ext uri="{386F3935-93C4-4BCD-93E2-E3B085C9AB24}">
-                <p16:designElem xmlns="" xmlns:p16="http://schemas.microsoft.com/office/powerpoint/2015/main" val="1"/>
+                <p16:designElem xmlns:p16="http://schemas.microsoft.com/office/powerpoint/2015/main" xmlns="" val="1"/>
               </p:ext>
             </p:extLst>
           </p:nvPr>
@@ -9577,10 +9569,10 @@
           <p:cNvPr id="20" name="Rectangle 19">
             <a:extLst>
               <a:ext uri="{FF2B5EF4-FFF2-40B4-BE49-F238E27FC236}">
-                <a16:creationId xmlns="" xmlns:a16="http://schemas.microsoft.com/office/drawing/2014/main" id="{A7009A0A-BEF5-4EAC-AF15-E4F9F002E239}"/>
+                <a16:creationId xmlns:a16="http://schemas.microsoft.com/office/drawing/2014/main" xmlns="" id="{A7009A0A-BEF5-4EAC-AF15-E4F9F002E239}"/>
               </a:ext>
               <a:ext uri="{C183D7F6-B498-43B3-948B-1728B52AA6E4}">
-                <adec:decorative xmlns="" xmlns:adec="http://schemas.microsoft.com/office/drawing/2017/decorative" val="1"/>
+                <adec:decorative xmlns:adec="http://schemas.microsoft.com/office/drawing/2017/decorative" xmlns="" val="1"/>
               </a:ext>
             </a:extLst>
           </p:cNvPr>
@@ -9590,7 +9582,7 @@
           <p:nvPr>
             <p:extLst>
               <p:ext uri="{386F3935-93C4-4BCD-93E2-E3B085C9AB24}">
-                <p16:designElem xmlns="" xmlns:p16="http://schemas.microsoft.com/office/powerpoint/2015/main" val="1"/>
+                <p16:designElem xmlns:p16="http://schemas.microsoft.com/office/powerpoint/2015/main" xmlns="" val="1"/>
               </p:ext>
             </p:extLst>
           </p:nvPr>
@@ -9652,7 +9644,7 @@
           <p:cNvPr id="7" name="제목 6">
             <a:extLst>
               <a:ext uri="{FF2B5EF4-FFF2-40B4-BE49-F238E27FC236}">
-                <a16:creationId xmlns="" xmlns:a16="http://schemas.microsoft.com/office/drawing/2014/main" id="{5F531F78-392E-57C8-182F-B85AA4777858}"/>
+                <a16:creationId xmlns:a16="http://schemas.microsoft.com/office/drawing/2014/main" xmlns="" id="{5F531F78-392E-57C8-182F-B85AA4777858}"/>
               </a:ext>
             </a:extLst>
           </p:cNvPr>
@@ -9700,7 +9692,7 @@
           <p:cNvPr id="6" name="그림 5">
             <a:extLst>
               <a:ext uri="{FF2B5EF4-FFF2-40B4-BE49-F238E27FC236}">
-                <a16:creationId xmlns="" xmlns:a16="http://schemas.microsoft.com/office/drawing/2014/main" id="{8A0B4F43-4A85-657C-9E46-44BBD71803FF}"/>
+                <a16:creationId xmlns:a16="http://schemas.microsoft.com/office/drawing/2014/main" xmlns="" id="{8A0B4F43-4A85-657C-9E46-44BBD71803FF}"/>
               </a:ext>
             </a:extLst>
           </p:cNvPr>
@@ -9730,7 +9722,7 @@
           <p:cNvPr id="10" name="그림 9">
             <a:extLst>
               <a:ext uri="{FF2B5EF4-FFF2-40B4-BE49-F238E27FC236}">
-                <a16:creationId xmlns="" xmlns:a16="http://schemas.microsoft.com/office/drawing/2014/main" id="{75879257-5455-7E52-503B-501E34E2684A}"/>
+                <a16:creationId xmlns:a16="http://schemas.microsoft.com/office/drawing/2014/main" xmlns="" id="{75879257-5455-7E52-503B-501E34E2684A}"/>
               </a:ext>
             </a:extLst>
           </p:cNvPr>
@@ -9760,7 +9752,7 @@
           <p:cNvPr id="12" name="그림 11">
             <a:extLst>
               <a:ext uri="{FF2B5EF4-FFF2-40B4-BE49-F238E27FC236}">
-                <a16:creationId xmlns="" xmlns:a16="http://schemas.microsoft.com/office/drawing/2014/main" id="{A257EA6B-EB90-8C55-CC2E-BD27D14B856E}"/>
+                <a16:creationId xmlns:a16="http://schemas.microsoft.com/office/drawing/2014/main" xmlns="" id="{A257EA6B-EB90-8C55-CC2E-BD27D14B856E}"/>
               </a:ext>
             </a:extLst>
           </p:cNvPr>
@@ -9790,7 +9782,7 @@
           <p:cNvPr id="15" name="그림 14">
             <a:extLst>
               <a:ext uri="{FF2B5EF4-FFF2-40B4-BE49-F238E27FC236}">
-                <a16:creationId xmlns="" xmlns:a16="http://schemas.microsoft.com/office/drawing/2014/main" id="{1A69F582-FC5C-D8C2-B3E8-23BBE3463C1C}"/>
+                <a16:creationId xmlns:a16="http://schemas.microsoft.com/office/drawing/2014/main" xmlns="" id="{1A69F582-FC5C-D8C2-B3E8-23BBE3463C1C}"/>
               </a:ext>
             </a:extLst>
           </p:cNvPr>
@@ -10074,10 +10066,10 @@
           <p:cNvPr id="9" name="Rectangle 8">
             <a:extLst>
               <a:ext uri="{FF2B5EF4-FFF2-40B4-BE49-F238E27FC236}">
-                <a16:creationId xmlns="" xmlns:a16="http://schemas.microsoft.com/office/drawing/2014/main" id="{A8384FB5-9ADC-4DDC-881B-597D56F5B15D}"/>
+                <a16:creationId xmlns:a16="http://schemas.microsoft.com/office/drawing/2014/main" xmlns="" id="{A8384FB5-9ADC-4DDC-881B-597D56F5B15D}"/>
               </a:ext>
               <a:ext uri="{C183D7F6-B498-43B3-948B-1728B52AA6E4}">
-                <adec:decorative xmlns="" xmlns:adec="http://schemas.microsoft.com/office/drawing/2017/decorative" val="1"/>
+                <adec:decorative xmlns:adec="http://schemas.microsoft.com/office/drawing/2017/decorative" xmlns="" val="1"/>
               </a:ext>
             </a:extLst>
           </p:cNvPr>
@@ -10087,7 +10079,7 @@
           <p:nvPr>
             <p:extLst>
               <p:ext uri="{386F3935-93C4-4BCD-93E2-E3B085C9AB24}">
-                <p16:designElem xmlns="" xmlns:p16="http://schemas.microsoft.com/office/powerpoint/2015/main" val="1"/>
+                <p16:designElem xmlns:p16="http://schemas.microsoft.com/office/powerpoint/2015/main" xmlns="" val="1"/>
               </p:ext>
             </p:extLst>
           </p:nvPr>
@@ -10150,10 +10142,10 @@
           <p:cNvPr id="11" name="Rectangle 10">
             <a:extLst>
               <a:ext uri="{FF2B5EF4-FFF2-40B4-BE49-F238E27FC236}">
-                <a16:creationId xmlns="" xmlns:a16="http://schemas.microsoft.com/office/drawing/2014/main" id="{1199E1B1-A8C0-4FE8-A5A8-1CB41D69F857}"/>
+                <a16:creationId xmlns:a16="http://schemas.microsoft.com/office/drawing/2014/main" xmlns="" id="{1199E1B1-A8C0-4FE8-A5A8-1CB41D69F857}"/>
               </a:ext>
               <a:ext uri="{C183D7F6-B498-43B3-948B-1728B52AA6E4}">
-                <adec:decorative xmlns="" xmlns:adec="http://schemas.microsoft.com/office/drawing/2017/decorative" val="1"/>
+                <adec:decorative xmlns:adec="http://schemas.microsoft.com/office/drawing/2017/decorative" xmlns="" val="1"/>
               </a:ext>
             </a:extLst>
           </p:cNvPr>
@@ -10163,7 +10155,7 @@
           <p:nvPr>
             <p:extLst>
               <p:ext uri="{386F3935-93C4-4BCD-93E2-E3B085C9AB24}">
-                <p16:designElem xmlns="" xmlns:p16="http://schemas.microsoft.com/office/powerpoint/2015/main" val="1"/>
+                <p16:designElem xmlns:p16="http://schemas.microsoft.com/office/powerpoint/2015/main" xmlns="" val="1"/>
               </p:ext>
             </p:extLst>
           </p:nvPr>
@@ -10225,10 +10217,10 @@
           <p:cNvPr id="13" name="Rectangle 12">
             <a:extLst>
               <a:ext uri="{FF2B5EF4-FFF2-40B4-BE49-F238E27FC236}">
-                <a16:creationId xmlns="" xmlns:a16="http://schemas.microsoft.com/office/drawing/2014/main" id="{84A8DE83-DE75-4B41-9DB4-A7EC0B0DEC0B}"/>
+                <a16:creationId xmlns:a16="http://schemas.microsoft.com/office/drawing/2014/main" xmlns="" id="{84A8DE83-DE75-4B41-9DB4-A7EC0B0DEC0B}"/>
               </a:ext>
               <a:ext uri="{C183D7F6-B498-43B3-948B-1728B52AA6E4}">
-                <adec:decorative xmlns="" xmlns:adec="http://schemas.microsoft.com/office/drawing/2017/decorative" val="1"/>
+                <adec:decorative xmlns:adec="http://schemas.microsoft.com/office/drawing/2017/decorative" xmlns="" val="1"/>
               </a:ext>
             </a:extLst>
           </p:cNvPr>
@@ -10238,7 +10230,7 @@
           <p:nvPr>
             <p:extLst>
               <p:ext uri="{386F3935-93C4-4BCD-93E2-E3B085C9AB24}">
-                <p16:designElem xmlns="" xmlns:p16="http://schemas.microsoft.com/office/powerpoint/2015/main" val="1"/>
+                <p16:designElem xmlns:p16="http://schemas.microsoft.com/office/powerpoint/2015/main" xmlns="" val="1"/>
               </p:ext>
             </p:extLst>
           </p:nvPr>
@@ -10302,10 +10294,10 @@
           <p:cNvPr id="15" name="Rectangle 14">
             <a:extLst>
               <a:ext uri="{FF2B5EF4-FFF2-40B4-BE49-F238E27FC236}">
-                <a16:creationId xmlns="" xmlns:a16="http://schemas.microsoft.com/office/drawing/2014/main" id="{A7009A0A-BEF5-4EAC-AF15-E4F9F002E239}"/>
+                <a16:creationId xmlns:a16="http://schemas.microsoft.com/office/drawing/2014/main" xmlns="" id="{A7009A0A-BEF5-4EAC-AF15-E4F9F002E239}"/>
               </a:ext>
               <a:ext uri="{C183D7F6-B498-43B3-948B-1728B52AA6E4}">
-                <adec:decorative xmlns="" xmlns:adec="http://schemas.microsoft.com/office/drawing/2017/decorative" val="1"/>
+                <adec:decorative xmlns:adec="http://schemas.microsoft.com/office/drawing/2017/decorative" xmlns="" val="1"/>
               </a:ext>
             </a:extLst>
           </p:cNvPr>
@@ -10315,7 +10307,7 @@
           <p:nvPr>
             <p:extLst>
               <p:ext uri="{386F3935-93C4-4BCD-93E2-E3B085C9AB24}">
-                <p16:designElem xmlns="" xmlns:p16="http://schemas.microsoft.com/office/powerpoint/2015/main" val="1"/>
+                <p16:designElem xmlns:p16="http://schemas.microsoft.com/office/powerpoint/2015/main" xmlns="" val="1"/>
               </p:ext>
             </p:extLst>
           </p:nvPr>
@@ -10377,7 +10369,7 @@
           <p:cNvPr id="2" name="제목 1">
             <a:extLst>
               <a:ext uri="{FF2B5EF4-FFF2-40B4-BE49-F238E27FC236}">
-                <a16:creationId xmlns="" xmlns:a16="http://schemas.microsoft.com/office/drawing/2014/main" id="{74CEED57-28C4-CBB0-4922-19DE4094B06A}"/>
+                <a16:creationId xmlns:a16="http://schemas.microsoft.com/office/drawing/2014/main" xmlns="" id="{74CEED57-28C4-CBB0-4922-19DE4094B06A}"/>
               </a:ext>
             </a:extLst>
           </p:cNvPr>
@@ -10425,7 +10417,7 @@
           <p:cNvPr id="5" name="그림 4">
             <a:extLst>
               <a:ext uri="{FF2B5EF4-FFF2-40B4-BE49-F238E27FC236}">
-                <a16:creationId xmlns="" xmlns:a16="http://schemas.microsoft.com/office/drawing/2014/main" id="{A5C63217-9351-8906-1F19-3E8F5D1F3287}"/>
+                <a16:creationId xmlns:a16="http://schemas.microsoft.com/office/drawing/2014/main" xmlns="" id="{A5C63217-9351-8906-1F19-3E8F5D1F3287}"/>
               </a:ext>
             </a:extLst>
           </p:cNvPr>
@@ -10455,7 +10447,7 @@
           <p:cNvPr id="7" name="그림 6">
             <a:extLst>
               <a:ext uri="{FF2B5EF4-FFF2-40B4-BE49-F238E27FC236}">
-                <a16:creationId xmlns="" xmlns:a16="http://schemas.microsoft.com/office/drawing/2014/main" id="{97055305-C50F-CE15-916A-F3B8016FB423}"/>
+                <a16:creationId xmlns:a16="http://schemas.microsoft.com/office/drawing/2014/main" xmlns="" id="{97055305-C50F-CE15-916A-F3B8016FB423}"/>
               </a:ext>
             </a:extLst>
           </p:cNvPr>
@@ -10485,7 +10477,7 @@
           <p:cNvPr id="10" name="그림 9">
             <a:extLst>
               <a:ext uri="{FF2B5EF4-FFF2-40B4-BE49-F238E27FC236}">
-                <a16:creationId xmlns="" xmlns:a16="http://schemas.microsoft.com/office/drawing/2014/main" id="{43EB3956-0FE8-8AE9-67AB-ED5C190AFB55}"/>
+                <a16:creationId xmlns:a16="http://schemas.microsoft.com/office/drawing/2014/main" xmlns="" id="{43EB3956-0FE8-8AE9-67AB-ED5C190AFB55}"/>
               </a:ext>
             </a:extLst>
           </p:cNvPr>
@@ -10515,7 +10507,7 @@
           <p:cNvPr id="14" name="그림 13">
             <a:extLst>
               <a:ext uri="{FF2B5EF4-FFF2-40B4-BE49-F238E27FC236}">
-                <a16:creationId xmlns="" xmlns:a16="http://schemas.microsoft.com/office/drawing/2014/main" id="{27611359-6DB0-43EB-B22A-F8495EDE6163}"/>
+                <a16:creationId xmlns:a16="http://schemas.microsoft.com/office/drawing/2014/main" xmlns="" id="{27611359-6DB0-43EB-B22A-F8495EDE6163}"/>
               </a:ext>
             </a:extLst>
           </p:cNvPr>
@@ -10783,10 +10775,10 @@
           <p:cNvPr id="9" name="Rectangle 8">
             <a:extLst>
               <a:ext uri="{FF2B5EF4-FFF2-40B4-BE49-F238E27FC236}">
-                <a16:creationId xmlns="" xmlns:a16="http://schemas.microsoft.com/office/drawing/2014/main" id="{A8384FB5-9ADC-4DDC-881B-597D56F5B15D}"/>
+                <a16:creationId xmlns:a16="http://schemas.microsoft.com/office/drawing/2014/main" xmlns="" id="{A8384FB5-9ADC-4DDC-881B-597D56F5B15D}"/>
               </a:ext>
               <a:ext uri="{C183D7F6-B498-43B3-948B-1728B52AA6E4}">
-                <adec:decorative xmlns="" xmlns:adec="http://schemas.microsoft.com/office/drawing/2017/decorative" val="1"/>
+                <adec:decorative xmlns:adec="http://schemas.microsoft.com/office/drawing/2017/decorative" xmlns="" val="1"/>
               </a:ext>
             </a:extLst>
           </p:cNvPr>
@@ -10796,7 +10788,7 @@
           <p:nvPr>
             <p:extLst>
               <p:ext uri="{386F3935-93C4-4BCD-93E2-E3B085C9AB24}">
-                <p16:designElem xmlns="" xmlns:p16="http://schemas.microsoft.com/office/powerpoint/2015/main" val="1"/>
+                <p16:designElem xmlns:p16="http://schemas.microsoft.com/office/powerpoint/2015/main" xmlns="" val="1"/>
               </p:ext>
             </p:extLst>
           </p:nvPr>
@@ -10859,10 +10851,10 @@
           <p:cNvPr id="11" name="Rectangle 10">
             <a:extLst>
               <a:ext uri="{FF2B5EF4-FFF2-40B4-BE49-F238E27FC236}">
-                <a16:creationId xmlns="" xmlns:a16="http://schemas.microsoft.com/office/drawing/2014/main" id="{1199E1B1-A8C0-4FE8-A5A8-1CB41D69F857}"/>
+                <a16:creationId xmlns:a16="http://schemas.microsoft.com/office/drawing/2014/main" xmlns="" id="{1199E1B1-A8C0-4FE8-A5A8-1CB41D69F857}"/>
               </a:ext>
               <a:ext uri="{C183D7F6-B498-43B3-948B-1728B52AA6E4}">
-                <adec:decorative xmlns="" xmlns:adec="http://schemas.microsoft.com/office/drawing/2017/decorative" val="1"/>
+                <adec:decorative xmlns:adec="http://schemas.microsoft.com/office/drawing/2017/decorative" xmlns="" val="1"/>
               </a:ext>
             </a:extLst>
           </p:cNvPr>
@@ -10872,7 +10864,7 @@
           <p:nvPr>
             <p:extLst>
               <p:ext uri="{386F3935-93C4-4BCD-93E2-E3B085C9AB24}">
-                <p16:designElem xmlns="" xmlns:p16="http://schemas.microsoft.com/office/powerpoint/2015/main" val="1"/>
+                <p16:designElem xmlns:p16="http://schemas.microsoft.com/office/powerpoint/2015/main" xmlns="" val="1"/>
               </p:ext>
             </p:extLst>
           </p:nvPr>
@@ -10934,10 +10926,10 @@
           <p:cNvPr id="13" name="Rectangle 12">
             <a:extLst>
               <a:ext uri="{FF2B5EF4-FFF2-40B4-BE49-F238E27FC236}">
-                <a16:creationId xmlns="" xmlns:a16="http://schemas.microsoft.com/office/drawing/2014/main" id="{84A8DE83-DE75-4B41-9DB4-A7EC0B0DEC0B}"/>
+                <a16:creationId xmlns:a16="http://schemas.microsoft.com/office/drawing/2014/main" xmlns="" id="{84A8DE83-DE75-4B41-9DB4-A7EC0B0DEC0B}"/>
               </a:ext>
               <a:ext uri="{C183D7F6-B498-43B3-948B-1728B52AA6E4}">
-                <adec:decorative xmlns="" xmlns:adec="http://schemas.microsoft.com/office/drawing/2017/decorative" val="1"/>
+                <adec:decorative xmlns:adec="http://schemas.microsoft.com/office/drawing/2017/decorative" xmlns="" val="1"/>
               </a:ext>
             </a:extLst>
           </p:cNvPr>
@@ -10947,7 +10939,7 @@
           <p:nvPr>
             <p:extLst>
               <p:ext uri="{386F3935-93C4-4BCD-93E2-E3B085C9AB24}">
-                <p16:designElem xmlns="" xmlns:p16="http://schemas.microsoft.com/office/powerpoint/2015/main" val="1"/>
+                <p16:designElem xmlns:p16="http://schemas.microsoft.com/office/powerpoint/2015/main" xmlns="" val="1"/>
               </p:ext>
             </p:extLst>
           </p:nvPr>
@@ -11011,10 +11003,10 @@
           <p:cNvPr id="15" name="Rectangle 14">
             <a:extLst>
               <a:ext uri="{FF2B5EF4-FFF2-40B4-BE49-F238E27FC236}">
-                <a16:creationId xmlns="" xmlns:a16="http://schemas.microsoft.com/office/drawing/2014/main" id="{A7009A0A-BEF5-4EAC-AF15-E4F9F002E239}"/>
+                <a16:creationId xmlns:a16="http://schemas.microsoft.com/office/drawing/2014/main" xmlns="" id="{A7009A0A-BEF5-4EAC-AF15-E4F9F002E239}"/>
               </a:ext>
               <a:ext uri="{C183D7F6-B498-43B3-948B-1728B52AA6E4}">
-                <adec:decorative xmlns="" xmlns:adec="http://schemas.microsoft.com/office/drawing/2017/decorative" val="1"/>
+                <adec:decorative xmlns:adec="http://schemas.microsoft.com/office/drawing/2017/decorative" xmlns="" val="1"/>
               </a:ext>
             </a:extLst>
           </p:cNvPr>
@@ -11024,7 +11016,7 @@
           <p:nvPr>
             <p:extLst>
               <p:ext uri="{386F3935-93C4-4BCD-93E2-E3B085C9AB24}">
-                <p16:designElem xmlns="" xmlns:p16="http://schemas.microsoft.com/office/powerpoint/2015/main" val="1"/>
+                <p16:designElem xmlns:p16="http://schemas.microsoft.com/office/powerpoint/2015/main" xmlns="" val="1"/>
               </p:ext>
             </p:extLst>
           </p:nvPr>
@@ -11086,7 +11078,7 @@
           <p:cNvPr id="2" name="제목 1">
             <a:extLst>
               <a:ext uri="{FF2B5EF4-FFF2-40B4-BE49-F238E27FC236}">
-                <a16:creationId xmlns="" xmlns:a16="http://schemas.microsoft.com/office/drawing/2014/main" id="{78057627-5515-E771-0576-60BBA3464C68}"/>
+                <a16:creationId xmlns:a16="http://schemas.microsoft.com/office/drawing/2014/main" xmlns="" id="{78057627-5515-E771-0576-60BBA3464C68}"/>
               </a:ext>
             </a:extLst>
           </p:cNvPr>
@@ -11137,7 +11129,7 @@
           <p:cNvPr id="7" name="그림 6">
             <a:extLst>
               <a:ext uri="{FF2B5EF4-FFF2-40B4-BE49-F238E27FC236}">
-                <a16:creationId xmlns="" xmlns:a16="http://schemas.microsoft.com/office/drawing/2014/main" id="{9047E48B-8626-BBC0-9E9B-128EB93C6097}"/>
+                <a16:creationId xmlns:a16="http://schemas.microsoft.com/office/drawing/2014/main" xmlns="" id="{9047E48B-8626-BBC0-9E9B-128EB93C6097}"/>
               </a:ext>
             </a:extLst>
           </p:cNvPr>
@@ -11167,7 +11159,7 @@
           <p:cNvPr id="10" name="그림 9">
             <a:extLst>
               <a:ext uri="{FF2B5EF4-FFF2-40B4-BE49-F238E27FC236}">
-                <a16:creationId xmlns="" xmlns:a16="http://schemas.microsoft.com/office/drawing/2014/main" id="{762575BD-3F37-36B1-6703-301E83CB37C2}"/>
+                <a16:creationId xmlns:a16="http://schemas.microsoft.com/office/drawing/2014/main" xmlns="" id="{762575BD-3F37-36B1-6703-301E83CB37C2}"/>
               </a:ext>
             </a:extLst>
           </p:cNvPr>
@@ -11197,7 +11189,7 @@
           <p:cNvPr id="19" name="그림 18">
             <a:extLst>
               <a:ext uri="{FF2B5EF4-FFF2-40B4-BE49-F238E27FC236}">
-                <a16:creationId xmlns="" xmlns:a16="http://schemas.microsoft.com/office/drawing/2014/main" id="{86498DC2-C10E-2E3D-7CE8-4A6A82372162}"/>
+                <a16:creationId xmlns:a16="http://schemas.microsoft.com/office/drawing/2014/main" xmlns="" id="{86498DC2-C10E-2E3D-7CE8-4A6A82372162}"/>
               </a:ext>
             </a:extLst>
           </p:cNvPr>
@@ -11227,7 +11219,7 @@
           <p:cNvPr id="21" name="그림 20">
             <a:extLst>
               <a:ext uri="{FF2B5EF4-FFF2-40B4-BE49-F238E27FC236}">
-                <a16:creationId xmlns="" xmlns:a16="http://schemas.microsoft.com/office/drawing/2014/main" id="{2325967D-E9C7-A10E-55B0-8D39366C6477}"/>
+                <a16:creationId xmlns:a16="http://schemas.microsoft.com/office/drawing/2014/main" xmlns="" id="{2325967D-E9C7-A10E-55B0-8D39366C6477}"/>
               </a:ext>
             </a:extLst>
           </p:cNvPr>
@@ -11527,10 +11519,10 @@
           <p:cNvPr id="9" name="Rectangle 8">
             <a:extLst>
               <a:ext uri="{FF2B5EF4-FFF2-40B4-BE49-F238E27FC236}">
-                <a16:creationId xmlns="" xmlns:a16="http://schemas.microsoft.com/office/drawing/2014/main" id="{A8384FB5-9ADC-4DDC-881B-597D56F5B15D}"/>
+                <a16:creationId xmlns:a16="http://schemas.microsoft.com/office/drawing/2014/main" xmlns="" id="{A8384FB5-9ADC-4DDC-881B-597D56F5B15D}"/>
               </a:ext>
               <a:ext uri="{C183D7F6-B498-43B3-948B-1728B52AA6E4}">
-                <adec:decorative xmlns="" xmlns:adec="http://schemas.microsoft.com/office/drawing/2017/decorative" val="1"/>
+                <adec:decorative xmlns:adec="http://schemas.microsoft.com/office/drawing/2017/decorative" xmlns="" val="1"/>
               </a:ext>
             </a:extLst>
           </p:cNvPr>
@@ -11540,7 +11532,7 @@
           <p:nvPr>
             <p:extLst>
               <p:ext uri="{386F3935-93C4-4BCD-93E2-E3B085C9AB24}">
-                <p16:designElem xmlns="" xmlns:p16="http://schemas.microsoft.com/office/powerpoint/2015/main" val="1"/>
+                <p16:designElem xmlns:p16="http://schemas.microsoft.com/office/powerpoint/2015/main" xmlns="" val="1"/>
               </p:ext>
             </p:extLst>
           </p:nvPr>
@@ -11603,10 +11595,10 @@
           <p:cNvPr id="11" name="Rectangle 10">
             <a:extLst>
               <a:ext uri="{FF2B5EF4-FFF2-40B4-BE49-F238E27FC236}">
-                <a16:creationId xmlns="" xmlns:a16="http://schemas.microsoft.com/office/drawing/2014/main" id="{1199E1B1-A8C0-4FE8-A5A8-1CB41D69F857}"/>
+                <a16:creationId xmlns:a16="http://schemas.microsoft.com/office/drawing/2014/main" xmlns="" id="{1199E1B1-A8C0-4FE8-A5A8-1CB41D69F857}"/>
               </a:ext>
               <a:ext uri="{C183D7F6-B498-43B3-948B-1728B52AA6E4}">
-                <adec:decorative xmlns="" xmlns:adec="http://schemas.microsoft.com/office/drawing/2017/decorative" val="1"/>
+                <adec:decorative xmlns:adec="http://schemas.microsoft.com/office/drawing/2017/decorative" xmlns="" val="1"/>
               </a:ext>
             </a:extLst>
           </p:cNvPr>
@@ -11616,7 +11608,7 @@
           <p:nvPr>
             <p:extLst>
               <p:ext uri="{386F3935-93C4-4BCD-93E2-E3B085C9AB24}">
-                <p16:designElem xmlns="" xmlns:p16="http://schemas.microsoft.com/office/powerpoint/2015/main" val="1"/>
+                <p16:designElem xmlns:p16="http://schemas.microsoft.com/office/powerpoint/2015/main" xmlns="" val="1"/>
               </p:ext>
             </p:extLst>
           </p:nvPr>
@@ -11678,10 +11670,10 @@
           <p:cNvPr id="13" name="Rectangle 12">
             <a:extLst>
               <a:ext uri="{FF2B5EF4-FFF2-40B4-BE49-F238E27FC236}">
-                <a16:creationId xmlns="" xmlns:a16="http://schemas.microsoft.com/office/drawing/2014/main" id="{84A8DE83-DE75-4B41-9DB4-A7EC0B0DEC0B}"/>
+                <a16:creationId xmlns:a16="http://schemas.microsoft.com/office/drawing/2014/main" xmlns="" id="{84A8DE83-DE75-4B41-9DB4-A7EC0B0DEC0B}"/>
               </a:ext>
               <a:ext uri="{C183D7F6-B498-43B3-948B-1728B52AA6E4}">
-                <adec:decorative xmlns="" xmlns:adec="http://schemas.microsoft.com/office/drawing/2017/decorative" val="1"/>
+                <adec:decorative xmlns:adec="http://schemas.microsoft.com/office/drawing/2017/decorative" xmlns="" val="1"/>
               </a:ext>
             </a:extLst>
           </p:cNvPr>
@@ -11691,7 +11683,7 @@
           <p:nvPr>
             <p:extLst>
               <p:ext uri="{386F3935-93C4-4BCD-93E2-E3B085C9AB24}">
-                <p16:designElem xmlns="" xmlns:p16="http://schemas.microsoft.com/office/powerpoint/2015/main" val="1"/>
+                <p16:designElem xmlns:p16="http://schemas.microsoft.com/office/powerpoint/2015/main" xmlns="" val="1"/>
               </p:ext>
             </p:extLst>
           </p:nvPr>
@@ -11755,10 +11747,10 @@
           <p:cNvPr id="15" name="Rectangle 14">
             <a:extLst>
               <a:ext uri="{FF2B5EF4-FFF2-40B4-BE49-F238E27FC236}">
-                <a16:creationId xmlns="" xmlns:a16="http://schemas.microsoft.com/office/drawing/2014/main" id="{A7009A0A-BEF5-4EAC-AF15-E4F9F002E239}"/>
+                <a16:creationId xmlns:a16="http://schemas.microsoft.com/office/drawing/2014/main" xmlns="" id="{A7009A0A-BEF5-4EAC-AF15-E4F9F002E239}"/>
               </a:ext>
               <a:ext uri="{C183D7F6-B498-43B3-948B-1728B52AA6E4}">
-                <adec:decorative xmlns="" xmlns:adec="http://schemas.microsoft.com/office/drawing/2017/decorative" val="1"/>
+                <adec:decorative xmlns:adec="http://schemas.microsoft.com/office/drawing/2017/decorative" xmlns="" val="1"/>
               </a:ext>
             </a:extLst>
           </p:cNvPr>
@@ -11768,7 +11760,7 @@
           <p:nvPr>
             <p:extLst>
               <p:ext uri="{386F3935-93C4-4BCD-93E2-E3B085C9AB24}">
-                <p16:designElem xmlns="" xmlns:p16="http://schemas.microsoft.com/office/powerpoint/2015/main" val="1"/>
+                <p16:designElem xmlns:p16="http://schemas.microsoft.com/office/powerpoint/2015/main" xmlns="" val="1"/>
               </p:ext>
             </p:extLst>
           </p:nvPr>
@@ -11830,7 +11822,7 @@
           <p:cNvPr id="2" name="제목 1">
             <a:extLst>
               <a:ext uri="{FF2B5EF4-FFF2-40B4-BE49-F238E27FC236}">
-                <a16:creationId xmlns="" xmlns:a16="http://schemas.microsoft.com/office/drawing/2014/main" id="{78057627-5515-E771-0576-60BBA3464C68}"/>
+                <a16:creationId xmlns:a16="http://schemas.microsoft.com/office/drawing/2014/main" xmlns="" id="{78057627-5515-E771-0576-60BBA3464C68}"/>
               </a:ext>
             </a:extLst>
           </p:cNvPr>
@@ -11881,7 +11873,7 @@
           <p:cNvPr id="3" name="그림 2">
             <a:extLst>
               <a:ext uri="{FF2B5EF4-FFF2-40B4-BE49-F238E27FC236}">
-                <a16:creationId xmlns="" xmlns:a16="http://schemas.microsoft.com/office/drawing/2014/main" id="{CCE106EB-3040-F025-93A8-18959578251A}"/>
+                <a16:creationId xmlns:a16="http://schemas.microsoft.com/office/drawing/2014/main" xmlns="" id="{CCE106EB-3040-F025-93A8-18959578251A}"/>
               </a:ext>
             </a:extLst>
           </p:cNvPr>
@@ -12119,10 +12111,10 @@
           <p:cNvPr id="8" name="Rectangle 7">
             <a:extLst>
               <a:ext uri="{FF2B5EF4-FFF2-40B4-BE49-F238E27FC236}">
-                <a16:creationId xmlns="" xmlns:a16="http://schemas.microsoft.com/office/drawing/2014/main" id="{1B15ED52-F352-441B-82BF-E0EA34836D08}"/>
+                <a16:creationId xmlns:a16="http://schemas.microsoft.com/office/drawing/2014/main" xmlns="" id="{1B15ED52-F352-441B-82BF-E0EA34836D08}"/>
               </a:ext>
               <a:ext uri="{C183D7F6-B498-43B3-948B-1728B52AA6E4}">
-                <adec:decorative xmlns="" xmlns:adec="http://schemas.microsoft.com/office/drawing/2017/decorative" val="1"/>
+                <adec:decorative xmlns:adec="http://schemas.microsoft.com/office/drawing/2017/decorative" xmlns="" val="1"/>
               </a:ext>
             </a:extLst>
           </p:cNvPr>
@@ -12132,7 +12124,7 @@
           <p:nvPr>
             <p:extLst>
               <p:ext uri="{386F3935-93C4-4BCD-93E2-E3B085C9AB24}">
-                <p16:designElem xmlns="" xmlns:p16="http://schemas.microsoft.com/office/powerpoint/2015/main" val="1"/>
+                <p16:designElem xmlns:p16="http://schemas.microsoft.com/office/powerpoint/2015/main" xmlns="" val="1"/>
               </p:ext>
             </p:extLst>
           </p:nvPr>
@@ -12195,10 +12187,10 @@
           <p:cNvPr id="10" name="Rectangle 9">
             <a:extLst>
               <a:ext uri="{FF2B5EF4-FFF2-40B4-BE49-F238E27FC236}">
-                <a16:creationId xmlns="" xmlns:a16="http://schemas.microsoft.com/office/drawing/2014/main" id="{3B2E3793-BFE6-45A2-9B7B-E18844431C99}"/>
+                <a16:creationId xmlns:a16="http://schemas.microsoft.com/office/drawing/2014/main" xmlns="" id="{3B2E3793-BFE6-45A2-9B7B-E18844431C99}"/>
               </a:ext>
               <a:ext uri="{C183D7F6-B498-43B3-948B-1728B52AA6E4}">
-                <adec:decorative xmlns="" xmlns:adec="http://schemas.microsoft.com/office/drawing/2017/decorative" val="1"/>
+                <adec:decorative xmlns:adec="http://schemas.microsoft.com/office/drawing/2017/decorative" xmlns="" val="1"/>
               </a:ext>
             </a:extLst>
           </p:cNvPr>
@@ -12208,7 +12200,7 @@
           <p:nvPr>
             <p:extLst>
               <p:ext uri="{386F3935-93C4-4BCD-93E2-E3B085C9AB24}">
-                <p16:designElem xmlns="" xmlns:p16="http://schemas.microsoft.com/office/powerpoint/2015/main" val="1"/>
+                <p16:designElem xmlns:p16="http://schemas.microsoft.com/office/powerpoint/2015/main" xmlns="" val="1"/>
               </p:ext>
             </p:extLst>
           </p:nvPr>
@@ -12268,10 +12260,10 @@
           <p:cNvPr id="12" name="Rectangle 11">
             <a:extLst>
               <a:ext uri="{FF2B5EF4-FFF2-40B4-BE49-F238E27FC236}">
-                <a16:creationId xmlns="" xmlns:a16="http://schemas.microsoft.com/office/drawing/2014/main" id="{BC4C4868-CB8F-4AF9-9CDB-8108F2C19B67}"/>
+                <a16:creationId xmlns:a16="http://schemas.microsoft.com/office/drawing/2014/main" xmlns="" id="{BC4C4868-CB8F-4AF9-9CDB-8108F2C19B67}"/>
               </a:ext>
               <a:ext uri="{C183D7F6-B498-43B3-948B-1728B52AA6E4}">
-                <adec:decorative xmlns="" xmlns:adec="http://schemas.microsoft.com/office/drawing/2017/decorative" val="1"/>
+                <adec:decorative xmlns:adec="http://schemas.microsoft.com/office/drawing/2017/decorative" xmlns="" val="1"/>
               </a:ext>
             </a:extLst>
           </p:cNvPr>
@@ -12281,7 +12273,7 @@
           <p:nvPr>
             <p:extLst>
               <p:ext uri="{386F3935-93C4-4BCD-93E2-E3B085C9AB24}">
-                <p16:designElem xmlns="" xmlns:p16="http://schemas.microsoft.com/office/powerpoint/2015/main" val="1"/>
+                <p16:designElem xmlns:p16="http://schemas.microsoft.com/office/powerpoint/2015/main" xmlns="" val="1"/>
               </p:ext>
             </p:extLst>
           </p:nvPr>
@@ -12344,10 +12336,10 @@
           <p:cNvPr id="14" name="Rectangle 13">
             <a:extLst>
               <a:ext uri="{FF2B5EF4-FFF2-40B4-BE49-F238E27FC236}">
-                <a16:creationId xmlns="" xmlns:a16="http://schemas.microsoft.com/office/drawing/2014/main" id="{375E0459-6403-40CD-989D-56A4407CA12E}"/>
+                <a16:creationId xmlns:a16="http://schemas.microsoft.com/office/drawing/2014/main" xmlns="" id="{375E0459-6403-40CD-989D-56A4407CA12E}"/>
               </a:ext>
               <a:ext uri="{C183D7F6-B498-43B3-948B-1728B52AA6E4}">
-                <adec:decorative xmlns="" xmlns:adec="http://schemas.microsoft.com/office/drawing/2017/decorative" val="1"/>
+                <adec:decorative xmlns:adec="http://schemas.microsoft.com/office/drawing/2017/decorative" xmlns="" val="1"/>
               </a:ext>
             </a:extLst>
           </p:cNvPr>
@@ -12357,7 +12349,7 @@
           <p:nvPr>
             <p:extLst>
               <p:ext uri="{386F3935-93C4-4BCD-93E2-E3B085C9AB24}">
-                <p16:designElem xmlns="" xmlns:p16="http://schemas.microsoft.com/office/powerpoint/2015/main" val="1"/>
+                <p16:designElem xmlns:p16="http://schemas.microsoft.com/office/powerpoint/2015/main" xmlns="" val="1"/>
               </p:ext>
             </p:extLst>
           </p:nvPr>
@@ -12419,10 +12411,10 @@
           <p:cNvPr id="16" name="Rectangle 15">
             <a:extLst>
               <a:ext uri="{FF2B5EF4-FFF2-40B4-BE49-F238E27FC236}">
-                <a16:creationId xmlns="" xmlns:a16="http://schemas.microsoft.com/office/drawing/2014/main" id="{53E5B1A8-3AC9-4BD1-9BBC-78CA94F2D1BA}"/>
+                <a16:creationId xmlns:a16="http://schemas.microsoft.com/office/drawing/2014/main" xmlns="" id="{53E5B1A8-3AC9-4BD1-9BBC-78CA94F2D1BA}"/>
               </a:ext>
               <a:ext uri="{C183D7F6-B498-43B3-948B-1728B52AA6E4}">
-                <adec:decorative xmlns="" xmlns:adec="http://schemas.microsoft.com/office/drawing/2017/decorative" val="1"/>
+                <adec:decorative xmlns:adec="http://schemas.microsoft.com/office/drawing/2017/decorative" xmlns="" val="1"/>
               </a:ext>
             </a:extLst>
           </p:cNvPr>
@@ -12432,7 +12424,7 @@
           <p:nvPr>
             <p:extLst>
               <p:ext uri="{386F3935-93C4-4BCD-93E2-E3B085C9AB24}">
-                <p16:designElem xmlns="" xmlns:p16="http://schemas.microsoft.com/office/powerpoint/2015/main" val="1"/>
+                <p16:designElem xmlns:p16="http://schemas.microsoft.com/office/powerpoint/2015/main" xmlns="" val="1"/>
               </p:ext>
             </p:extLst>
           </p:nvPr>
@@ -12495,7 +12487,7 @@
           <p:cNvPr id="2" name="제목 1">
             <a:extLst>
               <a:ext uri="{FF2B5EF4-FFF2-40B4-BE49-F238E27FC236}">
-                <a16:creationId xmlns="" xmlns:a16="http://schemas.microsoft.com/office/drawing/2014/main" id="{1E22F2AF-C56D-6CEA-8BEA-37CE752EA65A}"/>
+                <a16:creationId xmlns:a16="http://schemas.microsoft.com/office/drawing/2014/main" xmlns="" id="{1E22F2AF-C56D-6CEA-8BEA-37CE752EA65A}"/>
               </a:ext>
             </a:extLst>
           </p:cNvPr>
@@ -12534,7 +12526,7 @@
           <p:cNvPr id="3" name="내용 개체 틀 2">
             <a:extLst>
               <a:ext uri="{FF2B5EF4-FFF2-40B4-BE49-F238E27FC236}">
-                <a16:creationId xmlns="" xmlns:a16="http://schemas.microsoft.com/office/drawing/2014/main" id="{2A7D2632-3F9C-4E2E-A88F-68CC75703511}"/>
+                <a16:creationId xmlns:a16="http://schemas.microsoft.com/office/drawing/2014/main" xmlns="" id="{2A7D2632-3F9C-4E2E-A88F-68CC75703511}"/>
               </a:ext>
             </a:extLst>
           </p:cNvPr>
@@ -12603,11 +12595,7 @@
             </a:r>
             <a:r>
               <a:rPr lang="ko-KR" altLang="en-US" sz="2000" dirty="0" smtClean="0"/>
-              <a:t>사용 불가한 </a:t>
-            </a:r>
-            <a:r>
-              <a:rPr lang="ko-KR" altLang="en-US" sz="2000" dirty="0" smtClean="0"/>
-              <a:t>자리를 막아놓는다던가 임의적으로 뒷자리를 막는다거나 하여 </a:t>
+              <a:t>사용 불가한 자리를 막아놓는다던가 임의적으로 뒷자리를 막는다거나 하여 </a:t>
             </a:r>
             <a:endParaRPr lang="en-US" altLang="ko-KR" sz="2000" dirty="0"/>
           </a:p>
@@ -12621,11 +12609,7 @@
             </a:r>
             <a:r>
               <a:rPr lang="ko-KR" altLang="en-US" sz="2000" dirty="0" smtClean="0"/>
-              <a:t>수업 참여도를 </a:t>
-            </a:r>
-            <a:r>
-              <a:rPr lang="ko-KR" altLang="en-US" sz="2000" dirty="0" smtClean="0"/>
-              <a:t>올리는 방향으로 활용할 수 있음</a:t>
+              <a:t>수업 참여도를 올리는 방향으로 활용할 수 있음</a:t>
             </a:r>
             <a:endParaRPr lang="en-US" altLang="ko-KR" sz="2000" dirty="0" smtClean="0"/>
           </a:p>
@@ -12678,10 +12662,10 @@
           <p:cNvPr id="8" name="Rectangle 7">
             <a:extLst>
               <a:ext uri="{FF2B5EF4-FFF2-40B4-BE49-F238E27FC236}">
-                <a16:creationId xmlns="" xmlns:a16="http://schemas.microsoft.com/office/drawing/2014/main" id="{1B15ED52-F352-441B-82BF-E0EA34836D08}"/>
+                <a16:creationId xmlns:a16="http://schemas.microsoft.com/office/drawing/2014/main" xmlns="" id="{1B15ED52-F352-441B-82BF-E0EA34836D08}"/>
               </a:ext>
               <a:ext uri="{C183D7F6-B498-43B3-948B-1728B52AA6E4}">
-                <adec:decorative xmlns="" xmlns:adec="http://schemas.microsoft.com/office/drawing/2017/decorative" val="1"/>
+                <adec:decorative xmlns:adec="http://schemas.microsoft.com/office/drawing/2017/decorative" xmlns="" val="1"/>
               </a:ext>
             </a:extLst>
           </p:cNvPr>
@@ -12691,7 +12675,7 @@
           <p:nvPr>
             <p:extLst>
               <p:ext uri="{386F3935-93C4-4BCD-93E2-E3B085C9AB24}">
-                <p16:designElem xmlns="" xmlns:p16="http://schemas.microsoft.com/office/powerpoint/2015/main" val="1"/>
+                <p16:designElem xmlns:p16="http://schemas.microsoft.com/office/powerpoint/2015/main" xmlns="" val="1"/>
               </p:ext>
             </p:extLst>
           </p:nvPr>
@@ -12754,10 +12738,10 @@
           <p:cNvPr id="10" name="Rectangle 9">
             <a:extLst>
               <a:ext uri="{FF2B5EF4-FFF2-40B4-BE49-F238E27FC236}">
-                <a16:creationId xmlns="" xmlns:a16="http://schemas.microsoft.com/office/drawing/2014/main" id="{3B2E3793-BFE6-45A2-9B7B-E18844431C99}"/>
+                <a16:creationId xmlns:a16="http://schemas.microsoft.com/office/drawing/2014/main" xmlns="" id="{3B2E3793-BFE6-45A2-9B7B-E18844431C99}"/>
               </a:ext>
               <a:ext uri="{C183D7F6-B498-43B3-948B-1728B52AA6E4}">
-                <adec:decorative xmlns="" xmlns:adec="http://schemas.microsoft.com/office/drawing/2017/decorative" val="1"/>
+                <adec:decorative xmlns:adec="http://schemas.microsoft.com/office/drawing/2017/decorative" xmlns="" val="1"/>
               </a:ext>
             </a:extLst>
           </p:cNvPr>
@@ -12767,7 +12751,7 @@
           <p:nvPr>
             <p:extLst>
               <p:ext uri="{386F3935-93C4-4BCD-93E2-E3B085C9AB24}">
-                <p16:designElem xmlns="" xmlns:p16="http://schemas.microsoft.com/office/powerpoint/2015/main" val="1"/>
+                <p16:designElem xmlns:p16="http://schemas.microsoft.com/office/powerpoint/2015/main" xmlns="" val="1"/>
               </p:ext>
             </p:extLst>
           </p:nvPr>
@@ -12827,10 +12811,10 @@
           <p:cNvPr id="12" name="Rectangle 11">
             <a:extLst>
               <a:ext uri="{FF2B5EF4-FFF2-40B4-BE49-F238E27FC236}">
-                <a16:creationId xmlns="" xmlns:a16="http://schemas.microsoft.com/office/drawing/2014/main" id="{BC4C4868-CB8F-4AF9-9CDB-8108F2C19B67}"/>
+                <a16:creationId xmlns:a16="http://schemas.microsoft.com/office/drawing/2014/main" xmlns="" id="{BC4C4868-CB8F-4AF9-9CDB-8108F2C19B67}"/>
               </a:ext>
               <a:ext uri="{C183D7F6-B498-43B3-948B-1728B52AA6E4}">
-                <adec:decorative xmlns="" xmlns:adec="http://schemas.microsoft.com/office/drawing/2017/decorative" val="1"/>
+                <adec:decorative xmlns:adec="http://schemas.microsoft.com/office/drawing/2017/decorative" xmlns="" val="1"/>
               </a:ext>
             </a:extLst>
           </p:cNvPr>
@@ -12840,7 +12824,7 @@
           <p:nvPr>
             <p:extLst>
               <p:ext uri="{386F3935-93C4-4BCD-93E2-E3B085C9AB24}">
-                <p16:designElem xmlns="" xmlns:p16="http://schemas.microsoft.com/office/powerpoint/2015/main" val="1"/>
+                <p16:designElem xmlns:p16="http://schemas.microsoft.com/office/powerpoint/2015/main" xmlns="" val="1"/>
               </p:ext>
             </p:extLst>
           </p:nvPr>
@@ -12903,10 +12887,10 @@
           <p:cNvPr id="14" name="Rectangle 13">
             <a:extLst>
               <a:ext uri="{FF2B5EF4-FFF2-40B4-BE49-F238E27FC236}">
-                <a16:creationId xmlns="" xmlns:a16="http://schemas.microsoft.com/office/drawing/2014/main" id="{375E0459-6403-40CD-989D-56A4407CA12E}"/>
+                <a16:creationId xmlns:a16="http://schemas.microsoft.com/office/drawing/2014/main" xmlns="" id="{375E0459-6403-40CD-989D-56A4407CA12E}"/>
               </a:ext>
               <a:ext uri="{C183D7F6-B498-43B3-948B-1728B52AA6E4}">
-                <adec:decorative xmlns="" xmlns:adec="http://schemas.microsoft.com/office/drawing/2017/decorative" val="1"/>
+                <adec:decorative xmlns:adec="http://schemas.microsoft.com/office/drawing/2017/decorative" xmlns="" val="1"/>
               </a:ext>
             </a:extLst>
           </p:cNvPr>
@@ -12916,7 +12900,7 @@
           <p:nvPr>
             <p:extLst>
               <p:ext uri="{386F3935-93C4-4BCD-93E2-E3B085C9AB24}">
-                <p16:designElem xmlns="" xmlns:p16="http://schemas.microsoft.com/office/powerpoint/2015/main" val="1"/>
+                <p16:designElem xmlns:p16="http://schemas.microsoft.com/office/powerpoint/2015/main" xmlns="" val="1"/>
               </p:ext>
             </p:extLst>
           </p:nvPr>
@@ -12978,10 +12962,10 @@
           <p:cNvPr id="16" name="Rectangle 15">
             <a:extLst>
               <a:ext uri="{FF2B5EF4-FFF2-40B4-BE49-F238E27FC236}">
-                <a16:creationId xmlns="" xmlns:a16="http://schemas.microsoft.com/office/drawing/2014/main" id="{53E5B1A8-3AC9-4BD1-9BBC-78CA94F2D1BA}"/>
+                <a16:creationId xmlns:a16="http://schemas.microsoft.com/office/drawing/2014/main" xmlns="" id="{53E5B1A8-3AC9-4BD1-9BBC-78CA94F2D1BA}"/>
               </a:ext>
               <a:ext uri="{C183D7F6-B498-43B3-948B-1728B52AA6E4}">
-                <adec:decorative xmlns="" xmlns:adec="http://schemas.microsoft.com/office/drawing/2017/decorative" val="1"/>
+                <adec:decorative xmlns:adec="http://schemas.microsoft.com/office/drawing/2017/decorative" xmlns="" val="1"/>
               </a:ext>
             </a:extLst>
           </p:cNvPr>
@@ -12991,7 +12975,7 @@
           <p:nvPr>
             <p:extLst>
               <p:ext uri="{386F3935-93C4-4BCD-93E2-E3B085C9AB24}">
-                <p16:designElem xmlns="" xmlns:p16="http://schemas.microsoft.com/office/powerpoint/2015/main" val="1"/>
+                <p16:designElem xmlns:p16="http://schemas.microsoft.com/office/powerpoint/2015/main" xmlns="" val="1"/>
               </p:ext>
             </p:extLst>
           </p:nvPr>
@@ -13054,7 +13038,7 @@
           <p:cNvPr id="2" name="제목 1">
             <a:extLst>
               <a:ext uri="{FF2B5EF4-FFF2-40B4-BE49-F238E27FC236}">
-                <a16:creationId xmlns="" xmlns:a16="http://schemas.microsoft.com/office/drawing/2014/main" id="{D7235457-A6C6-F577-0AE8-2492AED11FDF}"/>
+                <a16:creationId xmlns:a16="http://schemas.microsoft.com/office/drawing/2014/main" xmlns="" id="{D7235457-A6C6-F577-0AE8-2492AED11FDF}"/>
               </a:ext>
             </a:extLst>
           </p:cNvPr>
@@ -13078,13 +13062,18 @@
           <a:lstStyle/>
           <a:p>
             <a:r>
-              <a:rPr lang="ko-KR" altLang="en-US" sz="4000">
+              <a:rPr lang="ko-KR" altLang="en-US" sz="4000" dirty="0" smtClean="0">
                 <a:solidFill>
                   <a:srgbClr val="FFFFFF"/>
                 </a:solidFill>
               </a:rPr>
-              <a:t>어려움</a:t>
-            </a:r>
+              <a:t>어려웠던 점</a:t>
+            </a:r>
+            <a:endParaRPr lang="ko-KR" altLang="en-US" sz="4000" dirty="0">
+              <a:solidFill>
+                <a:srgbClr val="FFFFFF"/>
+              </a:solidFill>
+            </a:endParaRPr>
           </a:p>
         </p:txBody>
       </p:sp>
@@ -13093,7 +13082,7 @@
           <p:cNvPr id="3" name="내용 개체 틀 2">
             <a:extLst>
               <a:ext uri="{FF2B5EF4-FFF2-40B4-BE49-F238E27FC236}">
-                <a16:creationId xmlns="" xmlns:a16="http://schemas.microsoft.com/office/drawing/2014/main" id="{A20C815D-EDE1-56C7-1746-3EB7001DB7A4}"/>
+                <a16:creationId xmlns:a16="http://schemas.microsoft.com/office/drawing/2014/main" xmlns="" id="{A20C815D-EDE1-56C7-1746-3EB7001DB7A4}"/>
               </a:ext>
             </a:extLst>
           </p:cNvPr>

--- a/doc/TBFG 모바일 프로젝트.pptx
+++ b/doc/TBFG 모바일 프로젝트.pptx
@@ -1096,284 +1096,6 @@
       <dsp:cNvGrpSpPr/>
     </dsp:nvGrpSpPr>
     <dsp:grpSpPr/>
-    <dsp:sp modelId="{915EC1DB-BC46-4F7A-A6AD-E65F9177E6F5}">
-      <dsp:nvSpPr>
-        <dsp:cNvPr id="0" name=""/>
-        <dsp:cNvSpPr/>
-      </dsp:nvSpPr>
-      <dsp:spPr>
-        <a:xfrm>
-          <a:off x="629" y="861165"/>
-          <a:ext cx="2209940" cy="1403312"/>
-        </a:xfrm>
-        <a:prstGeom prst="roundRect">
-          <a:avLst>
-            <a:gd name="adj" fmla="val 10000"/>
-          </a:avLst>
-        </a:prstGeom>
-        <a:solidFill>
-          <a:schemeClr val="accent1">
-            <a:hueOff val="0"/>
-            <a:satOff val="0"/>
-            <a:lumOff val="0"/>
-            <a:alphaOff val="0"/>
-          </a:schemeClr>
-        </a:solidFill>
-        <a:ln w="19050" cap="flat" cmpd="sng" algn="ctr">
-          <a:solidFill>
-            <a:schemeClr val="lt1">
-              <a:hueOff val="0"/>
-              <a:satOff val="0"/>
-              <a:lumOff val="0"/>
-              <a:alphaOff val="0"/>
-            </a:schemeClr>
-          </a:solidFill>
-          <a:prstDash val="solid"/>
-          <a:miter lim="800000"/>
-        </a:ln>
-        <a:effectLst/>
-      </dsp:spPr>
-      <dsp:style>
-        <a:lnRef idx="2">
-          <a:scrgbClr r="0" g="0" b="0"/>
-        </a:lnRef>
-        <a:fillRef idx="1">
-          <a:scrgbClr r="0" g="0" b="0"/>
-        </a:fillRef>
-        <a:effectRef idx="0">
-          <a:scrgbClr r="0" g="0" b="0"/>
-        </a:effectRef>
-        <a:fontRef idx="minor">
-          <a:schemeClr val="lt1"/>
-        </a:fontRef>
-      </dsp:style>
-    </dsp:sp>
-    <dsp:sp modelId="{F9B2F84B-7703-4D1A-BBFC-BAB80DA8FF86}">
-      <dsp:nvSpPr>
-        <dsp:cNvPr id="0" name=""/>
-        <dsp:cNvSpPr/>
-      </dsp:nvSpPr>
-      <dsp:spPr>
-        <a:xfrm>
-          <a:off x="246178" y="1094436"/>
-          <a:ext cx="2209940" cy="1403312"/>
-        </a:xfrm>
-        <a:prstGeom prst="roundRect">
-          <a:avLst>
-            <a:gd name="adj" fmla="val 10000"/>
-          </a:avLst>
-        </a:prstGeom>
-        <a:solidFill>
-          <a:schemeClr val="lt1">
-            <a:alpha val="90000"/>
-            <a:hueOff val="0"/>
-            <a:satOff val="0"/>
-            <a:lumOff val="0"/>
-            <a:alphaOff val="0"/>
-          </a:schemeClr>
-        </a:solidFill>
-        <a:ln w="19050" cap="flat" cmpd="sng" algn="ctr">
-          <a:solidFill>
-            <a:schemeClr val="accent1">
-              <a:hueOff val="0"/>
-              <a:satOff val="0"/>
-              <a:lumOff val="0"/>
-              <a:alphaOff val="0"/>
-            </a:schemeClr>
-          </a:solidFill>
-          <a:prstDash val="solid"/>
-          <a:miter lim="800000"/>
-        </a:ln>
-        <a:effectLst/>
-      </dsp:spPr>
-      <dsp:style>
-        <a:lnRef idx="2">
-          <a:scrgbClr r="0" g="0" b="0"/>
-        </a:lnRef>
-        <a:fillRef idx="1">
-          <a:scrgbClr r="0" g="0" b="0"/>
-        </a:fillRef>
-        <a:effectRef idx="0">
-          <a:scrgbClr r="0" g="0" b="0"/>
-        </a:effectRef>
-        <a:fontRef idx="minor"/>
-      </dsp:style>
-      <dsp:txBody>
-        <a:bodyPr spcFirstLastPara="0" vert="horz" wrap="square" lIns="64770" tIns="64770" rIns="64770" bIns="64770" numCol="1" spcCol="1270" anchor="ctr" anchorCtr="0">
-          <a:noAutofit/>
-        </a:bodyPr>
-        <a:lstStyle/>
-        <a:p>
-          <a:pPr lvl="0" algn="ctr" defTabSz="755650">
-            <a:lnSpc>
-              <a:spcPct val="90000"/>
-            </a:lnSpc>
-            <a:spcBef>
-              <a:spcPct val="0"/>
-            </a:spcBef>
-            <a:spcAft>
-              <a:spcPct val="35000"/>
-            </a:spcAft>
-          </a:pPr>
-          <a:r>
-            <a:rPr lang="ko-KR" sz="1700" b="0" i="0" kern="1200"/>
-            <a:t>강의실 내 원하는 자리를 사전 예약할 수 있는 시스템 구축</a:t>
-          </a:r>
-          <a:endParaRPr lang="en-US" sz="1700" kern="1200"/>
-        </a:p>
-      </dsp:txBody>
-      <dsp:txXfrm>
-        <a:off x="287280" y="1135538"/>
-        <a:ext cx="2127736" cy="1321108"/>
-      </dsp:txXfrm>
-    </dsp:sp>
-    <dsp:sp modelId="{796D07AA-87B6-42C9-A66F-7CF35E79A26D}">
-      <dsp:nvSpPr>
-        <dsp:cNvPr id="0" name=""/>
-        <dsp:cNvSpPr/>
-      </dsp:nvSpPr>
-      <dsp:spPr>
-        <a:xfrm>
-          <a:off x="2701667" y="861165"/>
-          <a:ext cx="2209940" cy="1403312"/>
-        </a:xfrm>
-        <a:prstGeom prst="roundRect">
-          <a:avLst>
-            <a:gd name="adj" fmla="val 10000"/>
-          </a:avLst>
-        </a:prstGeom>
-        <a:solidFill>
-          <a:schemeClr val="accent1">
-            <a:hueOff val="0"/>
-            <a:satOff val="0"/>
-            <a:lumOff val="0"/>
-            <a:alphaOff val="0"/>
-          </a:schemeClr>
-        </a:solidFill>
-        <a:ln w="19050" cap="flat" cmpd="sng" algn="ctr">
-          <a:solidFill>
-            <a:schemeClr val="lt1">
-              <a:hueOff val="0"/>
-              <a:satOff val="0"/>
-              <a:lumOff val="0"/>
-              <a:alphaOff val="0"/>
-            </a:schemeClr>
-          </a:solidFill>
-          <a:prstDash val="solid"/>
-          <a:miter lim="800000"/>
-        </a:ln>
-        <a:effectLst/>
-      </dsp:spPr>
-      <dsp:style>
-        <a:lnRef idx="2">
-          <a:scrgbClr r="0" g="0" b="0"/>
-        </a:lnRef>
-        <a:fillRef idx="1">
-          <a:scrgbClr r="0" g="0" b="0"/>
-        </a:fillRef>
-        <a:effectRef idx="0">
-          <a:scrgbClr r="0" g="0" b="0"/>
-        </a:effectRef>
-        <a:fontRef idx="minor">
-          <a:schemeClr val="lt1"/>
-        </a:fontRef>
-      </dsp:style>
-    </dsp:sp>
-    <dsp:sp modelId="{DB0861DB-973B-4778-8A9F-880AFACD4AF2}">
-      <dsp:nvSpPr>
-        <dsp:cNvPr id="0" name=""/>
-        <dsp:cNvSpPr/>
-      </dsp:nvSpPr>
-      <dsp:spPr>
-        <a:xfrm>
-          <a:off x="2947216" y="1094436"/>
-          <a:ext cx="2209940" cy="1403312"/>
-        </a:xfrm>
-        <a:prstGeom prst="roundRect">
-          <a:avLst>
-            <a:gd name="adj" fmla="val 10000"/>
-          </a:avLst>
-        </a:prstGeom>
-        <a:solidFill>
-          <a:schemeClr val="lt1">
-            <a:alpha val="90000"/>
-            <a:hueOff val="0"/>
-            <a:satOff val="0"/>
-            <a:lumOff val="0"/>
-            <a:alphaOff val="0"/>
-          </a:schemeClr>
-        </a:solidFill>
-        <a:ln w="19050" cap="flat" cmpd="sng" algn="ctr">
-          <a:solidFill>
-            <a:schemeClr val="accent1">
-              <a:hueOff val="0"/>
-              <a:satOff val="0"/>
-              <a:lumOff val="0"/>
-              <a:alphaOff val="0"/>
-            </a:schemeClr>
-          </a:solidFill>
-          <a:prstDash val="solid"/>
-          <a:miter lim="800000"/>
-        </a:ln>
-        <a:effectLst/>
-      </dsp:spPr>
-      <dsp:style>
-        <a:lnRef idx="2">
-          <a:scrgbClr r="0" g="0" b="0"/>
-        </a:lnRef>
-        <a:fillRef idx="1">
-          <a:scrgbClr r="0" g="0" b="0"/>
-        </a:fillRef>
-        <a:effectRef idx="0">
-          <a:scrgbClr r="0" g="0" b="0"/>
-        </a:effectRef>
-        <a:fontRef idx="minor"/>
-      </dsp:style>
-      <dsp:txBody>
-        <a:bodyPr spcFirstLastPara="0" vert="horz" wrap="square" lIns="64770" tIns="64770" rIns="64770" bIns="64770" numCol="1" spcCol="1270" anchor="ctr" anchorCtr="0">
-          <a:noAutofit/>
-        </a:bodyPr>
-        <a:lstStyle/>
-        <a:p>
-          <a:pPr lvl="0" algn="ctr" defTabSz="755650">
-            <a:lnSpc>
-              <a:spcPct val="90000"/>
-            </a:lnSpc>
-            <a:spcBef>
-              <a:spcPct val="0"/>
-            </a:spcBef>
-            <a:spcAft>
-              <a:spcPct val="35000"/>
-            </a:spcAft>
-          </a:pPr>
-          <a:r>
-            <a:rPr lang="ko-KR" sz="1700" kern="1200"/>
-            <a:t>예약 시 제공된 </a:t>
-          </a:r>
-          <a:r>
-            <a:rPr lang="en-US" sz="1700" kern="1200"/>
-            <a:t>OTP</a:t>
-          </a:r>
-          <a:r>
-            <a:rPr lang="ko-KR" sz="1700" kern="1200"/>
-            <a:t>를 통해 </a:t>
-          </a:r>
-          <a:r>
-            <a:rPr lang="en-US" sz="1700" kern="1200"/>
-            <a:t>PC </a:t>
-          </a:r>
-          <a:r>
-            <a:rPr lang="ko-KR" sz="1700" kern="1200"/>
-            <a:t>잠금 해제 기능 제공</a:t>
-          </a:r>
-          <a:endParaRPr lang="en-US" sz="1700" kern="1200"/>
-        </a:p>
-      </dsp:txBody>
-      <dsp:txXfrm>
-        <a:off x="2988318" y="1135538"/>
-        <a:ext cx="2127736" cy="1321108"/>
-      </dsp:txXfrm>
-    </dsp:sp>
   </dsp:spTree>
 </dsp:drawing>
 </file>
@@ -3057,7 +2779,7 @@
           <a:p>
             <a:fld id="{004A430E-4F11-4499-B734-F5B8B434B6D9}" type="datetimeFigureOut">
               <a:rPr lang="ko-KR" altLang="en-US" smtClean="0"/>
-              <a:t>2024-06-02</a:t>
+              <a:t>2024-06-03</a:t>
             </a:fld>
             <a:endParaRPr lang="ko-KR" altLang="en-US"/>
           </a:p>
@@ -3492,6 +3214,90 @@
 </p:notes>
 </file>
 
+<file path=ppt/notesSlides/notesSlide3.xml><?xml version="1.0" encoding="utf-8"?>
+<p:notes xmlns:a="http://schemas.openxmlformats.org/drawingml/2006/main" xmlns:r="http://schemas.openxmlformats.org/officeDocument/2006/relationships" xmlns:p="http://schemas.openxmlformats.org/presentationml/2006/main">
+  <p:cSld>
+    <p:spTree>
+      <p:nvGrpSpPr>
+        <p:cNvPr id="1" name=""/>
+        <p:cNvGrpSpPr/>
+        <p:nvPr/>
+      </p:nvGrpSpPr>
+      <p:grpSpPr>
+        <a:xfrm>
+          <a:off x="0" y="0"/>
+          <a:ext cx="0" cy="0"/>
+          <a:chOff x="0" y="0"/>
+          <a:chExt cx="0" cy="0"/>
+        </a:xfrm>
+      </p:grpSpPr>
+      <p:sp>
+        <p:nvSpPr>
+          <p:cNvPr id="2" name="슬라이드 이미지 개체 틀 1"/>
+          <p:cNvSpPr>
+            <a:spLocks noGrp="1" noRot="1" noChangeAspect="1"/>
+          </p:cNvSpPr>
+          <p:nvPr>
+            <p:ph type="sldImg"/>
+          </p:nvPr>
+        </p:nvSpPr>
+        <p:spPr/>
+      </p:sp>
+      <p:sp>
+        <p:nvSpPr>
+          <p:cNvPr id="3" name="슬라이드 노트 개체 틀 2"/>
+          <p:cNvSpPr>
+            <a:spLocks noGrp="1"/>
+          </p:cNvSpPr>
+          <p:nvPr>
+            <p:ph type="body" idx="1"/>
+          </p:nvPr>
+        </p:nvSpPr>
+        <p:spPr/>
+        <p:txBody>
+          <a:bodyPr/>
+          <a:lstStyle/>
+          <a:p>
+            <a:endParaRPr lang="ko-KR" altLang="en-US" dirty="0"/>
+          </a:p>
+        </p:txBody>
+      </p:sp>
+      <p:sp>
+        <p:nvSpPr>
+          <p:cNvPr id="4" name="슬라이드 번호 개체 틀 3"/>
+          <p:cNvSpPr>
+            <a:spLocks noGrp="1"/>
+          </p:cNvSpPr>
+          <p:nvPr>
+            <p:ph type="sldNum" sz="quarter" idx="5"/>
+          </p:nvPr>
+        </p:nvSpPr>
+        <p:spPr/>
+        <p:txBody>
+          <a:bodyPr/>
+          <a:lstStyle/>
+          <a:p>
+            <a:fld id="{C4C78B06-1F31-448F-8A2C-F303A3145EBD}" type="slidenum">
+              <a:rPr lang="ko-KR" altLang="en-US" smtClean="0"/>
+              <a:t>8</a:t>
+            </a:fld>
+            <a:endParaRPr lang="ko-KR" altLang="en-US"/>
+          </a:p>
+        </p:txBody>
+      </p:sp>
+    </p:spTree>
+    <p:extLst>
+      <p:ext uri="{BB962C8B-B14F-4D97-AF65-F5344CB8AC3E}">
+        <p14:creationId xmlns:p14="http://schemas.microsoft.com/office/powerpoint/2010/main" val="3097034209"/>
+      </p:ext>
+    </p:extLst>
+  </p:cSld>
+  <p:clrMapOvr>
+    <a:masterClrMapping/>
+  </p:clrMapOvr>
+</p:notes>
+</file>
+
 <file path=ppt/slideLayouts/slideLayout1.xml><?xml version="1.0" encoding="utf-8"?>
 <p:sldLayout xmlns:a="http://schemas.openxmlformats.org/drawingml/2006/main" xmlns:r="http://schemas.openxmlformats.org/officeDocument/2006/relationships" xmlns:p="http://schemas.openxmlformats.org/presentationml/2006/main" type="title" preserve="1">
   <p:cSld name="제목 슬라이드">
@@ -3514,7 +3320,7 @@
           <p:cNvPr id="2" name="제목 1">
             <a:extLst>
               <a:ext uri="{FF2B5EF4-FFF2-40B4-BE49-F238E27FC236}">
-                <a16:creationId xmlns:a16="http://schemas.microsoft.com/office/drawing/2014/main" xmlns="" id="{124A51D6-DBA9-BE8F-8D24-A679BEC07BB6}"/>
+                <a16:creationId xmlns="" xmlns:a16="http://schemas.microsoft.com/office/drawing/2014/main" id="{124A51D6-DBA9-BE8F-8D24-A679BEC07BB6}"/>
               </a:ext>
             </a:extLst>
           </p:cNvPr>
@@ -3551,7 +3357,7 @@
           <p:cNvPr id="3" name="부제목 2">
             <a:extLst>
               <a:ext uri="{FF2B5EF4-FFF2-40B4-BE49-F238E27FC236}">
-                <a16:creationId xmlns:a16="http://schemas.microsoft.com/office/drawing/2014/main" xmlns="" id="{0A8C71ED-F94B-F28E-6883-F23620BCACF9}"/>
+                <a16:creationId xmlns="" xmlns:a16="http://schemas.microsoft.com/office/drawing/2014/main" id="{0A8C71ED-F94B-F28E-6883-F23620BCACF9}"/>
               </a:ext>
             </a:extLst>
           </p:cNvPr>
@@ -3621,7 +3427,7 @@
           <p:cNvPr id="4" name="날짜 개체 틀 3">
             <a:extLst>
               <a:ext uri="{FF2B5EF4-FFF2-40B4-BE49-F238E27FC236}">
-                <a16:creationId xmlns:a16="http://schemas.microsoft.com/office/drawing/2014/main" xmlns="" id="{C99F6AC2-87FC-DBFE-B006-E814B68EF01E}"/>
+                <a16:creationId xmlns="" xmlns:a16="http://schemas.microsoft.com/office/drawing/2014/main" id="{C99F6AC2-87FC-DBFE-B006-E814B68EF01E}"/>
               </a:ext>
             </a:extLst>
           </p:cNvPr>
@@ -3639,7 +3445,7 @@
           <a:p>
             <a:fld id="{FEB435AB-BD11-44F8-9C28-386A4E2DFD7A}" type="datetimeFigureOut">
               <a:rPr lang="ko-KR" altLang="en-US" smtClean="0"/>
-              <a:t>2024-06-02</a:t>
+              <a:t>2024-06-03</a:t>
             </a:fld>
             <a:endParaRPr lang="ko-KR" altLang="en-US"/>
           </a:p>
@@ -3650,7 +3456,7 @@
           <p:cNvPr id="5" name="바닥글 개체 틀 4">
             <a:extLst>
               <a:ext uri="{FF2B5EF4-FFF2-40B4-BE49-F238E27FC236}">
-                <a16:creationId xmlns:a16="http://schemas.microsoft.com/office/drawing/2014/main" xmlns="" id="{873A8C28-E376-42DF-E684-08172FF76185}"/>
+                <a16:creationId xmlns="" xmlns:a16="http://schemas.microsoft.com/office/drawing/2014/main" id="{873A8C28-E376-42DF-E684-08172FF76185}"/>
               </a:ext>
             </a:extLst>
           </p:cNvPr>
@@ -3675,7 +3481,7 @@
           <p:cNvPr id="6" name="슬라이드 번호 개체 틀 5">
             <a:extLst>
               <a:ext uri="{FF2B5EF4-FFF2-40B4-BE49-F238E27FC236}">
-                <a16:creationId xmlns:a16="http://schemas.microsoft.com/office/drawing/2014/main" xmlns="" id="{C39D65F8-A723-6DA7-C817-1C933D25BDF1}"/>
+                <a16:creationId xmlns="" xmlns:a16="http://schemas.microsoft.com/office/drawing/2014/main" id="{C39D65F8-A723-6DA7-C817-1C933D25BDF1}"/>
               </a:ext>
             </a:extLst>
           </p:cNvPr>
@@ -3734,7 +3540,7 @@
           <p:cNvPr id="2" name="제목 1">
             <a:extLst>
               <a:ext uri="{FF2B5EF4-FFF2-40B4-BE49-F238E27FC236}">
-                <a16:creationId xmlns:a16="http://schemas.microsoft.com/office/drawing/2014/main" xmlns="" id="{7B3D8512-A985-E2F9-052F-0D5D5D792A32}"/>
+                <a16:creationId xmlns="" xmlns:a16="http://schemas.microsoft.com/office/drawing/2014/main" id="{7B3D8512-A985-E2F9-052F-0D5D5D792A32}"/>
               </a:ext>
             </a:extLst>
           </p:cNvPr>
@@ -3762,7 +3568,7 @@
           <p:cNvPr id="3" name="세로 텍스트 개체 틀 2">
             <a:extLst>
               <a:ext uri="{FF2B5EF4-FFF2-40B4-BE49-F238E27FC236}">
-                <a16:creationId xmlns:a16="http://schemas.microsoft.com/office/drawing/2014/main" xmlns="" id="{564E68EA-3BC6-5CE9-2666-69DD649BBF83}"/>
+                <a16:creationId xmlns="" xmlns:a16="http://schemas.microsoft.com/office/drawing/2014/main" id="{564E68EA-3BC6-5CE9-2666-69DD649BBF83}"/>
               </a:ext>
             </a:extLst>
           </p:cNvPr>
@@ -3819,7 +3625,7 @@
           <p:cNvPr id="4" name="날짜 개체 틀 3">
             <a:extLst>
               <a:ext uri="{FF2B5EF4-FFF2-40B4-BE49-F238E27FC236}">
-                <a16:creationId xmlns:a16="http://schemas.microsoft.com/office/drawing/2014/main" xmlns="" id="{150E0970-5134-657E-EDC9-D97DBBF9CD65}"/>
+                <a16:creationId xmlns="" xmlns:a16="http://schemas.microsoft.com/office/drawing/2014/main" id="{150E0970-5134-657E-EDC9-D97DBBF9CD65}"/>
               </a:ext>
             </a:extLst>
           </p:cNvPr>
@@ -3837,7 +3643,7 @@
           <a:p>
             <a:fld id="{FEB435AB-BD11-44F8-9C28-386A4E2DFD7A}" type="datetimeFigureOut">
               <a:rPr lang="ko-KR" altLang="en-US" smtClean="0"/>
-              <a:t>2024-06-02</a:t>
+              <a:t>2024-06-03</a:t>
             </a:fld>
             <a:endParaRPr lang="ko-KR" altLang="en-US"/>
           </a:p>
@@ -3848,7 +3654,7 @@
           <p:cNvPr id="5" name="바닥글 개체 틀 4">
             <a:extLst>
               <a:ext uri="{FF2B5EF4-FFF2-40B4-BE49-F238E27FC236}">
-                <a16:creationId xmlns:a16="http://schemas.microsoft.com/office/drawing/2014/main" xmlns="" id="{A6746D8E-43B9-5841-81E1-0B05635B6E77}"/>
+                <a16:creationId xmlns="" xmlns:a16="http://schemas.microsoft.com/office/drawing/2014/main" id="{A6746D8E-43B9-5841-81E1-0B05635B6E77}"/>
               </a:ext>
             </a:extLst>
           </p:cNvPr>
@@ -3873,7 +3679,7 @@
           <p:cNvPr id="6" name="슬라이드 번호 개체 틀 5">
             <a:extLst>
               <a:ext uri="{FF2B5EF4-FFF2-40B4-BE49-F238E27FC236}">
-                <a16:creationId xmlns:a16="http://schemas.microsoft.com/office/drawing/2014/main" xmlns="" id="{FB62CF8F-0F7F-D77C-A82B-58685D6B456F}"/>
+                <a16:creationId xmlns="" xmlns:a16="http://schemas.microsoft.com/office/drawing/2014/main" id="{FB62CF8F-0F7F-D77C-A82B-58685D6B456F}"/>
               </a:ext>
             </a:extLst>
           </p:cNvPr>
@@ -3932,7 +3738,7 @@
           <p:cNvPr id="2" name="세로 제목 1">
             <a:extLst>
               <a:ext uri="{FF2B5EF4-FFF2-40B4-BE49-F238E27FC236}">
-                <a16:creationId xmlns:a16="http://schemas.microsoft.com/office/drawing/2014/main" xmlns="" id="{E0F71C47-1703-8BDA-2C79-993C0BC0BD30}"/>
+                <a16:creationId xmlns="" xmlns:a16="http://schemas.microsoft.com/office/drawing/2014/main" id="{E0F71C47-1703-8BDA-2C79-993C0BC0BD30}"/>
               </a:ext>
             </a:extLst>
           </p:cNvPr>
@@ -3965,7 +3771,7 @@
           <p:cNvPr id="3" name="세로 텍스트 개체 틀 2">
             <a:extLst>
               <a:ext uri="{FF2B5EF4-FFF2-40B4-BE49-F238E27FC236}">
-                <a16:creationId xmlns:a16="http://schemas.microsoft.com/office/drawing/2014/main" xmlns="" id="{E24A9338-BFE0-6B78-B576-6A4CA6A59AD5}"/>
+                <a16:creationId xmlns="" xmlns:a16="http://schemas.microsoft.com/office/drawing/2014/main" id="{E24A9338-BFE0-6B78-B576-6A4CA6A59AD5}"/>
               </a:ext>
             </a:extLst>
           </p:cNvPr>
@@ -4027,7 +3833,7 @@
           <p:cNvPr id="4" name="날짜 개체 틀 3">
             <a:extLst>
               <a:ext uri="{FF2B5EF4-FFF2-40B4-BE49-F238E27FC236}">
-                <a16:creationId xmlns:a16="http://schemas.microsoft.com/office/drawing/2014/main" xmlns="" id="{E1F2D0EA-F145-7299-BF79-B3A1EFF2C9E5}"/>
+                <a16:creationId xmlns="" xmlns:a16="http://schemas.microsoft.com/office/drawing/2014/main" id="{E1F2D0EA-F145-7299-BF79-B3A1EFF2C9E5}"/>
               </a:ext>
             </a:extLst>
           </p:cNvPr>
@@ -4045,7 +3851,7 @@
           <a:p>
             <a:fld id="{FEB435AB-BD11-44F8-9C28-386A4E2DFD7A}" type="datetimeFigureOut">
               <a:rPr lang="ko-KR" altLang="en-US" smtClean="0"/>
-              <a:t>2024-06-02</a:t>
+              <a:t>2024-06-03</a:t>
             </a:fld>
             <a:endParaRPr lang="ko-KR" altLang="en-US"/>
           </a:p>
@@ -4056,7 +3862,7 @@
           <p:cNvPr id="5" name="바닥글 개체 틀 4">
             <a:extLst>
               <a:ext uri="{FF2B5EF4-FFF2-40B4-BE49-F238E27FC236}">
-                <a16:creationId xmlns:a16="http://schemas.microsoft.com/office/drawing/2014/main" xmlns="" id="{34995B71-7374-84D7-73B8-7FD7384244B7}"/>
+                <a16:creationId xmlns="" xmlns:a16="http://schemas.microsoft.com/office/drawing/2014/main" id="{34995B71-7374-84D7-73B8-7FD7384244B7}"/>
               </a:ext>
             </a:extLst>
           </p:cNvPr>
@@ -4081,7 +3887,7 @@
           <p:cNvPr id="6" name="슬라이드 번호 개체 틀 5">
             <a:extLst>
               <a:ext uri="{FF2B5EF4-FFF2-40B4-BE49-F238E27FC236}">
-                <a16:creationId xmlns:a16="http://schemas.microsoft.com/office/drawing/2014/main" xmlns="" id="{D8CA3FE0-470B-B334-D1AA-3C204479962E}"/>
+                <a16:creationId xmlns="" xmlns:a16="http://schemas.microsoft.com/office/drawing/2014/main" id="{D8CA3FE0-470B-B334-D1AA-3C204479962E}"/>
               </a:ext>
             </a:extLst>
           </p:cNvPr>
@@ -4140,7 +3946,7 @@
           <p:cNvPr id="2" name="제목 1">
             <a:extLst>
               <a:ext uri="{FF2B5EF4-FFF2-40B4-BE49-F238E27FC236}">
-                <a16:creationId xmlns:a16="http://schemas.microsoft.com/office/drawing/2014/main" xmlns="" id="{6DC57BCD-81C2-E91A-CC30-83FF49CBC9B2}"/>
+                <a16:creationId xmlns="" xmlns:a16="http://schemas.microsoft.com/office/drawing/2014/main" id="{6DC57BCD-81C2-E91A-CC30-83FF49CBC9B2}"/>
               </a:ext>
             </a:extLst>
           </p:cNvPr>
@@ -4168,7 +3974,7 @@
           <p:cNvPr id="3" name="내용 개체 틀 2">
             <a:extLst>
               <a:ext uri="{FF2B5EF4-FFF2-40B4-BE49-F238E27FC236}">
-                <a16:creationId xmlns:a16="http://schemas.microsoft.com/office/drawing/2014/main" xmlns="" id="{C915A9E6-DAE5-0140-7F3A-F201A49AF12C}"/>
+                <a16:creationId xmlns="" xmlns:a16="http://schemas.microsoft.com/office/drawing/2014/main" id="{C915A9E6-DAE5-0140-7F3A-F201A49AF12C}"/>
               </a:ext>
             </a:extLst>
           </p:cNvPr>
@@ -4225,7 +4031,7 @@
           <p:cNvPr id="4" name="날짜 개체 틀 3">
             <a:extLst>
               <a:ext uri="{FF2B5EF4-FFF2-40B4-BE49-F238E27FC236}">
-                <a16:creationId xmlns:a16="http://schemas.microsoft.com/office/drawing/2014/main" xmlns="" id="{380D67BD-1DE5-DE59-239C-EF1CED07112B}"/>
+                <a16:creationId xmlns="" xmlns:a16="http://schemas.microsoft.com/office/drawing/2014/main" id="{380D67BD-1DE5-DE59-239C-EF1CED07112B}"/>
               </a:ext>
             </a:extLst>
           </p:cNvPr>
@@ -4243,7 +4049,7 @@
           <a:p>
             <a:fld id="{FEB435AB-BD11-44F8-9C28-386A4E2DFD7A}" type="datetimeFigureOut">
               <a:rPr lang="ko-KR" altLang="en-US" smtClean="0"/>
-              <a:t>2024-06-02</a:t>
+              <a:t>2024-06-03</a:t>
             </a:fld>
             <a:endParaRPr lang="ko-KR" altLang="en-US"/>
           </a:p>
@@ -4254,7 +4060,7 @@
           <p:cNvPr id="5" name="바닥글 개체 틀 4">
             <a:extLst>
               <a:ext uri="{FF2B5EF4-FFF2-40B4-BE49-F238E27FC236}">
-                <a16:creationId xmlns:a16="http://schemas.microsoft.com/office/drawing/2014/main" xmlns="" id="{5918BD9F-8B27-16EB-5230-DDC88AB9A62C}"/>
+                <a16:creationId xmlns="" xmlns:a16="http://schemas.microsoft.com/office/drawing/2014/main" id="{5918BD9F-8B27-16EB-5230-DDC88AB9A62C}"/>
               </a:ext>
             </a:extLst>
           </p:cNvPr>
@@ -4279,7 +4085,7 @@
           <p:cNvPr id="6" name="슬라이드 번호 개체 틀 5">
             <a:extLst>
               <a:ext uri="{FF2B5EF4-FFF2-40B4-BE49-F238E27FC236}">
-                <a16:creationId xmlns:a16="http://schemas.microsoft.com/office/drawing/2014/main" xmlns="" id="{B097C29F-9748-2B3B-86D2-84D741BA3F11}"/>
+                <a16:creationId xmlns="" xmlns:a16="http://schemas.microsoft.com/office/drawing/2014/main" id="{B097C29F-9748-2B3B-86D2-84D741BA3F11}"/>
               </a:ext>
             </a:extLst>
           </p:cNvPr>
@@ -4338,7 +4144,7 @@
           <p:cNvPr id="2" name="제목 1">
             <a:extLst>
               <a:ext uri="{FF2B5EF4-FFF2-40B4-BE49-F238E27FC236}">
-                <a16:creationId xmlns:a16="http://schemas.microsoft.com/office/drawing/2014/main" xmlns="" id="{E0C45445-1ED5-3302-66CC-D5747247074F}"/>
+                <a16:creationId xmlns="" xmlns:a16="http://schemas.microsoft.com/office/drawing/2014/main" id="{E0C45445-1ED5-3302-66CC-D5747247074F}"/>
               </a:ext>
             </a:extLst>
           </p:cNvPr>
@@ -4375,7 +4181,7 @@
           <p:cNvPr id="3" name="텍스트 개체 틀 2">
             <a:extLst>
               <a:ext uri="{FF2B5EF4-FFF2-40B4-BE49-F238E27FC236}">
-                <a16:creationId xmlns:a16="http://schemas.microsoft.com/office/drawing/2014/main" xmlns="" id="{8B58CF69-D24B-13BE-F2F5-D96AF16D6978}"/>
+                <a16:creationId xmlns="" xmlns:a16="http://schemas.microsoft.com/office/drawing/2014/main" id="{8B58CF69-D24B-13BE-F2F5-D96AF16D6978}"/>
               </a:ext>
             </a:extLst>
           </p:cNvPr>
@@ -4500,7 +4306,7 @@
           <p:cNvPr id="4" name="날짜 개체 틀 3">
             <a:extLst>
               <a:ext uri="{FF2B5EF4-FFF2-40B4-BE49-F238E27FC236}">
-                <a16:creationId xmlns:a16="http://schemas.microsoft.com/office/drawing/2014/main" xmlns="" id="{A7FEC433-B582-8EEE-1E5A-492FF5F93AAD}"/>
+                <a16:creationId xmlns="" xmlns:a16="http://schemas.microsoft.com/office/drawing/2014/main" id="{A7FEC433-B582-8EEE-1E5A-492FF5F93AAD}"/>
               </a:ext>
             </a:extLst>
           </p:cNvPr>
@@ -4518,7 +4324,7 @@
           <a:p>
             <a:fld id="{FEB435AB-BD11-44F8-9C28-386A4E2DFD7A}" type="datetimeFigureOut">
               <a:rPr lang="ko-KR" altLang="en-US" smtClean="0"/>
-              <a:t>2024-06-02</a:t>
+              <a:t>2024-06-03</a:t>
             </a:fld>
             <a:endParaRPr lang="ko-KR" altLang="en-US"/>
           </a:p>
@@ -4529,7 +4335,7 @@
           <p:cNvPr id="5" name="바닥글 개체 틀 4">
             <a:extLst>
               <a:ext uri="{FF2B5EF4-FFF2-40B4-BE49-F238E27FC236}">
-                <a16:creationId xmlns:a16="http://schemas.microsoft.com/office/drawing/2014/main" xmlns="" id="{CA153658-14E0-881D-DBC4-89611031A529}"/>
+                <a16:creationId xmlns="" xmlns:a16="http://schemas.microsoft.com/office/drawing/2014/main" id="{CA153658-14E0-881D-DBC4-89611031A529}"/>
               </a:ext>
             </a:extLst>
           </p:cNvPr>
@@ -4554,7 +4360,7 @@
           <p:cNvPr id="6" name="슬라이드 번호 개체 틀 5">
             <a:extLst>
               <a:ext uri="{FF2B5EF4-FFF2-40B4-BE49-F238E27FC236}">
-                <a16:creationId xmlns:a16="http://schemas.microsoft.com/office/drawing/2014/main" xmlns="" id="{3DEBDD6E-6997-ED93-AC9D-D8EA42E8D2DA}"/>
+                <a16:creationId xmlns="" xmlns:a16="http://schemas.microsoft.com/office/drawing/2014/main" id="{3DEBDD6E-6997-ED93-AC9D-D8EA42E8D2DA}"/>
               </a:ext>
             </a:extLst>
           </p:cNvPr>
@@ -4613,7 +4419,7 @@
           <p:cNvPr id="2" name="제목 1">
             <a:extLst>
               <a:ext uri="{FF2B5EF4-FFF2-40B4-BE49-F238E27FC236}">
-                <a16:creationId xmlns:a16="http://schemas.microsoft.com/office/drawing/2014/main" xmlns="" id="{1452B3B3-E647-5032-BC1A-E0118A585C42}"/>
+                <a16:creationId xmlns="" xmlns:a16="http://schemas.microsoft.com/office/drawing/2014/main" id="{1452B3B3-E647-5032-BC1A-E0118A585C42}"/>
               </a:ext>
             </a:extLst>
           </p:cNvPr>
@@ -4641,7 +4447,7 @@
           <p:cNvPr id="3" name="내용 개체 틀 2">
             <a:extLst>
               <a:ext uri="{FF2B5EF4-FFF2-40B4-BE49-F238E27FC236}">
-                <a16:creationId xmlns:a16="http://schemas.microsoft.com/office/drawing/2014/main" xmlns="" id="{81FA7C8C-A10A-A698-18B7-2E09F27823F6}"/>
+                <a16:creationId xmlns="" xmlns:a16="http://schemas.microsoft.com/office/drawing/2014/main" id="{81FA7C8C-A10A-A698-18B7-2E09F27823F6}"/>
               </a:ext>
             </a:extLst>
           </p:cNvPr>
@@ -4703,7 +4509,7 @@
           <p:cNvPr id="4" name="내용 개체 틀 3">
             <a:extLst>
               <a:ext uri="{FF2B5EF4-FFF2-40B4-BE49-F238E27FC236}">
-                <a16:creationId xmlns:a16="http://schemas.microsoft.com/office/drawing/2014/main" xmlns="" id="{15F17A48-4DE5-A939-1482-D709BBD802CC}"/>
+                <a16:creationId xmlns="" xmlns:a16="http://schemas.microsoft.com/office/drawing/2014/main" id="{15F17A48-4DE5-A939-1482-D709BBD802CC}"/>
               </a:ext>
             </a:extLst>
           </p:cNvPr>
@@ -4765,7 +4571,7 @@
           <p:cNvPr id="5" name="날짜 개체 틀 4">
             <a:extLst>
               <a:ext uri="{FF2B5EF4-FFF2-40B4-BE49-F238E27FC236}">
-                <a16:creationId xmlns:a16="http://schemas.microsoft.com/office/drawing/2014/main" xmlns="" id="{C8BA6D82-52E1-5485-F3FC-F3B27E59C7CF}"/>
+                <a16:creationId xmlns="" xmlns:a16="http://schemas.microsoft.com/office/drawing/2014/main" id="{C8BA6D82-52E1-5485-F3FC-F3B27E59C7CF}"/>
               </a:ext>
             </a:extLst>
           </p:cNvPr>
@@ -4783,7 +4589,7 @@
           <a:p>
             <a:fld id="{FEB435AB-BD11-44F8-9C28-386A4E2DFD7A}" type="datetimeFigureOut">
               <a:rPr lang="ko-KR" altLang="en-US" smtClean="0"/>
-              <a:t>2024-06-02</a:t>
+              <a:t>2024-06-03</a:t>
             </a:fld>
             <a:endParaRPr lang="ko-KR" altLang="en-US"/>
           </a:p>
@@ -4794,7 +4600,7 @@
           <p:cNvPr id="6" name="바닥글 개체 틀 5">
             <a:extLst>
               <a:ext uri="{FF2B5EF4-FFF2-40B4-BE49-F238E27FC236}">
-                <a16:creationId xmlns:a16="http://schemas.microsoft.com/office/drawing/2014/main" xmlns="" id="{FADC1DB4-24A6-E57F-404B-0551C7A49F70}"/>
+                <a16:creationId xmlns="" xmlns:a16="http://schemas.microsoft.com/office/drawing/2014/main" id="{FADC1DB4-24A6-E57F-404B-0551C7A49F70}"/>
               </a:ext>
             </a:extLst>
           </p:cNvPr>
@@ -4819,7 +4625,7 @@
           <p:cNvPr id="7" name="슬라이드 번호 개체 틀 6">
             <a:extLst>
               <a:ext uri="{FF2B5EF4-FFF2-40B4-BE49-F238E27FC236}">
-                <a16:creationId xmlns:a16="http://schemas.microsoft.com/office/drawing/2014/main" xmlns="" id="{34EFFD92-6502-59D5-2B17-C155FC982522}"/>
+                <a16:creationId xmlns="" xmlns:a16="http://schemas.microsoft.com/office/drawing/2014/main" id="{34EFFD92-6502-59D5-2B17-C155FC982522}"/>
               </a:ext>
             </a:extLst>
           </p:cNvPr>
@@ -4878,7 +4684,7 @@
           <p:cNvPr id="2" name="제목 1">
             <a:extLst>
               <a:ext uri="{FF2B5EF4-FFF2-40B4-BE49-F238E27FC236}">
-                <a16:creationId xmlns:a16="http://schemas.microsoft.com/office/drawing/2014/main" xmlns="" id="{34C63465-4B5C-9137-E375-F224EE52F3B3}"/>
+                <a16:creationId xmlns="" xmlns:a16="http://schemas.microsoft.com/office/drawing/2014/main" id="{34C63465-4B5C-9137-E375-F224EE52F3B3}"/>
               </a:ext>
             </a:extLst>
           </p:cNvPr>
@@ -4911,7 +4717,7 @@
           <p:cNvPr id="3" name="텍스트 개체 틀 2">
             <a:extLst>
               <a:ext uri="{FF2B5EF4-FFF2-40B4-BE49-F238E27FC236}">
-                <a16:creationId xmlns:a16="http://schemas.microsoft.com/office/drawing/2014/main" xmlns="" id="{754A5CCF-FAFB-6D42-9AF8-040ACB3D9BA0}"/>
+                <a16:creationId xmlns="" xmlns:a16="http://schemas.microsoft.com/office/drawing/2014/main" id="{754A5CCF-FAFB-6D42-9AF8-040ACB3D9BA0}"/>
               </a:ext>
             </a:extLst>
           </p:cNvPr>
@@ -4982,7 +4788,7 @@
           <p:cNvPr id="4" name="내용 개체 틀 3">
             <a:extLst>
               <a:ext uri="{FF2B5EF4-FFF2-40B4-BE49-F238E27FC236}">
-                <a16:creationId xmlns:a16="http://schemas.microsoft.com/office/drawing/2014/main" xmlns="" id="{7CE5EF13-47EC-1488-2F05-6CDDA46A909F}"/>
+                <a16:creationId xmlns="" xmlns:a16="http://schemas.microsoft.com/office/drawing/2014/main" id="{7CE5EF13-47EC-1488-2F05-6CDDA46A909F}"/>
               </a:ext>
             </a:extLst>
           </p:cNvPr>
@@ -5044,7 +4850,7 @@
           <p:cNvPr id="5" name="텍스트 개체 틀 4">
             <a:extLst>
               <a:ext uri="{FF2B5EF4-FFF2-40B4-BE49-F238E27FC236}">
-                <a16:creationId xmlns:a16="http://schemas.microsoft.com/office/drawing/2014/main" xmlns="" id="{5506209C-75FB-900D-BF97-AD887BA0C51C}"/>
+                <a16:creationId xmlns="" xmlns:a16="http://schemas.microsoft.com/office/drawing/2014/main" id="{5506209C-75FB-900D-BF97-AD887BA0C51C}"/>
               </a:ext>
             </a:extLst>
           </p:cNvPr>
@@ -5115,7 +4921,7 @@
           <p:cNvPr id="6" name="내용 개체 틀 5">
             <a:extLst>
               <a:ext uri="{FF2B5EF4-FFF2-40B4-BE49-F238E27FC236}">
-                <a16:creationId xmlns:a16="http://schemas.microsoft.com/office/drawing/2014/main" xmlns="" id="{9D245B16-B29B-86BA-EC3A-7CB3B9DE4E01}"/>
+                <a16:creationId xmlns="" xmlns:a16="http://schemas.microsoft.com/office/drawing/2014/main" id="{9D245B16-B29B-86BA-EC3A-7CB3B9DE4E01}"/>
               </a:ext>
             </a:extLst>
           </p:cNvPr>
@@ -5177,7 +4983,7 @@
           <p:cNvPr id="7" name="날짜 개체 틀 6">
             <a:extLst>
               <a:ext uri="{FF2B5EF4-FFF2-40B4-BE49-F238E27FC236}">
-                <a16:creationId xmlns:a16="http://schemas.microsoft.com/office/drawing/2014/main" xmlns="" id="{51E27BC9-8C6B-5DDC-BD48-8E3D1878931D}"/>
+                <a16:creationId xmlns="" xmlns:a16="http://schemas.microsoft.com/office/drawing/2014/main" id="{51E27BC9-8C6B-5DDC-BD48-8E3D1878931D}"/>
               </a:ext>
             </a:extLst>
           </p:cNvPr>
@@ -5195,7 +5001,7 @@
           <a:p>
             <a:fld id="{FEB435AB-BD11-44F8-9C28-386A4E2DFD7A}" type="datetimeFigureOut">
               <a:rPr lang="ko-KR" altLang="en-US" smtClean="0"/>
-              <a:t>2024-06-02</a:t>
+              <a:t>2024-06-03</a:t>
             </a:fld>
             <a:endParaRPr lang="ko-KR" altLang="en-US"/>
           </a:p>
@@ -5206,7 +5012,7 @@
           <p:cNvPr id="8" name="바닥글 개체 틀 7">
             <a:extLst>
               <a:ext uri="{FF2B5EF4-FFF2-40B4-BE49-F238E27FC236}">
-                <a16:creationId xmlns:a16="http://schemas.microsoft.com/office/drawing/2014/main" xmlns="" id="{A352355D-6777-8050-90D1-D3D2C009A7DC}"/>
+                <a16:creationId xmlns="" xmlns:a16="http://schemas.microsoft.com/office/drawing/2014/main" id="{A352355D-6777-8050-90D1-D3D2C009A7DC}"/>
               </a:ext>
             </a:extLst>
           </p:cNvPr>
@@ -5231,7 +5037,7 @@
           <p:cNvPr id="9" name="슬라이드 번호 개체 틀 8">
             <a:extLst>
               <a:ext uri="{FF2B5EF4-FFF2-40B4-BE49-F238E27FC236}">
-                <a16:creationId xmlns:a16="http://schemas.microsoft.com/office/drawing/2014/main" xmlns="" id="{3F5F1BC2-B1FE-43CB-606C-2341D362BAD5}"/>
+                <a16:creationId xmlns="" xmlns:a16="http://schemas.microsoft.com/office/drawing/2014/main" id="{3F5F1BC2-B1FE-43CB-606C-2341D362BAD5}"/>
               </a:ext>
             </a:extLst>
           </p:cNvPr>
@@ -5290,7 +5096,7 @@
           <p:cNvPr id="2" name="제목 1">
             <a:extLst>
               <a:ext uri="{FF2B5EF4-FFF2-40B4-BE49-F238E27FC236}">
-                <a16:creationId xmlns:a16="http://schemas.microsoft.com/office/drawing/2014/main" xmlns="" id="{AA206F37-4936-F473-5F06-4051D5804860}"/>
+                <a16:creationId xmlns="" xmlns:a16="http://schemas.microsoft.com/office/drawing/2014/main" id="{AA206F37-4936-F473-5F06-4051D5804860}"/>
               </a:ext>
             </a:extLst>
           </p:cNvPr>
@@ -5318,7 +5124,7 @@
           <p:cNvPr id="3" name="날짜 개체 틀 2">
             <a:extLst>
               <a:ext uri="{FF2B5EF4-FFF2-40B4-BE49-F238E27FC236}">
-                <a16:creationId xmlns:a16="http://schemas.microsoft.com/office/drawing/2014/main" xmlns="" id="{95C2BE1E-A2DC-AD18-668A-9160B8D8E4C1}"/>
+                <a16:creationId xmlns="" xmlns:a16="http://schemas.microsoft.com/office/drawing/2014/main" id="{95C2BE1E-A2DC-AD18-668A-9160B8D8E4C1}"/>
               </a:ext>
             </a:extLst>
           </p:cNvPr>
@@ -5336,7 +5142,7 @@
           <a:p>
             <a:fld id="{FEB435AB-BD11-44F8-9C28-386A4E2DFD7A}" type="datetimeFigureOut">
               <a:rPr lang="ko-KR" altLang="en-US" smtClean="0"/>
-              <a:t>2024-06-02</a:t>
+              <a:t>2024-06-03</a:t>
             </a:fld>
             <a:endParaRPr lang="ko-KR" altLang="en-US"/>
           </a:p>
@@ -5347,7 +5153,7 @@
           <p:cNvPr id="4" name="바닥글 개체 틀 3">
             <a:extLst>
               <a:ext uri="{FF2B5EF4-FFF2-40B4-BE49-F238E27FC236}">
-                <a16:creationId xmlns:a16="http://schemas.microsoft.com/office/drawing/2014/main" xmlns="" id="{7020642A-A89C-7FF7-2764-3491433AB111}"/>
+                <a16:creationId xmlns="" xmlns:a16="http://schemas.microsoft.com/office/drawing/2014/main" id="{7020642A-A89C-7FF7-2764-3491433AB111}"/>
               </a:ext>
             </a:extLst>
           </p:cNvPr>
@@ -5372,7 +5178,7 @@
           <p:cNvPr id="5" name="슬라이드 번호 개체 틀 4">
             <a:extLst>
               <a:ext uri="{FF2B5EF4-FFF2-40B4-BE49-F238E27FC236}">
-                <a16:creationId xmlns:a16="http://schemas.microsoft.com/office/drawing/2014/main" xmlns="" id="{1BD84956-4010-7DC3-470D-8DD2AA635929}"/>
+                <a16:creationId xmlns="" xmlns:a16="http://schemas.microsoft.com/office/drawing/2014/main" id="{1BD84956-4010-7DC3-470D-8DD2AA635929}"/>
               </a:ext>
             </a:extLst>
           </p:cNvPr>
@@ -5431,7 +5237,7 @@
           <p:cNvPr id="2" name="날짜 개체 틀 1">
             <a:extLst>
               <a:ext uri="{FF2B5EF4-FFF2-40B4-BE49-F238E27FC236}">
-                <a16:creationId xmlns:a16="http://schemas.microsoft.com/office/drawing/2014/main" xmlns="" id="{BCEB933B-1E16-EE04-80B3-45B5F19C3504}"/>
+                <a16:creationId xmlns="" xmlns:a16="http://schemas.microsoft.com/office/drawing/2014/main" id="{BCEB933B-1E16-EE04-80B3-45B5F19C3504}"/>
               </a:ext>
             </a:extLst>
           </p:cNvPr>
@@ -5449,7 +5255,7 @@
           <a:p>
             <a:fld id="{FEB435AB-BD11-44F8-9C28-386A4E2DFD7A}" type="datetimeFigureOut">
               <a:rPr lang="ko-KR" altLang="en-US" smtClean="0"/>
-              <a:t>2024-06-02</a:t>
+              <a:t>2024-06-03</a:t>
             </a:fld>
             <a:endParaRPr lang="ko-KR" altLang="en-US"/>
           </a:p>
@@ -5460,7 +5266,7 @@
           <p:cNvPr id="3" name="바닥글 개체 틀 2">
             <a:extLst>
               <a:ext uri="{FF2B5EF4-FFF2-40B4-BE49-F238E27FC236}">
-                <a16:creationId xmlns:a16="http://schemas.microsoft.com/office/drawing/2014/main" xmlns="" id="{BB23717C-B0B6-91D3-35EB-A0FCEBEB8931}"/>
+                <a16:creationId xmlns="" xmlns:a16="http://schemas.microsoft.com/office/drawing/2014/main" id="{BB23717C-B0B6-91D3-35EB-A0FCEBEB8931}"/>
               </a:ext>
             </a:extLst>
           </p:cNvPr>
@@ -5485,7 +5291,7 @@
           <p:cNvPr id="4" name="슬라이드 번호 개체 틀 3">
             <a:extLst>
               <a:ext uri="{FF2B5EF4-FFF2-40B4-BE49-F238E27FC236}">
-                <a16:creationId xmlns:a16="http://schemas.microsoft.com/office/drawing/2014/main" xmlns="" id="{96FBA90C-45BC-3AFD-3AB7-9B1F8EE053A4}"/>
+                <a16:creationId xmlns="" xmlns:a16="http://schemas.microsoft.com/office/drawing/2014/main" id="{96FBA90C-45BC-3AFD-3AB7-9B1F8EE053A4}"/>
               </a:ext>
             </a:extLst>
           </p:cNvPr>
@@ -5544,7 +5350,7 @@
           <p:cNvPr id="2" name="제목 1">
             <a:extLst>
               <a:ext uri="{FF2B5EF4-FFF2-40B4-BE49-F238E27FC236}">
-                <a16:creationId xmlns:a16="http://schemas.microsoft.com/office/drawing/2014/main" xmlns="" id="{B0976675-A2B5-CEC6-2547-3DE7B233C975}"/>
+                <a16:creationId xmlns="" xmlns:a16="http://schemas.microsoft.com/office/drawing/2014/main" id="{B0976675-A2B5-CEC6-2547-3DE7B233C975}"/>
               </a:ext>
             </a:extLst>
           </p:cNvPr>
@@ -5581,7 +5387,7 @@
           <p:cNvPr id="3" name="내용 개체 틀 2">
             <a:extLst>
               <a:ext uri="{FF2B5EF4-FFF2-40B4-BE49-F238E27FC236}">
-                <a16:creationId xmlns:a16="http://schemas.microsoft.com/office/drawing/2014/main" xmlns="" id="{C2F10736-36B3-D0A3-8621-E362A76E9493}"/>
+                <a16:creationId xmlns="" xmlns:a16="http://schemas.microsoft.com/office/drawing/2014/main" id="{C2F10736-36B3-D0A3-8621-E362A76E9493}"/>
               </a:ext>
             </a:extLst>
           </p:cNvPr>
@@ -5671,7 +5477,7 @@
           <p:cNvPr id="4" name="텍스트 개체 틀 3">
             <a:extLst>
               <a:ext uri="{FF2B5EF4-FFF2-40B4-BE49-F238E27FC236}">
-                <a16:creationId xmlns:a16="http://schemas.microsoft.com/office/drawing/2014/main" xmlns="" id="{2E1F606C-8BBA-01D5-BB57-CC1D63A04667}"/>
+                <a16:creationId xmlns="" xmlns:a16="http://schemas.microsoft.com/office/drawing/2014/main" id="{2E1F606C-8BBA-01D5-BB57-CC1D63A04667}"/>
               </a:ext>
             </a:extLst>
           </p:cNvPr>
@@ -5742,7 +5548,7 @@
           <p:cNvPr id="5" name="날짜 개체 틀 4">
             <a:extLst>
               <a:ext uri="{FF2B5EF4-FFF2-40B4-BE49-F238E27FC236}">
-                <a16:creationId xmlns:a16="http://schemas.microsoft.com/office/drawing/2014/main" xmlns="" id="{321A894A-8126-5FB6-CFD2-116295E9A497}"/>
+                <a16:creationId xmlns="" xmlns:a16="http://schemas.microsoft.com/office/drawing/2014/main" id="{321A894A-8126-5FB6-CFD2-116295E9A497}"/>
               </a:ext>
             </a:extLst>
           </p:cNvPr>
@@ -5760,7 +5566,7 @@
           <a:p>
             <a:fld id="{FEB435AB-BD11-44F8-9C28-386A4E2DFD7A}" type="datetimeFigureOut">
               <a:rPr lang="ko-KR" altLang="en-US" smtClean="0"/>
-              <a:t>2024-06-02</a:t>
+              <a:t>2024-06-03</a:t>
             </a:fld>
             <a:endParaRPr lang="ko-KR" altLang="en-US"/>
           </a:p>
@@ -5771,7 +5577,7 @@
           <p:cNvPr id="6" name="바닥글 개체 틀 5">
             <a:extLst>
               <a:ext uri="{FF2B5EF4-FFF2-40B4-BE49-F238E27FC236}">
-                <a16:creationId xmlns:a16="http://schemas.microsoft.com/office/drawing/2014/main" xmlns="" id="{80A94236-373C-67FF-B260-A971F68D9990}"/>
+                <a16:creationId xmlns="" xmlns:a16="http://schemas.microsoft.com/office/drawing/2014/main" id="{80A94236-373C-67FF-B260-A971F68D9990}"/>
               </a:ext>
             </a:extLst>
           </p:cNvPr>
@@ -5796,7 +5602,7 @@
           <p:cNvPr id="7" name="슬라이드 번호 개체 틀 6">
             <a:extLst>
               <a:ext uri="{FF2B5EF4-FFF2-40B4-BE49-F238E27FC236}">
-                <a16:creationId xmlns:a16="http://schemas.microsoft.com/office/drawing/2014/main" xmlns="" id="{28883EF8-20A2-47DE-870F-90669510E4FC}"/>
+                <a16:creationId xmlns="" xmlns:a16="http://schemas.microsoft.com/office/drawing/2014/main" id="{28883EF8-20A2-47DE-870F-90669510E4FC}"/>
               </a:ext>
             </a:extLst>
           </p:cNvPr>
@@ -5855,7 +5661,7 @@
           <p:cNvPr id="2" name="제목 1">
             <a:extLst>
               <a:ext uri="{FF2B5EF4-FFF2-40B4-BE49-F238E27FC236}">
-                <a16:creationId xmlns:a16="http://schemas.microsoft.com/office/drawing/2014/main" xmlns="" id="{AF8471FC-E8CB-A47F-22AC-1996AC3A0DE0}"/>
+                <a16:creationId xmlns="" xmlns:a16="http://schemas.microsoft.com/office/drawing/2014/main" id="{AF8471FC-E8CB-A47F-22AC-1996AC3A0DE0}"/>
               </a:ext>
             </a:extLst>
           </p:cNvPr>
@@ -5892,7 +5698,7 @@
           <p:cNvPr id="3" name="그림 개체 틀 2">
             <a:extLst>
               <a:ext uri="{FF2B5EF4-FFF2-40B4-BE49-F238E27FC236}">
-                <a16:creationId xmlns:a16="http://schemas.microsoft.com/office/drawing/2014/main" xmlns="" id="{1F11711D-7FDE-3A3D-3559-4450632B30A4}"/>
+                <a16:creationId xmlns="" xmlns:a16="http://schemas.microsoft.com/office/drawing/2014/main" id="{1F11711D-7FDE-3A3D-3559-4450632B30A4}"/>
               </a:ext>
             </a:extLst>
           </p:cNvPr>
@@ -5959,7 +5765,7 @@
           <p:cNvPr id="4" name="텍스트 개체 틀 3">
             <a:extLst>
               <a:ext uri="{FF2B5EF4-FFF2-40B4-BE49-F238E27FC236}">
-                <a16:creationId xmlns:a16="http://schemas.microsoft.com/office/drawing/2014/main" xmlns="" id="{8808C143-BC52-3350-2B22-DB298DBC44F2}"/>
+                <a16:creationId xmlns="" xmlns:a16="http://schemas.microsoft.com/office/drawing/2014/main" id="{8808C143-BC52-3350-2B22-DB298DBC44F2}"/>
               </a:ext>
             </a:extLst>
           </p:cNvPr>
@@ -6030,7 +5836,7 @@
           <p:cNvPr id="5" name="날짜 개체 틀 4">
             <a:extLst>
               <a:ext uri="{FF2B5EF4-FFF2-40B4-BE49-F238E27FC236}">
-                <a16:creationId xmlns:a16="http://schemas.microsoft.com/office/drawing/2014/main" xmlns="" id="{DA5D1225-6A66-DAB7-2050-1B2F47D48FAA}"/>
+                <a16:creationId xmlns="" xmlns:a16="http://schemas.microsoft.com/office/drawing/2014/main" id="{DA5D1225-6A66-DAB7-2050-1B2F47D48FAA}"/>
               </a:ext>
             </a:extLst>
           </p:cNvPr>
@@ -6048,7 +5854,7 @@
           <a:p>
             <a:fld id="{FEB435AB-BD11-44F8-9C28-386A4E2DFD7A}" type="datetimeFigureOut">
               <a:rPr lang="ko-KR" altLang="en-US" smtClean="0"/>
-              <a:t>2024-06-02</a:t>
+              <a:t>2024-06-03</a:t>
             </a:fld>
             <a:endParaRPr lang="ko-KR" altLang="en-US"/>
           </a:p>
@@ -6059,7 +5865,7 @@
           <p:cNvPr id="6" name="바닥글 개체 틀 5">
             <a:extLst>
               <a:ext uri="{FF2B5EF4-FFF2-40B4-BE49-F238E27FC236}">
-                <a16:creationId xmlns:a16="http://schemas.microsoft.com/office/drawing/2014/main" xmlns="" id="{6DF98D5F-F90C-88FB-2BE2-81FBB0FA6893}"/>
+                <a16:creationId xmlns="" xmlns:a16="http://schemas.microsoft.com/office/drawing/2014/main" id="{6DF98D5F-F90C-88FB-2BE2-81FBB0FA6893}"/>
               </a:ext>
             </a:extLst>
           </p:cNvPr>
@@ -6084,7 +5890,7 @@
           <p:cNvPr id="7" name="슬라이드 번호 개체 틀 6">
             <a:extLst>
               <a:ext uri="{FF2B5EF4-FFF2-40B4-BE49-F238E27FC236}">
-                <a16:creationId xmlns:a16="http://schemas.microsoft.com/office/drawing/2014/main" xmlns="" id="{8AC4579A-5429-4DC8-F62A-F83764EC136E}"/>
+                <a16:creationId xmlns="" xmlns:a16="http://schemas.microsoft.com/office/drawing/2014/main" id="{8AC4579A-5429-4DC8-F62A-F83764EC136E}"/>
               </a:ext>
             </a:extLst>
           </p:cNvPr>
@@ -6148,7 +5954,7 @@
           <p:cNvPr id="2" name="제목 개체 틀 1">
             <a:extLst>
               <a:ext uri="{FF2B5EF4-FFF2-40B4-BE49-F238E27FC236}">
-                <a16:creationId xmlns:a16="http://schemas.microsoft.com/office/drawing/2014/main" xmlns="" id="{90C184B7-0D1C-43EC-6963-79761C9051F1}"/>
+                <a16:creationId xmlns="" xmlns:a16="http://schemas.microsoft.com/office/drawing/2014/main" id="{90C184B7-0D1C-43EC-6963-79761C9051F1}"/>
               </a:ext>
             </a:extLst>
           </p:cNvPr>
@@ -6186,7 +5992,7 @@
           <p:cNvPr id="3" name="텍스트 개체 틀 2">
             <a:extLst>
               <a:ext uri="{FF2B5EF4-FFF2-40B4-BE49-F238E27FC236}">
-                <a16:creationId xmlns:a16="http://schemas.microsoft.com/office/drawing/2014/main" xmlns="" id="{42D039B6-42BF-3481-D5EE-A396FB4E6CDE}"/>
+                <a16:creationId xmlns="" xmlns:a16="http://schemas.microsoft.com/office/drawing/2014/main" id="{42D039B6-42BF-3481-D5EE-A396FB4E6CDE}"/>
               </a:ext>
             </a:extLst>
           </p:cNvPr>
@@ -6253,7 +6059,7 @@
           <p:cNvPr id="4" name="날짜 개체 틀 3">
             <a:extLst>
               <a:ext uri="{FF2B5EF4-FFF2-40B4-BE49-F238E27FC236}">
-                <a16:creationId xmlns:a16="http://schemas.microsoft.com/office/drawing/2014/main" xmlns="" id="{3931C644-BB14-BE8B-05C2-5E0D08E84807}"/>
+                <a16:creationId xmlns="" xmlns:a16="http://schemas.microsoft.com/office/drawing/2014/main" id="{3931C644-BB14-BE8B-05C2-5E0D08E84807}"/>
               </a:ext>
             </a:extLst>
           </p:cNvPr>
@@ -6289,7 +6095,7 @@
           <a:p>
             <a:fld id="{FEB435AB-BD11-44F8-9C28-386A4E2DFD7A}" type="datetimeFigureOut">
               <a:rPr lang="ko-KR" altLang="en-US" smtClean="0"/>
-              <a:t>2024-06-02</a:t>
+              <a:t>2024-06-03</a:t>
             </a:fld>
             <a:endParaRPr lang="ko-KR" altLang="en-US"/>
           </a:p>
@@ -6300,7 +6106,7 @@
           <p:cNvPr id="5" name="바닥글 개체 틀 4">
             <a:extLst>
               <a:ext uri="{FF2B5EF4-FFF2-40B4-BE49-F238E27FC236}">
-                <a16:creationId xmlns:a16="http://schemas.microsoft.com/office/drawing/2014/main" xmlns="" id="{7E5314E0-B91D-5368-495A-E838F9054104}"/>
+                <a16:creationId xmlns="" xmlns:a16="http://schemas.microsoft.com/office/drawing/2014/main" id="{7E5314E0-B91D-5368-495A-E838F9054104}"/>
               </a:ext>
             </a:extLst>
           </p:cNvPr>
@@ -6343,7 +6149,7 @@
           <p:cNvPr id="6" name="슬라이드 번호 개체 틀 5">
             <a:extLst>
               <a:ext uri="{FF2B5EF4-FFF2-40B4-BE49-F238E27FC236}">
-                <a16:creationId xmlns:a16="http://schemas.microsoft.com/office/drawing/2014/main" xmlns="" id="{DAFA9AA8-049A-1D09-FB04-1E424451167C}"/>
+                <a16:creationId xmlns="" xmlns:a16="http://schemas.microsoft.com/office/drawing/2014/main" id="{DAFA9AA8-049A-1D09-FB04-1E424451167C}"/>
               </a:ext>
             </a:extLst>
           </p:cNvPr>
@@ -6719,10 +6525,10 @@
           <p:cNvPr id="8" name="Rectangle 7">
             <a:extLst>
               <a:ext uri="{FF2B5EF4-FFF2-40B4-BE49-F238E27FC236}">
-                <a16:creationId xmlns:a16="http://schemas.microsoft.com/office/drawing/2014/main" xmlns="" id="{6F5A5072-7B47-4D32-B52A-4EBBF590B8A5}"/>
+                <a16:creationId xmlns="" xmlns:a16="http://schemas.microsoft.com/office/drawing/2014/main" id="{6F5A5072-7B47-4D32-B52A-4EBBF590B8A5}"/>
               </a:ext>
               <a:ext uri="{C183D7F6-B498-43B3-948B-1728B52AA6E4}">
-                <adec:decorative xmlns:adec="http://schemas.microsoft.com/office/drawing/2017/decorative" xmlns="" val="1"/>
+                <adec:decorative xmlns="" xmlns:adec="http://schemas.microsoft.com/office/drawing/2017/decorative" val="1"/>
               </a:ext>
             </a:extLst>
           </p:cNvPr>
@@ -6732,7 +6538,7 @@
           <p:nvPr>
             <p:extLst>
               <p:ext uri="{386F3935-93C4-4BCD-93E2-E3B085C9AB24}">
-                <p16:designElem xmlns:p16="http://schemas.microsoft.com/office/powerpoint/2015/main" xmlns="" val="1"/>
+                <p16:designElem xmlns="" xmlns:p16="http://schemas.microsoft.com/office/powerpoint/2015/main" val="1"/>
               </p:ext>
             </p:extLst>
           </p:nvPr>
@@ -6795,10 +6601,10 @@
           <p:cNvPr id="10" name="Rectangle 9">
             <a:extLst>
               <a:ext uri="{FF2B5EF4-FFF2-40B4-BE49-F238E27FC236}">
-                <a16:creationId xmlns:a16="http://schemas.microsoft.com/office/drawing/2014/main" xmlns="" id="{9715DAF0-AE1B-46C9-8A6B-DB2AA05AB91D}"/>
+                <a16:creationId xmlns="" xmlns:a16="http://schemas.microsoft.com/office/drawing/2014/main" id="{9715DAF0-AE1B-46C9-8A6B-DB2AA05AB91D}"/>
               </a:ext>
               <a:ext uri="{C183D7F6-B498-43B3-948B-1728B52AA6E4}">
-                <adec:decorative xmlns:adec="http://schemas.microsoft.com/office/drawing/2017/decorative" xmlns="" val="1"/>
+                <adec:decorative xmlns="" xmlns:adec="http://schemas.microsoft.com/office/drawing/2017/decorative" val="1"/>
               </a:ext>
             </a:extLst>
           </p:cNvPr>
@@ -6808,7 +6614,7 @@
           <p:nvPr>
             <p:extLst>
               <p:ext uri="{386F3935-93C4-4BCD-93E2-E3B085C9AB24}">
-                <p16:designElem xmlns:p16="http://schemas.microsoft.com/office/powerpoint/2015/main" xmlns="" val="1"/>
+                <p16:designElem xmlns="" xmlns:p16="http://schemas.microsoft.com/office/powerpoint/2015/main" val="1"/>
               </p:ext>
             </p:extLst>
           </p:nvPr>
@@ -6868,10 +6674,10 @@
           <p:cNvPr id="12" name="Rectangle 11">
             <a:extLst>
               <a:ext uri="{FF2B5EF4-FFF2-40B4-BE49-F238E27FC236}">
-                <a16:creationId xmlns:a16="http://schemas.microsoft.com/office/drawing/2014/main" xmlns="" id="{6016219D-510E-4184-9090-6D5578A87BD1}"/>
+                <a16:creationId xmlns="" xmlns:a16="http://schemas.microsoft.com/office/drawing/2014/main" id="{6016219D-510E-4184-9090-6D5578A87BD1}"/>
               </a:ext>
               <a:ext uri="{C183D7F6-B498-43B3-948B-1728B52AA6E4}">
-                <adec:decorative xmlns:adec="http://schemas.microsoft.com/office/drawing/2017/decorative" xmlns="" val="1"/>
+                <adec:decorative xmlns="" xmlns:adec="http://schemas.microsoft.com/office/drawing/2017/decorative" val="1"/>
               </a:ext>
             </a:extLst>
           </p:cNvPr>
@@ -6881,7 +6687,7 @@
           <p:nvPr>
             <p:extLst>
               <p:ext uri="{386F3935-93C4-4BCD-93E2-E3B085C9AB24}">
-                <p16:designElem xmlns:p16="http://schemas.microsoft.com/office/powerpoint/2015/main" xmlns="" val="1"/>
+                <p16:designElem xmlns="" xmlns:p16="http://schemas.microsoft.com/office/powerpoint/2015/main" val="1"/>
               </p:ext>
             </p:extLst>
           </p:nvPr>
@@ -6944,10 +6750,10 @@
           <p:cNvPr id="14" name="Rectangle 13">
             <a:extLst>
               <a:ext uri="{FF2B5EF4-FFF2-40B4-BE49-F238E27FC236}">
-                <a16:creationId xmlns:a16="http://schemas.microsoft.com/office/drawing/2014/main" xmlns="" id="{AFF4A713-7B75-4B21-90D7-5AB19547C728}"/>
+                <a16:creationId xmlns="" xmlns:a16="http://schemas.microsoft.com/office/drawing/2014/main" id="{AFF4A713-7B75-4B21-90D7-5AB19547C728}"/>
               </a:ext>
               <a:ext uri="{C183D7F6-B498-43B3-948B-1728B52AA6E4}">
-                <adec:decorative xmlns:adec="http://schemas.microsoft.com/office/drawing/2017/decorative" xmlns="" val="1"/>
+                <adec:decorative xmlns="" xmlns:adec="http://schemas.microsoft.com/office/drawing/2017/decorative" val="1"/>
               </a:ext>
             </a:extLst>
           </p:cNvPr>
@@ -6957,7 +6763,7 @@
           <p:nvPr>
             <p:extLst>
               <p:ext uri="{386F3935-93C4-4BCD-93E2-E3B085C9AB24}">
-                <p16:designElem xmlns:p16="http://schemas.microsoft.com/office/powerpoint/2015/main" xmlns="" val="1"/>
+                <p16:designElem xmlns="" xmlns:p16="http://schemas.microsoft.com/office/powerpoint/2015/main" val="1"/>
               </p:ext>
             </p:extLst>
           </p:nvPr>
@@ -7019,10 +6825,10 @@
           <p:cNvPr id="16" name="Rectangle 15">
             <a:extLst>
               <a:ext uri="{FF2B5EF4-FFF2-40B4-BE49-F238E27FC236}">
-                <a16:creationId xmlns:a16="http://schemas.microsoft.com/office/drawing/2014/main" xmlns="" id="{DC631C0B-6DA6-4E57-8231-CE32B3434A7E}"/>
+                <a16:creationId xmlns="" xmlns:a16="http://schemas.microsoft.com/office/drawing/2014/main" id="{DC631C0B-6DA6-4E57-8231-CE32B3434A7E}"/>
               </a:ext>
               <a:ext uri="{C183D7F6-B498-43B3-948B-1728B52AA6E4}">
-                <adec:decorative xmlns:adec="http://schemas.microsoft.com/office/drawing/2017/decorative" xmlns="" val="1"/>
+                <adec:decorative xmlns="" xmlns:adec="http://schemas.microsoft.com/office/drawing/2017/decorative" val="1"/>
               </a:ext>
             </a:extLst>
           </p:cNvPr>
@@ -7032,7 +6838,7 @@
           <p:nvPr>
             <p:extLst>
               <p:ext uri="{386F3935-93C4-4BCD-93E2-E3B085C9AB24}">
-                <p16:designElem xmlns:p16="http://schemas.microsoft.com/office/powerpoint/2015/main" xmlns="" val="1"/>
+                <p16:designElem xmlns="" xmlns:p16="http://schemas.microsoft.com/office/powerpoint/2015/main" val="1"/>
               </p:ext>
             </p:extLst>
           </p:nvPr>
@@ -7095,10 +6901,10 @@
           <p:cNvPr id="18" name="Freeform: Shape 17">
             <a:extLst>
               <a:ext uri="{FF2B5EF4-FFF2-40B4-BE49-F238E27FC236}">
-                <a16:creationId xmlns:a16="http://schemas.microsoft.com/office/drawing/2014/main" xmlns="" id="{C29501E6-A978-4A61-9689-9085AF97A53A}"/>
+                <a16:creationId xmlns="" xmlns:a16="http://schemas.microsoft.com/office/drawing/2014/main" id="{C29501E6-A978-4A61-9689-9085AF97A53A}"/>
               </a:ext>
               <a:ext uri="{C183D7F6-B498-43B3-948B-1728B52AA6E4}">
-                <adec:decorative xmlns:adec="http://schemas.microsoft.com/office/drawing/2017/decorative" xmlns="" val="1"/>
+                <adec:decorative xmlns="" xmlns:adec="http://schemas.microsoft.com/office/drawing/2017/decorative" val="1"/>
               </a:ext>
             </a:extLst>
           </p:cNvPr>
@@ -7108,7 +6914,7 @@
           <p:nvPr>
             <p:extLst>
               <p:ext uri="{386F3935-93C4-4BCD-93E2-E3B085C9AB24}">
-                <p16:designElem xmlns:p16="http://schemas.microsoft.com/office/powerpoint/2015/main" xmlns="" val="1"/>
+                <p16:designElem xmlns="" xmlns:p16="http://schemas.microsoft.com/office/powerpoint/2015/main" val="1"/>
               </p:ext>
             </p:extLst>
           </p:nvPr>
@@ -7239,7 +7045,7 @@
           <p:cNvPr id="2" name="제목 1">
             <a:extLst>
               <a:ext uri="{FF2B5EF4-FFF2-40B4-BE49-F238E27FC236}">
-                <a16:creationId xmlns:a16="http://schemas.microsoft.com/office/drawing/2014/main" xmlns="" id="{9F75B556-FA07-A7F7-8E5D-736CD761C3E6}"/>
+                <a16:creationId xmlns="" xmlns:a16="http://schemas.microsoft.com/office/drawing/2014/main" id="{9F75B556-FA07-A7F7-8E5D-736CD761C3E6}"/>
               </a:ext>
             </a:extLst>
           </p:cNvPr>
@@ -7295,7 +7101,7 @@
           <p:cNvPr id="3" name="부제목 2">
             <a:extLst>
               <a:ext uri="{FF2B5EF4-FFF2-40B4-BE49-F238E27FC236}">
-                <a16:creationId xmlns:a16="http://schemas.microsoft.com/office/drawing/2014/main" xmlns="" id="{538809FE-B1A2-171C-B69C-1C929B0C402D}"/>
+                <a16:creationId xmlns="" xmlns:a16="http://schemas.microsoft.com/office/drawing/2014/main" id="{538809FE-B1A2-171C-B69C-1C929B0C402D}"/>
               </a:ext>
             </a:extLst>
           </p:cNvPr>
@@ -7387,7 +7193,7 @@
           <p:cNvPr id="11" name="부제목 2">
             <a:extLst>
               <a:ext uri="{FF2B5EF4-FFF2-40B4-BE49-F238E27FC236}">
-                <a16:creationId xmlns:a16="http://schemas.microsoft.com/office/drawing/2014/main" xmlns="" id="{538809FE-B1A2-171C-B69C-1C929B0C402D}"/>
+                <a16:creationId xmlns="" xmlns:a16="http://schemas.microsoft.com/office/drawing/2014/main" id="{538809FE-B1A2-171C-B69C-1C929B0C402D}"/>
               </a:ext>
             </a:extLst>
           </p:cNvPr>
@@ -7715,10 +7521,10 @@
           <p:cNvPr id="8" name="Rectangle 7">
             <a:extLst>
               <a:ext uri="{FF2B5EF4-FFF2-40B4-BE49-F238E27FC236}">
-                <a16:creationId xmlns:a16="http://schemas.microsoft.com/office/drawing/2014/main" xmlns="" id="{1B15ED52-F352-441B-82BF-E0EA34836D08}"/>
+                <a16:creationId xmlns="" xmlns:a16="http://schemas.microsoft.com/office/drawing/2014/main" id="{1B15ED52-F352-441B-82BF-E0EA34836D08}"/>
               </a:ext>
               <a:ext uri="{C183D7F6-B498-43B3-948B-1728B52AA6E4}">
-                <adec:decorative xmlns:adec="http://schemas.microsoft.com/office/drawing/2017/decorative" xmlns="" val="1"/>
+                <adec:decorative xmlns="" xmlns:adec="http://schemas.microsoft.com/office/drawing/2017/decorative" val="1"/>
               </a:ext>
             </a:extLst>
           </p:cNvPr>
@@ -7728,7 +7534,7 @@
           <p:nvPr>
             <p:extLst>
               <p:ext uri="{386F3935-93C4-4BCD-93E2-E3B085C9AB24}">
-                <p16:designElem xmlns:p16="http://schemas.microsoft.com/office/powerpoint/2015/main" xmlns="" val="1"/>
+                <p16:designElem xmlns="" xmlns:p16="http://schemas.microsoft.com/office/powerpoint/2015/main" val="1"/>
               </p:ext>
             </p:extLst>
           </p:nvPr>
@@ -7791,10 +7597,10 @@
           <p:cNvPr id="10" name="Rectangle 9">
             <a:extLst>
               <a:ext uri="{FF2B5EF4-FFF2-40B4-BE49-F238E27FC236}">
-                <a16:creationId xmlns:a16="http://schemas.microsoft.com/office/drawing/2014/main" xmlns="" id="{3B2E3793-BFE6-45A2-9B7B-E18844431C99}"/>
+                <a16:creationId xmlns="" xmlns:a16="http://schemas.microsoft.com/office/drawing/2014/main" id="{3B2E3793-BFE6-45A2-9B7B-E18844431C99}"/>
               </a:ext>
               <a:ext uri="{C183D7F6-B498-43B3-948B-1728B52AA6E4}">
-                <adec:decorative xmlns:adec="http://schemas.microsoft.com/office/drawing/2017/decorative" xmlns="" val="1"/>
+                <adec:decorative xmlns="" xmlns:adec="http://schemas.microsoft.com/office/drawing/2017/decorative" val="1"/>
               </a:ext>
             </a:extLst>
           </p:cNvPr>
@@ -7804,7 +7610,7 @@
           <p:nvPr>
             <p:extLst>
               <p:ext uri="{386F3935-93C4-4BCD-93E2-E3B085C9AB24}">
-                <p16:designElem xmlns:p16="http://schemas.microsoft.com/office/powerpoint/2015/main" xmlns="" val="1"/>
+                <p16:designElem xmlns="" xmlns:p16="http://schemas.microsoft.com/office/powerpoint/2015/main" val="1"/>
               </p:ext>
             </p:extLst>
           </p:nvPr>
@@ -7864,10 +7670,10 @@
           <p:cNvPr id="12" name="Rectangle 11">
             <a:extLst>
               <a:ext uri="{FF2B5EF4-FFF2-40B4-BE49-F238E27FC236}">
-                <a16:creationId xmlns:a16="http://schemas.microsoft.com/office/drawing/2014/main" xmlns="" id="{BC4C4868-CB8F-4AF9-9CDB-8108F2C19B67}"/>
+                <a16:creationId xmlns="" xmlns:a16="http://schemas.microsoft.com/office/drawing/2014/main" id="{BC4C4868-CB8F-4AF9-9CDB-8108F2C19B67}"/>
               </a:ext>
               <a:ext uri="{C183D7F6-B498-43B3-948B-1728B52AA6E4}">
-                <adec:decorative xmlns:adec="http://schemas.microsoft.com/office/drawing/2017/decorative" xmlns="" val="1"/>
+                <adec:decorative xmlns="" xmlns:adec="http://schemas.microsoft.com/office/drawing/2017/decorative" val="1"/>
               </a:ext>
             </a:extLst>
           </p:cNvPr>
@@ -7877,7 +7683,7 @@
           <p:nvPr>
             <p:extLst>
               <p:ext uri="{386F3935-93C4-4BCD-93E2-E3B085C9AB24}">
-                <p16:designElem xmlns:p16="http://schemas.microsoft.com/office/powerpoint/2015/main" xmlns="" val="1"/>
+                <p16:designElem xmlns="" xmlns:p16="http://schemas.microsoft.com/office/powerpoint/2015/main" val="1"/>
               </p:ext>
             </p:extLst>
           </p:nvPr>
@@ -7940,10 +7746,10 @@
           <p:cNvPr id="14" name="Rectangle 13">
             <a:extLst>
               <a:ext uri="{FF2B5EF4-FFF2-40B4-BE49-F238E27FC236}">
-                <a16:creationId xmlns:a16="http://schemas.microsoft.com/office/drawing/2014/main" xmlns="" id="{375E0459-6403-40CD-989D-56A4407CA12E}"/>
+                <a16:creationId xmlns="" xmlns:a16="http://schemas.microsoft.com/office/drawing/2014/main" id="{375E0459-6403-40CD-989D-56A4407CA12E}"/>
               </a:ext>
               <a:ext uri="{C183D7F6-B498-43B3-948B-1728B52AA6E4}">
-                <adec:decorative xmlns:adec="http://schemas.microsoft.com/office/drawing/2017/decorative" xmlns="" val="1"/>
+                <adec:decorative xmlns="" xmlns:adec="http://schemas.microsoft.com/office/drawing/2017/decorative" val="1"/>
               </a:ext>
             </a:extLst>
           </p:cNvPr>
@@ -7953,7 +7759,7 @@
           <p:nvPr>
             <p:extLst>
               <p:ext uri="{386F3935-93C4-4BCD-93E2-E3B085C9AB24}">
-                <p16:designElem xmlns:p16="http://schemas.microsoft.com/office/powerpoint/2015/main" xmlns="" val="1"/>
+                <p16:designElem xmlns="" xmlns:p16="http://schemas.microsoft.com/office/powerpoint/2015/main" val="1"/>
               </p:ext>
             </p:extLst>
           </p:nvPr>
@@ -8015,10 +7821,10 @@
           <p:cNvPr id="16" name="Rectangle 15">
             <a:extLst>
               <a:ext uri="{FF2B5EF4-FFF2-40B4-BE49-F238E27FC236}">
-                <a16:creationId xmlns:a16="http://schemas.microsoft.com/office/drawing/2014/main" xmlns="" id="{53E5B1A8-3AC9-4BD1-9BBC-78CA94F2D1BA}"/>
+                <a16:creationId xmlns="" xmlns:a16="http://schemas.microsoft.com/office/drawing/2014/main" id="{53E5B1A8-3AC9-4BD1-9BBC-78CA94F2D1BA}"/>
               </a:ext>
               <a:ext uri="{C183D7F6-B498-43B3-948B-1728B52AA6E4}">
-                <adec:decorative xmlns:adec="http://schemas.microsoft.com/office/drawing/2017/decorative" xmlns="" val="1"/>
+                <adec:decorative xmlns="" xmlns:adec="http://schemas.microsoft.com/office/drawing/2017/decorative" val="1"/>
               </a:ext>
             </a:extLst>
           </p:cNvPr>
@@ -8028,7 +7834,7 @@
           <p:nvPr>
             <p:extLst>
               <p:ext uri="{386F3935-93C4-4BCD-93E2-E3B085C9AB24}">
-                <p16:designElem xmlns:p16="http://schemas.microsoft.com/office/powerpoint/2015/main" xmlns="" val="1"/>
+                <p16:designElem xmlns="" xmlns:p16="http://schemas.microsoft.com/office/powerpoint/2015/main" val="1"/>
               </p:ext>
             </p:extLst>
           </p:nvPr>
@@ -8091,7 +7897,7 @@
           <p:cNvPr id="2" name="제목 1">
             <a:extLst>
               <a:ext uri="{FF2B5EF4-FFF2-40B4-BE49-F238E27FC236}">
-                <a16:creationId xmlns:a16="http://schemas.microsoft.com/office/drawing/2014/main" xmlns="" id="{C51C5024-D28B-51C9-3E0D-6C73030EF822}"/>
+                <a16:creationId xmlns="" xmlns:a16="http://schemas.microsoft.com/office/drawing/2014/main" id="{C51C5024-D28B-51C9-3E0D-6C73030EF822}"/>
               </a:ext>
             </a:extLst>
           </p:cNvPr>
@@ -8130,7 +7936,7 @@
           <p:cNvPr id="3" name="내용 개체 틀 2">
             <a:extLst>
               <a:ext uri="{FF2B5EF4-FFF2-40B4-BE49-F238E27FC236}">
-                <a16:creationId xmlns:a16="http://schemas.microsoft.com/office/drawing/2014/main" xmlns="" id="{FD0581FF-0E86-AC63-C7BB-7B2374504D9D}"/>
+                <a16:creationId xmlns="" xmlns:a16="http://schemas.microsoft.com/office/drawing/2014/main" id="{FD0581FF-0E86-AC63-C7BB-7B2374504D9D}"/>
               </a:ext>
             </a:extLst>
           </p:cNvPr>
@@ -8154,60 +7960,48 @@
           <a:lstStyle/>
           <a:p>
             <a:r>
-              <a:rPr lang="en-US" altLang="ko-KR" sz="2000" dirty="0" smtClean="0"/>
+              <a:rPr lang="en-US" altLang="ko-KR" sz="2000" dirty="0"/>
               <a:t>MySQL</a:t>
             </a:r>
             <a:r>
-              <a:rPr lang="ko-KR" altLang="en-US" sz="2000" dirty="0" smtClean="0"/>
+              <a:rPr lang="ko-KR" altLang="en-US" sz="2000" dirty="0"/>
               <a:t>과 같은 여러 가지 </a:t>
             </a:r>
             <a:r>
-              <a:rPr lang="en-US" altLang="ko-KR" sz="2000" dirty="0" smtClean="0"/>
+              <a:rPr lang="en-US" altLang="ko-KR" sz="2000" dirty="0"/>
               <a:t>DB</a:t>
             </a:r>
             <a:r>
-              <a:rPr lang="ko-KR" altLang="en-US" sz="2000" dirty="0" smtClean="0"/>
+              <a:rPr lang="ko-KR" altLang="en-US" sz="2000" dirty="0"/>
               <a:t>연결 방법을 찾다가 결국 </a:t>
             </a:r>
             <a:r>
-              <a:rPr lang="en-US" altLang="ko-KR" sz="2000" dirty="0" smtClean="0"/>
+              <a:rPr lang="en-US" altLang="ko-KR" sz="2000" dirty="0"/>
               <a:t>PHP</a:t>
             </a:r>
             <a:r>
               <a:rPr lang="ko-KR" altLang="en-US" sz="2000" dirty="0"/>
-              <a:t>를 </a:t>
-            </a:r>
-            <a:r>
-              <a:rPr lang="ko-KR" altLang="en-US" sz="2000" dirty="0" smtClean="0"/>
-              <a:t>이용하여</a:t>
-            </a:r>
-            <a:endParaRPr lang="en-US" altLang="ko-KR" sz="2000" dirty="0" smtClean="0"/>
+              <a:t>를 이용하여</a:t>
+            </a:r>
+            <a:endParaRPr lang="en-US" altLang="ko-KR" sz="2000" dirty="0"/>
           </a:p>
           <a:p>
             <a:pPr marL="0" indent="0">
               <a:buNone/>
             </a:pPr>
             <a:r>
-              <a:rPr lang="ko-KR" altLang="en-US" sz="2000" dirty="0" smtClean="0"/>
+              <a:rPr lang="ko-KR" altLang="en-US" sz="2000" dirty="0"/>
               <a:t>  </a:t>
             </a:r>
             <a:r>
-              <a:rPr lang="ko-KR" altLang="en-US" sz="2000" dirty="0" err="1" smtClean="0"/>
+              <a:rPr lang="ko-KR" altLang="en-US" sz="2000" dirty="0" err="1"/>
               <a:t>안드로이드</a:t>
             </a:r>
             <a:r>
-              <a:rPr lang="ko-KR" altLang="en-US" sz="2000" dirty="0" smtClean="0"/>
-              <a:t> </a:t>
-            </a:r>
-            <a:r>
               <a:rPr lang="ko-KR" altLang="en-US" sz="2000" dirty="0"/>
-              <a:t>스튜디오와 데이터베이스를 </a:t>
-            </a:r>
-            <a:r>
-              <a:rPr lang="ko-KR" altLang="en-US" sz="2000" dirty="0" smtClean="0"/>
-              <a:t>연결하여 개발함</a:t>
-            </a:r>
-            <a:endParaRPr lang="en-US" altLang="ko-KR" sz="2000" dirty="0" smtClean="0"/>
+              <a:t> 스튜디오와 데이터베이스를 연결하여 개발함</a:t>
+            </a:r>
+            <a:endParaRPr lang="en-US" altLang="ko-KR" sz="2000" dirty="0"/>
           </a:p>
           <a:p>
             <a:pPr marL="0" indent="0">
@@ -8217,10 +8011,10 @@
           </a:p>
           <a:p>
             <a:r>
-              <a:rPr lang="ko-KR" altLang="en-US" sz="2000" dirty="0" smtClean="0"/>
+              <a:rPr lang="ko-KR" altLang="en-US" sz="2000" dirty="0"/>
               <a:t>충분한 시간을 투자해서 의견을 조율해서 원하는 프로젝트의 방향을 잡았으며</a:t>
             </a:r>
-            <a:endParaRPr lang="en-US" altLang="ko-KR" sz="2000" dirty="0" smtClean="0"/>
+            <a:endParaRPr lang="en-US" altLang="ko-KR" sz="2000" dirty="0"/>
           </a:p>
           <a:p>
             <a:pPr marL="0" indent="0">
@@ -8228,17 +8022,13 @@
             </a:pPr>
             <a:r>
               <a:rPr lang="en-US" altLang="ko-KR" sz="2000" dirty="0"/>
-              <a:t> </a:t>
-            </a:r>
-            <a:r>
-              <a:rPr lang="en-US" altLang="ko-KR" sz="2000" dirty="0" smtClean="0"/>
-              <a:t>  </a:t>
-            </a:r>
-            <a:r>
-              <a:rPr lang="ko-KR" altLang="en-US" sz="2000" dirty="0" smtClean="0"/>
+              <a:t>   </a:t>
+            </a:r>
+            <a:r>
+              <a:rPr lang="ko-KR" altLang="en-US" sz="2000" dirty="0"/>
               <a:t>코드를 합치는 것을 염두에 두고 개발 시작 전에 의견을 미리 맞추고 개발을 시작하여 </a:t>
             </a:r>
-            <a:endParaRPr lang="en-US" altLang="ko-KR" sz="2000" dirty="0" smtClean="0"/>
+            <a:endParaRPr lang="en-US" altLang="ko-KR" sz="2000" dirty="0"/>
           </a:p>
           <a:p>
             <a:pPr marL="0" indent="0">
@@ -8246,17 +8036,45 @@
             </a:pPr>
             <a:r>
               <a:rPr lang="en-US" altLang="ko-KR" sz="2000" dirty="0"/>
+              <a:t>   </a:t>
+            </a:r>
+            <a:r>
+              <a:rPr lang="ko-KR" altLang="en-US" sz="2000" dirty="0"/>
+              <a:t>조금이나마 번거로움을 줄임</a:t>
+            </a:r>
+            <a:endParaRPr lang="en-US" altLang="ko-KR" sz="2000" dirty="0"/>
+          </a:p>
+          <a:p>
+            <a:pPr marL="0" indent="0">
+              <a:buNone/>
+            </a:pPr>
+            <a:endParaRPr lang="en-US" altLang="ko-KR" sz="2000" dirty="0"/>
+          </a:p>
+          <a:p>
+            <a:r>
+              <a:rPr lang="ko-KR" altLang="en-US" sz="2000" dirty="0" smtClean="0"/>
+              <a:t>교수님께서 제공해주신 자료들을 많이 참고했고</a:t>
+            </a:r>
+            <a:r>
+              <a:rPr lang="en-US" altLang="ko-KR" sz="2000" dirty="0" smtClean="0"/>
               <a:t> </a:t>
             </a:r>
             <a:r>
-              <a:rPr lang="en-US" altLang="ko-KR" sz="2000" dirty="0" smtClean="0"/>
-              <a:t>  </a:t>
-            </a:r>
-            <a:r>
               <a:rPr lang="ko-KR" altLang="en-US" sz="2000" dirty="0" smtClean="0"/>
-              <a:t>조금이나마 번거로움을 줄임</a:t>
-            </a:r>
-            <a:endParaRPr lang="ko-KR" altLang="en-US" sz="2000" dirty="0"/>
+              <a:t>많은 </a:t>
+            </a:r>
+            <a:r>
+              <a:rPr lang="ko-KR" altLang="en-US" sz="2000" dirty="0"/>
+              <a:t>구글링과 유튜브 강의</a:t>
+            </a:r>
+            <a:r>
+              <a:rPr lang="en-US" altLang="ko-KR" sz="2000" dirty="0"/>
+              <a:t>, </a:t>
+            </a:r>
+            <a:r>
+              <a:rPr lang="ko-KR" altLang="en-US" sz="2000" dirty="0"/>
+              <a:t>개발자 커뮤니티 등을 통해 공부하며 배움</a:t>
+            </a:r>
           </a:p>
         </p:txBody>
       </p:sp>
@@ -8311,11 +8129,11 @@
           <a:lstStyle/>
           <a:p>
             <a:r>
-              <a:rPr lang="ko-KR" altLang="en-US" dirty="0" smtClean="0"/>
+              <a:rPr lang="ko-KR" altLang="en-US" dirty="0"/>
               <a:t> 경청해주셔서 감사합니다</a:t>
             </a:r>
             <a:r>
-              <a:rPr lang="en-US" altLang="ko-KR" dirty="0" smtClean="0"/>
+              <a:rPr lang="en-US" altLang="ko-KR" dirty="0"/>
               <a:t>.</a:t>
             </a:r>
             <a:endParaRPr lang="ko-KR" altLang="en-US" dirty="0"/>
@@ -8368,10 +8186,9 @@
           <a:lstStyle/>
           <a:p>
             <a:r>
-              <a:rPr lang="ko-KR" altLang="en-US" dirty="0" smtClean="0"/>
+              <a:rPr lang="ko-KR" altLang="en-US" dirty="0"/>
               <a:t>목차</a:t>
             </a:r>
-            <a:endParaRPr lang="ko-KR" altLang="en-US" dirty="0"/>
           </a:p>
         </p:txBody>
       </p:sp>
@@ -8391,38 +8208,38 @@
           <a:lstStyle/>
           <a:p>
             <a:r>
-              <a:rPr lang="ko-KR" altLang="en-US" dirty="0" smtClean="0"/>
+              <a:rPr lang="ko-KR" altLang="en-US" dirty="0"/>
               <a:t>기획 내용</a:t>
             </a:r>
-            <a:endParaRPr lang="en-US" altLang="ko-KR" dirty="0" smtClean="0"/>
-          </a:p>
-          <a:p>
-            <a:r>
-              <a:rPr lang="ko-KR" altLang="en-US" dirty="0" smtClean="0"/>
+            <a:endParaRPr lang="en-US" altLang="ko-KR" dirty="0"/>
+          </a:p>
+          <a:p>
+            <a:r>
+              <a:rPr lang="ko-KR" altLang="en-US" dirty="0"/>
               <a:t>실행 화면</a:t>
             </a:r>
-            <a:endParaRPr lang="en-US" altLang="ko-KR" dirty="0" smtClean="0"/>
-          </a:p>
-          <a:p>
-            <a:r>
-              <a:rPr lang="ko-KR" altLang="en-US" dirty="0" smtClean="0"/>
+            <a:endParaRPr lang="en-US" altLang="ko-KR" dirty="0"/>
+          </a:p>
+          <a:p>
+            <a:r>
+              <a:rPr lang="ko-KR" altLang="en-US" dirty="0"/>
               <a:t>프로그램의 장점</a:t>
             </a:r>
-            <a:endParaRPr lang="en-US" altLang="ko-KR" dirty="0" smtClean="0"/>
-          </a:p>
-          <a:p>
-            <a:r>
-              <a:rPr lang="ko-KR" altLang="en-US" dirty="0" smtClean="0"/>
+            <a:endParaRPr lang="en-US" altLang="ko-KR" dirty="0"/>
+          </a:p>
+          <a:p>
+            <a:r>
+              <a:rPr lang="ko-KR" altLang="en-US" dirty="0"/>
               <a:t>어려웠던 점</a:t>
             </a:r>
-            <a:endParaRPr lang="en-US" altLang="ko-KR" dirty="0" smtClean="0"/>
-          </a:p>
-          <a:p>
-            <a:r>
-              <a:rPr lang="ko-KR" altLang="en-US" dirty="0" smtClean="0"/>
+            <a:endParaRPr lang="en-US" altLang="ko-KR" dirty="0"/>
+          </a:p>
+          <a:p>
+            <a:r>
+              <a:rPr lang="ko-KR" altLang="en-US" dirty="0"/>
               <a:t>극복 과정</a:t>
             </a:r>
-            <a:endParaRPr lang="en-US" altLang="ko-KR" dirty="0" smtClean="0"/>
+            <a:endParaRPr lang="en-US" altLang="ko-KR" dirty="0"/>
           </a:p>
           <a:p>
             <a:endParaRPr lang="ko-KR" altLang="en-US" dirty="0"/>
@@ -8464,7 +8281,7 @@
           <p:cNvPr id="2" name="제목 1">
             <a:extLst>
               <a:ext uri="{FF2B5EF4-FFF2-40B4-BE49-F238E27FC236}">
-                <a16:creationId xmlns:a16="http://schemas.microsoft.com/office/drawing/2014/main" xmlns="" id="{46FA7903-5BB2-2165-7251-19FF2BD56A70}"/>
+                <a16:creationId xmlns="" xmlns:a16="http://schemas.microsoft.com/office/drawing/2014/main" id="{46FA7903-5BB2-2165-7251-19FF2BD56A70}"/>
               </a:ext>
             </a:extLst>
           </p:cNvPr>
@@ -8492,7 +8309,7 @@
           <p:cNvPr id="7" name="텍스트 개체 틀 6">
             <a:extLst>
               <a:ext uri="{FF2B5EF4-FFF2-40B4-BE49-F238E27FC236}">
-                <a16:creationId xmlns:a16="http://schemas.microsoft.com/office/drawing/2014/main" xmlns="" id="{B774C544-A3A3-BEE3-403E-8A80308DEEAB}"/>
+                <a16:creationId xmlns="" xmlns:a16="http://schemas.microsoft.com/office/drawing/2014/main" id="{B774C544-A3A3-BEE3-403E-8A80308DEEAB}"/>
               </a:ext>
             </a:extLst>
           </p:cNvPr>
@@ -8520,7 +8337,7 @@
           <p:cNvPr id="6" name="텍스트 개체 틀 5">
             <a:extLst>
               <a:ext uri="{FF2B5EF4-FFF2-40B4-BE49-F238E27FC236}">
-                <a16:creationId xmlns:a16="http://schemas.microsoft.com/office/drawing/2014/main" xmlns="" id="{0331DFA3-F4CC-F590-D661-785D52EF2DCB}"/>
+                <a16:creationId xmlns="" xmlns:a16="http://schemas.microsoft.com/office/drawing/2014/main" id="{0331DFA3-F4CC-F590-D661-785D52EF2DCB}"/>
               </a:ext>
             </a:extLst>
           </p:cNvPr>
@@ -8548,7 +8365,7 @@
           <p:cNvPr id="12" name="내용 개체 틀 3">
             <a:extLst>
               <a:ext uri="{FF2B5EF4-FFF2-40B4-BE49-F238E27FC236}">
-                <a16:creationId xmlns:a16="http://schemas.microsoft.com/office/drawing/2014/main" xmlns="" id="{EF9E181A-E191-4C91-7087-8E058362BCA7}"/>
+                <a16:creationId xmlns="" xmlns:a16="http://schemas.microsoft.com/office/drawing/2014/main" id="{EF9E181A-E191-4C91-7087-8E058362BCA7}"/>
               </a:ext>
             </a:extLst>
           </p:cNvPr>
@@ -8579,7 +8396,7 @@
           <p:cNvPr id="8" name="내용 개체 틀 7">
             <a:extLst>
               <a:ext uri="{FF2B5EF4-FFF2-40B4-BE49-F238E27FC236}">
-                <a16:creationId xmlns:a16="http://schemas.microsoft.com/office/drawing/2014/main" xmlns="" id="{5C5D925B-4CCC-6D96-6E36-F9336812EE85}"/>
+                <a16:creationId xmlns="" xmlns:a16="http://schemas.microsoft.com/office/drawing/2014/main" id="{5C5D925B-4CCC-6D96-6E36-F9336812EE85}"/>
               </a:ext>
             </a:extLst>
           </p:cNvPr>
@@ -8603,7 +8420,7 @@
           <a:lstStyle/>
           <a:p>
             <a:r>
-              <a:rPr lang="ko-KR" altLang="en-US" sz="2000" b="1" i="0" dirty="0" smtClean="0">
+              <a:rPr lang="ko-KR" altLang="en-US" sz="2000" b="1" i="0" dirty="0">
                 <a:solidFill>
                   <a:srgbClr val="0D0D0D"/>
                 </a:solidFill>
@@ -8859,19 +8676,6 @@
           </a:p>
           <a:p>
             <a:r>
-              <a:rPr lang="ko-KR" altLang="en-US" sz="2000" b="1" i="0" dirty="0" smtClean="0">
-                <a:solidFill>
-                  <a:srgbClr val="0D0D0D"/>
-                </a:solidFill>
-                <a:effectLst/>
-                <a:highlight>
-                  <a:srgbClr val="FFFFFF"/>
-                </a:highlight>
-                <a:latin typeface="ui-sans-serif"/>
-              </a:rPr>
-              <a:t>강의실 자리 </a:t>
-            </a:r>
-            <a:r>
               <a:rPr lang="ko-KR" altLang="en-US" sz="2000" b="1" i="0" dirty="0">
                 <a:solidFill>
                   <a:srgbClr val="0D0D0D"/>
@@ -8882,7 +8686,7 @@
                 </a:highlight>
                 <a:latin typeface="ui-sans-serif"/>
               </a:rPr>
-              <a:t>예약 시스템</a:t>
+              <a:t>강의실 자리 예약 시스템</a:t>
             </a:r>
             <a:endParaRPr lang="en-US" altLang="ko-KR" sz="2000" b="1" i="0" dirty="0">
               <a:solidFill>
@@ -9341,10 +9145,10 @@
           <p:cNvPr id="14" name="Rectangle 13">
             <a:extLst>
               <a:ext uri="{FF2B5EF4-FFF2-40B4-BE49-F238E27FC236}">
-                <a16:creationId xmlns:a16="http://schemas.microsoft.com/office/drawing/2014/main" xmlns="" id="{A8384FB5-9ADC-4DDC-881B-597D56F5B15D}"/>
+                <a16:creationId xmlns="" xmlns:a16="http://schemas.microsoft.com/office/drawing/2014/main" id="{A8384FB5-9ADC-4DDC-881B-597D56F5B15D}"/>
               </a:ext>
               <a:ext uri="{C183D7F6-B498-43B3-948B-1728B52AA6E4}">
-                <adec:decorative xmlns:adec="http://schemas.microsoft.com/office/drawing/2017/decorative" xmlns="" val="1"/>
+                <adec:decorative xmlns="" xmlns:adec="http://schemas.microsoft.com/office/drawing/2017/decorative" val="1"/>
               </a:ext>
             </a:extLst>
           </p:cNvPr>
@@ -9354,7 +9158,7 @@
           <p:nvPr>
             <p:extLst>
               <p:ext uri="{386F3935-93C4-4BCD-93E2-E3B085C9AB24}">
-                <p16:designElem xmlns:p16="http://schemas.microsoft.com/office/powerpoint/2015/main" xmlns="" val="1"/>
+                <p16:designElem xmlns="" xmlns:p16="http://schemas.microsoft.com/office/powerpoint/2015/main" val="1"/>
               </p:ext>
             </p:extLst>
           </p:nvPr>
@@ -9417,10 +9221,10 @@
           <p:cNvPr id="16" name="Rectangle 15">
             <a:extLst>
               <a:ext uri="{FF2B5EF4-FFF2-40B4-BE49-F238E27FC236}">
-                <a16:creationId xmlns:a16="http://schemas.microsoft.com/office/drawing/2014/main" xmlns="" id="{1199E1B1-A8C0-4FE8-A5A8-1CB41D69F857}"/>
+                <a16:creationId xmlns="" xmlns:a16="http://schemas.microsoft.com/office/drawing/2014/main" id="{1199E1B1-A8C0-4FE8-A5A8-1CB41D69F857}"/>
               </a:ext>
               <a:ext uri="{C183D7F6-B498-43B3-948B-1728B52AA6E4}">
-                <adec:decorative xmlns:adec="http://schemas.microsoft.com/office/drawing/2017/decorative" xmlns="" val="1"/>
+                <adec:decorative xmlns="" xmlns:adec="http://schemas.microsoft.com/office/drawing/2017/decorative" val="1"/>
               </a:ext>
             </a:extLst>
           </p:cNvPr>
@@ -9430,7 +9234,7 @@
           <p:nvPr>
             <p:extLst>
               <p:ext uri="{386F3935-93C4-4BCD-93E2-E3B085C9AB24}">
-                <p16:designElem xmlns:p16="http://schemas.microsoft.com/office/powerpoint/2015/main" xmlns="" val="1"/>
+                <p16:designElem xmlns="" xmlns:p16="http://schemas.microsoft.com/office/powerpoint/2015/main" val="1"/>
               </p:ext>
             </p:extLst>
           </p:nvPr>
@@ -9492,10 +9296,10 @@
           <p:cNvPr id="18" name="Rectangle 17">
             <a:extLst>
               <a:ext uri="{FF2B5EF4-FFF2-40B4-BE49-F238E27FC236}">
-                <a16:creationId xmlns:a16="http://schemas.microsoft.com/office/drawing/2014/main" xmlns="" id="{84A8DE83-DE75-4B41-9DB4-A7EC0B0DEC0B}"/>
+                <a16:creationId xmlns="" xmlns:a16="http://schemas.microsoft.com/office/drawing/2014/main" id="{84A8DE83-DE75-4B41-9DB4-A7EC0B0DEC0B}"/>
               </a:ext>
               <a:ext uri="{C183D7F6-B498-43B3-948B-1728B52AA6E4}">
-                <adec:decorative xmlns:adec="http://schemas.microsoft.com/office/drawing/2017/decorative" xmlns="" val="1"/>
+                <adec:decorative xmlns="" xmlns:adec="http://schemas.microsoft.com/office/drawing/2017/decorative" val="1"/>
               </a:ext>
             </a:extLst>
           </p:cNvPr>
@@ -9505,7 +9309,7 @@
           <p:nvPr>
             <p:extLst>
               <p:ext uri="{386F3935-93C4-4BCD-93E2-E3B085C9AB24}">
-                <p16:designElem xmlns:p16="http://schemas.microsoft.com/office/powerpoint/2015/main" xmlns="" val="1"/>
+                <p16:designElem xmlns="" xmlns:p16="http://schemas.microsoft.com/office/powerpoint/2015/main" val="1"/>
               </p:ext>
             </p:extLst>
           </p:nvPr>
@@ -9569,10 +9373,10 @@
           <p:cNvPr id="20" name="Rectangle 19">
             <a:extLst>
               <a:ext uri="{FF2B5EF4-FFF2-40B4-BE49-F238E27FC236}">
-                <a16:creationId xmlns:a16="http://schemas.microsoft.com/office/drawing/2014/main" xmlns="" id="{A7009A0A-BEF5-4EAC-AF15-E4F9F002E239}"/>
+                <a16:creationId xmlns="" xmlns:a16="http://schemas.microsoft.com/office/drawing/2014/main" id="{A7009A0A-BEF5-4EAC-AF15-E4F9F002E239}"/>
               </a:ext>
               <a:ext uri="{C183D7F6-B498-43B3-948B-1728B52AA6E4}">
-                <adec:decorative xmlns:adec="http://schemas.microsoft.com/office/drawing/2017/decorative" xmlns="" val="1"/>
+                <adec:decorative xmlns="" xmlns:adec="http://schemas.microsoft.com/office/drawing/2017/decorative" val="1"/>
               </a:ext>
             </a:extLst>
           </p:cNvPr>
@@ -9582,7 +9386,7 @@
           <p:nvPr>
             <p:extLst>
               <p:ext uri="{386F3935-93C4-4BCD-93E2-E3B085C9AB24}">
-                <p16:designElem xmlns:p16="http://schemas.microsoft.com/office/powerpoint/2015/main" xmlns="" val="1"/>
+                <p16:designElem xmlns="" xmlns:p16="http://schemas.microsoft.com/office/powerpoint/2015/main" val="1"/>
               </p:ext>
             </p:extLst>
           </p:nvPr>
@@ -9644,7 +9448,7 @@
           <p:cNvPr id="7" name="제목 6">
             <a:extLst>
               <a:ext uri="{FF2B5EF4-FFF2-40B4-BE49-F238E27FC236}">
-                <a16:creationId xmlns:a16="http://schemas.microsoft.com/office/drawing/2014/main" xmlns="" id="{5F531F78-392E-57C8-182F-B85AA4777858}"/>
+                <a16:creationId xmlns="" xmlns:a16="http://schemas.microsoft.com/office/drawing/2014/main" id="{5F531F78-392E-57C8-182F-B85AA4777858}"/>
               </a:ext>
             </a:extLst>
           </p:cNvPr>
@@ -9692,7 +9496,7 @@
           <p:cNvPr id="6" name="그림 5">
             <a:extLst>
               <a:ext uri="{FF2B5EF4-FFF2-40B4-BE49-F238E27FC236}">
-                <a16:creationId xmlns:a16="http://schemas.microsoft.com/office/drawing/2014/main" xmlns="" id="{8A0B4F43-4A85-657C-9E46-44BBD71803FF}"/>
+                <a16:creationId xmlns="" xmlns:a16="http://schemas.microsoft.com/office/drawing/2014/main" id="{8A0B4F43-4A85-657C-9E46-44BBD71803FF}"/>
               </a:ext>
             </a:extLst>
           </p:cNvPr>
@@ -9722,7 +9526,7 @@
           <p:cNvPr id="10" name="그림 9">
             <a:extLst>
               <a:ext uri="{FF2B5EF4-FFF2-40B4-BE49-F238E27FC236}">
-                <a16:creationId xmlns:a16="http://schemas.microsoft.com/office/drawing/2014/main" xmlns="" id="{75879257-5455-7E52-503B-501E34E2684A}"/>
+                <a16:creationId xmlns="" xmlns:a16="http://schemas.microsoft.com/office/drawing/2014/main" id="{75879257-5455-7E52-503B-501E34E2684A}"/>
               </a:ext>
             </a:extLst>
           </p:cNvPr>
@@ -9752,7 +9556,7 @@
           <p:cNvPr id="12" name="그림 11">
             <a:extLst>
               <a:ext uri="{FF2B5EF4-FFF2-40B4-BE49-F238E27FC236}">
-                <a16:creationId xmlns:a16="http://schemas.microsoft.com/office/drawing/2014/main" xmlns="" id="{A257EA6B-EB90-8C55-CC2E-BD27D14B856E}"/>
+                <a16:creationId xmlns="" xmlns:a16="http://schemas.microsoft.com/office/drawing/2014/main" id="{A257EA6B-EB90-8C55-CC2E-BD27D14B856E}"/>
               </a:ext>
             </a:extLst>
           </p:cNvPr>
@@ -9782,7 +9586,7 @@
           <p:cNvPr id="15" name="그림 14">
             <a:extLst>
               <a:ext uri="{FF2B5EF4-FFF2-40B4-BE49-F238E27FC236}">
-                <a16:creationId xmlns:a16="http://schemas.microsoft.com/office/drawing/2014/main" xmlns="" id="{1A69F582-FC5C-D8C2-B3E8-23BBE3463C1C}"/>
+                <a16:creationId xmlns="" xmlns:a16="http://schemas.microsoft.com/office/drawing/2014/main" id="{1A69F582-FC5C-D8C2-B3E8-23BBE3463C1C}"/>
               </a:ext>
             </a:extLst>
           </p:cNvPr>
@@ -9830,18 +9634,13 @@
           <a:lstStyle/>
           <a:p>
             <a:r>
-              <a:rPr lang="ko-KR" altLang="en-US" dirty="0" smtClean="0">
+              <a:rPr lang="ko-KR" altLang="en-US" dirty="0">
                 <a:solidFill>
                   <a:schemeClr val="bg1"/>
                 </a:solidFill>
               </a:rPr>
               <a:t>로그인 화면</a:t>
             </a:r>
-            <a:endParaRPr lang="ko-KR" altLang="en-US" dirty="0">
-              <a:solidFill>
-                <a:schemeClr val="bg1"/>
-              </a:solidFill>
-            </a:endParaRPr>
           </a:p>
         </p:txBody>
       </p:sp>
@@ -9868,7 +9667,7 @@
           <a:lstStyle/>
           <a:p>
             <a:r>
-              <a:rPr lang="ko-KR" altLang="en-US" dirty="0" smtClean="0">
+              <a:rPr lang="ko-KR" altLang="en-US" dirty="0">
                 <a:solidFill>
                   <a:schemeClr val="bg1"/>
                 </a:solidFill>
@@ -9876,7 +9675,7 @@
               <a:t>회원가입 </a:t>
             </a:r>
             <a:r>
-              <a:rPr lang="en-US" altLang="ko-KR" dirty="0" smtClean="0">
+              <a:rPr lang="en-US" altLang="ko-KR" dirty="0">
                 <a:solidFill>
                   <a:schemeClr val="bg1"/>
                 </a:solidFill>
@@ -9884,18 +9683,13 @@
               <a:t>– </a:t>
             </a:r>
             <a:r>
-              <a:rPr lang="ko-KR" altLang="en-US" dirty="0" smtClean="0">
+              <a:rPr lang="ko-KR" altLang="en-US" dirty="0">
                 <a:solidFill>
                   <a:schemeClr val="bg1"/>
                 </a:solidFill>
               </a:rPr>
               <a:t>직책 선택</a:t>
             </a:r>
-            <a:endParaRPr lang="ko-KR" altLang="en-US" dirty="0">
-              <a:solidFill>
-                <a:schemeClr val="bg1"/>
-              </a:solidFill>
-            </a:endParaRPr>
           </a:p>
         </p:txBody>
       </p:sp>
@@ -9922,7 +9716,7 @@
           <a:lstStyle/>
           <a:p>
             <a:r>
-              <a:rPr lang="ko-KR" altLang="en-US" dirty="0" smtClean="0">
+              <a:rPr lang="ko-KR" altLang="en-US" dirty="0">
                 <a:solidFill>
                   <a:schemeClr val="bg1"/>
                 </a:solidFill>
@@ -9930,7 +9724,7 @@
               <a:t>회원가입 </a:t>
             </a:r>
             <a:r>
-              <a:rPr lang="en-US" altLang="ko-KR" dirty="0" smtClean="0">
+              <a:rPr lang="en-US" altLang="ko-KR" dirty="0">
                 <a:solidFill>
                   <a:schemeClr val="bg1"/>
                 </a:solidFill>
@@ -9938,7 +9732,7 @@
               <a:t>– </a:t>
             </a:r>
             <a:r>
-              <a:rPr lang="ko-KR" altLang="en-US" dirty="0" smtClean="0">
+              <a:rPr lang="ko-KR" altLang="en-US" dirty="0">
                 <a:solidFill>
                   <a:schemeClr val="bg1"/>
                 </a:solidFill>
@@ -9946,7 +9740,7 @@
               <a:t>교수</a:t>
             </a:r>
             <a:r>
-              <a:rPr lang="en-US" altLang="ko-KR" dirty="0" smtClean="0">
+              <a:rPr lang="en-US" altLang="ko-KR" dirty="0">
                 <a:solidFill>
                   <a:schemeClr val="bg1"/>
                 </a:solidFill>
@@ -9954,18 +9748,13 @@
               <a:t>/</a:t>
             </a:r>
             <a:r>
-              <a:rPr lang="ko-KR" altLang="en-US" dirty="0" smtClean="0">
+              <a:rPr lang="ko-KR" altLang="en-US" dirty="0">
                 <a:solidFill>
                   <a:schemeClr val="bg1"/>
                 </a:solidFill>
               </a:rPr>
               <a:t>조교수</a:t>
             </a:r>
-            <a:endParaRPr lang="ko-KR" altLang="en-US" dirty="0">
-              <a:solidFill>
-                <a:schemeClr val="bg1"/>
-              </a:solidFill>
-            </a:endParaRPr>
           </a:p>
         </p:txBody>
       </p:sp>
@@ -9992,7 +9781,7 @@
           <a:lstStyle/>
           <a:p>
             <a:r>
-              <a:rPr lang="ko-KR" altLang="en-US" dirty="0" smtClean="0">
+              <a:rPr lang="ko-KR" altLang="en-US" dirty="0">
                 <a:solidFill>
                   <a:schemeClr val="bg1"/>
                 </a:solidFill>
@@ -10000,7 +9789,7 @@
               <a:t>회원가입 </a:t>
             </a:r>
             <a:r>
-              <a:rPr lang="en-US" altLang="ko-KR" dirty="0" smtClean="0">
+              <a:rPr lang="en-US" altLang="ko-KR" dirty="0">
                 <a:solidFill>
                   <a:schemeClr val="bg1"/>
                 </a:solidFill>
@@ -10008,18 +9797,13 @@
               <a:t>– </a:t>
             </a:r>
             <a:r>
-              <a:rPr lang="ko-KR" altLang="en-US" dirty="0" smtClean="0">
+              <a:rPr lang="ko-KR" altLang="en-US" dirty="0">
                 <a:solidFill>
                   <a:schemeClr val="bg1"/>
                 </a:solidFill>
               </a:rPr>
               <a:t>학생</a:t>
             </a:r>
-            <a:endParaRPr lang="ko-KR" altLang="en-US" dirty="0">
-              <a:solidFill>
-                <a:schemeClr val="bg1"/>
-              </a:solidFill>
-            </a:endParaRPr>
           </a:p>
         </p:txBody>
       </p:sp>
@@ -10066,10 +9850,10 @@
           <p:cNvPr id="9" name="Rectangle 8">
             <a:extLst>
               <a:ext uri="{FF2B5EF4-FFF2-40B4-BE49-F238E27FC236}">
-                <a16:creationId xmlns:a16="http://schemas.microsoft.com/office/drawing/2014/main" xmlns="" id="{A8384FB5-9ADC-4DDC-881B-597D56F5B15D}"/>
+                <a16:creationId xmlns="" xmlns:a16="http://schemas.microsoft.com/office/drawing/2014/main" id="{A8384FB5-9ADC-4DDC-881B-597D56F5B15D}"/>
               </a:ext>
               <a:ext uri="{C183D7F6-B498-43B3-948B-1728B52AA6E4}">
-                <adec:decorative xmlns:adec="http://schemas.microsoft.com/office/drawing/2017/decorative" xmlns="" val="1"/>
+                <adec:decorative xmlns="" xmlns:adec="http://schemas.microsoft.com/office/drawing/2017/decorative" val="1"/>
               </a:ext>
             </a:extLst>
           </p:cNvPr>
@@ -10079,7 +9863,7 @@
           <p:nvPr>
             <p:extLst>
               <p:ext uri="{386F3935-93C4-4BCD-93E2-E3B085C9AB24}">
-                <p16:designElem xmlns:p16="http://schemas.microsoft.com/office/powerpoint/2015/main" xmlns="" val="1"/>
+                <p16:designElem xmlns="" xmlns:p16="http://schemas.microsoft.com/office/powerpoint/2015/main" val="1"/>
               </p:ext>
             </p:extLst>
           </p:nvPr>
@@ -10142,10 +9926,10 @@
           <p:cNvPr id="11" name="Rectangle 10">
             <a:extLst>
               <a:ext uri="{FF2B5EF4-FFF2-40B4-BE49-F238E27FC236}">
-                <a16:creationId xmlns:a16="http://schemas.microsoft.com/office/drawing/2014/main" xmlns="" id="{1199E1B1-A8C0-4FE8-A5A8-1CB41D69F857}"/>
+                <a16:creationId xmlns="" xmlns:a16="http://schemas.microsoft.com/office/drawing/2014/main" id="{1199E1B1-A8C0-4FE8-A5A8-1CB41D69F857}"/>
               </a:ext>
               <a:ext uri="{C183D7F6-B498-43B3-948B-1728B52AA6E4}">
-                <adec:decorative xmlns:adec="http://schemas.microsoft.com/office/drawing/2017/decorative" xmlns="" val="1"/>
+                <adec:decorative xmlns="" xmlns:adec="http://schemas.microsoft.com/office/drawing/2017/decorative" val="1"/>
               </a:ext>
             </a:extLst>
           </p:cNvPr>
@@ -10155,7 +9939,7 @@
           <p:nvPr>
             <p:extLst>
               <p:ext uri="{386F3935-93C4-4BCD-93E2-E3B085C9AB24}">
-                <p16:designElem xmlns:p16="http://schemas.microsoft.com/office/powerpoint/2015/main" xmlns="" val="1"/>
+                <p16:designElem xmlns="" xmlns:p16="http://schemas.microsoft.com/office/powerpoint/2015/main" val="1"/>
               </p:ext>
             </p:extLst>
           </p:nvPr>
@@ -10217,10 +10001,10 @@
           <p:cNvPr id="13" name="Rectangle 12">
             <a:extLst>
               <a:ext uri="{FF2B5EF4-FFF2-40B4-BE49-F238E27FC236}">
-                <a16:creationId xmlns:a16="http://schemas.microsoft.com/office/drawing/2014/main" xmlns="" id="{84A8DE83-DE75-4B41-9DB4-A7EC0B0DEC0B}"/>
+                <a16:creationId xmlns="" xmlns:a16="http://schemas.microsoft.com/office/drawing/2014/main" id="{84A8DE83-DE75-4B41-9DB4-A7EC0B0DEC0B}"/>
               </a:ext>
               <a:ext uri="{C183D7F6-B498-43B3-948B-1728B52AA6E4}">
-                <adec:decorative xmlns:adec="http://schemas.microsoft.com/office/drawing/2017/decorative" xmlns="" val="1"/>
+                <adec:decorative xmlns="" xmlns:adec="http://schemas.microsoft.com/office/drawing/2017/decorative" val="1"/>
               </a:ext>
             </a:extLst>
           </p:cNvPr>
@@ -10230,7 +10014,7 @@
           <p:nvPr>
             <p:extLst>
               <p:ext uri="{386F3935-93C4-4BCD-93E2-E3B085C9AB24}">
-                <p16:designElem xmlns:p16="http://schemas.microsoft.com/office/powerpoint/2015/main" xmlns="" val="1"/>
+                <p16:designElem xmlns="" xmlns:p16="http://schemas.microsoft.com/office/powerpoint/2015/main" val="1"/>
               </p:ext>
             </p:extLst>
           </p:nvPr>
@@ -10294,10 +10078,10 @@
           <p:cNvPr id="15" name="Rectangle 14">
             <a:extLst>
               <a:ext uri="{FF2B5EF4-FFF2-40B4-BE49-F238E27FC236}">
-                <a16:creationId xmlns:a16="http://schemas.microsoft.com/office/drawing/2014/main" xmlns="" id="{A7009A0A-BEF5-4EAC-AF15-E4F9F002E239}"/>
+                <a16:creationId xmlns="" xmlns:a16="http://schemas.microsoft.com/office/drawing/2014/main" id="{A7009A0A-BEF5-4EAC-AF15-E4F9F002E239}"/>
               </a:ext>
               <a:ext uri="{C183D7F6-B498-43B3-948B-1728B52AA6E4}">
-                <adec:decorative xmlns:adec="http://schemas.microsoft.com/office/drawing/2017/decorative" xmlns="" val="1"/>
+                <adec:decorative xmlns="" xmlns:adec="http://schemas.microsoft.com/office/drawing/2017/decorative" val="1"/>
               </a:ext>
             </a:extLst>
           </p:cNvPr>
@@ -10307,7 +10091,7 @@
           <p:nvPr>
             <p:extLst>
               <p:ext uri="{386F3935-93C4-4BCD-93E2-E3B085C9AB24}">
-                <p16:designElem xmlns:p16="http://schemas.microsoft.com/office/powerpoint/2015/main" xmlns="" val="1"/>
+                <p16:designElem xmlns="" xmlns:p16="http://schemas.microsoft.com/office/powerpoint/2015/main" val="1"/>
               </p:ext>
             </p:extLst>
           </p:nvPr>
@@ -10369,7 +10153,7 @@
           <p:cNvPr id="2" name="제목 1">
             <a:extLst>
               <a:ext uri="{FF2B5EF4-FFF2-40B4-BE49-F238E27FC236}">
-                <a16:creationId xmlns:a16="http://schemas.microsoft.com/office/drawing/2014/main" xmlns="" id="{74CEED57-28C4-CBB0-4922-19DE4094B06A}"/>
+                <a16:creationId xmlns="" xmlns:a16="http://schemas.microsoft.com/office/drawing/2014/main" id="{74CEED57-28C4-CBB0-4922-19DE4094B06A}"/>
               </a:ext>
             </a:extLst>
           </p:cNvPr>
@@ -10417,7 +10201,7 @@
           <p:cNvPr id="5" name="그림 4">
             <a:extLst>
               <a:ext uri="{FF2B5EF4-FFF2-40B4-BE49-F238E27FC236}">
-                <a16:creationId xmlns:a16="http://schemas.microsoft.com/office/drawing/2014/main" xmlns="" id="{A5C63217-9351-8906-1F19-3E8F5D1F3287}"/>
+                <a16:creationId xmlns="" xmlns:a16="http://schemas.microsoft.com/office/drawing/2014/main" id="{A5C63217-9351-8906-1F19-3E8F5D1F3287}"/>
               </a:ext>
             </a:extLst>
           </p:cNvPr>
@@ -10444,10 +10228,10 @@
       </p:pic>
       <p:pic>
         <p:nvPicPr>
-          <p:cNvPr id="7" name="그림 6">
+          <p:cNvPr id="10" name="그림 9">
             <a:extLst>
               <a:ext uri="{FF2B5EF4-FFF2-40B4-BE49-F238E27FC236}">
-                <a16:creationId xmlns:a16="http://schemas.microsoft.com/office/drawing/2014/main" xmlns="" id="{97055305-C50F-CE15-916A-F3B8016FB423}"/>
+                <a16:creationId xmlns="" xmlns:a16="http://schemas.microsoft.com/office/drawing/2014/main" id="{43EB3956-0FE8-8AE9-67AB-ED5C190AFB55}"/>
               </a:ext>
             </a:extLst>
           </p:cNvPr>
@@ -10458,36 +10242,6 @@
         </p:nvPicPr>
         <p:blipFill>
           <a:blip r:embed="rId4"/>
-          <a:stretch>
-            <a:fillRect/>
-          </a:stretch>
-        </p:blipFill>
-        <p:spPr>
-          <a:xfrm>
-            <a:off x="295886" y="1701765"/>
-            <a:ext cx="2455721" cy="5027627"/>
-          </a:xfrm>
-          <a:prstGeom prst="rect">
-            <a:avLst/>
-          </a:prstGeom>
-        </p:spPr>
-      </p:pic>
-      <p:pic>
-        <p:nvPicPr>
-          <p:cNvPr id="10" name="그림 9">
-            <a:extLst>
-              <a:ext uri="{FF2B5EF4-FFF2-40B4-BE49-F238E27FC236}">
-                <a16:creationId xmlns:a16="http://schemas.microsoft.com/office/drawing/2014/main" xmlns="" id="{43EB3956-0FE8-8AE9-67AB-ED5C190AFB55}"/>
-              </a:ext>
-            </a:extLst>
-          </p:cNvPr>
-          <p:cNvPicPr>
-            <a:picLocks noChangeAspect="1"/>
-          </p:cNvPicPr>
-          <p:nvPr/>
-        </p:nvPicPr>
-        <p:blipFill>
-          <a:blip r:embed="rId5"/>
           <a:stretch>
             <a:fillRect/>
           </a:stretch>
@@ -10507,7 +10261,227 @@
           <p:cNvPr id="14" name="그림 13">
             <a:extLst>
               <a:ext uri="{FF2B5EF4-FFF2-40B4-BE49-F238E27FC236}">
-                <a16:creationId xmlns:a16="http://schemas.microsoft.com/office/drawing/2014/main" xmlns="" id="{27611359-6DB0-43EB-B22A-F8495EDE6163}"/>
+                <a16:creationId xmlns="" xmlns:a16="http://schemas.microsoft.com/office/drawing/2014/main" id="{27611359-6DB0-43EB-B22A-F8495EDE6163}"/>
+              </a:ext>
+            </a:extLst>
+          </p:cNvPr>
+          <p:cNvPicPr>
+            <a:picLocks noChangeAspect="1"/>
+          </p:cNvPicPr>
+          <p:nvPr/>
+        </p:nvPicPr>
+        <p:blipFill>
+          <a:blip r:embed="rId5"/>
+          <a:stretch>
+            <a:fillRect/>
+          </a:stretch>
+        </p:blipFill>
+        <p:spPr>
+          <a:xfrm>
+            <a:off x="9367100" y="1690914"/>
+            <a:ext cx="2532972" cy="5038478"/>
+          </a:xfrm>
+          <a:prstGeom prst="rect">
+            <a:avLst/>
+          </a:prstGeom>
+        </p:spPr>
+      </p:pic>
+      <p:sp>
+        <p:nvSpPr>
+          <p:cNvPr id="12" name="TextBox 11"/>
+          <p:cNvSpPr txBox="1"/>
+          <p:nvPr/>
+        </p:nvSpPr>
+        <p:spPr>
+          <a:xfrm>
+            <a:off x="864525" y="6093954"/>
+            <a:ext cx="1338828" cy="369332"/>
+          </a:xfrm>
+          <a:prstGeom prst="rect">
+            <a:avLst/>
+          </a:prstGeom>
+          <a:noFill/>
+        </p:spPr>
+        <p:txBody>
+          <a:bodyPr wrap="none" rtlCol="0">
+            <a:spAutoFit/>
+          </a:bodyPr>
+          <a:lstStyle/>
+          <a:p>
+            <a:r>
+              <a:rPr lang="ko-KR" altLang="en-US">
+                <a:solidFill>
+                  <a:schemeClr val="bg1"/>
+                </a:solidFill>
+              </a:rPr>
+              <a:t>마이페이지</a:t>
+            </a:r>
+            <a:endParaRPr lang="ko-KR" altLang="en-US" dirty="0">
+              <a:solidFill>
+                <a:schemeClr val="bg1"/>
+              </a:solidFill>
+            </a:endParaRPr>
+          </a:p>
+        </p:txBody>
+      </p:sp>
+      <p:sp>
+        <p:nvSpPr>
+          <p:cNvPr id="16" name="TextBox 15"/>
+          <p:cNvSpPr txBox="1"/>
+          <p:nvPr/>
+        </p:nvSpPr>
+        <p:spPr>
+          <a:xfrm>
+            <a:off x="3878070" y="6093954"/>
+            <a:ext cx="1338828" cy="369332"/>
+          </a:xfrm>
+          <a:prstGeom prst="rect">
+            <a:avLst/>
+          </a:prstGeom>
+          <a:noFill/>
+        </p:spPr>
+        <p:txBody>
+          <a:bodyPr wrap="none" rtlCol="0">
+            <a:spAutoFit/>
+          </a:bodyPr>
+          <a:lstStyle/>
+          <a:p>
+            <a:r>
+              <a:rPr lang="ko-KR" altLang="en-US" dirty="0" err="1">
+                <a:solidFill>
+                  <a:schemeClr val="bg1"/>
+                </a:solidFill>
+              </a:rPr>
+              <a:t>메인페이지</a:t>
+            </a:r>
+            <a:endParaRPr lang="ko-KR" altLang="en-US" dirty="0">
+              <a:solidFill>
+                <a:schemeClr val="bg1"/>
+              </a:solidFill>
+            </a:endParaRPr>
+          </a:p>
+        </p:txBody>
+      </p:sp>
+      <p:sp>
+        <p:nvSpPr>
+          <p:cNvPr id="17" name="TextBox 16"/>
+          <p:cNvSpPr txBox="1"/>
+          <p:nvPr/>
+        </p:nvSpPr>
+        <p:spPr>
+          <a:xfrm>
+            <a:off x="6367895" y="6093954"/>
+            <a:ext cx="2395207" cy="369332"/>
+          </a:xfrm>
+          <a:prstGeom prst="rect">
+            <a:avLst/>
+          </a:prstGeom>
+          <a:noFill/>
+        </p:spPr>
+        <p:txBody>
+          <a:bodyPr wrap="none" rtlCol="0">
+            <a:spAutoFit/>
+          </a:bodyPr>
+          <a:lstStyle/>
+          <a:p>
+            <a:r>
+              <a:rPr lang="ko-KR" altLang="en-US" err="1">
+                <a:solidFill>
+                  <a:schemeClr val="bg1"/>
+                </a:solidFill>
+              </a:rPr>
+              <a:t>즐겨찾기</a:t>
+            </a:r>
+            <a:r>
+              <a:rPr lang="ko-KR" altLang="en-US" dirty="0">
+                <a:solidFill>
+                  <a:schemeClr val="bg1"/>
+                </a:solidFill>
+              </a:rPr>
+              <a:t> </a:t>
+            </a:r>
+            <a:r>
+              <a:rPr lang="en-US" altLang="ko-KR" dirty="0">
+                <a:solidFill>
+                  <a:schemeClr val="bg1"/>
+                </a:solidFill>
+              </a:rPr>
+              <a:t>– </a:t>
+            </a:r>
+            <a:r>
+              <a:rPr lang="ko-KR" altLang="en-US" dirty="0">
+                <a:solidFill>
+                  <a:schemeClr val="bg1"/>
+                </a:solidFill>
+              </a:rPr>
+              <a:t>호관 선택</a:t>
+            </a:r>
+          </a:p>
+        </p:txBody>
+      </p:sp>
+      <p:sp>
+        <p:nvSpPr>
+          <p:cNvPr id="18" name="TextBox 17"/>
+          <p:cNvSpPr txBox="1"/>
+          <p:nvPr/>
+        </p:nvSpPr>
+        <p:spPr>
+          <a:xfrm>
+            <a:off x="9335251" y="6093954"/>
+            <a:ext cx="2626040" cy="369332"/>
+          </a:xfrm>
+          <a:prstGeom prst="rect">
+            <a:avLst/>
+          </a:prstGeom>
+          <a:noFill/>
+        </p:spPr>
+        <p:txBody>
+          <a:bodyPr wrap="none" rtlCol="0">
+            <a:spAutoFit/>
+          </a:bodyPr>
+          <a:lstStyle/>
+          <a:p>
+            <a:r>
+              <a:rPr lang="ko-KR" altLang="en-US" dirty="0" err="1">
+                <a:solidFill>
+                  <a:schemeClr val="bg1"/>
+                </a:solidFill>
+              </a:rPr>
+              <a:t>즐겨찾기</a:t>
+            </a:r>
+            <a:r>
+              <a:rPr lang="ko-KR" altLang="en-US" dirty="0">
+                <a:solidFill>
+                  <a:schemeClr val="bg1"/>
+                </a:solidFill>
+              </a:rPr>
+              <a:t> </a:t>
+            </a:r>
+            <a:r>
+              <a:rPr lang="en-US" altLang="ko-KR" dirty="0">
+                <a:solidFill>
+                  <a:schemeClr val="bg1"/>
+                </a:solidFill>
+              </a:rPr>
+              <a:t>– </a:t>
+            </a:r>
+            <a:r>
+              <a:rPr lang="ko-KR" altLang="en-US" dirty="0">
+                <a:solidFill>
+                  <a:schemeClr val="bg1"/>
+                </a:solidFill>
+              </a:rPr>
+              <a:t>강의실 선택</a:t>
+            </a:r>
+          </a:p>
+        </p:txBody>
+      </p:sp>
+      <p:pic>
+        <p:nvPicPr>
+          <p:cNvPr id="4" name="그림 3">
+            <a:extLst>
+              <a:ext uri="{FF2B5EF4-FFF2-40B4-BE49-F238E27FC236}">
+                <a16:creationId xmlns="" xmlns:a16="http://schemas.microsoft.com/office/drawing/2014/main" id="{D8B8EF5D-F511-2BB1-60EA-D94F8B308156}"/>
               </a:ext>
             </a:extLst>
           </p:cNvPr>
@@ -10524,8 +10498,8 @@
         </p:blipFill>
         <p:spPr>
           <a:xfrm>
-            <a:off x="9367100" y="1690914"/>
-            <a:ext cx="2532972" cy="5038478"/>
+            <a:off x="230709" y="1690914"/>
+            <a:ext cx="2386205" cy="5038478"/>
           </a:xfrm>
           <a:prstGeom prst="rect">
             <a:avLst/>
@@ -10534,14 +10508,20 @@
       </p:pic>
       <p:sp>
         <p:nvSpPr>
-          <p:cNvPr id="12" name="TextBox 11"/>
+          <p:cNvPr id="8" name="TextBox 7">
+            <a:extLst>
+              <a:ext uri="{FF2B5EF4-FFF2-40B4-BE49-F238E27FC236}">
+                <a16:creationId xmlns="" xmlns:a16="http://schemas.microsoft.com/office/drawing/2014/main" id="{6406BDF6-23DA-B517-C752-B3A276502972}"/>
+              </a:ext>
+            </a:extLst>
+          </p:cNvPr>
           <p:cNvSpPr txBox="1"/>
           <p:nvPr/>
         </p:nvSpPr>
         <p:spPr>
           <a:xfrm>
-            <a:off x="864525" y="6093954"/>
-            <a:ext cx="1338828" cy="369332"/>
+            <a:off x="737387" y="6093954"/>
+            <a:ext cx="6094378" cy="369332"/>
           </a:xfrm>
           <a:prstGeom prst="rect">
             <a:avLst/>
@@ -10549,186 +10529,19 @@
           <a:noFill/>
         </p:spPr>
         <p:txBody>
-          <a:bodyPr wrap="none" rtlCol="0">
+          <a:bodyPr wrap="square">
             <a:spAutoFit/>
           </a:bodyPr>
           <a:lstStyle/>
           <a:p>
             <a:r>
-              <a:rPr lang="ko-KR" altLang="en-US" smtClean="0">
+              <a:rPr lang="ko-KR" altLang="en-US" dirty="0">
                 <a:solidFill>
                   <a:schemeClr val="bg1"/>
                 </a:solidFill>
               </a:rPr>
               <a:t>마이페이지</a:t>
             </a:r>
-            <a:endParaRPr lang="ko-KR" altLang="en-US" dirty="0">
-              <a:solidFill>
-                <a:schemeClr val="bg1"/>
-              </a:solidFill>
-            </a:endParaRPr>
-          </a:p>
-        </p:txBody>
-      </p:sp>
-      <p:sp>
-        <p:nvSpPr>
-          <p:cNvPr id="16" name="TextBox 15"/>
-          <p:cNvSpPr txBox="1"/>
-          <p:nvPr/>
-        </p:nvSpPr>
-        <p:spPr>
-          <a:xfrm>
-            <a:off x="3878070" y="6093954"/>
-            <a:ext cx="1338828" cy="369332"/>
-          </a:xfrm>
-          <a:prstGeom prst="rect">
-            <a:avLst/>
-          </a:prstGeom>
-          <a:noFill/>
-        </p:spPr>
-        <p:txBody>
-          <a:bodyPr wrap="none" rtlCol="0">
-            <a:spAutoFit/>
-          </a:bodyPr>
-          <a:lstStyle/>
-          <a:p>
-            <a:r>
-              <a:rPr lang="ko-KR" altLang="en-US" dirty="0" err="1" smtClean="0">
-                <a:solidFill>
-                  <a:schemeClr val="bg1"/>
-                </a:solidFill>
-              </a:rPr>
-              <a:t>메인페이지</a:t>
-            </a:r>
-            <a:endParaRPr lang="ko-KR" altLang="en-US" dirty="0">
-              <a:solidFill>
-                <a:schemeClr val="bg1"/>
-              </a:solidFill>
-            </a:endParaRPr>
-          </a:p>
-        </p:txBody>
-      </p:sp>
-      <p:sp>
-        <p:nvSpPr>
-          <p:cNvPr id="17" name="TextBox 16"/>
-          <p:cNvSpPr txBox="1"/>
-          <p:nvPr/>
-        </p:nvSpPr>
-        <p:spPr>
-          <a:xfrm>
-            <a:off x="6367895" y="6093954"/>
-            <a:ext cx="2395207" cy="369332"/>
-          </a:xfrm>
-          <a:prstGeom prst="rect">
-            <a:avLst/>
-          </a:prstGeom>
-          <a:noFill/>
-        </p:spPr>
-        <p:txBody>
-          <a:bodyPr wrap="none" rtlCol="0">
-            <a:spAutoFit/>
-          </a:bodyPr>
-          <a:lstStyle/>
-          <a:p>
-            <a:r>
-              <a:rPr lang="ko-KR" altLang="en-US" err="1" smtClean="0">
-                <a:solidFill>
-                  <a:schemeClr val="bg1"/>
-                </a:solidFill>
-              </a:rPr>
-              <a:t>즐겨찾기</a:t>
-            </a:r>
-            <a:r>
-              <a:rPr lang="ko-KR" altLang="en-US" dirty="0" smtClean="0">
-                <a:solidFill>
-                  <a:schemeClr val="bg1"/>
-                </a:solidFill>
-              </a:rPr>
-              <a:t> </a:t>
-            </a:r>
-            <a:r>
-              <a:rPr lang="en-US" altLang="ko-KR" dirty="0" smtClean="0">
-                <a:solidFill>
-                  <a:schemeClr val="bg1"/>
-                </a:solidFill>
-              </a:rPr>
-              <a:t>– </a:t>
-            </a:r>
-            <a:r>
-              <a:rPr lang="ko-KR" altLang="en-US" dirty="0" smtClean="0">
-                <a:solidFill>
-                  <a:schemeClr val="bg1"/>
-                </a:solidFill>
-              </a:rPr>
-              <a:t>호관 선택</a:t>
-            </a:r>
-            <a:endParaRPr lang="ko-KR" altLang="en-US" dirty="0">
-              <a:solidFill>
-                <a:schemeClr val="bg1"/>
-              </a:solidFill>
-            </a:endParaRPr>
-          </a:p>
-        </p:txBody>
-      </p:sp>
-      <p:sp>
-        <p:nvSpPr>
-          <p:cNvPr id="18" name="TextBox 17"/>
-          <p:cNvSpPr txBox="1"/>
-          <p:nvPr/>
-        </p:nvSpPr>
-        <p:spPr>
-          <a:xfrm>
-            <a:off x="9335251" y="6093954"/>
-            <a:ext cx="2626040" cy="369332"/>
-          </a:xfrm>
-          <a:prstGeom prst="rect">
-            <a:avLst/>
-          </a:prstGeom>
-          <a:noFill/>
-        </p:spPr>
-        <p:txBody>
-          <a:bodyPr wrap="none" rtlCol="0">
-            <a:spAutoFit/>
-          </a:bodyPr>
-          <a:lstStyle/>
-          <a:p>
-            <a:r>
-              <a:rPr lang="ko-KR" altLang="en-US" dirty="0" err="1" smtClean="0">
-                <a:solidFill>
-                  <a:schemeClr val="bg1"/>
-                </a:solidFill>
-              </a:rPr>
-              <a:t>즐겨찾기</a:t>
-            </a:r>
-            <a:r>
-              <a:rPr lang="ko-KR" altLang="en-US" dirty="0" smtClean="0">
-                <a:solidFill>
-                  <a:schemeClr val="bg1"/>
-                </a:solidFill>
-              </a:rPr>
-              <a:t> </a:t>
-            </a:r>
-            <a:r>
-              <a:rPr lang="en-US" altLang="ko-KR" dirty="0" smtClean="0">
-                <a:solidFill>
-                  <a:schemeClr val="bg1"/>
-                </a:solidFill>
-              </a:rPr>
-              <a:t>– </a:t>
-            </a:r>
-            <a:r>
-              <a:rPr lang="ko-KR" altLang="en-US" dirty="0" smtClean="0">
-                <a:solidFill>
-                  <a:schemeClr val="bg1"/>
-                </a:solidFill>
-              </a:rPr>
-              <a:t>강의실 선택</a:t>
-            </a:r>
-            <a:endParaRPr lang="ko-KR" altLang="en-US" dirty="0">
-              <a:solidFill>
-                <a:schemeClr val="bg1"/>
-              </a:solidFill>
-            </a:endParaRPr>
           </a:p>
         </p:txBody>
       </p:sp>
@@ -10775,10 +10588,10 @@
           <p:cNvPr id="9" name="Rectangle 8">
             <a:extLst>
               <a:ext uri="{FF2B5EF4-FFF2-40B4-BE49-F238E27FC236}">
-                <a16:creationId xmlns:a16="http://schemas.microsoft.com/office/drawing/2014/main" xmlns="" id="{A8384FB5-9ADC-4DDC-881B-597D56F5B15D}"/>
+                <a16:creationId xmlns="" xmlns:a16="http://schemas.microsoft.com/office/drawing/2014/main" id="{A8384FB5-9ADC-4DDC-881B-597D56F5B15D}"/>
               </a:ext>
               <a:ext uri="{C183D7F6-B498-43B3-948B-1728B52AA6E4}">
-                <adec:decorative xmlns:adec="http://schemas.microsoft.com/office/drawing/2017/decorative" xmlns="" val="1"/>
+                <adec:decorative xmlns="" xmlns:adec="http://schemas.microsoft.com/office/drawing/2017/decorative" val="1"/>
               </a:ext>
             </a:extLst>
           </p:cNvPr>
@@ -10788,7 +10601,7 @@
           <p:nvPr>
             <p:extLst>
               <p:ext uri="{386F3935-93C4-4BCD-93E2-E3B085C9AB24}">
-                <p16:designElem xmlns:p16="http://schemas.microsoft.com/office/powerpoint/2015/main" xmlns="" val="1"/>
+                <p16:designElem xmlns="" xmlns:p16="http://schemas.microsoft.com/office/powerpoint/2015/main" val="1"/>
               </p:ext>
             </p:extLst>
           </p:nvPr>
@@ -10851,10 +10664,10 @@
           <p:cNvPr id="11" name="Rectangle 10">
             <a:extLst>
               <a:ext uri="{FF2B5EF4-FFF2-40B4-BE49-F238E27FC236}">
-                <a16:creationId xmlns:a16="http://schemas.microsoft.com/office/drawing/2014/main" xmlns="" id="{1199E1B1-A8C0-4FE8-A5A8-1CB41D69F857}"/>
+                <a16:creationId xmlns="" xmlns:a16="http://schemas.microsoft.com/office/drawing/2014/main" id="{1199E1B1-A8C0-4FE8-A5A8-1CB41D69F857}"/>
               </a:ext>
               <a:ext uri="{C183D7F6-B498-43B3-948B-1728B52AA6E4}">
-                <adec:decorative xmlns:adec="http://schemas.microsoft.com/office/drawing/2017/decorative" xmlns="" val="1"/>
+                <adec:decorative xmlns="" xmlns:adec="http://schemas.microsoft.com/office/drawing/2017/decorative" val="1"/>
               </a:ext>
             </a:extLst>
           </p:cNvPr>
@@ -10864,7 +10677,7 @@
           <p:nvPr>
             <p:extLst>
               <p:ext uri="{386F3935-93C4-4BCD-93E2-E3B085C9AB24}">
-                <p16:designElem xmlns:p16="http://schemas.microsoft.com/office/powerpoint/2015/main" xmlns="" val="1"/>
+                <p16:designElem xmlns="" xmlns:p16="http://schemas.microsoft.com/office/powerpoint/2015/main" val="1"/>
               </p:ext>
             </p:extLst>
           </p:nvPr>
@@ -10926,10 +10739,10 @@
           <p:cNvPr id="13" name="Rectangle 12">
             <a:extLst>
               <a:ext uri="{FF2B5EF4-FFF2-40B4-BE49-F238E27FC236}">
-                <a16:creationId xmlns:a16="http://schemas.microsoft.com/office/drawing/2014/main" xmlns="" id="{84A8DE83-DE75-4B41-9DB4-A7EC0B0DEC0B}"/>
+                <a16:creationId xmlns="" xmlns:a16="http://schemas.microsoft.com/office/drawing/2014/main" id="{84A8DE83-DE75-4B41-9DB4-A7EC0B0DEC0B}"/>
               </a:ext>
               <a:ext uri="{C183D7F6-B498-43B3-948B-1728B52AA6E4}">
-                <adec:decorative xmlns:adec="http://schemas.microsoft.com/office/drawing/2017/decorative" xmlns="" val="1"/>
+                <adec:decorative xmlns="" xmlns:adec="http://schemas.microsoft.com/office/drawing/2017/decorative" val="1"/>
               </a:ext>
             </a:extLst>
           </p:cNvPr>
@@ -10939,7 +10752,7 @@
           <p:nvPr>
             <p:extLst>
               <p:ext uri="{386F3935-93C4-4BCD-93E2-E3B085C9AB24}">
-                <p16:designElem xmlns:p16="http://schemas.microsoft.com/office/powerpoint/2015/main" xmlns="" val="1"/>
+                <p16:designElem xmlns="" xmlns:p16="http://schemas.microsoft.com/office/powerpoint/2015/main" val="1"/>
               </p:ext>
             </p:extLst>
           </p:nvPr>
@@ -11003,10 +10816,10 @@
           <p:cNvPr id="15" name="Rectangle 14">
             <a:extLst>
               <a:ext uri="{FF2B5EF4-FFF2-40B4-BE49-F238E27FC236}">
-                <a16:creationId xmlns:a16="http://schemas.microsoft.com/office/drawing/2014/main" xmlns="" id="{A7009A0A-BEF5-4EAC-AF15-E4F9F002E239}"/>
+                <a16:creationId xmlns="" xmlns:a16="http://schemas.microsoft.com/office/drawing/2014/main" id="{A7009A0A-BEF5-4EAC-AF15-E4F9F002E239}"/>
               </a:ext>
               <a:ext uri="{C183D7F6-B498-43B3-948B-1728B52AA6E4}">
-                <adec:decorative xmlns:adec="http://schemas.microsoft.com/office/drawing/2017/decorative" xmlns="" val="1"/>
+                <adec:decorative xmlns="" xmlns:adec="http://schemas.microsoft.com/office/drawing/2017/decorative" val="1"/>
               </a:ext>
             </a:extLst>
           </p:cNvPr>
@@ -11016,7 +10829,7 @@
           <p:nvPr>
             <p:extLst>
               <p:ext uri="{386F3935-93C4-4BCD-93E2-E3B085C9AB24}">
-                <p16:designElem xmlns:p16="http://schemas.microsoft.com/office/powerpoint/2015/main" xmlns="" val="1"/>
+                <p16:designElem xmlns="" xmlns:p16="http://schemas.microsoft.com/office/powerpoint/2015/main" val="1"/>
               </p:ext>
             </p:extLst>
           </p:nvPr>
@@ -11078,7 +10891,7 @@
           <p:cNvPr id="2" name="제목 1">
             <a:extLst>
               <a:ext uri="{FF2B5EF4-FFF2-40B4-BE49-F238E27FC236}">
-                <a16:creationId xmlns:a16="http://schemas.microsoft.com/office/drawing/2014/main" xmlns="" id="{78057627-5515-E771-0576-60BBA3464C68}"/>
+                <a16:creationId xmlns="" xmlns:a16="http://schemas.microsoft.com/office/drawing/2014/main" id="{78057627-5515-E771-0576-60BBA3464C68}"/>
               </a:ext>
             </a:extLst>
           </p:cNvPr>
@@ -11129,7 +10942,7 @@
           <p:cNvPr id="7" name="그림 6">
             <a:extLst>
               <a:ext uri="{FF2B5EF4-FFF2-40B4-BE49-F238E27FC236}">
-                <a16:creationId xmlns:a16="http://schemas.microsoft.com/office/drawing/2014/main" xmlns="" id="{9047E48B-8626-BBC0-9E9B-128EB93C6097}"/>
+                <a16:creationId xmlns="" xmlns:a16="http://schemas.microsoft.com/office/drawing/2014/main" id="{9047E48B-8626-BBC0-9E9B-128EB93C6097}"/>
               </a:ext>
             </a:extLst>
           </p:cNvPr>
@@ -11159,7 +10972,7 @@
           <p:cNvPr id="10" name="그림 9">
             <a:extLst>
               <a:ext uri="{FF2B5EF4-FFF2-40B4-BE49-F238E27FC236}">
-                <a16:creationId xmlns:a16="http://schemas.microsoft.com/office/drawing/2014/main" xmlns="" id="{762575BD-3F37-36B1-6703-301E83CB37C2}"/>
+                <a16:creationId xmlns="" xmlns:a16="http://schemas.microsoft.com/office/drawing/2014/main" id="{762575BD-3F37-36B1-6703-301E83CB37C2}"/>
               </a:ext>
             </a:extLst>
           </p:cNvPr>
@@ -11189,7 +11002,7 @@
           <p:cNvPr id="19" name="그림 18">
             <a:extLst>
               <a:ext uri="{FF2B5EF4-FFF2-40B4-BE49-F238E27FC236}">
-                <a16:creationId xmlns:a16="http://schemas.microsoft.com/office/drawing/2014/main" xmlns="" id="{86498DC2-C10E-2E3D-7CE8-4A6A82372162}"/>
+                <a16:creationId xmlns="" xmlns:a16="http://schemas.microsoft.com/office/drawing/2014/main" id="{86498DC2-C10E-2E3D-7CE8-4A6A82372162}"/>
               </a:ext>
             </a:extLst>
           </p:cNvPr>
@@ -11219,7 +11032,7 @@
           <p:cNvPr id="21" name="그림 20">
             <a:extLst>
               <a:ext uri="{FF2B5EF4-FFF2-40B4-BE49-F238E27FC236}">
-                <a16:creationId xmlns:a16="http://schemas.microsoft.com/office/drawing/2014/main" xmlns="" id="{2325967D-E9C7-A10E-55B0-8D39366C6477}"/>
+                <a16:creationId xmlns="" xmlns:a16="http://schemas.microsoft.com/office/drawing/2014/main" id="{2325967D-E9C7-A10E-55B0-8D39366C6477}"/>
               </a:ext>
             </a:extLst>
           </p:cNvPr>
@@ -11267,7 +11080,7 @@
           <a:lstStyle/>
           <a:p>
             <a:r>
-              <a:rPr lang="ko-KR" altLang="en-US" sz="1500" dirty="0" err="1" smtClean="0">
+              <a:rPr lang="ko-KR" altLang="en-US" sz="1500" dirty="0" err="1">
                 <a:solidFill>
                   <a:schemeClr val="bg1"/>
                 </a:solidFill>
@@ -11275,7 +11088,7 @@
               <a:t>즐겨찾기</a:t>
             </a:r>
             <a:r>
-              <a:rPr lang="ko-KR" altLang="en-US" sz="1500" dirty="0" smtClean="0">
+              <a:rPr lang="ko-KR" altLang="en-US" sz="1500" dirty="0">
                 <a:solidFill>
                   <a:schemeClr val="bg1"/>
                 </a:solidFill>
@@ -11283,7 +11096,7 @@
               <a:t> 등록 후 </a:t>
             </a:r>
             <a:r>
-              <a:rPr lang="ko-KR" altLang="en-US" sz="1500" dirty="0" err="1" smtClean="0">
+              <a:rPr lang="ko-KR" altLang="en-US" sz="1500" dirty="0" err="1">
                 <a:solidFill>
                   <a:schemeClr val="bg1"/>
                 </a:solidFill>
@@ -11321,7 +11134,7 @@
           <a:lstStyle/>
           <a:p>
             <a:r>
-              <a:rPr lang="ko-KR" altLang="en-US" sz="1400" dirty="0" err="1" smtClean="0">
+              <a:rPr lang="ko-KR" altLang="en-US" sz="1400" dirty="0" err="1">
                 <a:solidFill>
                   <a:schemeClr val="bg1"/>
                 </a:solidFill>
@@ -11329,7 +11142,7 @@
               <a:t>메인페이지에서</a:t>
             </a:r>
             <a:r>
-              <a:rPr lang="ko-KR" altLang="en-US" sz="1400" dirty="0" smtClean="0">
+              <a:rPr lang="ko-KR" altLang="en-US" sz="1400" dirty="0">
                 <a:solidFill>
                   <a:schemeClr val="bg1"/>
                 </a:solidFill>
@@ -11337,7 +11150,7 @@
               <a:t> </a:t>
             </a:r>
             <a:r>
-              <a:rPr lang="ko-KR" altLang="en-US" sz="1400" dirty="0" err="1" smtClean="0">
+              <a:rPr lang="ko-KR" altLang="en-US" sz="1400" dirty="0" err="1">
                 <a:solidFill>
                   <a:schemeClr val="bg1"/>
                 </a:solidFill>
@@ -11345,18 +11158,13 @@
               <a:t>즐겨찾기</a:t>
             </a:r>
             <a:r>
-              <a:rPr lang="ko-KR" altLang="en-US" sz="1400" dirty="0" smtClean="0">
+              <a:rPr lang="ko-KR" altLang="en-US" sz="1400" dirty="0">
                 <a:solidFill>
                   <a:schemeClr val="bg1"/>
                 </a:solidFill>
               </a:rPr>
               <a:t> 제거</a:t>
             </a:r>
-            <a:endParaRPr lang="ko-KR" altLang="en-US" sz="1400" dirty="0">
-              <a:solidFill>
-                <a:schemeClr val="bg1"/>
-              </a:solidFill>
-            </a:endParaRPr>
           </a:p>
         </p:txBody>
       </p:sp>
@@ -11383,7 +11191,7 @@
           <a:lstStyle/>
           <a:p>
             <a:r>
-              <a:rPr lang="ko-KR" altLang="en-US" sz="1400" dirty="0" smtClean="0">
+              <a:rPr lang="ko-KR" altLang="en-US" sz="1400" dirty="0">
                 <a:solidFill>
                   <a:schemeClr val="bg1"/>
                 </a:solidFill>
@@ -11391,7 +11199,7 @@
               <a:t>강의실 </a:t>
             </a:r>
             <a:r>
-              <a:rPr lang="ko-KR" altLang="en-US" sz="1400" smtClean="0">
+              <a:rPr lang="ko-KR" altLang="en-US" sz="1400">
                 <a:solidFill>
                   <a:schemeClr val="bg1"/>
                 </a:solidFill>
@@ -11399,7 +11207,7 @@
               <a:t>예약 </a:t>
             </a:r>
             <a:r>
-              <a:rPr lang="en-US" altLang="ko-KR" sz="1400" dirty="0" smtClean="0">
+              <a:rPr lang="en-US" altLang="ko-KR" sz="1400" dirty="0">
                 <a:solidFill>
                   <a:schemeClr val="bg1"/>
                 </a:solidFill>
@@ -11407,18 +11215,13 @@
               <a:t>– </a:t>
             </a:r>
             <a:r>
-              <a:rPr lang="ko-KR" altLang="en-US" sz="1400" dirty="0" smtClean="0">
+              <a:rPr lang="ko-KR" altLang="en-US" sz="1400" dirty="0">
                 <a:solidFill>
                   <a:schemeClr val="bg1"/>
                 </a:solidFill>
               </a:rPr>
               <a:t>시간 선택</a:t>
             </a:r>
-            <a:endParaRPr lang="ko-KR" altLang="en-US" sz="1400" dirty="0">
-              <a:solidFill>
-                <a:schemeClr val="bg1"/>
-              </a:solidFill>
-            </a:endParaRPr>
           </a:p>
         </p:txBody>
       </p:sp>
@@ -11445,7 +11248,7 @@
           <a:lstStyle/>
           <a:p>
             <a:r>
-              <a:rPr lang="ko-KR" altLang="en-US" sz="1400" dirty="0" smtClean="0">
+              <a:rPr lang="ko-KR" altLang="en-US" sz="1400" dirty="0">
                 <a:solidFill>
                   <a:schemeClr val="bg1"/>
                 </a:solidFill>
@@ -11453,7 +11256,7 @@
               <a:t>강의실 예약 </a:t>
             </a:r>
             <a:r>
-              <a:rPr lang="en-US" altLang="ko-KR" sz="1400" dirty="0" smtClean="0">
+              <a:rPr lang="en-US" altLang="ko-KR" sz="1400" dirty="0">
                 <a:solidFill>
                   <a:schemeClr val="bg1"/>
                 </a:solidFill>
@@ -11461,18 +11264,13 @@
               <a:t>– </a:t>
             </a:r>
             <a:r>
-              <a:rPr lang="ko-KR" altLang="en-US" sz="1400" dirty="0" smtClean="0">
+              <a:rPr lang="ko-KR" altLang="en-US" sz="1400" dirty="0">
                 <a:solidFill>
                   <a:schemeClr val="bg1"/>
                 </a:solidFill>
               </a:rPr>
               <a:t>자리 선택</a:t>
             </a:r>
-            <a:endParaRPr lang="ko-KR" altLang="en-US" sz="1400" dirty="0">
-              <a:solidFill>
-                <a:schemeClr val="bg1"/>
-              </a:solidFill>
-            </a:endParaRPr>
           </a:p>
         </p:txBody>
       </p:sp>
@@ -11519,10 +11317,10 @@
           <p:cNvPr id="9" name="Rectangle 8">
             <a:extLst>
               <a:ext uri="{FF2B5EF4-FFF2-40B4-BE49-F238E27FC236}">
-                <a16:creationId xmlns:a16="http://schemas.microsoft.com/office/drawing/2014/main" xmlns="" id="{A8384FB5-9ADC-4DDC-881B-597D56F5B15D}"/>
+                <a16:creationId xmlns="" xmlns:a16="http://schemas.microsoft.com/office/drawing/2014/main" id="{A8384FB5-9ADC-4DDC-881B-597D56F5B15D}"/>
               </a:ext>
               <a:ext uri="{C183D7F6-B498-43B3-948B-1728B52AA6E4}">
-                <adec:decorative xmlns:adec="http://schemas.microsoft.com/office/drawing/2017/decorative" xmlns="" val="1"/>
+                <adec:decorative xmlns="" xmlns:adec="http://schemas.microsoft.com/office/drawing/2017/decorative" val="1"/>
               </a:ext>
             </a:extLst>
           </p:cNvPr>
@@ -11532,7 +11330,7 @@
           <p:nvPr>
             <p:extLst>
               <p:ext uri="{386F3935-93C4-4BCD-93E2-E3B085C9AB24}">
-                <p16:designElem xmlns:p16="http://schemas.microsoft.com/office/powerpoint/2015/main" xmlns="" val="1"/>
+                <p16:designElem xmlns="" xmlns:p16="http://schemas.microsoft.com/office/powerpoint/2015/main" val="1"/>
               </p:ext>
             </p:extLst>
           </p:nvPr>
@@ -11595,10 +11393,10 @@
           <p:cNvPr id="11" name="Rectangle 10">
             <a:extLst>
               <a:ext uri="{FF2B5EF4-FFF2-40B4-BE49-F238E27FC236}">
-                <a16:creationId xmlns:a16="http://schemas.microsoft.com/office/drawing/2014/main" xmlns="" id="{1199E1B1-A8C0-4FE8-A5A8-1CB41D69F857}"/>
+                <a16:creationId xmlns="" xmlns:a16="http://schemas.microsoft.com/office/drawing/2014/main" id="{1199E1B1-A8C0-4FE8-A5A8-1CB41D69F857}"/>
               </a:ext>
               <a:ext uri="{C183D7F6-B498-43B3-948B-1728B52AA6E4}">
-                <adec:decorative xmlns:adec="http://schemas.microsoft.com/office/drawing/2017/decorative" xmlns="" val="1"/>
+                <adec:decorative xmlns="" xmlns:adec="http://schemas.microsoft.com/office/drawing/2017/decorative" val="1"/>
               </a:ext>
             </a:extLst>
           </p:cNvPr>
@@ -11608,7 +11406,7 @@
           <p:nvPr>
             <p:extLst>
               <p:ext uri="{386F3935-93C4-4BCD-93E2-E3B085C9AB24}">
-                <p16:designElem xmlns:p16="http://schemas.microsoft.com/office/powerpoint/2015/main" xmlns="" val="1"/>
+                <p16:designElem xmlns="" xmlns:p16="http://schemas.microsoft.com/office/powerpoint/2015/main" val="1"/>
               </p:ext>
             </p:extLst>
           </p:nvPr>
@@ -11670,10 +11468,10 @@
           <p:cNvPr id="13" name="Rectangle 12">
             <a:extLst>
               <a:ext uri="{FF2B5EF4-FFF2-40B4-BE49-F238E27FC236}">
-                <a16:creationId xmlns:a16="http://schemas.microsoft.com/office/drawing/2014/main" xmlns="" id="{84A8DE83-DE75-4B41-9DB4-A7EC0B0DEC0B}"/>
+                <a16:creationId xmlns="" xmlns:a16="http://schemas.microsoft.com/office/drawing/2014/main" id="{84A8DE83-DE75-4B41-9DB4-A7EC0B0DEC0B}"/>
               </a:ext>
               <a:ext uri="{C183D7F6-B498-43B3-948B-1728B52AA6E4}">
-                <adec:decorative xmlns:adec="http://schemas.microsoft.com/office/drawing/2017/decorative" xmlns="" val="1"/>
+                <adec:decorative xmlns="" xmlns:adec="http://schemas.microsoft.com/office/drawing/2017/decorative" val="1"/>
               </a:ext>
             </a:extLst>
           </p:cNvPr>
@@ -11683,7 +11481,7 @@
           <p:nvPr>
             <p:extLst>
               <p:ext uri="{386F3935-93C4-4BCD-93E2-E3B085C9AB24}">
-                <p16:designElem xmlns:p16="http://schemas.microsoft.com/office/powerpoint/2015/main" xmlns="" val="1"/>
+                <p16:designElem xmlns="" xmlns:p16="http://schemas.microsoft.com/office/powerpoint/2015/main" val="1"/>
               </p:ext>
             </p:extLst>
           </p:nvPr>
@@ -11747,10 +11545,10 @@
           <p:cNvPr id="15" name="Rectangle 14">
             <a:extLst>
               <a:ext uri="{FF2B5EF4-FFF2-40B4-BE49-F238E27FC236}">
-                <a16:creationId xmlns:a16="http://schemas.microsoft.com/office/drawing/2014/main" xmlns="" id="{A7009A0A-BEF5-4EAC-AF15-E4F9F002E239}"/>
+                <a16:creationId xmlns="" xmlns:a16="http://schemas.microsoft.com/office/drawing/2014/main" id="{A7009A0A-BEF5-4EAC-AF15-E4F9F002E239}"/>
               </a:ext>
               <a:ext uri="{C183D7F6-B498-43B3-948B-1728B52AA6E4}">
-                <adec:decorative xmlns:adec="http://schemas.microsoft.com/office/drawing/2017/decorative" xmlns="" val="1"/>
+                <adec:decorative xmlns="" xmlns:adec="http://schemas.microsoft.com/office/drawing/2017/decorative" val="1"/>
               </a:ext>
             </a:extLst>
           </p:cNvPr>
@@ -11760,7 +11558,7 @@
           <p:nvPr>
             <p:extLst>
               <p:ext uri="{386F3935-93C4-4BCD-93E2-E3B085C9AB24}">
-                <p16:designElem xmlns:p16="http://schemas.microsoft.com/office/powerpoint/2015/main" xmlns="" val="1"/>
+                <p16:designElem xmlns="" xmlns:p16="http://schemas.microsoft.com/office/powerpoint/2015/main" val="1"/>
               </p:ext>
             </p:extLst>
           </p:nvPr>
@@ -11822,7 +11620,7 @@
           <p:cNvPr id="2" name="제목 1">
             <a:extLst>
               <a:ext uri="{FF2B5EF4-FFF2-40B4-BE49-F238E27FC236}">
-                <a16:creationId xmlns:a16="http://schemas.microsoft.com/office/drawing/2014/main" xmlns="" id="{78057627-5515-E771-0576-60BBA3464C68}"/>
+                <a16:creationId xmlns="" xmlns:a16="http://schemas.microsoft.com/office/drawing/2014/main" id="{78057627-5515-E771-0576-60BBA3464C68}"/>
               </a:ext>
             </a:extLst>
           </p:cNvPr>
@@ -11873,7 +11671,7 @@
           <p:cNvPr id="3" name="그림 2">
             <a:extLst>
               <a:ext uri="{FF2B5EF4-FFF2-40B4-BE49-F238E27FC236}">
-                <a16:creationId xmlns:a16="http://schemas.microsoft.com/office/drawing/2014/main" xmlns="" id="{CCE106EB-3040-F025-93A8-18959578251A}"/>
+                <a16:creationId xmlns="" xmlns:a16="http://schemas.microsoft.com/office/drawing/2014/main" id="{CCE106EB-3040-F025-93A8-18959578251A}"/>
               </a:ext>
             </a:extLst>
           </p:cNvPr>
@@ -11969,7 +11767,7 @@
           <a:lstStyle/>
           <a:p>
             <a:r>
-              <a:rPr lang="ko-KR" altLang="en-US" sz="1200" dirty="0" smtClean="0">
+              <a:rPr lang="ko-KR" altLang="en-US" sz="1200" dirty="0">
                 <a:solidFill>
                   <a:schemeClr val="bg1"/>
                 </a:solidFill>
@@ -11977,7 +11775,7 @@
               <a:t>예약 완료 후 </a:t>
             </a:r>
             <a:r>
-              <a:rPr lang="en-US" altLang="ko-KR" sz="1200" dirty="0" smtClean="0">
+              <a:rPr lang="en-US" altLang="ko-KR" sz="1200" dirty="0">
                 <a:solidFill>
                   <a:schemeClr val="bg1"/>
                 </a:solidFill>
@@ -11985,18 +11783,13 @@
               <a:t>Toast </a:t>
             </a:r>
             <a:r>
-              <a:rPr lang="ko-KR" altLang="en-US" sz="1200" dirty="0" smtClean="0">
+              <a:rPr lang="ko-KR" altLang="en-US" sz="1200" dirty="0">
                 <a:solidFill>
                   <a:schemeClr val="bg1"/>
                 </a:solidFill>
               </a:rPr>
               <a:t>메시지 출력</a:t>
             </a:r>
-            <a:endParaRPr lang="ko-KR" altLang="en-US" sz="1200" dirty="0">
-              <a:solidFill>
-                <a:schemeClr val="bg1"/>
-              </a:solidFill>
-            </a:endParaRPr>
           </a:p>
         </p:txBody>
       </p:sp>
@@ -12023,18 +11816,13 @@
           <a:lstStyle/>
           <a:p>
             <a:r>
-              <a:rPr lang="ko-KR" altLang="en-US" sz="1200" dirty="0" smtClean="0">
+              <a:rPr lang="ko-KR" altLang="en-US" sz="1200" dirty="0">
                 <a:solidFill>
                   <a:schemeClr val="bg1"/>
                 </a:solidFill>
               </a:rPr>
               <a:t>학생 개인 시간표 등록 화면</a:t>
             </a:r>
-            <a:endParaRPr lang="ko-KR" altLang="en-US" sz="1200" dirty="0">
-              <a:solidFill>
-                <a:schemeClr val="bg1"/>
-              </a:solidFill>
-            </a:endParaRPr>
           </a:p>
         </p:txBody>
       </p:sp>
@@ -12061,18 +11849,13 @@
           <a:lstStyle/>
           <a:p>
             <a:r>
-              <a:rPr lang="ko-KR" altLang="en-US" sz="1200" dirty="0" smtClean="0">
+              <a:rPr lang="ko-KR" altLang="en-US" sz="1200" dirty="0">
                 <a:solidFill>
                   <a:schemeClr val="bg1"/>
                 </a:solidFill>
               </a:rPr>
               <a:t>정보들을 입력해 시간표에 적용</a:t>
             </a:r>
-            <a:endParaRPr lang="ko-KR" altLang="en-US" sz="1200" dirty="0">
-              <a:solidFill>
-                <a:schemeClr val="bg1"/>
-              </a:solidFill>
-            </a:endParaRPr>
           </a:p>
         </p:txBody>
       </p:sp>
@@ -12111,10 +11894,10 @@
           <p:cNvPr id="8" name="Rectangle 7">
             <a:extLst>
               <a:ext uri="{FF2B5EF4-FFF2-40B4-BE49-F238E27FC236}">
-                <a16:creationId xmlns:a16="http://schemas.microsoft.com/office/drawing/2014/main" xmlns="" id="{1B15ED52-F352-441B-82BF-E0EA34836D08}"/>
+                <a16:creationId xmlns="" xmlns:a16="http://schemas.microsoft.com/office/drawing/2014/main" id="{1B15ED52-F352-441B-82BF-E0EA34836D08}"/>
               </a:ext>
               <a:ext uri="{C183D7F6-B498-43B3-948B-1728B52AA6E4}">
-                <adec:decorative xmlns:adec="http://schemas.microsoft.com/office/drawing/2017/decorative" xmlns="" val="1"/>
+                <adec:decorative xmlns="" xmlns:adec="http://schemas.microsoft.com/office/drawing/2017/decorative" val="1"/>
               </a:ext>
             </a:extLst>
           </p:cNvPr>
@@ -12124,7 +11907,7 @@
           <p:nvPr>
             <p:extLst>
               <p:ext uri="{386F3935-93C4-4BCD-93E2-E3B085C9AB24}">
-                <p16:designElem xmlns:p16="http://schemas.microsoft.com/office/powerpoint/2015/main" xmlns="" val="1"/>
+                <p16:designElem xmlns="" xmlns:p16="http://schemas.microsoft.com/office/powerpoint/2015/main" val="1"/>
               </p:ext>
             </p:extLst>
           </p:nvPr>
@@ -12187,10 +11970,10 @@
           <p:cNvPr id="10" name="Rectangle 9">
             <a:extLst>
               <a:ext uri="{FF2B5EF4-FFF2-40B4-BE49-F238E27FC236}">
-                <a16:creationId xmlns:a16="http://schemas.microsoft.com/office/drawing/2014/main" xmlns="" id="{3B2E3793-BFE6-45A2-9B7B-E18844431C99}"/>
+                <a16:creationId xmlns="" xmlns:a16="http://schemas.microsoft.com/office/drawing/2014/main" id="{3B2E3793-BFE6-45A2-9B7B-E18844431C99}"/>
               </a:ext>
               <a:ext uri="{C183D7F6-B498-43B3-948B-1728B52AA6E4}">
-                <adec:decorative xmlns:adec="http://schemas.microsoft.com/office/drawing/2017/decorative" xmlns="" val="1"/>
+                <adec:decorative xmlns="" xmlns:adec="http://schemas.microsoft.com/office/drawing/2017/decorative" val="1"/>
               </a:ext>
             </a:extLst>
           </p:cNvPr>
@@ -12200,7 +11983,7 @@
           <p:nvPr>
             <p:extLst>
               <p:ext uri="{386F3935-93C4-4BCD-93E2-E3B085C9AB24}">
-                <p16:designElem xmlns:p16="http://schemas.microsoft.com/office/powerpoint/2015/main" xmlns="" val="1"/>
+                <p16:designElem xmlns="" xmlns:p16="http://schemas.microsoft.com/office/powerpoint/2015/main" val="1"/>
               </p:ext>
             </p:extLst>
           </p:nvPr>
@@ -12260,10 +12043,10 @@
           <p:cNvPr id="12" name="Rectangle 11">
             <a:extLst>
               <a:ext uri="{FF2B5EF4-FFF2-40B4-BE49-F238E27FC236}">
-                <a16:creationId xmlns:a16="http://schemas.microsoft.com/office/drawing/2014/main" xmlns="" id="{BC4C4868-CB8F-4AF9-9CDB-8108F2C19B67}"/>
+                <a16:creationId xmlns="" xmlns:a16="http://schemas.microsoft.com/office/drawing/2014/main" id="{BC4C4868-CB8F-4AF9-9CDB-8108F2C19B67}"/>
               </a:ext>
               <a:ext uri="{C183D7F6-B498-43B3-948B-1728B52AA6E4}">
-                <adec:decorative xmlns:adec="http://schemas.microsoft.com/office/drawing/2017/decorative" xmlns="" val="1"/>
+                <adec:decorative xmlns="" xmlns:adec="http://schemas.microsoft.com/office/drawing/2017/decorative" val="1"/>
               </a:ext>
             </a:extLst>
           </p:cNvPr>
@@ -12273,7 +12056,7 @@
           <p:nvPr>
             <p:extLst>
               <p:ext uri="{386F3935-93C4-4BCD-93E2-E3B085C9AB24}">
-                <p16:designElem xmlns:p16="http://schemas.microsoft.com/office/powerpoint/2015/main" xmlns="" val="1"/>
+                <p16:designElem xmlns="" xmlns:p16="http://schemas.microsoft.com/office/powerpoint/2015/main" val="1"/>
               </p:ext>
             </p:extLst>
           </p:nvPr>
@@ -12336,10 +12119,10 @@
           <p:cNvPr id="14" name="Rectangle 13">
             <a:extLst>
               <a:ext uri="{FF2B5EF4-FFF2-40B4-BE49-F238E27FC236}">
-                <a16:creationId xmlns:a16="http://schemas.microsoft.com/office/drawing/2014/main" xmlns="" id="{375E0459-6403-40CD-989D-56A4407CA12E}"/>
+                <a16:creationId xmlns="" xmlns:a16="http://schemas.microsoft.com/office/drawing/2014/main" id="{375E0459-6403-40CD-989D-56A4407CA12E}"/>
               </a:ext>
               <a:ext uri="{C183D7F6-B498-43B3-948B-1728B52AA6E4}">
-                <adec:decorative xmlns:adec="http://schemas.microsoft.com/office/drawing/2017/decorative" xmlns="" val="1"/>
+                <adec:decorative xmlns="" xmlns:adec="http://schemas.microsoft.com/office/drawing/2017/decorative" val="1"/>
               </a:ext>
             </a:extLst>
           </p:cNvPr>
@@ -12349,7 +12132,7 @@
           <p:nvPr>
             <p:extLst>
               <p:ext uri="{386F3935-93C4-4BCD-93E2-E3B085C9AB24}">
-                <p16:designElem xmlns:p16="http://schemas.microsoft.com/office/powerpoint/2015/main" xmlns="" val="1"/>
+                <p16:designElem xmlns="" xmlns:p16="http://schemas.microsoft.com/office/powerpoint/2015/main" val="1"/>
               </p:ext>
             </p:extLst>
           </p:nvPr>
@@ -12411,10 +12194,10 @@
           <p:cNvPr id="16" name="Rectangle 15">
             <a:extLst>
               <a:ext uri="{FF2B5EF4-FFF2-40B4-BE49-F238E27FC236}">
-                <a16:creationId xmlns:a16="http://schemas.microsoft.com/office/drawing/2014/main" xmlns="" id="{53E5B1A8-3AC9-4BD1-9BBC-78CA94F2D1BA}"/>
+                <a16:creationId xmlns="" xmlns:a16="http://schemas.microsoft.com/office/drawing/2014/main" id="{53E5B1A8-3AC9-4BD1-9BBC-78CA94F2D1BA}"/>
               </a:ext>
               <a:ext uri="{C183D7F6-B498-43B3-948B-1728B52AA6E4}">
-                <adec:decorative xmlns:adec="http://schemas.microsoft.com/office/drawing/2017/decorative" xmlns="" val="1"/>
+                <adec:decorative xmlns="" xmlns:adec="http://schemas.microsoft.com/office/drawing/2017/decorative" val="1"/>
               </a:ext>
             </a:extLst>
           </p:cNvPr>
@@ -12424,7 +12207,7 @@
           <p:nvPr>
             <p:extLst>
               <p:ext uri="{386F3935-93C4-4BCD-93E2-E3B085C9AB24}">
-                <p16:designElem xmlns:p16="http://schemas.microsoft.com/office/powerpoint/2015/main" xmlns="" val="1"/>
+                <p16:designElem xmlns="" xmlns:p16="http://schemas.microsoft.com/office/powerpoint/2015/main" val="1"/>
               </p:ext>
             </p:extLst>
           </p:nvPr>
@@ -12487,7 +12270,7 @@
           <p:cNvPr id="2" name="제목 1">
             <a:extLst>
               <a:ext uri="{FF2B5EF4-FFF2-40B4-BE49-F238E27FC236}">
-                <a16:creationId xmlns:a16="http://schemas.microsoft.com/office/drawing/2014/main" xmlns="" id="{1E22F2AF-C56D-6CEA-8BEA-37CE752EA65A}"/>
+                <a16:creationId xmlns="" xmlns:a16="http://schemas.microsoft.com/office/drawing/2014/main" id="{1E22F2AF-C56D-6CEA-8BEA-37CE752EA65A}"/>
               </a:ext>
             </a:extLst>
           </p:cNvPr>
@@ -12526,7 +12309,7 @@
           <p:cNvPr id="3" name="내용 개체 틀 2">
             <a:extLst>
               <a:ext uri="{FF2B5EF4-FFF2-40B4-BE49-F238E27FC236}">
-                <a16:creationId xmlns:a16="http://schemas.microsoft.com/office/drawing/2014/main" xmlns="" id="{2A7D2632-3F9C-4E2E-A88F-68CC75703511}"/>
+                <a16:creationId xmlns="" xmlns:a16="http://schemas.microsoft.com/office/drawing/2014/main" id="{2A7D2632-3F9C-4E2E-A88F-68CC75703511}"/>
               </a:ext>
             </a:extLst>
           </p:cNvPr>
@@ -12539,8 +12322,8 @@
         </p:nvSpPr>
         <p:spPr>
           <a:xfrm>
-            <a:off x="459351" y="2318197"/>
-            <a:ext cx="10636280" cy="3683358"/>
+            <a:off x="459351" y="2042809"/>
+            <a:ext cx="10636280" cy="3958746"/>
           </a:xfrm>
         </p:spPr>
         <p:txBody>
@@ -12551,35 +12334,19 @@
           <a:p>
             <a:r>
               <a:rPr lang="ko-KR" altLang="en-US" sz="2000" dirty="0"/>
-              <a:t>본인이 집중할 수 있는 </a:t>
-            </a:r>
-            <a:r>
-              <a:rPr lang="ko-KR" altLang="en-US" sz="2000" dirty="0" smtClean="0"/>
-              <a:t>자리 혹은 이전에 작업하던 자리를 </a:t>
-            </a:r>
+              <a:t>본인이 집중할 수 있는 자리 혹은 이전에 작업하던 자리를 예약하여 학습 효과 증진</a:t>
+            </a:r>
+            <a:endParaRPr lang="en-US" altLang="ko-KR" sz="2000" dirty="0"/>
+          </a:p>
+          <a:p>
+            <a:endParaRPr lang="en-US" altLang="ko-KR" sz="2000" dirty="0"/>
+          </a:p>
+          <a:p>
             <a:r>
               <a:rPr lang="ko-KR" altLang="en-US" sz="2000" dirty="0"/>
-              <a:t>예약하여 학습 효과 </a:t>
-            </a:r>
-            <a:r>
-              <a:rPr lang="ko-KR" altLang="en-US" sz="2000" dirty="0" smtClean="0"/>
-              <a:t>증진</a:t>
+              <a:t>관리자는 강의실 이용 현황을 실시간으로 확인할 수 있으며</a:t>
             </a:r>
             <a:endParaRPr lang="en-US" altLang="ko-KR" sz="2000" dirty="0"/>
-          </a:p>
-          <a:p>
-            <a:endParaRPr lang="en-US" altLang="ko-KR" sz="2000" dirty="0"/>
-          </a:p>
-          <a:p>
-            <a:r>
-              <a:rPr lang="ko-KR" altLang="en-US" sz="2000" dirty="0"/>
-              <a:t>관리자는 강의실 이용 현황을 실시간으로 확인할 수 </a:t>
-            </a:r>
-            <a:r>
-              <a:rPr lang="ko-KR" altLang="en-US" sz="2000" dirty="0" smtClean="0"/>
-              <a:t>있으며</a:t>
-            </a:r>
-            <a:endParaRPr lang="en-US" altLang="ko-KR" sz="2000" dirty="0" smtClean="0"/>
           </a:p>
           <a:p>
             <a:pPr marL="0" indent="0">
@@ -12587,14 +12354,10 @@
             </a:pPr>
             <a:r>
               <a:rPr lang="en-US" altLang="ko-KR" sz="2000" dirty="0"/>
-              <a:t> </a:t>
-            </a:r>
-            <a:r>
-              <a:rPr lang="en-US" altLang="ko-KR" sz="2000" dirty="0" smtClean="0"/>
-              <a:t>  </a:t>
-            </a:r>
-            <a:r>
-              <a:rPr lang="ko-KR" altLang="en-US" sz="2000" dirty="0" smtClean="0"/>
+              <a:t>   </a:t>
+            </a:r>
+            <a:r>
+              <a:rPr lang="ko-KR" altLang="en-US" sz="2000" dirty="0"/>
               <a:t>사용 불가한 자리를 막아놓는다던가 임의적으로 뒷자리를 막는다거나 하여 </a:t>
             </a:r>
             <a:endParaRPr lang="en-US" altLang="ko-KR" sz="2000" dirty="0"/>
@@ -12604,14 +12367,14 @@
               <a:buNone/>
             </a:pPr>
             <a:r>
-              <a:rPr lang="en-US" altLang="ko-KR" sz="2000" dirty="0" smtClean="0"/>
+              <a:rPr lang="en-US" altLang="ko-KR" sz="2000" dirty="0"/>
               <a:t>   </a:t>
             </a:r>
             <a:r>
-              <a:rPr lang="ko-KR" altLang="en-US" sz="2000" dirty="0" smtClean="0"/>
+              <a:rPr lang="ko-KR" altLang="en-US" sz="2000" dirty="0"/>
               <a:t>수업 참여도를 올리는 방향으로 활용할 수 있음</a:t>
             </a:r>
-            <a:endParaRPr lang="en-US" altLang="ko-KR" sz="2000" dirty="0" smtClean="0"/>
+            <a:endParaRPr lang="en-US" altLang="ko-KR" sz="2000" dirty="0"/>
           </a:p>
           <a:p>
             <a:pPr marL="0" indent="0">
@@ -12620,10 +12383,10 @@
             <a:endParaRPr lang="en-US" altLang="ko-KR" sz="2000" dirty="0"/>
           </a:p>
           <a:p>
-            <a:endParaRPr lang="en-US" altLang="ko-KR" sz="2000" dirty="0" smtClean="0"/>
-          </a:p>
-          <a:p>
-            <a:endParaRPr lang="ko-KR" altLang="en-US" sz="2000" dirty="0"/>
+            <a:pPr marL="0" indent="0">
+              <a:buNone/>
+            </a:pPr>
+            <a:endParaRPr lang="en-US" altLang="ko-KR" sz="2000" dirty="0"/>
           </a:p>
         </p:txBody>
       </p:sp>
@@ -12662,10 +12425,10 @@
           <p:cNvPr id="8" name="Rectangle 7">
             <a:extLst>
               <a:ext uri="{FF2B5EF4-FFF2-40B4-BE49-F238E27FC236}">
-                <a16:creationId xmlns:a16="http://schemas.microsoft.com/office/drawing/2014/main" xmlns="" id="{1B15ED52-F352-441B-82BF-E0EA34836D08}"/>
+                <a16:creationId xmlns="" xmlns:a16="http://schemas.microsoft.com/office/drawing/2014/main" id="{1B15ED52-F352-441B-82BF-E0EA34836D08}"/>
               </a:ext>
               <a:ext uri="{C183D7F6-B498-43B3-948B-1728B52AA6E4}">
-                <adec:decorative xmlns:adec="http://schemas.microsoft.com/office/drawing/2017/decorative" xmlns="" val="1"/>
+                <adec:decorative xmlns="" xmlns:adec="http://schemas.microsoft.com/office/drawing/2017/decorative" val="1"/>
               </a:ext>
             </a:extLst>
           </p:cNvPr>
@@ -12675,7 +12438,7 @@
           <p:nvPr>
             <p:extLst>
               <p:ext uri="{386F3935-93C4-4BCD-93E2-E3B085C9AB24}">
-                <p16:designElem xmlns:p16="http://schemas.microsoft.com/office/powerpoint/2015/main" xmlns="" val="1"/>
+                <p16:designElem xmlns="" xmlns:p16="http://schemas.microsoft.com/office/powerpoint/2015/main" val="1"/>
               </p:ext>
             </p:extLst>
           </p:nvPr>
@@ -12738,10 +12501,10 @@
           <p:cNvPr id="10" name="Rectangle 9">
             <a:extLst>
               <a:ext uri="{FF2B5EF4-FFF2-40B4-BE49-F238E27FC236}">
-                <a16:creationId xmlns:a16="http://schemas.microsoft.com/office/drawing/2014/main" xmlns="" id="{3B2E3793-BFE6-45A2-9B7B-E18844431C99}"/>
+                <a16:creationId xmlns="" xmlns:a16="http://schemas.microsoft.com/office/drawing/2014/main" id="{3B2E3793-BFE6-45A2-9B7B-E18844431C99}"/>
               </a:ext>
               <a:ext uri="{C183D7F6-B498-43B3-948B-1728B52AA6E4}">
-                <adec:decorative xmlns:adec="http://schemas.microsoft.com/office/drawing/2017/decorative" xmlns="" val="1"/>
+                <adec:decorative xmlns="" xmlns:adec="http://schemas.microsoft.com/office/drawing/2017/decorative" val="1"/>
               </a:ext>
             </a:extLst>
           </p:cNvPr>
@@ -12751,7 +12514,7 @@
           <p:nvPr>
             <p:extLst>
               <p:ext uri="{386F3935-93C4-4BCD-93E2-E3B085C9AB24}">
-                <p16:designElem xmlns:p16="http://schemas.microsoft.com/office/powerpoint/2015/main" xmlns="" val="1"/>
+                <p16:designElem xmlns="" xmlns:p16="http://schemas.microsoft.com/office/powerpoint/2015/main" val="1"/>
               </p:ext>
             </p:extLst>
           </p:nvPr>
@@ -12811,10 +12574,10 @@
           <p:cNvPr id="12" name="Rectangle 11">
             <a:extLst>
               <a:ext uri="{FF2B5EF4-FFF2-40B4-BE49-F238E27FC236}">
-                <a16:creationId xmlns:a16="http://schemas.microsoft.com/office/drawing/2014/main" xmlns="" id="{BC4C4868-CB8F-4AF9-9CDB-8108F2C19B67}"/>
+                <a16:creationId xmlns="" xmlns:a16="http://schemas.microsoft.com/office/drawing/2014/main" id="{BC4C4868-CB8F-4AF9-9CDB-8108F2C19B67}"/>
               </a:ext>
               <a:ext uri="{C183D7F6-B498-43B3-948B-1728B52AA6E4}">
-                <adec:decorative xmlns:adec="http://schemas.microsoft.com/office/drawing/2017/decorative" xmlns="" val="1"/>
+                <adec:decorative xmlns="" xmlns:adec="http://schemas.microsoft.com/office/drawing/2017/decorative" val="1"/>
               </a:ext>
             </a:extLst>
           </p:cNvPr>
@@ -12824,7 +12587,7 @@
           <p:nvPr>
             <p:extLst>
               <p:ext uri="{386F3935-93C4-4BCD-93E2-E3B085C9AB24}">
-                <p16:designElem xmlns:p16="http://schemas.microsoft.com/office/powerpoint/2015/main" xmlns="" val="1"/>
+                <p16:designElem xmlns="" xmlns:p16="http://schemas.microsoft.com/office/powerpoint/2015/main" val="1"/>
               </p:ext>
             </p:extLst>
           </p:nvPr>
@@ -12887,10 +12650,10 @@
           <p:cNvPr id="14" name="Rectangle 13">
             <a:extLst>
               <a:ext uri="{FF2B5EF4-FFF2-40B4-BE49-F238E27FC236}">
-                <a16:creationId xmlns:a16="http://schemas.microsoft.com/office/drawing/2014/main" xmlns="" id="{375E0459-6403-40CD-989D-56A4407CA12E}"/>
+                <a16:creationId xmlns="" xmlns:a16="http://schemas.microsoft.com/office/drawing/2014/main" id="{375E0459-6403-40CD-989D-56A4407CA12E}"/>
               </a:ext>
               <a:ext uri="{C183D7F6-B498-43B3-948B-1728B52AA6E4}">
-                <adec:decorative xmlns:adec="http://schemas.microsoft.com/office/drawing/2017/decorative" xmlns="" val="1"/>
+                <adec:decorative xmlns="" xmlns:adec="http://schemas.microsoft.com/office/drawing/2017/decorative" val="1"/>
               </a:ext>
             </a:extLst>
           </p:cNvPr>
@@ -12900,7 +12663,7 @@
           <p:nvPr>
             <p:extLst>
               <p:ext uri="{386F3935-93C4-4BCD-93E2-E3B085C9AB24}">
-                <p16:designElem xmlns:p16="http://schemas.microsoft.com/office/powerpoint/2015/main" xmlns="" val="1"/>
+                <p16:designElem xmlns="" xmlns:p16="http://schemas.microsoft.com/office/powerpoint/2015/main" val="1"/>
               </p:ext>
             </p:extLst>
           </p:nvPr>
@@ -12962,10 +12725,10 @@
           <p:cNvPr id="16" name="Rectangle 15">
             <a:extLst>
               <a:ext uri="{FF2B5EF4-FFF2-40B4-BE49-F238E27FC236}">
-                <a16:creationId xmlns:a16="http://schemas.microsoft.com/office/drawing/2014/main" xmlns="" id="{53E5B1A8-3AC9-4BD1-9BBC-78CA94F2D1BA}"/>
+                <a16:creationId xmlns="" xmlns:a16="http://schemas.microsoft.com/office/drawing/2014/main" id="{53E5B1A8-3AC9-4BD1-9BBC-78CA94F2D1BA}"/>
               </a:ext>
               <a:ext uri="{C183D7F6-B498-43B3-948B-1728B52AA6E4}">
-                <adec:decorative xmlns:adec="http://schemas.microsoft.com/office/drawing/2017/decorative" xmlns="" val="1"/>
+                <adec:decorative xmlns="" xmlns:adec="http://schemas.microsoft.com/office/drawing/2017/decorative" val="1"/>
               </a:ext>
             </a:extLst>
           </p:cNvPr>
@@ -12975,7 +12738,7 @@
           <p:nvPr>
             <p:extLst>
               <p:ext uri="{386F3935-93C4-4BCD-93E2-E3B085C9AB24}">
-                <p16:designElem xmlns:p16="http://schemas.microsoft.com/office/powerpoint/2015/main" xmlns="" val="1"/>
+                <p16:designElem xmlns="" xmlns:p16="http://schemas.microsoft.com/office/powerpoint/2015/main" val="1"/>
               </p:ext>
             </p:extLst>
           </p:nvPr>
@@ -13038,7 +12801,7 @@
           <p:cNvPr id="2" name="제목 1">
             <a:extLst>
               <a:ext uri="{FF2B5EF4-FFF2-40B4-BE49-F238E27FC236}">
-                <a16:creationId xmlns:a16="http://schemas.microsoft.com/office/drawing/2014/main" xmlns="" id="{D7235457-A6C6-F577-0AE8-2492AED11FDF}"/>
+                <a16:creationId xmlns="" xmlns:a16="http://schemas.microsoft.com/office/drawing/2014/main" id="{D7235457-A6C6-F577-0AE8-2492AED11FDF}"/>
               </a:ext>
             </a:extLst>
           </p:cNvPr>
@@ -13082,7 +12845,7 @@
           <p:cNvPr id="3" name="내용 개체 틀 2">
             <a:extLst>
               <a:ext uri="{FF2B5EF4-FFF2-40B4-BE49-F238E27FC236}">
-                <a16:creationId xmlns:a16="http://schemas.microsoft.com/office/drawing/2014/main" xmlns="" id="{A20C815D-EDE1-56C7-1746-3EB7001DB7A4}"/>
+                <a16:creationId xmlns="" xmlns:a16="http://schemas.microsoft.com/office/drawing/2014/main" id="{A20C815D-EDE1-56C7-1746-3EB7001DB7A4}"/>
               </a:ext>
             </a:extLst>
           </p:cNvPr>
@@ -13122,50 +12885,65 @@
             </a:r>
             <a:r>
               <a:rPr lang="ko-KR" altLang="en-US" sz="2000" dirty="0"/>
-              <a:t>안드로이드 스튜디오와 데이터베이스 </a:t>
-            </a:r>
-            <a:r>
-              <a:rPr lang="ko-KR" altLang="en-US" sz="2000" dirty="0" smtClean="0"/>
-              <a:t>연결</a:t>
-            </a:r>
-            <a:endParaRPr lang="en-US" altLang="ko-KR" sz="2000" dirty="0" smtClean="0"/>
-          </a:p>
-          <a:p>
+              <a:t>안드로이드 스튜디오와 데이터베이스 연결</a:t>
+            </a:r>
             <a:endParaRPr lang="en-US" altLang="ko-KR" sz="2000" dirty="0"/>
           </a:p>
           <a:p>
-            <a:r>
-              <a:rPr lang="ko-KR" altLang="en-US" sz="2000" dirty="0" smtClean="0"/>
+            <a:endParaRPr lang="en-US" altLang="ko-KR" sz="2000" dirty="0"/>
+          </a:p>
+          <a:p>
+            <a:r>
+              <a:rPr lang="ko-KR" altLang="en-US" sz="2000" dirty="0"/>
               <a:t>여러 명이 개발하는 프로젝트는 처음이다 보니 구성원들 간 시간을 맞춘다거나</a:t>
             </a:r>
-            <a:endParaRPr lang="en-US" altLang="ko-KR" sz="2000" dirty="0" smtClean="0"/>
+            <a:endParaRPr lang="en-US" altLang="ko-KR" sz="2000" dirty="0"/>
           </a:p>
           <a:p>
             <a:pPr marL="0" indent="0">
               <a:buNone/>
             </a:pPr>
             <a:r>
-              <a:rPr lang="en-US" altLang="ko-KR" sz="2000" dirty="0" smtClean="0"/>
+              <a:rPr lang="en-US" altLang="ko-KR" sz="2000" dirty="0"/>
               <a:t>   </a:t>
             </a:r>
             <a:r>
-              <a:rPr lang="ko-KR" altLang="en-US" sz="2000" dirty="0" smtClean="0"/>
+              <a:rPr lang="ko-KR" altLang="en-US" sz="2000" dirty="0"/>
               <a:t>각자가 추구하는 프로그램의 방식이 달라 의견을 조율하거나</a:t>
             </a:r>
-            <a:endParaRPr lang="en-US" altLang="ko-KR" sz="2000" dirty="0" smtClean="0"/>
+            <a:endParaRPr lang="en-US" altLang="ko-KR" sz="2000" dirty="0"/>
           </a:p>
           <a:p>
             <a:pPr marL="0" indent="0">
               <a:buNone/>
             </a:pPr>
             <a:r>
-              <a:rPr lang="en-US" altLang="ko-KR" sz="2000" dirty="0" smtClean="0"/>
+              <a:rPr lang="en-US" altLang="ko-KR" sz="2000" dirty="0"/>
               <a:t>   </a:t>
             </a:r>
             <a:r>
-              <a:rPr lang="ko-KR" altLang="en-US" sz="2000" dirty="0" smtClean="0"/>
+              <a:rPr lang="ko-KR" altLang="en-US" sz="2000" dirty="0"/>
               <a:t>개발한 코드들을 합치는 데에 있어 쉽지 않았음</a:t>
             </a:r>
+            <a:endParaRPr lang="en-US" altLang="ko-KR" sz="2000" dirty="0"/>
+          </a:p>
+          <a:p>
+            <a:pPr marL="0" indent="0">
+              <a:buNone/>
+            </a:pPr>
+            <a:endParaRPr lang="en-US" altLang="ko-KR" sz="2000" dirty="0"/>
+          </a:p>
+          <a:p>
+            <a:r>
+              <a:rPr lang="ko-KR" altLang="en-US" sz="2000" dirty="0"/>
+              <a:t>기능에 필요한 메서드를 많이 알지 못해 어려움을 겪음</a:t>
+            </a:r>
+            <a:endParaRPr lang="en-US" altLang="ko-KR" sz="2000" dirty="0"/>
+          </a:p>
+          <a:p>
+            <a:pPr marL="0" indent="0">
+              <a:buNone/>
+            </a:pPr>
             <a:endParaRPr lang="en-US" altLang="ko-KR" sz="2000" dirty="0"/>
           </a:p>
           <a:p>

--- a/doc/TBFG 모바일 프로젝트.pptx
+++ b/doc/TBFG 모바일 프로젝트.pptx
@@ -987,14 +987,6 @@
         </dgm:presLayoutVars>
       </dgm:prSet>
       <dgm:spPr/>
-      <dgm:t>
-        <a:bodyPr/>
-        <a:lstStyle/>
-        <a:p>
-          <a:pPr latinLnBrk="1"/>
-          <a:endParaRPr lang="ko-KR" altLang="en-US"/>
-        </a:p>
-      </dgm:t>
     </dgm:pt>
     <dgm:pt modelId="{B5155DFF-3F11-49B5-B048-DF426ACCA0D7}" type="pres">
       <dgm:prSet presAssocID="{ACDEB3E2-97C6-449D-BC99-625E3677C541}" presName="hierRoot1" presStyleCnt="0"/>
@@ -1015,14 +1007,6 @@
         </dgm:presLayoutVars>
       </dgm:prSet>
       <dgm:spPr/>
-      <dgm:t>
-        <a:bodyPr/>
-        <a:lstStyle/>
-        <a:p>
-          <a:pPr latinLnBrk="1"/>
-          <a:endParaRPr lang="ko-KR" altLang="en-US"/>
-        </a:p>
-      </dgm:t>
     </dgm:pt>
     <dgm:pt modelId="{F6DBDF20-4EA8-4EBB-82C5-F31D29C93EE7}" type="pres">
       <dgm:prSet presAssocID="{ACDEB3E2-97C6-449D-BC99-625E3677C541}" presName="hierChild2" presStyleCnt="0"/>
@@ -1047,14 +1031,6 @@
         </dgm:presLayoutVars>
       </dgm:prSet>
       <dgm:spPr/>
-      <dgm:t>
-        <a:bodyPr/>
-        <a:lstStyle/>
-        <a:p>
-          <a:pPr latinLnBrk="1"/>
-          <a:endParaRPr lang="ko-KR" altLang="en-US"/>
-        </a:p>
-      </dgm:t>
     </dgm:pt>
     <dgm:pt modelId="{674C6D72-F42E-4D7F-9FB3-13ED6D07616E}" type="pres">
       <dgm:prSet presAssocID="{7D74B4A1-0D08-468F-8AA3-7A9655EE1500}" presName="hierChild2" presStyleCnt="0"/>
@@ -1063,10 +1039,10 @@
   </dgm:ptLst>
   <dgm:cxnLst>
     <dgm:cxn modelId="{2D93151A-3C5B-459D-8681-37BD979326BF}" type="presOf" srcId="{5E9AA483-F68E-40B8-9280-4BDD509DEB97}" destId="{A6CBDF42-0ABF-46DB-ABD5-57CEF482EF90}" srcOrd="0" destOrd="0" presId="urn:microsoft.com/office/officeart/2005/8/layout/hierarchy1"/>
+    <dgm:cxn modelId="{E56EE81F-025A-4E6D-9B1B-F8F542987A87}" type="presOf" srcId="{7D74B4A1-0D08-468F-8AA3-7A9655EE1500}" destId="{DB0861DB-973B-4778-8A9F-880AFACD4AF2}" srcOrd="0" destOrd="0" presId="urn:microsoft.com/office/officeart/2005/8/layout/hierarchy1"/>
     <dgm:cxn modelId="{23D5BE5E-2670-4D98-8A8E-17478B132DC5}" type="presOf" srcId="{ACDEB3E2-97C6-449D-BC99-625E3677C541}" destId="{F9B2F84B-7703-4D1A-BBFC-BAB80DA8FF86}" srcOrd="0" destOrd="0" presId="urn:microsoft.com/office/officeart/2005/8/layout/hierarchy1"/>
+    <dgm:cxn modelId="{F1CAF64C-994A-43D3-B197-A1C1244357CA}" srcId="{5E9AA483-F68E-40B8-9280-4BDD509DEB97}" destId="{ACDEB3E2-97C6-449D-BC99-625E3677C541}" srcOrd="0" destOrd="0" parTransId="{64520C44-3F38-41DF-AF46-D97D6AEA8BC2}" sibTransId="{AACD806F-1D0D-4078-8FF6-F37FAD7D6AB1}"/>
     <dgm:cxn modelId="{82A24AC2-A013-4490-AFDE-F3F3C463176C}" srcId="{5E9AA483-F68E-40B8-9280-4BDD509DEB97}" destId="{7D74B4A1-0D08-468F-8AA3-7A9655EE1500}" srcOrd="1" destOrd="0" parTransId="{FBEC3C64-7DA2-458A-9401-8DBB8F26490F}" sibTransId="{384D87E9-B0F3-4E1F-853D-B0F5CDD65D18}"/>
-    <dgm:cxn modelId="{F1CAF64C-994A-43D3-B197-A1C1244357CA}" srcId="{5E9AA483-F68E-40B8-9280-4BDD509DEB97}" destId="{ACDEB3E2-97C6-449D-BC99-625E3677C541}" srcOrd="0" destOrd="0" parTransId="{64520C44-3F38-41DF-AF46-D97D6AEA8BC2}" sibTransId="{AACD806F-1D0D-4078-8FF6-F37FAD7D6AB1}"/>
-    <dgm:cxn modelId="{E56EE81F-025A-4E6D-9B1B-F8F542987A87}" type="presOf" srcId="{7D74B4A1-0D08-468F-8AA3-7A9655EE1500}" destId="{DB0861DB-973B-4778-8A9F-880AFACD4AF2}" srcOrd="0" destOrd="0" presId="urn:microsoft.com/office/officeart/2005/8/layout/hierarchy1"/>
     <dgm:cxn modelId="{DC90F452-BEFB-4D1B-A44F-6FF11F00497B}" type="presParOf" srcId="{A6CBDF42-0ABF-46DB-ABD5-57CEF482EF90}" destId="{B5155DFF-3F11-49B5-B048-DF426ACCA0D7}" srcOrd="0" destOrd="0" presId="urn:microsoft.com/office/officeart/2005/8/layout/hierarchy1"/>
     <dgm:cxn modelId="{27F4ED7D-12C6-4B44-BB10-BB2858A206E7}" type="presParOf" srcId="{B5155DFF-3F11-49B5-B048-DF426ACCA0D7}" destId="{35998272-D23F-43E6-A948-677D78109FC9}" srcOrd="0" destOrd="0" presId="urn:microsoft.com/office/officeart/2005/8/layout/hierarchy1"/>
     <dgm:cxn modelId="{34CD9068-8A1C-4900-90D5-55AE470D7566}" type="presParOf" srcId="{35998272-D23F-43E6-A948-677D78109FC9}" destId="{915EC1DB-BC46-4F7A-A6AD-E65F9177E6F5}" srcOrd="0" destOrd="0" presId="urn:microsoft.com/office/officeart/2005/8/layout/hierarchy1"/>
@@ -1096,6 +1072,286 @@
       <dsp:cNvGrpSpPr/>
     </dsp:nvGrpSpPr>
     <dsp:grpSpPr/>
+    <dsp:sp modelId="{915EC1DB-BC46-4F7A-A6AD-E65F9177E6F5}">
+      <dsp:nvSpPr>
+        <dsp:cNvPr id="0" name=""/>
+        <dsp:cNvSpPr/>
+      </dsp:nvSpPr>
+      <dsp:spPr>
+        <a:xfrm>
+          <a:off x="629" y="861165"/>
+          <a:ext cx="2209940" cy="1403312"/>
+        </a:xfrm>
+        <a:prstGeom prst="roundRect">
+          <a:avLst>
+            <a:gd name="adj" fmla="val 10000"/>
+          </a:avLst>
+        </a:prstGeom>
+        <a:solidFill>
+          <a:schemeClr val="accent1">
+            <a:hueOff val="0"/>
+            <a:satOff val="0"/>
+            <a:lumOff val="0"/>
+            <a:alphaOff val="0"/>
+          </a:schemeClr>
+        </a:solidFill>
+        <a:ln w="19050" cap="flat" cmpd="sng" algn="ctr">
+          <a:solidFill>
+            <a:schemeClr val="lt1">
+              <a:hueOff val="0"/>
+              <a:satOff val="0"/>
+              <a:lumOff val="0"/>
+              <a:alphaOff val="0"/>
+            </a:schemeClr>
+          </a:solidFill>
+          <a:prstDash val="solid"/>
+          <a:miter lim="800000"/>
+        </a:ln>
+        <a:effectLst/>
+      </dsp:spPr>
+      <dsp:style>
+        <a:lnRef idx="2">
+          <a:scrgbClr r="0" g="0" b="0"/>
+        </a:lnRef>
+        <a:fillRef idx="1">
+          <a:scrgbClr r="0" g="0" b="0"/>
+        </a:fillRef>
+        <a:effectRef idx="0">
+          <a:scrgbClr r="0" g="0" b="0"/>
+        </a:effectRef>
+        <a:fontRef idx="minor">
+          <a:schemeClr val="lt1"/>
+        </a:fontRef>
+      </dsp:style>
+    </dsp:sp>
+    <dsp:sp modelId="{F9B2F84B-7703-4D1A-BBFC-BAB80DA8FF86}">
+      <dsp:nvSpPr>
+        <dsp:cNvPr id="0" name=""/>
+        <dsp:cNvSpPr/>
+      </dsp:nvSpPr>
+      <dsp:spPr>
+        <a:xfrm>
+          <a:off x="246178" y="1094436"/>
+          <a:ext cx="2209940" cy="1403312"/>
+        </a:xfrm>
+        <a:prstGeom prst="roundRect">
+          <a:avLst>
+            <a:gd name="adj" fmla="val 10000"/>
+          </a:avLst>
+        </a:prstGeom>
+        <a:solidFill>
+          <a:schemeClr val="lt1">
+            <a:alpha val="90000"/>
+            <a:hueOff val="0"/>
+            <a:satOff val="0"/>
+            <a:lumOff val="0"/>
+            <a:alphaOff val="0"/>
+          </a:schemeClr>
+        </a:solidFill>
+        <a:ln w="19050" cap="flat" cmpd="sng" algn="ctr">
+          <a:solidFill>
+            <a:schemeClr val="accent1">
+              <a:hueOff val="0"/>
+              <a:satOff val="0"/>
+              <a:lumOff val="0"/>
+              <a:alphaOff val="0"/>
+            </a:schemeClr>
+          </a:solidFill>
+          <a:prstDash val="solid"/>
+          <a:miter lim="800000"/>
+        </a:ln>
+        <a:effectLst/>
+      </dsp:spPr>
+      <dsp:style>
+        <a:lnRef idx="2">
+          <a:scrgbClr r="0" g="0" b="0"/>
+        </a:lnRef>
+        <a:fillRef idx="1">
+          <a:scrgbClr r="0" g="0" b="0"/>
+        </a:fillRef>
+        <a:effectRef idx="0">
+          <a:scrgbClr r="0" g="0" b="0"/>
+        </a:effectRef>
+        <a:fontRef idx="minor"/>
+      </dsp:style>
+      <dsp:txBody>
+        <a:bodyPr spcFirstLastPara="0" vert="horz" wrap="square" lIns="64770" tIns="64770" rIns="64770" bIns="64770" numCol="1" spcCol="1270" anchor="ctr" anchorCtr="0">
+          <a:noAutofit/>
+        </a:bodyPr>
+        <a:lstStyle/>
+        <a:p>
+          <a:pPr marL="0" lvl="0" indent="0" algn="ctr" defTabSz="755650">
+            <a:lnSpc>
+              <a:spcPct val="90000"/>
+            </a:lnSpc>
+            <a:spcBef>
+              <a:spcPct val="0"/>
+            </a:spcBef>
+            <a:spcAft>
+              <a:spcPct val="35000"/>
+            </a:spcAft>
+            <a:buNone/>
+          </a:pPr>
+          <a:r>
+            <a:rPr lang="ko-KR" sz="1700" b="0" i="0" kern="1200"/>
+            <a:t>강의실 내 원하는 자리를 사전 예약할 수 있는 시스템 구축</a:t>
+          </a:r>
+          <a:endParaRPr lang="en-US" sz="1700" kern="1200"/>
+        </a:p>
+      </dsp:txBody>
+      <dsp:txXfrm>
+        <a:off x="287280" y="1135538"/>
+        <a:ext cx="2127736" cy="1321108"/>
+      </dsp:txXfrm>
+    </dsp:sp>
+    <dsp:sp modelId="{796D07AA-87B6-42C9-A66F-7CF35E79A26D}">
+      <dsp:nvSpPr>
+        <dsp:cNvPr id="0" name=""/>
+        <dsp:cNvSpPr/>
+      </dsp:nvSpPr>
+      <dsp:spPr>
+        <a:xfrm>
+          <a:off x="2701667" y="861165"/>
+          <a:ext cx="2209940" cy="1403312"/>
+        </a:xfrm>
+        <a:prstGeom prst="roundRect">
+          <a:avLst>
+            <a:gd name="adj" fmla="val 10000"/>
+          </a:avLst>
+        </a:prstGeom>
+        <a:solidFill>
+          <a:schemeClr val="accent1">
+            <a:hueOff val="0"/>
+            <a:satOff val="0"/>
+            <a:lumOff val="0"/>
+            <a:alphaOff val="0"/>
+          </a:schemeClr>
+        </a:solidFill>
+        <a:ln w="19050" cap="flat" cmpd="sng" algn="ctr">
+          <a:solidFill>
+            <a:schemeClr val="lt1">
+              <a:hueOff val="0"/>
+              <a:satOff val="0"/>
+              <a:lumOff val="0"/>
+              <a:alphaOff val="0"/>
+            </a:schemeClr>
+          </a:solidFill>
+          <a:prstDash val="solid"/>
+          <a:miter lim="800000"/>
+        </a:ln>
+        <a:effectLst/>
+      </dsp:spPr>
+      <dsp:style>
+        <a:lnRef idx="2">
+          <a:scrgbClr r="0" g="0" b="0"/>
+        </a:lnRef>
+        <a:fillRef idx="1">
+          <a:scrgbClr r="0" g="0" b="0"/>
+        </a:fillRef>
+        <a:effectRef idx="0">
+          <a:scrgbClr r="0" g="0" b="0"/>
+        </a:effectRef>
+        <a:fontRef idx="minor">
+          <a:schemeClr val="lt1"/>
+        </a:fontRef>
+      </dsp:style>
+    </dsp:sp>
+    <dsp:sp modelId="{DB0861DB-973B-4778-8A9F-880AFACD4AF2}">
+      <dsp:nvSpPr>
+        <dsp:cNvPr id="0" name=""/>
+        <dsp:cNvSpPr/>
+      </dsp:nvSpPr>
+      <dsp:spPr>
+        <a:xfrm>
+          <a:off x="2947216" y="1094436"/>
+          <a:ext cx="2209940" cy="1403312"/>
+        </a:xfrm>
+        <a:prstGeom prst="roundRect">
+          <a:avLst>
+            <a:gd name="adj" fmla="val 10000"/>
+          </a:avLst>
+        </a:prstGeom>
+        <a:solidFill>
+          <a:schemeClr val="lt1">
+            <a:alpha val="90000"/>
+            <a:hueOff val="0"/>
+            <a:satOff val="0"/>
+            <a:lumOff val="0"/>
+            <a:alphaOff val="0"/>
+          </a:schemeClr>
+        </a:solidFill>
+        <a:ln w="19050" cap="flat" cmpd="sng" algn="ctr">
+          <a:solidFill>
+            <a:schemeClr val="accent1">
+              <a:hueOff val="0"/>
+              <a:satOff val="0"/>
+              <a:lumOff val="0"/>
+              <a:alphaOff val="0"/>
+            </a:schemeClr>
+          </a:solidFill>
+          <a:prstDash val="solid"/>
+          <a:miter lim="800000"/>
+        </a:ln>
+        <a:effectLst/>
+      </dsp:spPr>
+      <dsp:style>
+        <a:lnRef idx="2">
+          <a:scrgbClr r="0" g="0" b="0"/>
+        </a:lnRef>
+        <a:fillRef idx="1">
+          <a:scrgbClr r="0" g="0" b="0"/>
+        </a:fillRef>
+        <a:effectRef idx="0">
+          <a:scrgbClr r="0" g="0" b="0"/>
+        </a:effectRef>
+        <a:fontRef idx="minor"/>
+      </dsp:style>
+      <dsp:txBody>
+        <a:bodyPr spcFirstLastPara="0" vert="horz" wrap="square" lIns="64770" tIns="64770" rIns="64770" bIns="64770" numCol="1" spcCol="1270" anchor="ctr" anchorCtr="0">
+          <a:noAutofit/>
+        </a:bodyPr>
+        <a:lstStyle/>
+        <a:p>
+          <a:pPr marL="0" lvl="0" indent="0" algn="ctr" defTabSz="755650">
+            <a:lnSpc>
+              <a:spcPct val="90000"/>
+            </a:lnSpc>
+            <a:spcBef>
+              <a:spcPct val="0"/>
+            </a:spcBef>
+            <a:spcAft>
+              <a:spcPct val="35000"/>
+            </a:spcAft>
+            <a:buNone/>
+          </a:pPr>
+          <a:r>
+            <a:rPr lang="ko-KR" sz="1700" kern="1200"/>
+            <a:t>예약 시 제공된 </a:t>
+          </a:r>
+          <a:r>
+            <a:rPr lang="en-US" sz="1700" kern="1200"/>
+            <a:t>OTP</a:t>
+          </a:r>
+          <a:r>
+            <a:rPr lang="ko-KR" sz="1700" kern="1200"/>
+            <a:t>를 통해 </a:t>
+          </a:r>
+          <a:r>
+            <a:rPr lang="en-US" sz="1700" kern="1200"/>
+            <a:t>PC </a:t>
+          </a:r>
+          <a:r>
+            <a:rPr lang="ko-KR" sz="1700" kern="1200"/>
+            <a:t>잠금 해제 기능 제공</a:t>
+          </a:r>
+          <a:endParaRPr lang="en-US" sz="1700" kern="1200"/>
+        </a:p>
+      </dsp:txBody>
+      <dsp:txXfrm>
+        <a:off x="2988318" y="1135538"/>
+        <a:ext cx="2127736" cy="1321108"/>
+      </dsp:txXfrm>
+    </dsp:sp>
   </dsp:spTree>
 </dsp:drawing>
 </file>
@@ -3320,7 +3576,7 @@
           <p:cNvPr id="2" name="제목 1">
             <a:extLst>
               <a:ext uri="{FF2B5EF4-FFF2-40B4-BE49-F238E27FC236}">
-                <a16:creationId xmlns="" xmlns:a16="http://schemas.microsoft.com/office/drawing/2014/main" id="{124A51D6-DBA9-BE8F-8D24-A679BEC07BB6}"/>
+                <a16:creationId xmlns:a16="http://schemas.microsoft.com/office/drawing/2014/main" id="{124A51D6-DBA9-BE8F-8D24-A679BEC07BB6}"/>
               </a:ext>
             </a:extLst>
           </p:cNvPr>
@@ -3357,7 +3613,7 @@
           <p:cNvPr id="3" name="부제목 2">
             <a:extLst>
               <a:ext uri="{FF2B5EF4-FFF2-40B4-BE49-F238E27FC236}">
-                <a16:creationId xmlns="" xmlns:a16="http://schemas.microsoft.com/office/drawing/2014/main" id="{0A8C71ED-F94B-F28E-6883-F23620BCACF9}"/>
+                <a16:creationId xmlns:a16="http://schemas.microsoft.com/office/drawing/2014/main" id="{0A8C71ED-F94B-F28E-6883-F23620BCACF9}"/>
               </a:ext>
             </a:extLst>
           </p:cNvPr>
@@ -3427,7 +3683,7 @@
           <p:cNvPr id="4" name="날짜 개체 틀 3">
             <a:extLst>
               <a:ext uri="{FF2B5EF4-FFF2-40B4-BE49-F238E27FC236}">
-                <a16:creationId xmlns="" xmlns:a16="http://schemas.microsoft.com/office/drawing/2014/main" id="{C99F6AC2-87FC-DBFE-B006-E814B68EF01E}"/>
+                <a16:creationId xmlns:a16="http://schemas.microsoft.com/office/drawing/2014/main" id="{C99F6AC2-87FC-DBFE-B006-E814B68EF01E}"/>
               </a:ext>
             </a:extLst>
           </p:cNvPr>
@@ -3456,7 +3712,7 @@
           <p:cNvPr id="5" name="바닥글 개체 틀 4">
             <a:extLst>
               <a:ext uri="{FF2B5EF4-FFF2-40B4-BE49-F238E27FC236}">
-                <a16:creationId xmlns="" xmlns:a16="http://schemas.microsoft.com/office/drawing/2014/main" id="{873A8C28-E376-42DF-E684-08172FF76185}"/>
+                <a16:creationId xmlns:a16="http://schemas.microsoft.com/office/drawing/2014/main" id="{873A8C28-E376-42DF-E684-08172FF76185}"/>
               </a:ext>
             </a:extLst>
           </p:cNvPr>
@@ -3481,7 +3737,7 @@
           <p:cNvPr id="6" name="슬라이드 번호 개체 틀 5">
             <a:extLst>
               <a:ext uri="{FF2B5EF4-FFF2-40B4-BE49-F238E27FC236}">
-                <a16:creationId xmlns="" xmlns:a16="http://schemas.microsoft.com/office/drawing/2014/main" id="{C39D65F8-A723-6DA7-C817-1C933D25BDF1}"/>
+                <a16:creationId xmlns:a16="http://schemas.microsoft.com/office/drawing/2014/main" id="{C39D65F8-A723-6DA7-C817-1C933D25BDF1}"/>
               </a:ext>
             </a:extLst>
           </p:cNvPr>
@@ -3540,7 +3796,7 @@
           <p:cNvPr id="2" name="제목 1">
             <a:extLst>
               <a:ext uri="{FF2B5EF4-FFF2-40B4-BE49-F238E27FC236}">
-                <a16:creationId xmlns="" xmlns:a16="http://schemas.microsoft.com/office/drawing/2014/main" id="{7B3D8512-A985-E2F9-052F-0D5D5D792A32}"/>
+                <a16:creationId xmlns:a16="http://schemas.microsoft.com/office/drawing/2014/main" id="{7B3D8512-A985-E2F9-052F-0D5D5D792A32}"/>
               </a:ext>
             </a:extLst>
           </p:cNvPr>
@@ -3568,7 +3824,7 @@
           <p:cNvPr id="3" name="세로 텍스트 개체 틀 2">
             <a:extLst>
               <a:ext uri="{FF2B5EF4-FFF2-40B4-BE49-F238E27FC236}">
-                <a16:creationId xmlns="" xmlns:a16="http://schemas.microsoft.com/office/drawing/2014/main" id="{564E68EA-3BC6-5CE9-2666-69DD649BBF83}"/>
+                <a16:creationId xmlns:a16="http://schemas.microsoft.com/office/drawing/2014/main" id="{564E68EA-3BC6-5CE9-2666-69DD649BBF83}"/>
               </a:ext>
             </a:extLst>
           </p:cNvPr>
@@ -3625,7 +3881,7 @@
           <p:cNvPr id="4" name="날짜 개체 틀 3">
             <a:extLst>
               <a:ext uri="{FF2B5EF4-FFF2-40B4-BE49-F238E27FC236}">
-                <a16:creationId xmlns="" xmlns:a16="http://schemas.microsoft.com/office/drawing/2014/main" id="{150E0970-5134-657E-EDC9-D97DBBF9CD65}"/>
+                <a16:creationId xmlns:a16="http://schemas.microsoft.com/office/drawing/2014/main" id="{150E0970-5134-657E-EDC9-D97DBBF9CD65}"/>
               </a:ext>
             </a:extLst>
           </p:cNvPr>
@@ -3654,7 +3910,7 @@
           <p:cNvPr id="5" name="바닥글 개체 틀 4">
             <a:extLst>
               <a:ext uri="{FF2B5EF4-FFF2-40B4-BE49-F238E27FC236}">
-                <a16:creationId xmlns="" xmlns:a16="http://schemas.microsoft.com/office/drawing/2014/main" id="{A6746D8E-43B9-5841-81E1-0B05635B6E77}"/>
+                <a16:creationId xmlns:a16="http://schemas.microsoft.com/office/drawing/2014/main" id="{A6746D8E-43B9-5841-81E1-0B05635B6E77}"/>
               </a:ext>
             </a:extLst>
           </p:cNvPr>
@@ -3679,7 +3935,7 @@
           <p:cNvPr id="6" name="슬라이드 번호 개체 틀 5">
             <a:extLst>
               <a:ext uri="{FF2B5EF4-FFF2-40B4-BE49-F238E27FC236}">
-                <a16:creationId xmlns="" xmlns:a16="http://schemas.microsoft.com/office/drawing/2014/main" id="{FB62CF8F-0F7F-D77C-A82B-58685D6B456F}"/>
+                <a16:creationId xmlns:a16="http://schemas.microsoft.com/office/drawing/2014/main" id="{FB62CF8F-0F7F-D77C-A82B-58685D6B456F}"/>
               </a:ext>
             </a:extLst>
           </p:cNvPr>
@@ -3738,7 +3994,7 @@
           <p:cNvPr id="2" name="세로 제목 1">
             <a:extLst>
               <a:ext uri="{FF2B5EF4-FFF2-40B4-BE49-F238E27FC236}">
-                <a16:creationId xmlns="" xmlns:a16="http://schemas.microsoft.com/office/drawing/2014/main" id="{E0F71C47-1703-8BDA-2C79-993C0BC0BD30}"/>
+                <a16:creationId xmlns:a16="http://schemas.microsoft.com/office/drawing/2014/main" id="{E0F71C47-1703-8BDA-2C79-993C0BC0BD30}"/>
               </a:ext>
             </a:extLst>
           </p:cNvPr>
@@ -3771,7 +4027,7 @@
           <p:cNvPr id="3" name="세로 텍스트 개체 틀 2">
             <a:extLst>
               <a:ext uri="{FF2B5EF4-FFF2-40B4-BE49-F238E27FC236}">
-                <a16:creationId xmlns="" xmlns:a16="http://schemas.microsoft.com/office/drawing/2014/main" id="{E24A9338-BFE0-6B78-B576-6A4CA6A59AD5}"/>
+                <a16:creationId xmlns:a16="http://schemas.microsoft.com/office/drawing/2014/main" id="{E24A9338-BFE0-6B78-B576-6A4CA6A59AD5}"/>
               </a:ext>
             </a:extLst>
           </p:cNvPr>
@@ -3833,7 +4089,7 @@
           <p:cNvPr id="4" name="날짜 개체 틀 3">
             <a:extLst>
               <a:ext uri="{FF2B5EF4-FFF2-40B4-BE49-F238E27FC236}">
-                <a16:creationId xmlns="" xmlns:a16="http://schemas.microsoft.com/office/drawing/2014/main" id="{E1F2D0EA-F145-7299-BF79-B3A1EFF2C9E5}"/>
+                <a16:creationId xmlns:a16="http://schemas.microsoft.com/office/drawing/2014/main" id="{E1F2D0EA-F145-7299-BF79-B3A1EFF2C9E5}"/>
               </a:ext>
             </a:extLst>
           </p:cNvPr>
@@ -3862,7 +4118,7 @@
           <p:cNvPr id="5" name="바닥글 개체 틀 4">
             <a:extLst>
               <a:ext uri="{FF2B5EF4-FFF2-40B4-BE49-F238E27FC236}">
-                <a16:creationId xmlns="" xmlns:a16="http://schemas.microsoft.com/office/drawing/2014/main" id="{34995B71-7374-84D7-73B8-7FD7384244B7}"/>
+                <a16:creationId xmlns:a16="http://schemas.microsoft.com/office/drawing/2014/main" id="{34995B71-7374-84D7-73B8-7FD7384244B7}"/>
               </a:ext>
             </a:extLst>
           </p:cNvPr>
@@ -3887,7 +4143,7 @@
           <p:cNvPr id="6" name="슬라이드 번호 개체 틀 5">
             <a:extLst>
               <a:ext uri="{FF2B5EF4-FFF2-40B4-BE49-F238E27FC236}">
-                <a16:creationId xmlns="" xmlns:a16="http://schemas.microsoft.com/office/drawing/2014/main" id="{D8CA3FE0-470B-B334-D1AA-3C204479962E}"/>
+                <a16:creationId xmlns:a16="http://schemas.microsoft.com/office/drawing/2014/main" id="{D8CA3FE0-470B-B334-D1AA-3C204479962E}"/>
               </a:ext>
             </a:extLst>
           </p:cNvPr>
@@ -3946,7 +4202,7 @@
           <p:cNvPr id="2" name="제목 1">
             <a:extLst>
               <a:ext uri="{FF2B5EF4-FFF2-40B4-BE49-F238E27FC236}">
-                <a16:creationId xmlns="" xmlns:a16="http://schemas.microsoft.com/office/drawing/2014/main" id="{6DC57BCD-81C2-E91A-CC30-83FF49CBC9B2}"/>
+                <a16:creationId xmlns:a16="http://schemas.microsoft.com/office/drawing/2014/main" id="{6DC57BCD-81C2-E91A-CC30-83FF49CBC9B2}"/>
               </a:ext>
             </a:extLst>
           </p:cNvPr>
@@ -3974,7 +4230,7 @@
           <p:cNvPr id="3" name="내용 개체 틀 2">
             <a:extLst>
               <a:ext uri="{FF2B5EF4-FFF2-40B4-BE49-F238E27FC236}">
-                <a16:creationId xmlns="" xmlns:a16="http://schemas.microsoft.com/office/drawing/2014/main" id="{C915A9E6-DAE5-0140-7F3A-F201A49AF12C}"/>
+                <a16:creationId xmlns:a16="http://schemas.microsoft.com/office/drawing/2014/main" id="{C915A9E6-DAE5-0140-7F3A-F201A49AF12C}"/>
               </a:ext>
             </a:extLst>
           </p:cNvPr>
@@ -4031,7 +4287,7 @@
           <p:cNvPr id="4" name="날짜 개체 틀 3">
             <a:extLst>
               <a:ext uri="{FF2B5EF4-FFF2-40B4-BE49-F238E27FC236}">
-                <a16:creationId xmlns="" xmlns:a16="http://schemas.microsoft.com/office/drawing/2014/main" id="{380D67BD-1DE5-DE59-239C-EF1CED07112B}"/>
+                <a16:creationId xmlns:a16="http://schemas.microsoft.com/office/drawing/2014/main" id="{380D67BD-1DE5-DE59-239C-EF1CED07112B}"/>
               </a:ext>
             </a:extLst>
           </p:cNvPr>
@@ -4060,7 +4316,7 @@
           <p:cNvPr id="5" name="바닥글 개체 틀 4">
             <a:extLst>
               <a:ext uri="{FF2B5EF4-FFF2-40B4-BE49-F238E27FC236}">
-                <a16:creationId xmlns="" xmlns:a16="http://schemas.microsoft.com/office/drawing/2014/main" id="{5918BD9F-8B27-16EB-5230-DDC88AB9A62C}"/>
+                <a16:creationId xmlns:a16="http://schemas.microsoft.com/office/drawing/2014/main" id="{5918BD9F-8B27-16EB-5230-DDC88AB9A62C}"/>
               </a:ext>
             </a:extLst>
           </p:cNvPr>
@@ -4085,7 +4341,7 @@
           <p:cNvPr id="6" name="슬라이드 번호 개체 틀 5">
             <a:extLst>
               <a:ext uri="{FF2B5EF4-FFF2-40B4-BE49-F238E27FC236}">
-                <a16:creationId xmlns="" xmlns:a16="http://schemas.microsoft.com/office/drawing/2014/main" id="{B097C29F-9748-2B3B-86D2-84D741BA3F11}"/>
+                <a16:creationId xmlns:a16="http://schemas.microsoft.com/office/drawing/2014/main" id="{B097C29F-9748-2B3B-86D2-84D741BA3F11}"/>
               </a:ext>
             </a:extLst>
           </p:cNvPr>
@@ -4144,7 +4400,7 @@
           <p:cNvPr id="2" name="제목 1">
             <a:extLst>
               <a:ext uri="{FF2B5EF4-FFF2-40B4-BE49-F238E27FC236}">
-                <a16:creationId xmlns="" xmlns:a16="http://schemas.microsoft.com/office/drawing/2014/main" id="{E0C45445-1ED5-3302-66CC-D5747247074F}"/>
+                <a16:creationId xmlns:a16="http://schemas.microsoft.com/office/drawing/2014/main" id="{E0C45445-1ED5-3302-66CC-D5747247074F}"/>
               </a:ext>
             </a:extLst>
           </p:cNvPr>
@@ -4181,7 +4437,7 @@
           <p:cNvPr id="3" name="텍스트 개체 틀 2">
             <a:extLst>
               <a:ext uri="{FF2B5EF4-FFF2-40B4-BE49-F238E27FC236}">
-                <a16:creationId xmlns="" xmlns:a16="http://schemas.microsoft.com/office/drawing/2014/main" id="{8B58CF69-D24B-13BE-F2F5-D96AF16D6978}"/>
+                <a16:creationId xmlns:a16="http://schemas.microsoft.com/office/drawing/2014/main" id="{8B58CF69-D24B-13BE-F2F5-D96AF16D6978}"/>
               </a:ext>
             </a:extLst>
           </p:cNvPr>
@@ -4306,7 +4562,7 @@
           <p:cNvPr id="4" name="날짜 개체 틀 3">
             <a:extLst>
               <a:ext uri="{FF2B5EF4-FFF2-40B4-BE49-F238E27FC236}">
-                <a16:creationId xmlns="" xmlns:a16="http://schemas.microsoft.com/office/drawing/2014/main" id="{A7FEC433-B582-8EEE-1E5A-492FF5F93AAD}"/>
+                <a16:creationId xmlns:a16="http://schemas.microsoft.com/office/drawing/2014/main" id="{A7FEC433-B582-8EEE-1E5A-492FF5F93AAD}"/>
               </a:ext>
             </a:extLst>
           </p:cNvPr>
@@ -4335,7 +4591,7 @@
           <p:cNvPr id="5" name="바닥글 개체 틀 4">
             <a:extLst>
               <a:ext uri="{FF2B5EF4-FFF2-40B4-BE49-F238E27FC236}">
-                <a16:creationId xmlns="" xmlns:a16="http://schemas.microsoft.com/office/drawing/2014/main" id="{CA153658-14E0-881D-DBC4-89611031A529}"/>
+                <a16:creationId xmlns:a16="http://schemas.microsoft.com/office/drawing/2014/main" id="{CA153658-14E0-881D-DBC4-89611031A529}"/>
               </a:ext>
             </a:extLst>
           </p:cNvPr>
@@ -4360,7 +4616,7 @@
           <p:cNvPr id="6" name="슬라이드 번호 개체 틀 5">
             <a:extLst>
               <a:ext uri="{FF2B5EF4-FFF2-40B4-BE49-F238E27FC236}">
-                <a16:creationId xmlns="" xmlns:a16="http://schemas.microsoft.com/office/drawing/2014/main" id="{3DEBDD6E-6997-ED93-AC9D-D8EA42E8D2DA}"/>
+                <a16:creationId xmlns:a16="http://schemas.microsoft.com/office/drawing/2014/main" id="{3DEBDD6E-6997-ED93-AC9D-D8EA42E8D2DA}"/>
               </a:ext>
             </a:extLst>
           </p:cNvPr>
@@ -4419,7 +4675,7 @@
           <p:cNvPr id="2" name="제목 1">
             <a:extLst>
               <a:ext uri="{FF2B5EF4-FFF2-40B4-BE49-F238E27FC236}">
-                <a16:creationId xmlns="" xmlns:a16="http://schemas.microsoft.com/office/drawing/2014/main" id="{1452B3B3-E647-5032-BC1A-E0118A585C42}"/>
+                <a16:creationId xmlns:a16="http://schemas.microsoft.com/office/drawing/2014/main" id="{1452B3B3-E647-5032-BC1A-E0118A585C42}"/>
               </a:ext>
             </a:extLst>
           </p:cNvPr>
@@ -4447,7 +4703,7 @@
           <p:cNvPr id="3" name="내용 개체 틀 2">
             <a:extLst>
               <a:ext uri="{FF2B5EF4-FFF2-40B4-BE49-F238E27FC236}">
-                <a16:creationId xmlns="" xmlns:a16="http://schemas.microsoft.com/office/drawing/2014/main" id="{81FA7C8C-A10A-A698-18B7-2E09F27823F6}"/>
+                <a16:creationId xmlns:a16="http://schemas.microsoft.com/office/drawing/2014/main" id="{81FA7C8C-A10A-A698-18B7-2E09F27823F6}"/>
               </a:ext>
             </a:extLst>
           </p:cNvPr>
@@ -4509,7 +4765,7 @@
           <p:cNvPr id="4" name="내용 개체 틀 3">
             <a:extLst>
               <a:ext uri="{FF2B5EF4-FFF2-40B4-BE49-F238E27FC236}">
-                <a16:creationId xmlns="" xmlns:a16="http://schemas.microsoft.com/office/drawing/2014/main" id="{15F17A48-4DE5-A939-1482-D709BBD802CC}"/>
+                <a16:creationId xmlns:a16="http://schemas.microsoft.com/office/drawing/2014/main" id="{15F17A48-4DE5-A939-1482-D709BBD802CC}"/>
               </a:ext>
             </a:extLst>
           </p:cNvPr>
@@ -4571,7 +4827,7 @@
           <p:cNvPr id="5" name="날짜 개체 틀 4">
             <a:extLst>
               <a:ext uri="{FF2B5EF4-FFF2-40B4-BE49-F238E27FC236}">
-                <a16:creationId xmlns="" xmlns:a16="http://schemas.microsoft.com/office/drawing/2014/main" id="{C8BA6D82-52E1-5485-F3FC-F3B27E59C7CF}"/>
+                <a16:creationId xmlns:a16="http://schemas.microsoft.com/office/drawing/2014/main" id="{C8BA6D82-52E1-5485-F3FC-F3B27E59C7CF}"/>
               </a:ext>
             </a:extLst>
           </p:cNvPr>
@@ -4600,7 +4856,7 @@
           <p:cNvPr id="6" name="바닥글 개체 틀 5">
             <a:extLst>
               <a:ext uri="{FF2B5EF4-FFF2-40B4-BE49-F238E27FC236}">
-                <a16:creationId xmlns="" xmlns:a16="http://schemas.microsoft.com/office/drawing/2014/main" id="{FADC1DB4-24A6-E57F-404B-0551C7A49F70}"/>
+                <a16:creationId xmlns:a16="http://schemas.microsoft.com/office/drawing/2014/main" id="{FADC1DB4-24A6-E57F-404B-0551C7A49F70}"/>
               </a:ext>
             </a:extLst>
           </p:cNvPr>
@@ -4625,7 +4881,7 @@
           <p:cNvPr id="7" name="슬라이드 번호 개체 틀 6">
             <a:extLst>
               <a:ext uri="{FF2B5EF4-FFF2-40B4-BE49-F238E27FC236}">
-                <a16:creationId xmlns="" xmlns:a16="http://schemas.microsoft.com/office/drawing/2014/main" id="{34EFFD92-6502-59D5-2B17-C155FC982522}"/>
+                <a16:creationId xmlns:a16="http://schemas.microsoft.com/office/drawing/2014/main" id="{34EFFD92-6502-59D5-2B17-C155FC982522}"/>
               </a:ext>
             </a:extLst>
           </p:cNvPr>
@@ -4684,7 +4940,7 @@
           <p:cNvPr id="2" name="제목 1">
             <a:extLst>
               <a:ext uri="{FF2B5EF4-FFF2-40B4-BE49-F238E27FC236}">
-                <a16:creationId xmlns="" xmlns:a16="http://schemas.microsoft.com/office/drawing/2014/main" id="{34C63465-4B5C-9137-E375-F224EE52F3B3}"/>
+                <a16:creationId xmlns:a16="http://schemas.microsoft.com/office/drawing/2014/main" id="{34C63465-4B5C-9137-E375-F224EE52F3B3}"/>
               </a:ext>
             </a:extLst>
           </p:cNvPr>
@@ -4717,7 +4973,7 @@
           <p:cNvPr id="3" name="텍스트 개체 틀 2">
             <a:extLst>
               <a:ext uri="{FF2B5EF4-FFF2-40B4-BE49-F238E27FC236}">
-                <a16:creationId xmlns="" xmlns:a16="http://schemas.microsoft.com/office/drawing/2014/main" id="{754A5CCF-FAFB-6D42-9AF8-040ACB3D9BA0}"/>
+                <a16:creationId xmlns:a16="http://schemas.microsoft.com/office/drawing/2014/main" id="{754A5CCF-FAFB-6D42-9AF8-040ACB3D9BA0}"/>
               </a:ext>
             </a:extLst>
           </p:cNvPr>
@@ -4788,7 +5044,7 @@
           <p:cNvPr id="4" name="내용 개체 틀 3">
             <a:extLst>
               <a:ext uri="{FF2B5EF4-FFF2-40B4-BE49-F238E27FC236}">
-                <a16:creationId xmlns="" xmlns:a16="http://schemas.microsoft.com/office/drawing/2014/main" id="{7CE5EF13-47EC-1488-2F05-6CDDA46A909F}"/>
+                <a16:creationId xmlns:a16="http://schemas.microsoft.com/office/drawing/2014/main" id="{7CE5EF13-47EC-1488-2F05-6CDDA46A909F}"/>
               </a:ext>
             </a:extLst>
           </p:cNvPr>
@@ -4850,7 +5106,7 @@
           <p:cNvPr id="5" name="텍스트 개체 틀 4">
             <a:extLst>
               <a:ext uri="{FF2B5EF4-FFF2-40B4-BE49-F238E27FC236}">
-                <a16:creationId xmlns="" xmlns:a16="http://schemas.microsoft.com/office/drawing/2014/main" id="{5506209C-75FB-900D-BF97-AD887BA0C51C}"/>
+                <a16:creationId xmlns:a16="http://schemas.microsoft.com/office/drawing/2014/main" id="{5506209C-75FB-900D-BF97-AD887BA0C51C}"/>
               </a:ext>
             </a:extLst>
           </p:cNvPr>
@@ -4921,7 +5177,7 @@
           <p:cNvPr id="6" name="내용 개체 틀 5">
             <a:extLst>
               <a:ext uri="{FF2B5EF4-FFF2-40B4-BE49-F238E27FC236}">
-                <a16:creationId xmlns="" xmlns:a16="http://schemas.microsoft.com/office/drawing/2014/main" id="{9D245B16-B29B-86BA-EC3A-7CB3B9DE4E01}"/>
+                <a16:creationId xmlns:a16="http://schemas.microsoft.com/office/drawing/2014/main" id="{9D245B16-B29B-86BA-EC3A-7CB3B9DE4E01}"/>
               </a:ext>
             </a:extLst>
           </p:cNvPr>
@@ -4983,7 +5239,7 @@
           <p:cNvPr id="7" name="날짜 개체 틀 6">
             <a:extLst>
               <a:ext uri="{FF2B5EF4-FFF2-40B4-BE49-F238E27FC236}">
-                <a16:creationId xmlns="" xmlns:a16="http://schemas.microsoft.com/office/drawing/2014/main" id="{51E27BC9-8C6B-5DDC-BD48-8E3D1878931D}"/>
+                <a16:creationId xmlns:a16="http://schemas.microsoft.com/office/drawing/2014/main" id="{51E27BC9-8C6B-5DDC-BD48-8E3D1878931D}"/>
               </a:ext>
             </a:extLst>
           </p:cNvPr>
@@ -5012,7 +5268,7 @@
           <p:cNvPr id="8" name="바닥글 개체 틀 7">
             <a:extLst>
               <a:ext uri="{FF2B5EF4-FFF2-40B4-BE49-F238E27FC236}">
-                <a16:creationId xmlns="" xmlns:a16="http://schemas.microsoft.com/office/drawing/2014/main" id="{A352355D-6777-8050-90D1-D3D2C009A7DC}"/>
+                <a16:creationId xmlns:a16="http://schemas.microsoft.com/office/drawing/2014/main" id="{A352355D-6777-8050-90D1-D3D2C009A7DC}"/>
               </a:ext>
             </a:extLst>
           </p:cNvPr>
@@ -5037,7 +5293,7 @@
           <p:cNvPr id="9" name="슬라이드 번호 개체 틀 8">
             <a:extLst>
               <a:ext uri="{FF2B5EF4-FFF2-40B4-BE49-F238E27FC236}">
-                <a16:creationId xmlns="" xmlns:a16="http://schemas.microsoft.com/office/drawing/2014/main" id="{3F5F1BC2-B1FE-43CB-606C-2341D362BAD5}"/>
+                <a16:creationId xmlns:a16="http://schemas.microsoft.com/office/drawing/2014/main" id="{3F5F1BC2-B1FE-43CB-606C-2341D362BAD5}"/>
               </a:ext>
             </a:extLst>
           </p:cNvPr>
@@ -5096,7 +5352,7 @@
           <p:cNvPr id="2" name="제목 1">
             <a:extLst>
               <a:ext uri="{FF2B5EF4-FFF2-40B4-BE49-F238E27FC236}">
-                <a16:creationId xmlns="" xmlns:a16="http://schemas.microsoft.com/office/drawing/2014/main" id="{AA206F37-4936-F473-5F06-4051D5804860}"/>
+                <a16:creationId xmlns:a16="http://schemas.microsoft.com/office/drawing/2014/main" id="{AA206F37-4936-F473-5F06-4051D5804860}"/>
               </a:ext>
             </a:extLst>
           </p:cNvPr>
@@ -5124,7 +5380,7 @@
           <p:cNvPr id="3" name="날짜 개체 틀 2">
             <a:extLst>
               <a:ext uri="{FF2B5EF4-FFF2-40B4-BE49-F238E27FC236}">
-                <a16:creationId xmlns="" xmlns:a16="http://schemas.microsoft.com/office/drawing/2014/main" id="{95C2BE1E-A2DC-AD18-668A-9160B8D8E4C1}"/>
+                <a16:creationId xmlns:a16="http://schemas.microsoft.com/office/drawing/2014/main" id="{95C2BE1E-A2DC-AD18-668A-9160B8D8E4C1}"/>
               </a:ext>
             </a:extLst>
           </p:cNvPr>
@@ -5153,7 +5409,7 @@
           <p:cNvPr id="4" name="바닥글 개체 틀 3">
             <a:extLst>
               <a:ext uri="{FF2B5EF4-FFF2-40B4-BE49-F238E27FC236}">
-                <a16:creationId xmlns="" xmlns:a16="http://schemas.microsoft.com/office/drawing/2014/main" id="{7020642A-A89C-7FF7-2764-3491433AB111}"/>
+                <a16:creationId xmlns:a16="http://schemas.microsoft.com/office/drawing/2014/main" id="{7020642A-A89C-7FF7-2764-3491433AB111}"/>
               </a:ext>
             </a:extLst>
           </p:cNvPr>
@@ -5178,7 +5434,7 @@
           <p:cNvPr id="5" name="슬라이드 번호 개체 틀 4">
             <a:extLst>
               <a:ext uri="{FF2B5EF4-FFF2-40B4-BE49-F238E27FC236}">
-                <a16:creationId xmlns="" xmlns:a16="http://schemas.microsoft.com/office/drawing/2014/main" id="{1BD84956-4010-7DC3-470D-8DD2AA635929}"/>
+                <a16:creationId xmlns:a16="http://schemas.microsoft.com/office/drawing/2014/main" id="{1BD84956-4010-7DC3-470D-8DD2AA635929}"/>
               </a:ext>
             </a:extLst>
           </p:cNvPr>
@@ -5237,7 +5493,7 @@
           <p:cNvPr id="2" name="날짜 개체 틀 1">
             <a:extLst>
               <a:ext uri="{FF2B5EF4-FFF2-40B4-BE49-F238E27FC236}">
-                <a16:creationId xmlns="" xmlns:a16="http://schemas.microsoft.com/office/drawing/2014/main" id="{BCEB933B-1E16-EE04-80B3-45B5F19C3504}"/>
+                <a16:creationId xmlns:a16="http://schemas.microsoft.com/office/drawing/2014/main" id="{BCEB933B-1E16-EE04-80B3-45B5F19C3504}"/>
               </a:ext>
             </a:extLst>
           </p:cNvPr>
@@ -5266,7 +5522,7 @@
           <p:cNvPr id="3" name="바닥글 개체 틀 2">
             <a:extLst>
               <a:ext uri="{FF2B5EF4-FFF2-40B4-BE49-F238E27FC236}">
-                <a16:creationId xmlns="" xmlns:a16="http://schemas.microsoft.com/office/drawing/2014/main" id="{BB23717C-B0B6-91D3-35EB-A0FCEBEB8931}"/>
+                <a16:creationId xmlns:a16="http://schemas.microsoft.com/office/drawing/2014/main" id="{BB23717C-B0B6-91D3-35EB-A0FCEBEB8931}"/>
               </a:ext>
             </a:extLst>
           </p:cNvPr>
@@ -5291,7 +5547,7 @@
           <p:cNvPr id="4" name="슬라이드 번호 개체 틀 3">
             <a:extLst>
               <a:ext uri="{FF2B5EF4-FFF2-40B4-BE49-F238E27FC236}">
-                <a16:creationId xmlns="" xmlns:a16="http://schemas.microsoft.com/office/drawing/2014/main" id="{96FBA90C-45BC-3AFD-3AB7-9B1F8EE053A4}"/>
+                <a16:creationId xmlns:a16="http://schemas.microsoft.com/office/drawing/2014/main" id="{96FBA90C-45BC-3AFD-3AB7-9B1F8EE053A4}"/>
               </a:ext>
             </a:extLst>
           </p:cNvPr>
@@ -5350,7 +5606,7 @@
           <p:cNvPr id="2" name="제목 1">
             <a:extLst>
               <a:ext uri="{FF2B5EF4-FFF2-40B4-BE49-F238E27FC236}">
-                <a16:creationId xmlns="" xmlns:a16="http://schemas.microsoft.com/office/drawing/2014/main" id="{B0976675-A2B5-CEC6-2547-3DE7B233C975}"/>
+                <a16:creationId xmlns:a16="http://schemas.microsoft.com/office/drawing/2014/main" id="{B0976675-A2B5-CEC6-2547-3DE7B233C975}"/>
               </a:ext>
             </a:extLst>
           </p:cNvPr>
@@ -5387,7 +5643,7 @@
           <p:cNvPr id="3" name="내용 개체 틀 2">
             <a:extLst>
               <a:ext uri="{FF2B5EF4-FFF2-40B4-BE49-F238E27FC236}">
-                <a16:creationId xmlns="" xmlns:a16="http://schemas.microsoft.com/office/drawing/2014/main" id="{C2F10736-36B3-D0A3-8621-E362A76E9493}"/>
+                <a16:creationId xmlns:a16="http://schemas.microsoft.com/office/drawing/2014/main" id="{C2F10736-36B3-D0A3-8621-E362A76E9493}"/>
               </a:ext>
             </a:extLst>
           </p:cNvPr>
@@ -5477,7 +5733,7 @@
           <p:cNvPr id="4" name="텍스트 개체 틀 3">
             <a:extLst>
               <a:ext uri="{FF2B5EF4-FFF2-40B4-BE49-F238E27FC236}">
-                <a16:creationId xmlns="" xmlns:a16="http://schemas.microsoft.com/office/drawing/2014/main" id="{2E1F606C-8BBA-01D5-BB57-CC1D63A04667}"/>
+                <a16:creationId xmlns:a16="http://schemas.microsoft.com/office/drawing/2014/main" id="{2E1F606C-8BBA-01D5-BB57-CC1D63A04667}"/>
               </a:ext>
             </a:extLst>
           </p:cNvPr>
@@ -5548,7 +5804,7 @@
           <p:cNvPr id="5" name="날짜 개체 틀 4">
             <a:extLst>
               <a:ext uri="{FF2B5EF4-FFF2-40B4-BE49-F238E27FC236}">
-                <a16:creationId xmlns="" xmlns:a16="http://schemas.microsoft.com/office/drawing/2014/main" id="{321A894A-8126-5FB6-CFD2-116295E9A497}"/>
+                <a16:creationId xmlns:a16="http://schemas.microsoft.com/office/drawing/2014/main" id="{321A894A-8126-5FB6-CFD2-116295E9A497}"/>
               </a:ext>
             </a:extLst>
           </p:cNvPr>
@@ -5577,7 +5833,7 @@
           <p:cNvPr id="6" name="바닥글 개체 틀 5">
             <a:extLst>
               <a:ext uri="{FF2B5EF4-FFF2-40B4-BE49-F238E27FC236}">
-                <a16:creationId xmlns="" xmlns:a16="http://schemas.microsoft.com/office/drawing/2014/main" id="{80A94236-373C-67FF-B260-A971F68D9990}"/>
+                <a16:creationId xmlns:a16="http://schemas.microsoft.com/office/drawing/2014/main" id="{80A94236-373C-67FF-B260-A971F68D9990}"/>
               </a:ext>
             </a:extLst>
           </p:cNvPr>
@@ -5602,7 +5858,7 @@
           <p:cNvPr id="7" name="슬라이드 번호 개체 틀 6">
             <a:extLst>
               <a:ext uri="{FF2B5EF4-FFF2-40B4-BE49-F238E27FC236}">
-                <a16:creationId xmlns="" xmlns:a16="http://schemas.microsoft.com/office/drawing/2014/main" id="{28883EF8-20A2-47DE-870F-90669510E4FC}"/>
+                <a16:creationId xmlns:a16="http://schemas.microsoft.com/office/drawing/2014/main" id="{28883EF8-20A2-47DE-870F-90669510E4FC}"/>
               </a:ext>
             </a:extLst>
           </p:cNvPr>
@@ -5661,7 +5917,7 @@
           <p:cNvPr id="2" name="제목 1">
             <a:extLst>
               <a:ext uri="{FF2B5EF4-FFF2-40B4-BE49-F238E27FC236}">
-                <a16:creationId xmlns="" xmlns:a16="http://schemas.microsoft.com/office/drawing/2014/main" id="{AF8471FC-E8CB-A47F-22AC-1996AC3A0DE0}"/>
+                <a16:creationId xmlns:a16="http://schemas.microsoft.com/office/drawing/2014/main" id="{AF8471FC-E8CB-A47F-22AC-1996AC3A0DE0}"/>
               </a:ext>
             </a:extLst>
           </p:cNvPr>
@@ -5698,7 +5954,7 @@
           <p:cNvPr id="3" name="그림 개체 틀 2">
             <a:extLst>
               <a:ext uri="{FF2B5EF4-FFF2-40B4-BE49-F238E27FC236}">
-                <a16:creationId xmlns="" xmlns:a16="http://schemas.microsoft.com/office/drawing/2014/main" id="{1F11711D-7FDE-3A3D-3559-4450632B30A4}"/>
+                <a16:creationId xmlns:a16="http://schemas.microsoft.com/office/drawing/2014/main" id="{1F11711D-7FDE-3A3D-3559-4450632B30A4}"/>
               </a:ext>
             </a:extLst>
           </p:cNvPr>
@@ -5765,7 +6021,7 @@
           <p:cNvPr id="4" name="텍스트 개체 틀 3">
             <a:extLst>
               <a:ext uri="{FF2B5EF4-FFF2-40B4-BE49-F238E27FC236}">
-                <a16:creationId xmlns="" xmlns:a16="http://schemas.microsoft.com/office/drawing/2014/main" id="{8808C143-BC52-3350-2B22-DB298DBC44F2}"/>
+                <a16:creationId xmlns:a16="http://schemas.microsoft.com/office/drawing/2014/main" id="{8808C143-BC52-3350-2B22-DB298DBC44F2}"/>
               </a:ext>
             </a:extLst>
           </p:cNvPr>
@@ -5836,7 +6092,7 @@
           <p:cNvPr id="5" name="날짜 개체 틀 4">
             <a:extLst>
               <a:ext uri="{FF2B5EF4-FFF2-40B4-BE49-F238E27FC236}">
-                <a16:creationId xmlns="" xmlns:a16="http://schemas.microsoft.com/office/drawing/2014/main" id="{DA5D1225-6A66-DAB7-2050-1B2F47D48FAA}"/>
+                <a16:creationId xmlns:a16="http://schemas.microsoft.com/office/drawing/2014/main" id="{DA5D1225-6A66-DAB7-2050-1B2F47D48FAA}"/>
               </a:ext>
             </a:extLst>
           </p:cNvPr>
@@ -5865,7 +6121,7 @@
           <p:cNvPr id="6" name="바닥글 개체 틀 5">
             <a:extLst>
               <a:ext uri="{FF2B5EF4-FFF2-40B4-BE49-F238E27FC236}">
-                <a16:creationId xmlns="" xmlns:a16="http://schemas.microsoft.com/office/drawing/2014/main" id="{6DF98D5F-F90C-88FB-2BE2-81FBB0FA6893}"/>
+                <a16:creationId xmlns:a16="http://schemas.microsoft.com/office/drawing/2014/main" id="{6DF98D5F-F90C-88FB-2BE2-81FBB0FA6893}"/>
               </a:ext>
             </a:extLst>
           </p:cNvPr>
@@ -5890,7 +6146,7 @@
           <p:cNvPr id="7" name="슬라이드 번호 개체 틀 6">
             <a:extLst>
               <a:ext uri="{FF2B5EF4-FFF2-40B4-BE49-F238E27FC236}">
-                <a16:creationId xmlns="" xmlns:a16="http://schemas.microsoft.com/office/drawing/2014/main" id="{8AC4579A-5429-4DC8-F62A-F83764EC136E}"/>
+                <a16:creationId xmlns:a16="http://schemas.microsoft.com/office/drawing/2014/main" id="{8AC4579A-5429-4DC8-F62A-F83764EC136E}"/>
               </a:ext>
             </a:extLst>
           </p:cNvPr>
@@ -5954,7 +6210,7 @@
           <p:cNvPr id="2" name="제목 개체 틀 1">
             <a:extLst>
               <a:ext uri="{FF2B5EF4-FFF2-40B4-BE49-F238E27FC236}">
-                <a16:creationId xmlns="" xmlns:a16="http://schemas.microsoft.com/office/drawing/2014/main" id="{90C184B7-0D1C-43EC-6963-79761C9051F1}"/>
+                <a16:creationId xmlns:a16="http://schemas.microsoft.com/office/drawing/2014/main" id="{90C184B7-0D1C-43EC-6963-79761C9051F1}"/>
               </a:ext>
             </a:extLst>
           </p:cNvPr>
@@ -5992,7 +6248,7 @@
           <p:cNvPr id="3" name="텍스트 개체 틀 2">
             <a:extLst>
               <a:ext uri="{FF2B5EF4-FFF2-40B4-BE49-F238E27FC236}">
-                <a16:creationId xmlns="" xmlns:a16="http://schemas.microsoft.com/office/drawing/2014/main" id="{42D039B6-42BF-3481-D5EE-A396FB4E6CDE}"/>
+                <a16:creationId xmlns:a16="http://schemas.microsoft.com/office/drawing/2014/main" id="{42D039B6-42BF-3481-D5EE-A396FB4E6CDE}"/>
               </a:ext>
             </a:extLst>
           </p:cNvPr>
@@ -6059,7 +6315,7 @@
           <p:cNvPr id="4" name="날짜 개체 틀 3">
             <a:extLst>
               <a:ext uri="{FF2B5EF4-FFF2-40B4-BE49-F238E27FC236}">
-                <a16:creationId xmlns="" xmlns:a16="http://schemas.microsoft.com/office/drawing/2014/main" id="{3931C644-BB14-BE8B-05C2-5E0D08E84807}"/>
+                <a16:creationId xmlns:a16="http://schemas.microsoft.com/office/drawing/2014/main" id="{3931C644-BB14-BE8B-05C2-5E0D08E84807}"/>
               </a:ext>
             </a:extLst>
           </p:cNvPr>
@@ -6106,7 +6362,7 @@
           <p:cNvPr id="5" name="바닥글 개체 틀 4">
             <a:extLst>
               <a:ext uri="{FF2B5EF4-FFF2-40B4-BE49-F238E27FC236}">
-                <a16:creationId xmlns="" xmlns:a16="http://schemas.microsoft.com/office/drawing/2014/main" id="{7E5314E0-B91D-5368-495A-E838F9054104}"/>
+                <a16:creationId xmlns:a16="http://schemas.microsoft.com/office/drawing/2014/main" id="{7E5314E0-B91D-5368-495A-E838F9054104}"/>
               </a:ext>
             </a:extLst>
           </p:cNvPr>
@@ -6149,7 +6405,7 @@
           <p:cNvPr id="6" name="슬라이드 번호 개체 틀 5">
             <a:extLst>
               <a:ext uri="{FF2B5EF4-FFF2-40B4-BE49-F238E27FC236}">
-                <a16:creationId xmlns="" xmlns:a16="http://schemas.microsoft.com/office/drawing/2014/main" id="{DAFA9AA8-049A-1D09-FB04-1E424451167C}"/>
+                <a16:creationId xmlns:a16="http://schemas.microsoft.com/office/drawing/2014/main" id="{DAFA9AA8-049A-1D09-FB04-1E424451167C}"/>
               </a:ext>
             </a:extLst>
           </p:cNvPr>
@@ -6525,10 +6781,10 @@
           <p:cNvPr id="8" name="Rectangle 7">
             <a:extLst>
               <a:ext uri="{FF2B5EF4-FFF2-40B4-BE49-F238E27FC236}">
-                <a16:creationId xmlns="" xmlns:a16="http://schemas.microsoft.com/office/drawing/2014/main" id="{6F5A5072-7B47-4D32-B52A-4EBBF590B8A5}"/>
+                <a16:creationId xmlns:a16="http://schemas.microsoft.com/office/drawing/2014/main" id="{6F5A5072-7B47-4D32-B52A-4EBBF590B8A5}"/>
               </a:ext>
               <a:ext uri="{C183D7F6-B498-43B3-948B-1728B52AA6E4}">
-                <adec:decorative xmlns="" xmlns:adec="http://schemas.microsoft.com/office/drawing/2017/decorative" val="1"/>
+                <adec:decorative xmlns:adec="http://schemas.microsoft.com/office/drawing/2017/decorative" val="1"/>
               </a:ext>
             </a:extLst>
           </p:cNvPr>
@@ -6538,7 +6794,7 @@
           <p:nvPr>
             <p:extLst>
               <p:ext uri="{386F3935-93C4-4BCD-93E2-E3B085C9AB24}">
-                <p16:designElem xmlns="" xmlns:p16="http://schemas.microsoft.com/office/powerpoint/2015/main" val="1"/>
+                <p16:designElem xmlns:p16="http://schemas.microsoft.com/office/powerpoint/2015/main" val="1"/>
               </p:ext>
             </p:extLst>
           </p:nvPr>
@@ -6601,10 +6857,10 @@
           <p:cNvPr id="10" name="Rectangle 9">
             <a:extLst>
               <a:ext uri="{FF2B5EF4-FFF2-40B4-BE49-F238E27FC236}">
-                <a16:creationId xmlns="" xmlns:a16="http://schemas.microsoft.com/office/drawing/2014/main" id="{9715DAF0-AE1B-46C9-8A6B-DB2AA05AB91D}"/>
+                <a16:creationId xmlns:a16="http://schemas.microsoft.com/office/drawing/2014/main" id="{9715DAF0-AE1B-46C9-8A6B-DB2AA05AB91D}"/>
               </a:ext>
               <a:ext uri="{C183D7F6-B498-43B3-948B-1728B52AA6E4}">
-                <adec:decorative xmlns="" xmlns:adec="http://schemas.microsoft.com/office/drawing/2017/decorative" val="1"/>
+                <adec:decorative xmlns:adec="http://schemas.microsoft.com/office/drawing/2017/decorative" val="1"/>
               </a:ext>
             </a:extLst>
           </p:cNvPr>
@@ -6614,7 +6870,7 @@
           <p:nvPr>
             <p:extLst>
               <p:ext uri="{386F3935-93C4-4BCD-93E2-E3B085C9AB24}">
-                <p16:designElem xmlns="" xmlns:p16="http://schemas.microsoft.com/office/powerpoint/2015/main" val="1"/>
+                <p16:designElem xmlns:p16="http://schemas.microsoft.com/office/powerpoint/2015/main" val="1"/>
               </p:ext>
             </p:extLst>
           </p:nvPr>
@@ -6674,10 +6930,10 @@
           <p:cNvPr id="12" name="Rectangle 11">
             <a:extLst>
               <a:ext uri="{FF2B5EF4-FFF2-40B4-BE49-F238E27FC236}">
-                <a16:creationId xmlns="" xmlns:a16="http://schemas.microsoft.com/office/drawing/2014/main" id="{6016219D-510E-4184-9090-6D5578A87BD1}"/>
+                <a16:creationId xmlns:a16="http://schemas.microsoft.com/office/drawing/2014/main" id="{6016219D-510E-4184-9090-6D5578A87BD1}"/>
               </a:ext>
               <a:ext uri="{C183D7F6-B498-43B3-948B-1728B52AA6E4}">
-                <adec:decorative xmlns="" xmlns:adec="http://schemas.microsoft.com/office/drawing/2017/decorative" val="1"/>
+                <adec:decorative xmlns:adec="http://schemas.microsoft.com/office/drawing/2017/decorative" val="1"/>
               </a:ext>
             </a:extLst>
           </p:cNvPr>
@@ -6687,7 +6943,7 @@
           <p:nvPr>
             <p:extLst>
               <p:ext uri="{386F3935-93C4-4BCD-93E2-E3B085C9AB24}">
-                <p16:designElem xmlns="" xmlns:p16="http://schemas.microsoft.com/office/powerpoint/2015/main" val="1"/>
+                <p16:designElem xmlns:p16="http://schemas.microsoft.com/office/powerpoint/2015/main" val="1"/>
               </p:ext>
             </p:extLst>
           </p:nvPr>
@@ -6750,10 +7006,10 @@
           <p:cNvPr id="14" name="Rectangle 13">
             <a:extLst>
               <a:ext uri="{FF2B5EF4-FFF2-40B4-BE49-F238E27FC236}">
-                <a16:creationId xmlns="" xmlns:a16="http://schemas.microsoft.com/office/drawing/2014/main" id="{AFF4A713-7B75-4B21-90D7-5AB19547C728}"/>
+                <a16:creationId xmlns:a16="http://schemas.microsoft.com/office/drawing/2014/main" id="{AFF4A713-7B75-4B21-90D7-5AB19547C728}"/>
               </a:ext>
               <a:ext uri="{C183D7F6-B498-43B3-948B-1728B52AA6E4}">
-                <adec:decorative xmlns="" xmlns:adec="http://schemas.microsoft.com/office/drawing/2017/decorative" val="1"/>
+                <adec:decorative xmlns:adec="http://schemas.microsoft.com/office/drawing/2017/decorative" val="1"/>
               </a:ext>
             </a:extLst>
           </p:cNvPr>
@@ -6763,7 +7019,7 @@
           <p:nvPr>
             <p:extLst>
               <p:ext uri="{386F3935-93C4-4BCD-93E2-E3B085C9AB24}">
-                <p16:designElem xmlns="" xmlns:p16="http://schemas.microsoft.com/office/powerpoint/2015/main" val="1"/>
+                <p16:designElem xmlns:p16="http://schemas.microsoft.com/office/powerpoint/2015/main" val="1"/>
               </p:ext>
             </p:extLst>
           </p:nvPr>
@@ -6825,10 +7081,10 @@
           <p:cNvPr id="16" name="Rectangle 15">
             <a:extLst>
               <a:ext uri="{FF2B5EF4-FFF2-40B4-BE49-F238E27FC236}">
-                <a16:creationId xmlns="" xmlns:a16="http://schemas.microsoft.com/office/drawing/2014/main" id="{DC631C0B-6DA6-4E57-8231-CE32B3434A7E}"/>
+                <a16:creationId xmlns:a16="http://schemas.microsoft.com/office/drawing/2014/main" id="{DC631C0B-6DA6-4E57-8231-CE32B3434A7E}"/>
               </a:ext>
               <a:ext uri="{C183D7F6-B498-43B3-948B-1728B52AA6E4}">
-                <adec:decorative xmlns="" xmlns:adec="http://schemas.microsoft.com/office/drawing/2017/decorative" val="1"/>
+                <adec:decorative xmlns:adec="http://schemas.microsoft.com/office/drawing/2017/decorative" val="1"/>
               </a:ext>
             </a:extLst>
           </p:cNvPr>
@@ -6838,7 +7094,7 @@
           <p:nvPr>
             <p:extLst>
               <p:ext uri="{386F3935-93C4-4BCD-93E2-E3B085C9AB24}">
-                <p16:designElem xmlns="" xmlns:p16="http://schemas.microsoft.com/office/powerpoint/2015/main" val="1"/>
+                <p16:designElem xmlns:p16="http://schemas.microsoft.com/office/powerpoint/2015/main" val="1"/>
               </p:ext>
             </p:extLst>
           </p:nvPr>
@@ -6901,10 +7157,10 @@
           <p:cNvPr id="18" name="Freeform: Shape 17">
             <a:extLst>
               <a:ext uri="{FF2B5EF4-FFF2-40B4-BE49-F238E27FC236}">
-                <a16:creationId xmlns="" xmlns:a16="http://schemas.microsoft.com/office/drawing/2014/main" id="{C29501E6-A978-4A61-9689-9085AF97A53A}"/>
+                <a16:creationId xmlns:a16="http://schemas.microsoft.com/office/drawing/2014/main" id="{C29501E6-A978-4A61-9689-9085AF97A53A}"/>
               </a:ext>
               <a:ext uri="{C183D7F6-B498-43B3-948B-1728B52AA6E4}">
-                <adec:decorative xmlns="" xmlns:adec="http://schemas.microsoft.com/office/drawing/2017/decorative" val="1"/>
+                <adec:decorative xmlns:adec="http://schemas.microsoft.com/office/drawing/2017/decorative" val="1"/>
               </a:ext>
             </a:extLst>
           </p:cNvPr>
@@ -6914,7 +7170,7 @@
           <p:nvPr>
             <p:extLst>
               <p:ext uri="{386F3935-93C4-4BCD-93E2-E3B085C9AB24}">
-                <p16:designElem xmlns="" xmlns:p16="http://schemas.microsoft.com/office/powerpoint/2015/main" val="1"/>
+                <p16:designElem xmlns:p16="http://schemas.microsoft.com/office/powerpoint/2015/main" val="1"/>
               </p:ext>
             </p:extLst>
           </p:nvPr>
@@ -7045,7 +7301,7 @@
           <p:cNvPr id="2" name="제목 1">
             <a:extLst>
               <a:ext uri="{FF2B5EF4-FFF2-40B4-BE49-F238E27FC236}">
-                <a16:creationId xmlns="" xmlns:a16="http://schemas.microsoft.com/office/drawing/2014/main" id="{9F75B556-FA07-A7F7-8E5D-736CD761C3E6}"/>
+                <a16:creationId xmlns:a16="http://schemas.microsoft.com/office/drawing/2014/main" id="{9F75B556-FA07-A7F7-8E5D-736CD761C3E6}"/>
               </a:ext>
             </a:extLst>
           </p:cNvPr>
@@ -7101,7 +7357,7 @@
           <p:cNvPr id="3" name="부제목 2">
             <a:extLst>
               <a:ext uri="{FF2B5EF4-FFF2-40B4-BE49-F238E27FC236}">
-                <a16:creationId xmlns="" xmlns:a16="http://schemas.microsoft.com/office/drawing/2014/main" id="{538809FE-B1A2-171C-B69C-1C929B0C402D}"/>
+                <a16:creationId xmlns:a16="http://schemas.microsoft.com/office/drawing/2014/main" id="{538809FE-B1A2-171C-B69C-1C929B0C402D}"/>
               </a:ext>
             </a:extLst>
           </p:cNvPr>
@@ -7193,7 +7449,7 @@
           <p:cNvPr id="11" name="부제목 2">
             <a:extLst>
               <a:ext uri="{FF2B5EF4-FFF2-40B4-BE49-F238E27FC236}">
-                <a16:creationId xmlns="" xmlns:a16="http://schemas.microsoft.com/office/drawing/2014/main" id="{538809FE-B1A2-171C-B69C-1C929B0C402D}"/>
+                <a16:creationId xmlns:a16="http://schemas.microsoft.com/office/drawing/2014/main" id="{538809FE-B1A2-171C-B69C-1C929B0C402D}"/>
               </a:ext>
             </a:extLst>
           </p:cNvPr>
@@ -7521,10 +7777,10 @@
           <p:cNvPr id="8" name="Rectangle 7">
             <a:extLst>
               <a:ext uri="{FF2B5EF4-FFF2-40B4-BE49-F238E27FC236}">
-                <a16:creationId xmlns="" xmlns:a16="http://schemas.microsoft.com/office/drawing/2014/main" id="{1B15ED52-F352-441B-82BF-E0EA34836D08}"/>
+                <a16:creationId xmlns:a16="http://schemas.microsoft.com/office/drawing/2014/main" id="{1B15ED52-F352-441B-82BF-E0EA34836D08}"/>
               </a:ext>
               <a:ext uri="{C183D7F6-B498-43B3-948B-1728B52AA6E4}">
-                <adec:decorative xmlns="" xmlns:adec="http://schemas.microsoft.com/office/drawing/2017/decorative" val="1"/>
+                <adec:decorative xmlns:adec="http://schemas.microsoft.com/office/drawing/2017/decorative" val="1"/>
               </a:ext>
             </a:extLst>
           </p:cNvPr>
@@ -7534,7 +7790,7 @@
           <p:nvPr>
             <p:extLst>
               <p:ext uri="{386F3935-93C4-4BCD-93E2-E3B085C9AB24}">
-                <p16:designElem xmlns="" xmlns:p16="http://schemas.microsoft.com/office/powerpoint/2015/main" val="1"/>
+                <p16:designElem xmlns:p16="http://schemas.microsoft.com/office/powerpoint/2015/main" val="1"/>
               </p:ext>
             </p:extLst>
           </p:nvPr>
@@ -7597,10 +7853,10 @@
           <p:cNvPr id="10" name="Rectangle 9">
             <a:extLst>
               <a:ext uri="{FF2B5EF4-FFF2-40B4-BE49-F238E27FC236}">
-                <a16:creationId xmlns="" xmlns:a16="http://schemas.microsoft.com/office/drawing/2014/main" id="{3B2E3793-BFE6-45A2-9B7B-E18844431C99}"/>
+                <a16:creationId xmlns:a16="http://schemas.microsoft.com/office/drawing/2014/main" id="{3B2E3793-BFE6-45A2-9B7B-E18844431C99}"/>
               </a:ext>
               <a:ext uri="{C183D7F6-B498-43B3-948B-1728B52AA6E4}">
-                <adec:decorative xmlns="" xmlns:adec="http://schemas.microsoft.com/office/drawing/2017/decorative" val="1"/>
+                <adec:decorative xmlns:adec="http://schemas.microsoft.com/office/drawing/2017/decorative" val="1"/>
               </a:ext>
             </a:extLst>
           </p:cNvPr>
@@ -7610,7 +7866,7 @@
           <p:nvPr>
             <p:extLst>
               <p:ext uri="{386F3935-93C4-4BCD-93E2-E3B085C9AB24}">
-                <p16:designElem xmlns="" xmlns:p16="http://schemas.microsoft.com/office/powerpoint/2015/main" val="1"/>
+                <p16:designElem xmlns:p16="http://schemas.microsoft.com/office/powerpoint/2015/main" val="1"/>
               </p:ext>
             </p:extLst>
           </p:nvPr>
@@ -7670,10 +7926,10 @@
           <p:cNvPr id="12" name="Rectangle 11">
             <a:extLst>
               <a:ext uri="{FF2B5EF4-FFF2-40B4-BE49-F238E27FC236}">
-                <a16:creationId xmlns="" xmlns:a16="http://schemas.microsoft.com/office/drawing/2014/main" id="{BC4C4868-CB8F-4AF9-9CDB-8108F2C19B67}"/>
+                <a16:creationId xmlns:a16="http://schemas.microsoft.com/office/drawing/2014/main" id="{BC4C4868-CB8F-4AF9-9CDB-8108F2C19B67}"/>
               </a:ext>
               <a:ext uri="{C183D7F6-B498-43B3-948B-1728B52AA6E4}">
-                <adec:decorative xmlns="" xmlns:adec="http://schemas.microsoft.com/office/drawing/2017/decorative" val="1"/>
+                <adec:decorative xmlns:adec="http://schemas.microsoft.com/office/drawing/2017/decorative" val="1"/>
               </a:ext>
             </a:extLst>
           </p:cNvPr>
@@ -7683,7 +7939,7 @@
           <p:nvPr>
             <p:extLst>
               <p:ext uri="{386F3935-93C4-4BCD-93E2-E3B085C9AB24}">
-                <p16:designElem xmlns="" xmlns:p16="http://schemas.microsoft.com/office/powerpoint/2015/main" val="1"/>
+                <p16:designElem xmlns:p16="http://schemas.microsoft.com/office/powerpoint/2015/main" val="1"/>
               </p:ext>
             </p:extLst>
           </p:nvPr>
@@ -7746,10 +8002,10 @@
           <p:cNvPr id="14" name="Rectangle 13">
             <a:extLst>
               <a:ext uri="{FF2B5EF4-FFF2-40B4-BE49-F238E27FC236}">
-                <a16:creationId xmlns="" xmlns:a16="http://schemas.microsoft.com/office/drawing/2014/main" id="{375E0459-6403-40CD-989D-56A4407CA12E}"/>
+                <a16:creationId xmlns:a16="http://schemas.microsoft.com/office/drawing/2014/main" id="{375E0459-6403-40CD-989D-56A4407CA12E}"/>
               </a:ext>
               <a:ext uri="{C183D7F6-B498-43B3-948B-1728B52AA6E4}">
-                <adec:decorative xmlns="" xmlns:adec="http://schemas.microsoft.com/office/drawing/2017/decorative" val="1"/>
+                <adec:decorative xmlns:adec="http://schemas.microsoft.com/office/drawing/2017/decorative" val="1"/>
               </a:ext>
             </a:extLst>
           </p:cNvPr>
@@ -7759,7 +8015,7 @@
           <p:nvPr>
             <p:extLst>
               <p:ext uri="{386F3935-93C4-4BCD-93E2-E3B085C9AB24}">
-                <p16:designElem xmlns="" xmlns:p16="http://schemas.microsoft.com/office/powerpoint/2015/main" val="1"/>
+                <p16:designElem xmlns:p16="http://schemas.microsoft.com/office/powerpoint/2015/main" val="1"/>
               </p:ext>
             </p:extLst>
           </p:nvPr>
@@ -7821,10 +8077,10 @@
           <p:cNvPr id="16" name="Rectangle 15">
             <a:extLst>
               <a:ext uri="{FF2B5EF4-FFF2-40B4-BE49-F238E27FC236}">
-                <a16:creationId xmlns="" xmlns:a16="http://schemas.microsoft.com/office/drawing/2014/main" id="{53E5B1A8-3AC9-4BD1-9BBC-78CA94F2D1BA}"/>
+                <a16:creationId xmlns:a16="http://schemas.microsoft.com/office/drawing/2014/main" id="{53E5B1A8-3AC9-4BD1-9BBC-78CA94F2D1BA}"/>
               </a:ext>
               <a:ext uri="{C183D7F6-B498-43B3-948B-1728B52AA6E4}">
-                <adec:decorative xmlns="" xmlns:adec="http://schemas.microsoft.com/office/drawing/2017/decorative" val="1"/>
+                <adec:decorative xmlns:adec="http://schemas.microsoft.com/office/drawing/2017/decorative" val="1"/>
               </a:ext>
             </a:extLst>
           </p:cNvPr>
@@ -7834,7 +8090,7 @@
           <p:nvPr>
             <p:extLst>
               <p:ext uri="{386F3935-93C4-4BCD-93E2-E3B085C9AB24}">
-                <p16:designElem xmlns="" xmlns:p16="http://schemas.microsoft.com/office/powerpoint/2015/main" val="1"/>
+                <p16:designElem xmlns:p16="http://schemas.microsoft.com/office/powerpoint/2015/main" val="1"/>
               </p:ext>
             </p:extLst>
           </p:nvPr>
@@ -7897,7 +8153,7 @@
           <p:cNvPr id="2" name="제목 1">
             <a:extLst>
               <a:ext uri="{FF2B5EF4-FFF2-40B4-BE49-F238E27FC236}">
-                <a16:creationId xmlns="" xmlns:a16="http://schemas.microsoft.com/office/drawing/2014/main" id="{C51C5024-D28B-51C9-3E0D-6C73030EF822}"/>
+                <a16:creationId xmlns:a16="http://schemas.microsoft.com/office/drawing/2014/main" id="{C51C5024-D28B-51C9-3E0D-6C73030EF822}"/>
               </a:ext>
             </a:extLst>
           </p:cNvPr>
@@ -7936,7 +8192,7 @@
           <p:cNvPr id="3" name="내용 개체 틀 2">
             <a:extLst>
               <a:ext uri="{FF2B5EF4-FFF2-40B4-BE49-F238E27FC236}">
-                <a16:creationId xmlns="" xmlns:a16="http://schemas.microsoft.com/office/drawing/2014/main" id="{FD0581FF-0E86-AC63-C7BB-7B2374504D9D}"/>
+                <a16:creationId xmlns:a16="http://schemas.microsoft.com/office/drawing/2014/main" id="{FD0581FF-0E86-AC63-C7BB-7B2374504D9D}"/>
               </a:ext>
             </a:extLst>
           </p:cNvPr>
@@ -7955,7 +8211,7 @@
         </p:spPr>
         <p:txBody>
           <a:bodyPr anchor="ctr">
-            <a:normAutofit/>
+            <a:normAutofit fontScale="92500" lnSpcReduction="20000"/>
           </a:bodyPr>
           <a:lstStyle/>
           <a:p>
@@ -8052,20 +8308,16 @@
           </a:p>
           <a:p>
             <a:r>
-              <a:rPr lang="ko-KR" altLang="en-US" sz="2000" dirty="0" smtClean="0"/>
+              <a:rPr lang="ko-KR" altLang="en-US" sz="2000" dirty="0"/>
               <a:t>교수님께서 제공해주신 자료들을 많이 참고했고</a:t>
             </a:r>
             <a:r>
-              <a:rPr lang="en-US" altLang="ko-KR" sz="2000" dirty="0" smtClean="0"/>
+              <a:rPr lang="en-US" altLang="ko-KR" sz="2000" dirty="0"/>
               <a:t> </a:t>
             </a:r>
             <a:r>
-              <a:rPr lang="ko-KR" altLang="en-US" sz="2000" dirty="0" smtClean="0"/>
-              <a:t>많은 </a:t>
-            </a:r>
-            <a:r>
               <a:rPr lang="ko-KR" altLang="en-US" sz="2000" dirty="0"/>
-              <a:t>구글링과 유튜브 강의</a:t>
+              <a:t>많은 구글링과 유튜브 강의</a:t>
             </a:r>
             <a:r>
               <a:rPr lang="en-US" altLang="ko-KR" sz="2000" dirty="0"/>
@@ -8074,6 +8326,31 @@
             <a:r>
               <a:rPr lang="ko-KR" altLang="en-US" sz="2000" dirty="0"/>
               <a:t>개발자 커뮤니티 등을 통해 공부하며 배움</a:t>
+            </a:r>
+            <a:endParaRPr lang="en-US" altLang="ko-KR" sz="2000" dirty="0"/>
+          </a:p>
+          <a:p>
+            <a:pPr marL="0" indent="0">
+              <a:buNone/>
+            </a:pPr>
+            <a:endParaRPr lang="en-US" altLang="ko-KR" sz="2000" dirty="0"/>
+          </a:p>
+          <a:p>
+            <a:r>
+              <a:rPr lang="ko-KR" altLang="en-US" sz="2000" dirty="0" err="1"/>
+              <a:t>여러로직을</a:t>
+            </a:r>
+            <a:r>
+              <a:rPr lang="ko-KR" altLang="en-US" sz="2000" dirty="0"/>
+              <a:t> 짜고 </a:t>
+            </a:r>
+            <a:r>
+              <a:rPr lang="ko-KR" altLang="en-US" sz="2000" dirty="0" err="1"/>
+              <a:t>여러번</a:t>
+            </a:r>
+            <a:r>
+              <a:rPr lang="ko-KR" altLang="en-US" sz="2000" dirty="0"/>
+              <a:t> 테스트해보며 시스템이 원활하게 돌아가도록 수정함</a:t>
             </a:r>
           </a:p>
         </p:txBody>
@@ -8281,7 +8558,7 @@
           <p:cNvPr id="2" name="제목 1">
             <a:extLst>
               <a:ext uri="{FF2B5EF4-FFF2-40B4-BE49-F238E27FC236}">
-                <a16:creationId xmlns="" xmlns:a16="http://schemas.microsoft.com/office/drawing/2014/main" id="{46FA7903-5BB2-2165-7251-19FF2BD56A70}"/>
+                <a16:creationId xmlns:a16="http://schemas.microsoft.com/office/drawing/2014/main" id="{46FA7903-5BB2-2165-7251-19FF2BD56A70}"/>
               </a:ext>
             </a:extLst>
           </p:cNvPr>
@@ -8309,7 +8586,7 @@
           <p:cNvPr id="7" name="텍스트 개체 틀 6">
             <a:extLst>
               <a:ext uri="{FF2B5EF4-FFF2-40B4-BE49-F238E27FC236}">
-                <a16:creationId xmlns="" xmlns:a16="http://schemas.microsoft.com/office/drawing/2014/main" id="{B774C544-A3A3-BEE3-403E-8A80308DEEAB}"/>
+                <a16:creationId xmlns:a16="http://schemas.microsoft.com/office/drawing/2014/main" id="{B774C544-A3A3-BEE3-403E-8A80308DEEAB}"/>
               </a:ext>
             </a:extLst>
           </p:cNvPr>
@@ -8337,7 +8614,7 @@
           <p:cNvPr id="6" name="텍스트 개체 틀 5">
             <a:extLst>
               <a:ext uri="{FF2B5EF4-FFF2-40B4-BE49-F238E27FC236}">
-                <a16:creationId xmlns="" xmlns:a16="http://schemas.microsoft.com/office/drawing/2014/main" id="{0331DFA3-F4CC-F590-D661-785D52EF2DCB}"/>
+                <a16:creationId xmlns:a16="http://schemas.microsoft.com/office/drawing/2014/main" id="{0331DFA3-F4CC-F590-D661-785D52EF2DCB}"/>
               </a:ext>
             </a:extLst>
           </p:cNvPr>
@@ -8365,7 +8642,7 @@
           <p:cNvPr id="12" name="내용 개체 틀 3">
             <a:extLst>
               <a:ext uri="{FF2B5EF4-FFF2-40B4-BE49-F238E27FC236}">
-                <a16:creationId xmlns="" xmlns:a16="http://schemas.microsoft.com/office/drawing/2014/main" id="{EF9E181A-E191-4C91-7087-8E058362BCA7}"/>
+                <a16:creationId xmlns:a16="http://schemas.microsoft.com/office/drawing/2014/main" id="{EF9E181A-E191-4C91-7087-8E058362BCA7}"/>
               </a:ext>
             </a:extLst>
           </p:cNvPr>
@@ -8396,7 +8673,7 @@
           <p:cNvPr id="8" name="내용 개체 틀 7">
             <a:extLst>
               <a:ext uri="{FF2B5EF4-FFF2-40B4-BE49-F238E27FC236}">
-                <a16:creationId xmlns="" xmlns:a16="http://schemas.microsoft.com/office/drawing/2014/main" id="{5C5D925B-4CCC-6D96-6E36-F9336812EE85}"/>
+                <a16:creationId xmlns:a16="http://schemas.microsoft.com/office/drawing/2014/main" id="{5C5D925B-4CCC-6D96-6E36-F9336812EE85}"/>
               </a:ext>
             </a:extLst>
           </p:cNvPr>
@@ -9145,10 +9422,10 @@
           <p:cNvPr id="14" name="Rectangle 13">
             <a:extLst>
               <a:ext uri="{FF2B5EF4-FFF2-40B4-BE49-F238E27FC236}">
-                <a16:creationId xmlns="" xmlns:a16="http://schemas.microsoft.com/office/drawing/2014/main" id="{A8384FB5-9ADC-4DDC-881B-597D56F5B15D}"/>
+                <a16:creationId xmlns:a16="http://schemas.microsoft.com/office/drawing/2014/main" id="{A8384FB5-9ADC-4DDC-881B-597D56F5B15D}"/>
               </a:ext>
               <a:ext uri="{C183D7F6-B498-43B3-948B-1728B52AA6E4}">
-                <adec:decorative xmlns="" xmlns:adec="http://schemas.microsoft.com/office/drawing/2017/decorative" val="1"/>
+                <adec:decorative xmlns:adec="http://schemas.microsoft.com/office/drawing/2017/decorative" val="1"/>
               </a:ext>
             </a:extLst>
           </p:cNvPr>
@@ -9158,7 +9435,7 @@
           <p:nvPr>
             <p:extLst>
               <p:ext uri="{386F3935-93C4-4BCD-93E2-E3B085C9AB24}">
-                <p16:designElem xmlns="" xmlns:p16="http://schemas.microsoft.com/office/powerpoint/2015/main" val="1"/>
+                <p16:designElem xmlns:p16="http://schemas.microsoft.com/office/powerpoint/2015/main" val="1"/>
               </p:ext>
             </p:extLst>
           </p:nvPr>
@@ -9221,10 +9498,10 @@
           <p:cNvPr id="16" name="Rectangle 15">
             <a:extLst>
               <a:ext uri="{FF2B5EF4-FFF2-40B4-BE49-F238E27FC236}">
-                <a16:creationId xmlns="" xmlns:a16="http://schemas.microsoft.com/office/drawing/2014/main" id="{1199E1B1-A8C0-4FE8-A5A8-1CB41D69F857}"/>
+                <a16:creationId xmlns:a16="http://schemas.microsoft.com/office/drawing/2014/main" id="{1199E1B1-A8C0-4FE8-A5A8-1CB41D69F857}"/>
               </a:ext>
               <a:ext uri="{C183D7F6-B498-43B3-948B-1728B52AA6E4}">
-                <adec:decorative xmlns="" xmlns:adec="http://schemas.microsoft.com/office/drawing/2017/decorative" val="1"/>
+                <adec:decorative xmlns:adec="http://schemas.microsoft.com/office/drawing/2017/decorative" val="1"/>
               </a:ext>
             </a:extLst>
           </p:cNvPr>
@@ -9234,7 +9511,7 @@
           <p:nvPr>
             <p:extLst>
               <p:ext uri="{386F3935-93C4-4BCD-93E2-E3B085C9AB24}">
-                <p16:designElem xmlns="" xmlns:p16="http://schemas.microsoft.com/office/powerpoint/2015/main" val="1"/>
+                <p16:designElem xmlns:p16="http://schemas.microsoft.com/office/powerpoint/2015/main" val="1"/>
               </p:ext>
             </p:extLst>
           </p:nvPr>
@@ -9296,10 +9573,10 @@
           <p:cNvPr id="18" name="Rectangle 17">
             <a:extLst>
               <a:ext uri="{FF2B5EF4-FFF2-40B4-BE49-F238E27FC236}">
-                <a16:creationId xmlns="" xmlns:a16="http://schemas.microsoft.com/office/drawing/2014/main" id="{84A8DE83-DE75-4B41-9DB4-A7EC0B0DEC0B}"/>
+                <a16:creationId xmlns:a16="http://schemas.microsoft.com/office/drawing/2014/main" id="{84A8DE83-DE75-4B41-9DB4-A7EC0B0DEC0B}"/>
               </a:ext>
               <a:ext uri="{C183D7F6-B498-43B3-948B-1728B52AA6E4}">
-                <adec:decorative xmlns="" xmlns:adec="http://schemas.microsoft.com/office/drawing/2017/decorative" val="1"/>
+                <adec:decorative xmlns:adec="http://schemas.microsoft.com/office/drawing/2017/decorative" val="1"/>
               </a:ext>
             </a:extLst>
           </p:cNvPr>
@@ -9309,7 +9586,7 @@
           <p:nvPr>
             <p:extLst>
               <p:ext uri="{386F3935-93C4-4BCD-93E2-E3B085C9AB24}">
-                <p16:designElem xmlns="" xmlns:p16="http://schemas.microsoft.com/office/powerpoint/2015/main" val="1"/>
+                <p16:designElem xmlns:p16="http://schemas.microsoft.com/office/powerpoint/2015/main" val="1"/>
               </p:ext>
             </p:extLst>
           </p:nvPr>
@@ -9373,10 +9650,10 @@
           <p:cNvPr id="20" name="Rectangle 19">
             <a:extLst>
               <a:ext uri="{FF2B5EF4-FFF2-40B4-BE49-F238E27FC236}">
-                <a16:creationId xmlns="" xmlns:a16="http://schemas.microsoft.com/office/drawing/2014/main" id="{A7009A0A-BEF5-4EAC-AF15-E4F9F002E239}"/>
+                <a16:creationId xmlns:a16="http://schemas.microsoft.com/office/drawing/2014/main" id="{A7009A0A-BEF5-4EAC-AF15-E4F9F002E239}"/>
               </a:ext>
               <a:ext uri="{C183D7F6-B498-43B3-948B-1728B52AA6E4}">
-                <adec:decorative xmlns="" xmlns:adec="http://schemas.microsoft.com/office/drawing/2017/decorative" val="1"/>
+                <adec:decorative xmlns:adec="http://schemas.microsoft.com/office/drawing/2017/decorative" val="1"/>
               </a:ext>
             </a:extLst>
           </p:cNvPr>
@@ -9386,7 +9663,7 @@
           <p:nvPr>
             <p:extLst>
               <p:ext uri="{386F3935-93C4-4BCD-93E2-E3B085C9AB24}">
-                <p16:designElem xmlns="" xmlns:p16="http://schemas.microsoft.com/office/powerpoint/2015/main" val="1"/>
+                <p16:designElem xmlns:p16="http://schemas.microsoft.com/office/powerpoint/2015/main" val="1"/>
               </p:ext>
             </p:extLst>
           </p:nvPr>
@@ -9448,7 +9725,7 @@
           <p:cNvPr id="7" name="제목 6">
             <a:extLst>
               <a:ext uri="{FF2B5EF4-FFF2-40B4-BE49-F238E27FC236}">
-                <a16:creationId xmlns="" xmlns:a16="http://schemas.microsoft.com/office/drawing/2014/main" id="{5F531F78-392E-57C8-182F-B85AA4777858}"/>
+                <a16:creationId xmlns:a16="http://schemas.microsoft.com/office/drawing/2014/main" id="{5F531F78-392E-57C8-182F-B85AA4777858}"/>
               </a:ext>
             </a:extLst>
           </p:cNvPr>
@@ -9496,7 +9773,7 @@
           <p:cNvPr id="6" name="그림 5">
             <a:extLst>
               <a:ext uri="{FF2B5EF4-FFF2-40B4-BE49-F238E27FC236}">
-                <a16:creationId xmlns="" xmlns:a16="http://schemas.microsoft.com/office/drawing/2014/main" id="{8A0B4F43-4A85-657C-9E46-44BBD71803FF}"/>
+                <a16:creationId xmlns:a16="http://schemas.microsoft.com/office/drawing/2014/main" id="{8A0B4F43-4A85-657C-9E46-44BBD71803FF}"/>
               </a:ext>
             </a:extLst>
           </p:cNvPr>
@@ -9526,7 +9803,7 @@
           <p:cNvPr id="10" name="그림 9">
             <a:extLst>
               <a:ext uri="{FF2B5EF4-FFF2-40B4-BE49-F238E27FC236}">
-                <a16:creationId xmlns="" xmlns:a16="http://schemas.microsoft.com/office/drawing/2014/main" id="{75879257-5455-7E52-503B-501E34E2684A}"/>
+                <a16:creationId xmlns:a16="http://schemas.microsoft.com/office/drawing/2014/main" id="{75879257-5455-7E52-503B-501E34E2684A}"/>
               </a:ext>
             </a:extLst>
           </p:cNvPr>
@@ -9556,7 +9833,7 @@
           <p:cNvPr id="12" name="그림 11">
             <a:extLst>
               <a:ext uri="{FF2B5EF4-FFF2-40B4-BE49-F238E27FC236}">
-                <a16:creationId xmlns="" xmlns:a16="http://schemas.microsoft.com/office/drawing/2014/main" id="{A257EA6B-EB90-8C55-CC2E-BD27D14B856E}"/>
+                <a16:creationId xmlns:a16="http://schemas.microsoft.com/office/drawing/2014/main" id="{A257EA6B-EB90-8C55-CC2E-BD27D14B856E}"/>
               </a:ext>
             </a:extLst>
           </p:cNvPr>
@@ -9586,7 +9863,7 @@
           <p:cNvPr id="15" name="그림 14">
             <a:extLst>
               <a:ext uri="{FF2B5EF4-FFF2-40B4-BE49-F238E27FC236}">
-                <a16:creationId xmlns="" xmlns:a16="http://schemas.microsoft.com/office/drawing/2014/main" id="{1A69F582-FC5C-D8C2-B3E8-23BBE3463C1C}"/>
+                <a16:creationId xmlns:a16="http://schemas.microsoft.com/office/drawing/2014/main" id="{1A69F582-FC5C-D8C2-B3E8-23BBE3463C1C}"/>
               </a:ext>
             </a:extLst>
           </p:cNvPr>
@@ -9850,10 +10127,10 @@
           <p:cNvPr id="9" name="Rectangle 8">
             <a:extLst>
               <a:ext uri="{FF2B5EF4-FFF2-40B4-BE49-F238E27FC236}">
-                <a16:creationId xmlns="" xmlns:a16="http://schemas.microsoft.com/office/drawing/2014/main" id="{A8384FB5-9ADC-4DDC-881B-597D56F5B15D}"/>
+                <a16:creationId xmlns:a16="http://schemas.microsoft.com/office/drawing/2014/main" id="{A8384FB5-9ADC-4DDC-881B-597D56F5B15D}"/>
               </a:ext>
               <a:ext uri="{C183D7F6-B498-43B3-948B-1728B52AA6E4}">
-                <adec:decorative xmlns="" xmlns:adec="http://schemas.microsoft.com/office/drawing/2017/decorative" val="1"/>
+                <adec:decorative xmlns:adec="http://schemas.microsoft.com/office/drawing/2017/decorative" val="1"/>
               </a:ext>
             </a:extLst>
           </p:cNvPr>
@@ -9863,7 +10140,7 @@
           <p:nvPr>
             <p:extLst>
               <p:ext uri="{386F3935-93C4-4BCD-93E2-E3B085C9AB24}">
-                <p16:designElem xmlns="" xmlns:p16="http://schemas.microsoft.com/office/powerpoint/2015/main" val="1"/>
+                <p16:designElem xmlns:p16="http://schemas.microsoft.com/office/powerpoint/2015/main" val="1"/>
               </p:ext>
             </p:extLst>
           </p:nvPr>
@@ -9926,10 +10203,10 @@
           <p:cNvPr id="11" name="Rectangle 10">
             <a:extLst>
               <a:ext uri="{FF2B5EF4-FFF2-40B4-BE49-F238E27FC236}">
-                <a16:creationId xmlns="" xmlns:a16="http://schemas.microsoft.com/office/drawing/2014/main" id="{1199E1B1-A8C0-4FE8-A5A8-1CB41D69F857}"/>
+                <a16:creationId xmlns:a16="http://schemas.microsoft.com/office/drawing/2014/main" id="{1199E1B1-A8C0-4FE8-A5A8-1CB41D69F857}"/>
               </a:ext>
               <a:ext uri="{C183D7F6-B498-43B3-948B-1728B52AA6E4}">
-                <adec:decorative xmlns="" xmlns:adec="http://schemas.microsoft.com/office/drawing/2017/decorative" val="1"/>
+                <adec:decorative xmlns:adec="http://schemas.microsoft.com/office/drawing/2017/decorative" val="1"/>
               </a:ext>
             </a:extLst>
           </p:cNvPr>
@@ -9939,7 +10216,7 @@
           <p:nvPr>
             <p:extLst>
               <p:ext uri="{386F3935-93C4-4BCD-93E2-E3B085C9AB24}">
-                <p16:designElem xmlns="" xmlns:p16="http://schemas.microsoft.com/office/powerpoint/2015/main" val="1"/>
+                <p16:designElem xmlns:p16="http://schemas.microsoft.com/office/powerpoint/2015/main" val="1"/>
               </p:ext>
             </p:extLst>
           </p:nvPr>
@@ -10001,10 +10278,10 @@
           <p:cNvPr id="13" name="Rectangle 12">
             <a:extLst>
               <a:ext uri="{FF2B5EF4-FFF2-40B4-BE49-F238E27FC236}">
-                <a16:creationId xmlns="" xmlns:a16="http://schemas.microsoft.com/office/drawing/2014/main" id="{84A8DE83-DE75-4B41-9DB4-A7EC0B0DEC0B}"/>
+                <a16:creationId xmlns:a16="http://schemas.microsoft.com/office/drawing/2014/main" id="{84A8DE83-DE75-4B41-9DB4-A7EC0B0DEC0B}"/>
               </a:ext>
               <a:ext uri="{C183D7F6-B498-43B3-948B-1728B52AA6E4}">
-                <adec:decorative xmlns="" xmlns:adec="http://schemas.microsoft.com/office/drawing/2017/decorative" val="1"/>
+                <adec:decorative xmlns:adec="http://schemas.microsoft.com/office/drawing/2017/decorative" val="1"/>
               </a:ext>
             </a:extLst>
           </p:cNvPr>
@@ -10014,7 +10291,7 @@
           <p:nvPr>
             <p:extLst>
               <p:ext uri="{386F3935-93C4-4BCD-93E2-E3B085C9AB24}">
-                <p16:designElem xmlns="" xmlns:p16="http://schemas.microsoft.com/office/powerpoint/2015/main" val="1"/>
+                <p16:designElem xmlns:p16="http://schemas.microsoft.com/office/powerpoint/2015/main" val="1"/>
               </p:ext>
             </p:extLst>
           </p:nvPr>
@@ -10078,10 +10355,10 @@
           <p:cNvPr id="15" name="Rectangle 14">
             <a:extLst>
               <a:ext uri="{FF2B5EF4-FFF2-40B4-BE49-F238E27FC236}">
-                <a16:creationId xmlns="" xmlns:a16="http://schemas.microsoft.com/office/drawing/2014/main" id="{A7009A0A-BEF5-4EAC-AF15-E4F9F002E239}"/>
+                <a16:creationId xmlns:a16="http://schemas.microsoft.com/office/drawing/2014/main" id="{A7009A0A-BEF5-4EAC-AF15-E4F9F002E239}"/>
               </a:ext>
               <a:ext uri="{C183D7F6-B498-43B3-948B-1728B52AA6E4}">
-                <adec:decorative xmlns="" xmlns:adec="http://schemas.microsoft.com/office/drawing/2017/decorative" val="1"/>
+                <adec:decorative xmlns:adec="http://schemas.microsoft.com/office/drawing/2017/decorative" val="1"/>
               </a:ext>
             </a:extLst>
           </p:cNvPr>
@@ -10091,7 +10368,7 @@
           <p:nvPr>
             <p:extLst>
               <p:ext uri="{386F3935-93C4-4BCD-93E2-E3B085C9AB24}">
-                <p16:designElem xmlns="" xmlns:p16="http://schemas.microsoft.com/office/powerpoint/2015/main" val="1"/>
+                <p16:designElem xmlns:p16="http://schemas.microsoft.com/office/powerpoint/2015/main" val="1"/>
               </p:ext>
             </p:extLst>
           </p:nvPr>
@@ -10153,7 +10430,7 @@
           <p:cNvPr id="2" name="제목 1">
             <a:extLst>
               <a:ext uri="{FF2B5EF4-FFF2-40B4-BE49-F238E27FC236}">
-                <a16:creationId xmlns="" xmlns:a16="http://schemas.microsoft.com/office/drawing/2014/main" id="{74CEED57-28C4-CBB0-4922-19DE4094B06A}"/>
+                <a16:creationId xmlns:a16="http://schemas.microsoft.com/office/drawing/2014/main" id="{74CEED57-28C4-CBB0-4922-19DE4094B06A}"/>
               </a:ext>
             </a:extLst>
           </p:cNvPr>
@@ -10201,7 +10478,7 @@
           <p:cNvPr id="5" name="그림 4">
             <a:extLst>
               <a:ext uri="{FF2B5EF4-FFF2-40B4-BE49-F238E27FC236}">
-                <a16:creationId xmlns="" xmlns:a16="http://schemas.microsoft.com/office/drawing/2014/main" id="{A5C63217-9351-8906-1F19-3E8F5D1F3287}"/>
+                <a16:creationId xmlns:a16="http://schemas.microsoft.com/office/drawing/2014/main" id="{A5C63217-9351-8906-1F19-3E8F5D1F3287}"/>
               </a:ext>
             </a:extLst>
           </p:cNvPr>
@@ -10231,7 +10508,7 @@
           <p:cNvPr id="10" name="그림 9">
             <a:extLst>
               <a:ext uri="{FF2B5EF4-FFF2-40B4-BE49-F238E27FC236}">
-                <a16:creationId xmlns="" xmlns:a16="http://schemas.microsoft.com/office/drawing/2014/main" id="{43EB3956-0FE8-8AE9-67AB-ED5C190AFB55}"/>
+                <a16:creationId xmlns:a16="http://schemas.microsoft.com/office/drawing/2014/main" id="{43EB3956-0FE8-8AE9-67AB-ED5C190AFB55}"/>
               </a:ext>
             </a:extLst>
           </p:cNvPr>
@@ -10261,7 +10538,7 @@
           <p:cNvPr id="14" name="그림 13">
             <a:extLst>
               <a:ext uri="{FF2B5EF4-FFF2-40B4-BE49-F238E27FC236}">
-                <a16:creationId xmlns="" xmlns:a16="http://schemas.microsoft.com/office/drawing/2014/main" id="{27611359-6DB0-43EB-B22A-F8495EDE6163}"/>
+                <a16:creationId xmlns:a16="http://schemas.microsoft.com/office/drawing/2014/main" id="{27611359-6DB0-43EB-B22A-F8495EDE6163}"/>
               </a:ext>
             </a:extLst>
           </p:cNvPr>
@@ -10481,7 +10758,7 @@
           <p:cNvPr id="4" name="그림 3">
             <a:extLst>
               <a:ext uri="{FF2B5EF4-FFF2-40B4-BE49-F238E27FC236}">
-                <a16:creationId xmlns="" xmlns:a16="http://schemas.microsoft.com/office/drawing/2014/main" id="{D8B8EF5D-F511-2BB1-60EA-D94F8B308156}"/>
+                <a16:creationId xmlns:a16="http://schemas.microsoft.com/office/drawing/2014/main" id="{D8B8EF5D-F511-2BB1-60EA-D94F8B308156}"/>
               </a:ext>
             </a:extLst>
           </p:cNvPr>
@@ -10511,7 +10788,7 @@
           <p:cNvPr id="8" name="TextBox 7">
             <a:extLst>
               <a:ext uri="{FF2B5EF4-FFF2-40B4-BE49-F238E27FC236}">
-                <a16:creationId xmlns="" xmlns:a16="http://schemas.microsoft.com/office/drawing/2014/main" id="{6406BDF6-23DA-B517-C752-B3A276502972}"/>
+                <a16:creationId xmlns:a16="http://schemas.microsoft.com/office/drawing/2014/main" id="{6406BDF6-23DA-B517-C752-B3A276502972}"/>
               </a:ext>
             </a:extLst>
           </p:cNvPr>
@@ -10588,10 +10865,10 @@
           <p:cNvPr id="9" name="Rectangle 8">
             <a:extLst>
               <a:ext uri="{FF2B5EF4-FFF2-40B4-BE49-F238E27FC236}">
-                <a16:creationId xmlns="" xmlns:a16="http://schemas.microsoft.com/office/drawing/2014/main" id="{A8384FB5-9ADC-4DDC-881B-597D56F5B15D}"/>
+                <a16:creationId xmlns:a16="http://schemas.microsoft.com/office/drawing/2014/main" id="{A8384FB5-9ADC-4DDC-881B-597D56F5B15D}"/>
               </a:ext>
               <a:ext uri="{C183D7F6-B498-43B3-948B-1728B52AA6E4}">
-                <adec:decorative xmlns="" xmlns:adec="http://schemas.microsoft.com/office/drawing/2017/decorative" val="1"/>
+                <adec:decorative xmlns:adec="http://schemas.microsoft.com/office/drawing/2017/decorative" val="1"/>
               </a:ext>
             </a:extLst>
           </p:cNvPr>
@@ -10601,7 +10878,7 @@
           <p:nvPr>
             <p:extLst>
               <p:ext uri="{386F3935-93C4-4BCD-93E2-E3B085C9AB24}">
-                <p16:designElem xmlns="" xmlns:p16="http://schemas.microsoft.com/office/powerpoint/2015/main" val="1"/>
+                <p16:designElem xmlns:p16="http://schemas.microsoft.com/office/powerpoint/2015/main" val="1"/>
               </p:ext>
             </p:extLst>
           </p:nvPr>
@@ -10664,10 +10941,10 @@
           <p:cNvPr id="11" name="Rectangle 10">
             <a:extLst>
               <a:ext uri="{FF2B5EF4-FFF2-40B4-BE49-F238E27FC236}">
-                <a16:creationId xmlns="" xmlns:a16="http://schemas.microsoft.com/office/drawing/2014/main" id="{1199E1B1-A8C0-4FE8-A5A8-1CB41D69F857}"/>
+                <a16:creationId xmlns:a16="http://schemas.microsoft.com/office/drawing/2014/main" id="{1199E1B1-A8C0-4FE8-A5A8-1CB41D69F857}"/>
               </a:ext>
               <a:ext uri="{C183D7F6-B498-43B3-948B-1728B52AA6E4}">
-                <adec:decorative xmlns="" xmlns:adec="http://schemas.microsoft.com/office/drawing/2017/decorative" val="1"/>
+                <adec:decorative xmlns:adec="http://schemas.microsoft.com/office/drawing/2017/decorative" val="1"/>
               </a:ext>
             </a:extLst>
           </p:cNvPr>
@@ -10677,7 +10954,7 @@
           <p:nvPr>
             <p:extLst>
               <p:ext uri="{386F3935-93C4-4BCD-93E2-E3B085C9AB24}">
-                <p16:designElem xmlns="" xmlns:p16="http://schemas.microsoft.com/office/powerpoint/2015/main" val="1"/>
+                <p16:designElem xmlns:p16="http://schemas.microsoft.com/office/powerpoint/2015/main" val="1"/>
               </p:ext>
             </p:extLst>
           </p:nvPr>
@@ -10739,10 +11016,10 @@
           <p:cNvPr id="13" name="Rectangle 12">
             <a:extLst>
               <a:ext uri="{FF2B5EF4-FFF2-40B4-BE49-F238E27FC236}">
-                <a16:creationId xmlns="" xmlns:a16="http://schemas.microsoft.com/office/drawing/2014/main" id="{84A8DE83-DE75-4B41-9DB4-A7EC0B0DEC0B}"/>
+                <a16:creationId xmlns:a16="http://schemas.microsoft.com/office/drawing/2014/main" id="{84A8DE83-DE75-4B41-9DB4-A7EC0B0DEC0B}"/>
               </a:ext>
               <a:ext uri="{C183D7F6-B498-43B3-948B-1728B52AA6E4}">
-                <adec:decorative xmlns="" xmlns:adec="http://schemas.microsoft.com/office/drawing/2017/decorative" val="1"/>
+                <adec:decorative xmlns:adec="http://schemas.microsoft.com/office/drawing/2017/decorative" val="1"/>
               </a:ext>
             </a:extLst>
           </p:cNvPr>
@@ -10752,7 +11029,7 @@
           <p:nvPr>
             <p:extLst>
               <p:ext uri="{386F3935-93C4-4BCD-93E2-E3B085C9AB24}">
-                <p16:designElem xmlns="" xmlns:p16="http://schemas.microsoft.com/office/powerpoint/2015/main" val="1"/>
+                <p16:designElem xmlns:p16="http://schemas.microsoft.com/office/powerpoint/2015/main" val="1"/>
               </p:ext>
             </p:extLst>
           </p:nvPr>
@@ -10816,10 +11093,10 @@
           <p:cNvPr id="15" name="Rectangle 14">
             <a:extLst>
               <a:ext uri="{FF2B5EF4-FFF2-40B4-BE49-F238E27FC236}">
-                <a16:creationId xmlns="" xmlns:a16="http://schemas.microsoft.com/office/drawing/2014/main" id="{A7009A0A-BEF5-4EAC-AF15-E4F9F002E239}"/>
+                <a16:creationId xmlns:a16="http://schemas.microsoft.com/office/drawing/2014/main" id="{A7009A0A-BEF5-4EAC-AF15-E4F9F002E239}"/>
               </a:ext>
               <a:ext uri="{C183D7F6-B498-43B3-948B-1728B52AA6E4}">
-                <adec:decorative xmlns="" xmlns:adec="http://schemas.microsoft.com/office/drawing/2017/decorative" val="1"/>
+                <adec:decorative xmlns:adec="http://schemas.microsoft.com/office/drawing/2017/decorative" val="1"/>
               </a:ext>
             </a:extLst>
           </p:cNvPr>
@@ -10829,7 +11106,7 @@
           <p:nvPr>
             <p:extLst>
               <p:ext uri="{386F3935-93C4-4BCD-93E2-E3B085C9AB24}">
-                <p16:designElem xmlns="" xmlns:p16="http://schemas.microsoft.com/office/powerpoint/2015/main" val="1"/>
+                <p16:designElem xmlns:p16="http://schemas.microsoft.com/office/powerpoint/2015/main" val="1"/>
               </p:ext>
             </p:extLst>
           </p:nvPr>
@@ -10891,7 +11168,7 @@
           <p:cNvPr id="2" name="제목 1">
             <a:extLst>
               <a:ext uri="{FF2B5EF4-FFF2-40B4-BE49-F238E27FC236}">
-                <a16:creationId xmlns="" xmlns:a16="http://schemas.microsoft.com/office/drawing/2014/main" id="{78057627-5515-E771-0576-60BBA3464C68}"/>
+                <a16:creationId xmlns:a16="http://schemas.microsoft.com/office/drawing/2014/main" id="{78057627-5515-E771-0576-60BBA3464C68}"/>
               </a:ext>
             </a:extLst>
           </p:cNvPr>
@@ -10942,7 +11219,7 @@
           <p:cNvPr id="7" name="그림 6">
             <a:extLst>
               <a:ext uri="{FF2B5EF4-FFF2-40B4-BE49-F238E27FC236}">
-                <a16:creationId xmlns="" xmlns:a16="http://schemas.microsoft.com/office/drawing/2014/main" id="{9047E48B-8626-BBC0-9E9B-128EB93C6097}"/>
+                <a16:creationId xmlns:a16="http://schemas.microsoft.com/office/drawing/2014/main" id="{9047E48B-8626-BBC0-9E9B-128EB93C6097}"/>
               </a:ext>
             </a:extLst>
           </p:cNvPr>
@@ -10972,7 +11249,7 @@
           <p:cNvPr id="10" name="그림 9">
             <a:extLst>
               <a:ext uri="{FF2B5EF4-FFF2-40B4-BE49-F238E27FC236}">
-                <a16:creationId xmlns="" xmlns:a16="http://schemas.microsoft.com/office/drawing/2014/main" id="{762575BD-3F37-36B1-6703-301E83CB37C2}"/>
+                <a16:creationId xmlns:a16="http://schemas.microsoft.com/office/drawing/2014/main" id="{762575BD-3F37-36B1-6703-301E83CB37C2}"/>
               </a:ext>
             </a:extLst>
           </p:cNvPr>
@@ -11002,7 +11279,7 @@
           <p:cNvPr id="19" name="그림 18">
             <a:extLst>
               <a:ext uri="{FF2B5EF4-FFF2-40B4-BE49-F238E27FC236}">
-                <a16:creationId xmlns="" xmlns:a16="http://schemas.microsoft.com/office/drawing/2014/main" id="{86498DC2-C10E-2E3D-7CE8-4A6A82372162}"/>
+                <a16:creationId xmlns:a16="http://schemas.microsoft.com/office/drawing/2014/main" id="{86498DC2-C10E-2E3D-7CE8-4A6A82372162}"/>
               </a:ext>
             </a:extLst>
           </p:cNvPr>
@@ -11032,7 +11309,7 @@
           <p:cNvPr id="21" name="그림 20">
             <a:extLst>
               <a:ext uri="{FF2B5EF4-FFF2-40B4-BE49-F238E27FC236}">
-                <a16:creationId xmlns="" xmlns:a16="http://schemas.microsoft.com/office/drawing/2014/main" id="{2325967D-E9C7-A10E-55B0-8D39366C6477}"/>
+                <a16:creationId xmlns:a16="http://schemas.microsoft.com/office/drawing/2014/main" id="{2325967D-E9C7-A10E-55B0-8D39366C6477}"/>
               </a:ext>
             </a:extLst>
           </p:cNvPr>
@@ -11317,10 +11594,10 @@
           <p:cNvPr id="9" name="Rectangle 8">
             <a:extLst>
               <a:ext uri="{FF2B5EF4-FFF2-40B4-BE49-F238E27FC236}">
-                <a16:creationId xmlns="" xmlns:a16="http://schemas.microsoft.com/office/drawing/2014/main" id="{A8384FB5-9ADC-4DDC-881B-597D56F5B15D}"/>
+                <a16:creationId xmlns:a16="http://schemas.microsoft.com/office/drawing/2014/main" id="{A8384FB5-9ADC-4DDC-881B-597D56F5B15D}"/>
               </a:ext>
               <a:ext uri="{C183D7F6-B498-43B3-948B-1728B52AA6E4}">
-                <adec:decorative xmlns="" xmlns:adec="http://schemas.microsoft.com/office/drawing/2017/decorative" val="1"/>
+                <adec:decorative xmlns:adec="http://schemas.microsoft.com/office/drawing/2017/decorative" val="1"/>
               </a:ext>
             </a:extLst>
           </p:cNvPr>
@@ -11330,7 +11607,7 @@
           <p:nvPr>
             <p:extLst>
               <p:ext uri="{386F3935-93C4-4BCD-93E2-E3B085C9AB24}">
-                <p16:designElem xmlns="" xmlns:p16="http://schemas.microsoft.com/office/powerpoint/2015/main" val="1"/>
+                <p16:designElem xmlns:p16="http://schemas.microsoft.com/office/powerpoint/2015/main" val="1"/>
               </p:ext>
             </p:extLst>
           </p:nvPr>
@@ -11393,10 +11670,10 @@
           <p:cNvPr id="11" name="Rectangle 10">
             <a:extLst>
               <a:ext uri="{FF2B5EF4-FFF2-40B4-BE49-F238E27FC236}">
-                <a16:creationId xmlns="" xmlns:a16="http://schemas.microsoft.com/office/drawing/2014/main" id="{1199E1B1-A8C0-4FE8-A5A8-1CB41D69F857}"/>
+                <a16:creationId xmlns:a16="http://schemas.microsoft.com/office/drawing/2014/main" id="{1199E1B1-A8C0-4FE8-A5A8-1CB41D69F857}"/>
               </a:ext>
               <a:ext uri="{C183D7F6-B498-43B3-948B-1728B52AA6E4}">
-                <adec:decorative xmlns="" xmlns:adec="http://schemas.microsoft.com/office/drawing/2017/decorative" val="1"/>
+                <adec:decorative xmlns:adec="http://schemas.microsoft.com/office/drawing/2017/decorative" val="1"/>
               </a:ext>
             </a:extLst>
           </p:cNvPr>
@@ -11406,7 +11683,7 @@
           <p:nvPr>
             <p:extLst>
               <p:ext uri="{386F3935-93C4-4BCD-93E2-E3B085C9AB24}">
-                <p16:designElem xmlns="" xmlns:p16="http://schemas.microsoft.com/office/powerpoint/2015/main" val="1"/>
+                <p16:designElem xmlns:p16="http://schemas.microsoft.com/office/powerpoint/2015/main" val="1"/>
               </p:ext>
             </p:extLst>
           </p:nvPr>
@@ -11468,10 +11745,10 @@
           <p:cNvPr id="13" name="Rectangle 12">
             <a:extLst>
               <a:ext uri="{FF2B5EF4-FFF2-40B4-BE49-F238E27FC236}">
-                <a16:creationId xmlns="" xmlns:a16="http://schemas.microsoft.com/office/drawing/2014/main" id="{84A8DE83-DE75-4B41-9DB4-A7EC0B0DEC0B}"/>
+                <a16:creationId xmlns:a16="http://schemas.microsoft.com/office/drawing/2014/main" id="{84A8DE83-DE75-4B41-9DB4-A7EC0B0DEC0B}"/>
               </a:ext>
               <a:ext uri="{C183D7F6-B498-43B3-948B-1728B52AA6E4}">
-                <adec:decorative xmlns="" xmlns:adec="http://schemas.microsoft.com/office/drawing/2017/decorative" val="1"/>
+                <adec:decorative xmlns:adec="http://schemas.microsoft.com/office/drawing/2017/decorative" val="1"/>
               </a:ext>
             </a:extLst>
           </p:cNvPr>
@@ -11481,7 +11758,7 @@
           <p:nvPr>
             <p:extLst>
               <p:ext uri="{386F3935-93C4-4BCD-93E2-E3B085C9AB24}">
-                <p16:designElem xmlns="" xmlns:p16="http://schemas.microsoft.com/office/powerpoint/2015/main" val="1"/>
+                <p16:designElem xmlns:p16="http://schemas.microsoft.com/office/powerpoint/2015/main" val="1"/>
               </p:ext>
             </p:extLst>
           </p:nvPr>
@@ -11545,10 +11822,10 @@
           <p:cNvPr id="15" name="Rectangle 14">
             <a:extLst>
               <a:ext uri="{FF2B5EF4-FFF2-40B4-BE49-F238E27FC236}">
-                <a16:creationId xmlns="" xmlns:a16="http://schemas.microsoft.com/office/drawing/2014/main" id="{A7009A0A-BEF5-4EAC-AF15-E4F9F002E239}"/>
+                <a16:creationId xmlns:a16="http://schemas.microsoft.com/office/drawing/2014/main" id="{A7009A0A-BEF5-4EAC-AF15-E4F9F002E239}"/>
               </a:ext>
               <a:ext uri="{C183D7F6-B498-43B3-948B-1728B52AA6E4}">
-                <adec:decorative xmlns="" xmlns:adec="http://schemas.microsoft.com/office/drawing/2017/decorative" val="1"/>
+                <adec:decorative xmlns:adec="http://schemas.microsoft.com/office/drawing/2017/decorative" val="1"/>
               </a:ext>
             </a:extLst>
           </p:cNvPr>
@@ -11558,7 +11835,7 @@
           <p:nvPr>
             <p:extLst>
               <p:ext uri="{386F3935-93C4-4BCD-93E2-E3B085C9AB24}">
-                <p16:designElem xmlns="" xmlns:p16="http://schemas.microsoft.com/office/powerpoint/2015/main" val="1"/>
+                <p16:designElem xmlns:p16="http://schemas.microsoft.com/office/powerpoint/2015/main" val="1"/>
               </p:ext>
             </p:extLst>
           </p:nvPr>
@@ -11620,7 +11897,7 @@
           <p:cNvPr id="2" name="제목 1">
             <a:extLst>
               <a:ext uri="{FF2B5EF4-FFF2-40B4-BE49-F238E27FC236}">
-                <a16:creationId xmlns="" xmlns:a16="http://schemas.microsoft.com/office/drawing/2014/main" id="{78057627-5515-E771-0576-60BBA3464C68}"/>
+                <a16:creationId xmlns:a16="http://schemas.microsoft.com/office/drawing/2014/main" id="{78057627-5515-E771-0576-60BBA3464C68}"/>
               </a:ext>
             </a:extLst>
           </p:cNvPr>
@@ -11671,7 +11948,7 @@
           <p:cNvPr id="3" name="그림 2">
             <a:extLst>
               <a:ext uri="{FF2B5EF4-FFF2-40B4-BE49-F238E27FC236}">
-                <a16:creationId xmlns="" xmlns:a16="http://schemas.microsoft.com/office/drawing/2014/main" id="{CCE106EB-3040-F025-93A8-18959578251A}"/>
+                <a16:creationId xmlns:a16="http://schemas.microsoft.com/office/drawing/2014/main" id="{CCE106EB-3040-F025-93A8-18959578251A}"/>
               </a:ext>
             </a:extLst>
           </p:cNvPr>
@@ -11894,10 +12171,10 @@
           <p:cNvPr id="8" name="Rectangle 7">
             <a:extLst>
               <a:ext uri="{FF2B5EF4-FFF2-40B4-BE49-F238E27FC236}">
-                <a16:creationId xmlns="" xmlns:a16="http://schemas.microsoft.com/office/drawing/2014/main" id="{1B15ED52-F352-441B-82BF-E0EA34836D08}"/>
+                <a16:creationId xmlns:a16="http://schemas.microsoft.com/office/drawing/2014/main" id="{1B15ED52-F352-441B-82BF-E0EA34836D08}"/>
               </a:ext>
               <a:ext uri="{C183D7F6-B498-43B3-948B-1728B52AA6E4}">
-                <adec:decorative xmlns="" xmlns:adec="http://schemas.microsoft.com/office/drawing/2017/decorative" val="1"/>
+                <adec:decorative xmlns:adec="http://schemas.microsoft.com/office/drawing/2017/decorative" val="1"/>
               </a:ext>
             </a:extLst>
           </p:cNvPr>
@@ -11907,7 +12184,7 @@
           <p:nvPr>
             <p:extLst>
               <p:ext uri="{386F3935-93C4-4BCD-93E2-E3B085C9AB24}">
-                <p16:designElem xmlns="" xmlns:p16="http://schemas.microsoft.com/office/powerpoint/2015/main" val="1"/>
+                <p16:designElem xmlns:p16="http://schemas.microsoft.com/office/powerpoint/2015/main" val="1"/>
               </p:ext>
             </p:extLst>
           </p:nvPr>
@@ -11970,10 +12247,10 @@
           <p:cNvPr id="10" name="Rectangle 9">
             <a:extLst>
               <a:ext uri="{FF2B5EF4-FFF2-40B4-BE49-F238E27FC236}">
-                <a16:creationId xmlns="" xmlns:a16="http://schemas.microsoft.com/office/drawing/2014/main" id="{3B2E3793-BFE6-45A2-9B7B-E18844431C99}"/>
+                <a16:creationId xmlns:a16="http://schemas.microsoft.com/office/drawing/2014/main" id="{3B2E3793-BFE6-45A2-9B7B-E18844431C99}"/>
               </a:ext>
               <a:ext uri="{C183D7F6-B498-43B3-948B-1728B52AA6E4}">
-                <adec:decorative xmlns="" xmlns:adec="http://schemas.microsoft.com/office/drawing/2017/decorative" val="1"/>
+                <adec:decorative xmlns:adec="http://schemas.microsoft.com/office/drawing/2017/decorative" val="1"/>
               </a:ext>
             </a:extLst>
           </p:cNvPr>
@@ -11983,7 +12260,7 @@
           <p:nvPr>
             <p:extLst>
               <p:ext uri="{386F3935-93C4-4BCD-93E2-E3B085C9AB24}">
-                <p16:designElem xmlns="" xmlns:p16="http://schemas.microsoft.com/office/powerpoint/2015/main" val="1"/>
+                <p16:designElem xmlns:p16="http://schemas.microsoft.com/office/powerpoint/2015/main" val="1"/>
               </p:ext>
             </p:extLst>
           </p:nvPr>
@@ -12043,10 +12320,10 @@
           <p:cNvPr id="12" name="Rectangle 11">
             <a:extLst>
               <a:ext uri="{FF2B5EF4-FFF2-40B4-BE49-F238E27FC236}">
-                <a16:creationId xmlns="" xmlns:a16="http://schemas.microsoft.com/office/drawing/2014/main" id="{BC4C4868-CB8F-4AF9-9CDB-8108F2C19B67}"/>
+                <a16:creationId xmlns:a16="http://schemas.microsoft.com/office/drawing/2014/main" id="{BC4C4868-CB8F-4AF9-9CDB-8108F2C19B67}"/>
               </a:ext>
               <a:ext uri="{C183D7F6-B498-43B3-948B-1728B52AA6E4}">
-                <adec:decorative xmlns="" xmlns:adec="http://schemas.microsoft.com/office/drawing/2017/decorative" val="1"/>
+                <adec:decorative xmlns:adec="http://schemas.microsoft.com/office/drawing/2017/decorative" val="1"/>
               </a:ext>
             </a:extLst>
           </p:cNvPr>
@@ -12056,7 +12333,7 @@
           <p:nvPr>
             <p:extLst>
               <p:ext uri="{386F3935-93C4-4BCD-93E2-E3B085C9AB24}">
-                <p16:designElem xmlns="" xmlns:p16="http://schemas.microsoft.com/office/powerpoint/2015/main" val="1"/>
+                <p16:designElem xmlns:p16="http://schemas.microsoft.com/office/powerpoint/2015/main" val="1"/>
               </p:ext>
             </p:extLst>
           </p:nvPr>
@@ -12119,10 +12396,10 @@
           <p:cNvPr id="14" name="Rectangle 13">
             <a:extLst>
               <a:ext uri="{FF2B5EF4-FFF2-40B4-BE49-F238E27FC236}">
-                <a16:creationId xmlns="" xmlns:a16="http://schemas.microsoft.com/office/drawing/2014/main" id="{375E0459-6403-40CD-989D-56A4407CA12E}"/>
+                <a16:creationId xmlns:a16="http://schemas.microsoft.com/office/drawing/2014/main" id="{375E0459-6403-40CD-989D-56A4407CA12E}"/>
               </a:ext>
               <a:ext uri="{C183D7F6-B498-43B3-948B-1728B52AA6E4}">
-                <adec:decorative xmlns="" xmlns:adec="http://schemas.microsoft.com/office/drawing/2017/decorative" val="1"/>
+                <adec:decorative xmlns:adec="http://schemas.microsoft.com/office/drawing/2017/decorative" val="1"/>
               </a:ext>
             </a:extLst>
           </p:cNvPr>
@@ -12132,7 +12409,7 @@
           <p:nvPr>
             <p:extLst>
               <p:ext uri="{386F3935-93C4-4BCD-93E2-E3B085C9AB24}">
-                <p16:designElem xmlns="" xmlns:p16="http://schemas.microsoft.com/office/powerpoint/2015/main" val="1"/>
+                <p16:designElem xmlns:p16="http://schemas.microsoft.com/office/powerpoint/2015/main" val="1"/>
               </p:ext>
             </p:extLst>
           </p:nvPr>
@@ -12194,10 +12471,10 @@
           <p:cNvPr id="16" name="Rectangle 15">
             <a:extLst>
               <a:ext uri="{FF2B5EF4-FFF2-40B4-BE49-F238E27FC236}">
-                <a16:creationId xmlns="" xmlns:a16="http://schemas.microsoft.com/office/drawing/2014/main" id="{53E5B1A8-3AC9-4BD1-9BBC-78CA94F2D1BA}"/>
+                <a16:creationId xmlns:a16="http://schemas.microsoft.com/office/drawing/2014/main" id="{53E5B1A8-3AC9-4BD1-9BBC-78CA94F2D1BA}"/>
               </a:ext>
               <a:ext uri="{C183D7F6-B498-43B3-948B-1728B52AA6E4}">
-                <adec:decorative xmlns="" xmlns:adec="http://schemas.microsoft.com/office/drawing/2017/decorative" val="1"/>
+                <adec:decorative xmlns:adec="http://schemas.microsoft.com/office/drawing/2017/decorative" val="1"/>
               </a:ext>
             </a:extLst>
           </p:cNvPr>
@@ -12207,7 +12484,7 @@
           <p:nvPr>
             <p:extLst>
               <p:ext uri="{386F3935-93C4-4BCD-93E2-E3B085C9AB24}">
-                <p16:designElem xmlns="" xmlns:p16="http://schemas.microsoft.com/office/powerpoint/2015/main" val="1"/>
+                <p16:designElem xmlns:p16="http://schemas.microsoft.com/office/powerpoint/2015/main" val="1"/>
               </p:ext>
             </p:extLst>
           </p:nvPr>
@@ -12270,7 +12547,7 @@
           <p:cNvPr id="2" name="제목 1">
             <a:extLst>
               <a:ext uri="{FF2B5EF4-FFF2-40B4-BE49-F238E27FC236}">
-                <a16:creationId xmlns="" xmlns:a16="http://schemas.microsoft.com/office/drawing/2014/main" id="{1E22F2AF-C56D-6CEA-8BEA-37CE752EA65A}"/>
+                <a16:creationId xmlns:a16="http://schemas.microsoft.com/office/drawing/2014/main" id="{1E22F2AF-C56D-6CEA-8BEA-37CE752EA65A}"/>
               </a:ext>
             </a:extLst>
           </p:cNvPr>
@@ -12309,7 +12586,7 @@
           <p:cNvPr id="3" name="내용 개체 틀 2">
             <a:extLst>
               <a:ext uri="{FF2B5EF4-FFF2-40B4-BE49-F238E27FC236}">
-                <a16:creationId xmlns="" xmlns:a16="http://schemas.microsoft.com/office/drawing/2014/main" id="{2A7D2632-3F9C-4E2E-A88F-68CC75703511}"/>
+                <a16:creationId xmlns:a16="http://schemas.microsoft.com/office/drawing/2014/main" id="{2A7D2632-3F9C-4E2E-A88F-68CC75703511}"/>
               </a:ext>
             </a:extLst>
           </p:cNvPr>
@@ -12425,10 +12702,10 @@
           <p:cNvPr id="8" name="Rectangle 7">
             <a:extLst>
               <a:ext uri="{FF2B5EF4-FFF2-40B4-BE49-F238E27FC236}">
-                <a16:creationId xmlns="" xmlns:a16="http://schemas.microsoft.com/office/drawing/2014/main" id="{1B15ED52-F352-441B-82BF-E0EA34836D08}"/>
+                <a16:creationId xmlns:a16="http://schemas.microsoft.com/office/drawing/2014/main" id="{1B15ED52-F352-441B-82BF-E0EA34836D08}"/>
               </a:ext>
               <a:ext uri="{C183D7F6-B498-43B3-948B-1728B52AA6E4}">
-                <adec:decorative xmlns="" xmlns:adec="http://schemas.microsoft.com/office/drawing/2017/decorative" val="1"/>
+                <adec:decorative xmlns:adec="http://schemas.microsoft.com/office/drawing/2017/decorative" val="1"/>
               </a:ext>
             </a:extLst>
           </p:cNvPr>
@@ -12438,7 +12715,7 @@
           <p:nvPr>
             <p:extLst>
               <p:ext uri="{386F3935-93C4-4BCD-93E2-E3B085C9AB24}">
-                <p16:designElem xmlns="" xmlns:p16="http://schemas.microsoft.com/office/powerpoint/2015/main" val="1"/>
+                <p16:designElem xmlns:p16="http://schemas.microsoft.com/office/powerpoint/2015/main" val="1"/>
               </p:ext>
             </p:extLst>
           </p:nvPr>
@@ -12501,10 +12778,10 @@
           <p:cNvPr id="10" name="Rectangle 9">
             <a:extLst>
               <a:ext uri="{FF2B5EF4-FFF2-40B4-BE49-F238E27FC236}">
-                <a16:creationId xmlns="" xmlns:a16="http://schemas.microsoft.com/office/drawing/2014/main" id="{3B2E3793-BFE6-45A2-9B7B-E18844431C99}"/>
+                <a16:creationId xmlns:a16="http://schemas.microsoft.com/office/drawing/2014/main" id="{3B2E3793-BFE6-45A2-9B7B-E18844431C99}"/>
               </a:ext>
               <a:ext uri="{C183D7F6-B498-43B3-948B-1728B52AA6E4}">
-                <adec:decorative xmlns="" xmlns:adec="http://schemas.microsoft.com/office/drawing/2017/decorative" val="1"/>
+                <adec:decorative xmlns:adec="http://schemas.microsoft.com/office/drawing/2017/decorative" val="1"/>
               </a:ext>
             </a:extLst>
           </p:cNvPr>
@@ -12514,7 +12791,7 @@
           <p:nvPr>
             <p:extLst>
               <p:ext uri="{386F3935-93C4-4BCD-93E2-E3B085C9AB24}">
-                <p16:designElem xmlns="" xmlns:p16="http://schemas.microsoft.com/office/powerpoint/2015/main" val="1"/>
+                <p16:designElem xmlns:p16="http://schemas.microsoft.com/office/powerpoint/2015/main" val="1"/>
               </p:ext>
             </p:extLst>
           </p:nvPr>
@@ -12574,10 +12851,10 @@
           <p:cNvPr id="12" name="Rectangle 11">
             <a:extLst>
               <a:ext uri="{FF2B5EF4-FFF2-40B4-BE49-F238E27FC236}">
-                <a16:creationId xmlns="" xmlns:a16="http://schemas.microsoft.com/office/drawing/2014/main" id="{BC4C4868-CB8F-4AF9-9CDB-8108F2C19B67}"/>
+                <a16:creationId xmlns:a16="http://schemas.microsoft.com/office/drawing/2014/main" id="{BC4C4868-CB8F-4AF9-9CDB-8108F2C19B67}"/>
               </a:ext>
               <a:ext uri="{C183D7F6-B498-43B3-948B-1728B52AA6E4}">
-                <adec:decorative xmlns="" xmlns:adec="http://schemas.microsoft.com/office/drawing/2017/decorative" val="1"/>
+                <adec:decorative xmlns:adec="http://schemas.microsoft.com/office/drawing/2017/decorative" val="1"/>
               </a:ext>
             </a:extLst>
           </p:cNvPr>
@@ -12587,7 +12864,7 @@
           <p:nvPr>
             <p:extLst>
               <p:ext uri="{386F3935-93C4-4BCD-93E2-E3B085C9AB24}">
-                <p16:designElem xmlns="" xmlns:p16="http://schemas.microsoft.com/office/powerpoint/2015/main" val="1"/>
+                <p16:designElem xmlns:p16="http://schemas.microsoft.com/office/powerpoint/2015/main" val="1"/>
               </p:ext>
             </p:extLst>
           </p:nvPr>
@@ -12650,10 +12927,10 @@
           <p:cNvPr id="14" name="Rectangle 13">
             <a:extLst>
               <a:ext uri="{FF2B5EF4-FFF2-40B4-BE49-F238E27FC236}">
-                <a16:creationId xmlns="" xmlns:a16="http://schemas.microsoft.com/office/drawing/2014/main" id="{375E0459-6403-40CD-989D-56A4407CA12E}"/>
+                <a16:creationId xmlns:a16="http://schemas.microsoft.com/office/drawing/2014/main" id="{375E0459-6403-40CD-989D-56A4407CA12E}"/>
               </a:ext>
               <a:ext uri="{C183D7F6-B498-43B3-948B-1728B52AA6E4}">
-                <adec:decorative xmlns="" xmlns:adec="http://schemas.microsoft.com/office/drawing/2017/decorative" val="1"/>
+                <adec:decorative xmlns:adec="http://schemas.microsoft.com/office/drawing/2017/decorative" val="1"/>
               </a:ext>
             </a:extLst>
           </p:cNvPr>
@@ -12663,7 +12940,7 @@
           <p:nvPr>
             <p:extLst>
               <p:ext uri="{386F3935-93C4-4BCD-93E2-E3B085C9AB24}">
-                <p16:designElem xmlns="" xmlns:p16="http://schemas.microsoft.com/office/powerpoint/2015/main" val="1"/>
+                <p16:designElem xmlns:p16="http://schemas.microsoft.com/office/powerpoint/2015/main" val="1"/>
               </p:ext>
             </p:extLst>
           </p:nvPr>
@@ -12725,10 +13002,10 @@
           <p:cNvPr id="16" name="Rectangle 15">
             <a:extLst>
               <a:ext uri="{FF2B5EF4-FFF2-40B4-BE49-F238E27FC236}">
-                <a16:creationId xmlns="" xmlns:a16="http://schemas.microsoft.com/office/drawing/2014/main" id="{53E5B1A8-3AC9-4BD1-9BBC-78CA94F2D1BA}"/>
+                <a16:creationId xmlns:a16="http://schemas.microsoft.com/office/drawing/2014/main" id="{53E5B1A8-3AC9-4BD1-9BBC-78CA94F2D1BA}"/>
               </a:ext>
               <a:ext uri="{C183D7F6-B498-43B3-948B-1728B52AA6E4}">
-                <adec:decorative xmlns="" xmlns:adec="http://schemas.microsoft.com/office/drawing/2017/decorative" val="1"/>
+                <adec:decorative xmlns:adec="http://schemas.microsoft.com/office/drawing/2017/decorative" val="1"/>
               </a:ext>
             </a:extLst>
           </p:cNvPr>
@@ -12738,7 +13015,7 @@
           <p:nvPr>
             <p:extLst>
               <p:ext uri="{386F3935-93C4-4BCD-93E2-E3B085C9AB24}">
-                <p16:designElem xmlns="" xmlns:p16="http://schemas.microsoft.com/office/powerpoint/2015/main" val="1"/>
+                <p16:designElem xmlns:p16="http://schemas.microsoft.com/office/powerpoint/2015/main" val="1"/>
               </p:ext>
             </p:extLst>
           </p:nvPr>
@@ -12801,7 +13078,7 @@
           <p:cNvPr id="2" name="제목 1">
             <a:extLst>
               <a:ext uri="{FF2B5EF4-FFF2-40B4-BE49-F238E27FC236}">
-                <a16:creationId xmlns="" xmlns:a16="http://schemas.microsoft.com/office/drawing/2014/main" id="{D7235457-A6C6-F577-0AE8-2492AED11FDF}"/>
+                <a16:creationId xmlns:a16="http://schemas.microsoft.com/office/drawing/2014/main" id="{D7235457-A6C6-F577-0AE8-2492AED11FDF}"/>
               </a:ext>
             </a:extLst>
           </p:cNvPr>
@@ -12825,18 +13102,13 @@
           <a:lstStyle/>
           <a:p>
             <a:r>
-              <a:rPr lang="ko-KR" altLang="en-US" sz="4000" dirty="0" smtClean="0">
+              <a:rPr lang="ko-KR" altLang="en-US" sz="4000" dirty="0">
                 <a:solidFill>
                   <a:srgbClr val="FFFFFF"/>
                 </a:solidFill>
               </a:rPr>
               <a:t>어려웠던 점</a:t>
             </a:r>
-            <a:endParaRPr lang="ko-KR" altLang="en-US" sz="4000" dirty="0">
-              <a:solidFill>
-                <a:srgbClr val="FFFFFF"/>
-              </a:solidFill>
-            </a:endParaRPr>
           </a:p>
         </p:txBody>
       </p:sp>
@@ -12845,7 +13117,7 @@
           <p:cNvPr id="3" name="내용 개체 틀 2">
             <a:extLst>
               <a:ext uri="{FF2B5EF4-FFF2-40B4-BE49-F238E27FC236}">
-                <a16:creationId xmlns="" xmlns:a16="http://schemas.microsoft.com/office/drawing/2014/main" id="{A20C815D-EDE1-56C7-1746-3EB7001DB7A4}"/>
+                <a16:creationId xmlns:a16="http://schemas.microsoft.com/office/drawing/2014/main" id="{A20C815D-EDE1-56C7-1746-3EB7001DB7A4}"/>
               </a:ext>
             </a:extLst>
           </p:cNvPr>
@@ -12858,8 +13130,8 @@
         </p:nvSpPr>
         <p:spPr>
           <a:xfrm>
-            <a:off x="459351" y="2318197"/>
-            <a:ext cx="11174930" cy="3683358"/>
+            <a:off x="459351" y="1984443"/>
+            <a:ext cx="11174930" cy="4017112"/>
           </a:xfrm>
         </p:spPr>
         <p:txBody>
@@ -12937,6 +13209,16 @@
             <a:r>
               <a:rPr lang="ko-KR" altLang="en-US" sz="2000" dirty="0"/>
               <a:t>기능에 필요한 메서드를 많이 알지 못해 어려움을 겪음</a:t>
+            </a:r>
+            <a:endParaRPr lang="en-US" altLang="ko-KR" sz="2000" dirty="0"/>
+          </a:p>
+          <a:p>
+            <a:endParaRPr lang="en-US" altLang="ko-KR" sz="2000" dirty="0"/>
+          </a:p>
+          <a:p>
+            <a:r>
+              <a:rPr lang="ko-KR" altLang="en-US" sz="2000" dirty="0"/>
+              <a:t>기능구현을 위한 로직을 짜는데 어려움을 겪음 </a:t>
             </a:r>
             <a:endParaRPr lang="en-US" altLang="ko-KR" sz="2000" dirty="0"/>
           </a:p>

--- a/doc/TBFG 모바일 프로젝트.pptx
+++ b/doc/TBFG 모바일 프로젝트.pptx
@@ -987,6 +987,14 @@
         </dgm:presLayoutVars>
       </dgm:prSet>
       <dgm:spPr/>
+      <dgm:t>
+        <a:bodyPr/>
+        <a:lstStyle/>
+        <a:p>
+          <a:pPr latinLnBrk="1"/>
+          <a:endParaRPr lang="ko-KR" altLang="en-US"/>
+        </a:p>
+      </dgm:t>
     </dgm:pt>
     <dgm:pt modelId="{B5155DFF-3F11-49B5-B048-DF426ACCA0D7}" type="pres">
       <dgm:prSet presAssocID="{ACDEB3E2-97C6-449D-BC99-625E3677C541}" presName="hierRoot1" presStyleCnt="0"/>
@@ -1007,6 +1015,14 @@
         </dgm:presLayoutVars>
       </dgm:prSet>
       <dgm:spPr/>
+      <dgm:t>
+        <a:bodyPr/>
+        <a:lstStyle/>
+        <a:p>
+          <a:pPr latinLnBrk="1"/>
+          <a:endParaRPr lang="ko-KR" altLang="en-US"/>
+        </a:p>
+      </dgm:t>
     </dgm:pt>
     <dgm:pt modelId="{F6DBDF20-4EA8-4EBB-82C5-F31D29C93EE7}" type="pres">
       <dgm:prSet presAssocID="{ACDEB3E2-97C6-449D-BC99-625E3677C541}" presName="hierChild2" presStyleCnt="0"/>
@@ -1031,6 +1047,14 @@
         </dgm:presLayoutVars>
       </dgm:prSet>
       <dgm:spPr/>
+      <dgm:t>
+        <a:bodyPr/>
+        <a:lstStyle/>
+        <a:p>
+          <a:pPr latinLnBrk="1"/>
+          <a:endParaRPr lang="ko-KR" altLang="en-US"/>
+        </a:p>
+      </dgm:t>
     </dgm:pt>
     <dgm:pt modelId="{674C6D72-F42E-4D7F-9FB3-13ED6D07616E}" type="pres">
       <dgm:prSet presAssocID="{7D74B4A1-0D08-468F-8AA3-7A9655EE1500}" presName="hierChild2" presStyleCnt="0"/>
@@ -1039,10 +1063,10 @@
   </dgm:ptLst>
   <dgm:cxnLst>
     <dgm:cxn modelId="{2D93151A-3C5B-459D-8681-37BD979326BF}" type="presOf" srcId="{5E9AA483-F68E-40B8-9280-4BDD509DEB97}" destId="{A6CBDF42-0ABF-46DB-ABD5-57CEF482EF90}" srcOrd="0" destOrd="0" presId="urn:microsoft.com/office/officeart/2005/8/layout/hierarchy1"/>
+    <dgm:cxn modelId="{23D5BE5E-2670-4D98-8A8E-17478B132DC5}" type="presOf" srcId="{ACDEB3E2-97C6-449D-BC99-625E3677C541}" destId="{F9B2F84B-7703-4D1A-BBFC-BAB80DA8FF86}" srcOrd="0" destOrd="0" presId="urn:microsoft.com/office/officeart/2005/8/layout/hierarchy1"/>
+    <dgm:cxn modelId="{82A24AC2-A013-4490-AFDE-F3F3C463176C}" srcId="{5E9AA483-F68E-40B8-9280-4BDD509DEB97}" destId="{7D74B4A1-0D08-468F-8AA3-7A9655EE1500}" srcOrd="1" destOrd="0" parTransId="{FBEC3C64-7DA2-458A-9401-8DBB8F26490F}" sibTransId="{384D87E9-B0F3-4E1F-853D-B0F5CDD65D18}"/>
+    <dgm:cxn modelId="{F1CAF64C-994A-43D3-B197-A1C1244357CA}" srcId="{5E9AA483-F68E-40B8-9280-4BDD509DEB97}" destId="{ACDEB3E2-97C6-449D-BC99-625E3677C541}" srcOrd="0" destOrd="0" parTransId="{64520C44-3F38-41DF-AF46-D97D6AEA8BC2}" sibTransId="{AACD806F-1D0D-4078-8FF6-F37FAD7D6AB1}"/>
     <dgm:cxn modelId="{E56EE81F-025A-4E6D-9B1B-F8F542987A87}" type="presOf" srcId="{7D74B4A1-0D08-468F-8AA3-7A9655EE1500}" destId="{DB0861DB-973B-4778-8A9F-880AFACD4AF2}" srcOrd="0" destOrd="0" presId="urn:microsoft.com/office/officeart/2005/8/layout/hierarchy1"/>
-    <dgm:cxn modelId="{23D5BE5E-2670-4D98-8A8E-17478B132DC5}" type="presOf" srcId="{ACDEB3E2-97C6-449D-BC99-625E3677C541}" destId="{F9B2F84B-7703-4D1A-BBFC-BAB80DA8FF86}" srcOrd="0" destOrd="0" presId="urn:microsoft.com/office/officeart/2005/8/layout/hierarchy1"/>
-    <dgm:cxn modelId="{F1CAF64C-994A-43D3-B197-A1C1244357CA}" srcId="{5E9AA483-F68E-40B8-9280-4BDD509DEB97}" destId="{ACDEB3E2-97C6-449D-BC99-625E3677C541}" srcOrd="0" destOrd="0" parTransId="{64520C44-3F38-41DF-AF46-D97D6AEA8BC2}" sibTransId="{AACD806F-1D0D-4078-8FF6-F37FAD7D6AB1}"/>
-    <dgm:cxn modelId="{82A24AC2-A013-4490-AFDE-F3F3C463176C}" srcId="{5E9AA483-F68E-40B8-9280-4BDD509DEB97}" destId="{7D74B4A1-0D08-468F-8AA3-7A9655EE1500}" srcOrd="1" destOrd="0" parTransId="{FBEC3C64-7DA2-458A-9401-8DBB8F26490F}" sibTransId="{384D87E9-B0F3-4E1F-853D-B0F5CDD65D18}"/>
     <dgm:cxn modelId="{DC90F452-BEFB-4D1B-A44F-6FF11F00497B}" type="presParOf" srcId="{A6CBDF42-0ABF-46DB-ABD5-57CEF482EF90}" destId="{B5155DFF-3F11-49B5-B048-DF426ACCA0D7}" srcOrd="0" destOrd="0" presId="urn:microsoft.com/office/officeart/2005/8/layout/hierarchy1"/>
     <dgm:cxn modelId="{27F4ED7D-12C6-4B44-BB10-BB2858A206E7}" type="presParOf" srcId="{B5155DFF-3F11-49B5-B048-DF426ACCA0D7}" destId="{35998272-D23F-43E6-A948-677D78109FC9}" srcOrd="0" destOrd="0" presId="urn:microsoft.com/office/officeart/2005/8/layout/hierarchy1"/>
     <dgm:cxn modelId="{34CD9068-8A1C-4900-90D5-55AE470D7566}" type="presParOf" srcId="{35998272-D23F-43E6-A948-677D78109FC9}" destId="{915EC1DB-BC46-4F7A-A6AD-E65F9177E6F5}" srcOrd="0" destOrd="0" presId="urn:microsoft.com/office/officeart/2005/8/layout/hierarchy1"/>
@@ -1072,286 +1096,6 @@
       <dsp:cNvGrpSpPr/>
     </dsp:nvGrpSpPr>
     <dsp:grpSpPr/>
-    <dsp:sp modelId="{915EC1DB-BC46-4F7A-A6AD-E65F9177E6F5}">
-      <dsp:nvSpPr>
-        <dsp:cNvPr id="0" name=""/>
-        <dsp:cNvSpPr/>
-      </dsp:nvSpPr>
-      <dsp:spPr>
-        <a:xfrm>
-          <a:off x="629" y="861165"/>
-          <a:ext cx="2209940" cy="1403312"/>
-        </a:xfrm>
-        <a:prstGeom prst="roundRect">
-          <a:avLst>
-            <a:gd name="adj" fmla="val 10000"/>
-          </a:avLst>
-        </a:prstGeom>
-        <a:solidFill>
-          <a:schemeClr val="accent1">
-            <a:hueOff val="0"/>
-            <a:satOff val="0"/>
-            <a:lumOff val="0"/>
-            <a:alphaOff val="0"/>
-          </a:schemeClr>
-        </a:solidFill>
-        <a:ln w="19050" cap="flat" cmpd="sng" algn="ctr">
-          <a:solidFill>
-            <a:schemeClr val="lt1">
-              <a:hueOff val="0"/>
-              <a:satOff val="0"/>
-              <a:lumOff val="0"/>
-              <a:alphaOff val="0"/>
-            </a:schemeClr>
-          </a:solidFill>
-          <a:prstDash val="solid"/>
-          <a:miter lim="800000"/>
-        </a:ln>
-        <a:effectLst/>
-      </dsp:spPr>
-      <dsp:style>
-        <a:lnRef idx="2">
-          <a:scrgbClr r="0" g="0" b="0"/>
-        </a:lnRef>
-        <a:fillRef idx="1">
-          <a:scrgbClr r="0" g="0" b="0"/>
-        </a:fillRef>
-        <a:effectRef idx="0">
-          <a:scrgbClr r="0" g="0" b="0"/>
-        </a:effectRef>
-        <a:fontRef idx="minor">
-          <a:schemeClr val="lt1"/>
-        </a:fontRef>
-      </dsp:style>
-    </dsp:sp>
-    <dsp:sp modelId="{F9B2F84B-7703-4D1A-BBFC-BAB80DA8FF86}">
-      <dsp:nvSpPr>
-        <dsp:cNvPr id="0" name=""/>
-        <dsp:cNvSpPr/>
-      </dsp:nvSpPr>
-      <dsp:spPr>
-        <a:xfrm>
-          <a:off x="246178" y="1094436"/>
-          <a:ext cx="2209940" cy="1403312"/>
-        </a:xfrm>
-        <a:prstGeom prst="roundRect">
-          <a:avLst>
-            <a:gd name="adj" fmla="val 10000"/>
-          </a:avLst>
-        </a:prstGeom>
-        <a:solidFill>
-          <a:schemeClr val="lt1">
-            <a:alpha val="90000"/>
-            <a:hueOff val="0"/>
-            <a:satOff val="0"/>
-            <a:lumOff val="0"/>
-            <a:alphaOff val="0"/>
-          </a:schemeClr>
-        </a:solidFill>
-        <a:ln w="19050" cap="flat" cmpd="sng" algn="ctr">
-          <a:solidFill>
-            <a:schemeClr val="accent1">
-              <a:hueOff val="0"/>
-              <a:satOff val="0"/>
-              <a:lumOff val="0"/>
-              <a:alphaOff val="0"/>
-            </a:schemeClr>
-          </a:solidFill>
-          <a:prstDash val="solid"/>
-          <a:miter lim="800000"/>
-        </a:ln>
-        <a:effectLst/>
-      </dsp:spPr>
-      <dsp:style>
-        <a:lnRef idx="2">
-          <a:scrgbClr r="0" g="0" b="0"/>
-        </a:lnRef>
-        <a:fillRef idx="1">
-          <a:scrgbClr r="0" g="0" b="0"/>
-        </a:fillRef>
-        <a:effectRef idx="0">
-          <a:scrgbClr r="0" g="0" b="0"/>
-        </a:effectRef>
-        <a:fontRef idx="minor"/>
-      </dsp:style>
-      <dsp:txBody>
-        <a:bodyPr spcFirstLastPara="0" vert="horz" wrap="square" lIns="64770" tIns="64770" rIns="64770" bIns="64770" numCol="1" spcCol="1270" anchor="ctr" anchorCtr="0">
-          <a:noAutofit/>
-        </a:bodyPr>
-        <a:lstStyle/>
-        <a:p>
-          <a:pPr marL="0" lvl="0" indent="0" algn="ctr" defTabSz="755650">
-            <a:lnSpc>
-              <a:spcPct val="90000"/>
-            </a:lnSpc>
-            <a:spcBef>
-              <a:spcPct val="0"/>
-            </a:spcBef>
-            <a:spcAft>
-              <a:spcPct val="35000"/>
-            </a:spcAft>
-            <a:buNone/>
-          </a:pPr>
-          <a:r>
-            <a:rPr lang="ko-KR" sz="1700" b="0" i="0" kern="1200"/>
-            <a:t>강의실 내 원하는 자리를 사전 예약할 수 있는 시스템 구축</a:t>
-          </a:r>
-          <a:endParaRPr lang="en-US" sz="1700" kern="1200"/>
-        </a:p>
-      </dsp:txBody>
-      <dsp:txXfrm>
-        <a:off x="287280" y="1135538"/>
-        <a:ext cx="2127736" cy="1321108"/>
-      </dsp:txXfrm>
-    </dsp:sp>
-    <dsp:sp modelId="{796D07AA-87B6-42C9-A66F-7CF35E79A26D}">
-      <dsp:nvSpPr>
-        <dsp:cNvPr id="0" name=""/>
-        <dsp:cNvSpPr/>
-      </dsp:nvSpPr>
-      <dsp:spPr>
-        <a:xfrm>
-          <a:off x="2701667" y="861165"/>
-          <a:ext cx="2209940" cy="1403312"/>
-        </a:xfrm>
-        <a:prstGeom prst="roundRect">
-          <a:avLst>
-            <a:gd name="adj" fmla="val 10000"/>
-          </a:avLst>
-        </a:prstGeom>
-        <a:solidFill>
-          <a:schemeClr val="accent1">
-            <a:hueOff val="0"/>
-            <a:satOff val="0"/>
-            <a:lumOff val="0"/>
-            <a:alphaOff val="0"/>
-          </a:schemeClr>
-        </a:solidFill>
-        <a:ln w="19050" cap="flat" cmpd="sng" algn="ctr">
-          <a:solidFill>
-            <a:schemeClr val="lt1">
-              <a:hueOff val="0"/>
-              <a:satOff val="0"/>
-              <a:lumOff val="0"/>
-              <a:alphaOff val="0"/>
-            </a:schemeClr>
-          </a:solidFill>
-          <a:prstDash val="solid"/>
-          <a:miter lim="800000"/>
-        </a:ln>
-        <a:effectLst/>
-      </dsp:spPr>
-      <dsp:style>
-        <a:lnRef idx="2">
-          <a:scrgbClr r="0" g="0" b="0"/>
-        </a:lnRef>
-        <a:fillRef idx="1">
-          <a:scrgbClr r="0" g="0" b="0"/>
-        </a:fillRef>
-        <a:effectRef idx="0">
-          <a:scrgbClr r="0" g="0" b="0"/>
-        </a:effectRef>
-        <a:fontRef idx="minor">
-          <a:schemeClr val="lt1"/>
-        </a:fontRef>
-      </dsp:style>
-    </dsp:sp>
-    <dsp:sp modelId="{DB0861DB-973B-4778-8A9F-880AFACD4AF2}">
-      <dsp:nvSpPr>
-        <dsp:cNvPr id="0" name=""/>
-        <dsp:cNvSpPr/>
-      </dsp:nvSpPr>
-      <dsp:spPr>
-        <a:xfrm>
-          <a:off x="2947216" y="1094436"/>
-          <a:ext cx="2209940" cy="1403312"/>
-        </a:xfrm>
-        <a:prstGeom prst="roundRect">
-          <a:avLst>
-            <a:gd name="adj" fmla="val 10000"/>
-          </a:avLst>
-        </a:prstGeom>
-        <a:solidFill>
-          <a:schemeClr val="lt1">
-            <a:alpha val="90000"/>
-            <a:hueOff val="0"/>
-            <a:satOff val="0"/>
-            <a:lumOff val="0"/>
-            <a:alphaOff val="0"/>
-          </a:schemeClr>
-        </a:solidFill>
-        <a:ln w="19050" cap="flat" cmpd="sng" algn="ctr">
-          <a:solidFill>
-            <a:schemeClr val="accent1">
-              <a:hueOff val="0"/>
-              <a:satOff val="0"/>
-              <a:lumOff val="0"/>
-              <a:alphaOff val="0"/>
-            </a:schemeClr>
-          </a:solidFill>
-          <a:prstDash val="solid"/>
-          <a:miter lim="800000"/>
-        </a:ln>
-        <a:effectLst/>
-      </dsp:spPr>
-      <dsp:style>
-        <a:lnRef idx="2">
-          <a:scrgbClr r="0" g="0" b="0"/>
-        </a:lnRef>
-        <a:fillRef idx="1">
-          <a:scrgbClr r="0" g="0" b="0"/>
-        </a:fillRef>
-        <a:effectRef idx="0">
-          <a:scrgbClr r="0" g="0" b="0"/>
-        </a:effectRef>
-        <a:fontRef idx="minor"/>
-      </dsp:style>
-      <dsp:txBody>
-        <a:bodyPr spcFirstLastPara="0" vert="horz" wrap="square" lIns="64770" tIns="64770" rIns="64770" bIns="64770" numCol="1" spcCol="1270" anchor="ctr" anchorCtr="0">
-          <a:noAutofit/>
-        </a:bodyPr>
-        <a:lstStyle/>
-        <a:p>
-          <a:pPr marL="0" lvl="0" indent="0" algn="ctr" defTabSz="755650">
-            <a:lnSpc>
-              <a:spcPct val="90000"/>
-            </a:lnSpc>
-            <a:spcBef>
-              <a:spcPct val="0"/>
-            </a:spcBef>
-            <a:spcAft>
-              <a:spcPct val="35000"/>
-            </a:spcAft>
-            <a:buNone/>
-          </a:pPr>
-          <a:r>
-            <a:rPr lang="ko-KR" sz="1700" kern="1200"/>
-            <a:t>예약 시 제공된 </a:t>
-          </a:r>
-          <a:r>
-            <a:rPr lang="en-US" sz="1700" kern="1200"/>
-            <a:t>OTP</a:t>
-          </a:r>
-          <a:r>
-            <a:rPr lang="ko-KR" sz="1700" kern="1200"/>
-            <a:t>를 통해 </a:t>
-          </a:r>
-          <a:r>
-            <a:rPr lang="en-US" sz="1700" kern="1200"/>
-            <a:t>PC </a:t>
-          </a:r>
-          <a:r>
-            <a:rPr lang="ko-KR" sz="1700" kern="1200"/>
-            <a:t>잠금 해제 기능 제공</a:t>
-          </a:r>
-          <a:endParaRPr lang="en-US" sz="1700" kern="1200"/>
-        </a:p>
-      </dsp:txBody>
-      <dsp:txXfrm>
-        <a:off x="2988318" y="1135538"/>
-        <a:ext cx="2127736" cy="1321108"/>
-      </dsp:txXfrm>
-    </dsp:sp>
   </dsp:spTree>
 </dsp:drawing>
 </file>
@@ -3576,7 +3320,7 @@
           <p:cNvPr id="2" name="제목 1">
             <a:extLst>
               <a:ext uri="{FF2B5EF4-FFF2-40B4-BE49-F238E27FC236}">
-                <a16:creationId xmlns:a16="http://schemas.microsoft.com/office/drawing/2014/main" id="{124A51D6-DBA9-BE8F-8D24-A679BEC07BB6}"/>
+                <a16:creationId xmlns:a16="http://schemas.microsoft.com/office/drawing/2014/main" xmlns="" id="{124A51D6-DBA9-BE8F-8D24-A679BEC07BB6}"/>
               </a:ext>
             </a:extLst>
           </p:cNvPr>
@@ -3613,7 +3357,7 @@
           <p:cNvPr id="3" name="부제목 2">
             <a:extLst>
               <a:ext uri="{FF2B5EF4-FFF2-40B4-BE49-F238E27FC236}">
-                <a16:creationId xmlns:a16="http://schemas.microsoft.com/office/drawing/2014/main" id="{0A8C71ED-F94B-F28E-6883-F23620BCACF9}"/>
+                <a16:creationId xmlns:a16="http://schemas.microsoft.com/office/drawing/2014/main" xmlns="" id="{0A8C71ED-F94B-F28E-6883-F23620BCACF9}"/>
               </a:ext>
             </a:extLst>
           </p:cNvPr>
@@ -3683,7 +3427,7 @@
           <p:cNvPr id="4" name="날짜 개체 틀 3">
             <a:extLst>
               <a:ext uri="{FF2B5EF4-FFF2-40B4-BE49-F238E27FC236}">
-                <a16:creationId xmlns:a16="http://schemas.microsoft.com/office/drawing/2014/main" id="{C99F6AC2-87FC-DBFE-B006-E814B68EF01E}"/>
+                <a16:creationId xmlns:a16="http://schemas.microsoft.com/office/drawing/2014/main" xmlns="" id="{C99F6AC2-87FC-DBFE-B006-E814B68EF01E}"/>
               </a:ext>
             </a:extLst>
           </p:cNvPr>
@@ -3712,7 +3456,7 @@
           <p:cNvPr id="5" name="바닥글 개체 틀 4">
             <a:extLst>
               <a:ext uri="{FF2B5EF4-FFF2-40B4-BE49-F238E27FC236}">
-                <a16:creationId xmlns:a16="http://schemas.microsoft.com/office/drawing/2014/main" id="{873A8C28-E376-42DF-E684-08172FF76185}"/>
+                <a16:creationId xmlns:a16="http://schemas.microsoft.com/office/drawing/2014/main" xmlns="" id="{873A8C28-E376-42DF-E684-08172FF76185}"/>
               </a:ext>
             </a:extLst>
           </p:cNvPr>
@@ -3737,7 +3481,7 @@
           <p:cNvPr id="6" name="슬라이드 번호 개체 틀 5">
             <a:extLst>
               <a:ext uri="{FF2B5EF4-FFF2-40B4-BE49-F238E27FC236}">
-                <a16:creationId xmlns:a16="http://schemas.microsoft.com/office/drawing/2014/main" id="{C39D65F8-A723-6DA7-C817-1C933D25BDF1}"/>
+                <a16:creationId xmlns:a16="http://schemas.microsoft.com/office/drawing/2014/main" xmlns="" id="{C39D65F8-A723-6DA7-C817-1C933D25BDF1}"/>
               </a:ext>
             </a:extLst>
           </p:cNvPr>
@@ -3796,7 +3540,7 @@
           <p:cNvPr id="2" name="제목 1">
             <a:extLst>
               <a:ext uri="{FF2B5EF4-FFF2-40B4-BE49-F238E27FC236}">
-                <a16:creationId xmlns:a16="http://schemas.microsoft.com/office/drawing/2014/main" id="{7B3D8512-A985-E2F9-052F-0D5D5D792A32}"/>
+                <a16:creationId xmlns:a16="http://schemas.microsoft.com/office/drawing/2014/main" xmlns="" id="{7B3D8512-A985-E2F9-052F-0D5D5D792A32}"/>
               </a:ext>
             </a:extLst>
           </p:cNvPr>
@@ -3824,7 +3568,7 @@
           <p:cNvPr id="3" name="세로 텍스트 개체 틀 2">
             <a:extLst>
               <a:ext uri="{FF2B5EF4-FFF2-40B4-BE49-F238E27FC236}">
-                <a16:creationId xmlns:a16="http://schemas.microsoft.com/office/drawing/2014/main" id="{564E68EA-3BC6-5CE9-2666-69DD649BBF83}"/>
+                <a16:creationId xmlns:a16="http://schemas.microsoft.com/office/drawing/2014/main" xmlns="" id="{564E68EA-3BC6-5CE9-2666-69DD649BBF83}"/>
               </a:ext>
             </a:extLst>
           </p:cNvPr>
@@ -3881,7 +3625,7 @@
           <p:cNvPr id="4" name="날짜 개체 틀 3">
             <a:extLst>
               <a:ext uri="{FF2B5EF4-FFF2-40B4-BE49-F238E27FC236}">
-                <a16:creationId xmlns:a16="http://schemas.microsoft.com/office/drawing/2014/main" id="{150E0970-5134-657E-EDC9-D97DBBF9CD65}"/>
+                <a16:creationId xmlns:a16="http://schemas.microsoft.com/office/drawing/2014/main" xmlns="" id="{150E0970-5134-657E-EDC9-D97DBBF9CD65}"/>
               </a:ext>
             </a:extLst>
           </p:cNvPr>
@@ -3910,7 +3654,7 @@
           <p:cNvPr id="5" name="바닥글 개체 틀 4">
             <a:extLst>
               <a:ext uri="{FF2B5EF4-FFF2-40B4-BE49-F238E27FC236}">
-                <a16:creationId xmlns:a16="http://schemas.microsoft.com/office/drawing/2014/main" id="{A6746D8E-43B9-5841-81E1-0B05635B6E77}"/>
+                <a16:creationId xmlns:a16="http://schemas.microsoft.com/office/drawing/2014/main" xmlns="" id="{A6746D8E-43B9-5841-81E1-0B05635B6E77}"/>
               </a:ext>
             </a:extLst>
           </p:cNvPr>
@@ -3935,7 +3679,7 @@
           <p:cNvPr id="6" name="슬라이드 번호 개체 틀 5">
             <a:extLst>
               <a:ext uri="{FF2B5EF4-FFF2-40B4-BE49-F238E27FC236}">
-                <a16:creationId xmlns:a16="http://schemas.microsoft.com/office/drawing/2014/main" id="{FB62CF8F-0F7F-D77C-A82B-58685D6B456F}"/>
+                <a16:creationId xmlns:a16="http://schemas.microsoft.com/office/drawing/2014/main" xmlns="" id="{FB62CF8F-0F7F-D77C-A82B-58685D6B456F}"/>
               </a:ext>
             </a:extLst>
           </p:cNvPr>
@@ -3994,7 +3738,7 @@
           <p:cNvPr id="2" name="세로 제목 1">
             <a:extLst>
               <a:ext uri="{FF2B5EF4-FFF2-40B4-BE49-F238E27FC236}">
-                <a16:creationId xmlns:a16="http://schemas.microsoft.com/office/drawing/2014/main" id="{E0F71C47-1703-8BDA-2C79-993C0BC0BD30}"/>
+                <a16:creationId xmlns:a16="http://schemas.microsoft.com/office/drawing/2014/main" xmlns="" id="{E0F71C47-1703-8BDA-2C79-993C0BC0BD30}"/>
               </a:ext>
             </a:extLst>
           </p:cNvPr>
@@ -4027,7 +3771,7 @@
           <p:cNvPr id="3" name="세로 텍스트 개체 틀 2">
             <a:extLst>
               <a:ext uri="{FF2B5EF4-FFF2-40B4-BE49-F238E27FC236}">
-                <a16:creationId xmlns:a16="http://schemas.microsoft.com/office/drawing/2014/main" id="{E24A9338-BFE0-6B78-B576-6A4CA6A59AD5}"/>
+                <a16:creationId xmlns:a16="http://schemas.microsoft.com/office/drawing/2014/main" xmlns="" id="{E24A9338-BFE0-6B78-B576-6A4CA6A59AD5}"/>
               </a:ext>
             </a:extLst>
           </p:cNvPr>
@@ -4089,7 +3833,7 @@
           <p:cNvPr id="4" name="날짜 개체 틀 3">
             <a:extLst>
               <a:ext uri="{FF2B5EF4-FFF2-40B4-BE49-F238E27FC236}">
-                <a16:creationId xmlns:a16="http://schemas.microsoft.com/office/drawing/2014/main" id="{E1F2D0EA-F145-7299-BF79-B3A1EFF2C9E5}"/>
+                <a16:creationId xmlns:a16="http://schemas.microsoft.com/office/drawing/2014/main" xmlns="" id="{E1F2D0EA-F145-7299-BF79-B3A1EFF2C9E5}"/>
               </a:ext>
             </a:extLst>
           </p:cNvPr>
@@ -4118,7 +3862,7 @@
           <p:cNvPr id="5" name="바닥글 개체 틀 4">
             <a:extLst>
               <a:ext uri="{FF2B5EF4-FFF2-40B4-BE49-F238E27FC236}">
-                <a16:creationId xmlns:a16="http://schemas.microsoft.com/office/drawing/2014/main" id="{34995B71-7374-84D7-73B8-7FD7384244B7}"/>
+                <a16:creationId xmlns:a16="http://schemas.microsoft.com/office/drawing/2014/main" xmlns="" id="{34995B71-7374-84D7-73B8-7FD7384244B7}"/>
               </a:ext>
             </a:extLst>
           </p:cNvPr>
@@ -4143,7 +3887,7 @@
           <p:cNvPr id="6" name="슬라이드 번호 개체 틀 5">
             <a:extLst>
               <a:ext uri="{FF2B5EF4-FFF2-40B4-BE49-F238E27FC236}">
-                <a16:creationId xmlns:a16="http://schemas.microsoft.com/office/drawing/2014/main" id="{D8CA3FE0-470B-B334-D1AA-3C204479962E}"/>
+                <a16:creationId xmlns:a16="http://schemas.microsoft.com/office/drawing/2014/main" xmlns="" id="{D8CA3FE0-470B-B334-D1AA-3C204479962E}"/>
               </a:ext>
             </a:extLst>
           </p:cNvPr>
@@ -4202,7 +3946,7 @@
           <p:cNvPr id="2" name="제목 1">
             <a:extLst>
               <a:ext uri="{FF2B5EF4-FFF2-40B4-BE49-F238E27FC236}">
-                <a16:creationId xmlns:a16="http://schemas.microsoft.com/office/drawing/2014/main" id="{6DC57BCD-81C2-E91A-CC30-83FF49CBC9B2}"/>
+                <a16:creationId xmlns:a16="http://schemas.microsoft.com/office/drawing/2014/main" xmlns="" id="{6DC57BCD-81C2-E91A-CC30-83FF49CBC9B2}"/>
               </a:ext>
             </a:extLst>
           </p:cNvPr>
@@ -4230,7 +3974,7 @@
           <p:cNvPr id="3" name="내용 개체 틀 2">
             <a:extLst>
               <a:ext uri="{FF2B5EF4-FFF2-40B4-BE49-F238E27FC236}">
-                <a16:creationId xmlns:a16="http://schemas.microsoft.com/office/drawing/2014/main" id="{C915A9E6-DAE5-0140-7F3A-F201A49AF12C}"/>
+                <a16:creationId xmlns:a16="http://schemas.microsoft.com/office/drawing/2014/main" xmlns="" id="{C915A9E6-DAE5-0140-7F3A-F201A49AF12C}"/>
               </a:ext>
             </a:extLst>
           </p:cNvPr>
@@ -4287,7 +4031,7 @@
           <p:cNvPr id="4" name="날짜 개체 틀 3">
             <a:extLst>
               <a:ext uri="{FF2B5EF4-FFF2-40B4-BE49-F238E27FC236}">
-                <a16:creationId xmlns:a16="http://schemas.microsoft.com/office/drawing/2014/main" id="{380D67BD-1DE5-DE59-239C-EF1CED07112B}"/>
+                <a16:creationId xmlns:a16="http://schemas.microsoft.com/office/drawing/2014/main" xmlns="" id="{380D67BD-1DE5-DE59-239C-EF1CED07112B}"/>
               </a:ext>
             </a:extLst>
           </p:cNvPr>
@@ -4316,7 +4060,7 @@
           <p:cNvPr id="5" name="바닥글 개체 틀 4">
             <a:extLst>
               <a:ext uri="{FF2B5EF4-FFF2-40B4-BE49-F238E27FC236}">
-                <a16:creationId xmlns:a16="http://schemas.microsoft.com/office/drawing/2014/main" id="{5918BD9F-8B27-16EB-5230-DDC88AB9A62C}"/>
+                <a16:creationId xmlns:a16="http://schemas.microsoft.com/office/drawing/2014/main" xmlns="" id="{5918BD9F-8B27-16EB-5230-DDC88AB9A62C}"/>
               </a:ext>
             </a:extLst>
           </p:cNvPr>
@@ -4341,7 +4085,7 @@
           <p:cNvPr id="6" name="슬라이드 번호 개체 틀 5">
             <a:extLst>
               <a:ext uri="{FF2B5EF4-FFF2-40B4-BE49-F238E27FC236}">
-                <a16:creationId xmlns:a16="http://schemas.microsoft.com/office/drawing/2014/main" id="{B097C29F-9748-2B3B-86D2-84D741BA3F11}"/>
+                <a16:creationId xmlns:a16="http://schemas.microsoft.com/office/drawing/2014/main" xmlns="" id="{B097C29F-9748-2B3B-86D2-84D741BA3F11}"/>
               </a:ext>
             </a:extLst>
           </p:cNvPr>
@@ -4400,7 +4144,7 @@
           <p:cNvPr id="2" name="제목 1">
             <a:extLst>
               <a:ext uri="{FF2B5EF4-FFF2-40B4-BE49-F238E27FC236}">
-                <a16:creationId xmlns:a16="http://schemas.microsoft.com/office/drawing/2014/main" id="{E0C45445-1ED5-3302-66CC-D5747247074F}"/>
+                <a16:creationId xmlns:a16="http://schemas.microsoft.com/office/drawing/2014/main" xmlns="" id="{E0C45445-1ED5-3302-66CC-D5747247074F}"/>
               </a:ext>
             </a:extLst>
           </p:cNvPr>
@@ -4437,7 +4181,7 @@
           <p:cNvPr id="3" name="텍스트 개체 틀 2">
             <a:extLst>
               <a:ext uri="{FF2B5EF4-FFF2-40B4-BE49-F238E27FC236}">
-                <a16:creationId xmlns:a16="http://schemas.microsoft.com/office/drawing/2014/main" id="{8B58CF69-D24B-13BE-F2F5-D96AF16D6978}"/>
+                <a16:creationId xmlns:a16="http://schemas.microsoft.com/office/drawing/2014/main" xmlns="" id="{8B58CF69-D24B-13BE-F2F5-D96AF16D6978}"/>
               </a:ext>
             </a:extLst>
           </p:cNvPr>
@@ -4562,7 +4306,7 @@
           <p:cNvPr id="4" name="날짜 개체 틀 3">
             <a:extLst>
               <a:ext uri="{FF2B5EF4-FFF2-40B4-BE49-F238E27FC236}">
-                <a16:creationId xmlns:a16="http://schemas.microsoft.com/office/drawing/2014/main" id="{A7FEC433-B582-8EEE-1E5A-492FF5F93AAD}"/>
+                <a16:creationId xmlns:a16="http://schemas.microsoft.com/office/drawing/2014/main" xmlns="" id="{A7FEC433-B582-8EEE-1E5A-492FF5F93AAD}"/>
               </a:ext>
             </a:extLst>
           </p:cNvPr>
@@ -4591,7 +4335,7 @@
           <p:cNvPr id="5" name="바닥글 개체 틀 4">
             <a:extLst>
               <a:ext uri="{FF2B5EF4-FFF2-40B4-BE49-F238E27FC236}">
-                <a16:creationId xmlns:a16="http://schemas.microsoft.com/office/drawing/2014/main" id="{CA153658-14E0-881D-DBC4-89611031A529}"/>
+                <a16:creationId xmlns:a16="http://schemas.microsoft.com/office/drawing/2014/main" xmlns="" id="{CA153658-14E0-881D-DBC4-89611031A529}"/>
               </a:ext>
             </a:extLst>
           </p:cNvPr>
@@ -4616,7 +4360,7 @@
           <p:cNvPr id="6" name="슬라이드 번호 개체 틀 5">
             <a:extLst>
               <a:ext uri="{FF2B5EF4-FFF2-40B4-BE49-F238E27FC236}">
-                <a16:creationId xmlns:a16="http://schemas.microsoft.com/office/drawing/2014/main" id="{3DEBDD6E-6997-ED93-AC9D-D8EA42E8D2DA}"/>
+                <a16:creationId xmlns:a16="http://schemas.microsoft.com/office/drawing/2014/main" xmlns="" id="{3DEBDD6E-6997-ED93-AC9D-D8EA42E8D2DA}"/>
               </a:ext>
             </a:extLst>
           </p:cNvPr>
@@ -4675,7 +4419,7 @@
           <p:cNvPr id="2" name="제목 1">
             <a:extLst>
               <a:ext uri="{FF2B5EF4-FFF2-40B4-BE49-F238E27FC236}">
-                <a16:creationId xmlns:a16="http://schemas.microsoft.com/office/drawing/2014/main" id="{1452B3B3-E647-5032-BC1A-E0118A585C42}"/>
+                <a16:creationId xmlns:a16="http://schemas.microsoft.com/office/drawing/2014/main" xmlns="" id="{1452B3B3-E647-5032-BC1A-E0118A585C42}"/>
               </a:ext>
             </a:extLst>
           </p:cNvPr>
@@ -4703,7 +4447,7 @@
           <p:cNvPr id="3" name="내용 개체 틀 2">
             <a:extLst>
               <a:ext uri="{FF2B5EF4-FFF2-40B4-BE49-F238E27FC236}">
-                <a16:creationId xmlns:a16="http://schemas.microsoft.com/office/drawing/2014/main" id="{81FA7C8C-A10A-A698-18B7-2E09F27823F6}"/>
+                <a16:creationId xmlns:a16="http://schemas.microsoft.com/office/drawing/2014/main" xmlns="" id="{81FA7C8C-A10A-A698-18B7-2E09F27823F6}"/>
               </a:ext>
             </a:extLst>
           </p:cNvPr>
@@ -4765,7 +4509,7 @@
           <p:cNvPr id="4" name="내용 개체 틀 3">
             <a:extLst>
               <a:ext uri="{FF2B5EF4-FFF2-40B4-BE49-F238E27FC236}">
-                <a16:creationId xmlns:a16="http://schemas.microsoft.com/office/drawing/2014/main" id="{15F17A48-4DE5-A939-1482-D709BBD802CC}"/>
+                <a16:creationId xmlns:a16="http://schemas.microsoft.com/office/drawing/2014/main" xmlns="" id="{15F17A48-4DE5-A939-1482-D709BBD802CC}"/>
               </a:ext>
             </a:extLst>
           </p:cNvPr>
@@ -4827,7 +4571,7 @@
           <p:cNvPr id="5" name="날짜 개체 틀 4">
             <a:extLst>
               <a:ext uri="{FF2B5EF4-FFF2-40B4-BE49-F238E27FC236}">
-                <a16:creationId xmlns:a16="http://schemas.microsoft.com/office/drawing/2014/main" id="{C8BA6D82-52E1-5485-F3FC-F3B27E59C7CF}"/>
+                <a16:creationId xmlns:a16="http://schemas.microsoft.com/office/drawing/2014/main" xmlns="" id="{C8BA6D82-52E1-5485-F3FC-F3B27E59C7CF}"/>
               </a:ext>
             </a:extLst>
           </p:cNvPr>
@@ -4856,7 +4600,7 @@
           <p:cNvPr id="6" name="바닥글 개체 틀 5">
             <a:extLst>
               <a:ext uri="{FF2B5EF4-FFF2-40B4-BE49-F238E27FC236}">
-                <a16:creationId xmlns:a16="http://schemas.microsoft.com/office/drawing/2014/main" id="{FADC1DB4-24A6-E57F-404B-0551C7A49F70}"/>
+                <a16:creationId xmlns:a16="http://schemas.microsoft.com/office/drawing/2014/main" xmlns="" id="{FADC1DB4-24A6-E57F-404B-0551C7A49F70}"/>
               </a:ext>
             </a:extLst>
           </p:cNvPr>
@@ -4881,7 +4625,7 @@
           <p:cNvPr id="7" name="슬라이드 번호 개체 틀 6">
             <a:extLst>
               <a:ext uri="{FF2B5EF4-FFF2-40B4-BE49-F238E27FC236}">
-                <a16:creationId xmlns:a16="http://schemas.microsoft.com/office/drawing/2014/main" id="{34EFFD92-6502-59D5-2B17-C155FC982522}"/>
+                <a16:creationId xmlns:a16="http://schemas.microsoft.com/office/drawing/2014/main" xmlns="" id="{34EFFD92-6502-59D5-2B17-C155FC982522}"/>
               </a:ext>
             </a:extLst>
           </p:cNvPr>
@@ -4940,7 +4684,7 @@
           <p:cNvPr id="2" name="제목 1">
             <a:extLst>
               <a:ext uri="{FF2B5EF4-FFF2-40B4-BE49-F238E27FC236}">
-                <a16:creationId xmlns:a16="http://schemas.microsoft.com/office/drawing/2014/main" id="{34C63465-4B5C-9137-E375-F224EE52F3B3}"/>
+                <a16:creationId xmlns:a16="http://schemas.microsoft.com/office/drawing/2014/main" xmlns="" id="{34C63465-4B5C-9137-E375-F224EE52F3B3}"/>
               </a:ext>
             </a:extLst>
           </p:cNvPr>
@@ -4973,7 +4717,7 @@
           <p:cNvPr id="3" name="텍스트 개체 틀 2">
             <a:extLst>
               <a:ext uri="{FF2B5EF4-FFF2-40B4-BE49-F238E27FC236}">
-                <a16:creationId xmlns:a16="http://schemas.microsoft.com/office/drawing/2014/main" id="{754A5CCF-FAFB-6D42-9AF8-040ACB3D9BA0}"/>
+                <a16:creationId xmlns:a16="http://schemas.microsoft.com/office/drawing/2014/main" xmlns="" id="{754A5CCF-FAFB-6D42-9AF8-040ACB3D9BA0}"/>
               </a:ext>
             </a:extLst>
           </p:cNvPr>
@@ -5044,7 +4788,7 @@
           <p:cNvPr id="4" name="내용 개체 틀 3">
             <a:extLst>
               <a:ext uri="{FF2B5EF4-FFF2-40B4-BE49-F238E27FC236}">
-                <a16:creationId xmlns:a16="http://schemas.microsoft.com/office/drawing/2014/main" id="{7CE5EF13-47EC-1488-2F05-6CDDA46A909F}"/>
+                <a16:creationId xmlns:a16="http://schemas.microsoft.com/office/drawing/2014/main" xmlns="" id="{7CE5EF13-47EC-1488-2F05-6CDDA46A909F}"/>
               </a:ext>
             </a:extLst>
           </p:cNvPr>
@@ -5106,7 +4850,7 @@
           <p:cNvPr id="5" name="텍스트 개체 틀 4">
             <a:extLst>
               <a:ext uri="{FF2B5EF4-FFF2-40B4-BE49-F238E27FC236}">
-                <a16:creationId xmlns:a16="http://schemas.microsoft.com/office/drawing/2014/main" id="{5506209C-75FB-900D-BF97-AD887BA0C51C}"/>
+                <a16:creationId xmlns:a16="http://schemas.microsoft.com/office/drawing/2014/main" xmlns="" id="{5506209C-75FB-900D-BF97-AD887BA0C51C}"/>
               </a:ext>
             </a:extLst>
           </p:cNvPr>
@@ -5177,7 +4921,7 @@
           <p:cNvPr id="6" name="내용 개체 틀 5">
             <a:extLst>
               <a:ext uri="{FF2B5EF4-FFF2-40B4-BE49-F238E27FC236}">
-                <a16:creationId xmlns:a16="http://schemas.microsoft.com/office/drawing/2014/main" id="{9D245B16-B29B-86BA-EC3A-7CB3B9DE4E01}"/>
+                <a16:creationId xmlns:a16="http://schemas.microsoft.com/office/drawing/2014/main" xmlns="" id="{9D245B16-B29B-86BA-EC3A-7CB3B9DE4E01}"/>
               </a:ext>
             </a:extLst>
           </p:cNvPr>
@@ -5239,7 +4983,7 @@
           <p:cNvPr id="7" name="날짜 개체 틀 6">
             <a:extLst>
               <a:ext uri="{FF2B5EF4-FFF2-40B4-BE49-F238E27FC236}">
-                <a16:creationId xmlns:a16="http://schemas.microsoft.com/office/drawing/2014/main" id="{51E27BC9-8C6B-5DDC-BD48-8E3D1878931D}"/>
+                <a16:creationId xmlns:a16="http://schemas.microsoft.com/office/drawing/2014/main" xmlns="" id="{51E27BC9-8C6B-5DDC-BD48-8E3D1878931D}"/>
               </a:ext>
             </a:extLst>
           </p:cNvPr>
@@ -5268,7 +5012,7 @@
           <p:cNvPr id="8" name="바닥글 개체 틀 7">
             <a:extLst>
               <a:ext uri="{FF2B5EF4-FFF2-40B4-BE49-F238E27FC236}">
-                <a16:creationId xmlns:a16="http://schemas.microsoft.com/office/drawing/2014/main" id="{A352355D-6777-8050-90D1-D3D2C009A7DC}"/>
+                <a16:creationId xmlns:a16="http://schemas.microsoft.com/office/drawing/2014/main" xmlns="" id="{A352355D-6777-8050-90D1-D3D2C009A7DC}"/>
               </a:ext>
             </a:extLst>
           </p:cNvPr>
@@ -5293,7 +5037,7 @@
           <p:cNvPr id="9" name="슬라이드 번호 개체 틀 8">
             <a:extLst>
               <a:ext uri="{FF2B5EF4-FFF2-40B4-BE49-F238E27FC236}">
-                <a16:creationId xmlns:a16="http://schemas.microsoft.com/office/drawing/2014/main" id="{3F5F1BC2-B1FE-43CB-606C-2341D362BAD5}"/>
+                <a16:creationId xmlns:a16="http://schemas.microsoft.com/office/drawing/2014/main" xmlns="" id="{3F5F1BC2-B1FE-43CB-606C-2341D362BAD5}"/>
               </a:ext>
             </a:extLst>
           </p:cNvPr>
@@ -5352,7 +5096,7 @@
           <p:cNvPr id="2" name="제목 1">
             <a:extLst>
               <a:ext uri="{FF2B5EF4-FFF2-40B4-BE49-F238E27FC236}">
-                <a16:creationId xmlns:a16="http://schemas.microsoft.com/office/drawing/2014/main" id="{AA206F37-4936-F473-5F06-4051D5804860}"/>
+                <a16:creationId xmlns:a16="http://schemas.microsoft.com/office/drawing/2014/main" xmlns="" id="{AA206F37-4936-F473-5F06-4051D5804860}"/>
               </a:ext>
             </a:extLst>
           </p:cNvPr>
@@ -5380,7 +5124,7 @@
           <p:cNvPr id="3" name="날짜 개체 틀 2">
             <a:extLst>
               <a:ext uri="{FF2B5EF4-FFF2-40B4-BE49-F238E27FC236}">
-                <a16:creationId xmlns:a16="http://schemas.microsoft.com/office/drawing/2014/main" id="{95C2BE1E-A2DC-AD18-668A-9160B8D8E4C1}"/>
+                <a16:creationId xmlns:a16="http://schemas.microsoft.com/office/drawing/2014/main" xmlns="" id="{95C2BE1E-A2DC-AD18-668A-9160B8D8E4C1}"/>
               </a:ext>
             </a:extLst>
           </p:cNvPr>
@@ -5409,7 +5153,7 @@
           <p:cNvPr id="4" name="바닥글 개체 틀 3">
             <a:extLst>
               <a:ext uri="{FF2B5EF4-FFF2-40B4-BE49-F238E27FC236}">
-                <a16:creationId xmlns:a16="http://schemas.microsoft.com/office/drawing/2014/main" id="{7020642A-A89C-7FF7-2764-3491433AB111}"/>
+                <a16:creationId xmlns:a16="http://schemas.microsoft.com/office/drawing/2014/main" xmlns="" id="{7020642A-A89C-7FF7-2764-3491433AB111}"/>
               </a:ext>
             </a:extLst>
           </p:cNvPr>
@@ -5434,7 +5178,7 @@
           <p:cNvPr id="5" name="슬라이드 번호 개체 틀 4">
             <a:extLst>
               <a:ext uri="{FF2B5EF4-FFF2-40B4-BE49-F238E27FC236}">
-                <a16:creationId xmlns:a16="http://schemas.microsoft.com/office/drawing/2014/main" id="{1BD84956-4010-7DC3-470D-8DD2AA635929}"/>
+                <a16:creationId xmlns:a16="http://schemas.microsoft.com/office/drawing/2014/main" xmlns="" id="{1BD84956-4010-7DC3-470D-8DD2AA635929}"/>
               </a:ext>
             </a:extLst>
           </p:cNvPr>
@@ -5493,7 +5237,7 @@
           <p:cNvPr id="2" name="날짜 개체 틀 1">
             <a:extLst>
               <a:ext uri="{FF2B5EF4-FFF2-40B4-BE49-F238E27FC236}">
-                <a16:creationId xmlns:a16="http://schemas.microsoft.com/office/drawing/2014/main" id="{BCEB933B-1E16-EE04-80B3-45B5F19C3504}"/>
+                <a16:creationId xmlns:a16="http://schemas.microsoft.com/office/drawing/2014/main" xmlns="" id="{BCEB933B-1E16-EE04-80B3-45B5F19C3504}"/>
               </a:ext>
             </a:extLst>
           </p:cNvPr>
@@ -5522,7 +5266,7 @@
           <p:cNvPr id="3" name="바닥글 개체 틀 2">
             <a:extLst>
               <a:ext uri="{FF2B5EF4-FFF2-40B4-BE49-F238E27FC236}">
-                <a16:creationId xmlns:a16="http://schemas.microsoft.com/office/drawing/2014/main" id="{BB23717C-B0B6-91D3-35EB-A0FCEBEB8931}"/>
+                <a16:creationId xmlns:a16="http://schemas.microsoft.com/office/drawing/2014/main" xmlns="" id="{BB23717C-B0B6-91D3-35EB-A0FCEBEB8931}"/>
               </a:ext>
             </a:extLst>
           </p:cNvPr>
@@ -5547,7 +5291,7 @@
           <p:cNvPr id="4" name="슬라이드 번호 개체 틀 3">
             <a:extLst>
               <a:ext uri="{FF2B5EF4-FFF2-40B4-BE49-F238E27FC236}">
-                <a16:creationId xmlns:a16="http://schemas.microsoft.com/office/drawing/2014/main" id="{96FBA90C-45BC-3AFD-3AB7-9B1F8EE053A4}"/>
+                <a16:creationId xmlns:a16="http://schemas.microsoft.com/office/drawing/2014/main" xmlns="" id="{96FBA90C-45BC-3AFD-3AB7-9B1F8EE053A4}"/>
               </a:ext>
             </a:extLst>
           </p:cNvPr>
@@ -5606,7 +5350,7 @@
           <p:cNvPr id="2" name="제목 1">
             <a:extLst>
               <a:ext uri="{FF2B5EF4-FFF2-40B4-BE49-F238E27FC236}">
-                <a16:creationId xmlns:a16="http://schemas.microsoft.com/office/drawing/2014/main" id="{B0976675-A2B5-CEC6-2547-3DE7B233C975}"/>
+                <a16:creationId xmlns:a16="http://schemas.microsoft.com/office/drawing/2014/main" xmlns="" id="{B0976675-A2B5-CEC6-2547-3DE7B233C975}"/>
               </a:ext>
             </a:extLst>
           </p:cNvPr>
@@ -5643,7 +5387,7 @@
           <p:cNvPr id="3" name="내용 개체 틀 2">
             <a:extLst>
               <a:ext uri="{FF2B5EF4-FFF2-40B4-BE49-F238E27FC236}">
-                <a16:creationId xmlns:a16="http://schemas.microsoft.com/office/drawing/2014/main" id="{C2F10736-36B3-D0A3-8621-E362A76E9493}"/>
+                <a16:creationId xmlns:a16="http://schemas.microsoft.com/office/drawing/2014/main" xmlns="" id="{C2F10736-36B3-D0A3-8621-E362A76E9493}"/>
               </a:ext>
             </a:extLst>
           </p:cNvPr>
@@ -5733,7 +5477,7 @@
           <p:cNvPr id="4" name="텍스트 개체 틀 3">
             <a:extLst>
               <a:ext uri="{FF2B5EF4-FFF2-40B4-BE49-F238E27FC236}">
-                <a16:creationId xmlns:a16="http://schemas.microsoft.com/office/drawing/2014/main" id="{2E1F606C-8BBA-01D5-BB57-CC1D63A04667}"/>
+                <a16:creationId xmlns:a16="http://schemas.microsoft.com/office/drawing/2014/main" xmlns="" id="{2E1F606C-8BBA-01D5-BB57-CC1D63A04667}"/>
               </a:ext>
             </a:extLst>
           </p:cNvPr>
@@ -5804,7 +5548,7 @@
           <p:cNvPr id="5" name="날짜 개체 틀 4">
             <a:extLst>
               <a:ext uri="{FF2B5EF4-FFF2-40B4-BE49-F238E27FC236}">
-                <a16:creationId xmlns:a16="http://schemas.microsoft.com/office/drawing/2014/main" id="{321A894A-8126-5FB6-CFD2-116295E9A497}"/>
+                <a16:creationId xmlns:a16="http://schemas.microsoft.com/office/drawing/2014/main" xmlns="" id="{321A894A-8126-5FB6-CFD2-116295E9A497}"/>
               </a:ext>
             </a:extLst>
           </p:cNvPr>
@@ -5833,7 +5577,7 @@
           <p:cNvPr id="6" name="바닥글 개체 틀 5">
             <a:extLst>
               <a:ext uri="{FF2B5EF4-FFF2-40B4-BE49-F238E27FC236}">
-                <a16:creationId xmlns:a16="http://schemas.microsoft.com/office/drawing/2014/main" id="{80A94236-373C-67FF-B260-A971F68D9990}"/>
+                <a16:creationId xmlns:a16="http://schemas.microsoft.com/office/drawing/2014/main" xmlns="" id="{80A94236-373C-67FF-B260-A971F68D9990}"/>
               </a:ext>
             </a:extLst>
           </p:cNvPr>
@@ -5858,7 +5602,7 @@
           <p:cNvPr id="7" name="슬라이드 번호 개체 틀 6">
             <a:extLst>
               <a:ext uri="{FF2B5EF4-FFF2-40B4-BE49-F238E27FC236}">
-                <a16:creationId xmlns:a16="http://schemas.microsoft.com/office/drawing/2014/main" id="{28883EF8-20A2-47DE-870F-90669510E4FC}"/>
+                <a16:creationId xmlns:a16="http://schemas.microsoft.com/office/drawing/2014/main" xmlns="" id="{28883EF8-20A2-47DE-870F-90669510E4FC}"/>
               </a:ext>
             </a:extLst>
           </p:cNvPr>
@@ -5917,7 +5661,7 @@
           <p:cNvPr id="2" name="제목 1">
             <a:extLst>
               <a:ext uri="{FF2B5EF4-FFF2-40B4-BE49-F238E27FC236}">
-                <a16:creationId xmlns:a16="http://schemas.microsoft.com/office/drawing/2014/main" id="{AF8471FC-E8CB-A47F-22AC-1996AC3A0DE0}"/>
+                <a16:creationId xmlns:a16="http://schemas.microsoft.com/office/drawing/2014/main" xmlns="" id="{AF8471FC-E8CB-A47F-22AC-1996AC3A0DE0}"/>
               </a:ext>
             </a:extLst>
           </p:cNvPr>
@@ -5954,7 +5698,7 @@
           <p:cNvPr id="3" name="그림 개체 틀 2">
             <a:extLst>
               <a:ext uri="{FF2B5EF4-FFF2-40B4-BE49-F238E27FC236}">
-                <a16:creationId xmlns:a16="http://schemas.microsoft.com/office/drawing/2014/main" id="{1F11711D-7FDE-3A3D-3559-4450632B30A4}"/>
+                <a16:creationId xmlns:a16="http://schemas.microsoft.com/office/drawing/2014/main" xmlns="" id="{1F11711D-7FDE-3A3D-3559-4450632B30A4}"/>
               </a:ext>
             </a:extLst>
           </p:cNvPr>
@@ -6021,7 +5765,7 @@
           <p:cNvPr id="4" name="텍스트 개체 틀 3">
             <a:extLst>
               <a:ext uri="{FF2B5EF4-FFF2-40B4-BE49-F238E27FC236}">
-                <a16:creationId xmlns:a16="http://schemas.microsoft.com/office/drawing/2014/main" id="{8808C143-BC52-3350-2B22-DB298DBC44F2}"/>
+                <a16:creationId xmlns:a16="http://schemas.microsoft.com/office/drawing/2014/main" xmlns="" id="{8808C143-BC52-3350-2B22-DB298DBC44F2}"/>
               </a:ext>
             </a:extLst>
           </p:cNvPr>
@@ -6092,7 +5836,7 @@
           <p:cNvPr id="5" name="날짜 개체 틀 4">
             <a:extLst>
               <a:ext uri="{FF2B5EF4-FFF2-40B4-BE49-F238E27FC236}">
-                <a16:creationId xmlns:a16="http://schemas.microsoft.com/office/drawing/2014/main" id="{DA5D1225-6A66-DAB7-2050-1B2F47D48FAA}"/>
+                <a16:creationId xmlns:a16="http://schemas.microsoft.com/office/drawing/2014/main" xmlns="" id="{DA5D1225-6A66-DAB7-2050-1B2F47D48FAA}"/>
               </a:ext>
             </a:extLst>
           </p:cNvPr>
@@ -6121,7 +5865,7 @@
           <p:cNvPr id="6" name="바닥글 개체 틀 5">
             <a:extLst>
               <a:ext uri="{FF2B5EF4-FFF2-40B4-BE49-F238E27FC236}">
-                <a16:creationId xmlns:a16="http://schemas.microsoft.com/office/drawing/2014/main" id="{6DF98D5F-F90C-88FB-2BE2-81FBB0FA6893}"/>
+                <a16:creationId xmlns:a16="http://schemas.microsoft.com/office/drawing/2014/main" xmlns="" id="{6DF98D5F-F90C-88FB-2BE2-81FBB0FA6893}"/>
               </a:ext>
             </a:extLst>
           </p:cNvPr>
@@ -6146,7 +5890,7 @@
           <p:cNvPr id="7" name="슬라이드 번호 개체 틀 6">
             <a:extLst>
               <a:ext uri="{FF2B5EF4-FFF2-40B4-BE49-F238E27FC236}">
-                <a16:creationId xmlns:a16="http://schemas.microsoft.com/office/drawing/2014/main" id="{8AC4579A-5429-4DC8-F62A-F83764EC136E}"/>
+                <a16:creationId xmlns:a16="http://schemas.microsoft.com/office/drawing/2014/main" xmlns="" id="{8AC4579A-5429-4DC8-F62A-F83764EC136E}"/>
               </a:ext>
             </a:extLst>
           </p:cNvPr>
@@ -6210,7 +5954,7 @@
           <p:cNvPr id="2" name="제목 개체 틀 1">
             <a:extLst>
               <a:ext uri="{FF2B5EF4-FFF2-40B4-BE49-F238E27FC236}">
-                <a16:creationId xmlns:a16="http://schemas.microsoft.com/office/drawing/2014/main" id="{90C184B7-0D1C-43EC-6963-79761C9051F1}"/>
+                <a16:creationId xmlns:a16="http://schemas.microsoft.com/office/drawing/2014/main" xmlns="" id="{90C184B7-0D1C-43EC-6963-79761C9051F1}"/>
               </a:ext>
             </a:extLst>
           </p:cNvPr>
@@ -6248,7 +5992,7 @@
           <p:cNvPr id="3" name="텍스트 개체 틀 2">
             <a:extLst>
               <a:ext uri="{FF2B5EF4-FFF2-40B4-BE49-F238E27FC236}">
-                <a16:creationId xmlns:a16="http://schemas.microsoft.com/office/drawing/2014/main" id="{42D039B6-42BF-3481-D5EE-A396FB4E6CDE}"/>
+                <a16:creationId xmlns:a16="http://schemas.microsoft.com/office/drawing/2014/main" xmlns="" id="{42D039B6-42BF-3481-D5EE-A396FB4E6CDE}"/>
               </a:ext>
             </a:extLst>
           </p:cNvPr>
@@ -6315,7 +6059,7 @@
           <p:cNvPr id="4" name="날짜 개체 틀 3">
             <a:extLst>
               <a:ext uri="{FF2B5EF4-FFF2-40B4-BE49-F238E27FC236}">
-                <a16:creationId xmlns:a16="http://schemas.microsoft.com/office/drawing/2014/main" id="{3931C644-BB14-BE8B-05C2-5E0D08E84807}"/>
+                <a16:creationId xmlns:a16="http://schemas.microsoft.com/office/drawing/2014/main" xmlns="" id="{3931C644-BB14-BE8B-05C2-5E0D08E84807}"/>
               </a:ext>
             </a:extLst>
           </p:cNvPr>
@@ -6362,7 +6106,7 @@
           <p:cNvPr id="5" name="바닥글 개체 틀 4">
             <a:extLst>
               <a:ext uri="{FF2B5EF4-FFF2-40B4-BE49-F238E27FC236}">
-                <a16:creationId xmlns:a16="http://schemas.microsoft.com/office/drawing/2014/main" id="{7E5314E0-B91D-5368-495A-E838F9054104}"/>
+                <a16:creationId xmlns:a16="http://schemas.microsoft.com/office/drawing/2014/main" xmlns="" id="{7E5314E0-B91D-5368-495A-E838F9054104}"/>
               </a:ext>
             </a:extLst>
           </p:cNvPr>
@@ -6405,7 +6149,7 @@
           <p:cNvPr id="6" name="슬라이드 번호 개체 틀 5">
             <a:extLst>
               <a:ext uri="{FF2B5EF4-FFF2-40B4-BE49-F238E27FC236}">
-                <a16:creationId xmlns:a16="http://schemas.microsoft.com/office/drawing/2014/main" id="{DAFA9AA8-049A-1D09-FB04-1E424451167C}"/>
+                <a16:creationId xmlns:a16="http://schemas.microsoft.com/office/drawing/2014/main" xmlns="" id="{DAFA9AA8-049A-1D09-FB04-1E424451167C}"/>
               </a:ext>
             </a:extLst>
           </p:cNvPr>
@@ -6781,10 +6525,10 @@
           <p:cNvPr id="8" name="Rectangle 7">
             <a:extLst>
               <a:ext uri="{FF2B5EF4-FFF2-40B4-BE49-F238E27FC236}">
-                <a16:creationId xmlns:a16="http://schemas.microsoft.com/office/drawing/2014/main" id="{6F5A5072-7B47-4D32-B52A-4EBBF590B8A5}"/>
+                <a16:creationId xmlns:a16="http://schemas.microsoft.com/office/drawing/2014/main" xmlns="" id="{6F5A5072-7B47-4D32-B52A-4EBBF590B8A5}"/>
               </a:ext>
               <a:ext uri="{C183D7F6-B498-43B3-948B-1728B52AA6E4}">
-                <adec:decorative xmlns:adec="http://schemas.microsoft.com/office/drawing/2017/decorative" val="1"/>
+                <adec:decorative xmlns:adec="http://schemas.microsoft.com/office/drawing/2017/decorative" xmlns="" val="1"/>
               </a:ext>
             </a:extLst>
           </p:cNvPr>
@@ -6794,7 +6538,7 @@
           <p:nvPr>
             <p:extLst>
               <p:ext uri="{386F3935-93C4-4BCD-93E2-E3B085C9AB24}">
-                <p16:designElem xmlns:p16="http://schemas.microsoft.com/office/powerpoint/2015/main" val="1"/>
+                <p16:designElem xmlns:p16="http://schemas.microsoft.com/office/powerpoint/2015/main" xmlns="" val="1"/>
               </p:ext>
             </p:extLst>
           </p:nvPr>
@@ -6857,10 +6601,10 @@
           <p:cNvPr id="10" name="Rectangle 9">
             <a:extLst>
               <a:ext uri="{FF2B5EF4-FFF2-40B4-BE49-F238E27FC236}">
-                <a16:creationId xmlns:a16="http://schemas.microsoft.com/office/drawing/2014/main" id="{9715DAF0-AE1B-46C9-8A6B-DB2AA05AB91D}"/>
+                <a16:creationId xmlns:a16="http://schemas.microsoft.com/office/drawing/2014/main" xmlns="" id="{9715DAF0-AE1B-46C9-8A6B-DB2AA05AB91D}"/>
               </a:ext>
               <a:ext uri="{C183D7F6-B498-43B3-948B-1728B52AA6E4}">
-                <adec:decorative xmlns:adec="http://schemas.microsoft.com/office/drawing/2017/decorative" val="1"/>
+                <adec:decorative xmlns:adec="http://schemas.microsoft.com/office/drawing/2017/decorative" xmlns="" val="1"/>
               </a:ext>
             </a:extLst>
           </p:cNvPr>
@@ -6870,7 +6614,7 @@
           <p:nvPr>
             <p:extLst>
               <p:ext uri="{386F3935-93C4-4BCD-93E2-E3B085C9AB24}">
-                <p16:designElem xmlns:p16="http://schemas.microsoft.com/office/powerpoint/2015/main" val="1"/>
+                <p16:designElem xmlns:p16="http://schemas.microsoft.com/office/powerpoint/2015/main" xmlns="" val="1"/>
               </p:ext>
             </p:extLst>
           </p:nvPr>
@@ -6930,10 +6674,10 @@
           <p:cNvPr id="12" name="Rectangle 11">
             <a:extLst>
               <a:ext uri="{FF2B5EF4-FFF2-40B4-BE49-F238E27FC236}">
-                <a16:creationId xmlns:a16="http://schemas.microsoft.com/office/drawing/2014/main" id="{6016219D-510E-4184-9090-6D5578A87BD1}"/>
+                <a16:creationId xmlns:a16="http://schemas.microsoft.com/office/drawing/2014/main" xmlns="" id="{6016219D-510E-4184-9090-6D5578A87BD1}"/>
               </a:ext>
               <a:ext uri="{C183D7F6-B498-43B3-948B-1728B52AA6E4}">
-                <adec:decorative xmlns:adec="http://schemas.microsoft.com/office/drawing/2017/decorative" val="1"/>
+                <adec:decorative xmlns:adec="http://schemas.microsoft.com/office/drawing/2017/decorative" xmlns="" val="1"/>
               </a:ext>
             </a:extLst>
           </p:cNvPr>
@@ -6943,7 +6687,7 @@
           <p:nvPr>
             <p:extLst>
               <p:ext uri="{386F3935-93C4-4BCD-93E2-E3B085C9AB24}">
-                <p16:designElem xmlns:p16="http://schemas.microsoft.com/office/powerpoint/2015/main" val="1"/>
+                <p16:designElem xmlns:p16="http://schemas.microsoft.com/office/powerpoint/2015/main" xmlns="" val="1"/>
               </p:ext>
             </p:extLst>
           </p:nvPr>
@@ -7006,10 +6750,10 @@
           <p:cNvPr id="14" name="Rectangle 13">
             <a:extLst>
               <a:ext uri="{FF2B5EF4-FFF2-40B4-BE49-F238E27FC236}">
-                <a16:creationId xmlns:a16="http://schemas.microsoft.com/office/drawing/2014/main" id="{AFF4A713-7B75-4B21-90D7-5AB19547C728}"/>
+                <a16:creationId xmlns:a16="http://schemas.microsoft.com/office/drawing/2014/main" xmlns="" id="{AFF4A713-7B75-4B21-90D7-5AB19547C728}"/>
               </a:ext>
               <a:ext uri="{C183D7F6-B498-43B3-948B-1728B52AA6E4}">
-                <adec:decorative xmlns:adec="http://schemas.microsoft.com/office/drawing/2017/decorative" val="1"/>
+                <adec:decorative xmlns:adec="http://schemas.microsoft.com/office/drawing/2017/decorative" xmlns="" val="1"/>
               </a:ext>
             </a:extLst>
           </p:cNvPr>
@@ -7019,7 +6763,7 @@
           <p:nvPr>
             <p:extLst>
               <p:ext uri="{386F3935-93C4-4BCD-93E2-E3B085C9AB24}">
-                <p16:designElem xmlns:p16="http://schemas.microsoft.com/office/powerpoint/2015/main" val="1"/>
+                <p16:designElem xmlns:p16="http://schemas.microsoft.com/office/powerpoint/2015/main" xmlns="" val="1"/>
               </p:ext>
             </p:extLst>
           </p:nvPr>
@@ -7081,10 +6825,10 @@
           <p:cNvPr id="16" name="Rectangle 15">
             <a:extLst>
               <a:ext uri="{FF2B5EF4-FFF2-40B4-BE49-F238E27FC236}">
-                <a16:creationId xmlns:a16="http://schemas.microsoft.com/office/drawing/2014/main" id="{DC631C0B-6DA6-4E57-8231-CE32B3434A7E}"/>
+                <a16:creationId xmlns:a16="http://schemas.microsoft.com/office/drawing/2014/main" xmlns="" id="{DC631C0B-6DA6-4E57-8231-CE32B3434A7E}"/>
               </a:ext>
               <a:ext uri="{C183D7F6-B498-43B3-948B-1728B52AA6E4}">
-                <adec:decorative xmlns:adec="http://schemas.microsoft.com/office/drawing/2017/decorative" val="1"/>
+                <adec:decorative xmlns:adec="http://schemas.microsoft.com/office/drawing/2017/decorative" xmlns="" val="1"/>
               </a:ext>
             </a:extLst>
           </p:cNvPr>
@@ -7094,7 +6838,7 @@
           <p:nvPr>
             <p:extLst>
               <p:ext uri="{386F3935-93C4-4BCD-93E2-E3B085C9AB24}">
-                <p16:designElem xmlns:p16="http://schemas.microsoft.com/office/powerpoint/2015/main" val="1"/>
+                <p16:designElem xmlns:p16="http://schemas.microsoft.com/office/powerpoint/2015/main" xmlns="" val="1"/>
               </p:ext>
             </p:extLst>
           </p:nvPr>
@@ -7157,10 +6901,10 @@
           <p:cNvPr id="18" name="Freeform: Shape 17">
             <a:extLst>
               <a:ext uri="{FF2B5EF4-FFF2-40B4-BE49-F238E27FC236}">
-                <a16:creationId xmlns:a16="http://schemas.microsoft.com/office/drawing/2014/main" id="{C29501E6-A978-4A61-9689-9085AF97A53A}"/>
+                <a16:creationId xmlns:a16="http://schemas.microsoft.com/office/drawing/2014/main" xmlns="" id="{C29501E6-A978-4A61-9689-9085AF97A53A}"/>
               </a:ext>
               <a:ext uri="{C183D7F6-B498-43B3-948B-1728B52AA6E4}">
-                <adec:decorative xmlns:adec="http://schemas.microsoft.com/office/drawing/2017/decorative" val="1"/>
+                <adec:decorative xmlns:adec="http://schemas.microsoft.com/office/drawing/2017/decorative" xmlns="" val="1"/>
               </a:ext>
             </a:extLst>
           </p:cNvPr>
@@ -7170,7 +6914,7 @@
           <p:nvPr>
             <p:extLst>
               <p:ext uri="{386F3935-93C4-4BCD-93E2-E3B085C9AB24}">
-                <p16:designElem xmlns:p16="http://schemas.microsoft.com/office/powerpoint/2015/main" val="1"/>
+                <p16:designElem xmlns:p16="http://schemas.microsoft.com/office/powerpoint/2015/main" xmlns="" val="1"/>
               </p:ext>
             </p:extLst>
           </p:nvPr>
@@ -7301,7 +7045,7 @@
           <p:cNvPr id="2" name="제목 1">
             <a:extLst>
               <a:ext uri="{FF2B5EF4-FFF2-40B4-BE49-F238E27FC236}">
-                <a16:creationId xmlns:a16="http://schemas.microsoft.com/office/drawing/2014/main" id="{9F75B556-FA07-A7F7-8E5D-736CD761C3E6}"/>
+                <a16:creationId xmlns:a16="http://schemas.microsoft.com/office/drawing/2014/main" xmlns="" id="{9F75B556-FA07-A7F7-8E5D-736CD761C3E6}"/>
               </a:ext>
             </a:extLst>
           </p:cNvPr>
@@ -7357,7 +7101,7 @@
           <p:cNvPr id="3" name="부제목 2">
             <a:extLst>
               <a:ext uri="{FF2B5EF4-FFF2-40B4-BE49-F238E27FC236}">
-                <a16:creationId xmlns:a16="http://schemas.microsoft.com/office/drawing/2014/main" id="{538809FE-B1A2-171C-B69C-1C929B0C402D}"/>
+                <a16:creationId xmlns:a16="http://schemas.microsoft.com/office/drawing/2014/main" xmlns="" id="{538809FE-B1A2-171C-B69C-1C929B0C402D}"/>
               </a:ext>
             </a:extLst>
           </p:cNvPr>
@@ -7449,7 +7193,7 @@
           <p:cNvPr id="11" name="부제목 2">
             <a:extLst>
               <a:ext uri="{FF2B5EF4-FFF2-40B4-BE49-F238E27FC236}">
-                <a16:creationId xmlns:a16="http://schemas.microsoft.com/office/drawing/2014/main" id="{538809FE-B1A2-171C-B69C-1C929B0C402D}"/>
+                <a16:creationId xmlns:a16="http://schemas.microsoft.com/office/drawing/2014/main" xmlns="" id="{538809FE-B1A2-171C-B69C-1C929B0C402D}"/>
               </a:ext>
             </a:extLst>
           </p:cNvPr>
@@ -7777,10 +7521,10 @@
           <p:cNvPr id="8" name="Rectangle 7">
             <a:extLst>
               <a:ext uri="{FF2B5EF4-FFF2-40B4-BE49-F238E27FC236}">
-                <a16:creationId xmlns:a16="http://schemas.microsoft.com/office/drawing/2014/main" id="{1B15ED52-F352-441B-82BF-E0EA34836D08}"/>
+                <a16:creationId xmlns:a16="http://schemas.microsoft.com/office/drawing/2014/main" xmlns="" id="{1B15ED52-F352-441B-82BF-E0EA34836D08}"/>
               </a:ext>
               <a:ext uri="{C183D7F6-B498-43B3-948B-1728B52AA6E4}">
-                <adec:decorative xmlns:adec="http://schemas.microsoft.com/office/drawing/2017/decorative" val="1"/>
+                <adec:decorative xmlns:adec="http://schemas.microsoft.com/office/drawing/2017/decorative" xmlns="" val="1"/>
               </a:ext>
             </a:extLst>
           </p:cNvPr>
@@ -7790,7 +7534,7 @@
           <p:nvPr>
             <p:extLst>
               <p:ext uri="{386F3935-93C4-4BCD-93E2-E3B085C9AB24}">
-                <p16:designElem xmlns:p16="http://schemas.microsoft.com/office/powerpoint/2015/main" val="1"/>
+                <p16:designElem xmlns:p16="http://schemas.microsoft.com/office/powerpoint/2015/main" xmlns="" val="1"/>
               </p:ext>
             </p:extLst>
           </p:nvPr>
@@ -7853,10 +7597,10 @@
           <p:cNvPr id="10" name="Rectangle 9">
             <a:extLst>
               <a:ext uri="{FF2B5EF4-FFF2-40B4-BE49-F238E27FC236}">
-                <a16:creationId xmlns:a16="http://schemas.microsoft.com/office/drawing/2014/main" id="{3B2E3793-BFE6-45A2-9B7B-E18844431C99}"/>
+                <a16:creationId xmlns:a16="http://schemas.microsoft.com/office/drawing/2014/main" xmlns="" id="{3B2E3793-BFE6-45A2-9B7B-E18844431C99}"/>
               </a:ext>
               <a:ext uri="{C183D7F6-B498-43B3-948B-1728B52AA6E4}">
-                <adec:decorative xmlns:adec="http://schemas.microsoft.com/office/drawing/2017/decorative" val="1"/>
+                <adec:decorative xmlns:adec="http://schemas.microsoft.com/office/drawing/2017/decorative" xmlns="" val="1"/>
               </a:ext>
             </a:extLst>
           </p:cNvPr>
@@ -7866,7 +7610,7 @@
           <p:nvPr>
             <p:extLst>
               <p:ext uri="{386F3935-93C4-4BCD-93E2-E3B085C9AB24}">
-                <p16:designElem xmlns:p16="http://schemas.microsoft.com/office/powerpoint/2015/main" val="1"/>
+                <p16:designElem xmlns:p16="http://schemas.microsoft.com/office/powerpoint/2015/main" xmlns="" val="1"/>
               </p:ext>
             </p:extLst>
           </p:nvPr>
@@ -7926,10 +7670,10 @@
           <p:cNvPr id="12" name="Rectangle 11">
             <a:extLst>
               <a:ext uri="{FF2B5EF4-FFF2-40B4-BE49-F238E27FC236}">
-                <a16:creationId xmlns:a16="http://schemas.microsoft.com/office/drawing/2014/main" id="{BC4C4868-CB8F-4AF9-9CDB-8108F2C19B67}"/>
+                <a16:creationId xmlns:a16="http://schemas.microsoft.com/office/drawing/2014/main" xmlns="" id="{BC4C4868-CB8F-4AF9-9CDB-8108F2C19B67}"/>
               </a:ext>
               <a:ext uri="{C183D7F6-B498-43B3-948B-1728B52AA6E4}">
-                <adec:decorative xmlns:adec="http://schemas.microsoft.com/office/drawing/2017/decorative" val="1"/>
+                <adec:decorative xmlns:adec="http://schemas.microsoft.com/office/drawing/2017/decorative" xmlns="" val="1"/>
               </a:ext>
             </a:extLst>
           </p:cNvPr>
@@ -7939,7 +7683,7 @@
           <p:nvPr>
             <p:extLst>
               <p:ext uri="{386F3935-93C4-4BCD-93E2-E3B085C9AB24}">
-                <p16:designElem xmlns:p16="http://schemas.microsoft.com/office/powerpoint/2015/main" val="1"/>
+                <p16:designElem xmlns:p16="http://schemas.microsoft.com/office/powerpoint/2015/main" xmlns="" val="1"/>
               </p:ext>
             </p:extLst>
           </p:nvPr>
@@ -8002,10 +7746,10 @@
           <p:cNvPr id="14" name="Rectangle 13">
             <a:extLst>
               <a:ext uri="{FF2B5EF4-FFF2-40B4-BE49-F238E27FC236}">
-                <a16:creationId xmlns:a16="http://schemas.microsoft.com/office/drawing/2014/main" id="{375E0459-6403-40CD-989D-56A4407CA12E}"/>
+                <a16:creationId xmlns:a16="http://schemas.microsoft.com/office/drawing/2014/main" xmlns="" id="{375E0459-6403-40CD-989D-56A4407CA12E}"/>
               </a:ext>
               <a:ext uri="{C183D7F6-B498-43B3-948B-1728B52AA6E4}">
-                <adec:decorative xmlns:adec="http://schemas.microsoft.com/office/drawing/2017/decorative" val="1"/>
+                <adec:decorative xmlns:adec="http://schemas.microsoft.com/office/drawing/2017/decorative" xmlns="" val="1"/>
               </a:ext>
             </a:extLst>
           </p:cNvPr>
@@ -8015,7 +7759,7 @@
           <p:nvPr>
             <p:extLst>
               <p:ext uri="{386F3935-93C4-4BCD-93E2-E3B085C9AB24}">
-                <p16:designElem xmlns:p16="http://schemas.microsoft.com/office/powerpoint/2015/main" val="1"/>
+                <p16:designElem xmlns:p16="http://schemas.microsoft.com/office/powerpoint/2015/main" xmlns="" val="1"/>
               </p:ext>
             </p:extLst>
           </p:nvPr>
@@ -8077,10 +7821,10 @@
           <p:cNvPr id="16" name="Rectangle 15">
             <a:extLst>
               <a:ext uri="{FF2B5EF4-FFF2-40B4-BE49-F238E27FC236}">
-                <a16:creationId xmlns:a16="http://schemas.microsoft.com/office/drawing/2014/main" id="{53E5B1A8-3AC9-4BD1-9BBC-78CA94F2D1BA}"/>
+                <a16:creationId xmlns:a16="http://schemas.microsoft.com/office/drawing/2014/main" xmlns="" id="{53E5B1A8-3AC9-4BD1-9BBC-78CA94F2D1BA}"/>
               </a:ext>
               <a:ext uri="{C183D7F6-B498-43B3-948B-1728B52AA6E4}">
-                <adec:decorative xmlns:adec="http://schemas.microsoft.com/office/drawing/2017/decorative" val="1"/>
+                <adec:decorative xmlns:adec="http://schemas.microsoft.com/office/drawing/2017/decorative" xmlns="" val="1"/>
               </a:ext>
             </a:extLst>
           </p:cNvPr>
@@ -8090,7 +7834,7 @@
           <p:nvPr>
             <p:extLst>
               <p:ext uri="{386F3935-93C4-4BCD-93E2-E3B085C9AB24}">
-                <p16:designElem xmlns:p16="http://schemas.microsoft.com/office/powerpoint/2015/main" val="1"/>
+                <p16:designElem xmlns:p16="http://schemas.microsoft.com/office/powerpoint/2015/main" xmlns="" val="1"/>
               </p:ext>
             </p:extLst>
           </p:nvPr>
@@ -8153,7 +7897,7 @@
           <p:cNvPr id="2" name="제목 1">
             <a:extLst>
               <a:ext uri="{FF2B5EF4-FFF2-40B4-BE49-F238E27FC236}">
-                <a16:creationId xmlns:a16="http://schemas.microsoft.com/office/drawing/2014/main" id="{C51C5024-D28B-51C9-3E0D-6C73030EF822}"/>
+                <a16:creationId xmlns:a16="http://schemas.microsoft.com/office/drawing/2014/main" xmlns="" id="{C51C5024-D28B-51C9-3E0D-6C73030EF822}"/>
               </a:ext>
             </a:extLst>
           </p:cNvPr>
@@ -8192,7 +7936,7 @@
           <p:cNvPr id="3" name="내용 개체 틀 2">
             <a:extLst>
               <a:ext uri="{FF2B5EF4-FFF2-40B4-BE49-F238E27FC236}">
-                <a16:creationId xmlns:a16="http://schemas.microsoft.com/office/drawing/2014/main" id="{FD0581FF-0E86-AC63-C7BB-7B2374504D9D}"/>
+                <a16:creationId xmlns:a16="http://schemas.microsoft.com/office/drawing/2014/main" xmlns="" id="{FD0581FF-0E86-AC63-C7BB-7B2374504D9D}"/>
               </a:ext>
             </a:extLst>
           </p:cNvPr>
@@ -8337,20 +8081,28 @@
           </a:p>
           <a:p>
             <a:r>
-              <a:rPr lang="ko-KR" altLang="en-US" sz="2000" dirty="0" err="1"/>
-              <a:t>여러로직을</a:t>
+              <a:rPr lang="ko-KR" altLang="en-US" sz="2000" dirty="0" smtClean="0"/>
+              <a:t>여러 </a:t>
+            </a:r>
+            <a:r>
+              <a:rPr lang="ko-KR" altLang="en-US" sz="2000" dirty="0" err="1" smtClean="0"/>
+              <a:t>로직을</a:t>
+            </a:r>
+            <a:r>
+              <a:rPr lang="ko-KR" altLang="en-US" sz="2000" dirty="0" smtClean="0"/>
+              <a:t> </a:t>
+            </a:r>
+            <a:r>
+              <a:rPr lang="ko-KR" altLang="en-US" sz="2000"/>
+              <a:t>짜고 </a:t>
+            </a:r>
+            <a:r>
+              <a:rPr lang="ko-KR" altLang="en-US" sz="2000" smtClean="0"/>
+              <a:t>여러 번 </a:t>
             </a:r>
             <a:r>
               <a:rPr lang="ko-KR" altLang="en-US" sz="2000" dirty="0"/>
-              <a:t> 짜고 </a:t>
-            </a:r>
-            <a:r>
-              <a:rPr lang="ko-KR" altLang="en-US" sz="2000" dirty="0" err="1"/>
-              <a:t>여러번</a:t>
-            </a:r>
-            <a:r>
-              <a:rPr lang="ko-KR" altLang="en-US" sz="2000" dirty="0"/>
-              <a:t> 테스트해보며 시스템이 원활하게 돌아가도록 수정함</a:t>
+              <a:t>테스트해보며 시스템이 원활하게 돌아가도록 수정함</a:t>
             </a:r>
           </a:p>
         </p:txBody>
@@ -8558,7 +8310,7 @@
           <p:cNvPr id="2" name="제목 1">
             <a:extLst>
               <a:ext uri="{FF2B5EF4-FFF2-40B4-BE49-F238E27FC236}">
-                <a16:creationId xmlns:a16="http://schemas.microsoft.com/office/drawing/2014/main" id="{46FA7903-5BB2-2165-7251-19FF2BD56A70}"/>
+                <a16:creationId xmlns:a16="http://schemas.microsoft.com/office/drawing/2014/main" xmlns="" id="{46FA7903-5BB2-2165-7251-19FF2BD56A70}"/>
               </a:ext>
             </a:extLst>
           </p:cNvPr>
@@ -8586,7 +8338,7 @@
           <p:cNvPr id="7" name="텍스트 개체 틀 6">
             <a:extLst>
               <a:ext uri="{FF2B5EF4-FFF2-40B4-BE49-F238E27FC236}">
-                <a16:creationId xmlns:a16="http://schemas.microsoft.com/office/drawing/2014/main" id="{B774C544-A3A3-BEE3-403E-8A80308DEEAB}"/>
+                <a16:creationId xmlns:a16="http://schemas.microsoft.com/office/drawing/2014/main" xmlns="" id="{B774C544-A3A3-BEE3-403E-8A80308DEEAB}"/>
               </a:ext>
             </a:extLst>
           </p:cNvPr>
@@ -8614,7 +8366,7 @@
           <p:cNvPr id="6" name="텍스트 개체 틀 5">
             <a:extLst>
               <a:ext uri="{FF2B5EF4-FFF2-40B4-BE49-F238E27FC236}">
-                <a16:creationId xmlns:a16="http://schemas.microsoft.com/office/drawing/2014/main" id="{0331DFA3-F4CC-F590-D661-785D52EF2DCB}"/>
+                <a16:creationId xmlns:a16="http://schemas.microsoft.com/office/drawing/2014/main" xmlns="" id="{0331DFA3-F4CC-F590-D661-785D52EF2DCB}"/>
               </a:ext>
             </a:extLst>
           </p:cNvPr>
@@ -8642,7 +8394,7 @@
           <p:cNvPr id="12" name="내용 개체 틀 3">
             <a:extLst>
               <a:ext uri="{FF2B5EF4-FFF2-40B4-BE49-F238E27FC236}">
-                <a16:creationId xmlns:a16="http://schemas.microsoft.com/office/drawing/2014/main" id="{EF9E181A-E191-4C91-7087-8E058362BCA7}"/>
+                <a16:creationId xmlns:a16="http://schemas.microsoft.com/office/drawing/2014/main" xmlns="" id="{EF9E181A-E191-4C91-7087-8E058362BCA7}"/>
               </a:ext>
             </a:extLst>
           </p:cNvPr>
@@ -8673,7 +8425,7 @@
           <p:cNvPr id="8" name="내용 개체 틀 7">
             <a:extLst>
               <a:ext uri="{FF2B5EF4-FFF2-40B4-BE49-F238E27FC236}">
-                <a16:creationId xmlns:a16="http://schemas.microsoft.com/office/drawing/2014/main" id="{5C5D925B-4CCC-6D96-6E36-F9336812EE85}"/>
+                <a16:creationId xmlns:a16="http://schemas.microsoft.com/office/drawing/2014/main" xmlns="" id="{5C5D925B-4CCC-6D96-6E36-F9336812EE85}"/>
               </a:ext>
             </a:extLst>
           </p:cNvPr>
@@ -9422,10 +9174,10 @@
           <p:cNvPr id="14" name="Rectangle 13">
             <a:extLst>
               <a:ext uri="{FF2B5EF4-FFF2-40B4-BE49-F238E27FC236}">
-                <a16:creationId xmlns:a16="http://schemas.microsoft.com/office/drawing/2014/main" id="{A8384FB5-9ADC-4DDC-881B-597D56F5B15D}"/>
+                <a16:creationId xmlns:a16="http://schemas.microsoft.com/office/drawing/2014/main" xmlns="" id="{A8384FB5-9ADC-4DDC-881B-597D56F5B15D}"/>
               </a:ext>
               <a:ext uri="{C183D7F6-B498-43B3-948B-1728B52AA6E4}">
-                <adec:decorative xmlns:adec="http://schemas.microsoft.com/office/drawing/2017/decorative" val="1"/>
+                <adec:decorative xmlns:adec="http://schemas.microsoft.com/office/drawing/2017/decorative" xmlns="" val="1"/>
               </a:ext>
             </a:extLst>
           </p:cNvPr>
@@ -9435,7 +9187,7 @@
           <p:nvPr>
             <p:extLst>
               <p:ext uri="{386F3935-93C4-4BCD-93E2-E3B085C9AB24}">
-                <p16:designElem xmlns:p16="http://schemas.microsoft.com/office/powerpoint/2015/main" val="1"/>
+                <p16:designElem xmlns:p16="http://schemas.microsoft.com/office/powerpoint/2015/main" xmlns="" val="1"/>
               </p:ext>
             </p:extLst>
           </p:nvPr>
@@ -9498,10 +9250,10 @@
           <p:cNvPr id="16" name="Rectangle 15">
             <a:extLst>
               <a:ext uri="{FF2B5EF4-FFF2-40B4-BE49-F238E27FC236}">
-                <a16:creationId xmlns:a16="http://schemas.microsoft.com/office/drawing/2014/main" id="{1199E1B1-A8C0-4FE8-A5A8-1CB41D69F857}"/>
+                <a16:creationId xmlns:a16="http://schemas.microsoft.com/office/drawing/2014/main" xmlns="" id="{1199E1B1-A8C0-4FE8-A5A8-1CB41D69F857}"/>
               </a:ext>
               <a:ext uri="{C183D7F6-B498-43B3-948B-1728B52AA6E4}">
-                <adec:decorative xmlns:adec="http://schemas.microsoft.com/office/drawing/2017/decorative" val="1"/>
+                <adec:decorative xmlns:adec="http://schemas.microsoft.com/office/drawing/2017/decorative" xmlns="" val="1"/>
               </a:ext>
             </a:extLst>
           </p:cNvPr>
@@ -9511,7 +9263,7 @@
           <p:nvPr>
             <p:extLst>
               <p:ext uri="{386F3935-93C4-4BCD-93E2-E3B085C9AB24}">
-                <p16:designElem xmlns:p16="http://schemas.microsoft.com/office/powerpoint/2015/main" val="1"/>
+                <p16:designElem xmlns:p16="http://schemas.microsoft.com/office/powerpoint/2015/main" xmlns="" val="1"/>
               </p:ext>
             </p:extLst>
           </p:nvPr>
@@ -9573,10 +9325,10 @@
           <p:cNvPr id="18" name="Rectangle 17">
             <a:extLst>
               <a:ext uri="{FF2B5EF4-FFF2-40B4-BE49-F238E27FC236}">
-                <a16:creationId xmlns:a16="http://schemas.microsoft.com/office/drawing/2014/main" id="{84A8DE83-DE75-4B41-9DB4-A7EC0B0DEC0B}"/>
+                <a16:creationId xmlns:a16="http://schemas.microsoft.com/office/drawing/2014/main" xmlns="" id="{84A8DE83-DE75-4B41-9DB4-A7EC0B0DEC0B}"/>
               </a:ext>
               <a:ext uri="{C183D7F6-B498-43B3-948B-1728B52AA6E4}">
-                <adec:decorative xmlns:adec="http://schemas.microsoft.com/office/drawing/2017/decorative" val="1"/>
+                <adec:decorative xmlns:adec="http://schemas.microsoft.com/office/drawing/2017/decorative" xmlns="" val="1"/>
               </a:ext>
             </a:extLst>
           </p:cNvPr>
@@ -9586,7 +9338,7 @@
           <p:nvPr>
             <p:extLst>
               <p:ext uri="{386F3935-93C4-4BCD-93E2-E3B085C9AB24}">
-                <p16:designElem xmlns:p16="http://schemas.microsoft.com/office/powerpoint/2015/main" val="1"/>
+                <p16:designElem xmlns:p16="http://schemas.microsoft.com/office/powerpoint/2015/main" xmlns="" val="1"/>
               </p:ext>
             </p:extLst>
           </p:nvPr>
@@ -9650,10 +9402,10 @@
           <p:cNvPr id="20" name="Rectangle 19">
             <a:extLst>
               <a:ext uri="{FF2B5EF4-FFF2-40B4-BE49-F238E27FC236}">
-                <a16:creationId xmlns:a16="http://schemas.microsoft.com/office/drawing/2014/main" id="{A7009A0A-BEF5-4EAC-AF15-E4F9F002E239}"/>
+                <a16:creationId xmlns:a16="http://schemas.microsoft.com/office/drawing/2014/main" xmlns="" id="{A7009A0A-BEF5-4EAC-AF15-E4F9F002E239}"/>
               </a:ext>
               <a:ext uri="{C183D7F6-B498-43B3-948B-1728B52AA6E4}">
-                <adec:decorative xmlns:adec="http://schemas.microsoft.com/office/drawing/2017/decorative" val="1"/>
+                <adec:decorative xmlns:adec="http://schemas.microsoft.com/office/drawing/2017/decorative" xmlns="" val="1"/>
               </a:ext>
             </a:extLst>
           </p:cNvPr>
@@ -9663,7 +9415,7 @@
           <p:nvPr>
             <p:extLst>
               <p:ext uri="{386F3935-93C4-4BCD-93E2-E3B085C9AB24}">
-                <p16:designElem xmlns:p16="http://schemas.microsoft.com/office/powerpoint/2015/main" val="1"/>
+                <p16:designElem xmlns:p16="http://schemas.microsoft.com/office/powerpoint/2015/main" xmlns="" val="1"/>
               </p:ext>
             </p:extLst>
           </p:nvPr>
@@ -9725,7 +9477,7 @@
           <p:cNvPr id="7" name="제목 6">
             <a:extLst>
               <a:ext uri="{FF2B5EF4-FFF2-40B4-BE49-F238E27FC236}">
-                <a16:creationId xmlns:a16="http://schemas.microsoft.com/office/drawing/2014/main" id="{5F531F78-392E-57C8-182F-B85AA4777858}"/>
+                <a16:creationId xmlns:a16="http://schemas.microsoft.com/office/drawing/2014/main" xmlns="" id="{5F531F78-392E-57C8-182F-B85AA4777858}"/>
               </a:ext>
             </a:extLst>
           </p:cNvPr>
@@ -9773,7 +9525,7 @@
           <p:cNvPr id="6" name="그림 5">
             <a:extLst>
               <a:ext uri="{FF2B5EF4-FFF2-40B4-BE49-F238E27FC236}">
-                <a16:creationId xmlns:a16="http://schemas.microsoft.com/office/drawing/2014/main" id="{8A0B4F43-4A85-657C-9E46-44BBD71803FF}"/>
+                <a16:creationId xmlns:a16="http://schemas.microsoft.com/office/drawing/2014/main" xmlns="" id="{8A0B4F43-4A85-657C-9E46-44BBD71803FF}"/>
               </a:ext>
             </a:extLst>
           </p:cNvPr>
@@ -9803,7 +9555,7 @@
           <p:cNvPr id="10" name="그림 9">
             <a:extLst>
               <a:ext uri="{FF2B5EF4-FFF2-40B4-BE49-F238E27FC236}">
-                <a16:creationId xmlns:a16="http://schemas.microsoft.com/office/drawing/2014/main" id="{75879257-5455-7E52-503B-501E34E2684A}"/>
+                <a16:creationId xmlns:a16="http://schemas.microsoft.com/office/drawing/2014/main" xmlns="" id="{75879257-5455-7E52-503B-501E34E2684A}"/>
               </a:ext>
             </a:extLst>
           </p:cNvPr>
@@ -9833,7 +9585,7 @@
           <p:cNvPr id="12" name="그림 11">
             <a:extLst>
               <a:ext uri="{FF2B5EF4-FFF2-40B4-BE49-F238E27FC236}">
-                <a16:creationId xmlns:a16="http://schemas.microsoft.com/office/drawing/2014/main" id="{A257EA6B-EB90-8C55-CC2E-BD27D14B856E}"/>
+                <a16:creationId xmlns:a16="http://schemas.microsoft.com/office/drawing/2014/main" xmlns="" id="{A257EA6B-EB90-8C55-CC2E-BD27D14B856E}"/>
               </a:ext>
             </a:extLst>
           </p:cNvPr>
@@ -9863,7 +9615,7 @@
           <p:cNvPr id="15" name="그림 14">
             <a:extLst>
               <a:ext uri="{FF2B5EF4-FFF2-40B4-BE49-F238E27FC236}">
-                <a16:creationId xmlns:a16="http://schemas.microsoft.com/office/drawing/2014/main" id="{1A69F582-FC5C-D8C2-B3E8-23BBE3463C1C}"/>
+                <a16:creationId xmlns:a16="http://schemas.microsoft.com/office/drawing/2014/main" xmlns="" id="{1A69F582-FC5C-D8C2-B3E8-23BBE3463C1C}"/>
               </a:ext>
             </a:extLst>
           </p:cNvPr>
@@ -10127,10 +9879,10 @@
           <p:cNvPr id="9" name="Rectangle 8">
             <a:extLst>
               <a:ext uri="{FF2B5EF4-FFF2-40B4-BE49-F238E27FC236}">
-                <a16:creationId xmlns:a16="http://schemas.microsoft.com/office/drawing/2014/main" id="{A8384FB5-9ADC-4DDC-881B-597D56F5B15D}"/>
+                <a16:creationId xmlns:a16="http://schemas.microsoft.com/office/drawing/2014/main" xmlns="" id="{A8384FB5-9ADC-4DDC-881B-597D56F5B15D}"/>
               </a:ext>
               <a:ext uri="{C183D7F6-B498-43B3-948B-1728B52AA6E4}">
-                <adec:decorative xmlns:adec="http://schemas.microsoft.com/office/drawing/2017/decorative" val="1"/>
+                <adec:decorative xmlns:adec="http://schemas.microsoft.com/office/drawing/2017/decorative" xmlns="" val="1"/>
               </a:ext>
             </a:extLst>
           </p:cNvPr>
@@ -10140,7 +9892,7 @@
           <p:nvPr>
             <p:extLst>
               <p:ext uri="{386F3935-93C4-4BCD-93E2-E3B085C9AB24}">
-                <p16:designElem xmlns:p16="http://schemas.microsoft.com/office/powerpoint/2015/main" val="1"/>
+                <p16:designElem xmlns:p16="http://schemas.microsoft.com/office/powerpoint/2015/main" xmlns="" val="1"/>
               </p:ext>
             </p:extLst>
           </p:nvPr>
@@ -10203,10 +9955,10 @@
           <p:cNvPr id="11" name="Rectangle 10">
             <a:extLst>
               <a:ext uri="{FF2B5EF4-FFF2-40B4-BE49-F238E27FC236}">
-                <a16:creationId xmlns:a16="http://schemas.microsoft.com/office/drawing/2014/main" id="{1199E1B1-A8C0-4FE8-A5A8-1CB41D69F857}"/>
+                <a16:creationId xmlns:a16="http://schemas.microsoft.com/office/drawing/2014/main" xmlns="" id="{1199E1B1-A8C0-4FE8-A5A8-1CB41D69F857}"/>
               </a:ext>
               <a:ext uri="{C183D7F6-B498-43B3-948B-1728B52AA6E4}">
-                <adec:decorative xmlns:adec="http://schemas.microsoft.com/office/drawing/2017/decorative" val="1"/>
+                <adec:decorative xmlns:adec="http://schemas.microsoft.com/office/drawing/2017/decorative" xmlns="" val="1"/>
               </a:ext>
             </a:extLst>
           </p:cNvPr>
@@ -10216,7 +9968,7 @@
           <p:nvPr>
             <p:extLst>
               <p:ext uri="{386F3935-93C4-4BCD-93E2-E3B085C9AB24}">
-                <p16:designElem xmlns:p16="http://schemas.microsoft.com/office/powerpoint/2015/main" val="1"/>
+                <p16:designElem xmlns:p16="http://schemas.microsoft.com/office/powerpoint/2015/main" xmlns="" val="1"/>
               </p:ext>
             </p:extLst>
           </p:nvPr>
@@ -10278,10 +10030,10 @@
           <p:cNvPr id="13" name="Rectangle 12">
             <a:extLst>
               <a:ext uri="{FF2B5EF4-FFF2-40B4-BE49-F238E27FC236}">
-                <a16:creationId xmlns:a16="http://schemas.microsoft.com/office/drawing/2014/main" id="{84A8DE83-DE75-4B41-9DB4-A7EC0B0DEC0B}"/>
+                <a16:creationId xmlns:a16="http://schemas.microsoft.com/office/drawing/2014/main" xmlns="" id="{84A8DE83-DE75-4B41-9DB4-A7EC0B0DEC0B}"/>
               </a:ext>
               <a:ext uri="{C183D7F6-B498-43B3-948B-1728B52AA6E4}">
-                <adec:decorative xmlns:adec="http://schemas.microsoft.com/office/drawing/2017/decorative" val="1"/>
+                <adec:decorative xmlns:adec="http://schemas.microsoft.com/office/drawing/2017/decorative" xmlns="" val="1"/>
               </a:ext>
             </a:extLst>
           </p:cNvPr>
@@ -10291,7 +10043,7 @@
           <p:nvPr>
             <p:extLst>
               <p:ext uri="{386F3935-93C4-4BCD-93E2-E3B085C9AB24}">
-                <p16:designElem xmlns:p16="http://schemas.microsoft.com/office/powerpoint/2015/main" val="1"/>
+                <p16:designElem xmlns:p16="http://schemas.microsoft.com/office/powerpoint/2015/main" xmlns="" val="1"/>
               </p:ext>
             </p:extLst>
           </p:nvPr>
@@ -10355,10 +10107,10 @@
           <p:cNvPr id="15" name="Rectangle 14">
             <a:extLst>
               <a:ext uri="{FF2B5EF4-FFF2-40B4-BE49-F238E27FC236}">
-                <a16:creationId xmlns:a16="http://schemas.microsoft.com/office/drawing/2014/main" id="{A7009A0A-BEF5-4EAC-AF15-E4F9F002E239}"/>
+                <a16:creationId xmlns:a16="http://schemas.microsoft.com/office/drawing/2014/main" xmlns="" id="{A7009A0A-BEF5-4EAC-AF15-E4F9F002E239}"/>
               </a:ext>
               <a:ext uri="{C183D7F6-B498-43B3-948B-1728B52AA6E4}">
-                <adec:decorative xmlns:adec="http://schemas.microsoft.com/office/drawing/2017/decorative" val="1"/>
+                <adec:decorative xmlns:adec="http://schemas.microsoft.com/office/drawing/2017/decorative" xmlns="" val="1"/>
               </a:ext>
             </a:extLst>
           </p:cNvPr>
@@ -10368,7 +10120,7 @@
           <p:nvPr>
             <p:extLst>
               <p:ext uri="{386F3935-93C4-4BCD-93E2-E3B085C9AB24}">
-                <p16:designElem xmlns:p16="http://schemas.microsoft.com/office/powerpoint/2015/main" val="1"/>
+                <p16:designElem xmlns:p16="http://schemas.microsoft.com/office/powerpoint/2015/main" xmlns="" val="1"/>
               </p:ext>
             </p:extLst>
           </p:nvPr>
@@ -10430,7 +10182,7 @@
           <p:cNvPr id="2" name="제목 1">
             <a:extLst>
               <a:ext uri="{FF2B5EF4-FFF2-40B4-BE49-F238E27FC236}">
-                <a16:creationId xmlns:a16="http://schemas.microsoft.com/office/drawing/2014/main" id="{74CEED57-28C4-CBB0-4922-19DE4094B06A}"/>
+                <a16:creationId xmlns:a16="http://schemas.microsoft.com/office/drawing/2014/main" xmlns="" id="{74CEED57-28C4-CBB0-4922-19DE4094B06A}"/>
               </a:ext>
             </a:extLst>
           </p:cNvPr>
@@ -10478,7 +10230,7 @@
           <p:cNvPr id="5" name="그림 4">
             <a:extLst>
               <a:ext uri="{FF2B5EF4-FFF2-40B4-BE49-F238E27FC236}">
-                <a16:creationId xmlns:a16="http://schemas.microsoft.com/office/drawing/2014/main" id="{A5C63217-9351-8906-1F19-3E8F5D1F3287}"/>
+                <a16:creationId xmlns:a16="http://schemas.microsoft.com/office/drawing/2014/main" xmlns="" id="{A5C63217-9351-8906-1F19-3E8F5D1F3287}"/>
               </a:ext>
             </a:extLst>
           </p:cNvPr>
@@ -10508,7 +10260,7 @@
           <p:cNvPr id="10" name="그림 9">
             <a:extLst>
               <a:ext uri="{FF2B5EF4-FFF2-40B4-BE49-F238E27FC236}">
-                <a16:creationId xmlns:a16="http://schemas.microsoft.com/office/drawing/2014/main" id="{43EB3956-0FE8-8AE9-67AB-ED5C190AFB55}"/>
+                <a16:creationId xmlns:a16="http://schemas.microsoft.com/office/drawing/2014/main" xmlns="" id="{43EB3956-0FE8-8AE9-67AB-ED5C190AFB55}"/>
               </a:ext>
             </a:extLst>
           </p:cNvPr>
@@ -10538,7 +10290,7 @@
           <p:cNvPr id="14" name="그림 13">
             <a:extLst>
               <a:ext uri="{FF2B5EF4-FFF2-40B4-BE49-F238E27FC236}">
-                <a16:creationId xmlns:a16="http://schemas.microsoft.com/office/drawing/2014/main" id="{27611359-6DB0-43EB-B22A-F8495EDE6163}"/>
+                <a16:creationId xmlns:a16="http://schemas.microsoft.com/office/drawing/2014/main" xmlns="" id="{27611359-6DB0-43EB-B22A-F8495EDE6163}"/>
               </a:ext>
             </a:extLst>
           </p:cNvPr>
@@ -10758,7 +10510,7 @@
           <p:cNvPr id="4" name="그림 3">
             <a:extLst>
               <a:ext uri="{FF2B5EF4-FFF2-40B4-BE49-F238E27FC236}">
-                <a16:creationId xmlns:a16="http://schemas.microsoft.com/office/drawing/2014/main" id="{D8B8EF5D-F511-2BB1-60EA-D94F8B308156}"/>
+                <a16:creationId xmlns:a16="http://schemas.microsoft.com/office/drawing/2014/main" xmlns="" id="{D8B8EF5D-F511-2BB1-60EA-D94F8B308156}"/>
               </a:ext>
             </a:extLst>
           </p:cNvPr>
@@ -10788,7 +10540,7 @@
           <p:cNvPr id="8" name="TextBox 7">
             <a:extLst>
               <a:ext uri="{FF2B5EF4-FFF2-40B4-BE49-F238E27FC236}">
-                <a16:creationId xmlns:a16="http://schemas.microsoft.com/office/drawing/2014/main" id="{6406BDF6-23DA-B517-C752-B3A276502972}"/>
+                <a16:creationId xmlns:a16="http://schemas.microsoft.com/office/drawing/2014/main" xmlns="" id="{6406BDF6-23DA-B517-C752-B3A276502972}"/>
               </a:ext>
             </a:extLst>
           </p:cNvPr>
@@ -10865,10 +10617,10 @@
           <p:cNvPr id="9" name="Rectangle 8">
             <a:extLst>
               <a:ext uri="{FF2B5EF4-FFF2-40B4-BE49-F238E27FC236}">
-                <a16:creationId xmlns:a16="http://schemas.microsoft.com/office/drawing/2014/main" id="{A8384FB5-9ADC-4DDC-881B-597D56F5B15D}"/>
+                <a16:creationId xmlns:a16="http://schemas.microsoft.com/office/drawing/2014/main" xmlns="" id="{A8384FB5-9ADC-4DDC-881B-597D56F5B15D}"/>
               </a:ext>
               <a:ext uri="{C183D7F6-B498-43B3-948B-1728B52AA6E4}">
-                <adec:decorative xmlns:adec="http://schemas.microsoft.com/office/drawing/2017/decorative" val="1"/>
+                <adec:decorative xmlns:adec="http://schemas.microsoft.com/office/drawing/2017/decorative" xmlns="" val="1"/>
               </a:ext>
             </a:extLst>
           </p:cNvPr>
@@ -10878,7 +10630,7 @@
           <p:nvPr>
             <p:extLst>
               <p:ext uri="{386F3935-93C4-4BCD-93E2-E3B085C9AB24}">
-                <p16:designElem xmlns:p16="http://schemas.microsoft.com/office/powerpoint/2015/main" val="1"/>
+                <p16:designElem xmlns:p16="http://schemas.microsoft.com/office/powerpoint/2015/main" xmlns="" val="1"/>
               </p:ext>
             </p:extLst>
           </p:nvPr>
@@ -10941,10 +10693,10 @@
           <p:cNvPr id="11" name="Rectangle 10">
             <a:extLst>
               <a:ext uri="{FF2B5EF4-FFF2-40B4-BE49-F238E27FC236}">
-                <a16:creationId xmlns:a16="http://schemas.microsoft.com/office/drawing/2014/main" id="{1199E1B1-A8C0-4FE8-A5A8-1CB41D69F857}"/>
+                <a16:creationId xmlns:a16="http://schemas.microsoft.com/office/drawing/2014/main" xmlns="" id="{1199E1B1-A8C0-4FE8-A5A8-1CB41D69F857}"/>
               </a:ext>
               <a:ext uri="{C183D7F6-B498-43B3-948B-1728B52AA6E4}">
-                <adec:decorative xmlns:adec="http://schemas.microsoft.com/office/drawing/2017/decorative" val="1"/>
+                <adec:decorative xmlns:adec="http://schemas.microsoft.com/office/drawing/2017/decorative" xmlns="" val="1"/>
               </a:ext>
             </a:extLst>
           </p:cNvPr>
@@ -10954,7 +10706,7 @@
           <p:nvPr>
             <p:extLst>
               <p:ext uri="{386F3935-93C4-4BCD-93E2-E3B085C9AB24}">
-                <p16:designElem xmlns:p16="http://schemas.microsoft.com/office/powerpoint/2015/main" val="1"/>
+                <p16:designElem xmlns:p16="http://schemas.microsoft.com/office/powerpoint/2015/main" xmlns="" val="1"/>
               </p:ext>
             </p:extLst>
           </p:nvPr>
@@ -11016,10 +10768,10 @@
           <p:cNvPr id="13" name="Rectangle 12">
             <a:extLst>
               <a:ext uri="{FF2B5EF4-FFF2-40B4-BE49-F238E27FC236}">
-                <a16:creationId xmlns:a16="http://schemas.microsoft.com/office/drawing/2014/main" id="{84A8DE83-DE75-4B41-9DB4-A7EC0B0DEC0B}"/>
+                <a16:creationId xmlns:a16="http://schemas.microsoft.com/office/drawing/2014/main" xmlns="" id="{84A8DE83-DE75-4B41-9DB4-A7EC0B0DEC0B}"/>
               </a:ext>
               <a:ext uri="{C183D7F6-B498-43B3-948B-1728B52AA6E4}">
-                <adec:decorative xmlns:adec="http://schemas.microsoft.com/office/drawing/2017/decorative" val="1"/>
+                <adec:decorative xmlns:adec="http://schemas.microsoft.com/office/drawing/2017/decorative" xmlns="" val="1"/>
               </a:ext>
             </a:extLst>
           </p:cNvPr>
@@ -11029,7 +10781,7 @@
           <p:nvPr>
             <p:extLst>
               <p:ext uri="{386F3935-93C4-4BCD-93E2-E3B085C9AB24}">
-                <p16:designElem xmlns:p16="http://schemas.microsoft.com/office/powerpoint/2015/main" val="1"/>
+                <p16:designElem xmlns:p16="http://schemas.microsoft.com/office/powerpoint/2015/main" xmlns="" val="1"/>
               </p:ext>
             </p:extLst>
           </p:nvPr>
@@ -11093,10 +10845,10 @@
           <p:cNvPr id="15" name="Rectangle 14">
             <a:extLst>
               <a:ext uri="{FF2B5EF4-FFF2-40B4-BE49-F238E27FC236}">
-                <a16:creationId xmlns:a16="http://schemas.microsoft.com/office/drawing/2014/main" id="{A7009A0A-BEF5-4EAC-AF15-E4F9F002E239}"/>
+                <a16:creationId xmlns:a16="http://schemas.microsoft.com/office/drawing/2014/main" xmlns="" id="{A7009A0A-BEF5-4EAC-AF15-E4F9F002E239}"/>
               </a:ext>
               <a:ext uri="{C183D7F6-B498-43B3-948B-1728B52AA6E4}">
-                <adec:decorative xmlns:adec="http://schemas.microsoft.com/office/drawing/2017/decorative" val="1"/>
+                <adec:decorative xmlns:adec="http://schemas.microsoft.com/office/drawing/2017/decorative" xmlns="" val="1"/>
               </a:ext>
             </a:extLst>
           </p:cNvPr>
@@ -11106,7 +10858,7 @@
           <p:nvPr>
             <p:extLst>
               <p:ext uri="{386F3935-93C4-4BCD-93E2-E3B085C9AB24}">
-                <p16:designElem xmlns:p16="http://schemas.microsoft.com/office/powerpoint/2015/main" val="1"/>
+                <p16:designElem xmlns:p16="http://schemas.microsoft.com/office/powerpoint/2015/main" xmlns="" val="1"/>
               </p:ext>
             </p:extLst>
           </p:nvPr>
@@ -11168,7 +10920,7 @@
           <p:cNvPr id="2" name="제목 1">
             <a:extLst>
               <a:ext uri="{FF2B5EF4-FFF2-40B4-BE49-F238E27FC236}">
-                <a16:creationId xmlns:a16="http://schemas.microsoft.com/office/drawing/2014/main" id="{78057627-5515-E771-0576-60BBA3464C68}"/>
+                <a16:creationId xmlns:a16="http://schemas.microsoft.com/office/drawing/2014/main" xmlns="" id="{78057627-5515-E771-0576-60BBA3464C68}"/>
               </a:ext>
             </a:extLst>
           </p:cNvPr>
@@ -11219,7 +10971,7 @@
           <p:cNvPr id="7" name="그림 6">
             <a:extLst>
               <a:ext uri="{FF2B5EF4-FFF2-40B4-BE49-F238E27FC236}">
-                <a16:creationId xmlns:a16="http://schemas.microsoft.com/office/drawing/2014/main" id="{9047E48B-8626-BBC0-9E9B-128EB93C6097}"/>
+                <a16:creationId xmlns:a16="http://schemas.microsoft.com/office/drawing/2014/main" xmlns="" id="{9047E48B-8626-BBC0-9E9B-128EB93C6097}"/>
               </a:ext>
             </a:extLst>
           </p:cNvPr>
@@ -11249,7 +11001,7 @@
           <p:cNvPr id="10" name="그림 9">
             <a:extLst>
               <a:ext uri="{FF2B5EF4-FFF2-40B4-BE49-F238E27FC236}">
-                <a16:creationId xmlns:a16="http://schemas.microsoft.com/office/drawing/2014/main" id="{762575BD-3F37-36B1-6703-301E83CB37C2}"/>
+                <a16:creationId xmlns:a16="http://schemas.microsoft.com/office/drawing/2014/main" xmlns="" id="{762575BD-3F37-36B1-6703-301E83CB37C2}"/>
               </a:ext>
             </a:extLst>
           </p:cNvPr>
@@ -11279,7 +11031,7 @@
           <p:cNvPr id="19" name="그림 18">
             <a:extLst>
               <a:ext uri="{FF2B5EF4-FFF2-40B4-BE49-F238E27FC236}">
-                <a16:creationId xmlns:a16="http://schemas.microsoft.com/office/drawing/2014/main" id="{86498DC2-C10E-2E3D-7CE8-4A6A82372162}"/>
+                <a16:creationId xmlns:a16="http://schemas.microsoft.com/office/drawing/2014/main" xmlns="" id="{86498DC2-C10E-2E3D-7CE8-4A6A82372162}"/>
               </a:ext>
             </a:extLst>
           </p:cNvPr>
@@ -11309,7 +11061,7 @@
           <p:cNvPr id="21" name="그림 20">
             <a:extLst>
               <a:ext uri="{FF2B5EF4-FFF2-40B4-BE49-F238E27FC236}">
-                <a16:creationId xmlns:a16="http://schemas.microsoft.com/office/drawing/2014/main" id="{2325967D-E9C7-A10E-55B0-8D39366C6477}"/>
+                <a16:creationId xmlns:a16="http://schemas.microsoft.com/office/drawing/2014/main" xmlns="" id="{2325967D-E9C7-A10E-55B0-8D39366C6477}"/>
               </a:ext>
             </a:extLst>
           </p:cNvPr>
@@ -11594,10 +11346,10 @@
           <p:cNvPr id="9" name="Rectangle 8">
             <a:extLst>
               <a:ext uri="{FF2B5EF4-FFF2-40B4-BE49-F238E27FC236}">
-                <a16:creationId xmlns:a16="http://schemas.microsoft.com/office/drawing/2014/main" id="{A8384FB5-9ADC-4DDC-881B-597D56F5B15D}"/>
+                <a16:creationId xmlns:a16="http://schemas.microsoft.com/office/drawing/2014/main" xmlns="" id="{A8384FB5-9ADC-4DDC-881B-597D56F5B15D}"/>
               </a:ext>
               <a:ext uri="{C183D7F6-B498-43B3-948B-1728B52AA6E4}">
-                <adec:decorative xmlns:adec="http://schemas.microsoft.com/office/drawing/2017/decorative" val="1"/>
+                <adec:decorative xmlns:adec="http://schemas.microsoft.com/office/drawing/2017/decorative" xmlns="" val="1"/>
               </a:ext>
             </a:extLst>
           </p:cNvPr>
@@ -11607,7 +11359,7 @@
           <p:nvPr>
             <p:extLst>
               <p:ext uri="{386F3935-93C4-4BCD-93E2-E3B085C9AB24}">
-                <p16:designElem xmlns:p16="http://schemas.microsoft.com/office/powerpoint/2015/main" val="1"/>
+                <p16:designElem xmlns:p16="http://schemas.microsoft.com/office/powerpoint/2015/main" xmlns="" val="1"/>
               </p:ext>
             </p:extLst>
           </p:nvPr>
@@ -11670,10 +11422,10 @@
           <p:cNvPr id="11" name="Rectangle 10">
             <a:extLst>
               <a:ext uri="{FF2B5EF4-FFF2-40B4-BE49-F238E27FC236}">
-                <a16:creationId xmlns:a16="http://schemas.microsoft.com/office/drawing/2014/main" id="{1199E1B1-A8C0-4FE8-A5A8-1CB41D69F857}"/>
+                <a16:creationId xmlns:a16="http://schemas.microsoft.com/office/drawing/2014/main" xmlns="" id="{1199E1B1-A8C0-4FE8-A5A8-1CB41D69F857}"/>
               </a:ext>
               <a:ext uri="{C183D7F6-B498-43B3-948B-1728B52AA6E4}">
-                <adec:decorative xmlns:adec="http://schemas.microsoft.com/office/drawing/2017/decorative" val="1"/>
+                <adec:decorative xmlns:adec="http://schemas.microsoft.com/office/drawing/2017/decorative" xmlns="" val="1"/>
               </a:ext>
             </a:extLst>
           </p:cNvPr>
@@ -11683,7 +11435,7 @@
           <p:nvPr>
             <p:extLst>
               <p:ext uri="{386F3935-93C4-4BCD-93E2-E3B085C9AB24}">
-                <p16:designElem xmlns:p16="http://schemas.microsoft.com/office/powerpoint/2015/main" val="1"/>
+                <p16:designElem xmlns:p16="http://schemas.microsoft.com/office/powerpoint/2015/main" xmlns="" val="1"/>
               </p:ext>
             </p:extLst>
           </p:nvPr>
@@ -11745,10 +11497,10 @@
           <p:cNvPr id="13" name="Rectangle 12">
             <a:extLst>
               <a:ext uri="{FF2B5EF4-FFF2-40B4-BE49-F238E27FC236}">
-                <a16:creationId xmlns:a16="http://schemas.microsoft.com/office/drawing/2014/main" id="{84A8DE83-DE75-4B41-9DB4-A7EC0B0DEC0B}"/>
+                <a16:creationId xmlns:a16="http://schemas.microsoft.com/office/drawing/2014/main" xmlns="" id="{84A8DE83-DE75-4B41-9DB4-A7EC0B0DEC0B}"/>
               </a:ext>
               <a:ext uri="{C183D7F6-B498-43B3-948B-1728B52AA6E4}">
-                <adec:decorative xmlns:adec="http://schemas.microsoft.com/office/drawing/2017/decorative" val="1"/>
+                <adec:decorative xmlns:adec="http://schemas.microsoft.com/office/drawing/2017/decorative" xmlns="" val="1"/>
               </a:ext>
             </a:extLst>
           </p:cNvPr>
@@ -11758,7 +11510,7 @@
           <p:nvPr>
             <p:extLst>
               <p:ext uri="{386F3935-93C4-4BCD-93E2-E3B085C9AB24}">
-                <p16:designElem xmlns:p16="http://schemas.microsoft.com/office/powerpoint/2015/main" val="1"/>
+                <p16:designElem xmlns:p16="http://schemas.microsoft.com/office/powerpoint/2015/main" xmlns="" val="1"/>
               </p:ext>
             </p:extLst>
           </p:nvPr>
@@ -11822,10 +11574,10 @@
           <p:cNvPr id="15" name="Rectangle 14">
             <a:extLst>
               <a:ext uri="{FF2B5EF4-FFF2-40B4-BE49-F238E27FC236}">
-                <a16:creationId xmlns:a16="http://schemas.microsoft.com/office/drawing/2014/main" id="{A7009A0A-BEF5-4EAC-AF15-E4F9F002E239}"/>
+                <a16:creationId xmlns:a16="http://schemas.microsoft.com/office/drawing/2014/main" xmlns="" id="{A7009A0A-BEF5-4EAC-AF15-E4F9F002E239}"/>
               </a:ext>
               <a:ext uri="{C183D7F6-B498-43B3-948B-1728B52AA6E4}">
-                <adec:decorative xmlns:adec="http://schemas.microsoft.com/office/drawing/2017/decorative" val="1"/>
+                <adec:decorative xmlns:adec="http://schemas.microsoft.com/office/drawing/2017/decorative" xmlns="" val="1"/>
               </a:ext>
             </a:extLst>
           </p:cNvPr>
@@ -11835,7 +11587,7 @@
           <p:nvPr>
             <p:extLst>
               <p:ext uri="{386F3935-93C4-4BCD-93E2-E3B085C9AB24}">
-                <p16:designElem xmlns:p16="http://schemas.microsoft.com/office/powerpoint/2015/main" val="1"/>
+                <p16:designElem xmlns:p16="http://schemas.microsoft.com/office/powerpoint/2015/main" xmlns="" val="1"/>
               </p:ext>
             </p:extLst>
           </p:nvPr>
@@ -11897,7 +11649,7 @@
           <p:cNvPr id="2" name="제목 1">
             <a:extLst>
               <a:ext uri="{FF2B5EF4-FFF2-40B4-BE49-F238E27FC236}">
-                <a16:creationId xmlns:a16="http://schemas.microsoft.com/office/drawing/2014/main" id="{78057627-5515-E771-0576-60BBA3464C68}"/>
+                <a16:creationId xmlns:a16="http://schemas.microsoft.com/office/drawing/2014/main" xmlns="" id="{78057627-5515-E771-0576-60BBA3464C68}"/>
               </a:ext>
             </a:extLst>
           </p:cNvPr>
@@ -11948,7 +11700,7 @@
           <p:cNvPr id="3" name="그림 2">
             <a:extLst>
               <a:ext uri="{FF2B5EF4-FFF2-40B4-BE49-F238E27FC236}">
-                <a16:creationId xmlns:a16="http://schemas.microsoft.com/office/drawing/2014/main" id="{CCE106EB-3040-F025-93A8-18959578251A}"/>
+                <a16:creationId xmlns:a16="http://schemas.microsoft.com/office/drawing/2014/main" xmlns="" id="{CCE106EB-3040-F025-93A8-18959578251A}"/>
               </a:ext>
             </a:extLst>
           </p:cNvPr>
@@ -12171,10 +11923,10 @@
           <p:cNvPr id="8" name="Rectangle 7">
             <a:extLst>
               <a:ext uri="{FF2B5EF4-FFF2-40B4-BE49-F238E27FC236}">
-                <a16:creationId xmlns:a16="http://schemas.microsoft.com/office/drawing/2014/main" id="{1B15ED52-F352-441B-82BF-E0EA34836D08}"/>
+                <a16:creationId xmlns:a16="http://schemas.microsoft.com/office/drawing/2014/main" xmlns="" id="{1B15ED52-F352-441B-82BF-E0EA34836D08}"/>
               </a:ext>
               <a:ext uri="{C183D7F6-B498-43B3-948B-1728B52AA6E4}">
-                <adec:decorative xmlns:adec="http://schemas.microsoft.com/office/drawing/2017/decorative" val="1"/>
+                <adec:decorative xmlns:adec="http://schemas.microsoft.com/office/drawing/2017/decorative" xmlns="" val="1"/>
               </a:ext>
             </a:extLst>
           </p:cNvPr>
@@ -12184,7 +11936,7 @@
           <p:nvPr>
             <p:extLst>
               <p:ext uri="{386F3935-93C4-4BCD-93E2-E3B085C9AB24}">
-                <p16:designElem xmlns:p16="http://schemas.microsoft.com/office/powerpoint/2015/main" val="1"/>
+                <p16:designElem xmlns:p16="http://schemas.microsoft.com/office/powerpoint/2015/main" xmlns="" val="1"/>
               </p:ext>
             </p:extLst>
           </p:nvPr>
@@ -12247,10 +11999,10 @@
           <p:cNvPr id="10" name="Rectangle 9">
             <a:extLst>
               <a:ext uri="{FF2B5EF4-FFF2-40B4-BE49-F238E27FC236}">
-                <a16:creationId xmlns:a16="http://schemas.microsoft.com/office/drawing/2014/main" id="{3B2E3793-BFE6-45A2-9B7B-E18844431C99}"/>
+                <a16:creationId xmlns:a16="http://schemas.microsoft.com/office/drawing/2014/main" xmlns="" id="{3B2E3793-BFE6-45A2-9B7B-E18844431C99}"/>
               </a:ext>
               <a:ext uri="{C183D7F6-B498-43B3-948B-1728B52AA6E4}">
-                <adec:decorative xmlns:adec="http://schemas.microsoft.com/office/drawing/2017/decorative" val="1"/>
+                <adec:decorative xmlns:adec="http://schemas.microsoft.com/office/drawing/2017/decorative" xmlns="" val="1"/>
               </a:ext>
             </a:extLst>
           </p:cNvPr>
@@ -12260,7 +12012,7 @@
           <p:nvPr>
             <p:extLst>
               <p:ext uri="{386F3935-93C4-4BCD-93E2-E3B085C9AB24}">
-                <p16:designElem xmlns:p16="http://schemas.microsoft.com/office/powerpoint/2015/main" val="1"/>
+                <p16:designElem xmlns:p16="http://schemas.microsoft.com/office/powerpoint/2015/main" xmlns="" val="1"/>
               </p:ext>
             </p:extLst>
           </p:nvPr>
@@ -12320,10 +12072,10 @@
           <p:cNvPr id="12" name="Rectangle 11">
             <a:extLst>
               <a:ext uri="{FF2B5EF4-FFF2-40B4-BE49-F238E27FC236}">
-                <a16:creationId xmlns:a16="http://schemas.microsoft.com/office/drawing/2014/main" id="{BC4C4868-CB8F-4AF9-9CDB-8108F2C19B67}"/>
+                <a16:creationId xmlns:a16="http://schemas.microsoft.com/office/drawing/2014/main" xmlns="" id="{BC4C4868-CB8F-4AF9-9CDB-8108F2C19B67}"/>
               </a:ext>
               <a:ext uri="{C183D7F6-B498-43B3-948B-1728B52AA6E4}">
-                <adec:decorative xmlns:adec="http://schemas.microsoft.com/office/drawing/2017/decorative" val="1"/>
+                <adec:decorative xmlns:adec="http://schemas.microsoft.com/office/drawing/2017/decorative" xmlns="" val="1"/>
               </a:ext>
             </a:extLst>
           </p:cNvPr>
@@ -12333,7 +12085,7 @@
           <p:nvPr>
             <p:extLst>
               <p:ext uri="{386F3935-93C4-4BCD-93E2-E3B085C9AB24}">
-                <p16:designElem xmlns:p16="http://schemas.microsoft.com/office/powerpoint/2015/main" val="1"/>
+                <p16:designElem xmlns:p16="http://schemas.microsoft.com/office/powerpoint/2015/main" xmlns="" val="1"/>
               </p:ext>
             </p:extLst>
           </p:nvPr>
@@ -12396,10 +12148,10 @@
           <p:cNvPr id="14" name="Rectangle 13">
             <a:extLst>
               <a:ext uri="{FF2B5EF4-FFF2-40B4-BE49-F238E27FC236}">
-                <a16:creationId xmlns:a16="http://schemas.microsoft.com/office/drawing/2014/main" id="{375E0459-6403-40CD-989D-56A4407CA12E}"/>
+                <a16:creationId xmlns:a16="http://schemas.microsoft.com/office/drawing/2014/main" xmlns="" id="{375E0459-6403-40CD-989D-56A4407CA12E}"/>
               </a:ext>
               <a:ext uri="{C183D7F6-B498-43B3-948B-1728B52AA6E4}">
-                <adec:decorative xmlns:adec="http://schemas.microsoft.com/office/drawing/2017/decorative" val="1"/>
+                <adec:decorative xmlns:adec="http://schemas.microsoft.com/office/drawing/2017/decorative" xmlns="" val="1"/>
               </a:ext>
             </a:extLst>
           </p:cNvPr>
@@ -12409,7 +12161,7 @@
           <p:nvPr>
             <p:extLst>
               <p:ext uri="{386F3935-93C4-4BCD-93E2-E3B085C9AB24}">
-                <p16:designElem xmlns:p16="http://schemas.microsoft.com/office/powerpoint/2015/main" val="1"/>
+                <p16:designElem xmlns:p16="http://schemas.microsoft.com/office/powerpoint/2015/main" xmlns="" val="1"/>
               </p:ext>
             </p:extLst>
           </p:nvPr>
@@ -12471,10 +12223,10 @@
           <p:cNvPr id="16" name="Rectangle 15">
             <a:extLst>
               <a:ext uri="{FF2B5EF4-FFF2-40B4-BE49-F238E27FC236}">
-                <a16:creationId xmlns:a16="http://schemas.microsoft.com/office/drawing/2014/main" id="{53E5B1A8-3AC9-4BD1-9BBC-78CA94F2D1BA}"/>
+                <a16:creationId xmlns:a16="http://schemas.microsoft.com/office/drawing/2014/main" xmlns="" id="{53E5B1A8-3AC9-4BD1-9BBC-78CA94F2D1BA}"/>
               </a:ext>
               <a:ext uri="{C183D7F6-B498-43B3-948B-1728B52AA6E4}">
-                <adec:decorative xmlns:adec="http://schemas.microsoft.com/office/drawing/2017/decorative" val="1"/>
+                <adec:decorative xmlns:adec="http://schemas.microsoft.com/office/drawing/2017/decorative" xmlns="" val="1"/>
               </a:ext>
             </a:extLst>
           </p:cNvPr>
@@ -12484,7 +12236,7 @@
           <p:nvPr>
             <p:extLst>
               <p:ext uri="{386F3935-93C4-4BCD-93E2-E3B085C9AB24}">
-                <p16:designElem xmlns:p16="http://schemas.microsoft.com/office/powerpoint/2015/main" val="1"/>
+                <p16:designElem xmlns:p16="http://schemas.microsoft.com/office/powerpoint/2015/main" xmlns="" val="1"/>
               </p:ext>
             </p:extLst>
           </p:nvPr>
@@ -12547,7 +12299,7 @@
           <p:cNvPr id="2" name="제목 1">
             <a:extLst>
               <a:ext uri="{FF2B5EF4-FFF2-40B4-BE49-F238E27FC236}">
-                <a16:creationId xmlns:a16="http://schemas.microsoft.com/office/drawing/2014/main" id="{1E22F2AF-C56D-6CEA-8BEA-37CE752EA65A}"/>
+                <a16:creationId xmlns:a16="http://schemas.microsoft.com/office/drawing/2014/main" xmlns="" id="{1E22F2AF-C56D-6CEA-8BEA-37CE752EA65A}"/>
               </a:ext>
             </a:extLst>
           </p:cNvPr>
@@ -12586,7 +12338,7 @@
           <p:cNvPr id="3" name="내용 개체 틀 2">
             <a:extLst>
               <a:ext uri="{FF2B5EF4-FFF2-40B4-BE49-F238E27FC236}">
-                <a16:creationId xmlns:a16="http://schemas.microsoft.com/office/drawing/2014/main" id="{2A7D2632-3F9C-4E2E-A88F-68CC75703511}"/>
+                <a16:creationId xmlns:a16="http://schemas.microsoft.com/office/drawing/2014/main" xmlns="" id="{2A7D2632-3F9C-4E2E-A88F-68CC75703511}"/>
               </a:ext>
             </a:extLst>
           </p:cNvPr>
@@ -12702,10 +12454,10 @@
           <p:cNvPr id="8" name="Rectangle 7">
             <a:extLst>
               <a:ext uri="{FF2B5EF4-FFF2-40B4-BE49-F238E27FC236}">
-                <a16:creationId xmlns:a16="http://schemas.microsoft.com/office/drawing/2014/main" id="{1B15ED52-F352-441B-82BF-E0EA34836D08}"/>
+                <a16:creationId xmlns:a16="http://schemas.microsoft.com/office/drawing/2014/main" xmlns="" id="{1B15ED52-F352-441B-82BF-E0EA34836D08}"/>
               </a:ext>
               <a:ext uri="{C183D7F6-B498-43B3-948B-1728B52AA6E4}">
-                <adec:decorative xmlns:adec="http://schemas.microsoft.com/office/drawing/2017/decorative" val="1"/>
+                <adec:decorative xmlns:adec="http://schemas.microsoft.com/office/drawing/2017/decorative" xmlns="" val="1"/>
               </a:ext>
             </a:extLst>
           </p:cNvPr>
@@ -12715,7 +12467,7 @@
           <p:nvPr>
             <p:extLst>
               <p:ext uri="{386F3935-93C4-4BCD-93E2-E3B085C9AB24}">
-                <p16:designElem xmlns:p16="http://schemas.microsoft.com/office/powerpoint/2015/main" val="1"/>
+                <p16:designElem xmlns:p16="http://schemas.microsoft.com/office/powerpoint/2015/main" xmlns="" val="1"/>
               </p:ext>
             </p:extLst>
           </p:nvPr>
@@ -12778,10 +12530,10 @@
           <p:cNvPr id="10" name="Rectangle 9">
             <a:extLst>
               <a:ext uri="{FF2B5EF4-FFF2-40B4-BE49-F238E27FC236}">
-                <a16:creationId xmlns:a16="http://schemas.microsoft.com/office/drawing/2014/main" id="{3B2E3793-BFE6-45A2-9B7B-E18844431C99}"/>
+                <a16:creationId xmlns:a16="http://schemas.microsoft.com/office/drawing/2014/main" xmlns="" id="{3B2E3793-BFE6-45A2-9B7B-E18844431C99}"/>
               </a:ext>
               <a:ext uri="{C183D7F6-B498-43B3-948B-1728B52AA6E4}">
-                <adec:decorative xmlns:adec="http://schemas.microsoft.com/office/drawing/2017/decorative" val="1"/>
+                <adec:decorative xmlns:adec="http://schemas.microsoft.com/office/drawing/2017/decorative" xmlns="" val="1"/>
               </a:ext>
             </a:extLst>
           </p:cNvPr>
@@ -12791,7 +12543,7 @@
           <p:nvPr>
             <p:extLst>
               <p:ext uri="{386F3935-93C4-4BCD-93E2-E3B085C9AB24}">
-                <p16:designElem xmlns:p16="http://schemas.microsoft.com/office/powerpoint/2015/main" val="1"/>
+                <p16:designElem xmlns:p16="http://schemas.microsoft.com/office/powerpoint/2015/main" xmlns="" val="1"/>
               </p:ext>
             </p:extLst>
           </p:nvPr>
@@ -12851,10 +12603,10 @@
           <p:cNvPr id="12" name="Rectangle 11">
             <a:extLst>
               <a:ext uri="{FF2B5EF4-FFF2-40B4-BE49-F238E27FC236}">
-                <a16:creationId xmlns:a16="http://schemas.microsoft.com/office/drawing/2014/main" id="{BC4C4868-CB8F-4AF9-9CDB-8108F2C19B67}"/>
+                <a16:creationId xmlns:a16="http://schemas.microsoft.com/office/drawing/2014/main" xmlns="" id="{BC4C4868-CB8F-4AF9-9CDB-8108F2C19B67}"/>
               </a:ext>
               <a:ext uri="{C183D7F6-B498-43B3-948B-1728B52AA6E4}">
-                <adec:decorative xmlns:adec="http://schemas.microsoft.com/office/drawing/2017/decorative" val="1"/>
+                <adec:decorative xmlns:adec="http://schemas.microsoft.com/office/drawing/2017/decorative" xmlns="" val="1"/>
               </a:ext>
             </a:extLst>
           </p:cNvPr>
@@ -12864,7 +12616,7 @@
           <p:nvPr>
             <p:extLst>
               <p:ext uri="{386F3935-93C4-4BCD-93E2-E3B085C9AB24}">
-                <p16:designElem xmlns:p16="http://schemas.microsoft.com/office/powerpoint/2015/main" val="1"/>
+                <p16:designElem xmlns:p16="http://schemas.microsoft.com/office/powerpoint/2015/main" xmlns="" val="1"/>
               </p:ext>
             </p:extLst>
           </p:nvPr>
@@ -12927,10 +12679,10 @@
           <p:cNvPr id="14" name="Rectangle 13">
             <a:extLst>
               <a:ext uri="{FF2B5EF4-FFF2-40B4-BE49-F238E27FC236}">
-                <a16:creationId xmlns:a16="http://schemas.microsoft.com/office/drawing/2014/main" id="{375E0459-6403-40CD-989D-56A4407CA12E}"/>
+                <a16:creationId xmlns:a16="http://schemas.microsoft.com/office/drawing/2014/main" xmlns="" id="{375E0459-6403-40CD-989D-56A4407CA12E}"/>
               </a:ext>
               <a:ext uri="{C183D7F6-B498-43B3-948B-1728B52AA6E4}">
-                <adec:decorative xmlns:adec="http://schemas.microsoft.com/office/drawing/2017/decorative" val="1"/>
+                <adec:decorative xmlns:adec="http://schemas.microsoft.com/office/drawing/2017/decorative" xmlns="" val="1"/>
               </a:ext>
             </a:extLst>
           </p:cNvPr>
@@ -12940,7 +12692,7 @@
           <p:nvPr>
             <p:extLst>
               <p:ext uri="{386F3935-93C4-4BCD-93E2-E3B085C9AB24}">
-                <p16:designElem xmlns:p16="http://schemas.microsoft.com/office/powerpoint/2015/main" val="1"/>
+                <p16:designElem xmlns:p16="http://schemas.microsoft.com/office/powerpoint/2015/main" xmlns="" val="1"/>
               </p:ext>
             </p:extLst>
           </p:nvPr>
@@ -13002,10 +12754,10 @@
           <p:cNvPr id="16" name="Rectangle 15">
             <a:extLst>
               <a:ext uri="{FF2B5EF4-FFF2-40B4-BE49-F238E27FC236}">
-                <a16:creationId xmlns:a16="http://schemas.microsoft.com/office/drawing/2014/main" id="{53E5B1A8-3AC9-4BD1-9BBC-78CA94F2D1BA}"/>
+                <a16:creationId xmlns:a16="http://schemas.microsoft.com/office/drawing/2014/main" xmlns="" id="{53E5B1A8-3AC9-4BD1-9BBC-78CA94F2D1BA}"/>
               </a:ext>
               <a:ext uri="{C183D7F6-B498-43B3-948B-1728B52AA6E4}">
-                <adec:decorative xmlns:adec="http://schemas.microsoft.com/office/drawing/2017/decorative" val="1"/>
+                <adec:decorative xmlns:adec="http://schemas.microsoft.com/office/drawing/2017/decorative" xmlns="" val="1"/>
               </a:ext>
             </a:extLst>
           </p:cNvPr>
@@ -13015,7 +12767,7 @@
           <p:nvPr>
             <p:extLst>
               <p:ext uri="{386F3935-93C4-4BCD-93E2-E3B085C9AB24}">
-                <p16:designElem xmlns:p16="http://schemas.microsoft.com/office/powerpoint/2015/main" val="1"/>
+                <p16:designElem xmlns:p16="http://schemas.microsoft.com/office/powerpoint/2015/main" xmlns="" val="1"/>
               </p:ext>
             </p:extLst>
           </p:nvPr>
@@ -13078,7 +12830,7 @@
           <p:cNvPr id="2" name="제목 1">
             <a:extLst>
               <a:ext uri="{FF2B5EF4-FFF2-40B4-BE49-F238E27FC236}">
-                <a16:creationId xmlns:a16="http://schemas.microsoft.com/office/drawing/2014/main" id="{D7235457-A6C6-F577-0AE8-2492AED11FDF}"/>
+                <a16:creationId xmlns:a16="http://schemas.microsoft.com/office/drawing/2014/main" xmlns="" id="{D7235457-A6C6-F577-0AE8-2492AED11FDF}"/>
               </a:ext>
             </a:extLst>
           </p:cNvPr>
@@ -13117,7 +12869,7 @@
           <p:cNvPr id="3" name="내용 개체 틀 2">
             <a:extLst>
               <a:ext uri="{FF2B5EF4-FFF2-40B4-BE49-F238E27FC236}">
-                <a16:creationId xmlns:a16="http://schemas.microsoft.com/office/drawing/2014/main" id="{A20C815D-EDE1-56C7-1746-3EB7001DB7A4}"/>
+                <a16:creationId xmlns:a16="http://schemas.microsoft.com/office/drawing/2014/main" xmlns="" id="{A20C815D-EDE1-56C7-1746-3EB7001DB7A4}"/>
               </a:ext>
             </a:extLst>
           </p:cNvPr>

--- a/doc/TBFG 모바일 프로젝트.pptx
+++ b/doc/TBFG 모바일 프로젝트.pptx
@@ -3320,7 +3320,7 @@
           <p:cNvPr id="2" name="제목 1">
             <a:extLst>
               <a:ext uri="{FF2B5EF4-FFF2-40B4-BE49-F238E27FC236}">
-                <a16:creationId xmlns:a16="http://schemas.microsoft.com/office/drawing/2014/main" xmlns="" id="{124A51D6-DBA9-BE8F-8D24-A679BEC07BB6}"/>
+                <a16:creationId xmlns="" xmlns:a16="http://schemas.microsoft.com/office/drawing/2014/main" id="{124A51D6-DBA9-BE8F-8D24-A679BEC07BB6}"/>
               </a:ext>
             </a:extLst>
           </p:cNvPr>
@@ -3357,7 +3357,7 @@
           <p:cNvPr id="3" name="부제목 2">
             <a:extLst>
               <a:ext uri="{FF2B5EF4-FFF2-40B4-BE49-F238E27FC236}">
-                <a16:creationId xmlns:a16="http://schemas.microsoft.com/office/drawing/2014/main" xmlns="" id="{0A8C71ED-F94B-F28E-6883-F23620BCACF9}"/>
+                <a16:creationId xmlns="" xmlns:a16="http://schemas.microsoft.com/office/drawing/2014/main" id="{0A8C71ED-F94B-F28E-6883-F23620BCACF9}"/>
               </a:ext>
             </a:extLst>
           </p:cNvPr>
@@ -3427,7 +3427,7 @@
           <p:cNvPr id="4" name="날짜 개체 틀 3">
             <a:extLst>
               <a:ext uri="{FF2B5EF4-FFF2-40B4-BE49-F238E27FC236}">
-                <a16:creationId xmlns:a16="http://schemas.microsoft.com/office/drawing/2014/main" xmlns="" id="{C99F6AC2-87FC-DBFE-B006-E814B68EF01E}"/>
+                <a16:creationId xmlns="" xmlns:a16="http://schemas.microsoft.com/office/drawing/2014/main" id="{C99F6AC2-87FC-DBFE-B006-E814B68EF01E}"/>
               </a:ext>
             </a:extLst>
           </p:cNvPr>
@@ -3456,7 +3456,7 @@
           <p:cNvPr id="5" name="바닥글 개체 틀 4">
             <a:extLst>
               <a:ext uri="{FF2B5EF4-FFF2-40B4-BE49-F238E27FC236}">
-                <a16:creationId xmlns:a16="http://schemas.microsoft.com/office/drawing/2014/main" xmlns="" id="{873A8C28-E376-42DF-E684-08172FF76185}"/>
+                <a16:creationId xmlns="" xmlns:a16="http://schemas.microsoft.com/office/drawing/2014/main" id="{873A8C28-E376-42DF-E684-08172FF76185}"/>
               </a:ext>
             </a:extLst>
           </p:cNvPr>
@@ -3481,7 +3481,7 @@
           <p:cNvPr id="6" name="슬라이드 번호 개체 틀 5">
             <a:extLst>
               <a:ext uri="{FF2B5EF4-FFF2-40B4-BE49-F238E27FC236}">
-                <a16:creationId xmlns:a16="http://schemas.microsoft.com/office/drawing/2014/main" xmlns="" id="{C39D65F8-A723-6DA7-C817-1C933D25BDF1}"/>
+                <a16:creationId xmlns="" xmlns:a16="http://schemas.microsoft.com/office/drawing/2014/main" id="{C39D65F8-A723-6DA7-C817-1C933D25BDF1}"/>
               </a:ext>
             </a:extLst>
           </p:cNvPr>
@@ -3540,7 +3540,7 @@
           <p:cNvPr id="2" name="제목 1">
             <a:extLst>
               <a:ext uri="{FF2B5EF4-FFF2-40B4-BE49-F238E27FC236}">
-                <a16:creationId xmlns:a16="http://schemas.microsoft.com/office/drawing/2014/main" xmlns="" id="{7B3D8512-A985-E2F9-052F-0D5D5D792A32}"/>
+                <a16:creationId xmlns="" xmlns:a16="http://schemas.microsoft.com/office/drawing/2014/main" id="{7B3D8512-A985-E2F9-052F-0D5D5D792A32}"/>
               </a:ext>
             </a:extLst>
           </p:cNvPr>
@@ -3568,7 +3568,7 @@
           <p:cNvPr id="3" name="세로 텍스트 개체 틀 2">
             <a:extLst>
               <a:ext uri="{FF2B5EF4-FFF2-40B4-BE49-F238E27FC236}">
-                <a16:creationId xmlns:a16="http://schemas.microsoft.com/office/drawing/2014/main" xmlns="" id="{564E68EA-3BC6-5CE9-2666-69DD649BBF83}"/>
+                <a16:creationId xmlns="" xmlns:a16="http://schemas.microsoft.com/office/drawing/2014/main" id="{564E68EA-3BC6-5CE9-2666-69DD649BBF83}"/>
               </a:ext>
             </a:extLst>
           </p:cNvPr>
@@ -3625,7 +3625,7 @@
           <p:cNvPr id="4" name="날짜 개체 틀 3">
             <a:extLst>
               <a:ext uri="{FF2B5EF4-FFF2-40B4-BE49-F238E27FC236}">
-                <a16:creationId xmlns:a16="http://schemas.microsoft.com/office/drawing/2014/main" xmlns="" id="{150E0970-5134-657E-EDC9-D97DBBF9CD65}"/>
+                <a16:creationId xmlns="" xmlns:a16="http://schemas.microsoft.com/office/drawing/2014/main" id="{150E0970-5134-657E-EDC9-D97DBBF9CD65}"/>
               </a:ext>
             </a:extLst>
           </p:cNvPr>
@@ -3654,7 +3654,7 @@
           <p:cNvPr id="5" name="바닥글 개체 틀 4">
             <a:extLst>
               <a:ext uri="{FF2B5EF4-FFF2-40B4-BE49-F238E27FC236}">
-                <a16:creationId xmlns:a16="http://schemas.microsoft.com/office/drawing/2014/main" xmlns="" id="{A6746D8E-43B9-5841-81E1-0B05635B6E77}"/>
+                <a16:creationId xmlns="" xmlns:a16="http://schemas.microsoft.com/office/drawing/2014/main" id="{A6746D8E-43B9-5841-81E1-0B05635B6E77}"/>
               </a:ext>
             </a:extLst>
           </p:cNvPr>
@@ -3679,7 +3679,7 @@
           <p:cNvPr id="6" name="슬라이드 번호 개체 틀 5">
             <a:extLst>
               <a:ext uri="{FF2B5EF4-FFF2-40B4-BE49-F238E27FC236}">
-                <a16:creationId xmlns:a16="http://schemas.microsoft.com/office/drawing/2014/main" xmlns="" id="{FB62CF8F-0F7F-D77C-A82B-58685D6B456F}"/>
+                <a16:creationId xmlns="" xmlns:a16="http://schemas.microsoft.com/office/drawing/2014/main" id="{FB62CF8F-0F7F-D77C-A82B-58685D6B456F}"/>
               </a:ext>
             </a:extLst>
           </p:cNvPr>
@@ -3738,7 +3738,7 @@
           <p:cNvPr id="2" name="세로 제목 1">
             <a:extLst>
               <a:ext uri="{FF2B5EF4-FFF2-40B4-BE49-F238E27FC236}">
-                <a16:creationId xmlns:a16="http://schemas.microsoft.com/office/drawing/2014/main" xmlns="" id="{E0F71C47-1703-8BDA-2C79-993C0BC0BD30}"/>
+                <a16:creationId xmlns="" xmlns:a16="http://schemas.microsoft.com/office/drawing/2014/main" id="{E0F71C47-1703-8BDA-2C79-993C0BC0BD30}"/>
               </a:ext>
             </a:extLst>
           </p:cNvPr>
@@ -3771,7 +3771,7 @@
           <p:cNvPr id="3" name="세로 텍스트 개체 틀 2">
             <a:extLst>
               <a:ext uri="{FF2B5EF4-FFF2-40B4-BE49-F238E27FC236}">
-                <a16:creationId xmlns:a16="http://schemas.microsoft.com/office/drawing/2014/main" xmlns="" id="{E24A9338-BFE0-6B78-B576-6A4CA6A59AD5}"/>
+                <a16:creationId xmlns="" xmlns:a16="http://schemas.microsoft.com/office/drawing/2014/main" id="{E24A9338-BFE0-6B78-B576-6A4CA6A59AD5}"/>
               </a:ext>
             </a:extLst>
           </p:cNvPr>
@@ -3833,7 +3833,7 @@
           <p:cNvPr id="4" name="날짜 개체 틀 3">
             <a:extLst>
               <a:ext uri="{FF2B5EF4-FFF2-40B4-BE49-F238E27FC236}">
-                <a16:creationId xmlns:a16="http://schemas.microsoft.com/office/drawing/2014/main" xmlns="" id="{E1F2D0EA-F145-7299-BF79-B3A1EFF2C9E5}"/>
+                <a16:creationId xmlns="" xmlns:a16="http://schemas.microsoft.com/office/drawing/2014/main" id="{E1F2D0EA-F145-7299-BF79-B3A1EFF2C9E5}"/>
               </a:ext>
             </a:extLst>
           </p:cNvPr>
@@ -3862,7 +3862,7 @@
           <p:cNvPr id="5" name="바닥글 개체 틀 4">
             <a:extLst>
               <a:ext uri="{FF2B5EF4-FFF2-40B4-BE49-F238E27FC236}">
-                <a16:creationId xmlns:a16="http://schemas.microsoft.com/office/drawing/2014/main" xmlns="" id="{34995B71-7374-84D7-73B8-7FD7384244B7}"/>
+                <a16:creationId xmlns="" xmlns:a16="http://schemas.microsoft.com/office/drawing/2014/main" id="{34995B71-7374-84D7-73B8-7FD7384244B7}"/>
               </a:ext>
             </a:extLst>
           </p:cNvPr>
@@ -3887,7 +3887,7 @@
           <p:cNvPr id="6" name="슬라이드 번호 개체 틀 5">
             <a:extLst>
               <a:ext uri="{FF2B5EF4-FFF2-40B4-BE49-F238E27FC236}">
-                <a16:creationId xmlns:a16="http://schemas.microsoft.com/office/drawing/2014/main" xmlns="" id="{D8CA3FE0-470B-B334-D1AA-3C204479962E}"/>
+                <a16:creationId xmlns="" xmlns:a16="http://schemas.microsoft.com/office/drawing/2014/main" id="{D8CA3FE0-470B-B334-D1AA-3C204479962E}"/>
               </a:ext>
             </a:extLst>
           </p:cNvPr>
@@ -3946,7 +3946,7 @@
           <p:cNvPr id="2" name="제목 1">
             <a:extLst>
               <a:ext uri="{FF2B5EF4-FFF2-40B4-BE49-F238E27FC236}">
-                <a16:creationId xmlns:a16="http://schemas.microsoft.com/office/drawing/2014/main" xmlns="" id="{6DC57BCD-81C2-E91A-CC30-83FF49CBC9B2}"/>
+                <a16:creationId xmlns="" xmlns:a16="http://schemas.microsoft.com/office/drawing/2014/main" id="{6DC57BCD-81C2-E91A-CC30-83FF49CBC9B2}"/>
               </a:ext>
             </a:extLst>
           </p:cNvPr>
@@ -3974,7 +3974,7 @@
           <p:cNvPr id="3" name="내용 개체 틀 2">
             <a:extLst>
               <a:ext uri="{FF2B5EF4-FFF2-40B4-BE49-F238E27FC236}">
-                <a16:creationId xmlns:a16="http://schemas.microsoft.com/office/drawing/2014/main" xmlns="" id="{C915A9E6-DAE5-0140-7F3A-F201A49AF12C}"/>
+                <a16:creationId xmlns="" xmlns:a16="http://schemas.microsoft.com/office/drawing/2014/main" id="{C915A9E6-DAE5-0140-7F3A-F201A49AF12C}"/>
               </a:ext>
             </a:extLst>
           </p:cNvPr>
@@ -4031,7 +4031,7 @@
           <p:cNvPr id="4" name="날짜 개체 틀 3">
             <a:extLst>
               <a:ext uri="{FF2B5EF4-FFF2-40B4-BE49-F238E27FC236}">
-                <a16:creationId xmlns:a16="http://schemas.microsoft.com/office/drawing/2014/main" xmlns="" id="{380D67BD-1DE5-DE59-239C-EF1CED07112B}"/>
+                <a16:creationId xmlns="" xmlns:a16="http://schemas.microsoft.com/office/drawing/2014/main" id="{380D67BD-1DE5-DE59-239C-EF1CED07112B}"/>
               </a:ext>
             </a:extLst>
           </p:cNvPr>
@@ -4060,7 +4060,7 @@
           <p:cNvPr id="5" name="바닥글 개체 틀 4">
             <a:extLst>
               <a:ext uri="{FF2B5EF4-FFF2-40B4-BE49-F238E27FC236}">
-                <a16:creationId xmlns:a16="http://schemas.microsoft.com/office/drawing/2014/main" xmlns="" id="{5918BD9F-8B27-16EB-5230-DDC88AB9A62C}"/>
+                <a16:creationId xmlns="" xmlns:a16="http://schemas.microsoft.com/office/drawing/2014/main" id="{5918BD9F-8B27-16EB-5230-DDC88AB9A62C}"/>
               </a:ext>
             </a:extLst>
           </p:cNvPr>
@@ -4085,7 +4085,7 @@
           <p:cNvPr id="6" name="슬라이드 번호 개체 틀 5">
             <a:extLst>
               <a:ext uri="{FF2B5EF4-FFF2-40B4-BE49-F238E27FC236}">
-                <a16:creationId xmlns:a16="http://schemas.microsoft.com/office/drawing/2014/main" xmlns="" id="{B097C29F-9748-2B3B-86D2-84D741BA3F11}"/>
+                <a16:creationId xmlns="" xmlns:a16="http://schemas.microsoft.com/office/drawing/2014/main" id="{B097C29F-9748-2B3B-86D2-84D741BA3F11}"/>
               </a:ext>
             </a:extLst>
           </p:cNvPr>
@@ -4144,7 +4144,7 @@
           <p:cNvPr id="2" name="제목 1">
             <a:extLst>
               <a:ext uri="{FF2B5EF4-FFF2-40B4-BE49-F238E27FC236}">
-                <a16:creationId xmlns:a16="http://schemas.microsoft.com/office/drawing/2014/main" xmlns="" id="{E0C45445-1ED5-3302-66CC-D5747247074F}"/>
+                <a16:creationId xmlns="" xmlns:a16="http://schemas.microsoft.com/office/drawing/2014/main" id="{E0C45445-1ED5-3302-66CC-D5747247074F}"/>
               </a:ext>
             </a:extLst>
           </p:cNvPr>
@@ -4181,7 +4181,7 @@
           <p:cNvPr id="3" name="텍스트 개체 틀 2">
             <a:extLst>
               <a:ext uri="{FF2B5EF4-FFF2-40B4-BE49-F238E27FC236}">
-                <a16:creationId xmlns:a16="http://schemas.microsoft.com/office/drawing/2014/main" xmlns="" id="{8B58CF69-D24B-13BE-F2F5-D96AF16D6978}"/>
+                <a16:creationId xmlns="" xmlns:a16="http://schemas.microsoft.com/office/drawing/2014/main" id="{8B58CF69-D24B-13BE-F2F5-D96AF16D6978}"/>
               </a:ext>
             </a:extLst>
           </p:cNvPr>
@@ -4306,7 +4306,7 @@
           <p:cNvPr id="4" name="날짜 개체 틀 3">
             <a:extLst>
               <a:ext uri="{FF2B5EF4-FFF2-40B4-BE49-F238E27FC236}">
-                <a16:creationId xmlns:a16="http://schemas.microsoft.com/office/drawing/2014/main" xmlns="" id="{A7FEC433-B582-8EEE-1E5A-492FF5F93AAD}"/>
+                <a16:creationId xmlns="" xmlns:a16="http://schemas.microsoft.com/office/drawing/2014/main" id="{A7FEC433-B582-8EEE-1E5A-492FF5F93AAD}"/>
               </a:ext>
             </a:extLst>
           </p:cNvPr>
@@ -4335,7 +4335,7 @@
           <p:cNvPr id="5" name="바닥글 개체 틀 4">
             <a:extLst>
               <a:ext uri="{FF2B5EF4-FFF2-40B4-BE49-F238E27FC236}">
-                <a16:creationId xmlns:a16="http://schemas.microsoft.com/office/drawing/2014/main" xmlns="" id="{CA153658-14E0-881D-DBC4-89611031A529}"/>
+                <a16:creationId xmlns="" xmlns:a16="http://schemas.microsoft.com/office/drawing/2014/main" id="{CA153658-14E0-881D-DBC4-89611031A529}"/>
               </a:ext>
             </a:extLst>
           </p:cNvPr>
@@ -4360,7 +4360,7 @@
           <p:cNvPr id="6" name="슬라이드 번호 개체 틀 5">
             <a:extLst>
               <a:ext uri="{FF2B5EF4-FFF2-40B4-BE49-F238E27FC236}">
-                <a16:creationId xmlns:a16="http://schemas.microsoft.com/office/drawing/2014/main" xmlns="" id="{3DEBDD6E-6997-ED93-AC9D-D8EA42E8D2DA}"/>
+                <a16:creationId xmlns="" xmlns:a16="http://schemas.microsoft.com/office/drawing/2014/main" id="{3DEBDD6E-6997-ED93-AC9D-D8EA42E8D2DA}"/>
               </a:ext>
             </a:extLst>
           </p:cNvPr>
@@ -4419,7 +4419,7 @@
           <p:cNvPr id="2" name="제목 1">
             <a:extLst>
               <a:ext uri="{FF2B5EF4-FFF2-40B4-BE49-F238E27FC236}">
-                <a16:creationId xmlns:a16="http://schemas.microsoft.com/office/drawing/2014/main" xmlns="" id="{1452B3B3-E647-5032-BC1A-E0118A585C42}"/>
+                <a16:creationId xmlns="" xmlns:a16="http://schemas.microsoft.com/office/drawing/2014/main" id="{1452B3B3-E647-5032-BC1A-E0118A585C42}"/>
               </a:ext>
             </a:extLst>
           </p:cNvPr>
@@ -4447,7 +4447,7 @@
           <p:cNvPr id="3" name="내용 개체 틀 2">
             <a:extLst>
               <a:ext uri="{FF2B5EF4-FFF2-40B4-BE49-F238E27FC236}">
-                <a16:creationId xmlns:a16="http://schemas.microsoft.com/office/drawing/2014/main" xmlns="" id="{81FA7C8C-A10A-A698-18B7-2E09F27823F6}"/>
+                <a16:creationId xmlns="" xmlns:a16="http://schemas.microsoft.com/office/drawing/2014/main" id="{81FA7C8C-A10A-A698-18B7-2E09F27823F6}"/>
               </a:ext>
             </a:extLst>
           </p:cNvPr>
@@ -4509,7 +4509,7 @@
           <p:cNvPr id="4" name="내용 개체 틀 3">
             <a:extLst>
               <a:ext uri="{FF2B5EF4-FFF2-40B4-BE49-F238E27FC236}">
-                <a16:creationId xmlns:a16="http://schemas.microsoft.com/office/drawing/2014/main" xmlns="" id="{15F17A48-4DE5-A939-1482-D709BBD802CC}"/>
+                <a16:creationId xmlns="" xmlns:a16="http://schemas.microsoft.com/office/drawing/2014/main" id="{15F17A48-4DE5-A939-1482-D709BBD802CC}"/>
               </a:ext>
             </a:extLst>
           </p:cNvPr>
@@ -4571,7 +4571,7 @@
           <p:cNvPr id="5" name="날짜 개체 틀 4">
             <a:extLst>
               <a:ext uri="{FF2B5EF4-FFF2-40B4-BE49-F238E27FC236}">
-                <a16:creationId xmlns:a16="http://schemas.microsoft.com/office/drawing/2014/main" xmlns="" id="{C8BA6D82-52E1-5485-F3FC-F3B27E59C7CF}"/>
+                <a16:creationId xmlns="" xmlns:a16="http://schemas.microsoft.com/office/drawing/2014/main" id="{C8BA6D82-52E1-5485-F3FC-F3B27E59C7CF}"/>
               </a:ext>
             </a:extLst>
           </p:cNvPr>
@@ -4600,7 +4600,7 @@
           <p:cNvPr id="6" name="바닥글 개체 틀 5">
             <a:extLst>
               <a:ext uri="{FF2B5EF4-FFF2-40B4-BE49-F238E27FC236}">
-                <a16:creationId xmlns:a16="http://schemas.microsoft.com/office/drawing/2014/main" xmlns="" id="{FADC1DB4-24A6-E57F-404B-0551C7A49F70}"/>
+                <a16:creationId xmlns="" xmlns:a16="http://schemas.microsoft.com/office/drawing/2014/main" id="{FADC1DB4-24A6-E57F-404B-0551C7A49F70}"/>
               </a:ext>
             </a:extLst>
           </p:cNvPr>
@@ -4625,7 +4625,7 @@
           <p:cNvPr id="7" name="슬라이드 번호 개체 틀 6">
             <a:extLst>
               <a:ext uri="{FF2B5EF4-FFF2-40B4-BE49-F238E27FC236}">
-                <a16:creationId xmlns:a16="http://schemas.microsoft.com/office/drawing/2014/main" xmlns="" id="{34EFFD92-6502-59D5-2B17-C155FC982522}"/>
+                <a16:creationId xmlns="" xmlns:a16="http://schemas.microsoft.com/office/drawing/2014/main" id="{34EFFD92-6502-59D5-2B17-C155FC982522}"/>
               </a:ext>
             </a:extLst>
           </p:cNvPr>
@@ -4684,7 +4684,7 @@
           <p:cNvPr id="2" name="제목 1">
             <a:extLst>
               <a:ext uri="{FF2B5EF4-FFF2-40B4-BE49-F238E27FC236}">
-                <a16:creationId xmlns:a16="http://schemas.microsoft.com/office/drawing/2014/main" xmlns="" id="{34C63465-4B5C-9137-E375-F224EE52F3B3}"/>
+                <a16:creationId xmlns="" xmlns:a16="http://schemas.microsoft.com/office/drawing/2014/main" id="{34C63465-4B5C-9137-E375-F224EE52F3B3}"/>
               </a:ext>
             </a:extLst>
           </p:cNvPr>
@@ -4717,7 +4717,7 @@
           <p:cNvPr id="3" name="텍스트 개체 틀 2">
             <a:extLst>
               <a:ext uri="{FF2B5EF4-FFF2-40B4-BE49-F238E27FC236}">
-                <a16:creationId xmlns:a16="http://schemas.microsoft.com/office/drawing/2014/main" xmlns="" id="{754A5CCF-FAFB-6D42-9AF8-040ACB3D9BA0}"/>
+                <a16:creationId xmlns="" xmlns:a16="http://schemas.microsoft.com/office/drawing/2014/main" id="{754A5CCF-FAFB-6D42-9AF8-040ACB3D9BA0}"/>
               </a:ext>
             </a:extLst>
           </p:cNvPr>
@@ -4788,7 +4788,7 @@
           <p:cNvPr id="4" name="내용 개체 틀 3">
             <a:extLst>
               <a:ext uri="{FF2B5EF4-FFF2-40B4-BE49-F238E27FC236}">
-                <a16:creationId xmlns:a16="http://schemas.microsoft.com/office/drawing/2014/main" xmlns="" id="{7CE5EF13-47EC-1488-2F05-6CDDA46A909F}"/>
+                <a16:creationId xmlns="" xmlns:a16="http://schemas.microsoft.com/office/drawing/2014/main" id="{7CE5EF13-47EC-1488-2F05-6CDDA46A909F}"/>
               </a:ext>
             </a:extLst>
           </p:cNvPr>
@@ -4850,7 +4850,7 @@
           <p:cNvPr id="5" name="텍스트 개체 틀 4">
             <a:extLst>
               <a:ext uri="{FF2B5EF4-FFF2-40B4-BE49-F238E27FC236}">
-                <a16:creationId xmlns:a16="http://schemas.microsoft.com/office/drawing/2014/main" xmlns="" id="{5506209C-75FB-900D-BF97-AD887BA0C51C}"/>
+                <a16:creationId xmlns="" xmlns:a16="http://schemas.microsoft.com/office/drawing/2014/main" id="{5506209C-75FB-900D-BF97-AD887BA0C51C}"/>
               </a:ext>
             </a:extLst>
           </p:cNvPr>
@@ -4921,7 +4921,7 @@
           <p:cNvPr id="6" name="내용 개체 틀 5">
             <a:extLst>
               <a:ext uri="{FF2B5EF4-FFF2-40B4-BE49-F238E27FC236}">
-                <a16:creationId xmlns:a16="http://schemas.microsoft.com/office/drawing/2014/main" xmlns="" id="{9D245B16-B29B-86BA-EC3A-7CB3B9DE4E01}"/>
+                <a16:creationId xmlns="" xmlns:a16="http://schemas.microsoft.com/office/drawing/2014/main" id="{9D245B16-B29B-86BA-EC3A-7CB3B9DE4E01}"/>
               </a:ext>
             </a:extLst>
           </p:cNvPr>
@@ -4983,7 +4983,7 @@
           <p:cNvPr id="7" name="날짜 개체 틀 6">
             <a:extLst>
               <a:ext uri="{FF2B5EF4-FFF2-40B4-BE49-F238E27FC236}">
-                <a16:creationId xmlns:a16="http://schemas.microsoft.com/office/drawing/2014/main" xmlns="" id="{51E27BC9-8C6B-5DDC-BD48-8E3D1878931D}"/>
+                <a16:creationId xmlns="" xmlns:a16="http://schemas.microsoft.com/office/drawing/2014/main" id="{51E27BC9-8C6B-5DDC-BD48-8E3D1878931D}"/>
               </a:ext>
             </a:extLst>
           </p:cNvPr>
@@ -5012,7 +5012,7 @@
           <p:cNvPr id="8" name="바닥글 개체 틀 7">
             <a:extLst>
               <a:ext uri="{FF2B5EF4-FFF2-40B4-BE49-F238E27FC236}">
-                <a16:creationId xmlns:a16="http://schemas.microsoft.com/office/drawing/2014/main" xmlns="" id="{A352355D-6777-8050-90D1-D3D2C009A7DC}"/>
+                <a16:creationId xmlns="" xmlns:a16="http://schemas.microsoft.com/office/drawing/2014/main" id="{A352355D-6777-8050-90D1-D3D2C009A7DC}"/>
               </a:ext>
             </a:extLst>
           </p:cNvPr>
@@ -5037,7 +5037,7 @@
           <p:cNvPr id="9" name="슬라이드 번호 개체 틀 8">
             <a:extLst>
               <a:ext uri="{FF2B5EF4-FFF2-40B4-BE49-F238E27FC236}">
-                <a16:creationId xmlns:a16="http://schemas.microsoft.com/office/drawing/2014/main" xmlns="" id="{3F5F1BC2-B1FE-43CB-606C-2341D362BAD5}"/>
+                <a16:creationId xmlns="" xmlns:a16="http://schemas.microsoft.com/office/drawing/2014/main" id="{3F5F1BC2-B1FE-43CB-606C-2341D362BAD5}"/>
               </a:ext>
             </a:extLst>
           </p:cNvPr>
@@ -5096,7 +5096,7 @@
           <p:cNvPr id="2" name="제목 1">
             <a:extLst>
               <a:ext uri="{FF2B5EF4-FFF2-40B4-BE49-F238E27FC236}">
-                <a16:creationId xmlns:a16="http://schemas.microsoft.com/office/drawing/2014/main" xmlns="" id="{AA206F37-4936-F473-5F06-4051D5804860}"/>
+                <a16:creationId xmlns="" xmlns:a16="http://schemas.microsoft.com/office/drawing/2014/main" id="{AA206F37-4936-F473-5F06-4051D5804860}"/>
               </a:ext>
             </a:extLst>
           </p:cNvPr>
@@ -5124,7 +5124,7 @@
           <p:cNvPr id="3" name="날짜 개체 틀 2">
             <a:extLst>
               <a:ext uri="{FF2B5EF4-FFF2-40B4-BE49-F238E27FC236}">
-                <a16:creationId xmlns:a16="http://schemas.microsoft.com/office/drawing/2014/main" xmlns="" id="{95C2BE1E-A2DC-AD18-668A-9160B8D8E4C1}"/>
+                <a16:creationId xmlns="" xmlns:a16="http://schemas.microsoft.com/office/drawing/2014/main" id="{95C2BE1E-A2DC-AD18-668A-9160B8D8E4C1}"/>
               </a:ext>
             </a:extLst>
           </p:cNvPr>
@@ -5153,7 +5153,7 @@
           <p:cNvPr id="4" name="바닥글 개체 틀 3">
             <a:extLst>
               <a:ext uri="{FF2B5EF4-FFF2-40B4-BE49-F238E27FC236}">
-                <a16:creationId xmlns:a16="http://schemas.microsoft.com/office/drawing/2014/main" xmlns="" id="{7020642A-A89C-7FF7-2764-3491433AB111}"/>
+                <a16:creationId xmlns="" xmlns:a16="http://schemas.microsoft.com/office/drawing/2014/main" id="{7020642A-A89C-7FF7-2764-3491433AB111}"/>
               </a:ext>
             </a:extLst>
           </p:cNvPr>
@@ -5178,7 +5178,7 @@
           <p:cNvPr id="5" name="슬라이드 번호 개체 틀 4">
             <a:extLst>
               <a:ext uri="{FF2B5EF4-FFF2-40B4-BE49-F238E27FC236}">
-                <a16:creationId xmlns:a16="http://schemas.microsoft.com/office/drawing/2014/main" xmlns="" id="{1BD84956-4010-7DC3-470D-8DD2AA635929}"/>
+                <a16:creationId xmlns="" xmlns:a16="http://schemas.microsoft.com/office/drawing/2014/main" id="{1BD84956-4010-7DC3-470D-8DD2AA635929}"/>
               </a:ext>
             </a:extLst>
           </p:cNvPr>
@@ -5237,7 +5237,7 @@
           <p:cNvPr id="2" name="날짜 개체 틀 1">
             <a:extLst>
               <a:ext uri="{FF2B5EF4-FFF2-40B4-BE49-F238E27FC236}">
-                <a16:creationId xmlns:a16="http://schemas.microsoft.com/office/drawing/2014/main" xmlns="" id="{BCEB933B-1E16-EE04-80B3-45B5F19C3504}"/>
+                <a16:creationId xmlns="" xmlns:a16="http://schemas.microsoft.com/office/drawing/2014/main" id="{BCEB933B-1E16-EE04-80B3-45B5F19C3504}"/>
               </a:ext>
             </a:extLst>
           </p:cNvPr>
@@ -5266,7 +5266,7 @@
           <p:cNvPr id="3" name="바닥글 개체 틀 2">
             <a:extLst>
               <a:ext uri="{FF2B5EF4-FFF2-40B4-BE49-F238E27FC236}">
-                <a16:creationId xmlns:a16="http://schemas.microsoft.com/office/drawing/2014/main" xmlns="" id="{BB23717C-B0B6-91D3-35EB-A0FCEBEB8931}"/>
+                <a16:creationId xmlns="" xmlns:a16="http://schemas.microsoft.com/office/drawing/2014/main" id="{BB23717C-B0B6-91D3-35EB-A0FCEBEB8931}"/>
               </a:ext>
             </a:extLst>
           </p:cNvPr>
@@ -5291,7 +5291,7 @@
           <p:cNvPr id="4" name="슬라이드 번호 개체 틀 3">
             <a:extLst>
               <a:ext uri="{FF2B5EF4-FFF2-40B4-BE49-F238E27FC236}">
-                <a16:creationId xmlns:a16="http://schemas.microsoft.com/office/drawing/2014/main" xmlns="" id="{96FBA90C-45BC-3AFD-3AB7-9B1F8EE053A4}"/>
+                <a16:creationId xmlns="" xmlns:a16="http://schemas.microsoft.com/office/drawing/2014/main" id="{96FBA90C-45BC-3AFD-3AB7-9B1F8EE053A4}"/>
               </a:ext>
             </a:extLst>
           </p:cNvPr>
@@ -5350,7 +5350,7 @@
           <p:cNvPr id="2" name="제목 1">
             <a:extLst>
               <a:ext uri="{FF2B5EF4-FFF2-40B4-BE49-F238E27FC236}">
-                <a16:creationId xmlns:a16="http://schemas.microsoft.com/office/drawing/2014/main" xmlns="" id="{B0976675-A2B5-CEC6-2547-3DE7B233C975}"/>
+                <a16:creationId xmlns="" xmlns:a16="http://schemas.microsoft.com/office/drawing/2014/main" id="{B0976675-A2B5-CEC6-2547-3DE7B233C975}"/>
               </a:ext>
             </a:extLst>
           </p:cNvPr>
@@ -5387,7 +5387,7 @@
           <p:cNvPr id="3" name="내용 개체 틀 2">
             <a:extLst>
               <a:ext uri="{FF2B5EF4-FFF2-40B4-BE49-F238E27FC236}">
-                <a16:creationId xmlns:a16="http://schemas.microsoft.com/office/drawing/2014/main" xmlns="" id="{C2F10736-36B3-D0A3-8621-E362A76E9493}"/>
+                <a16:creationId xmlns="" xmlns:a16="http://schemas.microsoft.com/office/drawing/2014/main" id="{C2F10736-36B3-D0A3-8621-E362A76E9493}"/>
               </a:ext>
             </a:extLst>
           </p:cNvPr>
@@ -5477,7 +5477,7 @@
           <p:cNvPr id="4" name="텍스트 개체 틀 3">
             <a:extLst>
               <a:ext uri="{FF2B5EF4-FFF2-40B4-BE49-F238E27FC236}">
-                <a16:creationId xmlns:a16="http://schemas.microsoft.com/office/drawing/2014/main" xmlns="" id="{2E1F606C-8BBA-01D5-BB57-CC1D63A04667}"/>
+                <a16:creationId xmlns="" xmlns:a16="http://schemas.microsoft.com/office/drawing/2014/main" id="{2E1F606C-8BBA-01D5-BB57-CC1D63A04667}"/>
               </a:ext>
             </a:extLst>
           </p:cNvPr>
@@ -5548,7 +5548,7 @@
           <p:cNvPr id="5" name="날짜 개체 틀 4">
             <a:extLst>
               <a:ext uri="{FF2B5EF4-FFF2-40B4-BE49-F238E27FC236}">
-                <a16:creationId xmlns:a16="http://schemas.microsoft.com/office/drawing/2014/main" xmlns="" id="{321A894A-8126-5FB6-CFD2-116295E9A497}"/>
+                <a16:creationId xmlns="" xmlns:a16="http://schemas.microsoft.com/office/drawing/2014/main" id="{321A894A-8126-5FB6-CFD2-116295E9A497}"/>
               </a:ext>
             </a:extLst>
           </p:cNvPr>
@@ -5577,7 +5577,7 @@
           <p:cNvPr id="6" name="바닥글 개체 틀 5">
             <a:extLst>
               <a:ext uri="{FF2B5EF4-FFF2-40B4-BE49-F238E27FC236}">
-                <a16:creationId xmlns:a16="http://schemas.microsoft.com/office/drawing/2014/main" xmlns="" id="{80A94236-373C-67FF-B260-A971F68D9990}"/>
+                <a16:creationId xmlns="" xmlns:a16="http://schemas.microsoft.com/office/drawing/2014/main" id="{80A94236-373C-67FF-B260-A971F68D9990}"/>
               </a:ext>
             </a:extLst>
           </p:cNvPr>
@@ -5602,7 +5602,7 @@
           <p:cNvPr id="7" name="슬라이드 번호 개체 틀 6">
             <a:extLst>
               <a:ext uri="{FF2B5EF4-FFF2-40B4-BE49-F238E27FC236}">
-                <a16:creationId xmlns:a16="http://schemas.microsoft.com/office/drawing/2014/main" xmlns="" id="{28883EF8-20A2-47DE-870F-90669510E4FC}"/>
+                <a16:creationId xmlns="" xmlns:a16="http://schemas.microsoft.com/office/drawing/2014/main" id="{28883EF8-20A2-47DE-870F-90669510E4FC}"/>
               </a:ext>
             </a:extLst>
           </p:cNvPr>
@@ -5661,7 +5661,7 @@
           <p:cNvPr id="2" name="제목 1">
             <a:extLst>
               <a:ext uri="{FF2B5EF4-FFF2-40B4-BE49-F238E27FC236}">
-                <a16:creationId xmlns:a16="http://schemas.microsoft.com/office/drawing/2014/main" xmlns="" id="{AF8471FC-E8CB-A47F-22AC-1996AC3A0DE0}"/>
+                <a16:creationId xmlns="" xmlns:a16="http://schemas.microsoft.com/office/drawing/2014/main" id="{AF8471FC-E8CB-A47F-22AC-1996AC3A0DE0}"/>
               </a:ext>
             </a:extLst>
           </p:cNvPr>
@@ -5698,7 +5698,7 @@
           <p:cNvPr id="3" name="그림 개체 틀 2">
             <a:extLst>
               <a:ext uri="{FF2B5EF4-FFF2-40B4-BE49-F238E27FC236}">
-                <a16:creationId xmlns:a16="http://schemas.microsoft.com/office/drawing/2014/main" xmlns="" id="{1F11711D-7FDE-3A3D-3559-4450632B30A4}"/>
+                <a16:creationId xmlns="" xmlns:a16="http://schemas.microsoft.com/office/drawing/2014/main" id="{1F11711D-7FDE-3A3D-3559-4450632B30A4}"/>
               </a:ext>
             </a:extLst>
           </p:cNvPr>
@@ -5765,7 +5765,7 @@
           <p:cNvPr id="4" name="텍스트 개체 틀 3">
             <a:extLst>
               <a:ext uri="{FF2B5EF4-FFF2-40B4-BE49-F238E27FC236}">
-                <a16:creationId xmlns:a16="http://schemas.microsoft.com/office/drawing/2014/main" xmlns="" id="{8808C143-BC52-3350-2B22-DB298DBC44F2}"/>
+                <a16:creationId xmlns="" xmlns:a16="http://schemas.microsoft.com/office/drawing/2014/main" id="{8808C143-BC52-3350-2B22-DB298DBC44F2}"/>
               </a:ext>
             </a:extLst>
           </p:cNvPr>
@@ -5836,7 +5836,7 @@
           <p:cNvPr id="5" name="날짜 개체 틀 4">
             <a:extLst>
               <a:ext uri="{FF2B5EF4-FFF2-40B4-BE49-F238E27FC236}">
-                <a16:creationId xmlns:a16="http://schemas.microsoft.com/office/drawing/2014/main" xmlns="" id="{DA5D1225-6A66-DAB7-2050-1B2F47D48FAA}"/>
+                <a16:creationId xmlns="" xmlns:a16="http://schemas.microsoft.com/office/drawing/2014/main" id="{DA5D1225-6A66-DAB7-2050-1B2F47D48FAA}"/>
               </a:ext>
             </a:extLst>
           </p:cNvPr>
@@ -5865,7 +5865,7 @@
           <p:cNvPr id="6" name="바닥글 개체 틀 5">
             <a:extLst>
               <a:ext uri="{FF2B5EF4-FFF2-40B4-BE49-F238E27FC236}">
-                <a16:creationId xmlns:a16="http://schemas.microsoft.com/office/drawing/2014/main" xmlns="" id="{6DF98D5F-F90C-88FB-2BE2-81FBB0FA6893}"/>
+                <a16:creationId xmlns="" xmlns:a16="http://schemas.microsoft.com/office/drawing/2014/main" id="{6DF98D5F-F90C-88FB-2BE2-81FBB0FA6893}"/>
               </a:ext>
             </a:extLst>
           </p:cNvPr>
@@ -5890,7 +5890,7 @@
           <p:cNvPr id="7" name="슬라이드 번호 개체 틀 6">
             <a:extLst>
               <a:ext uri="{FF2B5EF4-FFF2-40B4-BE49-F238E27FC236}">
-                <a16:creationId xmlns:a16="http://schemas.microsoft.com/office/drawing/2014/main" xmlns="" id="{8AC4579A-5429-4DC8-F62A-F83764EC136E}"/>
+                <a16:creationId xmlns="" xmlns:a16="http://schemas.microsoft.com/office/drawing/2014/main" id="{8AC4579A-5429-4DC8-F62A-F83764EC136E}"/>
               </a:ext>
             </a:extLst>
           </p:cNvPr>
@@ -5954,7 +5954,7 @@
           <p:cNvPr id="2" name="제목 개체 틀 1">
             <a:extLst>
               <a:ext uri="{FF2B5EF4-FFF2-40B4-BE49-F238E27FC236}">
-                <a16:creationId xmlns:a16="http://schemas.microsoft.com/office/drawing/2014/main" xmlns="" id="{90C184B7-0D1C-43EC-6963-79761C9051F1}"/>
+                <a16:creationId xmlns="" xmlns:a16="http://schemas.microsoft.com/office/drawing/2014/main" id="{90C184B7-0D1C-43EC-6963-79761C9051F1}"/>
               </a:ext>
             </a:extLst>
           </p:cNvPr>
@@ -5992,7 +5992,7 @@
           <p:cNvPr id="3" name="텍스트 개체 틀 2">
             <a:extLst>
               <a:ext uri="{FF2B5EF4-FFF2-40B4-BE49-F238E27FC236}">
-                <a16:creationId xmlns:a16="http://schemas.microsoft.com/office/drawing/2014/main" xmlns="" id="{42D039B6-42BF-3481-D5EE-A396FB4E6CDE}"/>
+                <a16:creationId xmlns="" xmlns:a16="http://schemas.microsoft.com/office/drawing/2014/main" id="{42D039B6-42BF-3481-D5EE-A396FB4E6CDE}"/>
               </a:ext>
             </a:extLst>
           </p:cNvPr>
@@ -6059,7 +6059,7 @@
           <p:cNvPr id="4" name="날짜 개체 틀 3">
             <a:extLst>
               <a:ext uri="{FF2B5EF4-FFF2-40B4-BE49-F238E27FC236}">
-                <a16:creationId xmlns:a16="http://schemas.microsoft.com/office/drawing/2014/main" xmlns="" id="{3931C644-BB14-BE8B-05C2-5E0D08E84807}"/>
+                <a16:creationId xmlns="" xmlns:a16="http://schemas.microsoft.com/office/drawing/2014/main" id="{3931C644-BB14-BE8B-05C2-5E0D08E84807}"/>
               </a:ext>
             </a:extLst>
           </p:cNvPr>
@@ -6106,7 +6106,7 @@
           <p:cNvPr id="5" name="바닥글 개체 틀 4">
             <a:extLst>
               <a:ext uri="{FF2B5EF4-FFF2-40B4-BE49-F238E27FC236}">
-                <a16:creationId xmlns:a16="http://schemas.microsoft.com/office/drawing/2014/main" xmlns="" id="{7E5314E0-B91D-5368-495A-E838F9054104}"/>
+                <a16:creationId xmlns="" xmlns:a16="http://schemas.microsoft.com/office/drawing/2014/main" id="{7E5314E0-B91D-5368-495A-E838F9054104}"/>
               </a:ext>
             </a:extLst>
           </p:cNvPr>
@@ -6149,7 +6149,7 @@
           <p:cNvPr id="6" name="슬라이드 번호 개체 틀 5">
             <a:extLst>
               <a:ext uri="{FF2B5EF4-FFF2-40B4-BE49-F238E27FC236}">
-                <a16:creationId xmlns:a16="http://schemas.microsoft.com/office/drawing/2014/main" xmlns="" id="{DAFA9AA8-049A-1D09-FB04-1E424451167C}"/>
+                <a16:creationId xmlns="" xmlns:a16="http://schemas.microsoft.com/office/drawing/2014/main" id="{DAFA9AA8-049A-1D09-FB04-1E424451167C}"/>
               </a:ext>
             </a:extLst>
           </p:cNvPr>
@@ -6525,10 +6525,10 @@
           <p:cNvPr id="8" name="Rectangle 7">
             <a:extLst>
               <a:ext uri="{FF2B5EF4-FFF2-40B4-BE49-F238E27FC236}">
-                <a16:creationId xmlns:a16="http://schemas.microsoft.com/office/drawing/2014/main" xmlns="" id="{6F5A5072-7B47-4D32-B52A-4EBBF590B8A5}"/>
+                <a16:creationId xmlns="" xmlns:a16="http://schemas.microsoft.com/office/drawing/2014/main" id="{6F5A5072-7B47-4D32-B52A-4EBBF590B8A5}"/>
               </a:ext>
               <a:ext uri="{C183D7F6-B498-43B3-948B-1728B52AA6E4}">
-                <adec:decorative xmlns:adec="http://schemas.microsoft.com/office/drawing/2017/decorative" xmlns="" val="1"/>
+                <adec:decorative xmlns="" xmlns:adec="http://schemas.microsoft.com/office/drawing/2017/decorative" val="1"/>
               </a:ext>
             </a:extLst>
           </p:cNvPr>
@@ -6538,7 +6538,7 @@
           <p:nvPr>
             <p:extLst>
               <p:ext uri="{386F3935-93C4-4BCD-93E2-E3B085C9AB24}">
-                <p16:designElem xmlns:p16="http://schemas.microsoft.com/office/powerpoint/2015/main" xmlns="" val="1"/>
+                <p16:designElem xmlns="" xmlns:p16="http://schemas.microsoft.com/office/powerpoint/2015/main" val="1"/>
               </p:ext>
             </p:extLst>
           </p:nvPr>
@@ -6601,10 +6601,10 @@
           <p:cNvPr id="10" name="Rectangle 9">
             <a:extLst>
               <a:ext uri="{FF2B5EF4-FFF2-40B4-BE49-F238E27FC236}">
-                <a16:creationId xmlns:a16="http://schemas.microsoft.com/office/drawing/2014/main" xmlns="" id="{9715DAF0-AE1B-46C9-8A6B-DB2AA05AB91D}"/>
+                <a16:creationId xmlns="" xmlns:a16="http://schemas.microsoft.com/office/drawing/2014/main" id="{9715DAF0-AE1B-46C9-8A6B-DB2AA05AB91D}"/>
               </a:ext>
               <a:ext uri="{C183D7F6-B498-43B3-948B-1728B52AA6E4}">
-                <adec:decorative xmlns:adec="http://schemas.microsoft.com/office/drawing/2017/decorative" xmlns="" val="1"/>
+                <adec:decorative xmlns="" xmlns:adec="http://schemas.microsoft.com/office/drawing/2017/decorative" val="1"/>
               </a:ext>
             </a:extLst>
           </p:cNvPr>
@@ -6614,7 +6614,7 @@
           <p:nvPr>
             <p:extLst>
               <p:ext uri="{386F3935-93C4-4BCD-93E2-E3B085C9AB24}">
-                <p16:designElem xmlns:p16="http://schemas.microsoft.com/office/powerpoint/2015/main" xmlns="" val="1"/>
+                <p16:designElem xmlns="" xmlns:p16="http://schemas.microsoft.com/office/powerpoint/2015/main" val="1"/>
               </p:ext>
             </p:extLst>
           </p:nvPr>
@@ -6674,10 +6674,10 @@
           <p:cNvPr id="12" name="Rectangle 11">
             <a:extLst>
               <a:ext uri="{FF2B5EF4-FFF2-40B4-BE49-F238E27FC236}">
-                <a16:creationId xmlns:a16="http://schemas.microsoft.com/office/drawing/2014/main" xmlns="" id="{6016219D-510E-4184-9090-6D5578A87BD1}"/>
+                <a16:creationId xmlns="" xmlns:a16="http://schemas.microsoft.com/office/drawing/2014/main" id="{6016219D-510E-4184-9090-6D5578A87BD1}"/>
               </a:ext>
               <a:ext uri="{C183D7F6-B498-43B3-948B-1728B52AA6E4}">
-                <adec:decorative xmlns:adec="http://schemas.microsoft.com/office/drawing/2017/decorative" xmlns="" val="1"/>
+                <adec:decorative xmlns="" xmlns:adec="http://schemas.microsoft.com/office/drawing/2017/decorative" val="1"/>
               </a:ext>
             </a:extLst>
           </p:cNvPr>
@@ -6687,7 +6687,7 @@
           <p:nvPr>
             <p:extLst>
               <p:ext uri="{386F3935-93C4-4BCD-93E2-E3B085C9AB24}">
-                <p16:designElem xmlns:p16="http://schemas.microsoft.com/office/powerpoint/2015/main" xmlns="" val="1"/>
+                <p16:designElem xmlns="" xmlns:p16="http://schemas.microsoft.com/office/powerpoint/2015/main" val="1"/>
               </p:ext>
             </p:extLst>
           </p:nvPr>
@@ -6750,10 +6750,10 @@
           <p:cNvPr id="14" name="Rectangle 13">
             <a:extLst>
               <a:ext uri="{FF2B5EF4-FFF2-40B4-BE49-F238E27FC236}">
-                <a16:creationId xmlns:a16="http://schemas.microsoft.com/office/drawing/2014/main" xmlns="" id="{AFF4A713-7B75-4B21-90D7-5AB19547C728}"/>
+                <a16:creationId xmlns="" xmlns:a16="http://schemas.microsoft.com/office/drawing/2014/main" id="{AFF4A713-7B75-4B21-90D7-5AB19547C728}"/>
               </a:ext>
               <a:ext uri="{C183D7F6-B498-43B3-948B-1728B52AA6E4}">
-                <adec:decorative xmlns:adec="http://schemas.microsoft.com/office/drawing/2017/decorative" xmlns="" val="1"/>
+                <adec:decorative xmlns="" xmlns:adec="http://schemas.microsoft.com/office/drawing/2017/decorative" val="1"/>
               </a:ext>
             </a:extLst>
           </p:cNvPr>
@@ -6763,7 +6763,7 @@
           <p:nvPr>
             <p:extLst>
               <p:ext uri="{386F3935-93C4-4BCD-93E2-E3B085C9AB24}">
-                <p16:designElem xmlns:p16="http://schemas.microsoft.com/office/powerpoint/2015/main" xmlns="" val="1"/>
+                <p16:designElem xmlns="" xmlns:p16="http://schemas.microsoft.com/office/powerpoint/2015/main" val="1"/>
               </p:ext>
             </p:extLst>
           </p:nvPr>
@@ -6825,10 +6825,10 @@
           <p:cNvPr id="16" name="Rectangle 15">
             <a:extLst>
               <a:ext uri="{FF2B5EF4-FFF2-40B4-BE49-F238E27FC236}">
-                <a16:creationId xmlns:a16="http://schemas.microsoft.com/office/drawing/2014/main" xmlns="" id="{DC631C0B-6DA6-4E57-8231-CE32B3434A7E}"/>
+                <a16:creationId xmlns="" xmlns:a16="http://schemas.microsoft.com/office/drawing/2014/main" id="{DC631C0B-6DA6-4E57-8231-CE32B3434A7E}"/>
               </a:ext>
               <a:ext uri="{C183D7F6-B498-43B3-948B-1728B52AA6E4}">
-                <adec:decorative xmlns:adec="http://schemas.microsoft.com/office/drawing/2017/decorative" xmlns="" val="1"/>
+                <adec:decorative xmlns="" xmlns:adec="http://schemas.microsoft.com/office/drawing/2017/decorative" val="1"/>
               </a:ext>
             </a:extLst>
           </p:cNvPr>
@@ -6838,7 +6838,7 @@
           <p:nvPr>
             <p:extLst>
               <p:ext uri="{386F3935-93C4-4BCD-93E2-E3B085C9AB24}">
-                <p16:designElem xmlns:p16="http://schemas.microsoft.com/office/powerpoint/2015/main" xmlns="" val="1"/>
+                <p16:designElem xmlns="" xmlns:p16="http://schemas.microsoft.com/office/powerpoint/2015/main" val="1"/>
               </p:ext>
             </p:extLst>
           </p:nvPr>
@@ -6901,10 +6901,10 @@
           <p:cNvPr id="18" name="Freeform: Shape 17">
             <a:extLst>
               <a:ext uri="{FF2B5EF4-FFF2-40B4-BE49-F238E27FC236}">
-                <a16:creationId xmlns:a16="http://schemas.microsoft.com/office/drawing/2014/main" xmlns="" id="{C29501E6-A978-4A61-9689-9085AF97A53A}"/>
+                <a16:creationId xmlns="" xmlns:a16="http://schemas.microsoft.com/office/drawing/2014/main" id="{C29501E6-A978-4A61-9689-9085AF97A53A}"/>
               </a:ext>
               <a:ext uri="{C183D7F6-B498-43B3-948B-1728B52AA6E4}">
-                <adec:decorative xmlns:adec="http://schemas.microsoft.com/office/drawing/2017/decorative" xmlns="" val="1"/>
+                <adec:decorative xmlns="" xmlns:adec="http://schemas.microsoft.com/office/drawing/2017/decorative" val="1"/>
               </a:ext>
             </a:extLst>
           </p:cNvPr>
@@ -6914,7 +6914,7 @@
           <p:nvPr>
             <p:extLst>
               <p:ext uri="{386F3935-93C4-4BCD-93E2-E3B085C9AB24}">
-                <p16:designElem xmlns:p16="http://schemas.microsoft.com/office/powerpoint/2015/main" xmlns="" val="1"/>
+                <p16:designElem xmlns="" xmlns:p16="http://schemas.microsoft.com/office/powerpoint/2015/main" val="1"/>
               </p:ext>
             </p:extLst>
           </p:nvPr>
@@ -7045,7 +7045,7 @@
           <p:cNvPr id="2" name="제목 1">
             <a:extLst>
               <a:ext uri="{FF2B5EF4-FFF2-40B4-BE49-F238E27FC236}">
-                <a16:creationId xmlns:a16="http://schemas.microsoft.com/office/drawing/2014/main" xmlns="" id="{9F75B556-FA07-A7F7-8E5D-736CD761C3E6}"/>
+                <a16:creationId xmlns="" xmlns:a16="http://schemas.microsoft.com/office/drawing/2014/main" id="{9F75B556-FA07-A7F7-8E5D-736CD761C3E6}"/>
               </a:ext>
             </a:extLst>
           </p:cNvPr>
@@ -7101,7 +7101,7 @@
           <p:cNvPr id="3" name="부제목 2">
             <a:extLst>
               <a:ext uri="{FF2B5EF4-FFF2-40B4-BE49-F238E27FC236}">
-                <a16:creationId xmlns:a16="http://schemas.microsoft.com/office/drawing/2014/main" xmlns="" id="{538809FE-B1A2-171C-B69C-1C929B0C402D}"/>
+                <a16:creationId xmlns="" xmlns:a16="http://schemas.microsoft.com/office/drawing/2014/main" id="{538809FE-B1A2-171C-B69C-1C929B0C402D}"/>
               </a:ext>
             </a:extLst>
           </p:cNvPr>
@@ -7193,7 +7193,7 @@
           <p:cNvPr id="11" name="부제목 2">
             <a:extLst>
               <a:ext uri="{FF2B5EF4-FFF2-40B4-BE49-F238E27FC236}">
-                <a16:creationId xmlns:a16="http://schemas.microsoft.com/office/drawing/2014/main" xmlns="" id="{538809FE-B1A2-171C-B69C-1C929B0C402D}"/>
+                <a16:creationId xmlns="" xmlns:a16="http://schemas.microsoft.com/office/drawing/2014/main" id="{538809FE-B1A2-171C-B69C-1C929B0C402D}"/>
               </a:ext>
             </a:extLst>
           </p:cNvPr>
@@ -7521,10 +7521,10 @@
           <p:cNvPr id="8" name="Rectangle 7">
             <a:extLst>
               <a:ext uri="{FF2B5EF4-FFF2-40B4-BE49-F238E27FC236}">
-                <a16:creationId xmlns:a16="http://schemas.microsoft.com/office/drawing/2014/main" xmlns="" id="{1B15ED52-F352-441B-82BF-E0EA34836D08}"/>
+                <a16:creationId xmlns="" xmlns:a16="http://schemas.microsoft.com/office/drawing/2014/main" id="{1B15ED52-F352-441B-82BF-E0EA34836D08}"/>
               </a:ext>
               <a:ext uri="{C183D7F6-B498-43B3-948B-1728B52AA6E4}">
-                <adec:decorative xmlns:adec="http://schemas.microsoft.com/office/drawing/2017/decorative" xmlns="" val="1"/>
+                <adec:decorative xmlns="" xmlns:adec="http://schemas.microsoft.com/office/drawing/2017/decorative" val="1"/>
               </a:ext>
             </a:extLst>
           </p:cNvPr>
@@ -7534,7 +7534,7 @@
           <p:nvPr>
             <p:extLst>
               <p:ext uri="{386F3935-93C4-4BCD-93E2-E3B085C9AB24}">
-                <p16:designElem xmlns:p16="http://schemas.microsoft.com/office/powerpoint/2015/main" xmlns="" val="1"/>
+                <p16:designElem xmlns="" xmlns:p16="http://schemas.microsoft.com/office/powerpoint/2015/main" val="1"/>
               </p:ext>
             </p:extLst>
           </p:nvPr>
@@ -7597,10 +7597,10 @@
           <p:cNvPr id="10" name="Rectangle 9">
             <a:extLst>
               <a:ext uri="{FF2B5EF4-FFF2-40B4-BE49-F238E27FC236}">
-                <a16:creationId xmlns:a16="http://schemas.microsoft.com/office/drawing/2014/main" xmlns="" id="{3B2E3793-BFE6-45A2-9B7B-E18844431C99}"/>
+                <a16:creationId xmlns="" xmlns:a16="http://schemas.microsoft.com/office/drawing/2014/main" id="{3B2E3793-BFE6-45A2-9B7B-E18844431C99}"/>
               </a:ext>
               <a:ext uri="{C183D7F6-B498-43B3-948B-1728B52AA6E4}">
-                <adec:decorative xmlns:adec="http://schemas.microsoft.com/office/drawing/2017/decorative" xmlns="" val="1"/>
+                <adec:decorative xmlns="" xmlns:adec="http://schemas.microsoft.com/office/drawing/2017/decorative" val="1"/>
               </a:ext>
             </a:extLst>
           </p:cNvPr>
@@ -7610,7 +7610,7 @@
           <p:nvPr>
             <p:extLst>
               <p:ext uri="{386F3935-93C4-4BCD-93E2-E3B085C9AB24}">
-                <p16:designElem xmlns:p16="http://schemas.microsoft.com/office/powerpoint/2015/main" xmlns="" val="1"/>
+                <p16:designElem xmlns="" xmlns:p16="http://schemas.microsoft.com/office/powerpoint/2015/main" val="1"/>
               </p:ext>
             </p:extLst>
           </p:nvPr>
@@ -7670,10 +7670,10 @@
           <p:cNvPr id="12" name="Rectangle 11">
             <a:extLst>
               <a:ext uri="{FF2B5EF4-FFF2-40B4-BE49-F238E27FC236}">
-                <a16:creationId xmlns:a16="http://schemas.microsoft.com/office/drawing/2014/main" xmlns="" id="{BC4C4868-CB8F-4AF9-9CDB-8108F2C19B67}"/>
+                <a16:creationId xmlns="" xmlns:a16="http://schemas.microsoft.com/office/drawing/2014/main" id="{BC4C4868-CB8F-4AF9-9CDB-8108F2C19B67}"/>
               </a:ext>
               <a:ext uri="{C183D7F6-B498-43B3-948B-1728B52AA6E4}">
-                <adec:decorative xmlns:adec="http://schemas.microsoft.com/office/drawing/2017/decorative" xmlns="" val="1"/>
+                <adec:decorative xmlns="" xmlns:adec="http://schemas.microsoft.com/office/drawing/2017/decorative" val="1"/>
               </a:ext>
             </a:extLst>
           </p:cNvPr>
@@ -7683,7 +7683,7 @@
           <p:nvPr>
             <p:extLst>
               <p:ext uri="{386F3935-93C4-4BCD-93E2-E3B085C9AB24}">
-                <p16:designElem xmlns:p16="http://schemas.microsoft.com/office/powerpoint/2015/main" xmlns="" val="1"/>
+                <p16:designElem xmlns="" xmlns:p16="http://schemas.microsoft.com/office/powerpoint/2015/main" val="1"/>
               </p:ext>
             </p:extLst>
           </p:nvPr>
@@ -7746,10 +7746,10 @@
           <p:cNvPr id="14" name="Rectangle 13">
             <a:extLst>
               <a:ext uri="{FF2B5EF4-FFF2-40B4-BE49-F238E27FC236}">
-                <a16:creationId xmlns:a16="http://schemas.microsoft.com/office/drawing/2014/main" xmlns="" id="{375E0459-6403-40CD-989D-56A4407CA12E}"/>
+                <a16:creationId xmlns="" xmlns:a16="http://schemas.microsoft.com/office/drawing/2014/main" id="{375E0459-6403-40CD-989D-56A4407CA12E}"/>
               </a:ext>
               <a:ext uri="{C183D7F6-B498-43B3-948B-1728B52AA6E4}">
-                <adec:decorative xmlns:adec="http://schemas.microsoft.com/office/drawing/2017/decorative" xmlns="" val="1"/>
+                <adec:decorative xmlns="" xmlns:adec="http://schemas.microsoft.com/office/drawing/2017/decorative" val="1"/>
               </a:ext>
             </a:extLst>
           </p:cNvPr>
@@ -7759,7 +7759,7 @@
           <p:nvPr>
             <p:extLst>
               <p:ext uri="{386F3935-93C4-4BCD-93E2-E3B085C9AB24}">
-                <p16:designElem xmlns:p16="http://schemas.microsoft.com/office/powerpoint/2015/main" xmlns="" val="1"/>
+                <p16:designElem xmlns="" xmlns:p16="http://schemas.microsoft.com/office/powerpoint/2015/main" val="1"/>
               </p:ext>
             </p:extLst>
           </p:nvPr>
@@ -7821,10 +7821,10 @@
           <p:cNvPr id="16" name="Rectangle 15">
             <a:extLst>
               <a:ext uri="{FF2B5EF4-FFF2-40B4-BE49-F238E27FC236}">
-                <a16:creationId xmlns:a16="http://schemas.microsoft.com/office/drawing/2014/main" xmlns="" id="{53E5B1A8-3AC9-4BD1-9BBC-78CA94F2D1BA}"/>
+                <a16:creationId xmlns="" xmlns:a16="http://schemas.microsoft.com/office/drawing/2014/main" id="{53E5B1A8-3AC9-4BD1-9BBC-78CA94F2D1BA}"/>
               </a:ext>
               <a:ext uri="{C183D7F6-B498-43B3-948B-1728B52AA6E4}">
-                <adec:decorative xmlns:adec="http://schemas.microsoft.com/office/drawing/2017/decorative" xmlns="" val="1"/>
+                <adec:decorative xmlns="" xmlns:adec="http://schemas.microsoft.com/office/drawing/2017/decorative" val="1"/>
               </a:ext>
             </a:extLst>
           </p:cNvPr>
@@ -7834,7 +7834,7 @@
           <p:nvPr>
             <p:extLst>
               <p:ext uri="{386F3935-93C4-4BCD-93E2-E3B085C9AB24}">
-                <p16:designElem xmlns:p16="http://schemas.microsoft.com/office/powerpoint/2015/main" xmlns="" val="1"/>
+                <p16:designElem xmlns="" xmlns:p16="http://schemas.microsoft.com/office/powerpoint/2015/main" val="1"/>
               </p:ext>
             </p:extLst>
           </p:nvPr>
@@ -7897,7 +7897,7 @@
           <p:cNvPr id="2" name="제목 1">
             <a:extLst>
               <a:ext uri="{FF2B5EF4-FFF2-40B4-BE49-F238E27FC236}">
-                <a16:creationId xmlns:a16="http://schemas.microsoft.com/office/drawing/2014/main" xmlns="" id="{C51C5024-D28B-51C9-3E0D-6C73030EF822}"/>
+                <a16:creationId xmlns="" xmlns:a16="http://schemas.microsoft.com/office/drawing/2014/main" id="{C51C5024-D28B-51C9-3E0D-6C73030EF822}"/>
               </a:ext>
             </a:extLst>
           </p:cNvPr>
@@ -7936,7 +7936,7 @@
           <p:cNvPr id="3" name="내용 개체 틀 2">
             <a:extLst>
               <a:ext uri="{FF2B5EF4-FFF2-40B4-BE49-F238E27FC236}">
-                <a16:creationId xmlns:a16="http://schemas.microsoft.com/office/drawing/2014/main" xmlns="" id="{FD0581FF-0E86-AC63-C7BB-7B2374504D9D}"/>
+                <a16:creationId xmlns="" xmlns:a16="http://schemas.microsoft.com/office/drawing/2014/main" id="{FD0581FF-0E86-AC63-C7BB-7B2374504D9D}"/>
               </a:ext>
             </a:extLst>
           </p:cNvPr>
@@ -8064,12 +8064,29 @@
               <a:t>많은 구글링과 유튜브 강의</a:t>
             </a:r>
             <a:r>
-              <a:rPr lang="en-US" altLang="ko-KR" sz="2000" dirty="0"/>
-              <a:t>, </a:t>
+              <a:rPr lang="en-US" altLang="ko-KR" sz="2000" dirty="0" smtClean="0"/>
+              <a:t>,</a:t>
+            </a:r>
+          </a:p>
+          <a:p>
+            <a:pPr marL="0" indent="0">
+              <a:buNone/>
+            </a:pPr>
+            <a:r>
+              <a:rPr lang="en-US" altLang="ko-KR" sz="2000"/>
+              <a:t> </a:t>
+            </a:r>
+            <a:r>
+              <a:rPr lang="en-US" altLang="ko-KR" sz="2000" smtClean="0"/>
+              <a:t>  </a:t>
+            </a:r>
+            <a:r>
+              <a:rPr lang="ko-KR" altLang="en-US" sz="2000" smtClean="0"/>
+              <a:t>개발자 </a:t>
             </a:r>
             <a:r>
               <a:rPr lang="ko-KR" altLang="en-US" sz="2000" dirty="0"/>
-              <a:t>개발자 커뮤니티 등을 통해 공부하며 배움</a:t>
+              <a:t>커뮤니티 등을 통해 공부하며 배움</a:t>
             </a:r>
             <a:endParaRPr lang="en-US" altLang="ko-KR" sz="2000" dirty="0"/>
           </a:p>
@@ -8093,11 +8110,11 @@
               <a:t> </a:t>
             </a:r>
             <a:r>
-              <a:rPr lang="ko-KR" altLang="en-US" sz="2000"/>
+              <a:rPr lang="ko-KR" altLang="en-US" sz="2000" dirty="0"/>
               <a:t>짜고 </a:t>
             </a:r>
             <a:r>
-              <a:rPr lang="ko-KR" altLang="en-US" sz="2000" smtClean="0"/>
+              <a:rPr lang="ko-KR" altLang="en-US" sz="2000" dirty="0" smtClean="0"/>
               <a:t>여러 번 </a:t>
             </a:r>
             <a:r>
@@ -8310,7 +8327,7 @@
           <p:cNvPr id="2" name="제목 1">
             <a:extLst>
               <a:ext uri="{FF2B5EF4-FFF2-40B4-BE49-F238E27FC236}">
-                <a16:creationId xmlns:a16="http://schemas.microsoft.com/office/drawing/2014/main" xmlns="" id="{46FA7903-5BB2-2165-7251-19FF2BD56A70}"/>
+                <a16:creationId xmlns="" xmlns:a16="http://schemas.microsoft.com/office/drawing/2014/main" id="{46FA7903-5BB2-2165-7251-19FF2BD56A70}"/>
               </a:ext>
             </a:extLst>
           </p:cNvPr>
@@ -8338,7 +8355,7 @@
           <p:cNvPr id="7" name="텍스트 개체 틀 6">
             <a:extLst>
               <a:ext uri="{FF2B5EF4-FFF2-40B4-BE49-F238E27FC236}">
-                <a16:creationId xmlns:a16="http://schemas.microsoft.com/office/drawing/2014/main" xmlns="" id="{B774C544-A3A3-BEE3-403E-8A80308DEEAB}"/>
+                <a16:creationId xmlns="" xmlns:a16="http://schemas.microsoft.com/office/drawing/2014/main" id="{B774C544-A3A3-BEE3-403E-8A80308DEEAB}"/>
               </a:ext>
             </a:extLst>
           </p:cNvPr>
@@ -8366,7 +8383,7 @@
           <p:cNvPr id="6" name="텍스트 개체 틀 5">
             <a:extLst>
               <a:ext uri="{FF2B5EF4-FFF2-40B4-BE49-F238E27FC236}">
-                <a16:creationId xmlns:a16="http://schemas.microsoft.com/office/drawing/2014/main" xmlns="" id="{0331DFA3-F4CC-F590-D661-785D52EF2DCB}"/>
+                <a16:creationId xmlns="" xmlns:a16="http://schemas.microsoft.com/office/drawing/2014/main" id="{0331DFA3-F4CC-F590-D661-785D52EF2DCB}"/>
               </a:ext>
             </a:extLst>
           </p:cNvPr>
@@ -8394,7 +8411,7 @@
           <p:cNvPr id="12" name="내용 개체 틀 3">
             <a:extLst>
               <a:ext uri="{FF2B5EF4-FFF2-40B4-BE49-F238E27FC236}">
-                <a16:creationId xmlns:a16="http://schemas.microsoft.com/office/drawing/2014/main" xmlns="" id="{EF9E181A-E191-4C91-7087-8E058362BCA7}"/>
+                <a16:creationId xmlns="" xmlns:a16="http://schemas.microsoft.com/office/drawing/2014/main" id="{EF9E181A-E191-4C91-7087-8E058362BCA7}"/>
               </a:ext>
             </a:extLst>
           </p:cNvPr>
@@ -8425,7 +8442,7 @@
           <p:cNvPr id="8" name="내용 개체 틀 7">
             <a:extLst>
               <a:ext uri="{FF2B5EF4-FFF2-40B4-BE49-F238E27FC236}">
-                <a16:creationId xmlns:a16="http://schemas.microsoft.com/office/drawing/2014/main" xmlns="" id="{5C5D925B-4CCC-6D96-6E36-F9336812EE85}"/>
+                <a16:creationId xmlns="" xmlns:a16="http://schemas.microsoft.com/office/drawing/2014/main" id="{5C5D925B-4CCC-6D96-6E36-F9336812EE85}"/>
               </a:ext>
             </a:extLst>
           </p:cNvPr>
@@ -9174,10 +9191,10 @@
           <p:cNvPr id="14" name="Rectangle 13">
             <a:extLst>
               <a:ext uri="{FF2B5EF4-FFF2-40B4-BE49-F238E27FC236}">
-                <a16:creationId xmlns:a16="http://schemas.microsoft.com/office/drawing/2014/main" xmlns="" id="{A8384FB5-9ADC-4DDC-881B-597D56F5B15D}"/>
+                <a16:creationId xmlns="" xmlns:a16="http://schemas.microsoft.com/office/drawing/2014/main" id="{A8384FB5-9ADC-4DDC-881B-597D56F5B15D}"/>
               </a:ext>
               <a:ext uri="{C183D7F6-B498-43B3-948B-1728B52AA6E4}">
-                <adec:decorative xmlns:adec="http://schemas.microsoft.com/office/drawing/2017/decorative" xmlns="" val="1"/>
+                <adec:decorative xmlns="" xmlns:adec="http://schemas.microsoft.com/office/drawing/2017/decorative" val="1"/>
               </a:ext>
             </a:extLst>
           </p:cNvPr>
@@ -9187,7 +9204,7 @@
           <p:nvPr>
             <p:extLst>
               <p:ext uri="{386F3935-93C4-4BCD-93E2-E3B085C9AB24}">
-                <p16:designElem xmlns:p16="http://schemas.microsoft.com/office/powerpoint/2015/main" xmlns="" val="1"/>
+                <p16:designElem xmlns="" xmlns:p16="http://schemas.microsoft.com/office/powerpoint/2015/main" val="1"/>
               </p:ext>
             </p:extLst>
           </p:nvPr>
@@ -9250,10 +9267,10 @@
           <p:cNvPr id="16" name="Rectangle 15">
             <a:extLst>
               <a:ext uri="{FF2B5EF4-FFF2-40B4-BE49-F238E27FC236}">
-                <a16:creationId xmlns:a16="http://schemas.microsoft.com/office/drawing/2014/main" xmlns="" id="{1199E1B1-A8C0-4FE8-A5A8-1CB41D69F857}"/>
+                <a16:creationId xmlns="" xmlns:a16="http://schemas.microsoft.com/office/drawing/2014/main" id="{1199E1B1-A8C0-4FE8-A5A8-1CB41D69F857}"/>
               </a:ext>
               <a:ext uri="{C183D7F6-B498-43B3-948B-1728B52AA6E4}">
-                <adec:decorative xmlns:adec="http://schemas.microsoft.com/office/drawing/2017/decorative" xmlns="" val="1"/>
+                <adec:decorative xmlns="" xmlns:adec="http://schemas.microsoft.com/office/drawing/2017/decorative" val="1"/>
               </a:ext>
             </a:extLst>
           </p:cNvPr>
@@ -9263,7 +9280,7 @@
           <p:nvPr>
             <p:extLst>
               <p:ext uri="{386F3935-93C4-4BCD-93E2-E3B085C9AB24}">
-                <p16:designElem xmlns:p16="http://schemas.microsoft.com/office/powerpoint/2015/main" xmlns="" val="1"/>
+                <p16:designElem xmlns="" xmlns:p16="http://schemas.microsoft.com/office/powerpoint/2015/main" val="1"/>
               </p:ext>
             </p:extLst>
           </p:nvPr>
@@ -9325,10 +9342,10 @@
           <p:cNvPr id="18" name="Rectangle 17">
             <a:extLst>
               <a:ext uri="{FF2B5EF4-FFF2-40B4-BE49-F238E27FC236}">
-                <a16:creationId xmlns:a16="http://schemas.microsoft.com/office/drawing/2014/main" xmlns="" id="{84A8DE83-DE75-4B41-9DB4-A7EC0B0DEC0B}"/>
+                <a16:creationId xmlns="" xmlns:a16="http://schemas.microsoft.com/office/drawing/2014/main" id="{84A8DE83-DE75-4B41-9DB4-A7EC0B0DEC0B}"/>
               </a:ext>
               <a:ext uri="{C183D7F6-B498-43B3-948B-1728B52AA6E4}">
-                <adec:decorative xmlns:adec="http://schemas.microsoft.com/office/drawing/2017/decorative" xmlns="" val="1"/>
+                <adec:decorative xmlns="" xmlns:adec="http://schemas.microsoft.com/office/drawing/2017/decorative" val="1"/>
               </a:ext>
             </a:extLst>
           </p:cNvPr>
@@ -9338,7 +9355,7 @@
           <p:nvPr>
             <p:extLst>
               <p:ext uri="{386F3935-93C4-4BCD-93E2-E3B085C9AB24}">
-                <p16:designElem xmlns:p16="http://schemas.microsoft.com/office/powerpoint/2015/main" xmlns="" val="1"/>
+                <p16:designElem xmlns="" xmlns:p16="http://schemas.microsoft.com/office/powerpoint/2015/main" val="1"/>
               </p:ext>
             </p:extLst>
           </p:nvPr>
@@ -9402,10 +9419,10 @@
           <p:cNvPr id="20" name="Rectangle 19">
             <a:extLst>
               <a:ext uri="{FF2B5EF4-FFF2-40B4-BE49-F238E27FC236}">
-                <a16:creationId xmlns:a16="http://schemas.microsoft.com/office/drawing/2014/main" xmlns="" id="{A7009A0A-BEF5-4EAC-AF15-E4F9F002E239}"/>
+                <a16:creationId xmlns="" xmlns:a16="http://schemas.microsoft.com/office/drawing/2014/main" id="{A7009A0A-BEF5-4EAC-AF15-E4F9F002E239}"/>
               </a:ext>
               <a:ext uri="{C183D7F6-B498-43B3-948B-1728B52AA6E4}">
-                <adec:decorative xmlns:adec="http://schemas.microsoft.com/office/drawing/2017/decorative" xmlns="" val="1"/>
+                <adec:decorative xmlns="" xmlns:adec="http://schemas.microsoft.com/office/drawing/2017/decorative" val="1"/>
               </a:ext>
             </a:extLst>
           </p:cNvPr>
@@ -9415,7 +9432,7 @@
           <p:nvPr>
             <p:extLst>
               <p:ext uri="{386F3935-93C4-4BCD-93E2-E3B085C9AB24}">
-                <p16:designElem xmlns:p16="http://schemas.microsoft.com/office/powerpoint/2015/main" xmlns="" val="1"/>
+                <p16:designElem xmlns="" xmlns:p16="http://schemas.microsoft.com/office/powerpoint/2015/main" val="1"/>
               </p:ext>
             </p:extLst>
           </p:nvPr>
@@ -9477,7 +9494,7 @@
           <p:cNvPr id="7" name="제목 6">
             <a:extLst>
               <a:ext uri="{FF2B5EF4-FFF2-40B4-BE49-F238E27FC236}">
-                <a16:creationId xmlns:a16="http://schemas.microsoft.com/office/drawing/2014/main" xmlns="" id="{5F531F78-392E-57C8-182F-B85AA4777858}"/>
+                <a16:creationId xmlns="" xmlns:a16="http://schemas.microsoft.com/office/drawing/2014/main" id="{5F531F78-392E-57C8-182F-B85AA4777858}"/>
               </a:ext>
             </a:extLst>
           </p:cNvPr>
@@ -9525,7 +9542,7 @@
           <p:cNvPr id="6" name="그림 5">
             <a:extLst>
               <a:ext uri="{FF2B5EF4-FFF2-40B4-BE49-F238E27FC236}">
-                <a16:creationId xmlns:a16="http://schemas.microsoft.com/office/drawing/2014/main" xmlns="" id="{8A0B4F43-4A85-657C-9E46-44BBD71803FF}"/>
+                <a16:creationId xmlns="" xmlns:a16="http://schemas.microsoft.com/office/drawing/2014/main" id="{8A0B4F43-4A85-657C-9E46-44BBD71803FF}"/>
               </a:ext>
             </a:extLst>
           </p:cNvPr>
@@ -9555,7 +9572,7 @@
           <p:cNvPr id="10" name="그림 9">
             <a:extLst>
               <a:ext uri="{FF2B5EF4-FFF2-40B4-BE49-F238E27FC236}">
-                <a16:creationId xmlns:a16="http://schemas.microsoft.com/office/drawing/2014/main" xmlns="" id="{75879257-5455-7E52-503B-501E34E2684A}"/>
+                <a16:creationId xmlns="" xmlns:a16="http://schemas.microsoft.com/office/drawing/2014/main" id="{75879257-5455-7E52-503B-501E34E2684A}"/>
               </a:ext>
             </a:extLst>
           </p:cNvPr>
@@ -9585,7 +9602,7 @@
           <p:cNvPr id="12" name="그림 11">
             <a:extLst>
               <a:ext uri="{FF2B5EF4-FFF2-40B4-BE49-F238E27FC236}">
-                <a16:creationId xmlns:a16="http://schemas.microsoft.com/office/drawing/2014/main" xmlns="" id="{A257EA6B-EB90-8C55-CC2E-BD27D14B856E}"/>
+                <a16:creationId xmlns="" xmlns:a16="http://schemas.microsoft.com/office/drawing/2014/main" id="{A257EA6B-EB90-8C55-CC2E-BD27D14B856E}"/>
               </a:ext>
             </a:extLst>
           </p:cNvPr>
@@ -9615,7 +9632,7 @@
           <p:cNvPr id="15" name="그림 14">
             <a:extLst>
               <a:ext uri="{FF2B5EF4-FFF2-40B4-BE49-F238E27FC236}">
-                <a16:creationId xmlns:a16="http://schemas.microsoft.com/office/drawing/2014/main" xmlns="" id="{1A69F582-FC5C-D8C2-B3E8-23BBE3463C1C}"/>
+                <a16:creationId xmlns="" xmlns:a16="http://schemas.microsoft.com/office/drawing/2014/main" id="{1A69F582-FC5C-D8C2-B3E8-23BBE3463C1C}"/>
               </a:ext>
             </a:extLst>
           </p:cNvPr>
@@ -9879,10 +9896,10 @@
           <p:cNvPr id="9" name="Rectangle 8">
             <a:extLst>
               <a:ext uri="{FF2B5EF4-FFF2-40B4-BE49-F238E27FC236}">
-                <a16:creationId xmlns:a16="http://schemas.microsoft.com/office/drawing/2014/main" xmlns="" id="{A8384FB5-9ADC-4DDC-881B-597D56F5B15D}"/>
+                <a16:creationId xmlns="" xmlns:a16="http://schemas.microsoft.com/office/drawing/2014/main" id="{A8384FB5-9ADC-4DDC-881B-597D56F5B15D}"/>
               </a:ext>
               <a:ext uri="{C183D7F6-B498-43B3-948B-1728B52AA6E4}">
-                <adec:decorative xmlns:adec="http://schemas.microsoft.com/office/drawing/2017/decorative" xmlns="" val="1"/>
+                <adec:decorative xmlns="" xmlns:adec="http://schemas.microsoft.com/office/drawing/2017/decorative" val="1"/>
               </a:ext>
             </a:extLst>
           </p:cNvPr>
@@ -9892,7 +9909,7 @@
           <p:nvPr>
             <p:extLst>
               <p:ext uri="{386F3935-93C4-4BCD-93E2-E3B085C9AB24}">
-                <p16:designElem xmlns:p16="http://schemas.microsoft.com/office/powerpoint/2015/main" xmlns="" val="1"/>
+                <p16:designElem xmlns="" xmlns:p16="http://schemas.microsoft.com/office/powerpoint/2015/main" val="1"/>
               </p:ext>
             </p:extLst>
           </p:nvPr>
@@ -9955,10 +9972,10 @@
           <p:cNvPr id="11" name="Rectangle 10">
             <a:extLst>
               <a:ext uri="{FF2B5EF4-FFF2-40B4-BE49-F238E27FC236}">
-                <a16:creationId xmlns:a16="http://schemas.microsoft.com/office/drawing/2014/main" xmlns="" id="{1199E1B1-A8C0-4FE8-A5A8-1CB41D69F857}"/>
+                <a16:creationId xmlns="" xmlns:a16="http://schemas.microsoft.com/office/drawing/2014/main" id="{1199E1B1-A8C0-4FE8-A5A8-1CB41D69F857}"/>
               </a:ext>
               <a:ext uri="{C183D7F6-B498-43B3-948B-1728B52AA6E4}">
-                <adec:decorative xmlns:adec="http://schemas.microsoft.com/office/drawing/2017/decorative" xmlns="" val="1"/>
+                <adec:decorative xmlns="" xmlns:adec="http://schemas.microsoft.com/office/drawing/2017/decorative" val="1"/>
               </a:ext>
             </a:extLst>
           </p:cNvPr>
@@ -9968,7 +9985,7 @@
           <p:nvPr>
             <p:extLst>
               <p:ext uri="{386F3935-93C4-4BCD-93E2-E3B085C9AB24}">
-                <p16:designElem xmlns:p16="http://schemas.microsoft.com/office/powerpoint/2015/main" xmlns="" val="1"/>
+                <p16:designElem xmlns="" xmlns:p16="http://schemas.microsoft.com/office/powerpoint/2015/main" val="1"/>
               </p:ext>
             </p:extLst>
           </p:nvPr>
@@ -10030,10 +10047,10 @@
           <p:cNvPr id="13" name="Rectangle 12">
             <a:extLst>
               <a:ext uri="{FF2B5EF4-FFF2-40B4-BE49-F238E27FC236}">
-                <a16:creationId xmlns:a16="http://schemas.microsoft.com/office/drawing/2014/main" xmlns="" id="{84A8DE83-DE75-4B41-9DB4-A7EC0B0DEC0B}"/>
+                <a16:creationId xmlns="" xmlns:a16="http://schemas.microsoft.com/office/drawing/2014/main" id="{84A8DE83-DE75-4B41-9DB4-A7EC0B0DEC0B}"/>
               </a:ext>
               <a:ext uri="{C183D7F6-B498-43B3-948B-1728B52AA6E4}">
-                <adec:decorative xmlns:adec="http://schemas.microsoft.com/office/drawing/2017/decorative" xmlns="" val="1"/>
+                <adec:decorative xmlns="" xmlns:adec="http://schemas.microsoft.com/office/drawing/2017/decorative" val="1"/>
               </a:ext>
             </a:extLst>
           </p:cNvPr>
@@ -10043,7 +10060,7 @@
           <p:nvPr>
             <p:extLst>
               <p:ext uri="{386F3935-93C4-4BCD-93E2-E3B085C9AB24}">
-                <p16:designElem xmlns:p16="http://schemas.microsoft.com/office/powerpoint/2015/main" xmlns="" val="1"/>
+                <p16:designElem xmlns="" xmlns:p16="http://schemas.microsoft.com/office/powerpoint/2015/main" val="1"/>
               </p:ext>
             </p:extLst>
           </p:nvPr>
@@ -10107,10 +10124,10 @@
           <p:cNvPr id="15" name="Rectangle 14">
             <a:extLst>
               <a:ext uri="{FF2B5EF4-FFF2-40B4-BE49-F238E27FC236}">
-                <a16:creationId xmlns:a16="http://schemas.microsoft.com/office/drawing/2014/main" xmlns="" id="{A7009A0A-BEF5-4EAC-AF15-E4F9F002E239}"/>
+                <a16:creationId xmlns="" xmlns:a16="http://schemas.microsoft.com/office/drawing/2014/main" id="{A7009A0A-BEF5-4EAC-AF15-E4F9F002E239}"/>
               </a:ext>
               <a:ext uri="{C183D7F6-B498-43B3-948B-1728B52AA6E4}">
-                <adec:decorative xmlns:adec="http://schemas.microsoft.com/office/drawing/2017/decorative" xmlns="" val="1"/>
+                <adec:decorative xmlns="" xmlns:adec="http://schemas.microsoft.com/office/drawing/2017/decorative" val="1"/>
               </a:ext>
             </a:extLst>
           </p:cNvPr>
@@ -10120,7 +10137,7 @@
           <p:nvPr>
             <p:extLst>
               <p:ext uri="{386F3935-93C4-4BCD-93E2-E3B085C9AB24}">
-                <p16:designElem xmlns:p16="http://schemas.microsoft.com/office/powerpoint/2015/main" xmlns="" val="1"/>
+                <p16:designElem xmlns="" xmlns:p16="http://schemas.microsoft.com/office/powerpoint/2015/main" val="1"/>
               </p:ext>
             </p:extLst>
           </p:nvPr>
@@ -10182,7 +10199,7 @@
           <p:cNvPr id="2" name="제목 1">
             <a:extLst>
               <a:ext uri="{FF2B5EF4-FFF2-40B4-BE49-F238E27FC236}">
-                <a16:creationId xmlns:a16="http://schemas.microsoft.com/office/drawing/2014/main" xmlns="" id="{74CEED57-28C4-CBB0-4922-19DE4094B06A}"/>
+                <a16:creationId xmlns="" xmlns:a16="http://schemas.microsoft.com/office/drawing/2014/main" id="{74CEED57-28C4-CBB0-4922-19DE4094B06A}"/>
               </a:ext>
             </a:extLst>
           </p:cNvPr>
@@ -10230,7 +10247,7 @@
           <p:cNvPr id="5" name="그림 4">
             <a:extLst>
               <a:ext uri="{FF2B5EF4-FFF2-40B4-BE49-F238E27FC236}">
-                <a16:creationId xmlns:a16="http://schemas.microsoft.com/office/drawing/2014/main" xmlns="" id="{A5C63217-9351-8906-1F19-3E8F5D1F3287}"/>
+                <a16:creationId xmlns="" xmlns:a16="http://schemas.microsoft.com/office/drawing/2014/main" id="{A5C63217-9351-8906-1F19-3E8F5D1F3287}"/>
               </a:ext>
             </a:extLst>
           </p:cNvPr>
@@ -10260,7 +10277,7 @@
           <p:cNvPr id="10" name="그림 9">
             <a:extLst>
               <a:ext uri="{FF2B5EF4-FFF2-40B4-BE49-F238E27FC236}">
-                <a16:creationId xmlns:a16="http://schemas.microsoft.com/office/drawing/2014/main" xmlns="" id="{43EB3956-0FE8-8AE9-67AB-ED5C190AFB55}"/>
+                <a16:creationId xmlns="" xmlns:a16="http://schemas.microsoft.com/office/drawing/2014/main" id="{43EB3956-0FE8-8AE9-67AB-ED5C190AFB55}"/>
               </a:ext>
             </a:extLst>
           </p:cNvPr>
@@ -10290,7 +10307,7 @@
           <p:cNvPr id="14" name="그림 13">
             <a:extLst>
               <a:ext uri="{FF2B5EF4-FFF2-40B4-BE49-F238E27FC236}">
-                <a16:creationId xmlns:a16="http://schemas.microsoft.com/office/drawing/2014/main" xmlns="" id="{27611359-6DB0-43EB-B22A-F8495EDE6163}"/>
+                <a16:creationId xmlns="" xmlns:a16="http://schemas.microsoft.com/office/drawing/2014/main" id="{27611359-6DB0-43EB-B22A-F8495EDE6163}"/>
               </a:ext>
             </a:extLst>
           </p:cNvPr>
@@ -10510,7 +10527,7 @@
           <p:cNvPr id="4" name="그림 3">
             <a:extLst>
               <a:ext uri="{FF2B5EF4-FFF2-40B4-BE49-F238E27FC236}">
-                <a16:creationId xmlns:a16="http://schemas.microsoft.com/office/drawing/2014/main" xmlns="" id="{D8B8EF5D-F511-2BB1-60EA-D94F8B308156}"/>
+                <a16:creationId xmlns="" xmlns:a16="http://schemas.microsoft.com/office/drawing/2014/main" id="{D8B8EF5D-F511-2BB1-60EA-D94F8B308156}"/>
               </a:ext>
             </a:extLst>
           </p:cNvPr>
@@ -10540,7 +10557,7 @@
           <p:cNvPr id="8" name="TextBox 7">
             <a:extLst>
               <a:ext uri="{FF2B5EF4-FFF2-40B4-BE49-F238E27FC236}">
-                <a16:creationId xmlns:a16="http://schemas.microsoft.com/office/drawing/2014/main" xmlns="" id="{6406BDF6-23DA-B517-C752-B3A276502972}"/>
+                <a16:creationId xmlns="" xmlns:a16="http://schemas.microsoft.com/office/drawing/2014/main" id="{6406BDF6-23DA-B517-C752-B3A276502972}"/>
               </a:ext>
             </a:extLst>
           </p:cNvPr>
@@ -10617,10 +10634,10 @@
           <p:cNvPr id="9" name="Rectangle 8">
             <a:extLst>
               <a:ext uri="{FF2B5EF4-FFF2-40B4-BE49-F238E27FC236}">
-                <a16:creationId xmlns:a16="http://schemas.microsoft.com/office/drawing/2014/main" xmlns="" id="{A8384FB5-9ADC-4DDC-881B-597D56F5B15D}"/>
+                <a16:creationId xmlns="" xmlns:a16="http://schemas.microsoft.com/office/drawing/2014/main" id="{A8384FB5-9ADC-4DDC-881B-597D56F5B15D}"/>
               </a:ext>
               <a:ext uri="{C183D7F6-B498-43B3-948B-1728B52AA6E4}">
-                <adec:decorative xmlns:adec="http://schemas.microsoft.com/office/drawing/2017/decorative" xmlns="" val="1"/>
+                <adec:decorative xmlns="" xmlns:adec="http://schemas.microsoft.com/office/drawing/2017/decorative" val="1"/>
               </a:ext>
             </a:extLst>
           </p:cNvPr>
@@ -10630,7 +10647,7 @@
           <p:nvPr>
             <p:extLst>
               <p:ext uri="{386F3935-93C4-4BCD-93E2-E3B085C9AB24}">
-                <p16:designElem xmlns:p16="http://schemas.microsoft.com/office/powerpoint/2015/main" xmlns="" val="1"/>
+                <p16:designElem xmlns="" xmlns:p16="http://schemas.microsoft.com/office/powerpoint/2015/main" val="1"/>
               </p:ext>
             </p:extLst>
           </p:nvPr>
@@ -10693,10 +10710,10 @@
           <p:cNvPr id="11" name="Rectangle 10">
             <a:extLst>
               <a:ext uri="{FF2B5EF4-FFF2-40B4-BE49-F238E27FC236}">
-                <a16:creationId xmlns:a16="http://schemas.microsoft.com/office/drawing/2014/main" xmlns="" id="{1199E1B1-A8C0-4FE8-A5A8-1CB41D69F857}"/>
+                <a16:creationId xmlns="" xmlns:a16="http://schemas.microsoft.com/office/drawing/2014/main" id="{1199E1B1-A8C0-4FE8-A5A8-1CB41D69F857}"/>
               </a:ext>
               <a:ext uri="{C183D7F6-B498-43B3-948B-1728B52AA6E4}">
-                <adec:decorative xmlns:adec="http://schemas.microsoft.com/office/drawing/2017/decorative" xmlns="" val="1"/>
+                <adec:decorative xmlns="" xmlns:adec="http://schemas.microsoft.com/office/drawing/2017/decorative" val="1"/>
               </a:ext>
             </a:extLst>
           </p:cNvPr>
@@ -10706,7 +10723,7 @@
           <p:nvPr>
             <p:extLst>
               <p:ext uri="{386F3935-93C4-4BCD-93E2-E3B085C9AB24}">
-                <p16:designElem xmlns:p16="http://schemas.microsoft.com/office/powerpoint/2015/main" xmlns="" val="1"/>
+                <p16:designElem xmlns="" xmlns:p16="http://schemas.microsoft.com/office/powerpoint/2015/main" val="1"/>
               </p:ext>
             </p:extLst>
           </p:nvPr>
@@ -10768,10 +10785,10 @@
           <p:cNvPr id="13" name="Rectangle 12">
             <a:extLst>
               <a:ext uri="{FF2B5EF4-FFF2-40B4-BE49-F238E27FC236}">
-                <a16:creationId xmlns:a16="http://schemas.microsoft.com/office/drawing/2014/main" xmlns="" id="{84A8DE83-DE75-4B41-9DB4-A7EC0B0DEC0B}"/>
+                <a16:creationId xmlns="" xmlns:a16="http://schemas.microsoft.com/office/drawing/2014/main" id="{84A8DE83-DE75-4B41-9DB4-A7EC0B0DEC0B}"/>
               </a:ext>
               <a:ext uri="{C183D7F6-B498-43B3-948B-1728B52AA6E4}">
-                <adec:decorative xmlns:adec="http://schemas.microsoft.com/office/drawing/2017/decorative" xmlns="" val="1"/>
+                <adec:decorative xmlns="" xmlns:adec="http://schemas.microsoft.com/office/drawing/2017/decorative" val="1"/>
               </a:ext>
             </a:extLst>
           </p:cNvPr>
@@ -10781,7 +10798,7 @@
           <p:nvPr>
             <p:extLst>
               <p:ext uri="{386F3935-93C4-4BCD-93E2-E3B085C9AB24}">
-                <p16:designElem xmlns:p16="http://schemas.microsoft.com/office/powerpoint/2015/main" xmlns="" val="1"/>
+                <p16:designElem xmlns="" xmlns:p16="http://schemas.microsoft.com/office/powerpoint/2015/main" val="1"/>
               </p:ext>
             </p:extLst>
           </p:nvPr>
@@ -10845,10 +10862,10 @@
           <p:cNvPr id="15" name="Rectangle 14">
             <a:extLst>
               <a:ext uri="{FF2B5EF4-FFF2-40B4-BE49-F238E27FC236}">
-                <a16:creationId xmlns:a16="http://schemas.microsoft.com/office/drawing/2014/main" xmlns="" id="{A7009A0A-BEF5-4EAC-AF15-E4F9F002E239}"/>
+                <a16:creationId xmlns="" xmlns:a16="http://schemas.microsoft.com/office/drawing/2014/main" id="{A7009A0A-BEF5-4EAC-AF15-E4F9F002E239}"/>
               </a:ext>
               <a:ext uri="{C183D7F6-B498-43B3-948B-1728B52AA6E4}">
-                <adec:decorative xmlns:adec="http://schemas.microsoft.com/office/drawing/2017/decorative" xmlns="" val="1"/>
+                <adec:decorative xmlns="" xmlns:adec="http://schemas.microsoft.com/office/drawing/2017/decorative" val="1"/>
               </a:ext>
             </a:extLst>
           </p:cNvPr>
@@ -10858,7 +10875,7 @@
           <p:nvPr>
             <p:extLst>
               <p:ext uri="{386F3935-93C4-4BCD-93E2-E3B085C9AB24}">
-                <p16:designElem xmlns:p16="http://schemas.microsoft.com/office/powerpoint/2015/main" xmlns="" val="1"/>
+                <p16:designElem xmlns="" xmlns:p16="http://schemas.microsoft.com/office/powerpoint/2015/main" val="1"/>
               </p:ext>
             </p:extLst>
           </p:nvPr>
@@ -10920,7 +10937,7 @@
           <p:cNvPr id="2" name="제목 1">
             <a:extLst>
               <a:ext uri="{FF2B5EF4-FFF2-40B4-BE49-F238E27FC236}">
-                <a16:creationId xmlns:a16="http://schemas.microsoft.com/office/drawing/2014/main" xmlns="" id="{78057627-5515-E771-0576-60BBA3464C68}"/>
+                <a16:creationId xmlns="" xmlns:a16="http://schemas.microsoft.com/office/drawing/2014/main" id="{78057627-5515-E771-0576-60BBA3464C68}"/>
               </a:ext>
             </a:extLst>
           </p:cNvPr>
@@ -10971,7 +10988,7 @@
           <p:cNvPr id="7" name="그림 6">
             <a:extLst>
               <a:ext uri="{FF2B5EF4-FFF2-40B4-BE49-F238E27FC236}">
-                <a16:creationId xmlns:a16="http://schemas.microsoft.com/office/drawing/2014/main" xmlns="" id="{9047E48B-8626-BBC0-9E9B-128EB93C6097}"/>
+                <a16:creationId xmlns="" xmlns:a16="http://schemas.microsoft.com/office/drawing/2014/main" id="{9047E48B-8626-BBC0-9E9B-128EB93C6097}"/>
               </a:ext>
             </a:extLst>
           </p:cNvPr>
@@ -11001,7 +11018,7 @@
           <p:cNvPr id="10" name="그림 9">
             <a:extLst>
               <a:ext uri="{FF2B5EF4-FFF2-40B4-BE49-F238E27FC236}">
-                <a16:creationId xmlns:a16="http://schemas.microsoft.com/office/drawing/2014/main" xmlns="" id="{762575BD-3F37-36B1-6703-301E83CB37C2}"/>
+                <a16:creationId xmlns="" xmlns:a16="http://schemas.microsoft.com/office/drawing/2014/main" id="{762575BD-3F37-36B1-6703-301E83CB37C2}"/>
               </a:ext>
             </a:extLst>
           </p:cNvPr>
@@ -11031,7 +11048,7 @@
           <p:cNvPr id="19" name="그림 18">
             <a:extLst>
               <a:ext uri="{FF2B5EF4-FFF2-40B4-BE49-F238E27FC236}">
-                <a16:creationId xmlns:a16="http://schemas.microsoft.com/office/drawing/2014/main" xmlns="" id="{86498DC2-C10E-2E3D-7CE8-4A6A82372162}"/>
+                <a16:creationId xmlns="" xmlns:a16="http://schemas.microsoft.com/office/drawing/2014/main" id="{86498DC2-C10E-2E3D-7CE8-4A6A82372162}"/>
               </a:ext>
             </a:extLst>
           </p:cNvPr>
@@ -11061,7 +11078,7 @@
           <p:cNvPr id="21" name="그림 20">
             <a:extLst>
               <a:ext uri="{FF2B5EF4-FFF2-40B4-BE49-F238E27FC236}">
-                <a16:creationId xmlns:a16="http://schemas.microsoft.com/office/drawing/2014/main" xmlns="" id="{2325967D-E9C7-A10E-55B0-8D39366C6477}"/>
+                <a16:creationId xmlns="" xmlns:a16="http://schemas.microsoft.com/office/drawing/2014/main" id="{2325967D-E9C7-A10E-55B0-8D39366C6477}"/>
               </a:ext>
             </a:extLst>
           </p:cNvPr>
@@ -11346,10 +11363,10 @@
           <p:cNvPr id="9" name="Rectangle 8">
             <a:extLst>
               <a:ext uri="{FF2B5EF4-FFF2-40B4-BE49-F238E27FC236}">
-                <a16:creationId xmlns:a16="http://schemas.microsoft.com/office/drawing/2014/main" xmlns="" id="{A8384FB5-9ADC-4DDC-881B-597D56F5B15D}"/>
+                <a16:creationId xmlns="" xmlns:a16="http://schemas.microsoft.com/office/drawing/2014/main" id="{A8384FB5-9ADC-4DDC-881B-597D56F5B15D}"/>
               </a:ext>
               <a:ext uri="{C183D7F6-B498-43B3-948B-1728B52AA6E4}">
-                <adec:decorative xmlns:adec="http://schemas.microsoft.com/office/drawing/2017/decorative" xmlns="" val="1"/>
+                <adec:decorative xmlns="" xmlns:adec="http://schemas.microsoft.com/office/drawing/2017/decorative" val="1"/>
               </a:ext>
             </a:extLst>
           </p:cNvPr>
@@ -11359,7 +11376,7 @@
           <p:nvPr>
             <p:extLst>
               <p:ext uri="{386F3935-93C4-4BCD-93E2-E3B085C9AB24}">
-                <p16:designElem xmlns:p16="http://schemas.microsoft.com/office/powerpoint/2015/main" xmlns="" val="1"/>
+                <p16:designElem xmlns="" xmlns:p16="http://schemas.microsoft.com/office/powerpoint/2015/main" val="1"/>
               </p:ext>
             </p:extLst>
           </p:nvPr>
@@ -11422,10 +11439,10 @@
           <p:cNvPr id="11" name="Rectangle 10">
             <a:extLst>
               <a:ext uri="{FF2B5EF4-FFF2-40B4-BE49-F238E27FC236}">
-                <a16:creationId xmlns:a16="http://schemas.microsoft.com/office/drawing/2014/main" xmlns="" id="{1199E1B1-A8C0-4FE8-A5A8-1CB41D69F857}"/>
+                <a16:creationId xmlns="" xmlns:a16="http://schemas.microsoft.com/office/drawing/2014/main" id="{1199E1B1-A8C0-4FE8-A5A8-1CB41D69F857}"/>
               </a:ext>
               <a:ext uri="{C183D7F6-B498-43B3-948B-1728B52AA6E4}">
-                <adec:decorative xmlns:adec="http://schemas.microsoft.com/office/drawing/2017/decorative" xmlns="" val="1"/>
+                <adec:decorative xmlns="" xmlns:adec="http://schemas.microsoft.com/office/drawing/2017/decorative" val="1"/>
               </a:ext>
             </a:extLst>
           </p:cNvPr>
@@ -11435,7 +11452,7 @@
           <p:nvPr>
             <p:extLst>
               <p:ext uri="{386F3935-93C4-4BCD-93E2-E3B085C9AB24}">
-                <p16:designElem xmlns:p16="http://schemas.microsoft.com/office/powerpoint/2015/main" xmlns="" val="1"/>
+                <p16:designElem xmlns="" xmlns:p16="http://schemas.microsoft.com/office/powerpoint/2015/main" val="1"/>
               </p:ext>
             </p:extLst>
           </p:nvPr>
@@ -11497,10 +11514,10 @@
           <p:cNvPr id="13" name="Rectangle 12">
             <a:extLst>
               <a:ext uri="{FF2B5EF4-FFF2-40B4-BE49-F238E27FC236}">
-                <a16:creationId xmlns:a16="http://schemas.microsoft.com/office/drawing/2014/main" xmlns="" id="{84A8DE83-DE75-4B41-9DB4-A7EC0B0DEC0B}"/>
+                <a16:creationId xmlns="" xmlns:a16="http://schemas.microsoft.com/office/drawing/2014/main" id="{84A8DE83-DE75-4B41-9DB4-A7EC0B0DEC0B}"/>
               </a:ext>
               <a:ext uri="{C183D7F6-B498-43B3-948B-1728B52AA6E4}">
-                <adec:decorative xmlns:adec="http://schemas.microsoft.com/office/drawing/2017/decorative" xmlns="" val="1"/>
+                <adec:decorative xmlns="" xmlns:adec="http://schemas.microsoft.com/office/drawing/2017/decorative" val="1"/>
               </a:ext>
             </a:extLst>
           </p:cNvPr>
@@ -11510,7 +11527,7 @@
           <p:nvPr>
             <p:extLst>
               <p:ext uri="{386F3935-93C4-4BCD-93E2-E3B085C9AB24}">
-                <p16:designElem xmlns:p16="http://schemas.microsoft.com/office/powerpoint/2015/main" xmlns="" val="1"/>
+                <p16:designElem xmlns="" xmlns:p16="http://schemas.microsoft.com/office/powerpoint/2015/main" val="1"/>
               </p:ext>
             </p:extLst>
           </p:nvPr>
@@ -11574,10 +11591,10 @@
           <p:cNvPr id="15" name="Rectangle 14">
             <a:extLst>
               <a:ext uri="{FF2B5EF4-FFF2-40B4-BE49-F238E27FC236}">
-                <a16:creationId xmlns:a16="http://schemas.microsoft.com/office/drawing/2014/main" xmlns="" id="{A7009A0A-BEF5-4EAC-AF15-E4F9F002E239}"/>
+                <a16:creationId xmlns="" xmlns:a16="http://schemas.microsoft.com/office/drawing/2014/main" id="{A7009A0A-BEF5-4EAC-AF15-E4F9F002E239}"/>
               </a:ext>
               <a:ext uri="{C183D7F6-B498-43B3-948B-1728B52AA6E4}">
-                <adec:decorative xmlns:adec="http://schemas.microsoft.com/office/drawing/2017/decorative" xmlns="" val="1"/>
+                <adec:decorative xmlns="" xmlns:adec="http://schemas.microsoft.com/office/drawing/2017/decorative" val="1"/>
               </a:ext>
             </a:extLst>
           </p:cNvPr>
@@ -11587,7 +11604,7 @@
           <p:nvPr>
             <p:extLst>
               <p:ext uri="{386F3935-93C4-4BCD-93E2-E3B085C9AB24}">
-                <p16:designElem xmlns:p16="http://schemas.microsoft.com/office/powerpoint/2015/main" xmlns="" val="1"/>
+                <p16:designElem xmlns="" xmlns:p16="http://schemas.microsoft.com/office/powerpoint/2015/main" val="1"/>
               </p:ext>
             </p:extLst>
           </p:nvPr>
@@ -11649,7 +11666,7 @@
           <p:cNvPr id="2" name="제목 1">
             <a:extLst>
               <a:ext uri="{FF2B5EF4-FFF2-40B4-BE49-F238E27FC236}">
-                <a16:creationId xmlns:a16="http://schemas.microsoft.com/office/drawing/2014/main" xmlns="" id="{78057627-5515-E771-0576-60BBA3464C68}"/>
+                <a16:creationId xmlns="" xmlns:a16="http://schemas.microsoft.com/office/drawing/2014/main" id="{78057627-5515-E771-0576-60BBA3464C68}"/>
               </a:ext>
             </a:extLst>
           </p:cNvPr>
@@ -11700,7 +11717,7 @@
           <p:cNvPr id="3" name="그림 2">
             <a:extLst>
               <a:ext uri="{FF2B5EF4-FFF2-40B4-BE49-F238E27FC236}">
-                <a16:creationId xmlns:a16="http://schemas.microsoft.com/office/drawing/2014/main" xmlns="" id="{CCE106EB-3040-F025-93A8-18959578251A}"/>
+                <a16:creationId xmlns="" xmlns:a16="http://schemas.microsoft.com/office/drawing/2014/main" id="{CCE106EB-3040-F025-93A8-18959578251A}"/>
               </a:ext>
             </a:extLst>
           </p:cNvPr>
@@ -11923,10 +11940,10 @@
           <p:cNvPr id="8" name="Rectangle 7">
             <a:extLst>
               <a:ext uri="{FF2B5EF4-FFF2-40B4-BE49-F238E27FC236}">
-                <a16:creationId xmlns:a16="http://schemas.microsoft.com/office/drawing/2014/main" xmlns="" id="{1B15ED52-F352-441B-82BF-E0EA34836D08}"/>
+                <a16:creationId xmlns="" xmlns:a16="http://schemas.microsoft.com/office/drawing/2014/main" id="{1B15ED52-F352-441B-82BF-E0EA34836D08}"/>
               </a:ext>
               <a:ext uri="{C183D7F6-B498-43B3-948B-1728B52AA6E4}">
-                <adec:decorative xmlns:adec="http://schemas.microsoft.com/office/drawing/2017/decorative" xmlns="" val="1"/>
+                <adec:decorative xmlns="" xmlns:adec="http://schemas.microsoft.com/office/drawing/2017/decorative" val="1"/>
               </a:ext>
             </a:extLst>
           </p:cNvPr>
@@ -11936,7 +11953,7 @@
           <p:nvPr>
             <p:extLst>
               <p:ext uri="{386F3935-93C4-4BCD-93E2-E3B085C9AB24}">
-                <p16:designElem xmlns:p16="http://schemas.microsoft.com/office/powerpoint/2015/main" xmlns="" val="1"/>
+                <p16:designElem xmlns="" xmlns:p16="http://schemas.microsoft.com/office/powerpoint/2015/main" val="1"/>
               </p:ext>
             </p:extLst>
           </p:nvPr>
@@ -11999,10 +12016,10 @@
           <p:cNvPr id="10" name="Rectangle 9">
             <a:extLst>
               <a:ext uri="{FF2B5EF4-FFF2-40B4-BE49-F238E27FC236}">
-                <a16:creationId xmlns:a16="http://schemas.microsoft.com/office/drawing/2014/main" xmlns="" id="{3B2E3793-BFE6-45A2-9B7B-E18844431C99}"/>
+                <a16:creationId xmlns="" xmlns:a16="http://schemas.microsoft.com/office/drawing/2014/main" id="{3B2E3793-BFE6-45A2-9B7B-E18844431C99}"/>
               </a:ext>
               <a:ext uri="{C183D7F6-B498-43B3-948B-1728B52AA6E4}">
-                <adec:decorative xmlns:adec="http://schemas.microsoft.com/office/drawing/2017/decorative" xmlns="" val="1"/>
+                <adec:decorative xmlns="" xmlns:adec="http://schemas.microsoft.com/office/drawing/2017/decorative" val="1"/>
               </a:ext>
             </a:extLst>
           </p:cNvPr>
@@ -12012,7 +12029,7 @@
           <p:nvPr>
             <p:extLst>
               <p:ext uri="{386F3935-93C4-4BCD-93E2-E3B085C9AB24}">
-                <p16:designElem xmlns:p16="http://schemas.microsoft.com/office/powerpoint/2015/main" xmlns="" val="1"/>
+                <p16:designElem xmlns="" xmlns:p16="http://schemas.microsoft.com/office/powerpoint/2015/main" val="1"/>
               </p:ext>
             </p:extLst>
           </p:nvPr>
@@ -12072,10 +12089,10 @@
           <p:cNvPr id="12" name="Rectangle 11">
             <a:extLst>
               <a:ext uri="{FF2B5EF4-FFF2-40B4-BE49-F238E27FC236}">
-                <a16:creationId xmlns:a16="http://schemas.microsoft.com/office/drawing/2014/main" xmlns="" id="{BC4C4868-CB8F-4AF9-9CDB-8108F2C19B67}"/>
+                <a16:creationId xmlns="" xmlns:a16="http://schemas.microsoft.com/office/drawing/2014/main" id="{BC4C4868-CB8F-4AF9-9CDB-8108F2C19B67}"/>
               </a:ext>
               <a:ext uri="{C183D7F6-B498-43B3-948B-1728B52AA6E4}">
-                <adec:decorative xmlns:adec="http://schemas.microsoft.com/office/drawing/2017/decorative" xmlns="" val="1"/>
+                <adec:decorative xmlns="" xmlns:adec="http://schemas.microsoft.com/office/drawing/2017/decorative" val="1"/>
               </a:ext>
             </a:extLst>
           </p:cNvPr>
@@ -12085,7 +12102,7 @@
           <p:nvPr>
             <p:extLst>
               <p:ext uri="{386F3935-93C4-4BCD-93E2-E3B085C9AB24}">
-                <p16:designElem xmlns:p16="http://schemas.microsoft.com/office/powerpoint/2015/main" xmlns="" val="1"/>
+                <p16:designElem xmlns="" xmlns:p16="http://schemas.microsoft.com/office/powerpoint/2015/main" val="1"/>
               </p:ext>
             </p:extLst>
           </p:nvPr>
@@ -12148,10 +12165,10 @@
           <p:cNvPr id="14" name="Rectangle 13">
             <a:extLst>
               <a:ext uri="{FF2B5EF4-FFF2-40B4-BE49-F238E27FC236}">
-                <a16:creationId xmlns:a16="http://schemas.microsoft.com/office/drawing/2014/main" xmlns="" id="{375E0459-6403-40CD-989D-56A4407CA12E}"/>
+                <a16:creationId xmlns="" xmlns:a16="http://schemas.microsoft.com/office/drawing/2014/main" id="{375E0459-6403-40CD-989D-56A4407CA12E}"/>
               </a:ext>
               <a:ext uri="{C183D7F6-B498-43B3-948B-1728B52AA6E4}">
-                <adec:decorative xmlns:adec="http://schemas.microsoft.com/office/drawing/2017/decorative" xmlns="" val="1"/>
+                <adec:decorative xmlns="" xmlns:adec="http://schemas.microsoft.com/office/drawing/2017/decorative" val="1"/>
               </a:ext>
             </a:extLst>
           </p:cNvPr>
@@ -12161,7 +12178,7 @@
           <p:nvPr>
             <p:extLst>
               <p:ext uri="{386F3935-93C4-4BCD-93E2-E3B085C9AB24}">
-                <p16:designElem xmlns:p16="http://schemas.microsoft.com/office/powerpoint/2015/main" xmlns="" val="1"/>
+                <p16:designElem xmlns="" xmlns:p16="http://schemas.microsoft.com/office/powerpoint/2015/main" val="1"/>
               </p:ext>
             </p:extLst>
           </p:nvPr>
@@ -12223,10 +12240,10 @@
           <p:cNvPr id="16" name="Rectangle 15">
             <a:extLst>
               <a:ext uri="{FF2B5EF4-FFF2-40B4-BE49-F238E27FC236}">
-                <a16:creationId xmlns:a16="http://schemas.microsoft.com/office/drawing/2014/main" xmlns="" id="{53E5B1A8-3AC9-4BD1-9BBC-78CA94F2D1BA}"/>
+                <a16:creationId xmlns="" xmlns:a16="http://schemas.microsoft.com/office/drawing/2014/main" id="{53E5B1A8-3AC9-4BD1-9BBC-78CA94F2D1BA}"/>
               </a:ext>
               <a:ext uri="{C183D7F6-B498-43B3-948B-1728B52AA6E4}">
-                <adec:decorative xmlns:adec="http://schemas.microsoft.com/office/drawing/2017/decorative" xmlns="" val="1"/>
+                <adec:decorative xmlns="" xmlns:adec="http://schemas.microsoft.com/office/drawing/2017/decorative" val="1"/>
               </a:ext>
             </a:extLst>
           </p:cNvPr>
@@ -12236,7 +12253,7 @@
           <p:nvPr>
             <p:extLst>
               <p:ext uri="{386F3935-93C4-4BCD-93E2-E3B085C9AB24}">
-                <p16:designElem xmlns:p16="http://schemas.microsoft.com/office/powerpoint/2015/main" xmlns="" val="1"/>
+                <p16:designElem xmlns="" xmlns:p16="http://schemas.microsoft.com/office/powerpoint/2015/main" val="1"/>
               </p:ext>
             </p:extLst>
           </p:nvPr>
@@ -12299,7 +12316,7 @@
           <p:cNvPr id="2" name="제목 1">
             <a:extLst>
               <a:ext uri="{FF2B5EF4-FFF2-40B4-BE49-F238E27FC236}">
-                <a16:creationId xmlns:a16="http://schemas.microsoft.com/office/drawing/2014/main" xmlns="" id="{1E22F2AF-C56D-6CEA-8BEA-37CE752EA65A}"/>
+                <a16:creationId xmlns="" xmlns:a16="http://schemas.microsoft.com/office/drawing/2014/main" id="{1E22F2AF-C56D-6CEA-8BEA-37CE752EA65A}"/>
               </a:ext>
             </a:extLst>
           </p:cNvPr>
@@ -12338,7 +12355,7 @@
           <p:cNvPr id="3" name="내용 개체 틀 2">
             <a:extLst>
               <a:ext uri="{FF2B5EF4-FFF2-40B4-BE49-F238E27FC236}">
-                <a16:creationId xmlns:a16="http://schemas.microsoft.com/office/drawing/2014/main" xmlns="" id="{2A7D2632-3F9C-4E2E-A88F-68CC75703511}"/>
+                <a16:creationId xmlns="" xmlns:a16="http://schemas.microsoft.com/office/drawing/2014/main" id="{2A7D2632-3F9C-4E2E-A88F-68CC75703511}"/>
               </a:ext>
             </a:extLst>
           </p:cNvPr>
@@ -12454,10 +12471,10 @@
           <p:cNvPr id="8" name="Rectangle 7">
             <a:extLst>
               <a:ext uri="{FF2B5EF4-FFF2-40B4-BE49-F238E27FC236}">
-                <a16:creationId xmlns:a16="http://schemas.microsoft.com/office/drawing/2014/main" xmlns="" id="{1B15ED52-F352-441B-82BF-E0EA34836D08}"/>
+                <a16:creationId xmlns="" xmlns:a16="http://schemas.microsoft.com/office/drawing/2014/main" id="{1B15ED52-F352-441B-82BF-E0EA34836D08}"/>
               </a:ext>
               <a:ext uri="{C183D7F6-B498-43B3-948B-1728B52AA6E4}">
-                <adec:decorative xmlns:adec="http://schemas.microsoft.com/office/drawing/2017/decorative" xmlns="" val="1"/>
+                <adec:decorative xmlns="" xmlns:adec="http://schemas.microsoft.com/office/drawing/2017/decorative" val="1"/>
               </a:ext>
             </a:extLst>
           </p:cNvPr>
@@ -12467,7 +12484,7 @@
           <p:nvPr>
             <p:extLst>
               <p:ext uri="{386F3935-93C4-4BCD-93E2-E3B085C9AB24}">
-                <p16:designElem xmlns:p16="http://schemas.microsoft.com/office/powerpoint/2015/main" xmlns="" val="1"/>
+                <p16:designElem xmlns="" xmlns:p16="http://schemas.microsoft.com/office/powerpoint/2015/main" val="1"/>
               </p:ext>
             </p:extLst>
           </p:nvPr>
@@ -12530,10 +12547,10 @@
           <p:cNvPr id="10" name="Rectangle 9">
             <a:extLst>
               <a:ext uri="{FF2B5EF4-FFF2-40B4-BE49-F238E27FC236}">
-                <a16:creationId xmlns:a16="http://schemas.microsoft.com/office/drawing/2014/main" xmlns="" id="{3B2E3793-BFE6-45A2-9B7B-E18844431C99}"/>
+                <a16:creationId xmlns="" xmlns:a16="http://schemas.microsoft.com/office/drawing/2014/main" id="{3B2E3793-BFE6-45A2-9B7B-E18844431C99}"/>
               </a:ext>
               <a:ext uri="{C183D7F6-B498-43B3-948B-1728B52AA6E4}">
-                <adec:decorative xmlns:adec="http://schemas.microsoft.com/office/drawing/2017/decorative" xmlns="" val="1"/>
+                <adec:decorative xmlns="" xmlns:adec="http://schemas.microsoft.com/office/drawing/2017/decorative" val="1"/>
               </a:ext>
             </a:extLst>
           </p:cNvPr>
@@ -12543,7 +12560,7 @@
           <p:nvPr>
             <p:extLst>
               <p:ext uri="{386F3935-93C4-4BCD-93E2-E3B085C9AB24}">
-                <p16:designElem xmlns:p16="http://schemas.microsoft.com/office/powerpoint/2015/main" xmlns="" val="1"/>
+                <p16:designElem xmlns="" xmlns:p16="http://schemas.microsoft.com/office/powerpoint/2015/main" val="1"/>
               </p:ext>
             </p:extLst>
           </p:nvPr>
@@ -12603,10 +12620,10 @@
           <p:cNvPr id="12" name="Rectangle 11">
             <a:extLst>
               <a:ext uri="{FF2B5EF4-FFF2-40B4-BE49-F238E27FC236}">
-                <a16:creationId xmlns:a16="http://schemas.microsoft.com/office/drawing/2014/main" xmlns="" id="{BC4C4868-CB8F-4AF9-9CDB-8108F2C19B67}"/>
+                <a16:creationId xmlns="" xmlns:a16="http://schemas.microsoft.com/office/drawing/2014/main" id="{BC4C4868-CB8F-4AF9-9CDB-8108F2C19B67}"/>
               </a:ext>
               <a:ext uri="{C183D7F6-B498-43B3-948B-1728B52AA6E4}">
-                <adec:decorative xmlns:adec="http://schemas.microsoft.com/office/drawing/2017/decorative" xmlns="" val="1"/>
+                <adec:decorative xmlns="" xmlns:adec="http://schemas.microsoft.com/office/drawing/2017/decorative" val="1"/>
               </a:ext>
             </a:extLst>
           </p:cNvPr>
@@ -12616,7 +12633,7 @@
           <p:nvPr>
             <p:extLst>
               <p:ext uri="{386F3935-93C4-4BCD-93E2-E3B085C9AB24}">
-                <p16:designElem xmlns:p16="http://schemas.microsoft.com/office/powerpoint/2015/main" xmlns="" val="1"/>
+                <p16:designElem xmlns="" xmlns:p16="http://schemas.microsoft.com/office/powerpoint/2015/main" val="1"/>
               </p:ext>
             </p:extLst>
           </p:nvPr>
@@ -12679,10 +12696,10 @@
           <p:cNvPr id="14" name="Rectangle 13">
             <a:extLst>
               <a:ext uri="{FF2B5EF4-FFF2-40B4-BE49-F238E27FC236}">
-                <a16:creationId xmlns:a16="http://schemas.microsoft.com/office/drawing/2014/main" xmlns="" id="{375E0459-6403-40CD-989D-56A4407CA12E}"/>
+                <a16:creationId xmlns="" xmlns:a16="http://schemas.microsoft.com/office/drawing/2014/main" id="{375E0459-6403-40CD-989D-56A4407CA12E}"/>
               </a:ext>
               <a:ext uri="{C183D7F6-B498-43B3-948B-1728B52AA6E4}">
-                <adec:decorative xmlns:adec="http://schemas.microsoft.com/office/drawing/2017/decorative" xmlns="" val="1"/>
+                <adec:decorative xmlns="" xmlns:adec="http://schemas.microsoft.com/office/drawing/2017/decorative" val="1"/>
               </a:ext>
             </a:extLst>
           </p:cNvPr>
@@ -12692,7 +12709,7 @@
           <p:nvPr>
             <p:extLst>
               <p:ext uri="{386F3935-93C4-4BCD-93E2-E3B085C9AB24}">
-                <p16:designElem xmlns:p16="http://schemas.microsoft.com/office/powerpoint/2015/main" xmlns="" val="1"/>
+                <p16:designElem xmlns="" xmlns:p16="http://schemas.microsoft.com/office/powerpoint/2015/main" val="1"/>
               </p:ext>
             </p:extLst>
           </p:nvPr>
@@ -12754,10 +12771,10 @@
           <p:cNvPr id="16" name="Rectangle 15">
             <a:extLst>
               <a:ext uri="{FF2B5EF4-FFF2-40B4-BE49-F238E27FC236}">
-                <a16:creationId xmlns:a16="http://schemas.microsoft.com/office/drawing/2014/main" xmlns="" id="{53E5B1A8-3AC9-4BD1-9BBC-78CA94F2D1BA}"/>
+                <a16:creationId xmlns="" xmlns:a16="http://schemas.microsoft.com/office/drawing/2014/main" id="{53E5B1A8-3AC9-4BD1-9BBC-78CA94F2D1BA}"/>
               </a:ext>
               <a:ext uri="{C183D7F6-B498-43B3-948B-1728B52AA6E4}">
-                <adec:decorative xmlns:adec="http://schemas.microsoft.com/office/drawing/2017/decorative" xmlns="" val="1"/>
+                <adec:decorative xmlns="" xmlns:adec="http://schemas.microsoft.com/office/drawing/2017/decorative" val="1"/>
               </a:ext>
             </a:extLst>
           </p:cNvPr>
@@ -12767,7 +12784,7 @@
           <p:nvPr>
             <p:extLst>
               <p:ext uri="{386F3935-93C4-4BCD-93E2-E3B085C9AB24}">
-                <p16:designElem xmlns:p16="http://schemas.microsoft.com/office/powerpoint/2015/main" xmlns="" val="1"/>
+                <p16:designElem xmlns="" xmlns:p16="http://schemas.microsoft.com/office/powerpoint/2015/main" val="1"/>
               </p:ext>
             </p:extLst>
           </p:nvPr>
@@ -12830,7 +12847,7 @@
           <p:cNvPr id="2" name="제목 1">
             <a:extLst>
               <a:ext uri="{FF2B5EF4-FFF2-40B4-BE49-F238E27FC236}">
-                <a16:creationId xmlns:a16="http://schemas.microsoft.com/office/drawing/2014/main" xmlns="" id="{D7235457-A6C6-F577-0AE8-2492AED11FDF}"/>
+                <a16:creationId xmlns="" xmlns:a16="http://schemas.microsoft.com/office/drawing/2014/main" id="{D7235457-A6C6-F577-0AE8-2492AED11FDF}"/>
               </a:ext>
             </a:extLst>
           </p:cNvPr>
@@ -12869,7 +12886,7 @@
           <p:cNvPr id="3" name="내용 개체 틀 2">
             <a:extLst>
               <a:ext uri="{FF2B5EF4-FFF2-40B4-BE49-F238E27FC236}">
-                <a16:creationId xmlns:a16="http://schemas.microsoft.com/office/drawing/2014/main" xmlns="" id="{A20C815D-EDE1-56C7-1746-3EB7001DB7A4}"/>
+                <a16:creationId xmlns="" xmlns:a16="http://schemas.microsoft.com/office/drawing/2014/main" id="{A20C815D-EDE1-56C7-1746-3EB7001DB7A4}"/>
               </a:ext>
             </a:extLst>
           </p:cNvPr>
